--- a/2013/Active Application Monitoring.pptx
+++ b/2013/Active Application Monitoring.pptx
@@ -291,7 +291,7 @@
             <a:fld id="{E1A1CCD6-B78E-41FF-82E7-396AB7E7DFD2}" type="datetimeFigureOut">
               <a:rPr lang="zh-TW" altLang="en-US" smtClean="0"/>
               <a:pPr/>
-              <a:t>2013/7/22</a:t>
+              <a:t>2013/7/31</a:t>
             </a:fld>
             <a:endParaRPr lang="zh-TW" altLang="en-US"/>
           </a:p>
@@ -470,7 +470,7 @@
             <a:fld id="{E1A1CCD6-B78E-41FF-82E7-396AB7E7DFD2}" type="datetimeFigureOut">
               <a:rPr lang="zh-TW" altLang="en-US" smtClean="0"/>
               <a:pPr/>
-              <a:t>2013/7/22</a:t>
+              <a:t>2013/7/31</a:t>
             </a:fld>
             <a:endParaRPr lang="zh-TW" altLang="en-US"/>
           </a:p>
@@ -652,7 +652,7 @@
             <a:fld id="{E1A1CCD6-B78E-41FF-82E7-396AB7E7DFD2}" type="datetimeFigureOut">
               <a:rPr lang="zh-TW" altLang="en-US" smtClean="0"/>
               <a:pPr/>
-              <a:t>2013/7/22</a:t>
+              <a:t>2013/7/31</a:t>
             </a:fld>
             <a:endParaRPr lang="zh-TW" altLang="en-US"/>
           </a:p>
@@ -824,7 +824,7 @@
             <a:fld id="{E1A1CCD6-B78E-41FF-82E7-396AB7E7DFD2}" type="datetimeFigureOut">
               <a:rPr lang="zh-TW" altLang="en-US" smtClean="0"/>
               <a:pPr/>
-              <a:t>2013/7/22</a:t>
+              <a:t>2013/7/31</a:t>
             </a:fld>
             <a:endParaRPr lang="zh-TW" altLang="en-US"/>
           </a:p>
@@ -1072,7 +1072,7 @@
             <a:fld id="{E1A1CCD6-B78E-41FF-82E7-396AB7E7DFD2}" type="datetimeFigureOut">
               <a:rPr lang="zh-TW" altLang="en-US" smtClean="0"/>
               <a:pPr/>
-              <a:t>2013/7/22</a:t>
+              <a:t>2013/7/31</a:t>
             </a:fld>
             <a:endParaRPr lang="zh-TW" altLang="en-US"/>
           </a:p>
@@ -1362,7 +1362,7 @@
             <a:fld id="{E1A1CCD6-B78E-41FF-82E7-396AB7E7DFD2}" type="datetimeFigureOut">
               <a:rPr lang="zh-TW" altLang="en-US" smtClean="0"/>
               <a:pPr/>
-              <a:t>2013/7/22</a:t>
+              <a:t>2013/7/31</a:t>
             </a:fld>
             <a:endParaRPr lang="zh-TW" altLang="en-US"/>
           </a:p>
@@ -1786,7 +1786,7 @@
             <a:fld id="{E1A1CCD6-B78E-41FF-82E7-396AB7E7DFD2}" type="datetimeFigureOut">
               <a:rPr lang="zh-TW" altLang="en-US" smtClean="0"/>
               <a:pPr/>
-              <a:t>2013/7/22</a:t>
+              <a:t>2013/7/31</a:t>
             </a:fld>
             <a:endParaRPr lang="zh-TW" altLang="en-US"/>
           </a:p>
@@ -1906,7 +1906,7 @@
             <a:fld id="{E1A1CCD6-B78E-41FF-82E7-396AB7E7DFD2}" type="datetimeFigureOut">
               <a:rPr lang="zh-TW" altLang="en-US" smtClean="0"/>
               <a:pPr/>
-              <a:t>2013/7/22</a:t>
+              <a:t>2013/7/31</a:t>
             </a:fld>
             <a:endParaRPr lang="zh-TW" altLang="en-US"/>
           </a:p>
@@ -2003,7 +2003,7 @@
             <a:fld id="{E1A1CCD6-B78E-41FF-82E7-396AB7E7DFD2}" type="datetimeFigureOut">
               <a:rPr lang="zh-TW" altLang="en-US" smtClean="0"/>
               <a:pPr/>
-              <a:t>2013/7/22</a:t>
+              <a:t>2013/7/31</a:t>
             </a:fld>
             <a:endParaRPr lang="zh-TW" altLang="en-US"/>
           </a:p>
@@ -2282,7 +2282,7 @@
             <a:fld id="{E1A1CCD6-B78E-41FF-82E7-396AB7E7DFD2}" type="datetimeFigureOut">
               <a:rPr lang="zh-TW" altLang="en-US" smtClean="0"/>
               <a:pPr/>
-              <a:t>2013/7/22</a:t>
+              <a:t>2013/7/31</a:t>
             </a:fld>
             <a:endParaRPr lang="zh-TW" altLang="en-US"/>
           </a:p>
@@ -2537,7 +2537,7 @@
             <a:fld id="{E1A1CCD6-B78E-41FF-82E7-396AB7E7DFD2}" type="datetimeFigureOut">
               <a:rPr lang="zh-TW" altLang="en-US" smtClean="0"/>
               <a:pPr/>
-              <a:t>2013/7/22</a:t>
+              <a:t>2013/7/31</a:t>
             </a:fld>
             <a:endParaRPr lang="zh-TW" altLang="en-US"/>
           </a:p>
@@ -2793,7 +2793,7 @@
             <a:fld id="{E1A1CCD6-B78E-41FF-82E7-396AB7E7DFD2}" type="datetimeFigureOut">
               <a:rPr lang="zh-TW" altLang="en-US" smtClean="0"/>
               <a:pPr/>
-              <a:t>2013/7/22</a:t>
+              <a:t>2013/7/31</a:t>
             </a:fld>
             <a:endParaRPr lang="zh-TW" altLang="en-US"/>
           </a:p>

--- a/2013/Active Application Monitoring.pptx
+++ b/2013/Active Application Monitoring.pptx
@@ -6,8 +6,32 @@
   </p:sldMasterIdLst>
   <p:sldIdLst>
     <p:sldId id="256" r:id="rId2"/>
-    <p:sldId id="257" r:id="rId3"/>
-    <p:sldId id="258" r:id="rId4"/>
+    <p:sldId id="260" r:id="rId3"/>
+    <p:sldId id="259" r:id="rId4"/>
+    <p:sldId id="269" r:id="rId5"/>
+    <p:sldId id="257" r:id="rId6"/>
+    <p:sldId id="258" r:id="rId7"/>
+    <p:sldId id="261" r:id="rId8"/>
+    <p:sldId id="262" r:id="rId9"/>
+    <p:sldId id="263" r:id="rId10"/>
+    <p:sldId id="264" r:id="rId11"/>
+    <p:sldId id="266" r:id="rId12"/>
+    <p:sldId id="265" r:id="rId13"/>
+    <p:sldId id="267" r:id="rId14"/>
+    <p:sldId id="268" r:id="rId15"/>
+    <p:sldId id="271" r:id="rId16"/>
+    <p:sldId id="272" r:id="rId17"/>
+    <p:sldId id="273" r:id="rId18"/>
+    <p:sldId id="274" r:id="rId19"/>
+    <p:sldId id="275" r:id="rId20"/>
+    <p:sldId id="276" r:id="rId21"/>
+    <p:sldId id="277" r:id="rId22"/>
+    <p:sldId id="278" r:id="rId23"/>
+    <p:sldId id="279" r:id="rId24"/>
+    <p:sldId id="280" r:id="rId25"/>
+    <p:sldId id="281" r:id="rId26"/>
+    <p:sldId id="282" r:id="rId27"/>
+    <p:sldId id="283" r:id="rId28"/>
   </p:sldIdLst>
   <p:sldSz cx="9144000" cy="6858000" type="screen4x3"/>
   <p:notesSz cx="6858000" cy="9144000"/>
@@ -291,7 +315,7 @@
             <a:fld id="{E1A1CCD6-B78E-41FF-82E7-396AB7E7DFD2}" type="datetimeFigureOut">
               <a:rPr lang="zh-TW" altLang="en-US" smtClean="0"/>
               <a:pPr/>
-              <a:t>2013/7/31</a:t>
+              <a:t>2013/8/1</a:t>
             </a:fld>
             <a:endParaRPr lang="zh-TW" altLang="en-US"/>
           </a:p>
@@ -470,7 +494,7 @@
             <a:fld id="{E1A1CCD6-B78E-41FF-82E7-396AB7E7DFD2}" type="datetimeFigureOut">
               <a:rPr lang="zh-TW" altLang="en-US" smtClean="0"/>
               <a:pPr/>
-              <a:t>2013/7/31</a:t>
+              <a:t>2013/8/1</a:t>
             </a:fld>
             <a:endParaRPr lang="zh-TW" altLang="en-US"/>
           </a:p>
@@ -652,7 +676,7 @@
             <a:fld id="{E1A1CCD6-B78E-41FF-82E7-396AB7E7DFD2}" type="datetimeFigureOut">
               <a:rPr lang="zh-TW" altLang="en-US" smtClean="0"/>
               <a:pPr/>
-              <a:t>2013/7/31</a:t>
+              <a:t>2013/8/1</a:t>
             </a:fld>
             <a:endParaRPr lang="zh-TW" altLang="en-US"/>
           </a:p>
@@ -824,7 +848,7 @@
             <a:fld id="{E1A1CCD6-B78E-41FF-82E7-396AB7E7DFD2}" type="datetimeFigureOut">
               <a:rPr lang="zh-TW" altLang="en-US" smtClean="0"/>
               <a:pPr/>
-              <a:t>2013/7/31</a:t>
+              <a:t>2013/8/1</a:t>
             </a:fld>
             <a:endParaRPr lang="zh-TW" altLang="en-US"/>
           </a:p>
@@ -1072,7 +1096,7 @@
             <a:fld id="{E1A1CCD6-B78E-41FF-82E7-396AB7E7DFD2}" type="datetimeFigureOut">
               <a:rPr lang="zh-TW" altLang="en-US" smtClean="0"/>
               <a:pPr/>
-              <a:t>2013/7/31</a:t>
+              <a:t>2013/8/1</a:t>
             </a:fld>
             <a:endParaRPr lang="zh-TW" altLang="en-US"/>
           </a:p>
@@ -1362,7 +1386,7 @@
             <a:fld id="{E1A1CCD6-B78E-41FF-82E7-396AB7E7DFD2}" type="datetimeFigureOut">
               <a:rPr lang="zh-TW" altLang="en-US" smtClean="0"/>
               <a:pPr/>
-              <a:t>2013/7/31</a:t>
+              <a:t>2013/8/1</a:t>
             </a:fld>
             <a:endParaRPr lang="zh-TW" altLang="en-US"/>
           </a:p>
@@ -1786,7 +1810,7 @@
             <a:fld id="{E1A1CCD6-B78E-41FF-82E7-396AB7E7DFD2}" type="datetimeFigureOut">
               <a:rPr lang="zh-TW" altLang="en-US" smtClean="0"/>
               <a:pPr/>
-              <a:t>2013/7/31</a:t>
+              <a:t>2013/8/1</a:t>
             </a:fld>
             <a:endParaRPr lang="zh-TW" altLang="en-US"/>
           </a:p>
@@ -1906,7 +1930,7 @@
             <a:fld id="{E1A1CCD6-B78E-41FF-82E7-396AB7E7DFD2}" type="datetimeFigureOut">
               <a:rPr lang="zh-TW" altLang="en-US" smtClean="0"/>
               <a:pPr/>
-              <a:t>2013/7/31</a:t>
+              <a:t>2013/8/1</a:t>
             </a:fld>
             <a:endParaRPr lang="zh-TW" altLang="en-US"/>
           </a:p>
@@ -2003,7 +2027,7 @@
             <a:fld id="{E1A1CCD6-B78E-41FF-82E7-396AB7E7DFD2}" type="datetimeFigureOut">
               <a:rPr lang="zh-TW" altLang="en-US" smtClean="0"/>
               <a:pPr/>
-              <a:t>2013/7/31</a:t>
+              <a:t>2013/8/1</a:t>
             </a:fld>
             <a:endParaRPr lang="zh-TW" altLang="en-US"/>
           </a:p>
@@ -2282,7 +2306,7 @@
             <a:fld id="{E1A1CCD6-B78E-41FF-82E7-396AB7E7DFD2}" type="datetimeFigureOut">
               <a:rPr lang="zh-TW" altLang="en-US" smtClean="0"/>
               <a:pPr/>
-              <a:t>2013/7/31</a:t>
+              <a:t>2013/8/1</a:t>
             </a:fld>
             <a:endParaRPr lang="zh-TW" altLang="en-US"/>
           </a:p>
@@ -2537,7 +2561,7 @@
             <a:fld id="{E1A1CCD6-B78E-41FF-82E7-396AB7E7DFD2}" type="datetimeFigureOut">
               <a:rPr lang="zh-TW" altLang="en-US" smtClean="0"/>
               <a:pPr/>
-              <a:t>2013/7/31</a:t>
+              <a:t>2013/8/1</a:t>
             </a:fld>
             <a:endParaRPr lang="zh-TW" altLang="en-US"/>
           </a:p>
@@ -2793,7 +2817,7 @@
             <a:fld id="{E1A1CCD6-B78E-41FF-82E7-396AB7E7DFD2}" type="datetimeFigureOut">
               <a:rPr lang="zh-TW" altLang="en-US" smtClean="0"/>
               <a:pPr/>
-              <a:t>2013/7/31</a:t>
+              <a:t>2013/8/1</a:t>
             </a:fld>
             <a:endParaRPr lang="zh-TW" altLang="en-US"/>
           </a:p>
@@ -3227,12 +3251,81 @@
             <p:ph type="subTitle" idx="1"/>
           </p:nvPr>
         </p:nvSpPr>
-        <p:spPr/>
+        <p:spPr>
+          <a:xfrm>
+            <a:off x="1371600" y="4293096"/>
+            <a:ext cx="6400800" cy="1752600"/>
+          </a:xfrm>
+        </p:spPr>
         <p:txBody>
           <a:bodyPr/>
           <a:lstStyle/>
           <a:p>
-            <a:endParaRPr lang="zh-TW" altLang="en-US" dirty="0"/>
+            <a:r>
+              <a:rPr lang="en-US" altLang="zh-TW" dirty="0">
+                <a:solidFill>
+                  <a:schemeClr val="tx1">
+                    <a:lumMod val="75000"/>
+                    <a:lumOff val="25000"/>
+                  </a:schemeClr>
+                </a:solidFill>
+              </a:rPr>
+              <a:t>Active Application </a:t>
+            </a:r>
+            <a:r>
+              <a:rPr lang="en-US" altLang="zh-TW" dirty="0" smtClean="0">
+                <a:solidFill>
+                  <a:schemeClr val="tx1">
+                    <a:lumMod val="75000"/>
+                    <a:lumOff val="25000"/>
+                  </a:schemeClr>
+                </a:solidFill>
+              </a:rPr>
+              <a:t>Monitoring</a:t>
+            </a:r>
+          </a:p>
+          <a:p>
+            <a:r>
+              <a:rPr lang="zh-TW" altLang="en-US" sz="2000" dirty="0" smtClean="0">
+                <a:solidFill>
+                  <a:schemeClr val="tx1">
+                    <a:lumMod val="75000"/>
+                    <a:lumOff val="25000"/>
+                  </a:schemeClr>
+                </a:solidFill>
+              </a:rPr>
+              <a:t> 一段旅程，與對</a:t>
+            </a:r>
+            <a:r>
+              <a:rPr lang="en-US" altLang="zh-TW" sz="2000" dirty="0" smtClean="0">
+                <a:solidFill>
+                  <a:schemeClr val="tx1">
+                    <a:lumMod val="75000"/>
+                    <a:lumOff val="25000"/>
+                  </a:schemeClr>
+                </a:solidFill>
+              </a:rPr>
+              <a:t>Application Monitoring </a:t>
+            </a:r>
+            <a:r>
+              <a:rPr lang="zh-TW" altLang="en-US" sz="2000" dirty="0" smtClean="0">
+                <a:solidFill>
+                  <a:schemeClr val="tx1">
+                    <a:lumMod val="75000"/>
+                    <a:lumOff val="25000"/>
+                  </a:schemeClr>
+                </a:solidFill>
+              </a:rPr>
+              <a:t>的一些想法</a:t>
+            </a:r>
+            <a:endParaRPr lang="zh-TW" altLang="en-US" sz="2000" dirty="0">
+              <a:solidFill>
+                <a:schemeClr val="tx1">
+                  <a:lumMod val="75000"/>
+                  <a:lumOff val="25000"/>
+                </a:schemeClr>
+              </a:solidFill>
+            </a:endParaRPr>
           </a:p>
         </p:txBody>
       </p:sp>
@@ -3256,7 +3349,7 @@
 </p:sld>
 </file>
 
-<file path=ppt/slides/slide2.xml><?xml version="1.0" encoding="utf-8"?>
+<file path=ppt/slides/slide10.xml><?xml version="1.0" encoding="utf-8"?>
 <p:sld xmlns:a="http://schemas.openxmlformats.org/drawingml/2006/main" xmlns:r="http://schemas.openxmlformats.org/officeDocument/2006/relationships" xmlns:p="http://schemas.openxmlformats.org/presentationml/2006/main">
   <p:cSld>
     <p:spTree>
@@ -3288,7 +3381,23 @@
           <a:bodyPr/>
           <a:lstStyle/>
           <a:p>
-            <a:endParaRPr lang="zh-TW" altLang="en-US"/>
+            <a:r>
+              <a:rPr lang="en-US" altLang="zh-TW" dirty="0"/>
+              <a:t>Biz Team</a:t>
+            </a:r>
+            <a:r>
+              <a:rPr lang="zh-TW" altLang="en-US" dirty="0"/>
+              <a:t>的</a:t>
+            </a:r>
+            <a:r>
+              <a:rPr lang="zh-TW" altLang="en-US" dirty="0" smtClean="0"/>
+              <a:t>處理</a:t>
+            </a:r>
+            <a:r>
+              <a:rPr lang="en-US" altLang="zh-TW" dirty="0" smtClean="0"/>
+              <a:t>(3)</a:t>
+            </a:r>
+            <a:endParaRPr lang="zh-TW" altLang="en-US" dirty="0"/>
           </a:p>
         </p:txBody>
       </p:sp>
@@ -3304,17 +3413,914 @@
         </p:nvSpPr>
         <p:spPr/>
         <p:txBody>
-          <a:bodyPr/>
+          <a:bodyPr>
+            <a:normAutofit fontScale="92500" lnSpcReduction="10000"/>
+          </a:bodyPr>
           <a:lstStyle/>
           <a:p>
-            <a:endParaRPr lang="zh-TW" altLang="en-US" dirty="0"/>
-          </a:p>
-        </p:txBody>
-      </p:sp>
+            <a:pPr marL="0" indent="0">
+              <a:buNone/>
+            </a:pPr>
+            <a:r>
+              <a:rPr lang="zh-TW" altLang="en-US" dirty="0" smtClean="0"/>
+              <a:t>於是</a:t>
+            </a:r>
+            <a:r>
+              <a:rPr lang="en-US" altLang="zh-TW" dirty="0" smtClean="0"/>
+              <a:t>Biz Team</a:t>
+            </a:r>
+            <a:r>
+              <a:rPr lang="zh-TW" altLang="en-US" dirty="0" smtClean="0"/>
+              <a:t>的人很直覺的在每個</a:t>
+            </a:r>
+            <a:r>
+              <a:rPr lang="en-US" altLang="zh-TW" dirty="0" smtClean="0"/>
+              <a:t>Service request</a:t>
+            </a:r>
+            <a:r>
+              <a:rPr lang="zh-TW" altLang="en-US" dirty="0" smtClean="0"/>
+              <a:t>會經過的</a:t>
+            </a:r>
+            <a:r>
+              <a:rPr lang="en-US" altLang="zh-TW" dirty="0" smtClean="0"/>
+              <a:t>Filter </a:t>
+            </a:r>
+            <a:r>
+              <a:rPr lang="zh-TW" altLang="en-US" dirty="0" smtClean="0"/>
+              <a:t>加了一段：</a:t>
+            </a:r>
+            <a:endParaRPr lang="en-US" altLang="zh-TW" dirty="0" smtClean="0"/>
+          </a:p>
+          <a:p>
+            <a:pPr marL="0" indent="0">
+              <a:buNone/>
+            </a:pPr>
+            <a:endParaRPr lang="en-US" altLang="zh-TW" dirty="0" smtClean="0"/>
+          </a:p>
+          <a:p>
+            <a:pPr marL="0" indent="0">
+              <a:buNone/>
+            </a:pPr>
+            <a:endParaRPr lang="en-US" altLang="zh-TW" dirty="0" smtClean="0"/>
+          </a:p>
+          <a:p>
+            <a:pPr marL="0" indent="0">
+              <a:buNone/>
+            </a:pPr>
+            <a:endParaRPr lang="en-US" altLang="zh-TW" dirty="0"/>
+          </a:p>
+          <a:p>
+            <a:pPr marL="0" indent="0">
+              <a:buNone/>
+            </a:pPr>
+            <a:endParaRPr lang="en-US" altLang="zh-TW" dirty="0" smtClean="0"/>
+          </a:p>
+          <a:p>
+            <a:pPr marL="0" indent="0">
+              <a:buNone/>
+            </a:pPr>
+            <a:endParaRPr lang="en-US" altLang="zh-TW" dirty="0"/>
+          </a:p>
+          <a:p>
+            <a:pPr marL="0" indent="0">
+              <a:buNone/>
+            </a:pPr>
+            <a:r>
+              <a:rPr lang="zh-TW" altLang="en-US" dirty="0" smtClean="0"/>
+              <a:t>很原始，但有效，出來的數據證明了問題不在他們這邊。</a:t>
+            </a:r>
+            <a:endParaRPr lang="en-US" altLang="zh-TW" dirty="0" smtClean="0"/>
+          </a:p>
+        </p:txBody>
+      </p:sp>
+      <p:pic>
+        <p:nvPicPr>
+          <p:cNvPr id="2051" name="Picture 3"/>
+          <p:cNvPicPr>
+            <a:picLocks noChangeAspect="1" noChangeArrowheads="1"/>
+          </p:cNvPicPr>
+          <p:nvPr/>
+        </p:nvPicPr>
+        <p:blipFill>
+          <a:blip r:embed="rId2">
+            <a:extLst>
+              <a:ext uri="{28A0092B-C50C-407E-A947-70E740481C1C}">
+                <a14:useLocalDpi xmlns:a14="http://schemas.microsoft.com/office/drawing/2010/main" val="0"/>
+              </a:ext>
+            </a:extLst>
+          </a:blip>
+          <a:srcRect/>
+          <a:stretch>
+            <a:fillRect/>
+          </a:stretch>
+        </p:blipFill>
+        <p:spPr bwMode="auto">
+          <a:xfrm>
+            <a:off x="755576" y="2852936"/>
+            <a:ext cx="7380287" cy="1701800"/>
+          </a:xfrm>
+          <a:prstGeom prst="rect">
+            <a:avLst/>
+          </a:prstGeom>
+          <a:noFill/>
+          <a:ln>
+            <a:noFill/>
+          </a:ln>
+          <a:extLst>
+            <a:ext uri="{909E8E84-426E-40DD-AFC4-6F175D3DCCD1}">
+              <a14:hiddenFill xmlns:a14="http://schemas.microsoft.com/office/drawing/2010/main">
+                <a:solidFill>
+                  <a:schemeClr val="accent1"/>
+                </a:solidFill>
+              </a14:hiddenFill>
+            </a:ext>
+            <a:ext uri="{91240B29-F687-4F45-9708-019B960494DF}">
+              <a14:hiddenLine xmlns:a14="http://schemas.microsoft.com/office/drawing/2010/main" w="9525">
+                <a:solidFill>
+                  <a:schemeClr val="tx1"/>
+                </a:solidFill>
+                <a:miter lim="800000"/>
+                <a:headEnd/>
+                <a:tailEnd/>
+              </a14:hiddenLine>
+            </a:ext>
+          </a:extLst>
+        </p:spPr>
+      </p:pic>
     </p:spTree>
     <p:extLst>
       <p:ext uri="{BB962C8B-B14F-4D97-AF65-F5344CB8AC3E}">
-        <p14:creationId xmlns:p14="http://schemas.microsoft.com/office/powerpoint/2010/main" val="121266049"/>
+        <p14:creationId xmlns:p14="http://schemas.microsoft.com/office/powerpoint/2010/main" val="3689951603"/>
+      </p:ext>
+    </p:extLst>
+  </p:cSld>
+  <p:clrMapOvr>
+    <a:masterClrMapping/>
+  </p:clrMapOvr>
+  <p:timing>
+    <p:tnLst>
+      <p:par>
+        <p:cTn id="1" dur="indefinite" restart="never" nodeType="tmRoot">
+          <p:childTnLst>
+            <p:seq concurrent="1" nextAc="seek">
+              <p:cTn id="2" dur="indefinite" nodeType="mainSeq">
+                <p:childTnLst>
+                  <p:par>
+                    <p:cTn id="3" fill="hold">
+                      <p:stCondLst>
+                        <p:cond delay="indefinite"/>
+                      </p:stCondLst>
+                      <p:childTnLst>
+                        <p:par>
+                          <p:cTn id="4" fill="hold">
+                            <p:stCondLst>
+                              <p:cond delay="0"/>
+                            </p:stCondLst>
+                            <p:childTnLst>
+                              <p:par>
+                                <p:cTn id="5" presetID="1" presetClass="entr" presetSubtype="0" fill="hold" nodeType="clickEffect">
+                                  <p:stCondLst>
+                                    <p:cond delay="0"/>
+                                  </p:stCondLst>
+                                  <p:childTnLst>
+                                    <p:set>
+                                      <p:cBhvr>
+                                        <p:cTn id="6" dur="1" fill="hold">
+                                          <p:stCondLst>
+                                            <p:cond delay="0"/>
+                                          </p:stCondLst>
+                                        </p:cTn>
+                                        <p:tgtEl>
+                                          <p:spTgt spid="2051"/>
+                                        </p:tgtEl>
+                                        <p:attrNameLst>
+                                          <p:attrName>style.visibility</p:attrName>
+                                        </p:attrNameLst>
+                                      </p:cBhvr>
+                                      <p:to>
+                                        <p:strVal val="visible"/>
+                                      </p:to>
+                                    </p:set>
+                                  </p:childTnLst>
+                                </p:cTn>
+                              </p:par>
+                            </p:childTnLst>
+                          </p:cTn>
+                        </p:par>
+                      </p:childTnLst>
+                    </p:cTn>
+                  </p:par>
+                  <p:par>
+                    <p:cTn id="7" fill="hold">
+                      <p:stCondLst>
+                        <p:cond delay="indefinite"/>
+                      </p:stCondLst>
+                      <p:childTnLst>
+                        <p:par>
+                          <p:cTn id="8" fill="hold">
+                            <p:stCondLst>
+                              <p:cond delay="0"/>
+                            </p:stCondLst>
+                            <p:childTnLst>
+                              <p:par>
+                                <p:cTn id="9" presetID="1" presetClass="entr" presetSubtype="0" fill="hold" nodeType="clickEffect">
+                                  <p:stCondLst>
+                                    <p:cond delay="0"/>
+                                  </p:stCondLst>
+                                  <p:childTnLst>
+                                    <p:set>
+                                      <p:cBhvr>
+                                        <p:cTn id="10" dur="1" fill="hold">
+                                          <p:stCondLst>
+                                            <p:cond delay="0"/>
+                                          </p:stCondLst>
+                                        </p:cTn>
+                                        <p:tgtEl>
+                                          <p:spTgt spid="5">
+                                            <p:txEl>
+                                              <p:pRg st="6" end="6"/>
+                                            </p:txEl>
+                                          </p:spTgt>
+                                        </p:tgtEl>
+                                        <p:attrNameLst>
+                                          <p:attrName>style.visibility</p:attrName>
+                                        </p:attrNameLst>
+                                      </p:cBhvr>
+                                      <p:to>
+                                        <p:strVal val="visible"/>
+                                      </p:to>
+                                    </p:set>
+                                  </p:childTnLst>
+                                </p:cTn>
+                              </p:par>
+                            </p:childTnLst>
+                          </p:cTn>
+                        </p:par>
+                      </p:childTnLst>
+                    </p:cTn>
+                  </p:par>
+                </p:childTnLst>
+              </p:cTn>
+              <p:prevCondLst>
+                <p:cond evt="onPrev" delay="0">
+                  <p:tgtEl>
+                    <p:sldTgt/>
+                  </p:tgtEl>
+                </p:cond>
+              </p:prevCondLst>
+              <p:nextCondLst>
+                <p:cond evt="onNext" delay="0">
+                  <p:tgtEl>
+                    <p:sldTgt/>
+                  </p:tgtEl>
+                </p:cond>
+              </p:nextCondLst>
+            </p:seq>
+          </p:childTnLst>
+        </p:cTn>
+      </p:par>
+    </p:tnLst>
+  </p:timing>
+</p:sld>
+</file>
+
+<file path=ppt/slides/slide11.xml><?xml version="1.0" encoding="utf-8"?>
+<p:sld xmlns:a="http://schemas.openxmlformats.org/drawingml/2006/main" xmlns:r="http://schemas.openxmlformats.org/officeDocument/2006/relationships" xmlns:p="http://schemas.openxmlformats.org/presentationml/2006/main">
+  <p:cSld>
+    <p:spTree>
+      <p:nvGrpSpPr>
+        <p:cNvPr id="1" name=""/>
+        <p:cNvGrpSpPr/>
+        <p:nvPr/>
+      </p:nvGrpSpPr>
+      <p:grpSpPr>
+        <a:xfrm>
+          <a:off x="0" y="0"/>
+          <a:ext cx="0" cy="0"/>
+          <a:chOff x="0" y="0"/>
+          <a:chExt cx="0" cy="0"/>
+        </a:xfrm>
+      </p:grpSpPr>
+      <p:sp>
+        <p:nvSpPr>
+          <p:cNvPr id="4" name="標題 3"/>
+          <p:cNvSpPr>
+            <a:spLocks noGrp="1"/>
+          </p:cNvSpPr>
+          <p:nvPr>
+            <p:ph type="title"/>
+          </p:nvPr>
+        </p:nvSpPr>
+        <p:spPr/>
+        <p:txBody>
+          <a:bodyPr/>
+          <a:lstStyle/>
+          <a:p>
+            <a:r>
+              <a:rPr lang="en-US" altLang="zh-TW" dirty="0" smtClean="0"/>
+              <a:t>Web </a:t>
+            </a:r>
+            <a:r>
+              <a:rPr lang="en-US" altLang="zh-TW" dirty="0"/>
+              <a:t>Team</a:t>
+            </a:r>
+            <a:r>
+              <a:rPr lang="zh-TW" altLang="en-US" dirty="0"/>
+              <a:t>的</a:t>
+            </a:r>
+            <a:r>
+              <a:rPr lang="zh-TW" altLang="en-US" dirty="0" smtClean="0"/>
+              <a:t>處理</a:t>
+            </a:r>
+            <a:r>
+              <a:rPr lang="en-US" altLang="zh-TW" dirty="0" smtClean="0"/>
+              <a:t>(1)</a:t>
+            </a:r>
+            <a:endParaRPr lang="zh-TW" altLang="en-US" dirty="0"/>
+          </a:p>
+        </p:txBody>
+      </p:sp>
+      <p:sp>
+        <p:nvSpPr>
+          <p:cNvPr id="5" name="內容版面配置區 4"/>
+          <p:cNvSpPr>
+            <a:spLocks noGrp="1"/>
+          </p:cNvSpPr>
+          <p:nvPr>
+            <p:ph idx="1"/>
+          </p:nvPr>
+        </p:nvSpPr>
+        <p:spPr/>
+        <p:txBody>
+          <a:bodyPr>
+            <a:normAutofit lnSpcReduction="10000"/>
+          </a:bodyPr>
+          <a:lstStyle/>
+          <a:p>
+            <a:pPr marL="0" indent="0">
+              <a:buNone/>
+            </a:pPr>
+            <a:r>
+              <a:rPr lang="en-US" altLang="zh-TW" dirty="0" smtClean="0"/>
+              <a:t>Web Team </a:t>
+            </a:r>
+            <a:r>
+              <a:rPr lang="zh-TW" altLang="en-US" dirty="0" smtClean="0"/>
+              <a:t>這邊就沒那麼幸運了，因為：</a:t>
+            </a:r>
+            <a:endParaRPr lang="en-US" altLang="zh-TW" dirty="0" smtClean="0"/>
+          </a:p>
+          <a:p>
+            <a:pPr marL="0" indent="0">
+              <a:buNone/>
+            </a:pPr>
+            <a:endParaRPr lang="en-US" altLang="zh-TW" dirty="0" smtClean="0"/>
+          </a:p>
+          <a:p>
+            <a:pPr marL="0" indent="0">
+              <a:buNone/>
+            </a:pPr>
+            <a:endParaRPr lang="en-US" altLang="zh-TW" dirty="0"/>
+          </a:p>
+          <a:p>
+            <a:pPr marL="0" indent="0">
+              <a:buNone/>
+            </a:pPr>
+            <a:endParaRPr lang="en-US" altLang="zh-TW" dirty="0" smtClean="0"/>
+          </a:p>
+          <a:p>
+            <a:pPr marL="0" indent="0">
+              <a:buNone/>
+            </a:pPr>
+            <a:endParaRPr lang="en-US" altLang="zh-TW" dirty="0"/>
+          </a:p>
+          <a:p>
+            <a:pPr marL="0" indent="0">
+              <a:buNone/>
+            </a:pPr>
+            <a:endParaRPr lang="en-US" altLang="zh-TW" dirty="0" smtClean="0"/>
+          </a:p>
+          <a:p>
+            <a:pPr marL="0" indent="0">
+              <a:buNone/>
+            </a:pPr>
+            <a:endParaRPr lang="en-US" altLang="zh-TW" dirty="0"/>
+          </a:p>
+          <a:p>
+            <a:pPr marL="0" indent="0">
+              <a:buNone/>
+            </a:pPr>
+            <a:r>
+              <a:rPr lang="zh-TW" altLang="en-US" dirty="0" smtClean="0"/>
+              <a:t>找到 </a:t>
+            </a:r>
+            <a:r>
+              <a:rPr lang="en-US" altLang="zh-TW" dirty="0" smtClean="0"/>
+              <a:t>method K </a:t>
+            </a:r>
+            <a:r>
+              <a:rPr lang="zh-TW" altLang="en-US" dirty="0" smtClean="0"/>
+              <a:t>才會知道原因。</a:t>
+            </a:r>
+            <a:endParaRPr lang="en-US" altLang="zh-TW" dirty="0" smtClean="0"/>
+          </a:p>
+        </p:txBody>
+      </p:sp>
+      <p:pic>
+        <p:nvPicPr>
+          <p:cNvPr id="3074" name="Picture 2"/>
+          <p:cNvPicPr>
+            <a:picLocks noChangeAspect="1" noChangeArrowheads="1"/>
+          </p:cNvPicPr>
+          <p:nvPr/>
+        </p:nvPicPr>
+        <p:blipFill>
+          <a:blip r:embed="rId2">
+            <a:extLst>
+              <a:ext uri="{28A0092B-C50C-407E-A947-70E740481C1C}">
+                <a14:useLocalDpi xmlns:a14="http://schemas.microsoft.com/office/drawing/2010/main" val="0"/>
+              </a:ext>
+            </a:extLst>
+          </a:blip>
+          <a:srcRect/>
+          <a:stretch>
+            <a:fillRect/>
+          </a:stretch>
+        </p:blipFill>
+        <p:spPr bwMode="auto">
+          <a:xfrm>
+            <a:off x="467544" y="2204864"/>
+            <a:ext cx="8208912" cy="3025122"/>
+          </a:xfrm>
+          <a:prstGeom prst="rect">
+            <a:avLst/>
+          </a:prstGeom>
+          <a:noFill/>
+          <a:ln>
+            <a:noFill/>
+          </a:ln>
+          <a:extLst>
+            <a:ext uri="{909E8E84-426E-40DD-AFC4-6F175D3DCCD1}">
+              <a14:hiddenFill xmlns:a14="http://schemas.microsoft.com/office/drawing/2010/main">
+                <a:solidFill>
+                  <a:schemeClr val="accent1"/>
+                </a:solidFill>
+              </a14:hiddenFill>
+            </a:ext>
+            <a:ext uri="{91240B29-F687-4F45-9708-019B960494DF}">
+              <a14:hiddenLine xmlns:a14="http://schemas.microsoft.com/office/drawing/2010/main" w="9525">
+                <a:solidFill>
+                  <a:schemeClr val="tx1"/>
+                </a:solidFill>
+                <a:miter lim="800000"/>
+                <a:headEnd/>
+                <a:tailEnd/>
+              </a14:hiddenLine>
+            </a:ext>
+          </a:extLst>
+        </p:spPr>
+      </p:pic>
+      <p:sp>
+        <p:nvSpPr>
+          <p:cNvPr id="8" name="Rectangle 31"/>
+          <p:cNvSpPr/>
+          <p:nvPr/>
+        </p:nvSpPr>
+        <p:spPr>
+          <a:xfrm>
+            <a:off x="2604442" y="3607696"/>
+            <a:ext cx="5855990" cy="708550"/>
+          </a:xfrm>
+          <a:prstGeom prst="rect">
+            <a:avLst/>
+          </a:prstGeom>
+          <a:noFill/>
+          <a:ln w="31750">
+            <a:solidFill>
+              <a:srgbClr val="FF0000"/>
+            </a:solidFill>
+          </a:ln>
+        </p:spPr>
+        <p:style>
+          <a:lnRef idx="2">
+            <a:schemeClr val="accent1">
+              <a:shade val="50000"/>
+            </a:schemeClr>
+          </a:lnRef>
+          <a:fillRef idx="1">
+            <a:schemeClr val="accent1"/>
+          </a:fillRef>
+          <a:effectRef idx="0">
+            <a:schemeClr val="accent1"/>
+          </a:effectRef>
+          <a:fontRef idx="minor">
+            <a:schemeClr val="lt1"/>
+          </a:fontRef>
+        </p:style>
+        <p:txBody>
+          <a:bodyPr rtlCol="0" anchor="ctr"/>
+          <a:lstStyle/>
+          <a:p>
+            <a:pPr algn="ctr"/>
+            <a:endParaRPr lang="zh-TW" altLang="en-US"/>
+          </a:p>
+        </p:txBody>
+      </p:sp>
+    </p:spTree>
+    <p:extLst>
+      <p:ext uri="{BB962C8B-B14F-4D97-AF65-F5344CB8AC3E}">
+        <p14:creationId xmlns:p14="http://schemas.microsoft.com/office/powerpoint/2010/main" val="3033459311"/>
+      </p:ext>
+    </p:extLst>
+  </p:cSld>
+  <p:clrMapOvr>
+    <a:masterClrMapping/>
+  </p:clrMapOvr>
+  <p:timing>
+    <p:tnLst>
+      <p:par>
+        <p:cTn id="1" dur="indefinite" restart="never" nodeType="tmRoot">
+          <p:childTnLst>
+            <p:seq concurrent="1" nextAc="seek">
+              <p:cTn id="2" dur="indefinite" nodeType="mainSeq">
+                <p:childTnLst>
+                  <p:par>
+                    <p:cTn id="3" fill="hold">
+                      <p:stCondLst>
+                        <p:cond delay="indefinite"/>
+                      </p:stCondLst>
+                      <p:childTnLst>
+                        <p:par>
+                          <p:cTn id="4" fill="hold">
+                            <p:stCondLst>
+                              <p:cond delay="0"/>
+                            </p:stCondLst>
+                            <p:childTnLst>
+                              <p:par>
+                                <p:cTn id="5" presetID="1" presetClass="entr" presetSubtype="0" fill="hold" grpId="0" nodeType="clickEffect">
+                                  <p:stCondLst>
+                                    <p:cond delay="0"/>
+                                  </p:stCondLst>
+                                  <p:childTnLst>
+                                    <p:set>
+                                      <p:cBhvr>
+                                        <p:cTn id="6" dur="1" fill="hold">
+                                          <p:stCondLst>
+                                            <p:cond delay="0"/>
+                                          </p:stCondLst>
+                                        </p:cTn>
+                                        <p:tgtEl>
+                                          <p:spTgt spid="8"/>
+                                        </p:tgtEl>
+                                        <p:attrNameLst>
+                                          <p:attrName>style.visibility</p:attrName>
+                                        </p:attrNameLst>
+                                      </p:cBhvr>
+                                      <p:to>
+                                        <p:strVal val="visible"/>
+                                      </p:to>
+                                    </p:set>
+                                  </p:childTnLst>
+                                </p:cTn>
+                              </p:par>
+                              <p:par>
+                                <p:cTn id="7" presetID="1" presetClass="entr" presetSubtype="0" fill="hold" nodeType="withEffect">
+                                  <p:stCondLst>
+                                    <p:cond delay="0"/>
+                                  </p:stCondLst>
+                                  <p:childTnLst>
+                                    <p:set>
+                                      <p:cBhvr>
+                                        <p:cTn id="8" dur="1" fill="hold">
+                                          <p:stCondLst>
+                                            <p:cond delay="0"/>
+                                          </p:stCondLst>
+                                        </p:cTn>
+                                        <p:tgtEl>
+                                          <p:spTgt spid="5">
+                                            <p:txEl>
+                                              <p:pRg st="7" end="7"/>
+                                            </p:txEl>
+                                          </p:spTgt>
+                                        </p:tgtEl>
+                                        <p:attrNameLst>
+                                          <p:attrName>style.visibility</p:attrName>
+                                        </p:attrNameLst>
+                                      </p:cBhvr>
+                                      <p:to>
+                                        <p:strVal val="visible"/>
+                                      </p:to>
+                                    </p:set>
+                                  </p:childTnLst>
+                                </p:cTn>
+                              </p:par>
+                            </p:childTnLst>
+                          </p:cTn>
+                        </p:par>
+                      </p:childTnLst>
+                    </p:cTn>
+                  </p:par>
+                </p:childTnLst>
+              </p:cTn>
+              <p:prevCondLst>
+                <p:cond evt="onPrev" delay="0">
+                  <p:tgtEl>
+                    <p:sldTgt/>
+                  </p:tgtEl>
+                </p:cond>
+              </p:prevCondLst>
+              <p:nextCondLst>
+                <p:cond evt="onNext" delay="0">
+                  <p:tgtEl>
+                    <p:sldTgt/>
+                  </p:tgtEl>
+                </p:cond>
+              </p:nextCondLst>
+            </p:seq>
+          </p:childTnLst>
+        </p:cTn>
+      </p:par>
+    </p:tnLst>
+    <p:bldLst>
+      <p:bldP spid="8" grpId="0" animBg="1"/>
+    </p:bldLst>
+  </p:timing>
+</p:sld>
+</file>
+
+<file path=ppt/slides/slide12.xml><?xml version="1.0" encoding="utf-8"?>
+<p:sld xmlns:a="http://schemas.openxmlformats.org/drawingml/2006/main" xmlns:r="http://schemas.openxmlformats.org/officeDocument/2006/relationships" xmlns:p="http://schemas.openxmlformats.org/presentationml/2006/main">
+  <p:cSld>
+    <p:spTree>
+      <p:nvGrpSpPr>
+        <p:cNvPr id="1" name=""/>
+        <p:cNvGrpSpPr/>
+        <p:nvPr/>
+      </p:nvGrpSpPr>
+      <p:grpSpPr>
+        <a:xfrm>
+          <a:off x="0" y="0"/>
+          <a:ext cx="0" cy="0"/>
+          <a:chOff x="0" y="0"/>
+          <a:chExt cx="0" cy="0"/>
+        </a:xfrm>
+      </p:grpSpPr>
+      <p:sp>
+        <p:nvSpPr>
+          <p:cNvPr id="4" name="標題 3"/>
+          <p:cNvSpPr>
+            <a:spLocks noGrp="1"/>
+          </p:cNvSpPr>
+          <p:nvPr>
+            <p:ph type="title"/>
+          </p:nvPr>
+        </p:nvSpPr>
+        <p:spPr/>
+        <p:txBody>
+          <a:bodyPr/>
+          <a:lstStyle/>
+          <a:p>
+            <a:r>
+              <a:rPr lang="en-US" altLang="zh-TW" dirty="0" smtClean="0"/>
+              <a:t>Web </a:t>
+            </a:r>
+            <a:r>
+              <a:rPr lang="en-US" altLang="zh-TW" dirty="0"/>
+              <a:t>Team</a:t>
+            </a:r>
+            <a:r>
+              <a:rPr lang="zh-TW" altLang="en-US" dirty="0"/>
+              <a:t>的</a:t>
+            </a:r>
+            <a:r>
+              <a:rPr lang="zh-TW" altLang="en-US" dirty="0" smtClean="0"/>
+              <a:t>處理</a:t>
+            </a:r>
+            <a:r>
+              <a:rPr lang="en-US" altLang="zh-TW" dirty="0" smtClean="0"/>
+              <a:t>(2)</a:t>
+            </a:r>
+            <a:endParaRPr lang="zh-TW" altLang="en-US" dirty="0"/>
+          </a:p>
+        </p:txBody>
+      </p:sp>
+      <p:sp>
+        <p:nvSpPr>
+          <p:cNvPr id="5" name="內容版面配置區 4"/>
+          <p:cNvSpPr>
+            <a:spLocks noGrp="1"/>
+          </p:cNvSpPr>
+          <p:nvPr>
+            <p:ph idx="1"/>
+          </p:nvPr>
+        </p:nvSpPr>
+        <p:spPr/>
+        <p:txBody>
+          <a:bodyPr>
+            <a:normAutofit lnSpcReduction="10000"/>
+          </a:bodyPr>
+          <a:lstStyle/>
+          <a:p>
+            <a:pPr marL="0" indent="0">
+              <a:buNone/>
+            </a:pPr>
+            <a:r>
+              <a:rPr lang="zh-TW" altLang="en-US" dirty="0" smtClean="0"/>
+              <a:t>於是只好改</a:t>
+            </a:r>
+            <a:r>
+              <a:rPr lang="en-US" altLang="zh-TW" dirty="0" smtClean="0"/>
+              <a:t>Log</a:t>
+            </a:r>
+            <a:r>
+              <a:rPr lang="zh-TW" altLang="en-US" dirty="0" smtClean="0"/>
+              <a:t>看能不能找出問題。</a:t>
+            </a:r>
+            <a:endParaRPr lang="en-US" altLang="zh-TW" dirty="0" smtClean="0"/>
+          </a:p>
+          <a:p>
+            <a:pPr marL="0" indent="0">
+              <a:buNone/>
+            </a:pPr>
+            <a:r>
+              <a:rPr lang="zh-TW" altLang="en-US" dirty="0" smtClean="0"/>
+              <a:t>這次</a:t>
+            </a:r>
+            <a:r>
+              <a:rPr lang="en-US" altLang="zh-TW" dirty="0" smtClean="0"/>
+              <a:t>Web Team</a:t>
+            </a:r>
+            <a:r>
+              <a:rPr lang="zh-TW" altLang="en-US" dirty="0" smtClean="0"/>
+              <a:t>把</a:t>
+            </a:r>
+            <a:r>
+              <a:rPr lang="en-US" altLang="zh-TW" dirty="0" smtClean="0"/>
+              <a:t>thread-id</a:t>
+            </a:r>
+            <a:r>
+              <a:rPr lang="zh-TW" altLang="en-US" dirty="0"/>
+              <a:t>補</a:t>
+            </a:r>
+            <a:r>
+              <a:rPr lang="zh-TW" altLang="en-US" dirty="0" smtClean="0"/>
+              <a:t>上去：</a:t>
+            </a:r>
+            <a:endParaRPr lang="en-US" altLang="zh-TW" dirty="0" smtClean="0"/>
+          </a:p>
+          <a:p>
+            <a:pPr marL="0" indent="0">
+              <a:buNone/>
+            </a:pPr>
+            <a:endParaRPr lang="en-US" altLang="zh-TW" dirty="0" smtClean="0"/>
+          </a:p>
+          <a:p>
+            <a:pPr marL="0" indent="0">
+              <a:buNone/>
+            </a:pPr>
+            <a:endParaRPr lang="en-US" altLang="zh-TW" dirty="0" smtClean="0"/>
+          </a:p>
+          <a:p>
+            <a:pPr marL="0" indent="0">
+              <a:buNone/>
+            </a:pPr>
+            <a:endParaRPr lang="en-US" altLang="zh-TW" dirty="0" smtClean="0"/>
+          </a:p>
+          <a:p>
+            <a:pPr marL="0" indent="0">
+              <a:buNone/>
+            </a:pPr>
+            <a:endParaRPr lang="en-US" altLang="zh-TW" dirty="0"/>
+          </a:p>
+          <a:p>
+            <a:pPr marL="0" indent="0">
+              <a:buNone/>
+            </a:pPr>
+            <a:endParaRPr lang="en-US" altLang="zh-TW" dirty="0" smtClean="0"/>
+          </a:p>
+          <a:p>
+            <a:pPr marL="0" indent="0">
+              <a:buNone/>
+            </a:pPr>
+            <a:r>
+              <a:rPr lang="zh-TW" altLang="en-US" dirty="0" smtClean="0"/>
+              <a:t>這樣</a:t>
+            </a:r>
+            <a:r>
+              <a:rPr lang="zh-TW" altLang="en-US" dirty="0"/>
+              <a:t>似乎可以找問題了，但</a:t>
+            </a:r>
+            <a:r>
+              <a:rPr lang="en-US" altLang="zh-TW" dirty="0" smtClean="0"/>
+              <a:t>…</a:t>
+            </a:r>
+          </a:p>
+        </p:txBody>
+      </p:sp>
+      <p:pic>
+        <p:nvPicPr>
+          <p:cNvPr id="4098" name="Picture 2"/>
+          <p:cNvPicPr>
+            <a:picLocks noChangeAspect="1" noChangeArrowheads="1"/>
+          </p:cNvPicPr>
+          <p:nvPr/>
+        </p:nvPicPr>
+        <p:blipFill>
+          <a:blip r:embed="rId2">
+            <a:extLst>
+              <a:ext uri="{28A0092B-C50C-407E-A947-70E740481C1C}">
+                <a14:useLocalDpi xmlns:a14="http://schemas.microsoft.com/office/drawing/2010/main" val="0"/>
+              </a:ext>
+            </a:extLst>
+          </a:blip>
+          <a:srcRect/>
+          <a:stretch>
+            <a:fillRect/>
+          </a:stretch>
+        </p:blipFill>
+        <p:spPr bwMode="auto">
+          <a:xfrm>
+            <a:off x="395536" y="2996952"/>
+            <a:ext cx="8471946" cy="2088232"/>
+          </a:xfrm>
+          <a:prstGeom prst="rect">
+            <a:avLst/>
+          </a:prstGeom>
+          <a:noFill/>
+          <a:ln>
+            <a:noFill/>
+          </a:ln>
+          <a:extLst>
+            <a:ext uri="{909E8E84-426E-40DD-AFC4-6F175D3DCCD1}">
+              <a14:hiddenFill xmlns:a14="http://schemas.microsoft.com/office/drawing/2010/main">
+                <a:solidFill>
+                  <a:schemeClr val="accent1"/>
+                </a:solidFill>
+              </a14:hiddenFill>
+            </a:ext>
+            <a:ext uri="{91240B29-F687-4F45-9708-019B960494DF}">
+              <a14:hiddenLine xmlns:a14="http://schemas.microsoft.com/office/drawing/2010/main" w="9525">
+                <a:solidFill>
+                  <a:schemeClr val="tx1"/>
+                </a:solidFill>
+                <a:miter lim="800000"/>
+                <a:headEnd/>
+                <a:tailEnd/>
+              </a14:hiddenLine>
+            </a:ext>
+          </a:extLst>
+        </p:spPr>
+      </p:pic>
+      <p:sp>
+        <p:nvSpPr>
+          <p:cNvPr id="6" name="Rectangle 31"/>
+          <p:cNvSpPr/>
+          <p:nvPr/>
+        </p:nvSpPr>
+        <p:spPr>
+          <a:xfrm>
+            <a:off x="1187624" y="3140968"/>
+            <a:ext cx="864096" cy="1656184"/>
+          </a:xfrm>
+          <a:prstGeom prst="rect">
+            <a:avLst/>
+          </a:prstGeom>
+          <a:noFill/>
+          <a:ln w="31750">
+            <a:solidFill>
+              <a:srgbClr val="FF0000"/>
+            </a:solidFill>
+          </a:ln>
+        </p:spPr>
+        <p:style>
+          <a:lnRef idx="2">
+            <a:schemeClr val="accent1">
+              <a:shade val="50000"/>
+            </a:schemeClr>
+          </a:lnRef>
+          <a:fillRef idx="1">
+            <a:schemeClr val="accent1"/>
+          </a:fillRef>
+          <a:effectRef idx="0">
+            <a:schemeClr val="accent1"/>
+          </a:effectRef>
+          <a:fontRef idx="minor">
+            <a:schemeClr val="lt1"/>
+          </a:fontRef>
+        </p:style>
+        <p:txBody>
+          <a:bodyPr rtlCol="0" anchor="ctr"/>
+          <a:lstStyle/>
+          <a:p>
+            <a:pPr algn="ctr"/>
+            <a:endParaRPr lang="zh-TW" altLang="en-US"/>
+          </a:p>
+        </p:txBody>
+      </p:sp>
+    </p:spTree>
+    <p:extLst>
+      <p:ext uri="{BB962C8B-B14F-4D97-AF65-F5344CB8AC3E}">
+        <p14:creationId xmlns:p14="http://schemas.microsoft.com/office/powerpoint/2010/main" val="1088847983"/>
       </p:ext>
     </p:extLst>
   </p:cSld>
@@ -3325,6 +4331,4544 @@
     <p:tnLst>
       <p:par>
         <p:cTn id="1" dur="indefinite" restart="never" nodeType="tmRoot"/>
+      </p:par>
+    </p:tnLst>
+  </p:timing>
+</p:sld>
+</file>
+
+<file path=ppt/slides/slide13.xml><?xml version="1.0" encoding="utf-8"?>
+<p:sld xmlns:a="http://schemas.openxmlformats.org/drawingml/2006/main" xmlns:r="http://schemas.openxmlformats.org/officeDocument/2006/relationships" xmlns:p="http://schemas.openxmlformats.org/presentationml/2006/main">
+  <p:cSld>
+    <p:spTree>
+      <p:nvGrpSpPr>
+        <p:cNvPr id="1" name=""/>
+        <p:cNvGrpSpPr/>
+        <p:nvPr/>
+      </p:nvGrpSpPr>
+      <p:grpSpPr>
+        <a:xfrm>
+          <a:off x="0" y="0"/>
+          <a:ext cx="0" cy="0"/>
+          <a:chOff x="0" y="0"/>
+          <a:chExt cx="0" cy="0"/>
+        </a:xfrm>
+      </p:grpSpPr>
+      <p:sp>
+        <p:nvSpPr>
+          <p:cNvPr id="4" name="標題 3"/>
+          <p:cNvSpPr>
+            <a:spLocks noGrp="1"/>
+          </p:cNvSpPr>
+          <p:nvPr>
+            <p:ph type="title"/>
+          </p:nvPr>
+        </p:nvSpPr>
+        <p:spPr/>
+        <p:txBody>
+          <a:bodyPr/>
+          <a:lstStyle/>
+          <a:p>
+            <a:r>
+              <a:rPr lang="en-US" altLang="zh-TW" dirty="0" smtClean="0"/>
+              <a:t>Web </a:t>
+            </a:r>
+            <a:r>
+              <a:rPr lang="en-US" altLang="zh-TW" dirty="0"/>
+              <a:t>Team</a:t>
+            </a:r>
+            <a:r>
+              <a:rPr lang="zh-TW" altLang="en-US" dirty="0"/>
+              <a:t>的</a:t>
+            </a:r>
+            <a:r>
+              <a:rPr lang="zh-TW" altLang="en-US" dirty="0" smtClean="0"/>
+              <a:t>處理</a:t>
+            </a:r>
+            <a:r>
+              <a:rPr lang="en-US" altLang="zh-TW" dirty="0" smtClean="0"/>
+              <a:t>(3)</a:t>
+            </a:r>
+            <a:endParaRPr lang="zh-TW" altLang="en-US" dirty="0"/>
+          </a:p>
+        </p:txBody>
+      </p:sp>
+      <p:sp>
+        <p:nvSpPr>
+          <p:cNvPr id="2" name="內容版面配置區 1"/>
+          <p:cNvSpPr>
+            <a:spLocks noGrp="1"/>
+          </p:cNvSpPr>
+          <p:nvPr>
+            <p:ph idx="1"/>
+          </p:nvPr>
+        </p:nvSpPr>
+        <p:spPr/>
+        <p:txBody>
+          <a:bodyPr>
+            <a:normAutofit lnSpcReduction="10000"/>
+          </a:bodyPr>
+          <a:lstStyle/>
+          <a:p>
+            <a:endParaRPr lang="en-US" altLang="zh-TW" dirty="0" smtClean="0"/>
+          </a:p>
+          <a:p>
+            <a:pPr marL="0" indent="0">
+              <a:buNone/>
+            </a:pPr>
+            <a:endParaRPr lang="en-US" altLang="zh-TW" dirty="0"/>
+          </a:p>
+          <a:p>
+            <a:pPr marL="0" indent="0">
+              <a:buNone/>
+            </a:pPr>
+            <a:endParaRPr lang="en-US" altLang="zh-TW" dirty="0" smtClean="0"/>
+          </a:p>
+          <a:p>
+            <a:pPr marL="0" indent="0">
+              <a:buNone/>
+            </a:pPr>
+            <a:endParaRPr lang="en-US" altLang="zh-TW" dirty="0"/>
+          </a:p>
+          <a:p>
+            <a:pPr marL="0" indent="0">
+              <a:buNone/>
+            </a:pPr>
+            <a:endParaRPr lang="en-US" altLang="zh-TW" dirty="0" smtClean="0"/>
+          </a:p>
+          <a:p>
+            <a:pPr marL="0" indent="0">
+              <a:buNone/>
+            </a:pPr>
+            <a:endParaRPr lang="en-US" altLang="zh-TW" dirty="0"/>
+          </a:p>
+          <a:p>
+            <a:pPr marL="0" indent="0">
+              <a:buNone/>
+            </a:pPr>
+            <a:r>
+              <a:rPr lang="zh-TW" altLang="en-US" dirty="0"/>
+              <a:t>有人可以掃過一遍就能根據任兩個同</a:t>
+            </a:r>
+            <a:r>
+              <a:rPr lang="en-US" altLang="zh-TW" dirty="0"/>
+              <a:t>thread Id</a:t>
+            </a:r>
+            <a:r>
+              <a:rPr lang="zh-TW" altLang="en-US" dirty="0"/>
+              <a:t>的</a:t>
+            </a:r>
+            <a:r>
+              <a:rPr lang="en-US" altLang="zh-TW" dirty="0"/>
+              <a:t>log’s timestamp</a:t>
+            </a:r>
+            <a:r>
+              <a:rPr lang="zh-TW" altLang="en-US" dirty="0"/>
+              <a:t>知道</a:t>
+            </a:r>
+            <a:r>
+              <a:rPr lang="en-US" altLang="zh-TW" dirty="0"/>
+              <a:t>elapsed time</a:t>
+            </a:r>
+            <a:r>
+              <a:rPr lang="zh-TW" altLang="en-US" dirty="0"/>
+              <a:t>嗎？</a:t>
+            </a:r>
+            <a:endParaRPr lang="en-US" altLang="zh-TW" dirty="0"/>
+          </a:p>
+          <a:p>
+            <a:pPr marL="0" indent="0">
+              <a:buNone/>
+            </a:pPr>
+            <a:endParaRPr lang="en-US" altLang="zh-TW" dirty="0" smtClean="0"/>
+          </a:p>
+          <a:p>
+            <a:pPr marL="0" indent="0">
+              <a:buNone/>
+            </a:pPr>
+            <a:endParaRPr lang="zh-TW" altLang="en-US" dirty="0"/>
+          </a:p>
+        </p:txBody>
+      </p:sp>
+      <p:pic>
+        <p:nvPicPr>
+          <p:cNvPr id="6" name="Picture 2"/>
+          <p:cNvPicPr>
+            <a:picLocks noChangeAspect="1" noChangeArrowheads="1"/>
+          </p:cNvPicPr>
+          <p:nvPr/>
+        </p:nvPicPr>
+        <p:blipFill>
+          <a:blip r:embed="rId2">
+            <a:extLst>
+              <a:ext uri="{28A0092B-C50C-407E-A947-70E740481C1C}">
+                <a14:useLocalDpi xmlns:a14="http://schemas.microsoft.com/office/drawing/2010/main" val="0"/>
+              </a:ext>
+            </a:extLst>
+          </a:blip>
+          <a:srcRect/>
+          <a:stretch>
+            <a:fillRect/>
+          </a:stretch>
+        </p:blipFill>
+        <p:spPr bwMode="auto">
+          <a:xfrm>
+            <a:off x="395536" y="1988840"/>
+            <a:ext cx="8471946" cy="2088232"/>
+          </a:xfrm>
+          <a:prstGeom prst="rect">
+            <a:avLst/>
+          </a:prstGeom>
+          <a:noFill/>
+          <a:ln>
+            <a:noFill/>
+          </a:ln>
+          <a:extLst>
+            <a:ext uri="{909E8E84-426E-40DD-AFC4-6F175D3DCCD1}">
+              <a14:hiddenFill xmlns:a14="http://schemas.microsoft.com/office/drawing/2010/main">
+                <a:solidFill>
+                  <a:schemeClr val="accent1"/>
+                </a:solidFill>
+              </a14:hiddenFill>
+            </a:ext>
+            <a:ext uri="{91240B29-F687-4F45-9708-019B960494DF}">
+              <a14:hiddenLine xmlns:a14="http://schemas.microsoft.com/office/drawing/2010/main" w="9525">
+                <a:solidFill>
+                  <a:schemeClr val="tx1"/>
+                </a:solidFill>
+                <a:miter lim="800000"/>
+                <a:headEnd/>
+                <a:tailEnd/>
+              </a14:hiddenLine>
+            </a:ext>
+          </a:extLst>
+        </p:spPr>
+      </p:pic>
+      <p:grpSp>
+        <p:nvGrpSpPr>
+          <p:cNvPr id="3" name="群組 2"/>
+          <p:cNvGrpSpPr/>
+          <p:nvPr/>
+        </p:nvGrpSpPr>
+        <p:grpSpPr>
+          <a:xfrm>
+            <a:off x="1979712" y="2179156"/>
+            <a:ext cx="2378189" cy="1586734"/>
+            <a:chOff x="1979712" y="3187268"/>
+            <a:chExt cx="2378189" cy="1586734"/>
+          </a:xfrm>
+        </p:grpSpPr>
+        <p:sp>
+          <p:nvSpPr>
+            <p:cNvPr id="7" name="Rectangle 31"/>
+            <p:cNvSpPr/>
+            <p:nvPr/>
+          </p:nvSpPr>
+          <p:spPr>
+            <a:xfrm>
+              <a:off x="1979712" y="3187268"/>
+              <a:ext cx="2376264" cy="288032"/>
+            </a:xfrm>
+            <a:prstGeom prst="rect">
+              <a:avLst/>
+            </a:prstGeom>
+            <a:noFill/>
+            <a:ln w="31750">
+              <a:solidFill>
+                <a:srgbClr val="FF0000"/>
+              </a:solidFill>
+            </a:ln>
+          </p:spPr>
+          <p:style>
+            <a:lnRef idx="2">
+              <a:schemeClr val="accent1">
+                <a:shade val="50000"/>
+              </a:schemeClr>
+            </a:lnRef>
+            <a:fillRef idx="1">
+              <a:schemeClr val="accent1"/>
+            </a:fillRef>
+            <a:effectRef idx="0">
+              <a:schemeClr val="accent1"/>
+            </a:effectRef>
+            <a:fontRef idx="minor">
+              <a:schemeClr val="lt1"/>
+            </a:fontRef>
+          </p:style>
+          <p:txBody>
+            <a:bodyPr rtlCol="0" anchor="ctr"/>
+            <a:lstStyle/>
+            <a:p>
+              <a:pPr algn="ctr"/>
+              <a:endParaRPr lang="zh-TW" altLang="en-US"/>
+            </a:p>
+          </p:txBody>
+        </p:sp>
+        <p:sp>
+          <p:nvSpPr>
+            <p:cNvPr id="8" name="Rectangle 31"/>
+            <p:cNvSpPr/>
+            <p:nvPr/>
+          </p:nvSpPr>
+          <p:spPr>
+            <a:xfrm>
+              <a:off x="1981637" y="4485970"/>
+              <a:ext cx="2376264" cy="288032"/>
+            </a:xfrm>
+            <a:prstGeom prst="rect">
+              <a:avLst/>
+            </a:prstGeom>
+            <a:noFill/>
+            <a:ln w="31750">
+              <a:solidFill>
+                <a:srgbClr val="FF0000"/>
+              </a:solidFill>
+            </a:ln>
+          </p:spPr>
+          <p:style>
+            <a:lnRef idx="2">
+              <a:schemeClr val="accent1">
+                <a:shade val="50000"/>
+              </a:schemeClr>
+            </a:lnRef>
+            <a:fillRef idx="1">
+              <a:schemeClr val="accent1"/>
+            </a:fillRef>
+            <a:effectRef idx="0">
+              <a:schemeClr val="accent1"/>
+            </a:effectRef>
+            <a:fontRef idx="minor">
+              <a:schemeClr val="lt1"/>
+            </a:fontRef>
+          </p:style>
+          <p:txBody>
+            <a:bodyPr rtlCol="0" anchor="ctr"/>
+            <a:lstStyle/>
+            <a:p>
+              <a:pPr algn="ctr"/>
+              <a:endParaRPr lang="zh-TW" altLang="en-US"/>
+            </a:p>
+          </p:txBody>
+        </p:sp>
+      </p:grpSp>
+    </p:spTree>
+    <p:extLst>
+      <p:ext uri="{BB962C8B-B14F-4D97-AF65-F5344CB8AC3E}">
+        <p14:creationId xmlns:p14="http://schemas.microsoft.com/office/powerpoint/2010/main" val="2035473268"/>
+      </p:ext>
+    </p:extLst>
+  </p:cSld>
+  <p:clrMapOvr>
+    <a:masterClrMapping/>
+  </p:clrMapOvr>
+  <p:timing>
+    <p:tnLst>
+      <p:par>
+        <p:cTn id="1" dur="indefinite" restart="never" nodeType="tmRoot">
+          <p:childTnLst>
+            <p:seq concurrent="1" nextAc="seek">
+              <p:cTn id="2" dur="indefinite" nodeType="mainSeq">
+                <p:childTnLst>
+                  <p:par>
+                    <p:cTn id="3" fill="hold">
+                      <p:stCondLst>
+                        <p:cond delay="indefinite"/>
+                      </p:stCondLst>
+                      <p:childTnLst>
+                        <p:par>
+                          <p:cTn id="4" fill="hold">
+                            <p:stCondLst>
+                              <p:cond delay="0"/>
+                            </p:stCondLst>
+                            <p:childTnLst>
+                              <p:par>
+                                <p:cTn id="5" presetID="1" presetClass="entr" presetSubtype="0" fill="hold" nodeType="clickEffect">
+                                  <p:stCondLst>
+                                    <p:cond delay="0"/>
+                                  </p:stCondLst>
+                                  <p:childTnLst>
+                                    <p:set>
+                                      <p:cBhvr>
+                                        <p:cTn id="6" dur="1" fill="hold">
+                                          <p:stCondLst>
+                                            <p:cond delay="0"/>
+                                          </p:stCondLst>
+                                        </p:cTn>
+                                        <p:tgtEl>
+                                          <p:spTgt spid="3"/>
+                                        </p:tgtEl>
+                                        <p:attrNameLst>
+                                          <p:attrName>style.visibility</p:attrName>
+                                        </p:attrNameLst>
+                                      </p:cBhvr>
+                                      <p:to>
+                                        <p:strVal val="visible"/>
+                                      </p:to>
+                                    </p:set>
+                                  </p:childTnLst>
+                                </p:cTn>
+                              </p:par>
+                              <p:par>
+                                <p:cTn id="7" presetID="1" presetClass="entr" presetSubtype="0" fill="hold" nodeType="withEffect">
+                                  <p:stCondLst>
+                                    <p:cond delay="0"/>
+                                  </p:stCondLst>
+                                  <p:childTnLst>
+                                    <p:set>
+                                      <p:cBhvr>
+                                        <p:cTn id="8" dur="1" fill="hold">
+                                          <p:stCondLst>
+                                            <p:cond delay="0"/>
+                                          </p:stCondLst>
+                                        </p:cTn>
+                                        <p:tgtEl>
+                                          <p:spTgt spid="2">
+                                            <p:txEl>
+                                              <p:pRg st="6" end="6"/>
+                                            </p:txEl>
+                                          </p:spTgt>
+                                        </p:tgtEl>
+                                        <p:attrNameLst>
+                                          <p:attrName>style.visibility</p:attrName>
+                                        </p:attrNameLst>
+                                      </p:cBhvr>
+                                      <p:to>
+                                        <p:strVal val="visible"/>
+                                      </p:to>
+                                    </p:set>
+                                  </p:childTnLst>
+                                </p:cTn>
+                              </p:par>
+                            </p:childTnLst>
+                          </p:cTn>
+                        </p:par>
+                      </p:childTnLst>
+                    </p:cTn>
+                  </p:par>
+                </p:childTnLst>
+              </p:cTn>
+              <p:prevCondLst>
+                <p:cond evt="onPrev" delay="0">
+                  <p:tgtEl>
+                    <p:sldTgt/>
+                  </p:tgtEl>
+                </p:cond>
+              </p:prevCondLst>
+              <p:nextCondLst>
+                <p:cond evt="onNext" delay="0">
+                  <p:tgtEl>
+                    <p:sldTgt/>
+                  </p:tgtEl>
+                </p:cond>
+              </p:nextCondLst>
+            </p:seq>
+          </p:childTnLst>
+        </p:cTn>
+      </p:par>
+    </p:tnLst>
+  </p:timing>
+</p:sld>
+</file>
+
+<file path=ppt/slides/slide14.xml><?xml version="1.0" encoding="utf-8"?>
+<p:sld xmlns:a="http://schemas.openxmlformats.org/drawingml/2006/main" xmlns:r="http://schemas.openxmlformats.org/officeDocument/2006/relationships" xmlns:p="http://schemas.openxmlformats.org/presentationml/2006/main">
+  <p:cSld>
+    <p:spTree>
+      <p:nvGrpSpPr>
+        <p:cNvPr id="1" name=""/>
+        <p:cNvGrpSpPr/>
+        <p:nvPr/>
+      </p:nvGrpSpPr>
+      <p:grpSpPr>
+        <a:xfrm>
+          <a:off x="0" y="0"/>
+          <a:ext cx="0" cy="0"/>
+          <a:chOff x="0" y="0"/>
+          <a:chExt cx="0" cy="0"/>
+        </a:xfrm>
+      </p:grpSpPr>
+      <p:pic>
+        <p:nvPicPr>
+          <p:cNvPr id="5123" name="Picture 3"/>
+          <p:cNvPicPr>
+            <a:picLocks noChangeAspect="1" noChangeArrowheads="1"/>
+          </p:cNvPicPr>
+          <p:nvPr/>
+        </p:nvPicPr>
+        <p:blipFill>
+          <a:blip r:embed="rId2">
+            <a:extLst>
+              <a:ext uri="{28A0092B-C50C-407E-A947-70E740481C1C}">
+                <a14:useLocalDpi xmlns:a14="http://schemas.microsoft.com/office/drawing/2010/main" val="0"/>
+              </a:ext>
+            </a:extLst>
+          </a:blip>
+          <a:srcRect/>
+          <a:stretch>
+            <a:fillRect/>
+          </a:stretch>
+        </p:blipFill>
+        <p:spPr bwMode="auto">
+          <a:xfrm>
+            <a:off x="250840" y="1484784"/>
+            <a:ext cx="8724900" cy="3456384"/>
+          </a:xfrm>
+          <a:prstGeom prst="rect">
+            <a:avLst/>
+          </a:prstGeom>
+          <a:noFill/>
+          <a:ln>
+            <a:noFill/>
+          </a:ln>
+          <a:extLst>
+            <a:ext uri="{909E8E84-426E-40DD-AFC4-6F175D3DCCD1}">
+              <a14:hiddenFill xmlns:a14="http://schemas.microsoft.com/office/drawing/2010/main">
+                <a:solidFill>
+                  <a:schemeClr val="accent1"/>
+                </a:solidFill>
+              </a14:hiddenFill>
+            </a:ext>
+            <a:ext uri="{91240B29-F687-4F45-9708-019B960494DF}">
+              <a14:hiddenLine xmlns:a14="http://schemas.microsoft.com/office/drawing/2010/main" w="9525">
+                <a:solidFill>
+                  <a:schemeClr val="tx1"/>
+                </a:solidFill>
+                <a:miter lim="800000"/>
+                <a:headEnd/>
+                <a:tailEnd/>
+              </a14:hiddenLine>
+            </a:ext>
+          </a:extLst>
+        </p:spPr>
+      </p:pic>
+      <p:sp>
+        <p:nvSpPr>
+          <p:cNvPr id="4" name="標題 3"/>
+          <p:cNvSpPr>
+            <a:spLocks noGrp="1"/>
+          </p:cNvSpPr>
+          <p:nvPr>
+            <p:ph type="title"/>
+          </p:nvPr>
+        </p:nvSpPr>
+        <p:spPr/>
+        <p:txBody>
+          <a:bodyPr/>
+          <a:lstStyle/>
+          <a:p>
+            <a:r>
+              <a:rPr lang="en-US" altLang="zh-TW" dirty="0" smtClean="0"/>
+              <a:t>Web </a:t>
+            </a:r>
+            <a:r>
+              <a:rPr lang="en-US" altLang="zh-TW" dirty="0"/>
+              <a:t>Team</a:t>
+            </a:r>
+            <a:r>
+              <a:rPr lang="zh-TW" altLang="en-US" dirty="0"/>
+              <a:t>的</a:t>
+            </a:r>
+            <a:r>
+              <a:rPr lang="zh-TW" altLang="en-US" dirty="0" smtClean="0"/>
+              <a:t>處理</a:t>
+            </a:r>
+            <a:r>
+              <a:rPr lang="en-US" altLang="zh-TW" dirty="0" smtClean="0"/>
+              <a:t>(4)</a:t>
+            </a:r>
+            <a:endParaRPr lang="zh-TW" altLang="en-US" dirty="0"/>
+          </a:p>
+        </p:txBody>
+      </p:sp>
+      <p:sp>
+        <p:nvSpPr>
+          <p:cNvPr id="2" name="內容版面配置區 1"/>
+          <p:cNvSpPr>
+            <a:spLocks noGrp="1"/>
+          </p:cNvSpPr>
+          <p:nvPr>
+            <p:ph idx="1"/>
+          </p:nvPr>
+        </p:nvSpPr>
+        <p:spPr/>
+        <p:txBody>
+          <a:bodyPr>
+            <a:normAutofit fontScale="92500" lnSpcReduction="10000"/>
+          </a:bodyPr>
+          <a:lstStyle/>
+          <a:p>
+            <a:endParaRPr lang="en-US" altLang="zh-TW" dirty="0"/>
+          </a:p>
+          <a:p>
+            <a:endParaRPr lang="en-US" altLang="zh-TW" dirty="0" smtClean="0"/>
+          </a:p>
+          <a:p>
+            <a:endParaRPr lang="en-US" altLang="zh-TW" dirty="0"/>
+          </a:p>
+          <a:p>
+            <a:endParaRPr lang="en-US" altLang="zh-TW" dirty="0" smtClean="0"/>
+          </a:p>
+          <a:p>
+            <a:endParaRPr lang="en-US" altLang="zh-TW" dirty="0"/>
+          </a:p>
+          <a:p>
+            <a:endParaRPr lang="en-US" altLang="zh-TW" dirty="0" smtClean="0"/>
+          </a:p>
+          <a:p>
+            <a:pPr marL="0" indent="0">
+              <a:buNone/>
+            </a:pPr>
+            <a:endParaRPr lang="en-US" altLang="zh-TW" dirty="0" smtClean="0"/>
+          </a:p>
+          <a:p>
+            <a:pPr marL="0" indent="0">
+              <a:buNone/>
+            </a:pPr>
+            <a:r>
+              <a:rPr lang="zh-TW" altLang="en-US" dirty="0"/>
+              <a:t>有誰可以馬上篩選同</a:t>
+            </a:r>
+            <a:r>
+              <a:rPr lang="en-US" altLang="zh-TW" dirty="0"/>
+              <a:t>thread Id</a:t>
+            </a:r>
+            <a:r>
+              <a:rPr lang="zh-TW" altLang="en-US" dirty="0"/>
+              <a:t>的</a:t>
+            </a:r>
+            <a:r>
+              <a:rPr lang="en-US" altLang="zh-TW" dirty="0"/>
+              <a:t>logs</a:t>
+            </a:r>
+            <a:r>
+              <a:rPr lang="zh-TW" altLang="en-US" dirty="0"/>
+              <a:t>，然後指出哪裡</a:t>
+            </a:r>
+            <a:r>
+              <a:rPr lang="zh-TW" altLang="en-US" dirty="0" smtClean="0"/>
+              <a:t>是某個</a:t>
+            </a:r>
+            <a:r>
+              <a:rPr lang="en-US" altLang="zh-TW" dirty="0" smtClean="0"/>
+              <a:t>task</a:t>
+            </a:r>
+            <a:r>
+              <a:rPr lang="zh-TW" altLang="en-US" dirty="0" smtClean="0"/>
+              <a:t>的開始跟結束</a:t>
+            </a:r>
+            <a:r>
+              <a:rPr lang="zh-TW" altLang="en-US" dirty="0"/>
+              <a:t>呢？</a:t>
+            </a:r>
+            <a:endParaRPr lang="en-US" altLang="zh-TW" dirty="0"/>
+          </a:p>
+          <a:p>
+            <a:pPr marL="0" indent="0">
+              <a:buNone/>
+            </a:pPr>
+            <a:endParaRPr lang="zh-TW" altLang="en-US" dirty="0"/>
+          </a:p>
+        </p:txBody>
+      </p:sp>
+      <p:grpSp>
+        <p:nvGrpSpPr>
+          <p:cNvPr id="3" name="群組 2"/>
+          <p:cNvGrpSpPr/>
+          <p:nvPr/>
+        </p:nvGrpSpPr>
+        <p:grpSpPr>
+          <a:xfrm>
+            <a:off x="395536" y="1628800"/>
+            <a:ext cx="8387653" cy="2732531"/>
+            <a:chOff x="395536" y="2780928"/>
+            <a:chExt cx="8387653" cy="2732531"/>
+          </a:xfrm>
+        </p:grpSpPr>
+        <p:sp>
+          <p:nvSpPr>
+            <p:cNvPr id="5" name="Rectangle 31"/>
+            <p:cNvSpPr/>
+            <p:nvPr/>
+          </p:nvSpPr>
+          <p:spPr>
+            <a:xfrm>
+              <a:off x="395536" y="2780928"/>
+              <a:ext cx="8352928" cy="720080"/>
+            </a:xfrm>
+            <a:prstGeom prst="rect">
+              <a:avLst/>
+            </a:prstGeom>
+            <a:noFill/>
+            <a:ln w="31750">
+              <a:solidFill>
+                <a:srgbClr val="FF0000"/>
+              </a:solidFill>
+            </a:ln>
+          </p:spPr>
+          <p:style>
+            <a:lnRef idx="2">
+              <a:schemeClr val="accent1">
+                <a:shade val="50000"/>
+              </a:schemeClr>
+            </a:lnRef>
+            <a:fillRef idx="1">
+              <a:schemeClr val="accent1"/>
+            </a:fillRef>
+            <a:effectRef idx="0">
+              <a:schemeClr val="accent1"/>
+            </a:effectRef>
+            <a:fontRef idx="minor">
+              <a:schemeClr val="lt1"/>
+            </a:fontRef>
+          </p:style>
+          <p:txBody>
+            <a:bodyPr rtlCol="0" anchor="ctr"/>
+            <a:lstStyle/>
+            <a:p>
+              <a:pPr algn="ctr"/>
+              <a:endParaRPr lang="zh-TW" altLang="en-US"/>
+            </a:p>
+          </p:txBody>
+        </p:sp>
+        <p:sp>
+          <p:nvSpPr>
+            <p:cNvPr id="6" name="Rectangle 31"/>
+            <p:cNvSpPr/>
+            <p:nvPr/>
+          </p:nvSpPr>
+          <p:spPr>
+            <a:xfrm>
+              <a:off x="395536" y="3494885"/>
+              <a:ext cx="8352928" cy="691478"/>
+            </a:xfrm>
+            <a:prstGeom prst="rect">
+              <a:avLst/>
+            </a:prstGeom>
+            <a:noFill/>
+            <a:ln w="31750">
+              <a:solidFill>
+                <a:srgbClr val="FF0000"/>
+              </a:solidFill>
+            </a:ln>
+          </p:spPr>
+          <p:style>
+            <a:lnRef idx="2">
+              <a:schemeClr val="accent1">
+                <a:shade val="50000"/>
+              </a:schemeClr>
+            </a:lnRef>
+            <a:fillRef idx="1">
+              <a:schemeClr val="accent1"/>
+            </a:fillRef>
+            <a:effectRef idx="0">
+              <a:schemeClr val="accent1"/>
+            </a:effectRef>
+            <a:fontRef idx="minor">
+              <a:schemeClr val="lt1"/>
+            </a:fontRef>
+          </p:style>
+          <p:txBody>
+            <a:bodyPr rtlCol="0" anchor="ctr"/>
+            <a:lstStyle/>
+            <a:p>
+              <a:pPr algn="ctr"/>
+              <a:endParaRPr lang="zh-TW" altLang="en-US"/>
+            </a:p>
+          </p:txBody>
+        </p:sp>
+        <p:sp>
+          <p:nvSpPr>
+            <p:cNvPr id="7" name="Rectangle 31"/>
+            <p:cNvSpPr/>
+            <p:nvPr/>
+          </p:nvSpPr>
+          <p:spPr>
+            <a:xfrm>
+              <a:off x="407111" y="4793379"/>
+              <a:ext cx="8376078" cy="720080"/>
+            </a:xfrm>
+            <a:prstGeom prst="rect">
+              <a:avLst/>
+            </a:prstGeom>
+            <a:noFill/>
+            <a:ln w="31750">
+              <a:solidFill>
+                <a:srgbClr val="FF0000"/>
+              </a:solidFill>
+            </a:ln>
+          </p:spPr>
+          <p:style>
+            <a:lnRef idx="2">
+              <a:schemeClr val="accent1">
+                <a:shade val="50000"/>
+              </a:schemeClr>
+            </a:lnRef>
+            <a:fillRef idx="1">
+              <a:schemeClr val="accent1"/>
+            </a:fillRef>
+            <a:effectRef idx="0">
+              <a:schemeClr val="accent1"/>
+            </a:effectRef>
+            <a:fontRef idx="minor">
+              <a:schemeClr val="lt1"/>
+            </a:fontRef>
+          </p:style>
+          <p:txBody>
+            <a:bodyPr rtlCol="0" anchor="ctr"/>
+            <a:lstStyle/>
+            <a:p>
+              <a:pPr algn="ctr"/>
+              <a:endParaRPr lang="zh-TW" altLang="en-US" dirty="0"/>
+            </a:p>
+          </p:txBody>
+        </p:sp>
+      </p:grpSp>
+    </p:spTree>
+    <p:extLst>
+      <p:ext uri="{BB962C8B-B14F-4D97-AF65-F5344CB8AC3E}">
+        <p14:creationId xmlns:p14="http://schemas.microsoft.com/office/powerpoint/2010/main" val="878993766"/>
+      </p:ext>
+    </p:extLst>
+  </p:cSld>
+  <p:clrMapOvr>
+    <a:masterClrMapping/>
+  </p:clrMapOvr>
+  <p:timing>
+    <p:tnLst>
+      <p:par>
+        <p:cTn id="1" dur="indefinite" restart="never" nodeType="tmRoot">
+          <p:childTnLst>
+            <p:seq concurrent="1" nextAc="seek">
+              <p:cTn id="2" dur="indefinite" nodeType="mainSeq">
+                <p:childTnLst>
+                  <p:par>
+                    <p:cTn id="3" fill="hold">
+                      <p:stCondLst>
+                        <p:cond delay="indefinite"/>
+                      </p:stCondLst>
+                      <p:childTnLst>
+                        <p:par>
+                          <p:cTn id="4" fill="hold">
+                            <p:stCondLst>
+                              <p:cond delay="0"/>
+                            </p:stCondLst>
+                            <p:childTnLst>
+                              <p:par>
+                                <p:cTn id="5" presetID="1" presetClass="entr" presetSubtype="0" fill="hold" nodeType="clickEffect">
+                                  <p:stCondLst>
+                                    <p:cond delay="0"/>
+                                  </p:stCondLst>
+                                  <p:childTnLst>
+                                    <p:set>
+                                      <p:cBhvr>
+                                        <p:cTn id="6" dur="1" fill="hold">
+                                          <p:stCondLst>
+                                            <p:cond delay="0"/>
+                                          </p:stCondLst>
+                                        </p:cTn>
+                                        <p:tgtEl>
+                                          <p:spTgt spid="3"/>
+                                        </p:tgtEl>
+                                        <p:attrNameLst>
+                                          <p:attrName>style.visibility</p:attrName>
+                                        </p:attrNameLst>
+                                      </p:cBhvr>
+                                      <p:to>
+                                        <p:strVal val="visible"/>
+                                      </p:to>
+                                    </p:set>
+                                  </p:childTnLst>
+                                </p:cTn>
+                              </p:par>
+                              <p:par>
+                                <p:cTn id="7" presetID="1" presetClass="entr" presetSubtype="0" fill="hold" nodeType="withEffect">
+                                  <p:stCondLst>
+                                    <p:cond delay="0"/>
+                                  </p:stCondLst>
+                                  <p:childTnLst>
+                                    <p:set>
+                                      <p:cBhvr>
+                                        <p:cTn id="8" dur="1" fill="hold">
+                                          <p:stCondLst>
+                                            <p:cond delay="0"/>
+                                          </p:stCondLst>
+                                        </p:cTn>
+                                        <p:tgtEl>
+                                          <p:spTgt spid="2">
+                                            <p:txEl>
+                                              <p:pRg st="7" end="7"/>
+                                            </p:txEl>
+                                          </p:spTgt>
+                                        </p:tgtEl>
+                                        <p:attrNameLst>
+                                          <p:attrName>style.visibility</p:attrName>
+                                        </p:attrNameLst>
+                                      </p:cBhvr>
+                                      <p:to>
+                                        <p:strVal val="visible"/>
+                                      </p:to>
+                                    </p:set>
+                                  </p:childTnLst>
+                                </p:cTn>
+                              </p:par>
+                            </p:childTnLst>
+                          </p:cTn>
+                        </p:par>
+                      </p:childTnLst>
+                    </p:cTn>
+                  </p:par>
+                </p:childTnLst>
+              </p:cTn>
+              <p:prevCondLst>
+                <p:cond evt="onPrev" delay="0">
+                  <p:tgtEl>
+                    <p:sldTgt/>
+                  </p:tgtEl>
+                </p:cond>
+              </p:prevCondLst>
+              <p:nextCondLst>
+                <p:cond evt="onNext" delay="0">
+                  <p:tgtEl>
+                    <p:sldTgt/>
+                  </p:tgtEl>
+                </p:cond>
+              </p:nextCondLst>
+            </p:seq>
+          </p:childTnLst>
+        </p:cTn>
+      </p:par>
+    </p:tnLst>
+  </p:timing>
+</p:sld>
+</file>
+
+<file path=ppt/slides/slide15.xml><?xml version="1.0" encoding="utf-8"?>
+<p:sld xmlns:a="http://schemas.openxmlformats.org/drawingml/2006/main" xmlns:r="http://schemas.openxmlformats.org/officeDocument/2006/relationships" xmlns:p="http://schemas.openxmlformats.org/presentationml/2006/main">
+  <p:cSld>
+    <p:spTree>
+      <p:nvGrpSpPr>
+        <p:cNvPr id="1" name=""/>
+        <p:cNvGrpSpPr/>
+        <p:nvPr/>
+      </p:nvGrpSpPr>
+      <p:grpSpPr>
+        <a:xfrm>
+          <a:off x="0" y="0"/>
+          <a:ext cx="0" cy="0"/>
+          <a:chOff x="0" y="0"/>
+          <a:chExt cx="0" cy="0"/>
+        </a:xfrm>
+      </p:grpSpPr>
+      <p:pic>
+        <p:nvPicPr>
+          <p:cNvPr id="5" name="Picture 2" descr="D:\working_copy\java_two\2013\out\IMG_1141.JPG"/>
+          <p:cNvPicPr>
+            <a:picLocks noChangeAspect="1" noChangeArrowheads="1"/>
+          </p:cNvPicPr>
+          <p:nvPr/>
+        </p:nvPicPr>
+        <p:blipFill>
+          <a:blip r:embed="rId2">
+            <a:extLst>
+              <a:ext uri="{28A0092B-C50C-407E-A947-70E740481C1C}">
+                <a14:useLocalDpi xmlns:a14="http://schemas.microsoft.com/office/drawing/2010/main" val="0"/>
+              </a:ext>
+            </a:extLst>
+          </a:blip>
+          <a:srcRect/>
+          <a:stretch>
+            <a:fillRect/>
+          </a:stretch>
+        </p:blipFill>
+        <p:spPr bwMode="auto">
+          <a:xfrm>
+            <a:off x="5364088" y="1498670"/>
+            <a:ext cx="3480048" cy="4640064"/>
+          </a:xfrm>
+          <a:prstGeom prst="rect">
+            <a:avLst/>
+          </a:prstGeom>
+          <a:noFill/>
+          <a:extLst>
+            <a:ext uri="{909E8E84-426E-40DD-AFC4-6F175D3DCCD1}">
+              <a14:hiddenFill xmlns:a14="http://schemas.microsoft.com/office/drawing/2010/main">
+                <a:solidFill>
+                  <a:srgbClr val="FFFFFF"/>
+                </a:solidFill>
+              </a14:hiddenFill>
+            </a:ext>
+          </a:extLst>
+        </p:spPr>
+      </p:pic>
+      <p:sp>
+        <p:nvSpPr>
+          <p:cNvPr id="4" name="標題 3"/>
+          <p:cNvSpPr>
+            <a:spLocks noGrp="1"/>
+          </p:cNvSpPr>
+          <p:nvPr>
+            <p:ph type="title"/>
+          </p:nvPr>
+        </p:nvSpPr>
+        <p:spPr/>
+        <p:txBody>
+          <a:bodyPr/>
+          <a:lstStyle/>
+          <a:p>
+            <a:r>
+              <a:rPr lang="zh-TW" altLang="en-US" dirty="0" smtClean="0"/>
+              <a:t>於是</a:t>
+            </a:r>
+            <a:r>
+              <a:rPr lang="en-US" altLang="zh-TW" dirty="0" smtClean="0"/>
+              <a:t>…</a:t>
+            </a:r>
+            <a:endParaRPr lang="zh-TW" altLang="en-US" dirty="0"/>
+          </a:p>
+        </p:txBody>
+      </p:sp>
+      <p:sp>
+        <p:nvSpPr>
+          <p:cNvPr id="2" name="內容版面配置區 1"/>
+          <p:cNvSpPr>
+            <a:spLocks noGrp="1"/>
+          </p:cNvSpPr>
+          <p:nvPr>
+            <p:ph idx="1"/>
+          </p:nvPr>
+        </p:nvSpPr>
+        <p:spPr>
+          <a:xfrm>
+            <a:off x="107504" y="1600200"/>
+            <a:ext cx="6131024" cy="4525963"/>
+          </a:xfrm>
+        </p:spPr>
+        <p:txBody>
+          <a:bodyPr>
+            <a:normAutofit/>
+          </a:bodyPr>
+          <a:lstStyle/>
+          <a:p>
+            <a:pPr marL="0" indent="0">
+              <a:buNone/>
+            </a:pPr>
+            <a:r>
+              <a:rPr lang="en-US" altLang="zh-TW" sz="2600" dirty="0"/>
+              <a:t>Web App Team: </a:t>
+            </a:r>
+            <a:endParaRPr lang="en-US" altLang="zh-TW" sz="2600" dirty="0" smtClean="0"/>
+          </a:p>
+          <a:p>
+            <a:pPr marL="0" indent="0">
+              <a:buNone/>
+            </a:pPr>
+            <a:r>
+              <a:rPr lang="en-US" altLang="zh-TW" sz="2600" dirty="0" smtClean="0"/>
+              <a:t>『</a:t>
+            </a:r>
+            <a:r>
+              <a:rPr lang="zh-TW" altLang="en-US" sz="2600" dirty="0"/>
+              <a:t>這一定是第三方廠商的問題～</a:t>
+            </a:r>
+            <a:r>
+              <a:rPr lang="en-US" altLang="zh-TW" sz="2600" dirty="0" smtClean="0"/>
+              <a:t>』</a:t>
+            </a:r>
+          </a:p>
+          <a:p>
+            <a:pPr marL="0" indent="0">
+              <a:buNone/>
+            </a:pPr>
+            <a:r>
+              <a:rPr lang="zh-TW" altLang="en-US" sz="2600" dirty="0" smtClean="0"/>
+              <a:t>我</a:t>
+            </a:r>
+            <a:r>
+              <a:rPr lang="en-US" altLang="zh-TW" sz="2600" dirty="0" smtClean="0"/>
+              <a:t>: </a:t>
+            </a:r>
+          </a:p>
+          <a:p>
+            <a:pPr marL="0" indent="0">
+              <a:buNone/>
+            </a:pPr>
+            <a:r>
+              <a:rPr lang="en-US" altLang="zh-TW" sz="2600" dirty="0" smtClean="0"/>
+              <a:t>『</a:t>
+            </a:r>
+            <a:r>
+              <a:rPr lang="zh-TW" altLang="en-US" sz="2600" dirty="0" smtClean="0"/>
+              <a:t>這不太可能，不過我來找原因好了。</a:t>
+            </a:r>
+            <a:r>
+              <a:rPr lang="en-US" altLang="zh-TW" sz="2600" dirty="0" smtClean="0"/>
+              <a:t>』</a:t>
+            </a:r>
+          </a:p>
+          <a:p>
+            <a:pPr marL="0" indent="0">
+              <a:buNone/>
+            </a:pPr>
+            <a:endParaRPr lang="en-US" altLang="zh-TW" sz="2600" dirty="0"/>
+          </a:p>
+          <a:p>
+            <a:pPr marL="0" indent="0">
+              <a:buNone/>
+            </a:pPr>
+            <a:endParaRPr lang="en-US" altLang="zh-TW" sz="2600" dirty="0" smtClean="0"/>
+          </a:p>
+          <a:p>
+            <a:pPr marL="0" indent="0">
+              <a:buNone/>
+            </a:pPr>
+            <a:endParaRPr lang="en-US" altLang="zh-TW" sz="2600" dirty="0"/>
+          </a:p>
+          <a:p>
+            <a:pPr marL="0" indent="0">
+              <a:buNone/>
+            </a:pPr>
+            <a:r>
+              <a:rPr lang="zh-TW" altLang="en-US" sz="2600" dirty="0" smtClean="0"/>
+              <a:t>（╯－＿－）╯╧╧</a:t>
+            </a:r>
+            <a:endParaRPr lang="en-US" altLang="zh-TW" sz="2600" dirty="0" smtClean="0"/>
+          </a:p>
+          <a:p>
+            <a:pPr marL="0" indent="0">
+              <a:buNone/>
+            </a:pPr>
+            <a:r>
+              <a:rPr lang="en-US" altLang="zh-TW" sz="2600" dirty="0" smtClean="0"/>
+              <a:t>e04, </a:t>
+            </a:r>
+            <a:r>
+              <a:rPr lang="zh-TW" altLang="en-US" sz="2600" dirty="0" smtClean="0"/>
+              <a:t>要幫忙找就說，這樣挖坑啊～</a:t>
+            </a:r>
+            <a:endParaRPr lang="en-US" altLang="zh-TW" sz="2600" dirty="0" smtClean="0"/>
+          </a:p>
+          <a:p>
+            <a:pPr marL="0" indent="0">
+              <a:buNone/>
+            </a:pPr>
+            <a:endParaRPr lang="en-US" altLang="zh-TW" dirty="0" smtClean="0"/>
+          </a:p>
+          <a:p>
+            <a:pPr marL="0" indent="0">
+              <a:buNone/>
+            </a:pPr>
+            <a:endParaRPr lang="zh-TW" altLang="en-US" dirty="0"/>
+          </a:p>
+        </p:txBody>
+      </p:sp>
+    </p:spTree>
+    <p:extLst>
+      <p:ext uri="{BB962C8B-B14F-4D97-AF65-F5344CB8AC3E}">
+        <p14:creationId xmlns:p14="http://schemas.microsoft.com/office/powerpoint/2010/main" val="1301801581"/>
+      </p:ext>
+    </p:extLst>
+  </p:cSld>
+  <p:clrMapOvr>
+    <a:masterClrMapping/>
+  </p:clrMapOvr>
+  <p:timing>
+    <p:tnLst>
+      <p:par>
+        <p:cTn id="1" dur="indefinite" restart="never" nodeType="tmRoot">
+          <p:childTnLst>
+            <p:seq concurrent="1" nextAc="seek">
+              <p:cTn id="2" dur="indefinite" nodeType="mainSeq">
+                <p:childTnLst>
+                  <p:par>
+                    <p:cTn id="3" fill="hold">
+                      <p:stCondLst>
+                        <p:cond delay="indefinite"/>
+                      </p:stCondLst>
+                      <p:childTnLst>
+                        <p:par>
+                          <p:cTn id="4" fill="hold">
+                            <p:stCondLst>
+                              <p:cond delay="0"/>
+                            </p:stCondLst>
+                            <p:childTnLst>
+                              <p:par>
+                                <p:cTn id="5" presetID="1" presetClass="entr" presetSubtype="0" fill="hold" nodeType="clickEffect">
+                                  <p:stCondLst>
+                                    <p:cond delay="0"/>
+                                  </p:stCondLst>
+                                  <p:childTnLst>
+                                    <p:set>
+                                      <p:cBhvr>
+                                        <p:cTn id="6" dur="1" fill="hold">
+                                          <p:stCondLst>
+                                            <p:cond delay="0"/>
+                                          </p:stCondLst>
+                                        </p:cTn>
+                                        <p:tgtEl>
+                                          <p:spTgt spid="2">
+                                            <p:txEl>
+                                              <p:pRg st="0" end="0"/>
+                                            </p:txEl>
+                                          </p:spTgt>
+                                        </p:tgtEl>
+                                        <p:attrNameLst>
+                                          <p:attrName>style.visibility</p:attrName>
+                                        </p:attrNameLst>
+                                      </p:cBhvr>
+                                      <p:to>
+                                        <p:strVal val="visible"/>
+                                      </p:to>
+                                    </p:set>
+                                  </p:childTnLst>
+                                </p:cTn>
+                              </p:par>
+                              <p:par>
+                                <p:cTn id="7" presetID="1" presetClass="entr" presetSubtype="0" fill="hold" nodeType="withEffect">
+                                  <p:stCondLst>
+                                    <p:cond delay="0"/>
+                                  </p:stCondLst>
+                                  <p:childTnLst>
+                                    <p:set>
+                                      <p:cBhvr>
+                                        <p:cTn id="8" dur="1" fill="hold">
+                                          <p:stCondLst>
+                                            <p:cond delay="0"/>
+                                          </p:stCondLst>
+                                        </p:cTn>
+                                        <p:tgtEl>
+                                          <p:spTgt spid="2">
+                                            <p:txEl>
+                                              <p:pRg st="1" end="1"/>
+                                            </p:txEl>
+                                          </p:spTgt>
+                                        </p:tgtEl>
+                                        <p:attrNameLst>
+                                          <p:attrName>style.visibility</p:attrName>
+                                        </p:attrNameLst>
+                                      </p:cBhvr>
+                                      <p:to>
+                                        <p:strVal val="visible"/>
+                                      </p:to>
+                                    </p:set>
+                                  </p:childTnLst>
+                                </p:cTn>
+                              </p:par>
+                            </p:childTnLst>
+                          </p:cTn>
+                        </p:par>
+                      </p:childTnLst>
+                    </p:cTn>
+                  </p:par>
+                  <p:par>
+                    <p:cTn id="9" fill="hold">
+                      <p:stCondLst>
+                        <p:cond delay="indefinite"/>
+                      </p:stCondLst>
+                      <p:childTnLst>
+                        <p:par>
+                          <p:cTn id="10" fill="hold">
+                            <p:stCondLst>
+                              <p:cond delay="0"/>
+                            </p:stCondLst>
+                            <p:childTnLst>
+                              <p:par>
+                                <p:cTn id="11" presetID="1" presetClass="entr" presetSubtype="0" fill="hold" nodeType="clickEffect">
+                                  <p:stCondLst>
+                                    <p:cond delay="0"/>
+                                  </p:stCondLst>
+                                  <p:childTnLst>
+                                    <p:set>
+                                      <p:cBhvr>
+                                        <p:cTn id="12" dur="1" fill="hold">
+                                          <p:stCondLst>
+                                            <p:cond delay="0"/>
+                                          </p:stCondLst>
+                                        </p:cTn>
+                                        <p:tgtEl>
+                                          <p:spTgt spid="2">
+                                            <p:txEl>
+                                              <p:pRg st="2" end="2"/>
+                                            </p:txEl>
+                                          </p:spTgt>
+                                        </p:tgtEl>
+                                        <p:attrNameLst>
+                                          <p:attrName>style.visibility</p:attrName>
+                                        </p:attrNameLst>
+                                      </p:cBhvr>
+                                      <p:to>
+                                        <p:strVal val="visible"/>
+                                      </p:to>
+                                    </p:set>
+                                  </p:childTnLst>
+                                </p:cTn>
+                              </p:par>
+                              <p:par>
+                                <p:cTn id="13" presetID="1" presetClass="entr" presetSubtype="0" fill="hold" nodeType="withEffect">
+                                  <p:stCondLst>
+                                    <p:cond delay="0"/>
+                                  </p:stCondLst>
+                                  <p:childTnLst>
+                                    <p:set>
+                                      <p:cBhvr>
+                                        <p:cTn id="14" dur="1" fill="hold">
+                                          <p:stCondLst>
+                                            <p:cond delay="0"/>
+                                          </p:stCondLst>
+                                        </p:cTn>
+                                        <p:tgtEl>
+                                          <p:spTgt spid="2">
+                                            <p:txEl>
+                                              <p:pRg st="3" end="3"/>
+                                            </p:txEl>
+                                          </p:spTgt>
+                                        </p:tgtEl>
+                                        <p:attrNameLst>
+                                          <p:attrName>style.visibility</p:attrName>
+                                        </p:attrNameLst>
+                                      </p:cBhvr>
+                                      <p:to>
+                                        <p:strVal val="visible"/>
+                                      </p:to>
+                                    </p:set>
+                                  </p:childTnLst>
+                                </p:cTn>
+                              </p:par>
+                            </p:childTnLst>
+                          </p:cTn>
+                        </p:par>
+                      </p:childTnLst>
+                    </p:cTn>
+                  </p:par>
+                  <p:par>
+                    <p:cTn id="15" fill="hold">
+                      <p:stCondLst>
+                        <p:cond delay="indefinite"/>
+                      </p:stCondLst>
+                      <p:childTnLst>
+                        <p:par>
+                          <p:cTn id="16" fill="hold">
+                            <p:stCondLst>
+                              <p:cond delay="0"/>
+                            </p:stCondLst>
+                            <p:childTnLst>
+                              <p:par>
+                                <p:cTn id="17" presetID="1" presetClass="entr" presetSubtype="0" fill="hold" nodeType="clickEffect">
+                                  <p:stCondLst>
+                                    <p:cond delay="0"/>
+                                  </p:stCondLst>
+                                  <p:childTnLst>
+                                    <p:set>
+                                      <p:cBhvr>
+                                        <p:cTn id="18" dur="1" fill="hold">
+                                          <p:stCondLst>
+                                            <p:cond delay="0"/>
+                                          </p:stCondLst>
+                                        </p:cTn>
+                                        <p:tgtEl>
+                                          <p:spTgt spid="2">
+                                            <p:txEl>
+                                              <p:pRg st="7" end="7"/>
+                                            </p:txEl>
+                                          </p:spTgt>
+                                        </p:tgtEl>
+                                        <p:attrNameLst>
+                                          <p:attrName>style.visibility</p:attrName>
+                                        </p:attrNameLst>
+                                      </p:cBhvr>
+                                      <p:to>
+                                        <p:strVal val="visible"/>
+                                      </p:to>
+                                    </p:set>
+                                  </p:childTnLst>
+                                </p:cTn>
+                              </p:par>
+                              <p:par>
+                                <p:cTn id="19" presetID="1" presetClass="entr" presetSubtype="0" fill="hold" nodeType="withEffect">
+                                  <p:stCondLst>
+                                    <p:cond delay="0"/>
+                                  </p:stCondLst>
+                                  <p:childTnLst>
+                                    <p:set>
+                                      <p:cBhvr>
+                                        <p:cTn id="20" dur="1" fill="hold">
+                                          <p:stCondLst>
+                                            <p:cond delay="0"/>
+                                          </p:stCondLst>
+                                        </p:cTn>
+                                        <p:tgtEl>
+                                          <p:spTgt spid="2">
+                                            <p:txEl>
+                                              <p:pRg st="8" end="8"/>
+                                            </p:txEl>
+                                          </p:spTgt>
+                                        </p:tgtEl>
+                                        <p:attrNameLst>
+                                          <p:attrName>style.visibility</p:attrName>
+                                        </p:attrNameLst>
+                                      </p:cBhvr>
+                                      <p:to>
+                                        <p:strVal val="visible"/>
+                                      </p:to>
+                                    </p:set>
+                                  </p:childTnLst>
+                                </p:cTn>
+                              </p:par>
+                              <p:par>
+                                <p:cTn id="21" presetID="1" presetClass="entr" presetSubtype="0" fill="hold" nodeType="withEffect">
+                                  <p:stCondLst>
+                                    <p:cond delay="0"/>
+                                  </p:stCondLst>
+                                  <p:childTnLst>
+                                    <p:set>
+                                      <p:cBhvr>
+                                        <p:cTn id="22" dur="1" fill="hold">
+                                          <p:stCondLst>
+                                            <p:cond delay="0"/>
+                                          </p:stCondLst>
+                                        </p:cTn>
+                                        <p:tgtEl>
+                                          <p:spTgt spid="5"/>
+                                        </p:tgtEl>
+                                        <p:attrNameLst>
+                                          <p:attrName>style.visibility</p:attrName>
+                                        </p:attrNameLst>
+                                      </p:cBhvr>
+                                      <p:to>
+                                        <p:strVal val="visible"/>
+                                      </p:to>
+                                    </p:set>
+                                  </p:childTnLst>
+                                </p:cTn>
+                              </p:par>
+                            </p:childTnLst>
+                          </p:cTn>
+                        </p:par>
+                      </p:childTnLst>
+                    </p:cTn>
+                  </p:par>
+                </p:childTnLst>
+              </p:cTn>
+              <p:prevCondLst>
+                <p:cond evt="onPrev" delay="0">
+                  <p:tgtEl>
+                    <p:sldTgt/>
+                  </p:tgtEl>
+                </p:cond>
+              </p:prevCondLst>
+              <p:nextCondLst>
+                <p:cond evt="onNext" delay="0">
+                  <p:tgtEl>
+                    <p:sldTgt/>
+                  </p:tgtEl>
+                </p:cond>
+              </p:nextCondLst>
+            </p:seq>
+          </p:childTnLst>
+        </p:cTn>
+      </p:par>
+    </p:tnLst>
+  </p:timing>
+</p:sld>
+</file>
+
+<file path=ppt/slides/slide16.xml><?xml version="1.0" encoding="utf-8"?>
+<p:sld xmlns:a="http://schemas.openxmlformats.org/drawingml/2006/main" xmlns:r="http://schemas.openxmlformats.org/officeDocument/2006/relationships" xmlns:p="http://schemas.openxmlformats.org/presentationml/2006/main">
+  <p:cSld>
+    <p:spTree>
+      <p:nvGrpSpPr>
+        <p:cNvPr id="1" name=""/>
+        <p:cNvGrpSpPr/>
+        <p:nvPr/>
+      </p:nvGrpSpPr>
+      <p:grpSpPr>
+        <a:xfrm>
+          <a:off x="0" y="0"/>
+          <a:ext cx="0" cy="0"/>
+          <a:chOff x="0" y="0"/>
+          <a:chExt cx="0" cy="0"/>
+        </a:xfrm>
+      </p:grpSpPr>
+      <p:sp>
+        <p:nvSpPr>
+          <p:cNvPr id="4" name="標題 3"/>
+          <p:cNvSpPr>
+            <a:spLocks noGrp="1"/>
+          </p:cNvSpPr>
+          <p:nvPr>
+            <p:ph type="title"/>
+          </p:nvPr>
+        </p:nvSpPr>
+        <p:spPr/>
+        <p:txBody>
+          <a:bodyPr/>
+          <a:lstStyle/>
+          <a:p>
+            <a:r>
+              <a:rPr lang="zh-TW" altLang="en-US" dirty="0" smtClean="0"/>
+              <a:t>我的策略</a:t>
+            </a:r>
+            <a:endParaRPr lang="zh-TW" altLang="en-US" dirty="0"/>
+          </a:p>
+        </p:txBody>
+      </p:sp>
+      <p:sp>
+        <p:nvSpPr>
+          <p:cNvPr id="5" name="內容版面配置區 4"/>
+          <p:cNvSpPr>
+            <a:spLocks noGrp="1"/>
+          </p:cNvSpPr>
+          <p:nvPr>
+            <p:ph idx="1"/>
+          </p:nvPr>
+        </p:nvSpPr>
+        <p:spPr>
+          <a:xfrm>
+            <a:off x="179512" y="1600200"/>
+            <a:ext cx="7992888" cy="4525963"/>
+          </a:xfrm>
+        </p:spPr>
+        <p:txBody>
+          <a:bodyPr>
+            <a:normAutofit fontScale="85000" lnSpcReduction="20000"/>
+          </a:bodyPr>
+          <a:lstStyle/>
+          <a:p>
+            <a:pPr marL="0" indent="0">
+              <a:buNone/>
+            </a:pPr>
+            <a:r>
+              <a:rPr lang="zh-TW" altLang="en-US" dirty="0" smtClean="0"/>
+              <a:t>在時間有限，人又沒有經驗的情況下：</a:t>
+            </a:r>
+            <a:endParaRPr lang="en-US" altLang="zh-TW" dirty="0" smtClean="0"/>
+          </a:p>
+          <a:p>
+            <a:pPr marL="0" indent="0">
+              <a:buNone/>
+            </a:pPr>
+            <a:endParaRPr lang="en-US" altLang="zh-TW" dirty="0" smtClean="0"/>
+          </a:p>
+          <a:p>
+            <a:r>
+              <a:rPr lang="zh-TW" altLang="en-US" dirty="0" smtClean="0"/>
+              <a:t>把環境</a:t>
+            </a:r>
+            <a:r>
+              <a:rPr lang="en-US" altLang="zh-TW" dirty="0" smtClean="0"/>
+              <a:t> </a:t>
+            </a:r>
+            <a:r>
+              <a:rPr lang="en-US" altLang="zh-TW" dirty="0" err="1" smtClean="0"/>
+              <a:t>Git</a:t>
+            </a:r>
+            <a:r>
+              <a:rPr lang="en-US" altLang="zh-TW" dirty="0" smtClean="0"/>
+              <a:t> Branch </a:t>
+            </a:r>
+            <a:r>
+              <a:rPr lang="zh-TW" altLang="en-US" dirty="0" smtClean="0"/>
+              <a:t>掉</a:t>
+            </a:r>
+            <a:endParaRPr lang="en-US" altLang="zh-TW" dirty="0" smtClean="0"/>
+          </a:p>
+          <a:p>
+            <a:pPr marL="0" indent="0">
+              <a:buNone/>
+            </a:pPr>
+            <a:endParaRPr lang="en-US" altLang="zh-TW" dirty="0" smtClean="0"/>
+          </a:p>
+          <a:p>
+            <a:r>
+              <a:rPr lang="zh-TW" altLang="en-US" dirty="0" smtClean="0"/>
+              <a:t>寫一個小工具</a:t>
+            </a:r>
+            <a:r>
+              <a:rPr lang="en-US" altLang="zh-TW" dirty="0" smtClean="0"/>
+              <a:t>(</a:t>
+            </a:r>
+            <a:r>
+              <a:rPr lang="en-US" altLang="zh-TW" dirty="0" err="1" smtClean="0"/>
+              <a:t>blackbox</a:t>
+            </a:r>
+            <a:r>
+              <a:rPr lang="en-US" altLang="zh-TW" dirty="0" smtClean="0"/>
+              <a:t>)</a:t>
+            </a:r>
+            <a:endParaRPr lang="en-US" altLang="zh-TW" dirty="0"/>
+          </a:p>
+          <a:p>
+            <a:pPr lvl="1"/>
+            <a:r>
+              <a:rPr lang="zh-TW" altLang="en-US" dirty="0"/>
+              <a:t>以</a:t>
+            </a:r>
+            <a:r>
+              <a:rPr lang="en-US" altLang="zh-TW" dirty="0"/>
+              <a:t>thread Local</a:t>
+            </a:r>
+            <a:r>
+              <a:rPr lang="zh-TW" altLang="en-US" dirty="0"/>
+              <a:t>為</a:t>
+            </a:r>
+            <a:r>
+              <a:rPr lang="en-US" altLang="zh-TW" dirty="0"/>
+              <a:t>context</a:t>
+            </a:r>
+          </a:p>
+          <a:p>
+            <a:pPr lvl="1"/>
+            <a:r>
+              <a:rPr lang="zh-TW" altLang="en-US" dirty="0"/>
+              <a:t>介面皆是</a:t>
+            </a:r>
+            <a:r>
+              <a:rPr lang="en-US" altLang="zh-TW" dirty="0"/>
+              <a:t>static method </a:t>
+            </a:r>
+            <a:endParaRPr lang="en-US" altLang="zh-TW" dirty="0" smtClean="0"/>
+          </a:p>
+          <a:p>
+            <a:pPr lvl="1"/>
+            <a:r>
+              <a:rPr lang="zh-TW" altLang="en-US" dirty="0" smtClean="0"/>
+              <a:t>運用</a:t>
+            </a:r>
+            <a:r>
+              <a:rPr lang="en-US" altLang="zh-TW" dirty="0"/>
+              <a:t> </a:t>
+            </a:r>
+            <a:r>
+              <a:rPr lang="en-US" altLang="zh-TW" sz="1600" i="1" dirty="0" err="1">
+                <a:latin typeface="KaiTi" pitchFamily="49" charset="-122"/>
+                <a:ea typeface="KaiTi" pitchFamily="49" charset="-122"/>
+              </a:rPr>
+              <a:t>Thread.currentThread</a:t>
+            </a:r>
+            <a:r>
+              <a:rPr lang="en-US" altLang="zh-TW" sz="1600" i="1" dirty="0">
+                <a:latin typeface="KaiTi" pitchFamily="49" charset="-122"/>
+                <a:ea typeface="KaiTi" pitchFamily="49" charset="-122"/>
+              </a:rPr>
+              <a:t>().</a:t>
+            </a:r>
+            <a:r>
+              <a:rPr lang="en-US" altLang="zh-TW" sz="1600" i="1" dirty="0" err="1">
+                <a:latin typeface="KaiTi" pitchFamily="49" charset="-122"/>
+                <a:ea typeface="KaiTi" pitchFamily="49" charset="-122"/>
+              </a:rPr>
+              <a:t>getStackTrace</a:t>
+            </a:r>
+            <a:r>
+              <a:rPr lang="en-US" altLang="zh-TW" sz="1600" i="1" dirty="0" smtClean="0">
+                <a:latin typeface="KaiTi" pitchFamily="49" charset="-122"/>
+                <a:ea typeface="KaiTi" pitchFamily="49" charset="-122"/>
+              </a:rPr>
+              <a:t>()</a:t>
+            </a:r>
+            <a:r>
+              <a:rPr lang="zh-TW" altLang="en-US" dirty="0" smtClean="0">
+                <a:latin typeface="+mn-ea"/>
+              </a:rPr>
+              <a:t>取得資訊。</a:t>
+            </a:r>
+            <a:endParaRPr lang="en-US" altLang="zh-TW" dirty="0" smtClean="0">
+              <a:latin typeface="+mn-ea"/>
+            </a:endParaRPr>
+          </a:p>
+          <a:p>
+            <a:pPr lvl="1"/>
+            <a:endParaRPr lang="en-US" altLang="zh-TW" dirty="0"/>
+          </a:p>
+          <a:p>
+            <a:r>
+              <a:rPr lang="zh-TW" altLang="en-US" dirty="0" smtClean="0"/>
+              <a:t>在客戶的程式碼中插入</a:t>
+            </a:r>
+            <a:r>
+              <a:rPr lang="zh-TW" altLang="en-US" dirty="0"/>
+              <a:t>偵測</a:t>
+            </a:r>
+            <a:r>
+              <a:rPr lang="zh-TW" altLang="en-US" dirty="0" smtClean="0"/>
+              <a:t>程式碼，二分逼近下去，看哪些地方有</a:t>
+            </a:r>
+            <a:r>
+              <a:rPr lang="zh-TW" altLang="en-US" dirty="0"/>
+              <a:t>效能</a:t>
+            </a:r>
+            <a:r>
+              <a:rPr lang="zh-TW" altLang="en-US" dirty="0" smtClean="0"/>
+              <a:t>問題。</a:t>
+            </a:r>
+            <a:endParaRPr lang="en-US" altLang="zh-TW" dirty="0" smtClean="0"/>
+          </a:p>
+          <a:p>
+            <a:pPr lvl="1"/>
+            <a:endParaRPr lang="zh-TW" altLang="en-US" dirty="0"/>
+          </a:p>
+        </p:txBody>
+      </p:sp>
+    </p:spTree>
+    <p:extLst>
+      <p:ext uri="{BB962C8B-B14F-4D97-AF65-F5344CB8AC3E}">
+        <p14:creationId xmlns:p14="http://schemas.microsoft.com/office/powerpoint/2010/main" val="699259394"/>
+      </p:ext>
+    </p:extLst>
+  </p:cSld>
+  <p:clrMapOvr>
+    <a:masterClrMapping/>
+  </p:clrMapOvr>
+  <p:timing>
+    <p:tnLst>
+      <p:par>
+        <p:cTn id="1" dur="indefinite" restart="never" nodeType="tmRoot">
+          <p:childTnLst>
+            <p:seq concurrent="1" nextAc="seek">
+              <p:cTn id="2" dur="indefinite" nodeType="mainSeq">
+                <p:childTnLst>
+                  <p:par>
+                    <p:cTn id="3" fill="hold">
+                      <p:stCondLst>
+                        <p:cond delay="indefinite"/>
+                      </p:stCondLst>
+                      <p:childTnLst>
+                        <p:par>
+                          <p:cTn id="4" fill="hold">
+                            <p:stCondLst>
+                              <p:cond delay="0"/>
+                            </p:stCondLst>
+                            <p:childTnLst>
+                              <p:par>
+                                <p:cTn id="5" presetID="1" presetClass="entr" presetSubtype="0" fill="hold" nodeType="clickEffect">
+                                  <p:stCondLst>
+                                    <p:cond delay="0"/>
+                                  </p:stCondLst>
+                                  <p:childTnLst>
+                                    <p:set>
+                                      <p:cBhvr>
+                                        <p:cTn id="6" dur="1" fill="hold">
+                                          <p:stCondLst>
+                                            <p:cond delay="0"/>
+                                          </p:stCondLst>
+                                        </p:cTn>
+                                        <p:tgtEl>
+                                          <p:spTgt spid="5">
+                                            <p:txEl>
+                                              <p:pRg st="2" end="2"/>
+                                            </p:txEl>
+                                          </p:spTgt>
+                                        </p:tgtEl>
+                                        <p:attrNameLst>
+                                          <p:attrName>style.visibility</p:attrName>
+                                        </p:attrNameLst>
+                                      </p:cBhvr>
+                                      <p:to>
+                                        <p:strVal val="visible"/>
+                                      </p:to>
+                                    </p:set>
+                                  </p:childTnLst>
+                                </p:cTn>
+                              </p:par>
+                            </p:childTnLst>
+                          </p:cTn>
+                        </p:par>
+                      </p:childTnLst>
+                    </p:cTn>
+                  </p:par>
+                  <p:par>
+                    <p:cTn id="7" fill="hold">
+                      <p:stCondLst>
+                        <p:cond delay="indefinite"/>
+                      </p:stCondLst>
+                      <p:childTnLst>
+                        <p:par>
+                          <p:cTn id="8" fill="hold">
+                            <p:stCondLst>
+                              <p:cond delay="0"/>
+                            </p:stCondLst>
+                            <p:childTnLst>
+                              <p:par>
+                                <p:cTn id="9" presetID="1" presetClass="entr" presetSubtype="0" fill="hold" nodeType="clickEffect">
+                                  <p:stCondLst>
+                                    <p:cond delay="0"/>
+                                  </p:stCondLst>
+                                  <p:childTnLst>
+                                    <p:set>
+                                      <p:cBhvr>
+                                        <p:cTn id="10" dur="1" fill="hold">
+                                          <p:stCondLst>
+                                            <p:cond delay="0"/>
+                                          </p:stCondLst>
+                                        </p:cTn>
+                                        <p:tgtEl>
+                                          <p:spTgt spid="5">
+                                            <p:txEl>
+                                              <p:pRg st="4" end="4"/>
+                                            </p:txEl>
+                                          </p:spTgt>
+                                        </p:tgtEl>
+                                        <p:attrNameLst>
+                                          <p:attrName>style.visibility</p:attrName>
+                                        </p:attrNameLst>
+                                      </p:cBhvr>
+                                      <p:to>
+                                        <p:strVal val="visible"/>
+                                      </p:to>
+                                    </p:set>
+                                  </p:childTnLst>
+                                </p:cTn>
+                              </p:par>
+                              <p:par>
+                                <p:cTn id="11" presetID="1" presetClass="entr" presetSubtype="0" fill="hold" nodeType="withEffect">
+                                  <p:stCondLst>
+                                    <p:cond delay="0"/>
+                                  </p:stCondLst>
+                                  <p:childTnLst>
+                                    <p:set>
+                                      <p:cBhvr>
+                                        <p:cTn id="12" dur="1" fill="hold">
+                                          <p:stCondLst>
+                                            <p:cond delay="0"/>
+                                          </p:stCondLst>
+                                        </p:cTn>
+                                        <p:tgtEl>
+                                          <p:spTgt spid="5">
+                                            <p:txEl>
+                                              <p:pRg st="5" end="5"/>
+                                            </p:txEl>
+                                          </p:spTgt>
+                                        </p:tgtEl>
+                                        <p:attrNameLst>
+                                          <p:attrName>style.visibility</p:attrName>
+                                        </p:attrNameLst>
+                                      </p:cBhvr>
+                                      <p:to>
+                                        <p:strVal val="visible"/>
+                                      </p:to>
+                                    </p:set>
+                                  </p:childTnLst>
+                                </p:cTn>
+                              </p:par>
+                              <p:par>
+                                <p:cTn id="13" presetID="1" presetClass="entr" presetSubtype="0" fill="hold" nodeType="withEffect">
+                                  <p:stCondLst>
+                                    <p:cond delay="0"/>
+                                  </p:stCondLst>
+                                  <p:childTnLst>
+                                    <p:set>
+                                      <p:cBhvr>
+                                        <p:cTn id="14" dur="1" fill="hold">
+                                          <p:stCondLst>
+                                            <p:cond delay="0"/>
+                                          </p:stCondLst>
+                                        </p:cTn>
+                                        <p:tgtEl>
+                                          <p:spTgt spid="5">
+                                            <p:txEl>
+                                              <p:pRg st="6" end="6"/>
+                                            </p:txEl>
+                                          </p:spTgt>
+                                        </p:tgtEl>
+                                        <p:attrNameLst>
+                                          <p:attrName>style.visibility</p:attrName>
+                                        </p:attrNameLst>
+                                      </p:cBhvr>
+                                      <p:to>
+                                        <p:strVal val="visible"/>
+                                      </p:to>
+                                    </p:set>
+                                  </p:childTnLst>
+                                </p:cTn>
+                              </p:par>
+                              <p:par>
+                                <p:cTn id="15" presetID="1" presetClass="entr" presetSubtype="0" fill="hold" nodeType="withEffect">
+                                  <p:stCondLst>
+                                    <p:cond delay="0"/>
+                                  </p:stCondLst>
+                                  <p:childTnLst>
+                                    <p:set>
+                                      <p:cBhvr>
+                                        <p:cTn id="16" dur="1" fill="hold">
+                                          <p:stCondLst>
+                                            <p:cond delay="0"/>
+                                          </p:stCondLst>
+                                        </p:cTn>
+                                        <p:tgtEl>
+                                          <p:spTgt spid="5">
+                                            <p:txEl>
+                                              <p:pRg st="7" end="7"/>
+                                            </p:txEl>
+                                          </p:spTgt>
+                                        </p:tgtEl>
+                                        <p:attrNameLst>
+                                          <p:attrName>style.visibility</p:attrName>
+                                        </p:attrNameLst>
+                                      </p:cBhvr>
+                                      <p:to>
+                                        <p:strVal val="visible"/>
+                                      </p:to>
+                                    </p:set>
+                                  </p:childTnLst>
+                                </p:cTn>
+                              </p:par>
+                            </p:childTnLst>
+                          </p:cTn>
+                        </p:par>
+                      </p:childTnLst>
+                    </p:cTn>
+                  </p:par>
+                  <p:par>
+                    <p:cTn id="17" fill="hold">
+                      <p:stCondLst>
+                        <p:cond delay="indefinite"/>
+                      </p:stCondLst>
+                      <p:childTnLst>
+                        <p:par>
+                          <p:cTn id="18" fill="hold">
+                            <p:stCondLst>
+                              <p:cond delay="0"/>
+                            </p:stCondLst>
+                            <p:childTnLst>
+                              <p:par>
+                                <p:cTn id="19" presetID="1" presetClass="entr" presetSubtype="0" fill="hold" nodeType="clickEffect">
+                                  <p:stCondLst>
+                                    <p:cond delay="0"/>
+                                  </p:stCondLst>
+                                  <p:childTnLst>
+                                    <p:set>
+                                      <p:cBhvr>
+                                        <p:cTn id="20" dur="1" fill="hold">
+                                          <p:stCondLst>
+                                            <p:cond delay="0"/>
+                                          </p:stCondLst>
+                                        </p:cTn>
+                                        <p:tgtEl>
+                                          <p:spTgt spid="5">
+                                            <p:txEl>
+                                              <p:pRg st="9" end="9"/>
+                                            </p:txEl>
+                                          </p:spTgt>
+                                        </p:tgtEl>
+                                        <p:attrNameLst>
+                                          <p:attrName>style.visibility</p:attrName>
+                                        </p:attrNameLst>
+                                      </p:cBhvr>
+                                      <p:to>
+                                        <p:strVal val="visible"/>
+                                      </p:to>
+                                    </p:set>
+                                  </p:childTnLst>
+                                </p:cTn>
+                              </p:par>
+                            </p:childTnLst>
+                          </p:cTn>
+                        </p:par>
+                      </p:childTnLst>
+                    </p:cTn>
+                  </p:par>
+                </p:childTnLst>
+              </p:cTn>
+              <p:prevCondLst>
+                <p:cond evt="onPrev" delay="0">
+                  <p:tgtEl>
+                    <p:sldTgt/>
+                  </p:tgtEl>
+                </p:cond>
+              </p:prevCondLst>
+              <p:nextCondLst>
+                <p:cond evt="onNext" delay="0">
+                  <p:tgtEl>
+                    <p:sldTgt/>
+                  </p:tgtEl>
+                </p:cond>
+              </p:nextCondLst>
+            </p:seq>
+          </p:childTnLst>
+        </p:cTn>
+      </p:par>
+    </p:tnLst>
+  </p:timing>
+</p:sld>
+</file>
+
+<file path=ppt/slides/slide17.xml><?xml version="1.0" encoding="utf-8"?>
+<p:sld xmlns:a="http://schemas.openxmlformats.org/drawingml/2006/main" xmlns:r="http://schemas.openxmlformats.org/officeDocument/2006/relationships" xmlns:p="http://schemas.openxmlformats.org/presentationml/2006/main">
+  <p:cSld>
+    <p:spTree>
+      <p:nvGrpSpPr>
+        <p:cNvPr id="1" name=""/>
+        <p:cNvGrpSpPr/>
+        <p:nvPr/>
+      </p:nvGrpSpPr>
+      <p:grpSpPr>
+        <a:xfrm>
+          <a:off x="0" y="0"/>
+          <a:ext cx="0" cy="0"/>
+          <a:chOff x="0" y="0"/>
+          <a:chExt cx="0" cy="0"/>
+        </a:xfrm>
+      </p:grpSpPr>
+      <p:pic>
+        <p:nvPicPr>
+          <p:cNvPr id="7170" name="Picture 2"/>
+          <p:cNvPicPr>
+            <a:picLocks noChangeAspect="1" noChangeArrowheads="1"/>
+          </p:cNvPicPr>
+          <p:nvPr/>
+        </p:nvPicPr>
+        <p:blipFill>
+          <a:blip r:embed="rId2">
+            <a:extLst>
+              <a:ext uri="{28A0092B-C50C-407E-A947-70E740481C1C}">
+                <a14:useLocalDpi xmlns:a14="http://schemas.microsoft.com/office/drawing/2010/main" val="0"/>
+              </a:ext>
+            </a:extLst>
+          </a:blip>
+          <a:srcRect/>
+          <a:stretch>
+            <a:fillRect/>
+          </a:stretch>
+        </p:blipFill>
+        <p:spPr bwMode="auto">
+          <a:xfrm>
+            <a:off x="323528" y="1765796"/>
+            <a:ext cx="7291387" cy="2527300"/>
+          </a:xfrm>
+          <a:prstGeom prst="rect">
+            <a:avLst/>
+          </a:prstGeom>
+          <a:noFill/>
+          <a:ln>
+            <a:noFill/>
+          </a:ln>
+          <a:extLst>
+            <a:ext uri="{909E8E84-426E-40DD-AFC4-6F175D3DCCD1}">
+              <a14:hiddenFill xmlns:a14="http://schemas.microsoft.com/office/drawing/2010/main">
+                <a:solidFill>
+                  <a:schemeClr val="accent1"/>
+                </a:solidFill>
+              </a14:hiddenFill>
+            </a:ext>
+            <a:ext uri="{91240B29-F687-4F45-9708-019B960494DF}">
+              <a14:hiddenLine xmlns:a14="http://schemas.microsoft.com/office/drawing/2010/main" w="9525">
+                <a:solidFill>
+                  <a:schemeClr val="tx1"/>
+                </a:solidFill>
+                <a:miter lim="800000"/>
+                <a:headEnd/>
+                <a:tailEnd/>
+              </a14:hiddenLine>
+            </a:ext>
+          </a:extLst>
+        </p:spPr>
+      </p:pic>
+      <p:sp>
+        <p:nvSpPr>
+          <p:cNvPr id="4" name="標題 3"/>
+          <p:cNvSpPr>
+            <a:spLocks noGrp="1"/>
+          </p:cNvSpPr>
+          <p:nvPr>
+            <p:ph type="title"/>
+          </p:nvPr>
+        </p:nvSpPr>
+        <p:spPr/>
+        <p:txBody>
+          <a:bodyPr/>
+          <a:lstStyle/>
+          <a:p>
+            <a:r>
+              <a:rPr lang="en-US" altLang="zh-TW" dirty="0" err="1" smtClean="0"/>
+              <a:t>Blackbox</a:t>
+            </a:r>
+            <a:r>
+              <a:rPr lang="en-US" altLang="zh-TW" dirty="0" smtClean="0"/>
+              <a:t>(1)</a:t>
+            </a:r>
+            <a:endParaRPr lang="zh-TW" altLang="en-US" dirty="0"/>
+          </a:p>
+        </p:txBody>
+      </p:sp>
+      <p:sp>
+        <p:nvSpPr>
+          <p:cNvPr id="5" name="內容版面配置區 4"/>
+          <p:cNvSpPr>
+            <a:spLocks noGrp="1"/>
+          </p:cNvSpPr>
+          <p:nvPr>
+            <p:ph idx="1"/>
+          </p:nvPr>
+        </p:nvSpPr>
+        <p:spPr>
+          <a:xfrm>
+            <a:off x="179512" y="1340768"/>
+            <a:ext cx="7992888" cy="4525963"/>
+          </a:xfrm>
+        </p:spPr>
+        <p:txBody>
+          <a:bodyPr>
+            <a:normAutofit/>
+          </a:bodyPr>
+          <a:lstStyle/>
+          <a:p>
+            <a:pPr marL="0" indent="0">
+              <a:buNone/>
+            </a:pPr>
+            <a:r>
+              <a:rPr lang="en-US" altLang="zh-TW" dirty="0" err="1" smtClean="0"/>
+              <a:t>BlackboxFilter</a:t>
+            </a:r>
+            <a:r>
+              <a:rPr lang="zh-TW" altLang="en-US" dirty="0" smtClean="0"/>
+              <a:t>作這樣的事情：</a:t>
+            </a:r>
+            <a:endParaRPr lang="en-US" altLang="zh-TW" dirty="0" smtClean="0"/>
+          </a:p>
+          <a:p>
+            <a:pPr marL="0" indent="0">
+              <a:buNone/>
+            </a:pPr>
+            <a:endParaRPr lang="en-US" altLang="zh-TW" dirty="0" smtClean="0"/>
+          </a:p>
+          <a:p>
+            <a:pPr marL="0" indent="0">
+              <a:buNone/>
+            </a:pPr>
+            <a:endParaRPr lang="en-US" altLang="zh-TW" dirty="0"/>
+          </a:p>
+          <a:p>
+            <a:pPr marL="0" indent="0">
+              <a:buNone/>
+            </a:pPr>
+            <a:endParaRPr lang="en-US" altLang="zh-TW" dirty="0" smtClean="0"/>
+          </a:p>
+          <a:p>
+            <a:pPr marL="0" indent="0">
+              <a:buNone/>
+            </a:pPr>
+            <a:endParaRPr lang="en-US" altLang="zh-TW" dirty="0"/>
+          </a:p>
+          <a:p>
+            <a:pPr marL="0" indent="0">
+              <a:buNone/>
+            </a:pPr>
+            <a:r>
+              <a:rPr lang="zh-TW" altLang="en-US" dirty="0" smtClean="0"/>
+              <a:t>簡單的測試，輸出結果長這樣：</a:t>
+            </a:r>
+            <a:endParaRPr lang="en-US" altLang="zh-TW" dirty="0" smtClean="0"/>
+          </a:p>
+          <a:p>
+            <a:pPr marL="0" indent="0">
+              <a:buNone/>
+            </a:pPr>
+            <a:endParaRPr lang="en-US" altLang="zh-TW" dirty="0" smtClean="0"/>
+          </a:p>
+        </p:txBody>
+      </p:sp>
+      <p:pic>
+        <p:nvPicPr>
+          <p:cNvPr id="7173" name="Picture 5"/>
+          <p:cNvPicPr>
+            <a:picLocks noChangeAspect="1" noChangeArrowheads="1"/>
+          </p:cNvPicPr>
+          <p:nvPr/>
+        </p:nvPicPr>
+        <p:blipFill>
+          <a:blip r:embed="rId3">
+            <a:extLst>
+              <a:ext uri="{28A0092B-C50C-407E-A947-70E740481C1C}">
+                <a14:useLocalDpi xmlns:a14="http://schemas.microsoft.com/office/drawing/2010/main" val="0"/>
+              </a:ext>
+            </a:extLst>
+          </a:blip>
+          <a:srcRect/>
+          <a:stretch>
+            <a:fillRect/>
+          </a:stretch>
+        </p:blipFill>
+        <p:spPr bwMode="auto">
+          <a:xfrm>
+            <a:off x="323528" y="5229200"/>
+            <a:ext cx="8497887" cy="723900"/>
+          </a:xfrm>
+          <a:prstGeom prst="rect">
+            <a:avLst/>
+          </a:prstGeom>
+          <a:noFill/>
+          <a:ln>
+            <a:noFill/>
+          </a:ln>
+          <a:extLst>
+            <a:ext uri="{909E8E84-426E-40DD-AFC4-6F175D3DCCD1}">
+              <a14:hiddenFill xmlns:a14="http://schemas.microsoft.com/office/drawing/2010/main">
+                <a:solidFill>
+                  <a:schemeClr val="accent1"/>
+                </a:solidFill>
+              </a14:hiddenFill>
+            </a:ext>
+            <a:ext uri="{91240B29-F687-4F45-9708-019B960494DF}">
+              <a14:hiddenLine xmlns:a14="http://schemas.microsoft.com/office/drawing/2010/main" w="9525">
+                <a:solidFill>
+                  <a:schemeClr val="tx1"/>
+                </a:solidFill>
+                <a:miter lim="800000"/>
+                <a:headEnd/>
+                <a:tailEnd/>
+              </a14:hiddenLine>
+            </a:ext>
+          </a:extLst>
+        </p:spPr>
+      </p:pic>
+    </p:spTree>
+    <p:extLst>
+      <p:ext uri="{BB962C8B-B14F-4D97-AF65-F5344CB8AC3E}">
+        <p14:creationId xmlns:p14="http://schemas.microsoft.com/office/powerpoint/2010/main" val="2010714469"/>
+      </p:ext>
+    </p:extLst>
+  </p:cSld>
+  <p:clrMapOvr>
+    <a:masterClrMapping/>
+  </p:clrMapOvr>
+  <p:timing>
+    <p:tnLst>
+      <p:par>
+        <p:cTn id="1" dur="indefinite" restart="never" nodeType="tmRoot"/>
+      </p:par>
+    </p:tnLst>
+  </p:timing>
+</p:sld>
+</file>
+
+<file path=ppt/slides/slide18.xml><?xml version="1.0" encoding="utf-8"?>
+<p:sld xmlns:a="http://schemas.openxmlformats.org/drawingml/2006/main" xmlns:r="http://schemas.openxmlformats.org/officeDocument/2006/relationships" xmlns:p="http://schemas.openxmlformats.org/presentationml/2006/main">
+  <p:cSld>
+    <p:spTree>
+      <p:nvGrpSpPr>
+        <p:cNvPr id="1" name=""/>
+        <p:cNvGrpSpPr/>
+        <p:nvPr/>
+      </p:nvGrpSpPr>
+      <p:grpSpPr>
+        <a:xfrm>
+          <a:off x="0" y="0"/>
+          <a:ext cx="0" cy="0"/>
+          <a:chOff x="0" y="0"/>
+          <a:chExt cx="0" cy="0"/>
+        </a:xfrm>
+      </p:grpSpPr>
+      <p:pic>
+        <p:nvPicPr>
+          <p:cNvPr id="8194" name="Picture 2"/>
+          <p:cNvPicPr>
+            <a:picLocks noChangeAspect="1" noChangeArrowheads="1"/>
+          </p:cNvPicPr>
+          <p:nvPr/>
+        </p:nvPicPr>
+        <p:blipFill>
+          <a:blip r:embed="rId2">
+            <a:extLst>
+              <a:ext uri="{28A0092B-C50C-407E-A947-70E740481C1C}">
+                <a14:useLocalDpi xmlns:a14="http://schemas.microsoft.com/office/drawing/2010/main" val="0"/>
+              </a:ext>
+            </a:extLst>
+          </a:blip>
+          <a:srcRect/>
+          <a:stretch>
+            <a:fillRect/>
+          </a:stretch>
+        </p:blipFill>
+        <p:spPr bwMode="auto">
+          <a:xfrm>
+            <a:off x="683568" y="2638152"/>
+            <a:ext cx="5348287" cy="2159000"/>
+          </a:xfrm>
+          <a:prstGeom prst="rect">
+            <a:avLst/>
+          </a:prstGeom>
+          <a:noFill/>
+          <a:ln>
+            <a:noFill/>
+          </a:ln>
+          <a:extLst>
+            <a:ext uri="{909E8E84-426E-40DD-AFC4-6F175D3DCCD1}">
+              <a14:hiddenFill xmlns:a14="http://schemas.microsoft.com/office/drawing/2010/main">
+                <a:solidFill>
+                  <a:schemeClr val="accent1"/>
+                </a:solidFill>
+              </a14:hiddenFill>
+            </a:ext>
+            <a:ext uri="{91240B29-F687-4F45-9708-019B960494DF}">
+              <a14:hiddenLine xmlns:a14="http://schemas.microsoft.com/office/drawing/2010/main" w="9525">
+                <a:solidFill>
+                  <a:schemeClr val="tx1"/>
+                </a:solidFill>
+                <a:miter lim="800000"/>
+                <a:headEnd/>
+                <a:tailEnd/>
+              </a14:hiddenLine>
+            </a:ext>
+          </a:extLst>
+        </p:spPr>
+      </p:pic>
+      <p:sp>
+        <p:nvSpPr>
+          <p:cNvPr id="4" name="標題 3"/>
+          <p:cNvSpPr>
+            <a:spLocks noGrp="1"/>
+          </p:cNvSpPr>
+          <p:nvPr>
+            <p:ph type="title"/>
+          </p:nvPr>
+        </p:nvSpPr>
+        <p:spPr/>
+        <p:txBody>
+          <a:bodyPr/>
+          <a:lstStyle/>
+          <a:p>
+            <a:r>
+              <a:rPr lang="en-US" altLang="zh-TW" dirty="0" err="1" smtClean="0"/>
+              <a:t>Blackbox</a:t>
+            </a:r>
+            <a:r>
+              <a:rPr lang="en-US" altLang="zh-TW" dirty="0" smtClean="0"/>
+              <a:t>(2)</a:t>
+            </a:r>
+            <a:endParaRPr lang="zh-TW" altLang="en-US" dirty="0"/>
+          </a:p>
+        </p:txBody>
+      </p:sp>
+      <p:sp>
+        <p:nvSpPr>
+          <p:cNvPr id="5" name="內容版面配置區 4"/>
+          <p:cNvSpPr>
+            <a:spLocks noGrp="1"/>
+          </p:cNvSpPr>
+          <p:nvPr>
+            <p:ph idx="1"/>
+          </p:nvPr>
+        </p:nvSpPr>
+        <p:spPr>
+          <a:xfrm>
+            <a:off x="179512" y="1556792"/>
+            <a:ext cx="7992888" cy="4525963"/>
+          </a:xfrm>
+        </p:spPr>
+        <p:txBody>
+          <a:bodyPr>
+            <a:normAutofit/>
+          </a:bodyPr>
+          <a:lstStyle/>
+          <a:p>
+            <a:pPr marL="0" indent="0">
+              <a:buNone/>
+            </a:pPr>
+            <a:r>
+              <a:rPr lang="zh-TW" altLang="en-US" dirty="0" smtClean="0"/>
+              <a:t>開始在程式碼中插入這樣的偵測程式碼：</a:t>
+            </a:r>
+            <a:endParaRPr lang="en-US" altLang="zh-TW" dirty="0" smtClean="0"/>
+          </a:p>
+          <a:p>
+            <a:pPr marL="0" indent="0">
+              <a:buNone/>
+            </a:pPr>
+            <a:endParaRPr lang="en-US" altLang="zh-TW" dirty="0"/>
+          </a:p>
+          <a:p>
+            <a:pPr marL="0" indent="0">
+              <a:buNone/>
+            </a:pPr>
+            <a:endParaRPr lang="en-US" altLang="zh-TW" dirty="0" smtClean="0"/>
+          </a:p>
+          <a:p>
+            <a:pPr marL="0" indent="0">
+              <a:buNone/>
+            </a:pPr>
+            <a:endParaRPr lang="en-US" altLang="zh-TW" dirty="0"/>
+          </a:p>
+          <a:p>
+            <a:pPr marL="0" indent="0">
+              <a:buNone/>
+            </a:pPr>
+            <a:endParaRPr lang="en-US" altLang="zh-TW" dirty="0"/>
+          </a:p>
+          <a:p>
+            <a:pPr marL="0" indent="0">
+              <a:buNone/>
+            </a:pPr>
+            <a:endParaRPr lang="en-US" altLang="zh-TW" dirty="0" smtClean="0"/>
+          </a:p>
+          <a:p>
+            <a:pPr marL="0" indent="0">
+              <a:buNone/>
+            </a:pPr>
+            <a:endParaRPr lang="en-US" altLang="zh-TW" dirty="0" smtClean="0"/>
+          </a:p>
+        </p:txBody>
+      </p:sp>
+    </p:spTree>
+    <p:extLst>
+      <p:ext uri="{BB962C8B-B14F-4D97-AF65-F5344CB8AC3E}">
+        <p14:creationId xmlns:p14="http://schemas.microsoft.com/office/powerpoint/2010/main" val="2127862923"/>
+      </p:ext>
+    </p:extLst>
+  </p:cSld>
+  <p:clrMapOvr>
+    <a:masterClrMapping/>
+  </p:clrMapOvr>
+  <p:timing>
+    <p:tnLst>
+      <p:par>
+        <p:cTn id="1" dur="indefinite" restart="never" nodeType="tmRoot"/>
+      </p:par>
+    </p:tnLst>
+  </p:timing>
+</p:sld>
+</file>
+
+<file path=ppt/slides/slide19.xml><?xml version="1.0" encoding="utf-8"?>
+<p:sld xmlns:a="http://schemas.openxmlformats.org/drawingml/2006/main" xmlns:r="http://schemas.openxmlformats.org/officeDocument/2006/relationships" xmlns:p="http://schemas.openxmlformats.org/presentationml/2006/main">
+  <p:cSld>
+    <p:spTree>
+      <p:nvGrpSpPr>
+        <p:cNvPr id="1" name=""/>
+        <p:cNvGrpSpPr/>
+        <p:nvPr/>
+      </p:nvGrpSpPr>
+      <p:grpSpPr>
+        <a:xfrm>
+          <a:off x="0" y="0"/>
+          <a:ext cx="0" cy="0"/>
+          <a:chOff x="0" y="0"/>
+          <a:chExt cx="0" cy="0"/>
+        </a:xfrm>
+      </p:grpSpPr>
+      <p:sp>
+        <p:nvSpPr>
+          <p:cNvPr id="4" name="標題 3"/>
+          <p:cNvSpPr>
+            <a:spLocks noGrp="1"/>
+          </p:cNvSpPr>
+          <p:nvPr>
+            <p:ph type="title"/>
+          </p:nvPr>
+        </p:nvSpPr>
+        <p:spPr/>
+        <p:txBody>
+          <a:bodyPr/>
+          <a:lstStyle/>
+          <a:p>
+            <a:r>
+              <a:rPr lang="en-US" altLang="zh-TW" dirty="0" err="1" smtClean="0"/>
+              <a:t>Blackbox</a:t>
+            </a:r>
+            <a:r>
+              <a:rPr lang="en-US" altLang="zh-TW" dirty="0" smtClean="0"/>
+              <a:t>(3)</a:t>
+            </a:r>
+            <a:endParaRPr lang="zh-TW" altLang="en-US" dirty="0"/>
+          </a:p>
+        </p:txBody>
+      </p:sp>
+      <p:sp>
+        <p:nvSpPr>
+          <p:cNvPr id="5" name="內容版面配置區 4"/>
+          <p:cNvSpPr>
+            <a:spLocks noGrp="1"/>
+          </p:cNvSpPr>
+          <p:nvPr>
+            <p:ph idx="1"/>
+          </p:nvPr>
+        </p:nvSpPr>
+        <p:spPr>
+          <a:xfrm>
+            <a:off x="179512" y="1423317"/>
+            <a:ext cx="7992888" cy="4525963"/>
+          </a:xfrm>
+        </p:spPr>
+        <p:txBody>
+          <a:bodyPr>
+            <a:normAutofit/>
+          </a:bodyPr>
+          <a:lstStyle/>
+          <a:p>
+            <a:pPr marL="0" indent="0">
+              <a:buNone/>
+            </a:pPr>
+            <a:r>
+              <a:rPr lang="zh-TW" altLang="en-US" dirty="0" smtClean="0"/>
+              <a:t>程式碼太複雜怎麼辦？開始二分逼近：</a:t>
+            </a:r>
+            <a:endParaRPr lang="en-US" altLang="zh-TW" dirty="0" smtClean="0"/>
+          </a:p>
+          <a:p>
+            <a:pPr marL="0" indent="0">
+              <a:buNone/>
+            </a:pPr>
+            <a:endParaRPr lang="en-US" altLang="zh-TW" dirty="0"/>
+          </a:p>
+          <a:p>
+            <a:pPr marL="0" indent="0">
+              <a:buNone/>
+            </a:pPr>
+            <a:endParaRPr lang="en-US" altLang="zh-TW" dirty="0" smtClean="0"/>
+          </a:p>
+          <a:p>
+            <a:pPr marL="0" indent="0">
+              <a:buNone/>
+            </a:pPr>
+            <a:endParaRPr lang="en-US" altLang="zh-TW" dirty="0"/>
+          </a:p>
+          <a:p>
+            <a:pPr marL="0" indent="0">
+              <a:buNone/>
+            </a:pPr>
+            <a:endParaRPr lang="en-US" altLang="zh-TW" dirty="0"/>
+          </a:p>
+          <a:p>
+            <a:pPr marL="0" indent="0">
+              <a:buNone/>
+            </a:pPr>
+            <a:endParaRPr lang="en-US" altLang="zh-TW" dirty="0" smtClean="0"/>
+          </a:p>
+          <a:p>
+            <a:pPr marL="0" indent="0">
+              <a:buNone/>
+            </a:pPr>
+            <a:endParaRPr lang="en-US" altLang="zh-TW" dirty="0" smtClean="0"/>
+          </a:p>
+        </p:txBody>
+      </p:sp>
+      <p:pic>
+        <p:nvPicPr>
+          <p:cNvPr id="7" name="Picture 2"/>
+          <p:cNvPicPr>
+            <a:picLocks noChangeAspect="1" noChangeArrowheads="1"/>
+          </p:cNvPicPr>
+          <p:nvPr/>
+        </p:nvPicPr>
+        <p:blipFill>
+          <a:blip r:embed="rId2">
+            <a:extLst>
+              <a:ext uri="{28A0092B-C50C-407E-A947-70E740481C1C}">
+                <a14:useLocalDpi xmlns:a14="http://schemas.microsoft.com/office/drawing/2010/main" val="0"/>
+              </a:ext>
+            </a:extLst>
+          </a:blip>
+          <a:srcRect/>
+          <a:stretch>
+            <a:fillRect/>
+          </a:stretch>
+        </p:blipFill>
+        <p:spPr bwMode="auto">
+          <a:xfrm>
+            <a:off x="611560" y="2132855"/>
+            <a:ext cx="7045446" cy="3853879"/>
+          </a:xfrm>
+          <a:prstGeom prst="rect">
+            <a:avLst/>
+          </a:prstGeom>
+          <a:noFill/>
+          <a:ln>
+            <a:noFill/>
+          </a:ln>
+          <a:extLst>
+            <a:ext uri="{909E8E84-426E-40DD-AFC4-6F175D3DCCD1}">
+              <a14:hiddenFill xmlns:a14="http://schemas.microsoft.com/office/drawing/2010/main">
+                <a:solidFill>
+                  <a:schemeClr val="accent1"/>
+                </a:solidFill>
+              </a14:hiddenFill>
+            </a:ext>
+            <a:ext uri="{91240B29-F687-4F45-9708-019B960494DF}">
+              <a14:hiddenLine xmlns:a14="http://schemas.microsoft.com/office/drawing/2010/main" w="9525">
+                <a:solidFill>
+                  <a:schemeClr val="tx1"/>
+                </a:solidFill>
+                <a:miter lim="800000"/>
+                <a:headEnd/>
+                <a:tailEnd/>
+              </a14:hiddenLine>
+            </a:ext>
+          </a:extLst>
+        </p:spPr>
+      </p:pic>
+    </p:spTree>
+    <p:extLst>
+      <p:ext uri="{BB962C8B-B14F-4D97-AF65-F5344CB8AC3E}">
+        <p14:creationId xmlns:p14="http://schemas.microsoft.com/office/powerpoint/2010/main" val="2773427711"/>
+      </p:ext>
+    </p:extLst>
+  </p:cSld>
+  <p:clrMapOvr>
+    <a:masterClrMapping/>
+  </p:clrMapOvr>
+  <p:timing>
+    <p:tnLst>
+      <p:par>
+        <p:cTn id="1" dur="indefinite" restart="never" nodeType="tmRoot"/>
+      </p:par>
+    </p:tnLst>
+  </p:timing>
+</p:sld>
+</file>
+
+<file path=ppt/slides/slide2.xml><?xml version="1.0" encoding="utf-8"?>
+<p:sld xmlns:a="http://schemas.openxmlformats.org/drawingml/2006/main" xmlns:r="http://schemas.openxmlformats.org/officeDocument/2006/relationships" xmlns:p="http://schemas.openxmlformats.org/presentationml/2006/main" showMasterSp="0">
+  <p:cSld>
+    <p:bg>
+      <p:bgPr>
+        <a:blipFill dpi="0" rotWithShape="1">
+          <a:blip r:embed="rId2">
+            <a:alphaModFix amt="95000"/>
+            <a:lum/>
+          </a:blip>
+          <a:srcRect/>
+          <a:stretch>
+            <a:fillRect/>
+          </a:stretch>
+        </a:blipFill>
+        <a:effectLst/>
+      </p:bgPr>
+    </p:bg>
+    <p:spTree>
+      <p:nvGrpSpPr>
+        <p:cNvPr id="1" name=""/>
+        <p:cNvGrpSpPr/>
+        <p:nvPr/>
+      </p:nvGrpSpPr>
+      <p:grpSpPr>
+        <a:xfrm>
+          <a:off x="0" y="0"/>
+          <a:ext cx="0" cy="0"/>
+          <a:chOff x="0" y="0"/>
+          <a:chExt cx="0" cy="0"/>
+        </a:xfrm>
+      </p:grpSpPr>
+      <p:sp>
+        <p:nvSpPr>
+          <p:cNvPr id="4" name="標題 3"/>
+          <p:cNvSpPr>
+            <a:spLocks noGrp="1"/>
+          </p:cNvSpPr>
+          <p:nvPr>
+            <p:ph type="title"/>
+          </p:nvPr>
+        </p:nvSpPr>
+        <p:spPr>
+          <a:xfrm>
+            <a:off x="1393304" y="44624"/>
+            <a:ext cx="6059016" cy="1143000"/>
+          </a:xfrm>
+        </p:spPr>
+        <p:txBody>
+          <a:bodyPr/>
+          <a:lstStyle/>
+          <a:p>
+            <a:r>
+              <a:rPr lang="zh-TW" altLang="en-US" dirty="0" smtClean="0"/>
+              <a:t>講者自介</a:t>
+            </a:r>
+            <a:endParaRPr lang="zh-TW" altLang="en-US" dirty="0"/>
+          </a:p>
+        </p:txBody>
+      </p:sp>
+      <p:sp>
+        <p:nvSpPr>
+          <p:cNvPr id="6" name="內容版面配置區 4"/>
+          <p:cNvSpPr txBox="1">
+            <a:spLocks/>
+          </p:cNvSpPr>
+          <p:nvPr/>
+        </p:nvSpPr>
+        <p:spPr>
+          <a:xfrm>
+            <a:off x="4823520" y="2376440"/>
+            <a:ext cx="4320480" cy="4525963"/>
+          </a:xfrm>
+          <a:prstGeom prst="rect">
+            <a:avLst/>
+          </a:prstGeom>
+        </p:spPr>
+        <p:txBody>
+          <a:bodyPr vert="horz" lIns="91440" tIns="45720" rIns="91440" bIns="45720" rtlCol="0">
+            <a:normAutofit/>
+          </a:bodyPr>
+          <a:lstStyle>
+            <a:lvl1pPr marL="342900" indent="-342900" algn="l" defTabSz="914400" rtl="0" eaLnBrk="1" latinLnBrk="0" hangingPunct="1">
+              <a:spcBef>
+                <a:spcPct val="20000"/>
+              </a:spcBef>
+              <a:buFont typeface="Arial" pitchFamily="34" charset="0"/>
+              <a:buChar char="•"/>
+              <a:defRPr sz="3200" kern="1200">
+                <a:solidFill>
+                  <a:schemeClr val="tx1"/>
+                </a:solidFill>
+                <a:latin typeface="+mn-lt"/>
+                <a:ea typeface="+mn-ea"/>
+                <a:cs typeface="+mn-cs"/>
+              </a:defRPr>
+            </a:lvl1pPr>
+            <a:lvl2pPr marL="742950" indent="-285750" algn="l" defTabSz="914400" rtl="0" eaLnBrk="1" latinLnBrk="0" hangingPunct="1">
+              <a:spcBef>
+                <a:spcPct val="20000"/>
+              </a:spcBef>
+              <a:buFont typeface="Arial" pitchFamily="34" charset="0"/>
+              <a:buChar char="–"/>
+              <a:defRPr sz="2800" kern="1200">
+                <a:solidFill>
+                  <a:schemeClr val="tx1"/>
+                </a:solidFill>
+                <a:latin typeface="+mn-lt"/>
+                <a:ea typeface="+mn-ea"/>
+                <a:cs typeface="+mn-cs"/>
+              </a:defRPr>
+            </a:lvl2pPr>
+            <a:lvl3pPr marL="1143000" indent="-228600" algn="l" defTabSz="914400" rtl="0" eaLnBrk="1" latinLnBrk="0" hangingPunct="1">
+              <a:spcBef>
+                <a:spcPct val="20000"/>
+              </a:spcBef>
+              <a:buFont typeface="Arial" pitchFamily="34" charset="0"/>
+              <a:buChar char="•"/>
+              <a:defRPr sz="2400" kern="1200">
+                <a:solidFill>
+                  <a:schemeClr val="tx1"/>
+                </a:solidFill>
+                <a:latin typeface="+mn-lt"/>
+                <a:ea typeface="+mn-ea"/>
+                <a:cs typeface="+mn-cs"/>
+              </a:defRPr>
+            </a:lvl3pPr>
+            <a:lvl4pPr marL="1600200" indent="-228600" algn="l" defTabSz="914400" rtl="0" eaLnBrk="1" latinLnBrk="0" hangingPunct="1">
+              <a:spcBef>
+                <a:spcPct val="20000"/>
+              </a:spcBef>
+              <a:buFont typeface="Arial" pitchFamily="34" charset="0"/>
+              <a:buChar char="–"/>
+              <a:defRPr sz="2000" kern="1200">
+                <a:solidFill>
+                  <a:schemeClr val="tx1"/>
+                </a:solidFill>
+                <a:latin typeface="+mn-lt"/>
+                <a:ea typeface="+mn-ea"/>
+                <a:cs typeface="+mn-cs"/>
+              </a:defRPr>
+            </a:lvl4pPr>
+            <a:lvl5pPr marL="2057400" indent="-228600" algn="l" defTabSz="914400" rtl="0" eaLnBrk="1" latinLnBrk="0" hangingPunct="1">
+              <a:spcBef>
+                <a:spcPct val="20000"/>
+              </a:spcBef>
+              <a:buFont typeface="Arial" pitchFamily="34" charset="0"/>
+              <a:buChar char="»"/>
+              <a:defRPr sz="2000" kern="1200">
+                <a:solidFill>
+                  <a:schemeClr val="tx1"/>
+                </a:solidFill>
+                <a:latin typeface="+mn-lt"/>
+                <a:ea typeface="+mn-ea"/>
+                <a:cs typeface="+mn-cs"/>
+              </a:defRPr>
+            </a:lvl5pPr>
+            <a:lvl6pPr marL="2514600" indent="-228600" algn="l" defTabSz="914400" rtl="0" eaLnBrk="1" latinLnBrk="0" hangingPunct="1">
+              <a:spcBef>
+                <a:spcPct val="20000"/>
+              </a:spcBef>
+              <a:buFont typeface="Arial" pitchFamily="34" charset="0"/>
+              <a:buChar char="•"/>
+              <a:defRPr sz="2000" kern="1200">
+                <a:solidFill>
+                  <a:schemeClr val="tx1"/>
+                </a:solidFill>
+                <a:latin typeface="+mn-lt"/>
+                <a:ea typeface="+mn-ea"/>
+                <a:cs typeface="+mn-cs"/>
+              </a:defRPr>
+            </a:lvl6pPr>
+            <a:lvl7pPr marL="2971800" indent="-228600" algn="l" defTabSz="914400" rtl="0" eaLnBrk="1" latinLnBrk="0" hangingPunct="1">
+              <a:spcBef>
+                <a:spcPct val="20000"/>
+              </a:spcBef>
+              <a:buFont typeface="Arial" pitchFamily="34" charset="0"/>
+              <a:buChar char="•"/>
+              <a:defRPr sz="2000" kern="1200">
+                <a:solidFill>
+                  <a:schemeClr val="tx1"/>
+                </a:solidFill>
+                <a:latin typeface="+mn-lt"/>
+                <a:ea typeface="+mn-ea"/>
+                <a:cs typeface="+mn-cs"/>
+              </a:defRPr>
+            </a:lvl7pPr>
+            <a:lvl8pPr marL="3429000" indent="-228600" algn="l" defTabSz="914400" rtl="0" eaLnBrk="1" latinLnBrk="0" hangingPunct="1">
+              <a:spcBef>
+                <a:spcPct val="20000"/>
+              </a:spcBef>
+              <a:buFont typeface="Arial" pitchFamily="34" charset="0"/>
+              <a:buChar char="•"/>
+              <a:defRPr sz="2000" kern="1200">
+                <a:solidFill>
+                  <a:schemeClr val="tx1"/>
+                </a:solidFill>
+                <a:latin typeface="+mn-lt"/>
+                <a:ea typeface="+mn-ea"/>
+                <a:cs typeface="+mn-cs"/>
+              </a:defRPr>
+            </a:lvl8pPr>
+            <a:lvl9pPr marL="3886200" indent="-228600" algn="l" defTabSz="914400" rtl="0" eaLnBrk="1" latinLnBrk="0" hangingPunct="1">
+              <a:spcBef>
+                <a:spcPct val="20000"/>
+              </a:spcBef>
+              <a:buFont typeface="Arial" pitchFamily="34" charset="0"/>
+              <a:buChar char="•"/>
+              <a:defRPr sz="2000" kern="1200">
+                <a:solidFill>
+                  <a:schemeClr val="tx1"/>
+                </a:solidFill>
+                <a:latin typeface="+mn-lt"/>
+                <a:ea typeface="+mn-ea"/>
+                <a:cs typeface="+mn-cs"/>
+              </a:defRPr>
+            </a:lvl9pPr>
+          </a:lstStyle>
+          <a:p>
+            <a:pPr marL="0" indent="0">
+              <a:buNone/>
+            </a:pPr>
+            <a:r>
+              <a:rPr lang="en-US" altLang="zh-TW" b="1" dirty="0" smtClean="0"/>
+              <a:t>Ian YT Tsai</a:t>
+            </a:r>
+          </a:p>
+          <a:p>
+            <a:pPr marL="0" indent="0">
+              <a:buNone/>
+            </a:pPr>
+            <a:r>
+              <a:rPr lang="en-US" altLang="zh-TW" b="1" dirty="0" err="1" smtClean="0"/>
+              <a:t>Mycom</a:t>
+            </a:r>
+            <a:r>
+              <a:rPr lang="en-US" altLang="zh-TW" b="1" dirty="0" smtClean="0"/>
+              <a:t> </a:t>
+            </a:r>
+            <a:r>
+              <a:rPr lang="zh-TW" altLang="en-US" b="1" dirty="0" smtClean="0"/>
+              <a:t>資深</a:t>
+            </a:r>
+            <a:r>
+              <a:rPr lang="zh-TW" altLang="en-US" b="1" dirty="0"/>
+              <a:t>工程師</a:t>
+            </a:r>
+            <a:endParaRPr lang="en-US" altLang="zh-TW" b="1" dirty="0" smtClean="0"/>
+          </a:p>
+          <a:p>
+            <a:pPr marL="0" indent="0">
+              <a:buNone/>
+            </a:pPr>
+            <a:r>
+              <a:rPr lang="zh-TW" altLang="en-US" b="1" dirty="0" smtClean="0"/>
+              <a:t>前</a:t>
+            </a:r>
+            <a:r>
+              <a:rPr lang="en-US" altLang="zh-TW" b="1" dirty="0" smtClean="0"/>
+              <a:t>ZK </a:t>
+            </a:r>
+            <a:r>
+              <a:rPr lang="zh-TW" altLang="en-US" b="1" dirty="0" smtClean="0"/>
+              <a:t>資深工程師</a:t>
+            </a:r>
+            <a:endParaRPr lang="en-US" altLang="zh-TW" b="1" dirty="0" smtClean="0"/>
+          </a:p>
+          <a:p>
+            <a:pPr marL="0" indent="0">
+              <a:buNone/>
+            </a:pPr>
+            <a:r>
+              <a:rPr lang="en-US" altLang="zh-TW" dirty="0" smtClean="0">
+                <a:hlinkClick r:id="rId3"/>
+              </a:rPr>
+              <a:t>zanyking@gmail.com</a:t>
+            </a:r>
+            <a:endParaRPr lang="en-US" altLang="zh-TW" dirty="0" smtClean="0"/>
+          </a:p>
+          <a:p>
+            <a:endParaRPr lang="zh-TW" altLang="en-US" dirty="0"/>
+          </a:p>
+        </p:txBody>
+      </p:sp>
+    </p:spTree>
+    <p:extLst>
+      <p:ext uri="{BB962C8B-B14F-4D97-AF65-F5344CB8AC3E}">
+        <p14:creationId xmlns:p14="http://schemas.microsoft.com/office/powerpoint/2010/main" val="1113872832"/>
+      </p:ext>
+    </p:extLst>
+  </p:cSld>
+  <p:clrMapOvr>
+    <a:masterClrMapping/>
+  </p:clrMapOvr>
+  <p:timing>
+    <p:tnLst>
+      <p:par>
+        <p:cTn id="1" dur="indefinite" restart="never" nodeType="tmRoot"/>
+      </p:par>
+    </p:tnLst>
+  </p:timing>
+</p:sld>
+</file>
+
+<file path=ppt/slides/slide20.xml><?xml version="1.0" encoding="utf-8"?>
+<p:sld xmlns:a="http://schemas.openxmlformats.org/drawingml/2006/main" xmlns:r="http://schemas.openxmlformats.org/officeDocument/2006/relationships" xmlns:p="http://schemas.openxmlformats.org/presentationml/2006/main">
+  <p:cSld>
+    <p:spTree>
+      <p:nvGrpSpPr>
+        <p:cNvPr id="1" name=""/>
+        <p:cNvGrpSpPr/>
+        <p:nvPr/>
+      </p:nvGrpSpPr>
+      <p:grpSpPr>
+        <a:xfrm>
+          <a:off x="0" y="0"/>
+          <a:ext cx="0" cy="0"/>
+          <a:chOff x="0" y="0"/>
+          <a:chExt cx="0" cy="0"/>
+        </a:xfrm>
+      </p:grpSpPr>
+      <p:sp>
+        <p:nvSpPr>
+          <p:cNvPr id="4" name="標題 3"/>
+          <p:cNvSpPr>
+            <a:spLocks noGrp="1"/>
+          </p:cNvSpPr>
+          <p:nvPr>
+            <p:ph type="title"/>
+          </p:nvPr>
+        </p:nvSpPr>
+        <p:spPr/>
+        <p:txBody>
+          <a:bodyPr/>
+          <a:lstStyle/>
+          <a:p>
+            <a:r>
+              <a:rPr lang="en-US" altLang="zh-TW" dirty="0" err="1" smtClean="0"/>
+              <a:t>Blackbox</a:t>
+            </a:r>
+            <a:r>
+              <a:rPr lang="en-US" altLang="zh-TW" dirty="0" smtClean="0"/>
+              <a:t>(4)</a:t>
+            </a:r>
+            <a:endParaRPr lang="zh-TW" altLang="en-US" dirty="0"/>
+          </a:p>
+        </p:txBody>
+      </p:sp>
+      <p:sp>
+        <p:nvSpPr>
+          <p:cNvPr id="5" name="內容版面配置區 4"/>
+          <p:cNvSpPr>
+            <a:spLocks noGrp="1"/>
+          </p:cNvSpPr>
+          <p:nvPr>
+            <p:ph idx="1"/>
+          </p:nvPr>
+        </p:nvSpPr>
+        <p:spPr>
+          <a:xfrm>
+            <a:off x="179512" y="1423317"/>
+            <a:ext cx="7992888" cy="4525963"/>
+          </a:xfrm>
+        </p:spPr>
+        <p:txBody>
+          <a:bodyPr>
+            <a:normAutofit/>
+          </a:bodyPr>
+          <a:lstStyle/>
+          <a:p>
+            <a:pPr marL="0" indent="0">
+              <a:buNone/>
+            </a:pPr>
+            <a:r>
+              <a:rPr lang="en-US" altLang="zh-TW" dirty="0" err="1" smtClean="0"/>
+              <a:t>Blackbox</a:t>
+            </a:r>
+            <a:r>
+              <a:rPr lang="en-US" altLang="zh-TW" dirty="0" smtClean="0"/>
+              <a:t> </a:t>
+            </a:r>
+            <a:r>
+              <a:rPr lang="zh-TW" altLang="en-US" dirty="0" smtClean="0"/>
+              <a:t>輸出的結果：</a:t>
+            </a:r>
+            <a:endParaRPr lang="en-US" altLang="zh-TW" dirty="0" smtClean="0"/>
+          </a:p>
+          <a:p>
+            <a:pPr marL="0" indent="0">
+              <a:buNone/>
+            </a:pPr>
+            <a:endParaRPr lang="en-US" altLang="zh-TW" dirty="0"/>
+          </a:p>
+          <a:p>
+            <a:pPr marL="0" indent="0">
+              <a:buNone/>
+            </a:pPr>
+            <a:endParaRPr lang="en-US" altLang="zh-TW" dirty="0" smtClean="0"/>
+          </a:p>
+          <a:p>
+            <a:pPr marL="0" indent="0">
+              <a:buNone/>
+            </a:pPr>
+            <a:endParaRPr lang="en-US" altLang="zh-TW" dirty="0"/>
+          </a:p>
+          <a:p>
+            <a:pPr marL="0" indent="0">
+              <a:buNone/>
+            </a:pPr>
+            <a:endParaRPr lang="en-US" altLang="zh-TW" dirty="0"/>
+          </a:p>
+          <a:p>
+            <a:pPr marL="0" indent="0">
+              <a:buNone/>
+            </a:pPr>
+            <a:endParaRPr lang="en-US" altLang="zh-TW" dirty="0" smtClean="0"/>
+          </a:p>
+          <a:p>
+            <a:pPr marL="0" indent="0">
+              <a:buNone/>
+            </a:pPr>
+            <a:endParaRPr lang="en-US" altLang="zh-TW" dirty="0" smtClean="0"/>
+          </a:p>
+        </p:txBody>
+      </p:sp>
+      <p:pic>
+        <p:nvPicPr>
+          <p:cNvPr id="10243" name="Picture 3"/>
+          <p:cNvPicPr>
+            <a:picLocks noChangeAspect="1" noChangeArrowheads="1"/>
+          </p:cNvPicPr>
+          <p:nvPr/>
+        </p:nvPicPr>
+        <p:blipFill>
+          <a:blip r:embed="rId2">
+            <a:extLst>
+              <a:ext uri="{28A0092B-C50C-407E-A947-70E740481C1C}">
+                <a14:useLocalDpi xmlns:a14="http://schemas.microsoft.com/office/drawing/2010/main" val="0"/>
+              </a:ext>
+            </a:extLst>
+          </a:blip>
+          <a:srcRect/>
+          <a:stretch>
+            <a:fillRect/>
+          </a:stretch>
+        </p:blipFill>
+        <p:spPr bwMode="auto">
+          <a:xfrm>
+            <a:off x="84968" y="2276872"/>
+            <a:ext cx="8980487" cy="3200400"/>
+          </a:xfrm>
+          <a:prstGeom prst="rect">
+            <a:avLst/>
+          </a:prstGeom>
+          <a:noFill/>
+          <a:ln>
+            <a:noFill/>
+          </a:ln>
+          <a:extLst>
+            <a:ext uri="{909E8E84-426E-40DD-AFC4-6F175D3DCCD1}">
+              <a14:hiddenFill xmlns:a14="http://schemas.microsoft.com/office/drawing/2010/main">
+                <a:solidFill>
+                  <a:schemeClr val="accent1"/>
+                </a:solidFill>
+              </a14:hiddenFill>
+            </a:ext>
+            <a:ext uri="{91240B29-F687-4F45-9708-019B960494DF}">
+              <a14:hiddenLine xmlns:a14="http://schemas.microsoft.com/office/drawing/2010/main" w="9525">
+                <a:solidFill>
+                  <a:schemeClr val="tx1"/>
+                </a:solidFill>
+                <a:miter lim="800000"/>
+                <a:headEnd/>
+                <a:tailEnd/>
+              </a14:hiddenLine>
+            </a:ext>
+          </a:extLst>
+        </p:spPr>
+      </p:pic>
+    </p:spTree>
+    <p:extLst>
+      <p:ext uri="{BB962C8B-B14F-4D97-AF65-F5344CB8AC3E}">
+        <p14:creationId xmlns:p14="http://schemas.microsoft.com/office/powerpoint/2010/main" val="4095403324"/>
+      </p:ext>
+    </p:extLst>
+  </p:cSld>
+  <p:clrMapOvr>
+    <a:masterClrMapping/>
+  </p:clrMapOvr>
+  <p:timing>
+    <p:tnLst>
+      <p:par>
+        <p:cTn id="1" dur="indefinite" restart="never" nodeType="tmRoot"/>
+      </p:par>
+    </p:tnLst>
+  </p:timing>
+</p:sld>
+</file>
+
+<file path=ppt/slides/slide21.xml><?xml version="1.0" encoding="utf-8"?>
+<p:sld xmlns:a="http://schemas.openxmlformats.org/drawingml/2006/main" xmlns:r="http://schemas.openxmlformats.org/officeDocument/2006/relationships" xmlns:p="http://schemas.openxmlformats.org/presentationml/2006/main">
+  <p:cSld>
+    <p:spTree>
+      <p:nvGrpSpPr>
+        <p:cNvPr id="1" name=""/>
+        <p:cNvGrpSpPr/>
+        <p:nvPr/>
+      </p:nvGrpSpPr>
+      <p:grpSpPr>
+        <a:xfrm>
+          <a:off x="0" y="0"/>
+          <a:ext cx="0" cy="0"/>
+          <a:chOff x="0" y="0"/>
+          <a:chExt cx="0" cy="0"/>
+        </a:xfrm>
+      </p:grpSpPr>
+      <p:sp>
+        <p:nvSpPr>
+          <p:cNvPr id="4" name="標題 3"/>
+          <p:cNvSpPr>
+            <a:spLocks noGrp="1"/>
+          </p:cNvSpPr>
+          <p:nvPr>
+            <p:ph type="title"/>
+          </p:nvPr>
+        </p:nvSpPr>
+        <p:spPr/>
+        <p:txBody>
+          <a:bodyPr/>
+          <a:lstStyle/>
+          <a:p>
+            <a:r>
+              <a:rPr lang="zh-TW" altLang="en-US" dirty="0" smtClean="0"/>
+              <a:t>結果</a:t>
+            </a:r>
+            <a:endParaRPr lang="zh-TW" altLang="en-US" dirty="0"/>
+          </a:p>
+        </p:txBody>
+      </p:sp>
+      <p:sp>
+        <p:nvSpPr>
+          <p:cNvPr id="5" name="內容版面配置區 4"/>
+          <p:cNvSpPr>
+            <a:spLocks noGrp="1"/>
+          </p:cNvSpPr>
+          <p:nvPr>
+            <p:ph idx="1"/>
+          </p:nvPr>
+        </p:nvSpPr>
+        <p:spPr>
+          <a:xfrm>
+            <a:off x="179512" y="1423317"/>
+            <a:ext cx="7992888" cy="4525963"/>
+          </a:xfrm>
+        </p:spPr>
+        <p:txBody>
+          <a:bodyPr>
+            <a:normAutofit/>
+          </a:bodyPr>
+          <a:lstStyle/>
+          <a:p>
+            <a:pPr marL="0" indent="0">
+              <a:buNone/>
+            </a:pPr>
+            <a:r>
+              <a:rPr lang="zh-TW" altLang="en-US" dirty="0" smtClean="0"/>
+              <a:t>原因是多重的：</a:t>
+            </a:r>
+            <a:endParaRPr lang="en-US" altLang="zh-TW" dirty="0" smtClean="0"/>
+          </a:p>
+          <a:p>
+            <a:pPr marL="0" indent="0">
+              <a:buNone/>
+            </a:pPr>
+            <a:endParaRPr lang="en-US" altLang="zh-TW" dirty="0"/>
+          </a:p>
+          <a:p>
+            <a:pPr marL="514350" indent="-514350">
+              <a:buAutoNum type="arabicPeriod"/>
+            </a:pPr>
+            <a:r>
+              <a:rPr lang="zh-TW" altLang="en-US" dirty="0" smtClean="0"/>
+              <a:t>有些</a:t>
+            </a:r>
+            <a:r>
+              <a:rPr lang="en-US" altLang="zh-TW" dirty="0" smtClean="0"/>
+              <a:t>page</a:t>
+            </a:r>
+            <a:r>
+              <a:rPr lang="zh-TW" altLang="en-US" dirty="0" smtClean="0"/>
+              <a:t>相依於多個</a:t>
+            </a:r>
+            <a:r>
+              <a:rPr lang="en-US" altLang="zh-TW" dirty="0" smtClean="0"/>
+              <a:t>web service</a:t>
+            </a:r>
+            <a:r>
+              <a:rPr lang="zh-TW" altLang="en-US" dirty="0" smtClean="0"/>
+              <a:t>請求。</a:t>
+            </a:r>
+            <a:endParaRPr lang="en-US" altLang="zh-TW" dirty="0" smtClean="0"/>
+          </a:p>
+          <a:p>
+            <a:pPr marL="914400" lvl="1" indent="-514350"/>
+            <a:r>
+              <a:rPr lang="en-US" altLang="zh-TW" dirty="0" smtClean="0"/>
+              <a:t>Web Team </a:t>
+            </a:r>
+            <a:r>
+              <a:rPr lang="zh-TW" altLang="en-US" dirty="0" smtClean="0"/>
+              <a:t>用</a:t>
+            </a:r>
+            <a:r>
+              <a:rPr lang="en-US" altLang="zh-TW" dirty="0" smtClean="0"/>
+              <a:t>Mock </a:t>
+            </a:r>
+            <a:r>
+              <a:rPr lang="zh-TW" altLang="en-US" dirty="0" smtClean="0"/>
+              <a:t>模擬</a:t>
+            </a:r>
+            <a:r>
+              <a:rPr lang="en-US" altLang="zh-TW" dirty="0" smtClean="0"/>
+              <a:t>Service</a:t>
+            </a:r>
+          </a:p>
+          <a:p>
+            <a:pPr marL="914400" lvl="1" indent="-514350"/>
+            <a:r>
+              <a:rPr lang="en-US" altLang="zh-TW" dirty="0" smtClean="0"/>
+              <a:t>Biz Team</a:t>
+            </a:r>
+            <a:r>
+              <a:rPr lang="zh-TW" altLang="en-US" dirty="0" smtClean="0"/>
+              <a:t>單獨對每個</a:t>
+            </a:r>
+            <a:r>
+              <a:rPr lang="en-US" altLang="zh-TW" dirty="0" smtClean="0"/>
+              <a:t>service</a:t>
+            </a:r>
+            <a:r>
+              <a:rPr lang="zh-TW" altLang="en-US" dirty="0" smtClean="0"/>
+              <a:t>作效能評估</a:t>
+            </a:r>
+            <a:endParaRPr lang="en-US" altLang="zh-TW" dirty="0" smtClean="0"/>
+          </a:p>
+          <a:p>
+            <a:pPr marL="400050" lvl="1" indent="0">
+              <a:buNone/>
+            </a:pPr>
+            <a:endParaRPr lang="en-US" altLang="zh-TW" dirty="0" smtClean="0"/>
+          </a:p>
+          <a:p>
+            <a:pPr marL="514350" indent="-514350">
+              <a:buAutoNum type="arabicPeriod"/>
+            </a:pPr>
+            <a:r>
+              <a:rPr lang="zh-TW" altLang="en-US" dirty="0"/>
+              <a:t>網路</a:t>
+            </a:r>
+            <a:r>
+              <a:rPr lang="zh-TW" altLang="en-US" dirty="0" smtClean="0"/>
+              <a:t>異常。 冏</a:t>
+            </a:r>
+            <a:r>
+              <a:rPr lang="en-US" altLang="zh-TW" dirty="0" err="1" smtClean="0"/>
+              <a:t>rz</a:t>
+            </a:r>
+            <a:r>
+              <a:rPr lang="en-US" altLang="zh-TW" dirty="0" smtClean="0"/>
+              <a:t>…</a:t>
+            </a:r>
+          </a:p>
+          <a:p>
+            <a:pPr marL="400050" lvl="1" indent="0">
+              <a:buNone/>
+            </a:pPr>
+            <a:endParaRPr lang="en-US" altLang="zh-TW" dirty="0"/>
+          </a:p>
+          <a:p>
+            <a:pPr marL="0" indent="0">
+              <a:buNone/>
+            </a:pPr>
+            <a:endParaRPr lang="en-US" altLang="zh-TW" dirty="0" smtClean="0"/>
+          </a:p>
+          <a:p>
+            <a:pPr marL="0" indent="0">
+              <a:buNone/>
+            </a:pPr>
+            <a:endParaRPr lang="en-US" altLang="zh-TW" dirty="0"/>
+          </a:p>
+          <a:p>
+            <a:pPr marL="0" indent="0">
+              <a:buNone/>
+            </a:pPr>
+            <a:endParaRPr lang="en-US" altLang="zh-TW" dirty="0"/>
+          </a:p>
+          <a:p>
+            <a:pPr marL="0" indent="0">
+              <a:buNone/>
+            </a:pPr>
+            <a:endParaRPr lang="en-US" altLang="zh-TW" dirty="0" smtClean="0"/>
+          </a:p>
+          <a:p>
+            <a:pPr marL="0" indent="0">
+              <a:buNone/>
+            </a:pPr>
+            <a:endParaRPr lang="en-US" altLang="zh-TW" dirty="0" smtClean="0"/>
+          </a:p>
+        </p:txBody>
+      </p:sp>
+    </p:spTree>
+    <p:extLst>
+      <p:ext uri="{BB962C8B-B14F-4D97-AF65-F5344CB8AC3E}">
+        <p14:creationId xmlns:p14="http://schemas.microsoft.com/office/powerpoint/2010/main" val="3638912164"/>
+      </p:ext>
+    </p:extLst>
+  </p:cSld>
+  <p:clrMapOvr>
+    <a:masterClrMapping/>
+  </p:clrMapOvr>
+  <p:timing>
+    <p:tnLst>
+      <p:par>
+        <p:cTn id="1" dur="indefinite" restart="never" nodeType="tmRoot"/>
+      </p:par>
+    </p:tnLst>
+  </p:timing>
+</p:sld>
+</file>
+
+<file path=ppt/slides/slide22.xml><?xml version="1.0" encoding="utf-8"?>
+<p:sld xmlns:a="http://schemas.openxmlformats.org/drawingml/2006/main" xmlns:r="http://schemas.openxmlformats.org/officeDocument/2006/relationships" xmlns:p="http://schemas.openxmlformats.org/presentationml/2006/main">
+  <p:cSld>
+    <p:spTree>
+      <p:nvGrpSpPr>
+        <p:cNvPr id="1" name=""/>
+        <p:cNvGrpSpPr/>
+        <p:nvPr/>
+      </p:nvGrpSpPr>
+      <p:grpSpPr>
+        <a:xfrm>
+          <a:off x="0" y="0"/>
+          <a:ext cx="0" cy="0"/>
+          <a:chOff x="0" y="0"/>
+          <a:chExt cx="0" cy="0"/>
+        </a:xfrm>
+      </p:grpSpPr>
+      <p:sp>
+        <p:nvSpPr>
+          <p:cNvPr id="4" name="標題 3"/>
+          <p:cNvSpPr>
+            <a:spLocks noGrp="1"/>
+          </p:cNvSpPr>
+          <p:nvPr>
+            <p:ph type="title"/>
+          </p:nvPr>
+        </p:nvSpPr>
+        <p:spPr/>
+        <p:txBody>
+          <a:bodyPr/>
+          <a:lstStyle/>
+          <a:p>
+            <a:r>
+              <a:rPr lang="zh-TW" altLang="en-US" dirty="0" smtClean="0"/>
+              <a:t>反省</a:t>
+            </a:r>
+            <a:endParaRPr lang="zh-TW" altLang="en-US" dirty="0"/>
+          </a:p>
+        </p:txBody>
+      </p:sp>
+      <p:sp>
+        <p:nvSpPr>
+          <p:cNvPr id="5" name="內容版面配置區 4"/>
+          <p:cNvSpPr>
+            <a:spLocks noGrp="1"/>
+          </p:cNvSpPr>
+          <p:nvPr>
+            <p:ph idx="1"/>
+          </p:nvPr>
+        </p:nvSpPr>
+        <p:spPr>
+          <a:xfrm>
+            <a:off x="179512" y="1423317"/>
+            <a:ext cx="7992888" cy="4525963"/>
+          </a:xfrm>
+        </p:spPr>
+        <p:txBody>
+          <a:bodyPr>
+            <a:normAutofit lnSpcReduction="10000"/>
+          </a:bodyPr>
+          <a:lstStyle/>
+          <a:p>
+            <a:pPr marL="514350" indent="-514350">
+              <a:buAutoNum type="arabicPeriod"/>
+            </a:pPr>
+            <a:r>
+              <a:rPr lang="zh-TW" altLang="en-US" dirty="0" smtClean="0"/>
+              <a:t>這個事件代價高昂</a:t>
+            </a:r>
+            <a:endParaRPr lang="en-US" altLang="zh-TW" dirty="0" smtClean="0"/>
+          </a:p>
+          <a:p>
+            <a:pPr marL="514350" indent="-514350">
+              <a:buAutoNum type="arabicPeriod"/>
+            </a:pPr>
+            <a:r>
+              <a:rPr lang="zh-TW" altLang="en-US" dirty="0" smtClean="0"/>
+              <a:t>我的解決方式是</a:t>
+            </a:r>
+            <a:r>
+              <a:rPr lang="en-US" altLang="zh-TW" dirty="0" smtClean="0"/>
+              <a:t>shotgun surgery</a:t>
+            </a:r>
+          </a:p>
+          <a:p>
+            <a:pPr marL="0" indent="0">
+              <a:buNone/>
+            </a:pPr>
+            <a:endParaRPr lang="en-US" altLang="zh-TW" dirty="0"/>
+          </a:p>
+          <a:p>
+            <a:pPr marL="0" indent="0">
+              <a:buNone/>
+            </a:pPr>
+            <a:r>
+              <a:rPr lang="zh-TW" altLang="en-US" dirty="0" smtClean="0"/>
+              <a:t>在未來如果這樣的情境再度遇上：</a:t>
+            </a:r>
+            <a:endParaRPr lang="en-US" altLang="zh-TW" dirty="0" smtClean="0"/>
+          </a:p>
+          <a:p>
+            <a:pPr marL="0" indent="0">
+              <a:buNone/>
+            </a:pPr>
+            <a:endParaRPr lang="en-US" altLang="zh-TW" dirty="0" smtClean="0"/>
+          </a:p>
+          <a:p>
+            <a:pPr marL="514350" indent="-514350">
+              <a:buAutoNum type="arabicPeriod"/>
+            </a:pPr>
+            <a:r>
+              <a:rPr lang="zh-TW" altLang="en-US" dirty="0" smtClean="0"/>
+              <a:t>如何預警？</a:t>
+            </a:r>
+            <a:endParaRPr lang="en-US" altLang="zh-TW" dirty="0" smtClean="0"/>
+          </a:p>
+          <a:p>
+            <a:pPr marL="514350" indent="-514350">
+              <a:buAutoNum type="arabicPeriod"/>
+            </a:pPr>
+            <a:r>
+              <a:rPr lang="zh-TW" altLang="en-US" dirty="0" smtClean="0"/>
+              <a:t>若是上線、或大規模測試時才出現，如何快速找到原因？</a:t>
+            </a:r>
+            <a:endParaRPr lang="en-US" altLang="zh-TW" dirty="0" smtClean="0"/>
+          </a:p>
+          <a:p>
+            <a:pPr marL="514350" indent="-514350">
+              <a:buAutoNum type="arabicPeriod"/>
+            </a:pPr>
+            <a:endParaRPr lang="en-US" altLang="zh-TW" dirty="0" smtClean="0"/>
+          </a:p>
+          <a:p>
+            <a:pPr marL="0" indent="0">
+              <a:buNone/>
+            </a:pPr>
+            <a:endParaRPr lang="en-US" altLang="zh-TW" dirty="0"/>
+          </a:p>
+          <a:p>
+            <a:pPr marL="0" indent="0">
+              <a:buNone/>
+            </a:pPr>
+            <a:endParaRPr lang="en-US" altLang="zh-TW" dirty="0"/>
+          </a:p>
+          <a:p>
+            <a:pPr marL="0" indent="0">
+              <a:buNone/>
+            </a:pPr>
+            <a:endParaRPr lang="en-US" altLang="zh-TW" dirty="0" smtClean="0"/>
+          </a:p>
+          <a:p>
+            <a:pPr marL="0" indent="0">
+              <a:buNone/>
+            </a:pPr>
+            <a:endParaRPr lang="en-US" altLang="zh-TW" dirty="0" smtClean="0"/>
+          </a:p>
+        </p:txBody>
+      </p:sp>
+    </p:spTree>
+    <p:extLst>
+      <p:ext uri="{BB962C8B-B14F-4D97-AF65-F5344CB8AC3E}">
+        <p14:creationId xmlns:p14="http://schemas.microsoft.com/office/powerpoint/2010/main" val="3969739975"/>
+      </p:ext>
+    </p:extLst>
+  </p:cSld>
+  <p:clrMapOvr>
+    <a:masterClrMapping/>
+  </p:clrMapOvr>
+  <p:timing>
+    <p:tnLst>
+      <p:par>
+        <p:cTn id="1" dur="indefinite" restart="never" nodeType="tmRoot"/>
+      </p:par>
+    </p:tnLst>
+  </p:timing>
+</p:sld>
+</file>
+
+<file path=ppt/slides/slide23.xml><?xml version="1.0" encoding="utf-8"?>
+<p:sld xmlns:a="http://schemas.openxmlformats.org/drawingml/2006/main" xmlns:r="http://schemas.openxmlformats.org/officeDocument/2006/relationships" xmlns:p="http://schemas.openxmlformats.org/presentationml/2006/main" showMasterSp="0">
+  <p:cSld>
+    <p:bg>
+      <p:bgPr>
+        <a:blipFill dpi="0" rotWithShape="1">
+          <a:blip r:embed="rId2">
+            <a:extLst>
+              <a:ext uri="{BEBA8EAE-BF5A-486C-A8C5-ECC9F3942E4B}">
+                <a14:imgProps xmlns:a14="http://schemas.microsoft.com/office/drawing/2010/main">
+                  <a14:imgLayer r:embed="rId3">
+                    <a14:imgEffect>
+                      <a14:brightnessContrast bright="20000" contrast="20000"/>
+                    </a14:imgEffect>
+                  </a14:imgLayer>
+                </a14:imgProps>
+              </a:ext>
+            </a:extLst>
+          </a:blip>
+          <a:srcRect/>
+          <a:stretch>
+            <a:fillRect/>
+          </a:stretch>
+        </a:blipFill>
+        <a:effectLst/>
+      </p:bgPr>
+    </p:bg>
+    <p:spTree>
+      <p:nvGrpSpPr>
+        <p:cNvPr id="1" name=""/>
+        <p:cNvGrpSpPr/>
+        <p:nvPr/>
+      </p:nvGrpSpPr>
+      <p:grpSpPr>
+        <a:xfrm>
+          <a:off x="0" y="0"/>
+          <a:ext cx="0" cy="0"/>
+          <a:chOff x="0" y="0"/>
+          <a:chExt cx="0" cy="0"/>
+        </a:xfrm>
+      </p:grpSpPr>
+      <p:sp>
+        <p:nvSpPr>
+          <p:cNvPr id="4" name="標題 3"/>
+          <p:cNvSpPr>
+            <a:spLocks noGrp="1"/>
+          </p:cNvSpPr>
+          <p:nvPr>
+            <p:ph type="title"/>
+          </p:nvPr>
+        </p:nvSpPr>
+        <p:spPr>
+          <a:xfrm>
+            <a:off x="467544" y="4734272"/>
+            <a:ext cx="8229600" cy="1143000"/>
+          </a:xfrm>
+        </p:spPr>
+        <p:txBody>
+          <a:bodyPr>
+            <a:normAutofit fontScale="90000"/>
+          </a:bodyPr>
+          <a:lstStyle/>
+          <a:p>
+            <a:r>
+              <a:rPr lang="en-US" altLang="zh-TW" b="1" dirty="0" smtClean="0">
+                <a:solidFill>
+                  <a:schemeClr val="tx1">
+                    <a:lumMod val="75000"/>
+                    <a:lumOff val="25000"/>
+                  </a:schemeClr>
+                </a:solidFill>
+              </a:rPr>
+              <a:t>Application Monitoring in Java world</a:t>
+            </a:r>
+            <a:endParaRPr lang="zh-TW" altLang="en-US" sz="2200" b="1" dirty="0">
+              <a:solidFill>
+                <a:schemeClr val="tx1">
+                  <a:lumMod val="75000"/>
+                  <a:lumOff val="25000"/>
+                </a:schemeClr>
+              </a:solidFill>
+            </a:endParaRPr>
+          </a:p>
+        </p:txBody>
+      </p:sp>
+    </p:spTree>
+    <p:extLst>
+      <p:ext uri="{BB962C8B-B14F-4D97-AF65-F5344CB8AC3E}">
+        <p14:creationId xmlns:p14="http://schemas.microsoft.com/office/powerpoint/2010/main" val="2076023163"/>
+      </p:ext>
+    </p:extLst>
+  </p:cSld>
+  <p:clrMapOvr>
+    <a:masterClrMapping/>
+  </p:clrMapOvr>
+  <p:timing>
+    <p:tnLst>
+      <p:par>
+        <p:cTn id="1" dur="indefinite" restart="never" nodeType="tmRoot"/>
+      </p:par>
+    </p:tnLst>
+  </p:timing>
+</p:sld>
+</file>
+
+<file path=ppt/slides/slide24.xml><?xml version="1.0" encoding="utf-8"?>
+<p:sld xmlns:a="http://schemas.openxmlformats.org/drawingml/2006/main" xmlns:r="http://schemas.openxmlformats.org/officeDocument/2006/relationships" xmlns:p="http://schemas.openxmlformats.org/presentationml/2006/main">
+  <p:cSld>
+    <p:spTree>
+      <p:nvGrpSpPr>
+        <p:cNvPr id="1" name=""/>
+        <p:cNvGrpSpPr/>
+        <p:nvPr/>
+      </p:nvGrpSpPr>
+      <p:grpSpPr>
+        <a:xfrm>
+          <a:off x="0" y="0"/>
+          <a:ext cx="0" cy="0"/>
+          <a:chOff x="0" y="0"/>
+          <a:chExt cx="0" cy="0"/>
+        </a:xfrm>
+      </p:grpSpPr>
+      <p:sp>
+        <p:nvSpPr>
+          <p:cNvPr id="4" name="標題 3"/>
+          <p:cNvSpPr>
+            <a:spLocks noGrp="1"/>
+          </p:cNvSpPr>
+          <p:nvPr>
+            <p:ph type="title"/>
+          </p:nvPr>
+        </p:nvSpPr>
+        <p:spPr/>
+        <p:txBody>
+          <a:bodyPr/>
+          <a:lstStyle/>
+          <a:p>
+            <a:r>
+              <a:rPr lang="zh-TW" altLang="en-US" dirty="0" smtClean="0"/>
+              <a:t>有哪些方案？</a:t>
+            </a:r>
+            <a:endParaRPr lang="zh-TW" altLang="en-US" dirty="0"/>
+          </a:p>
+        </p:txBody>
+      </p:sp>
+      <p:sp>
+        <p:nvSpPr>
+          <p:cNvPr id="5" name="內容版面配置區 4"/>
+          <p:cNvSpPr>
+            <a:spLocks noGrp="1"/>
+          </p:cNvSpPr>
+          <p:nvPr>
+            <p:ph idx="1"/>
+          </p:nvPr>
+        </p:nvSpPr>
+        <p:spPr>
+          <a:xfrm>
+            <a:off x="179512" y="1423317"/>
+            <a:ext cx="7992888" cy="4525963"/>
+          </a:xfrm>
+        </p:spPr>
+        <p:txBody>
+          <a:bodyPr>
+            <a:normAutofit/>
+          </a:bodyPr>
+          <a:lstStyle/>
+          <a:p>
+            <a:r>
+              <a:rPr lang="en-US" altLang="zh-TW" dirty="0" smtClean="0"/>
+              <a:t>JVMPI/JVMTI</a:t>
+            </a:r>
+          </a:p>
+          <a:p>
+            <a:pPr lvl="1"/>
+            <a:r>
+              <a:rPr lang="en-US" altLang="zh-TW" dirty="0" smtClean="0"/>
+              <a:t>Visual VM</a:t>
+            </a:r>
+          </a:p>
+          <a:p>
+            <a:r>
+              <a:rPr lang="en-US" altLang="zh-TW" dirty="0" smtClean="0"/>
+              <a:t>JMX</a:t>
+            </a:r>
+          </a:p>
+          <a:p>
+            <a:pPr lvl="1"/>
+            <a:r>
+              <a:rPr lang="en-US" altLang="zh-TW" dirty="0" err="1" smtClean="0"/>
+              <a:t>jConsole</a:t>
+            </a:r>
+            <a:endParaRPr lang="en-US" altLang="zh-TW" dirty="0" smtClean="0"/>
+          </a:p>
+          <a:p>
+            <a:r>
+              <a:rPr lang="en-US" altLang="zh-TW" dirty="0" smtClean="0"/>
+              <a:t>Logging Solution</a:t>
+            </a:r>
+          </a:p>
+          <a:p>
+            <a:pPr lvl="1"/>
+            <a:r>
+              <a:rPr lang="en-US" altLang="zh-TW" dirty="0" smtClean="0"/>
+              <a:t>Log4j</a:t>
+            </a:r>
+          </a:p>
+          <a:p>
+            <a:pPr lvl="1"/>
+            <a:r>
+              <a:rPr lang="en-US" altLang="zh-TW" dirty="0" err="1" smtClean="0"/>
+              <a:t>Logback</a:t>
+            </a:r>
+            <a:endParaRPr lang="en-US" altLang="zh-TW" dirty="0" smtClean="0"/>
+          </a:p>
+        </p:txBody>
+      </p:sp>
+    </p:spTree>
+    <p:extLst>
+      <p:ext uri="{BB962C8B-B14F-4D97-AF65-F5344CB8AC3E}">
+        <p14:creationId xmlns:p14="http://schemas.microsoft.com/office/powerpoint/2010/main" val="2598038300"/>
+      </p:ext>
+    </p:extLst>
+  </p:cSld>
+  <p:clrMapOvr>
+    <a:masterClrMapping/>
+  </p:clrMapOvr>
+  <p:timing>
+    <p:tnLst>
+      <p:par>
+        <p:cTn id="1" dur="indefinite" restart="never" nodeType="tmRoot"/>
+      </p:par>
+    </p:tnLst>
+  </p:timing>
+</p:sld>
+</file>
+
+<file path=ppt/slides/slide25.xml><?xml version="1.0" encoding="utf-8"?>
+<p:sld xmlns:a="http://schemas.openxmlformats.org/drawingml/2006/main" xmlns:r="http://schemas.openxmlformats.org/officeDocument/2006/relationships" xmlns:p="http://schemas.openxmlformats.org/presentationml/2006/main">
+  <p:cSld>
+    <p:spTree>
+      <p:nvGrpSpPr>
+        <p:cNvPr id="1" name=""/>
+        <p:cNvGrpSpPr/>
+        <p:nvPr/>
+      </p:nvGrpSpPr>
+      <p:grpSpPr>
+        <a:xfrm>
+          <a:off x="0" y="0"/>
+          <a:ext cx="0" cy="0"/>
+          <a:chOff x="0" y="0"/>
+          <a:chExt cx="0" cy="0"/>
+        </a:xfrm>
+      </p:grpSpPr>
+      <p:sp>
+        <p:nvSpPr>
+          <p:cNvPr id="4" name="標題 3"/>
+          <p:cNvSpPr>
+            <a:spLocks noGrp="1"/>
+          </p:cNvSpPr>
+          <p:nvPr>
+            <p:ph type="title"/>
+          </p:nvPr>
+        </p:nvSpPr>
+        <p:spPr/>
+        <p:txBody>
+          <a:bodyPr/>
+          <a:lstStyle/>
+          <a:p>
+            <a:r>
+              <a:rPr lang="en-US" altLang="zh-TW" dirty="0" smtClean="0"/>
+              <a:t>JVMTI</a:t>
+            </a:r>
+            <a:endParaRPr lang="zh-TW" altLang="en-US" dirty="0"/>
+          </a:p>
+        </p:txBody>
+      </p:sp>
+      <p:sp>
+        <p:nvSpPr>
+          <p:cNvPr id="5" name="內容版面配置區 4"/>
+          <p:cNvSpPr>
+            <a:spLocks noGrp="1"/>
+          </p:cNvSpPr>
+          <p:nvPr>
+            <p:ph idx="1"/>
+          </p:nvPr>
+        </p:nvSpPr>
+        <p:spPr>
+          <a:xfrm>
+            <a:off x="179512" y="1423317"/>
+            <a:ext cx="7992888" cy="4525963"/>
+          </a:xfrm>
+        </p:spPr>
+        <p:txBody>
+          <a:bodyPr>
+            <a:normAutofit/>
+          </a:bodyPr>
+          <a:lstStyle/>
+          <a:p>
+            <a:r>
+              <a:rPr lang="en-US" altLang="zh-TW" dirty="0" smtClean="0"/>
+              <a:t>JVMPI is predecessor of JVMPI</a:t>
+            </a:r>
+          </a:p>
+          <a:p>
+            <a:endParaRPr lang="en-US" altLang="zh-TW" dirty="0" smtClean="0"/>
+          </a:p>
+          <a:p>
+            <a:r>
+              <a:rPr lang="en-US" altLang="zh-TW" dirty="0" smtClean="0"/>
+              <a:t>PROS</a:t>
+            </a:r>
+          </a:p>
+          <a:p>
+            <a:pPr lvl="1"/>
+            <a:r>
+              <a:rPr lang="en-US" altLang="zh-TW" dirty="0" smtClean="0"/>
+              <a:t> </a:t>
+            </a:r>
+            <a:r>
+              <a:rPr lang="zh-TW" altLang="en-US" dirty="0" smtClean="0"/>
+              <a:t>你可以得到所有你想要的東西。</a:t>
+            </a:r>
+            <a:endParaRPr lang="en-US" altLang="zh-TW" dirty="0" smtClean="0"/>
+          </a:p>
+          <a:p>
+            <a:r>
+              <a:rPr lang="en-US" altLang="zh-TW" dirty="0" smtClean="0"/>
+              <a:t>CONS</a:t>
+            </a:r>
+          </a:p>
+          <a:p>
+            <a:pPr lvl="1"/>
+            <a:r>
+              <a:rPr lang="en-US" altLang="zh-TW" dirty="0"/>
+              <a:t>VM specific </a:t>
+            </a:r>
+            <a:r>
+              <a:rPr lang="zh-TW" altLang="en-US" dirty="0"/>
+              <a:t>不是每個</a:t>
+            </a:r>
+            <a:r>
+              <a:rPr lang="en-US" altLang="zh-TW" dirty="0"/>
+              <a:t>JVM</a:t>
+            </a:r>
+            <a:r>
+              <a:rPr lang="zh-TW" altLang="en-US" dirty="0"/>
+              <a:t>都一定有實作。</a:t>
+            </a:r>
+            <a:endParaRPr lang="en-US" altLang="zh-TW" dirty="0"/>
+          </a:p>
+          <a:p>
+            <a:pPr lvl="1"/>
+            <a:r>
+              <a:rPr lang="zh-TW" altLang="en-US" dirty="0"/>
+              <a:t>這不是直接給</a:t>
+            </a:r>
+            <a:r>
+              <a:rPr lang="en-US" altLang="zh-TW" dirty="0"/>
+              <a:t>Application Developer </a:t>
+            </a:r>
+            <a:r>
+              <a:rPr lang="zh-TW" altLang="en-US" dirty="0"/>
+              <a:t>用的玩意</a:t>
+            </a:r>
+            <a:r>
+              <a:rPr lang="zh-TW" altLang="en-US" dirty="0" smtClean="0"/>
+              <a:t>。</a:t>
+            </a:r>
+            <a:endParaRPr lang="en-US" altLang="zh-TW" dirty="0"/>
+          </a:p>
+        </p:txBody>
+      </p:sp>
+    </p:spTree>
+    <p:extLst>
+      <p:ext uri="{BB962C8B-B14F-4D97-AF65-F5344CB8AC3E}">
+        <p14:creationId xmlns:p14="http://schemas.microsoft.com/office/powerpoint/2010/main" val="3402615153"/>
+      </p:ext>
+    </p:extLst>
+  </p:cSld>
+  <p:clrMapOvr>
+    <a:masterClrMapping/>
+  </p:clrMapOvr>
+  <p:timing>
+    <p:tnLst>
+      <p:par>
+        <p:cTn id="1" dur="indefinite" restart="never" nodeType="tmRoot">
+          <p:childTnLst>
+            <p:seq concurrent="1" nextAc="seek">
+              <p:cTn id="2" dur="indefinite" nodeType="mainSeq">
+                <p:childTnLst>
+                  <p:par>
+                    <p:cTn id="3" fill="hold">
+                      <p:stCondLst>
+                        <p:cond delay="indefinite"/>
+                      </p:stCondLst>
+                      <p:childTnLst>
+                        <p:par>
+                          <p:cTn id="4" fill="hold">
+                            <p:stCondLst>
+                              <p:cond delay="0"/>
+                            </p:stCondLst>
+                            <p:childTnLst>
+                              <p:par>
+                                <p:cTn id="5" presetID="1" presetClass="entr" presetSubtype="0" fill="hold" nodeType="clickEffect">
+                                  <p:stCondLst>
+                                    <p:cond delay="0"/>
+                                  </p:stCondLst>
+                                  <p:childTnLst>
+                                    <p:set>
+                                      <p:cBhvr>
+                                        <p:cTn id="6" dur="1" fill="hold">
+                                          <p:stCondLst>
+                                            <p:cond delay="0"/>
+                                          </p:stCondLst>
+                                        </p:cTn>
+                                        <p:tgtEl>
+                                          <p:spTgt spid="5">
+                                            <p:txEl>
+                                              <p:pRg st="3" end="3"/>
+                                            </p:txEl>
+                                          </p:spTgt>
+                                        </p:tgtEl>
+                                        <p:attrNameLst>
+                                          <p:attrName>style.visibility</p:attrName>
+                                        </p:attrNameLst>
+                                      </p:cBhvr>
+                                      <p:to>
+                                        <p:strVal val="visible"/>
+                                      </p:to>
+                                    </p:set>
+                                  </p:childTnLst>
+                                </p:cTn>
+                              </p:par>
+                            </p:childTnLst>
+                          </p:cTn>
+                        </p:par>
+                      </p:childTnLst>
+                    </p:cTn>
+                  </p:par>
+                  <p:par>
+                    <p:cTn id="7" fill="hold">
+                      <p:stCondLst>
+                        <p:cond delay="indefinite"/>
+                      </p:stCondLst>
+                      <p:childTnLst>
+                        <p:par>
+                          <p:cTn id="8" fill="hold">
+                            <p:stCondLst>
+                              <p:cond delay="0"/>
+                            </p:stCondLst>
+                            <p:childTnLst>
+                              <p:par>
+                                <p:cTn id="9" presetID="1" presetClass="entr" presetSubtype="0" fill="hold" nodeType="clickEffect">
+                                  <p:stCondLst>
+                                    <p:cond delay="0"/>
+                                  </p:stCondLst>
+                                  <p:childTnLst>
+                                    <p:set>
+                                      <p:cBhvr>
+                                        <p:cTn id="10" dur="1" fill="hold">
+                                          <p:stCondLst>
+                                            <p:cond delay="0"/>
+                                          </p:stCondLst>
+                                        </p:cTn>
+                                        <p:tgtEl>
+                                          <p:spTgt spid="5">
+                                            <p:txEl>
+                                              <p:pRg st="5" end="5"/>
+                                            </p:txEl>
+                                          </p:spTgt>
+                                        </p:tgtEl>
+                                        <p:attrNameLst>
+                                          <p:attrName>style.visibility</p:attrName>
+                                        </p:attrNameLst>
+                                      </p:cBhvr>
+                                      <p:to>
+                                        <p:strVal val="visible"/>
+                                      </p:to>
+                                    </p:set>
+                                  </p:childTnLst>
+                                </p:cTn>
+                              </p:par>
+                              <p:par>
+                                <p:cTn id="11" presetID="1" presetClass="entr" presetSubtype="0" fill="hold" nodeType="withEffect">
+                                  <p:stCondLst>
+                                    <p:cond delay="0"/>
+                                  </p:stCondLst>
+                                  <p:childTnLst>
+                                    <p:set>
+                                      <p:cBhvr>
+                                        <p:cTn id="12" dur="1" fill="hold">
+                                          <p:stCondLst>
+                                            <p:cond delay="0"/>
+                                          </p:stCondLst>
+                                        </p:cTn>
+                                        <p:tgtEl>
+                                          <p:spTgt spid="5">
+                                            <p:txEl>
+                                              <p:pRg st="6" end="6"/>
+                                            </p:txEl>
+                                          </p:spTgt>
+                                        </p:tgtEl>
+                                        <p:attrNameLst>
+                                          <p:attrName>style.visibility</p:attrName>
+                                        </p:attrNameLst>
+                                      </p:cBhvr>
+                                      <p:to>
+                                        <p:strVal val="visible"/>
+                                      </p:to>
+                                    </p:set>
+                                  </p:childTnLst>
+                                </p:cTn>
+                              </p:par>
+                            </p:childTnLst>
+                          </p:cTn>
+                        </p:par>
+                      </p:childTnLst>
+                    </p:cTn>
+                  </p:par>
+                </p:childTnLst>
+              </p:cTn>
+              <p:prevCondLst>
+                <p:cond evt="onPrev" delay="0">
+                  <p:tgtEl>
+                    <p:sldTgt/>
+                  </p:tgtEl>
+                </p:cond>
+              </p:prevCondLst>
+              <p:nextCondLst>
+                <p:cond evt="onNext" delay="0">
+                  <p:tgtEl>
+                    <p:sldTgt/>
+                  </p:tgtEl>
+                </p:cond>
+              </p:nextCondLst>
+            </p:seq>
+          </p:childTnLst>
+        </p:cTn>
+      </p:par>
+    </p:tnLst>
+  </p:timing>
+</p:sld>
+</file>
+
+<file path=ppt/slides/slide26.xml><?xml version="1.0" encoding="utf-8"?>
+<p:sld xmlns:a="http://schemas.openxmlformats.org/drawingml/2006/main" xmlns:r="http://schemas.openxmlformats.org/officeDocument/2006/relationships" xmlns:p="http://schemas.openxmlformats.org/presentationml/2006/main">
+  <p:cSld>
+    <p:spTree>
+      <p:nvGrpSpPr>
+        <p:cNvPr id="1" name=""/>
+        <p:cNvGrpSpPr/>
+        <p:nvPr/>
+      </p:nvGrpSpPr>
+      <p:grpSpPr>
+        <a:xfrm>
+          <a:off x="0" y="0"/>
+          <a:ext cx="0" cy="0"/>
+          <a:chOff x="0" y="0"/>
+          <a:chExt cx="0" cy="0"/>
+        </a:xfrm>
+      </p:grpSpPr>
+      <p:sp>
+        <p:nvSpPr>
+          <p:cNvPr id="4" name="標題 3"/>
+          <p:cNvSpPr>
+            <a:spLocks noGrp="1"/>
+          </p:cNvSpPr>
+          <p:nvPr>
+            <p:ph type="title"/>
+          </p:nvPr>
+        </p:nvSpPr>
+        <p:spPr/>
+        <p:txBody>
+          <a:bodyPr/>
+          <a:lstStyle/>
+          <a:p>
+            <a:r>
+              <a:rPr lang="zh-TW" altLang="en-US" dirty="0" smtClean="0"/>
+              <a:t>不適合</a:t>
+            </a:r>
+            <a:endParaRPr lang="zh-TW" altLang="en-US" dirty="0"/>
+          </a:p>
+        </p:txBody>
+      </p:sp>
+      <p:sp>
+        <p:nvSpPr>
+          <p:cNvPr id="5" name="內容版面配置區 4"/>
+          <p:cNvSpPr>
+            <a:spLocks noGrp="1"/>
+          </p:cNvSpPr>
+          <p:nvPr>
+            <p:ph idx="1"/>
+          </p:nvPr>
+        </p:nvSpPr>
+        <p:spPr>
+          <a:xfrm>
+            <a:off x="179512" y="2492896"/>
+            <a:ext cx="7992888" cy="3456384"/>
+          </a:xfrm>
+        </p:spPr>
+        <p:txBody>
+          <a:bodyPr>
+            <a:normAutofit/>
+          </a:bodyPr>
+          <a:lstStyle/>
+          <a:p>
+            <a:r>
+              <a:rPr lang="zh-TW" altLang="en-US" dirty="0"/>
+              <a:t>要用得用基於這個介面開發出來的工具，例如</a:t>
+            </a:r>
+            <a:r>
+              <a:rPr lang="en-US" altLang="zh-TW" dirty="0"/>
+              <a:t>Visual VM</a:t>
+            </a:r>
+            <a:r>
+              <a:rPr lang="zh-TW" altLang="en-US" dirty="0"/>
+              <a:t>。</a:t>
+            </a:r>
+            <a:endParaRPr lang="en-US" altLang="zh-TW" dirty="0"/>
+          </a:p>
+          <a:p>
+            <a:pPr marL="0" indent="0">
+              <a:buNone/>
+            </a:pPr>
+            <a:endParaRPr lang="en-US" altLang="zh-TW" dirty="0" smtClean="0"/>
+          </a:p>
+          <a:p>
+            <a:r>
+              <a:rPr lang="zh-TW" altLang="en-US" dirty="0" smtClean="0"/>
+              <a:t>你無法得知特定的</a:t>
+            </a:r>
+            <a:r>
+              <a:rPr lang="en-US" altLang="zh-TW" dirty="0" smtClean="0"/>
+              <a:t> task </a:t>
+            </a:r>
+            <a:r>
+              <a:rPr lang="zh-TW" altLang="en-US" dirty="0" smtClean="0"/>
+              <a:t>的</a:t>
+            </a:r>
+            <a:r>
+              <a:rPr lang="en-US" altLang="zh-TW" dirty="0" smtClean="0"/>
+              <a:t> elapsed time</a:t>
+            </a:r>
+          </a:p>
+          <a:p>
+            <a:r>
+              <a:rPr lang="zh-TW" altLang="en-US" dirty="0" smtClean="0"/>
+              <a:t>這工具很難在開發階段就整合進去使用。</a:t>
+            </a:r>
+            <a:endParaRPr lang="en-US" altLang="zh-TW" dirty="0" smtClean="0"/>
+          </a:p>
+          <a:p>
+            <a:pPr marL="0" indent="0">
+              <a:buNone/>
+            </a:pPr>
+            <a:endParaRPr lang="en-US" altLang="zh-TW" dirty="0" smtClean="0"/>
+          </a:p>
+        </p:txBody>
+      </p:sp>
+    </p:spTree>
+    <p:extLst>
+      <p:ext uri="{BB962C8B-B14F-4D97-AF65-F5344CB8AC3E}">
+        <p14:creationId xmlns:p14="http://schemas.microsoft.com/office/powerpoint/2010/main" val="3035651709"/>
+      </p:ext>
+    </p:extLst>
+  </p:cSld>
+  <p:clrMapOvr>
+    <a:masterClrMapping/>
+  </p:clrMapOvr>
+  <p:timing>
+    <p:tnLst>
+      <p:par>
+        <p:cTn id="1" dur="indefinite" restart="never" nodeType="tmRoot"/>
+      </p:par>
+    </p:tnLst>
+  </p:timing>
+</p:sld>
+</file>
+
+<file path=ppt/slides/slide27.xml><?xml version="1.0" encoding="utf-8"?>
+<p:sld xmlns:a="http://schemas.openxmlformats.org/drawingml/2006/main" xmlns:r="http://schemas.openxmlformats.org/officeDocument/2006/relationships" xmlns:p="http://schemas.openxmlformats.org/presentationml/2006/main">
+  <p:cSld>
+    <p:spTree>
+      <p:nvGrpSpPr>
+        <p:cNvPr id="1" name=""/>
+        <p:cNvGrpSpPr/>
+        <p:nvPr/>
+      </p:nvGrpSpPr>
+      <p:grpSpPr>
+        <a:xfrm>
+          <a:off x="0" y="0"/>
+          <a:ext cx="0" cy="0"/>
+          <a:chOff x="0" y="0"/>
+          <a:chExt cx="0" cy="0"/>
+        </a:xfrm>
+      </p:grpSpPr>
+      <p:sp>
+        <p:nvSpPr>
+          <p:cNvPr id="4" name="標題 3"/>
+          <p:cNvSpPr>
+            <a:spLocks noGrp="1"/>
+          </p:cNvSpPr>
+          <p:nvPr>
+            <p:ph type="title"/>
+          </p:nvPr>
+        </p:nvSpPr>
+        <p:spPr/>
+        <p:txBody>
+          <a:bodyPr/>
+          <a:lstStyle/>
+          <a:p>
+            <a:r>
+              <a:rPr lang="en-US" altLang="zh-TW" dirty="0" smtClean="0"/>
+              <a:t>JMX</a:t>
+            </a:r>
+            <a:endParaRPr lang="zh-TW" altLang="en-US" dirty="0"/>
+          </a:p>
+        </p:txBody>
+      </p:sp>
+      <p:sp>
+        <p:nvSpPr>
+          <p:cNvPr id="5" name="內容版面配置區 4"/>
+          <p:cNvSpPr>
+            <a:spLocks noGrp="1"/>
+          </p:cNvSpPr>
+          <p:nvPr>
+            <p:ph idx="1"/>
+          </p:nvPr>
+        </p:nvSpPr>
+        <p:spPr>
+          <a:xfrm>
+            <a:off x="179512" y="1423317"/>
+            <a:ext cx="7992888" cy="4525963"/>
+          </a:xfrm>
+        </p:spPr>
+        <p:txBody>
+          <a:bodyPr>
+            <a:normAutofit lnSpcReduction="10000"/>
+          </a:bodyPr>
+          <a:lstStyle/>
+          <a:p>
+            <a:r>
+              <a:rPr lang="en-US" altLang="zh-TW" dirty="0" smtClean="0"/>
+              <a:t>JVMPI is predecessor of JVMPI</a:t>
+            </a:r>
+          </a:p>
+          <a:p>
+            <a:r>
+              <a:rPr lang="en-US" altLang="zh-TW" dirty="0" smtClean="0"/>
+              <a:t>PROS</a:t>
+            </a:r>
+          </a:p>
+          <a:p>
+            <a:pPr lvl="1"/>
+            <a:r>
+              <a:rPr lang="en-US" altLang="zh-TW" dirty="0" smtClean="0"/>
+              <a:t> </a:t>
+            </a:r>
+            <a:r>
+              <a:rPr lang="zh-TW" altLang="en-US" dirty="0" smtClean="0"/>
+              <a:t>你可以得到所有你想要的東西。</a:t>
+            </a:r>
+            <a:endParaRPr lang="en-US" altLang="zh-TW" dirty="0" smtClean="0"/>
+          </a:p>
+          <a:p>
+            <a:r>
+              <a:rPr lang="en-US" altLang="zh-TW" dirty="0" smtClean="0"/>
+              <a:t>CONS</a:t>
+            </a:r>
+          </a:p>
+          <a:p>
+            <a:pPr lvl="1"/>
+            <a:r>
+              <a:rPr lang="en-US" altLang="zh-TW" dirty="0"/>
+              <a:t>VM specific </a:t>
+            </a:r>
+            <a:r>
+              <a:rPr lang="zh-TW" altLang="en-US" dirty="0"/>
+              <a:t>不是每個</a:t>
+            </a:r>
+            <a:r>
+              <a:rPr lang="en-US" altLang="zh-TW" dirty="0"/>
+              <a:t>JVM</a:t>
+            </a:r>
+            <a:r>
+              <a:rPr lang="zh-TW" altLang="en-US" dirty="0"/>
+              <a:t>都一定有實作。</a:t>
+            </a:r>
+            <a:endParaRPr lang="en-US" altLang="zh-TW" dirty="0"/>
+          </a:p>
+          <a:p>
+            <a:pPr lvl="1"/>
+            <a:r>
+              <a:rPr lang="zh-TW" altLang="en-US" dirty="0"/>
+              <a:t>這不是直接給</a:t>
+            </a:r>
+            <a:r>
+              <a:rPr lang="en-US" altLang="zh-TW" dirty="0"/>
+              <a:t>Application Developer </a:t>
+            </a:r>
+            <a:r>
+              <a:rPr lang="zh-TW" altLang="en-US" dirty="0"/>
+              <a:t>用的玩意。</a:t>
+            </a:r>
+            <a:endParaRPr lang="en-US" altLang="zh-TW" dirty="0"/>
+          </a:p>
+          <a:p>
+            <a:pPr marL="0" indent="0">
+              <a:buNone/>
+            </a:pPr>
+            <a:endParaRPr lang="en-US" altLang="zh-TW" dirty="0" smtClean="0"/>
+          </a:p>
+          <a:p>
+            <a:pPr marL="0" indent="0">
+              <a:buNone/>
+            </a:pPr>
+            <a:r>
+              <a:rPr lang="zh-TW" altLang="en-US" dirty="0" smtClean="0"/>
+              <a:t>要用得用基於這個介面開發出來的工具，例如</a:t>
+            </a:r>
+            <a:r>
+              <a:rPr lang="en-US" altLang="zh-TW" dirty="0" smtClean="0"/>
+              <a:t>Visual VM</a:t>
+            </a:r>
+            <a:r>
+              <a:rPr lang="zh-TW" altLang="en-US" dirty="0" smtClean="0"/>
+              <a:t>。</a:t>
+            </a:r>
+            <a:endParaRPr lang="en-US" altLang="zh-TW" dirty="0" smtClean="0"/>
+          </a:p>
+        </p:txBody>
+      </p:sp>
+    </p:spTree>
+    <p:extLst>
+      <p:ext uri="{BB962C8B-B14F-4D97-AF65-F5344CB8AC3E}">
+        <p14:creationId xmlns:p14="http://schemas.microsoft.com/office/powerpoint/2010/main" val="724910203"/>
+      </p:ext>
+    </p:extLst>
+  </p:cSld>
+  <p:clrMapOvr>
+    <a:masterClrMapping/>
+  </p:clrMapOvr>
+  <p:timing>
+    <p:tnLst>
+      <p:par>
+        <p:cTn id="1" dur="indefinite" restart="never" nodeType="tmRoot">
+          <p:childTnLst>
+            <p:seq concurrent="1" nextAc="seek">
+              <p:cTn id="2" dur="indefinite" nodeType="mainSeq">
+                <p:childTnLst>
+                  <p:par>
+                    <p:cTn id="3" fill="hold">
+                      <p:stCondLst>
+                        <p:cond delay="indefinite"/>
+                      </p:stCondLst>
+                      <p:childTnLst>
+                        <p:par>
+                          <p:cTn id="4" fill="hold">
+                            <p:stCondLst>
+                              <p:cond delay="0"/>
+                            </p:stCondLst>
+                            <p:childTnLst>
+                              <p:par>
+                                <p:cTn id="5" presetID="1" presetClass="entr" presetSubtype="0" fill="hold" nodeType="clickEffect">
+                                  <p:stCondLst>
+                                    <p:cond delay="0"/>
+                                  </p:stCondLst>
+                                  <p:childTnLst>
+                                    <p:set>
+                                      <p:cBhvr>
+                                        <p:cTn id="6" dur="1" fill="hold">
+                                          <p:stCondLst>
+                                            <p:cond delay="0"/>
+                                          </p:stCondLst>
+                                        </p:cTn>
+                                        <p:tgtEl>
+                                          <p:spTgt spid="5">
+                                            <p:txEl>
+                                              <p:pRg st="2" end="2"/>
+                                            </p:txEl>
+                                          </p:spTgt>
+                                        </p:tgtEl>
+                                        <p:attrNameLst>
+                                          <p:attrName>style.visibility</p:attrName>
+                                        </p:attrNameLst>
+                                      </p:cBhvr>
+                                      <p:to>
+                                        <p:strVal val="visible"/>
+                                      </p:to>
+                                    </p:set>
+                                  </p:childTnLst>
+                                </p:cTn>
+                              </p:par>
+                            </p:childTnLst>
+                          </p:cTn>
+                        </p:par>
+                      </p:childTnLst>
+                    </p:cTn>
+                  </p:par>
+                  <p:par>
+                    <p:cTn id="7" fill="hold">
+                      <p:stCondLst>
+                        <p:cond delay="indefinite"/>
+                      </p:stCondLst>
+                      <p:childTnLst>
+                        <p:par>
+                          <p:cTn id="8" fill="hold">
+                            <p:stCondLst>
+                              <p:cond delay="0"/>
+                            </p:stCondLst>
+                            <p:childTnLst>
+                              <p:par>
+                                <p:cTn id="9" presetID="1" presetClass="entr" presetSubtype="0" fill="hold" nodeType="clickEffect">
+                                  <p:stCondLst>
+                                    <p:cond delay="0"/>
+                                  </p:stCondLst>
+                                  <p:childTnLst>
+                                    <p:set>
+                                      <p:cBhvr>
+                                        <p:cTn id="10" dur="1" fill="hold">
+                                          <p:stCondLst>
+                                            <p:cond delay="0"/>
+                                          </p:stCondLst>
+                                        </p:cTn>
+                                        <p:tgtEl>
+                                          <p:spTgt spid="5">
+                                            <p:txEl>
+                                              <p:pRg st="4" end="4"/>
+                                            </p:txEl>
+                                          </p:spTgt>
+                                        </p:tgtEl>
+                                        <p:attrNameLst>
+                                          <p:attrName>style.visibility</p:attrName>
+                                        </p:attrNameLst>
+                                      </p:cBhvr>
+                                      <p:to>
+                                        <p:strVal val="visible"/>
+                                      </p:to>
+                                    </p:set>
+                                  </p:childTnLst>
+                                </p:cTn>
+                              </p:par>
+                              <p:par>
+                                <p:cTn id="11" presetID="1" presetClass="entr" presetSubtype="0" fill="hold" nodeType="withEffect">
+                                  <p:stCondLst>
+                                    <p:cond delay="0"/>
+                                  </p:stCondLst>
+                                  <p:childTnLst>
+                                    <p:set>
+                                      <p:cBhvr>
+                                        <p:cTn id="12" dur="1" fill="hold">
+                                          <p:stCondLst>
+                                            <p:cond delay="0"/>
+                                          </p:stCondLst>
+                                        </p:cTn>
+                                        <p:tgtEl>
+                                          <p:spTgt spid="5">
+                                            <p:txEl>
+                                              <p:pRg st="5" end="5"/>
+                                            </p:txEl>
+                                          </p:spTgt>
+                                        </p:tgtEl>
+                                        <p:attrNameLst>
+                                          <p:attrName>style.visibility</p:attrName>
+                                        </p:attrNameLst>
+                                      </p:cBhvr>
+                                      <p:to>
+                                        <p:strVal val="visible"/>
+                                      </p:to>
+                                    </p:set>
+                                  </p:childTnLst>
+                                </p:cTn>
+                              </p:par>
+                            </p:childTnLst>
+                          </p:cTn>
+                        </p:par>
+                      </p:childTnLst>
+                    </p:cTn>
+                  </p:par>
+                  <p:par>
+                    <p:cTn id="13" fill="hold">
+                      <p:stCondLst>
+                        <p:cond delay="indefinite"/>
+                      </p:stCondLst>
+                      <p:childTnLst>
+                        <p:par>
+                          <p:cTn id="14" fill="hold">
+                            <p:stCondLst>
+                              <p:cond delay="0"/>
+                            </p:stCondLst>
+                            <p:childTnLst>
+                              <p:par>
+                                <p:cTn id="15" presetID="1" presetClass="entr" presetSubtype="0" fill="hold" nodeType="clickEffect">
+                                  <p:stCondLst>
+                                    <p:cond delay="0"/>
+                                  </p:stCondLst>
+                                  <p:childTnLst>
+                                    <p:set>
+                                      <p:cBhvr>
+                                        <p:cTn id="16" dur="1" fill="hold">
+                                          <p:stCondLst>
+                                            <p:cond delay="0"/>
+                                          </p:stCondLst>
+                                        </p:cTn>
+                                        <p:tgtEl>
+                                          <p:spTgt spid="5">
+                                            <p:txEl>
+                                              <p:pRg st="7" end="7"/>
+                                            </p:txEl>
+                                          </p:spTgt>
+                                        </p:tgtEl>
+                                        <p:attrNameLst>
+                                          <p:attrName>style.visibility</p:attrName>
+                                        </p:attrNameLst>
+                                      </p:cBhvr>
+                                      <p:to>
+                                        <p:strVal val="visible"/>
+                                      </p:to>
+                                    </p:set>
+                                  </p:childTnLst>
+                                </p:cTn>
+                              </p:par>
+                            </p:childTnLst>
+                          </p:cTn>
+                        </p:par>
+                      </p:childTnLst>
+                    </p:cTn>
+                  </p:par>
+                </p:childTnLst>
+              </p:cTn>
+              <p:prevCondLst>
+                <p:cond evt="onPrev" delay="0">
+                  <p:tgtEl>
+                    <p:sldTgt/>
+                  </p:tgtEl>
+                </p:cond>
+              </p:prevCondLst>
+              <p:nextCondLst>
+                <p:cond evt="onNext" delay="0">
+                  <p:tgtEl>
+                    <p:sldTgt/>
+                  </p:tgtEl>
+                </p:cond>
+              </p:nextCondLst>
+            </p:seq>
+          </p:childTnLst>
+        </p:cTn>
       </p:par>
     </p:tnLst>
   </p:timing>
@@ -3363,6 +8907,10 @@
           <a:bodyPr/>
           <a:lstStyle/>
           <a:p>
+            <a:r>
+              <a:rPr lang="zh-TW" altLang="en-US" dirty="0" smtClean="0"/>
+              <a:t>議程</a:t>
+            </a:r>
             <a:endParaRPr lang="zh-TW" altLang="en-US" dirty="0"/>
           </a:p>
         </p:txBody>
@@ -3378,9 +8926,759 @@
           </p:nvPr>
         </p:nvSpPr>
         <p:spPr/>
+        <p:txBody>
+          <a:bodyPr>
+            <a:normAutofit fontScale="92500" lnSpcReduction="20000"/>
+          </a:bodyPr>
+          <a:lstStyle/>
+          <a:p>
+            <a:r>
+              <a:rPr lang="zh-TW" altLang="en-US" dirty="0" smtClean="0"/>
+              <a:t>一段出國打工的經歷</a:t>
+            </a:r>
+            <a:endParaRPr lang="en-US" altLang="zh-TW" dirty="0" smtClean="0"/>
+          </a:p>
+          <a:p>
+            <a:r>
+              <a:rPr lang="zh-TW" altLang="en-US" dirty="0" smtClean="0"/>
+              <a:t>事件後的反省</a:t>
+            </a:r>
+            <a:r>
+              <a:rPr lang="zh-TW" altLang="en-US" dirty="0"/>
+              <a:t>與</a:t>
+            </a:r>
+            <a:r>
+              <a:rPr lang="zh-TW" altLang="en-US" dirty="0" smtClean="0"/>
+              <a:t>探索</a:t>
+            </a:r>
+            <a:endParaRPr lang="en-US" altLang="zh-TW" dirty="0" smtClean="0"/>
+          </a:p>
+          <a:p>
+            <a:r>
+              <a:rPr lang="en-US" altLang="zh-TW" dirty="0" smtClean="0"/>
+              <a:t>Java </a:t>
+            </a:r>
+            <a:r>
+              <a:rPr lang="zh-TW" altLang="en-US" dirty="0" smtClean="0"/>
+              <a:t>世界的</a:t>
+            </a:r>
+            <a:r>
+              <a:rPr lang="en-US" altLang="zh-TW" dirty="0" smtClean="0"/>
+              <a:t>Monitoring Solution</a:t>
+            </a:r>
+          </a:p>
+          <a:p>
+            <a:pPr lvl="1"/>
+            <a:r>
+              <a:rPr lang="en-US" altLang="zh-TW" dirty="0" smtClean="0"/>
+              <a:t>JVMPI/JVMTI</a:t>
+            </a:r>
+          </a:p>
+          <a:p>
+            <a:pPr lvl="1"/>
+            <a:r>
+              <a:rPr lang="en-US" altLang="zh-TW" dirty="0"/>
+              <a:t>Java </a:t>
+            </a:r>
+            <a:r>
+              <a:rPr lang="en-US" altLang="zh-TW" dirty="0" smtClean="0"/>
+              <a:t>Instrumentation</a:t>
+            </a:r>
+          </a:p>
+          <a:p>
+            <a:pPr lvl="1"/>
+            <a:r>
+              <a:rPr lang="en-US" altLang="zh-TW" dirty="0" smtClean="0"/>
+              <a:t>JMX</a:t>
+            </a:r>
+          </a:p>
+          <a:p>
+            <a:pPr lvl="1"/>
+            <a:r>
+              <a:rPr lang="en-US" altLang="zh-TW" dirty="0"/>
+              <a:t>Logging </a:t>
+            </a:r>
+            <a:r>
+              <a:rPr lang="en-US" altLang="zh-TW" dirty="0" smtClean="0"/>
+              <a:t>Solutions</a:t>
+            </a:r>
+            <a:endParaRPr lang="en-US" altLang="zh-TW" dirty="0"/>
+          </a:p>
+          <a:p>
+            <a:r>
+              <a:rPr lang="en-US" altLang="zh-TW" dirty="0" err="1" smtClean="0"/>
+              <a:t>Zmonitor</a:t>
+            </a:r>
+            <a:r>
+              <a:rPr lang="en-US" altLang="zh-TW" dirty="0" smtClean="0"/>
+              <a:t> </a:t>
+            </a:r>
+          </a:p>
+          <a:p>
+            <a:r>
+              <a:rPr lang="en-US" altLang="zh-TW" dirty="0" err="1" smtClean="0"/>
+              <a:t>Logback</a:t>
+            </a:r>
+            <a:endParaRPr lang="en-US" altLang="zh-TW" dirty="0" smtClean="0"/>
+          </a:p>
+          <a:p>
+            <a:r>
+              <a:rPr lang="zh-TW" altLang="en-US" dirty="0" smtClean="0"/>
+              <a:t>結語</a:t>
+            </a:r>
+            <a:endParaRPr lang="en-US" altLang="zh-TW" dirty="0" smtClean="0"/>
+          </a:p>
+          <a:p>
+            <a:endParaRPr lang="en-US" altLang="zh-TW" dirty="0" smtClean="0"/>
+          </a:p>
+          <a:p>
+            <a:endParaRPr lang="zh-TW" altLang="en-US" dirty="0"/>
+          </a:p>
+        </p:txBody>
+      </p:sp>
+    </p:spTree>
+    <p:extLst>
+      <p:ext uri="{BB962C8B-B14F-4D97-AF65-F5344CB8AC3E}">
+        <p14:creationId xmlns:p14="http://schemas.microsoft.com/office/powerpoint/2010/main" val="65311128"/>
+      </p:ext>
+    </p:extLst>
+  </p:cSld>
+  <p:clrMapOvr>
+    <a:masterClrMapping/>
+  </p:clrMapOvr>
+  <p:timing>
+    <p:tnLst>
+      <p:par>
+        <p:cTn id="1" dur="indefinite" restart="never" nodeType="tmRoot"/>
+      </p:par>
+    </p:tnLst>
+  </p:timing>
+</p:sld>
+</file>
+
+<file path=ppt/slides/slide4.xml><?xml version="1.0" encoding="utf-8"?>
+<p:sld xmlns:a="http://schemas.openxmlformats.org/drawingml/2006/main" xmlns:r="http://schemas.openxmlformats.org/officeDocument/2006/relationships" xmlns:p="http://schemas.openxmlformats.org/presentationml/2006/main">
+  <p:cSld>
+    <p:spTree>
+      <p:nvGrpSpPr>
+        <p:cNvPr id="1" name=""/>
+        <p:cNvGrpSpPr/>
+        <p:nvPr/>
+      </p:nvGrpSpPr>
+      <p:grpSpPr>
+        <a:xfrm>
+          <a:off x="0" y="0"/>
+          <a:ext cx="0" cy="0"/>
+          <a:chOff x="0" y="0"/>
+          <a:chExt cx="0" cy="0"/>
+        </a:xfrm>
+      </p:grpSpPr>
+      <p:sp>
+        <p:nvSpPr>
+          <p:cNvPr id="4" name="標題 3"/>
+          <p:cNvSpPr>
+            <a:spLocks noGrp="1"/>
+          </p:cNvSpPr>
+          <p:nvPr>
+            <p:ph type="title"/>
+          </p:nvPr>
+        </p:nvSpPr>
+        <p:spPr>
+          <a:xfrm>
+            <a:off x="457200" y="557808"/>
+            <a:ext cx="8229600" cy="1143000"/>
+          </a:xfrm>
+        </p:spPr>
         <p:txBody>
           <a:bodyPr/>
           <a:lstStyle/>
+          <a:p>
+            <a:r>
+              <a:rPr lang="en-US" altLang="zh-TW" dirty="0" smtClean="0">
+                <a:solidFill>
+                  <a:schemeClr val="tx1">
+                    <a:lumMod val="75000"/>
+                    <a:lumOff val="25000"/>
+                  </a:schemeClr>
+                </a:solidFill>
+              </a:rPr>
+              <a:t>Monitoring</a:t>
+            </a:r>
+            <a:r>
+              <a:rPr lang="zh-TW" altLang="en-US" dirty="0" smtClean="0">
+                <a:solidFill>
+                  <a:schemeClr val="tx1">
+                    <a:lumMod val="75000"/>
+                    <a:lumOff val="25000"/>
+                  </a:schemeClr>
+                </a:solidFill>
+              </a:rPr>
+              <a:t>的目的</a:t>
+            </a:r>
+            <a:endParaRPr lang="zh-TW" altLang="en-US" dirty="0">
+              <a:solidFill>
+                <a:schemeClr val="tx1">
+                  <a:lumMod val="75000"/>
+                  <a:lumOff val="25000"/>
+                </a:schemeClr>
+              </a:solidFill>
+            </a:endParaRPr>
+          </a:p>
+        </p:txBody>
+      </p:sp>
+      <p:sp>
+        <p:nvSpPr>
+          <p:cNvPr id="2" name="內容版面配置區 1"/>
+          <p:cNvSpPr>
+            <a:spLocks noGrp="1"/>
+          </p:cNvSpPr>
+          <p:nvPr>
+            <p:ph idx="1"/>
+          </p:nvPr>
+        </p:nvSpPr>
+        <p:spPr/>
+        <p:txBody>
+          <a:bodyPr/>
+          <a:lstStyle/>
+          <a:p>
+            <a:pPr marL="0" indent="0">
+              <a:buNone/>
+            </a:pPr>
+            <a:endParaRPr lang="en-US" altLang="zh-TW" dirty="0" smtClean="0"/>
+          </a:p>
+          <a:p>
+            <a:pPr marL="0" indent="0">
+              <a:buNone/>
+            </a:pPr>
+            <a:r>
+              <a:rPr lang="zh-TW" altLang="en-US" dirty="0"/>
+              <a:t>作為一個開發</a:t>
+            </a:r>
+            <a:r>
+              <a:rPr lang="zh-TW" altLang="en-US" dirty="0" smtClean="0"/>
+              <a:t>者</a:t>
+            </a:r>
+            <a:r>
+              <a:rPr lang="en-US" altLang="zh-TW" dirty="0" smtClean="0"/>
+              <a:t>…</a:t>
+            </a:r>
+          </a:p>
+          <a:p>
+            <a:pPr marL="0" indent="0">
+              <a:buNone/>
+            </a:pPr>
+            <a:r>
+              <a:rPr lang="en-US" altLang="zh-TW" dirty="0" smtClean="0"/>
+              <a:t/>
+            </a:r>
+            <a:br>
+              <a:rPr lang="en-US" altLang="zh-TW" dirty="0" smtClean="0"/>
+            </a:br>
+            <a:r>
+              <a:rPr lang="zh-TW" altLang="en-US" dirty="0" smtClean="0"/>
+              <a:t>如何在開發</a:t>
+            </a:r>
+            <a:r>
+              <a:rPr lang="zh-TW" altLang="en-US" dirty="0"/>
+              <a:t>的</a:t>
+            </a:r>
+            <a:r>
+              <a:rPr lang="zh-TW" altLang="en-US" dirty="0" smtClean="0"/>
+              <a:t>階段就能早期發現問題？</a:t>
+            </a:r>
+            <a:endParaRPr lang="en-US" altLang="zh-TW" dirty="0"/>
+          </a:p>
+          <a:p>
+            <a:pPr marL="0" indent="0">
+              <a:buNone/>
+            </a:pPr>
+            <a:r>
+              <a:rPr lang="zh-TW" altLang="en-US" dirty="0" smtClean="0"/>
+              <a:t>如何在系統上線後，可以確保有效的維運？</a:t>
+            </a:r>
+            <a:endParaRPr lang="zh-TW" altLang="en-US" dirty="0"/>
+          </a:p>
+        </p:txBody>
+      </p:sp>
+    </p:spTree>
+    <p:extLst>
+      <p:ext uri="{BB962C8B-B14F-4D97-AF65-F5344CB8AC3E}">
+        <p14:creationId xmlns:p14="http://schemas.microsoft.com/office/powerpoint/2010/main" val="3834751867"/>
+      </p:ext>
+    </p:extLst>
+  </p:cSld>
+  <p:clrMapOvr>
+    <a:masterClrMapping/>
+  </p:clrMapOvr>
+  <p:timing>
+    <p:tnLst>
+      <p:par>
+        <p:cTn id="1" dur="indefinite" restart="never" nodeType="tmRoot">
+          <p:childTnLst>
+            <p:seq concurrent="1" nextAc="seek">
+              <p:cTn id="2" dur="indefinite" nodeType="mainSeq">
+                <p:childTnLst>
+                  <p:par>
+                    <p:cTn id="3" fill="hold">
+                      <p:stCondLst>
+                        <p:cond delay="indefinite"/>
+                      </p:stCondLst>
+                      <p:childTnLst>
+                        <p:par>
+                          <p:cTn id="4" fill="hold">
+                            <p:stCondLst>
+                              <p:cond delay="0"/>
+                            </p:stCondLst>
+                            <p:childTnLst>
+                              <p:par>
+                                <p:cTn id="5" presetID="1" presetClass="entr" presetSubtype="0" fill="hold" nodeType="clickEffect">
+                                  <p:stCondLst>
+                                    <p:cond delay="0"/>
+                                  </p:stCondLst>
+                                  <p:childTnLst>
+                                    <p:set>
+                                      <p:cBhvr>
+                                        <p:cTn id="6" dur="1" fill="hold">
+                                          <p:stCondLst>
+                                            <p:cond delay="0"/>
+                                          </p:stCondLst>
+                                        </p:cTn>
+                                        <p:tgtEl>
+                                          <p:spTgt spid="2">
+                                            <p:txEl>
+                                              <p:pRg st="2" end="2"/>
+                                            </p:txEl>
+                                          </p:spTgt>
+                                        </p:tgtEl>
+                                        <p:attrNameLst>
+                                          <p:attrName>style.visibility</p:attrName>
+                                        </p:attrNameLst>
+                                      </p:cBhvr>
+                                      <p:to>
+                                        <p:strVal val="visible"/>
+                                      </p:to>
+                                    </p:set>
+                                  </p:childTnLst>
+                                </p:cTn>
+                              </p:par>
+                            </p:childTnLst>
+                          </p:cTn>
+                        </p:par>
+                      </p:childTnLst>
+                    </p:cTn>
+                  </p:par>
+                  <p:par>
+                    <p:cTn id="7" fill="hold">
+                      <p:stCondLst>
+                        <p:cond delay="indefinite"/>
+                      </p:stCondLst>
+                      <p:childTnLst>
+                        <p:par>
+                          <p:cTn id="8" fill="hold">
+                            <p:stCondLst>
+                              <p:cond delay="0"/>
+                            </p:stCondLst>
+                            <p:childTnLst>
+                              <p:par>
+                                <p:cTn id="9" presetID="1" presetClass="entr" presetSubtype="0" fill="hold" nodeType="clickEffect">
+                                  <p:stCondLst>
+                                    <p:cond delay="0"/>
+                                  </p:stCondLst>
+                                  <p:childTnLst>
+                                    <p:set>
+                                      <p:cBhvr>
+                                        <p:cTn id="10" dur="1" fill="hold">
+                                          <p:stCondLst>
+                                            <p:cond delay="0"/>
+                                          </p:stCondLst>
+                                        </p:cTn>
+                                        <p:tgtEl>
+                                          <p:spTgt spid="2">
+                                            <p:txEl>
+                                              <p:pRg st="3" end="3"/>
+                                            </p:txEl>
+                                          </p:spTgt>
+                                        </p:tgtEl>
+                                        <p:attrNameLst>
+                                          <p:attrName>style.visibility</p:attrName>
+                                        </p:attrNameLst>
+                                      </p:cBhvr>
+                                      <p:to>
+                                        <p:strVal val="visible"/>
+                                      </p:to>
+                                    </p:set>
+                                  </p:childTnLst>
+                                </p:cTn>
+                              </p:par>
+                            </p:childTnLst>
+                          </p:cTn>
+                        </p:par>
+                      </p:childTnLst>
+                    </p:cTn>
+                  </p:par>
+                </p:childTnLst>
+              </p:cTn>
+              <p:prevCondLst>
+                <p:cond evt="onPrev" delay="0">
+                  <p:tgtEl>
+                    <p:sldTgt/>
+                  </p:tgtEl>
+                </p:cond>
+              </p:prevCondLst>
+              <p:nextCondLst>
+                <p:cond evt="onNext" delay="0">
+                  <p:tgtEl>
+                    <p:sldTgt/>
+                  </p:tgtEl>
+                </p:cond>
+              </p:nextCondLst>
+            </p:seq>
+          </p:childTnLst>
+        </p:cTn>
+      </p:par>
+    </p:tnLst>
+  </p:timing>
+</p:sld>
+</file>
+
+<file path=ppt/slides/slide5.xml><?xml version="1.0" encoding="utf-8"?>
+<p:sld xmlns:a="http://schemas.openxmlformats.org/drawingml/2006/main" xmlns:r="http://schemas.openxmlformats.org/officeDocument/2006/relationships" xmlns:p="http://schemas.openxmlformats.org/presentationml/2006/main" showMasterSp="0">
+  <p:cSld>
+    <p:bg>
+      <p:bgPr>
+        <a:blipFill dpi="0" rotWithShape="1">
+          <a:blip r:embed="rId2">
+            <a:extLst>
+              <a:ext uri="{BEBA8EAE-BF5A-486C-A8C5-ECC9F3942E4B}">
+                <a14:imgProps xmlns:a14="http://schemas.microsoft.com/office/drawing/2010/main">
+                  <a14:imgLayer r:embed="rId3">
+                    <a14:imgEffect>
+                      <a14:brightnessContrast bright="20000"/>
+                    </a14:imgEffect>
+                  </a14:imgLayer>
+                </a14:imgProps>
+              </a:ext>
+            </a:extLst>
+          </a:blip>
+          <a:srcRect/>
+          <a:stretch>
+            <a:fillRect/>
+          </a:stretch>
+        </a:blipFill>
+        <a:effectLst/>
+      </p:bgPr>
+    </p:bg>
+    <p:spTree>
+      <p:nvGrpSpPr>
+        <p:cNvPr id="1" name=""/>
+        <p:cNvGrpSpPr/>
+        <p:nvPr/>
+      </p:nvGrpSpPr>
+      <p:grpSpPr>
+        <a:xfrm>
+          <a:off x="0" y="0"/>
+          <a:ext cx="0" cy="0"/>
+          <a:chOff x="0" y="0"/>
+          <a:chExt cx="0" cy="0"/>
+        </a:xfrm>
+      </p:grpSpPr>
+      <p:sp>
+        <p:nvSpPr>
+          <p:cNvPr id="4" name="標題 3"/>
+          <p:cNvSpPr>
+            <a:spLocks noGrp="1"/>
+          </p:cNvSpPr>
+          <p:nvPr>
+            <p:ph type="title"/>
+          </p:nvPr>
+        </p:nvSpPr>
+        <p:spPr>
+          <a:xfrm>
+            <a:off x="611560" y="4734272"/>
+            <a:ext cx="8229600" cy="1143000"/>
+          </a:xfrm>
+        </p:spPr>
+        <p:txBody>
+          <a:bodyPr>
+            <a:normAutofit/>
+          </a:bodyPr>
+          <a:lstStyle/>
+          <a:p>
+            <a:r>
+              <a:rPr lang="en-US" altLang="zh-TW" b="1" dirty="0">
+                <a:solidFill>
+                  <a:schemeClr val="tx1">
+                    <a:lumMod val="75000"/>
+                    <a:lumOff val="25000"/>
+                  </a:schemeClr>
+                </a:solidFill>
+              </a:rPr>
+              <a:t>long </a:t>
+            </a:r>
+            <a:r>
+              <a:rPr lang="en-US" altLang="zh-TW" b="1" dirty="0" err="1">
+                <a:solidFill>
+                  <a:schemeClr val="tx1">
+                    <a:lumMod val="75000"/>
+                    <a:lumOff val="25000"/>
+                  </a:schemeClr>
+                </a:solidFill>
+              </a:rPr>
+              <a:t>long</a:t>
+            </a:r>
+            <a:r>
+              <a:rPr lang="en-US" altLang="zh-TW" b="1" dirty="0">
+                <a:solidFill>
+                  <a:schemeClr val="tx1">
+                    <a:lumMod val="75000"/>
+                    <a:lumOff val="25000"/>
+                  </a:schemeClr>
+                </a:solidFill>
+              </a:rPr>
+              <a:t> </a:t>
+            </a:r>
+            <a:r>
+              <a:rPr lang="en-US" altLang="zh-TW" b="1" dirty="0" smtClean="0">
+                <a:solidFill>
+                  <a:schemeClr val="tx1">
+                    <a:lumMod val="75000"/>
+                    <a:lumOff val="25000"/>
+                  </a:schemeClr>
+                </a:solidFill>
+              </a:rPr>
+              <a:t>ago, </a:t>
+            </a:r>
+            <a:r>
+              <a:rPr lang="en-US" altLang="zh-TW" b="1" dirty="0">
+                <a:solidFill>
+                  <a:schemeClr val="tx1">
+                    <a:lumMod val="75000"/>
+                    <a:lumOff val="25000"/>
+                  </a:schemeClr>
+                </a:solidFill>
+              </a:rPr>
+              <a:t>and far </a:t>
+            </a:r>
+            <a:r>
+              <a:rPr lang="en-US" altLang="zh-TW" b="1" dirty="0" err="1">
+                <a:solidFill>
+                  <a:schemeClr val="tx1">
+                    <a:lumMod val="75000"/>
+                    <a:lumOff val="25000"/>
+                  </a:schemeClr>
+                </a:solidFill>
+              </a:rPr>
+              <a:t>far</a:t>
+            </a:r>
+            <a:r>
+              <a:rPr lang="en-US" altLang="zh-TW" b="1" dirty="0">
+                <a:solidFill>
+                  <a:schemeClr val="tx1">
+                    <a:lumMod val="75000"/>
+                    <a:lumOff val="25000"/>
+                  </a:schemeClr>
+                </a:solidFill>
+              </a:rPr>
+              <a:t> </a:t>
+            </a:r>
+            <a:r>
+              <a:rPr lang="en-US" altLang="zh-TW" b="1" dirty="0" smtClean="0">
+                <a:solidFill>
+                  <a:schemeClr val="tx1">
+                    <a:lumMod val="75000"/>
+                    <a:lumOff val="25000"/>
+                  </a:schemeClr>
+                </a:solidFill>
+              </a:rPr>
+              <a:t>away</a:t>
+            </a:r>
+            <a:br>
+              <a:rPr lang="en-US" altLang="zh-TW" b="1" dirty="0" smtClean="0">
+                <a:solidFill>
+                  <a:schemeClr val="tx1">
+                    <a:lumMod val="75000"/>
+                    <a:lumOff val="25000"/>
+                  </a:schemeClr>
+                </a:solidFill>
+              </a:rPr>
+            </a:br>
+            <a:r>
+              <a:rPr lang="zh-TW" altLang="en-US" sz="2200" b="1" dirty="0" smtClean="0">
+                <a:solidFill>
+                  <a:schemeClr val="tx1">
+                    <a:lumMod val="75000"/>
+                    <a:lumOff val="25000"/>
+                  </a:schemeClr>
+                </a:solidFill>
+              </a:rPr>
+              <a:t>來了兩個台灣人</a:t>
+            </a:r>
+            <a:r>
+              <a:rPr lang="en-US" altLang="zh-TW" sz="2200" b="1" dirty="0" smtClean="0">
+                <a:solidFill>
+                  <a:schemeClr val="tx1">
+                    <a:lumMod val="75000"/>
+                    <a:lumOff val="25000"/>
+                  </a:schemeClr>
+                </a:solidFill>
+              </a:rPr>
+              <a:t>…</a:t>
+            </a:r>
+            <a:endParaRPr lang="zh-TW" altLang="en-US" sz="2200" b="1" dirty="0">
+              <a:solidFill>
+                <a:schemeClr val="tx1">
+                  <a:lumMod val="75000"/>
+                  <a:lumOff val="25000"/>
+                </a:schemeClr>
+              </a:solidFill>
+            </a:endParaRPr>
+          </a:p>
+        </p:txBody>
+      </p:sp>
+    </p:spTree>
+    <p:extLst>
+      <p:ext uri="{BB962C8B-B14F-4D97-AF65-F5344CB8AC3E}">
+        <p14:creationId xmlns:p14="http://schemas.microsoft.com/office/powerpoint/2010/main" val="121266049"/>
+      </p:ext>
+    </p:extLst>
+  </p:cSld>
+  <p:clrMapOvr>
+    <a:masterClrMapping/>
+  </p:clrMapOvr>
+  <p:timing>
+    <p:tnLst>
+      <p:par>
+        <p:cTn id="1" dur="indefinite" restart="never" nodeType="tmRoot"/>
+      </p:par>
+    </p:tnLst>
+  </p:timing>
+</p:sld>
+</file>
+
+<file path=ppt/slides/slide6.xml><?xml version="1.0" encoding="utf-8"?>
+<p:sld xmlns:a="http://schemas.openxmlformats.org/drawingml/2006/main" xmlns:r="http://schemas.openxmlformats.org/officeDocument/2006/relationships" xmlns:p="http://schemas.openxmlformats.org/presentationml/2006/main">
+  <p:cSld>
+    <p:spTree>
+      <p:nvGrpSpPr>
+        <p:cNvPr id="1" name=""/>
+        <p:cNvGrpSpPr/>
+        <p:nvPr/>
+      </p:nvGrpSpPr>
+      <p:grpSpPr>
+        <a:xfrm>
+          <a:off x="0" y="0"/>
+          <a:ext cx="0" cy="0"/>
+          <a:chOff x="0" y="0"/>
+          <a:chExt cx="0" cy="0"/>
+        </a:xfrm>
+      </p:grpSpPr>
+      <p:sp>
+        <p:nvSpPr>
+          <p:cNvPr id="4" name="標題 3"/>
+          <p:cNvSpPr>
+            <a:spLocks noGrp="1"/>
+          </p:cNvSpPr>
+          <p:nvPr>
+            <p:ph type="title"/>
+          </p:nvPr>
+        </p:nvSpPr>
+        <p:spPr/>
+        <p:txBody>
+          <a:bodyPr/>
+          <a:lstStyle/>
+          <a:p>
+            <a:r>
+              <a:rPr lang="zh-TW" altLang="en-US" dirty="0" smtClean="0"/>
+              <a:t>背景</a:t>
+            </a:r>
+            <a:endParaRPr lang="zh-TW" altLang="en-US" dirty="0"/>
+          </a:p>
+        </p:txBody>
+      </p:sp>
+      <p:sp>
+        <p:nvSpPr>
+          <p:cNvPr id="5" name="內容版面配置區 4"/>
+          <p:cNvSpPr>
+            <a:spLocks noGrp="1"/>
+          </p:cNvSpPr>
+          <p:nvPr>
+            <p:ph idx="1"/>
+          </p:nvPr>
+        </p:nvSpPr>
+        <p:spPr/>
+        <p:txBody>
+          <a:bodyPr/>
+          <a:lstStyle/>
+          <a:p>
+            <a:r>
+              <a:rPr lang="zh-TW" altLang="en-US" dirty="0" smtClean="0"/>
+              <a:t>時間：</a:t>
+            </a:r>
+            <a:r>
+              <a:rPr lang="en-US" altLang="zh-TW" dirty="0" smtClean="0"/>
+              <a:t>2011 </a:t>
+            </a:r>
+            <a:r>
+              <a:rPr lang="zh-TW" altLang="en-US" dirty="0" smtClean="0"/>
+              <a:t>年 一月</a:t>
+            </a:r>
+            <a:endParaRPr lang="en-US" altLang="zh-TW" dirty="0" smtClean="0"/>
+          </a:p>
+          <a:p>
+            <a:r>
+              <a:rPr lang="zh-TW" altLang="en-US" dirty="0" smtClean="0"/>
+              <a:t>地點：</a:t>
+            </a:r>
+            <a:r>
+              <a:rPr lang="en-US" altLang="zh-TW" dirty="0" smtClean="0"/>
+              <a:t>Minnesota</a:t>
+            </a:r>
+          </a:p>
+          <a:p>
+            <a:r>
+              <a:rPr lang="zh-TW" altLang="en-US" dirty="0" smtClean="0"/>
+              <a:t>身分：</a:t>
+            </a:r>
+            <a:r>
+              <a:rPr lang="en-US" altLang="zh-TW" dirty="0" smtClean="0"/>
+              <a:t>Specialist of ZK</a:t>
+            </a:r>
+          </a:p>
+          <a:p>
+            <a:r>
+              <a:rPr lang="zh-TW" altLang="en-US" dirty="0" smtClean="0"/>
+              <a:t>工作內容：</a:t>
+            </a:r>
+            <a:endParaRPr lang="en-US" altLang="zh-TW" dirty="0"/>
+          </a:p>
+          <a:p>
+            <a:pPr marL="0" indent="0">
+              <a:buNone/>
+            </a:pPr>
+            <a:endParaRPr lang="en-US" altLang="zh-TW" dirty="0" smtClean="0"/>
+          </a:p>
+          <a:p>
+            <a:pPr marL="0" indent="0">
+              <a:buNone/>
+            </a:pPr>
+            <a:r>
+              <a:rPr lang="zh-TW" altLang="en-US" dirty="0" smtClean="0"/>
+              <a:t>去</a:t>
+            </a:r>
+            <a:r>
+              <a:rPr lang="zh-TW" altLang="en-US" dirty="0" smtClean="0"/>
+              <a:t>替客戶開發</a:t>
+            </a:r>
+            <a:r>
+              <a:rPr lang="zh-TW" altLang="en-US" dirty="0"/>
+              <a:t>團隊</a:t>
+            </a:r>
+            <a:r>
+              <a:rPr lang="zh-TW" altLang="en-US" dirty="0" smtClean="0"/>
+              <a:t>圍事，喔不是，是去作顧問。</a:t>
+            </a:r>
+            <a:endParaRPr lang="en-US" altLang="zh-TW" dirty="0" smtClean="0"/>
+          </a:p>
           <a:p>
             <a:endParaRPr lang="zh-TW" altLang="en-US" dirty="0"/>
           </a:p>
@@ -3390,6 +9688,679 @@
     <p:extLst>
       <p:ext uri="{BB962C8B-B14F-4D97-AF65-F5344CB8AC3E}">
         <p14:creationId xmlns:p14="http://schemas.microsoft.com/office/powerpoint/2010/main" val="2667987071"/>
+      </p:ext>
+    </p:extLst>
+  </p:cSld>
+  <p:clrMapOvr>
+    <a:masterClrMapping/>
+  </p:clrMapOvr>
+  <p:timing>
+    <p:tnLst>
+      <p:par>
+        <p:cTn id="1" dur="indefinite" restart="never" nodeType="tmRoot">
+          <p:childTnLst>
+            <p:seq concurrent="1" nextAc="seek">
+              <p:cTn id="2" dur="indefinite" nodeType="mainSeq">
+                <p:childTnLst>
+                  <p:par>
+                    <p:cTn id="3" fill="hold">
+                      <p:stCondLst>
+                        <p:cond delay="indefinite"/>
+                      </p:stCondLst>
+                      <p:childTnLst>
+                        <p:par>
+                          <p:cTn id="4" fill="hold">
+                            <p:stCondLst>
+                              <p:cond delay="0"/>
+                            </p:stCondLst>
+                            <p:childTnLst>
+                              <p:par>
+                                <p:cTn id="5" presetID="1" presetClass="entr" presetSubtype="0" fill="hold" nodeType="clickEffect">
+                                  <p:stCondLst>
+                                    <p:cond delay="0"/>
+                                  </p:stCondLst>
+                                  <p:childTnLst>
+                                    <p:set>
+                                      <p:cBhvr>
+                                        <p:cTn id="6" dur="1" fill="hold">
+                                          <p:stCondLst>
+                                            <p:cond delay="0"/>
+                                          </p:stCondLst>
+                                        </p:cTn>
+                                        <p:tgtEl>
+                                          <p:spTgt spid="5">
+                                            <p:txEl>
+                                              <p:pRg st="5" end="5"/>
+                                            </p:txEl>
+                                          </p:spTgt>
+                                        </p:tgtEl>
+                                        <p:attrNameLst>
+                                          <p:attrName>style.visibility</p:attrName>
+                                        </p:attrNameLst>
+                                      </p:cBhvr>
+                                      <p:to>
+                                        <p:strVal val="visible"/>
+                                      </p:to>
+                                    </p:set>
+                                  </p:childTnLst>
+                                </p:cTn>
+                              </p:par>
+                            </p:childTnLst>
+                          </p:cTn>
+                        </p:par>
+                      </p:childTnLst>
+                    </p:cTn>
+                  </p:par>
+                </p:childTnLst>
+              </p:cTn>
+              <p:prevCondLst>
+                <p:cond evt="onPrev" delay="0">
+                  <p:tgtEl>
+                    <p:sldTgt/>
+                  </p:tgtEl>
+                </p:cond>
+              </p:prevCondLst>
+              <p:nextCondLst>
+                <p:cond evt="onNext" delay="0">
+                  <p:tgtEl>
+                    <p:sldTgt/>
+                  </p:tgtEl>
+                </p:cond>
+              </p:nextCondLst>
+            </p:seq>
+          </p:childTnLst>
+        </p:cTn>
+      </p:par>
+    </p:tnLst>
+  </p:timing>
+</p:sld>
+</file>
+
+<file path=ppt/slides/slide7.xml><?xml version="1.0" encoding="utf-8"?>
+<p:sld xmlns:a="http://schemas.openxmlformats.org/drawingml/2006/main" xmlns:r="http://schemas.openxmlformats.org/officeDocument/2006/relationships" xmlns:p="http://schemas.openxmlformats.org/presentationml/2006/main">
+  <p:cSld>
+    <p:spTree>
+      <p:nvGrpSpPr>
+        <p:cNvPr id="1" name=""/>
+        <p:cNvGrpSpPr/>
+        <p:nvPr/>
+      </p:nvGrpSpPr>
+      <p:grpSpPr>
+        <a:xfrm>
+          <a:off x="0" y="0"/>
+          <a:ext cx="0" cy="0"/>
+          <a:chOff x="0" y="0"/>
+          <a:chExt cx="0" cy="0"/>
+        </a:xfrm>
+      </p:grpSpPr>
+      <p:sp>
+        <p:nvSpPr>
+          <p:cNvPr id="4" name="標題 3"/>
+          <p:cNvSpPr>
+            <a:spLocks noGrp="1"/>
+          </p:cNvSpPr>
+          <p:nvPr>
+            <p:ph type="title"/>
+          </p:nvPr>
+        </p:nvSpPr>
+        <p:spPr/>
+        <p:txBody>
+          <a:bodyPr/>
+          <a:lstStyle/>
+          <a:p>
+            <a:r>
+              <a:rPr lang="zh-TW" altLang="en-US" dirty="0" smtClean="0"/>
+              <a:t>事件</a:t>
+            </a:r>
+            <a:endParaRPr lang="zh-TW" altLang="en-US" dirty="0"/>
+          </a:p>
+        </p:txBody>
+      </p:sp>
+      <p:sp>
+        <p:nvSpPr>
+          <p:cNvPr id="5" name="內容版面配置區 4"/>
+          <p:cNvSpPr>
+            <a:spLocks noGrp="1"/>
+          </p:cNvSpPr>
+          <p:nvPr>
+            <p:ph idx="1"/>
+          </p:nvPr>
+        </p:nvSpPr>
+        <p:spPr/>
+        <p:txBody>
+          <a:bodyPr/>
+          <a:lstStyle/>
+          <a:p>
+            <a:r>
+              <a:rPr lang="en-US" altLang="zh-TW" dirty="0" smtClean="0"/>
+              <a:t>QA Team </a:t>
+            </a:r>
+            <a:r>
+              <a:rPr lang="zh-TW" altLang="en-US" dirty="0" smtClean="0"/>
+              <a:t>運轉測試時回報畫面回應太慢</a:t>
+            </a:r>
+            <a:endParaRPr lang="en-US" altLang="zh-TW" dirty="0"/>
+          </a:p>
+          <a:p>
+            <a:pPr lvl="1"/>
+            <a:r>
+              <a:rPr lang="en-US" altLang="zh-TW" dirty="0" smtClean="0"/>
+              <a:t> page</a:t>
+            </a:r>
+            <a:r>
+              <a:rPr lang="zh-TW" altLang="en-US" dirty="0" smtClean="0"/>
+              <a:t> </a:t>
+            </a:r>
+            <a:r>
+              <a:rPr lang="en-US" altLang="zh-TW" dirty="0" smtClean="0"/>
+              <a:t>loading </a:t>
+            </a:r>
+            <a:r>
+              <a:rPr lang="zh-TW" altLang="en-US" dirty="0"/>
+              <a:t>花費了將近 </a:t>
+            </a:r>
+            <a:r>
+              <a:rPr lang="en-US" altLang="zh-TW" dirty="0"/>
+              <a:t>3000 </a:t>
+            </a:r>
+            <a:r>
+              <a:rPr lang="en-US" altLang="zh-TW" dirty="0" err="1" smtClean="0"/>
+              <a:t>ms</a:t>
+            </a:r>
+            <a:endParaRPr lang="en-US" altLang="zh-TW" dirty="0" smtClean="0"/>
+          </a:p>
+          <a:p>
+            <a:pPr lvl="1"/>
+            <a:r>
+              <a:rPr lang="zh-TW" altLang="en-US" dirty="0"/>
+              <a:t>有些甚至高達</a:t>
+            </a:r>
+            <a:r>
+              <a:rPr lang="en-US" altLang="zh-TW" dirty="0"/>
+              <a:t>10,000ms</a:t>
+            </a:r>
+            <a:endParaRPr lang="en-US" altLang="zh-TW" dirty="0" smtClean="0"/>
+          </a:p>
+          <a:p>
+            <a:pPr marL="0" indent="0">
+              <a:buNone/>
+            </a:pPr>
+            <a:endParaRPr lang="en-US" altLang="zh-TW" dirty="0" smtClean="0"/>
+          </a:p>
+          <a:p>
+            <a:r>
+              <a:rPr lang="en-US" altLang="zh-TW" dirty="0" smtClean="0"/>
+              <a:t>Web App Team </a:t>
+            </a:r>
+            <a:r>
+              <a:rPr lang="zh-TW" altLang="en-US" dirty="0" smtClean="0"/>
+              <a:t>、</a:t>
+            </a:r>
+            <a:r>
+              <a:rPr lang="en-US" altLang="zh-TW" dirty="0"/>
+              <a:t> </a:t>
+            </a:r>
+            <a:r>
+              <a:rPr lang="en-US" altLang="zh-TW" dirty="0" smtClean="0"/>
+              <a:t>Biz Service Team</a:t>
+            </a:r>
+            <a:r>
+              <a:rPr lang="zh-TW" altLang="en-US" dirty="0" smtClean="0"/>
+              <a:t>必須找出原因</a:t>
+            </a:r>
+            <a:endParaRPr lang="zh-TW" altLang="en-US" dirty="0"/>
+          </a:p>
+        </p:txBody>
+      </p:sp>
+    </p:spTree>
+    <p:extLst>
+      <p:ext uri="{BB962C8B-B14F-4D97-AF65-F5344CB8AC3E}">
+        <p14:creationId xmlns:p14="http://schemas.microsoft.com/office/powerpoint/2010/main" val="1892345182"/>
+      </p:ext>
+    </p:extLst>
+  </p:cSld>
+  <p:clrMapOvr>
+    <a:masterClrMapping/>
+  </p:clrMapOvr>
+  <p:timing>
+    <p:tnLst>
+      <p:par>
+        <p:cTn id="1" dur="indefinite" restart="never" nodeType="tmRoot"/>
+      </p:par>
+    </p:tnLst>
+  </p:timing>
+</p:sld>
+</file>
+
+<file path=ppt/slides/slide8.xml><?xml version="1.0" encoding="utf-8"?>
+<p:sld xmlns:a="http://schemas.openxmlformats.org/drawingml/2006/main" xmlns:r="http://schemas.openxmlformats.org/officeDocument/2006/relationships" xmlns:p="http://schemas.openxmlformats.org/presentationml/2006/main">
+  <p:cSld>
+    <p:spTree>
+      <p:nvGrpSpPr>
+        <p:cNvPr id="1" name=""/>
+        <p:cNvGrpSpPr/>
+        <p:nvPr/>
+      </p:nvGrpSpPr>
+      <p:grpSpPr>
+        <a:xfrm>
+          <a:off x="0" y="0"/>
+          <a:ext cx="0" cy="0"/>
+          <a:chOff x="0" y="0"/>
+          <a:chExt cx="0" cy="0"/>
+        </a:xfrm>
+      </p:grpSpPr>
+      <p:sp>
+        <p:nvSpPr>
+          <p:cNvPr id="4" name="標題 3"/>
+          <p:cNvSpPr>
+            <a:spLocks noGrp="1"/>
+          </p:cNvSpPr>
+          <p:nvPr>
+            <p:ph type="title"/>
+          </p:nvPr>
+        </p:nvSpPr>
+        <p:spPr/>
+        <p:txBody>
+          <a:bodyPr/>
+          <a:lstStyle/>
+          <a:p>
+            <a:r>
+              <a:rPr lang="en-US" altLang="zh-TW" dirty="0" smtClean="0"/>
+              <a:t>Biz Team</a:t>
+            </a:r>
+            <a:r>
+              <a:rPr lang="zh-TW" altLang="en-US" dirty="0" smtClean="0"/>
+              <a:t>的處理</a:t>
+            </a:r>
+            <a:r>
+              <a:rPr lang="en-US" altLang="zh-TW" dirty="0" smtClean="0"/>
+              <a:t>(1)</a:t>
+            </a:r>
+            <a:endParaRPr lang="zh-TW" altLang="en-US" dirty="0"/>
+          </a:p>
+        </p:txBody>
+      </p:sp>
+      <p:sp>
+        <p:nvSpPr>
+          <p:cNvPr id="5" name="內容版面配置區 4"/>
+          <p:cNvSpPr>
+            <a:spLocks noGrp="1"/>
+          </p:cNvSpPr>
+          <p:nvPr>
+            <p:ph idx="1"/>
+          </p:nvPr>
+        </p:nvSpPr>
+        <p:spPr/>
+        <p:txBody>
+          <a:bodyPr/>
+          <a:lstStyle/>
+          <a:p>
+            <a:pPr marL="0" indent="0">
+              <a:buNone/>
+            </a:pPr>
+            <a:r>
+              <a:rPr lang="zh-TW" altLang="en-US" dirty="0" smtClean="0"/>
+              <a:t>東西都有</a:t>
+            </a:r>
+            <a:r>
+              <a:rPr lang="en-US" altLang="zh-TW" dirty="0" smtClean="0"/>
+              <a:t>Log</a:t>
+            </a:r>
+            <a:r>
+              <a:rPr lang="zh-TW" altLang="en-US" dirty="0" smtClean="0"/>
+              <a:t>嘛，看看</a:t>
+            </a:r>
+            <a:r>
+              <a:rPr lang="en-US" altLang="zh-TW" dirty="0" smtClean="0"/>
+              <a:t>Log</a:t>
+            </a:r>
+            <a:r>
+              <a:rPr lang="zh-TW" altLang="en-US" dirty="0" smtClean="0"/>
+              <a:t>就知道為什麼了</a:t>
+            </a:r>
+            <a:endParaRPr lang="en-US" altLang="zh-TW" dirty="0" smtClean="0"/>
+          </a:p>
+          <a:p>
+            <a:pPr marL="0" indent="0">
+              <a:buNone/>
+            </a:pPr>
+            <a:r>
+              <a:rPr lang="en-US" altLang="zh-TW" dirty="0" smtClean="0"/>
+              <a:t>Log</a:t>
+            </a:r>
+            <a:r>
+              <a:rPr lang="zh-TW" altLang="en-US" dirty="0" smtClean="0"/>
+              <a:t>：</a:t>
+            </a:r>
+            <a:endParaRPr lang="en-US" altLang="zh-TW" dirty="0" smtClean="0"/>
+          </a:p>
+          <a:p>
+            <a:pPr marL="0" indent="0">
+              <a:buNone/>
+            </a:pPr>
+            <a:endParaRPr lang="en-US" altLang="zh-TW" dirty="0" smtClean="0"/>
+          </a:p>
+          <a:p>
+            <a:pPr marL="0" indent="0">
+              <a:buNone/>
+            </a:pPr>
+            <a:endParaRPr lang="zh-TW" altLang="en-US" dirty="0"/>
+          </a:p>
+        </p:txBody>
+      </p:sp>
+      <p:pic>
+        <p:nvPicPr>
+          <p:cNvPr id="1027" name="Picture 3"/>
+          <p:cNvPicPr>
+            <a:picLocks noChangeAspect="1" noChangeArrowheads="1"/>
+          </p:cNvPicPr>
+          <p:nvPr/>
+        </p:nvPicPr>
+        <p:blipFill>
+          <a:blip r:embed="rId2">
+            <a:extLst>
+              <a:ext uri="{28A0092B-C50C-407E-A947-70E740481C1C}">
+                <a14:useLocalDpi xmlns:a14="http://schemas.microsoft.com/office/drawing/2010/main" val="0"/>
+              </a:ext>
+            </a:extLst>
+          </a:blip>
+          <a:srcRect/>
+          <a:stretch>
+            <a:fillRect/>
+          </a:stretch>
+        </p:blipFill>
+        <p:spPr bwMode="auto">
+          <a:xfrm>
+            <a:off x="467544" y="3212976"/>
+            <a:ext cx="8017160" cy="1944216"/>
+          </a:xfrm>
+          <a:prstGeom prst="rect">
+            <a:avLst/>
+          </a:prstGeom>
+          <a:noFill/>
+          <a:ln>
+            <a:noFill/>
+          </a:ln>
+          <a:extLst>
+            <a:ext uri="{909E8E84-426E-40DD-AFC4-6F175D3DCCD1}">
+              <a14:hiddenFill xmlns:a14="http://schemas.microsoft.com/office/drawing/2010/main">
+                <a:solidFill>
+                  <a:schemeClr val="accent1"/>
+                </a:solidFill>
+              </a14:hiddenFill>
+            </a:ext>
+            <a:ext uri="{91240B29-F687-4F45-9708-019B960494DF}">
+              <a14:hiddenLine xmlns:a14="http://schemas.microsoft.com/office/drawing/2010/main" w="9525">
+                <a:solidFill>
+                  <a:schemeClr val="tx1"/>
+                </a:solidFill>
+                <a:miter lim="800000"/>
+                <a:headEnd/>
+                <a:tailEnd/>
+              </a14:hiddenLine>
+            </a:ext>
+          </a:extLst>
+        </p:spPr>
+      </p:pic>
+    </p:spTree>
+    <p:extLst>
+      <p:ext uri="{BB962C8B-B14F-4D97-AF65-F5344CB8AC3E}">
+        <p14:creationId xmlns:p14="http://schemas.microsoft.com/office/powerpoint/2010/main" val="3676569349"/>
+      </p:ext>
+    </p:extLst>
+  </p:cSld>
+  <p:clrMapOvr>
+    <a:masterClrMapping/>
+  </p:clrMapOvr>
+  <p:timing>
+    <p:tnLst>
+      <p:par>
+        <p:cTn id="1" dur="indefinite" restart="never" nodeType="tmRoot">
+          <p:childTnLst>
+            <p:seq concurrent="1" nextAc="seek">
+              <p:cTn id="2" dur="indefinite" nodeType="mainSeq">
+                <p:childTnLst>
+                  <p:par>
+                    <p:cTn id="3" fill="hold">
+                      <p:stCondLst>
+                        <p:cond delay="indefinite"/>
+                      </p:stCondLst>
+                      <p:childTnLst>
+                        <p:par>
+                          <p:cTn id="4" fill="hold">
+                            <p:stCondLst>
+                              <p:cond delay="0"/>
+                            </p:stCondLst>
+                            <p:childTnLst>
+                              <p:par>
+                                <p:cTn id="5" presetID="1" presetClass="entr" presetSubtype="0" fill="hold" nodeType="clickEffect">
+                                  <p:stCondLst>
+                                    <p:cond delay="0"/>
+                                  </p:stCondLst>
+                                  <p:childTnLst>
+                                    <p:set>
+                                      <p:cBhvr>
+                                        <p:cTn id="6" dur="1" fill="hold">
+                                          <p:stCondLst>
+                                            <p:cond delay="0"/>
+                                          </p:stCondLst>
+                                        </p:cTn>
+                                        <p:tgtEl>
+                                          <p:spTgt spid="1027"/>
+                                        </p:tgtEl>
+                                        <p:attrNameLst>
+                                          <p:attrName>style.visibility</p:attrName>
+                                        </p:attrNameLst>
+                                      </p:cBhvr>
+                                      <p:to>
+                                        <p:strVal val="visible"/>
+                                      </p:to>
+                                    </p:set>
+                                  </p:childTnLst>
+                                </p:cTn>
+                              </p:par>
+                            </p:childTnLst>
+                          </p:cTn>
+                        </p:par>
+                      </p:childTnLst>
+                    </p:cTn>
+                  </p:par>
+                </p:childTnLst>
+              </p:cTn>
+              <p:prevCondLst>
+                <p:cond evt="onPrev" delay="0">
+                  <p:tgtEl>
+                    <p:sldTgt/>
+                  </p:tgtEl>
+                </p:cond>
+              </p:prevCondLst>
+              <p:nextCondLst>
+                <p:cond evt="onNext" delay="0">
+                  <p:tgtEl>
+                    <p:sldTgt/>
+                  </p:tgtEl>
+                </p:cond>
+              </p:nextCondLst>
+            </p:seq>
+          </p:childTnLst>
+        </p:cTn>
+      </p:par>
+    </p:tnLst>
+  </p:timing>
+</p:sld>
+</file>
+
+<file path=ppt/slides/slide9.xml><?xml version="1.0" encoding="utf-8"?>
+<p:sld xmlns:a="http://schemas.openxmlformats.org/drawingml/2006/main" xmlns:r="http://schemas.openxmlformats.org/officeDocument/2006/relationships" xmlns:p="http://schemas.openxmlformats.org/presentationml/2006/main">
+  <p:cSld>
+    <p:spTree>
+      <p:nvGrpSpPr>
+        <p:cNvPr id="1" name=""/>
+        <p:cNvGrpSpPr/>
+        <p:nvPr/>
+      </p:nvGrpSpPr>
+      <p:grpSpPr>
+        <a:xfrm>
+          <a:off x="0" y="0"/>
+          <a:ext cx="0" cy="0"/>
+          <a:chOff x="0" y="0"/>
+          <a:chExt cx="0" cy="0"/>
+        </a:xfrm>
+      </p:grpSpPr>
+      <p:sp>
+        <p:nvSpPr>
+          <p:cNvPr id="4" name="標題 3"/>
+          <p:cNvSpPr>
+            <a:spLocks noGrp="1"/>
+          </p:cNvSpPr>
+          <p:nvPr>
+            <p:ph type="title"/>
+          </p:nvPr>
+        </p:nvSpPr>
+        <p:spPr/>
+        <p:txBody>
+          <a:bodyPr/>
+          <a:lstStyle/>
+          <a:p>
+            <a:r>
+              <a:rPr lang="en-US" altLang="zh-TW" dirty="0"/>
+              <a:t>Biz Team</a:t>
+            </a:r>
+            <a:r>
+              <a:rPr lang="zh-TW" altLang="en-US" dirty="0"/>
+              <a:t>的</a:t>
+            </a:r>
+            <a:r>
+              <a:rPr lang="zh-TW" altLang="en-US" dirty="0" smtClean="0"/>
+              <a:t>處理</a:t>
+            </a:r>
+            <a:r>
+              <a:rPr lang="en-US" altLang="zh-TW" dirty="0" smtClean="0"/>
+              <a:t>(2)</a:t>
+            </a:r>
+            <a:endParaRPr lang="zh-TW" altLang="en-US" dirty="0"/>
+          </a:p>
+        </p:txBody>
+      </p:sp>
+      <p:sp>
+        <p:nvSpPr>
+          <p:cNvPr id="5" name="內容版面配置區 4"/>
+          <p:cNvSpPr>
+            <a:spLocks noGrp="1"/>
+          </p:cNvSpPr>
+          <p:nvPr>
+            <p:ph idx="1"/>
+          </p:nvPr>
+        </p:nvSpPr>
+        <p:spPr/>
+        <p:txBody>
+          <a:bodyPr/>
+          <a:lstStyle/>
+          <a:p>
+            <a:pPr marL="0" indent="0">
+              <a:buNone/>
+            </a:pPr>
+            <a:r>
+              <a:rPr lang="zh-TW" altLang="en-US" dirty="0"/>
+              <a:t>很不幸</a:t>
+            </a:r>
+            <a:r>
+              <a:rPr lang="zh-TW" altLang="en-US" dirty="0" smtClean="0"/>
+              <a:t>的：</a:t>
+            </a:r>
+            <a:endParaRPr lang="en-US" altLang="zh-TW" dirty="0" smtClean="0"/>
+          </a:p>
+          <a:p>
+            <a:pPr lvl="1"/>
+            <a:r>
+              <a:rPr lang="zh-TW" altLang="en-US" dirty="0"/>
+              <a:t>問題</a:t>
+            </a:r>
+            <a:r>
+              <a:rPr lang="zh-TW" altLang="en-US" dirty="0" smtClean="0"/>
+              <a:t>是</a:t>
+            </a:r>
+            <a:r>
+              <a:rPr lang="en-US" altLang="zh-TW" dirty="0" smtClean="0"/>
+              <a:t>QA</a:t>
+            </a:r>
+            <a:r>
+              <a:rPr lang="zh-TW" altLang="en-US" dirty="0" smtClean="0"/>
+              <a:t>於額定負載</a:t>
+            </a:r>
+            <a:r>
+              <a:rPr lang="en-US" altLang="zh-TW" dirty="0" smtClean="0"/>
+              <a:t>(200+ concurrent users)</a:t>
+            </a:r>
+            <a:r>
+              <a:rPr lang="zh-TW" altLang="en-US" dirty="0" smtClean="0"/>
+              <a:t>下作</a:t>
+            </a:r>
+            <a:r>
+              <a:rPr lang="zh-TW" altLang="en-US" dirty="0"/>
+              <a:t>操作</a:t>
+            </a:r>
+            <a:r>
+              <a:rPr lang="zh-TW" altLang="en-US" dirty="0" smtClean="0"/>
+              <a:t>時發生。</a:t>
+            </a:r>
+            <a:endParaRPr lang="en-US" altLang="zh-TW" dirty="0" smtClean="0"/>
+          </a:p>
+          <a:p>
+            <a:pPr lvl="1"/>
+            <a:r>
+              <a:rPr lang="zh-TW" altLang="en-US" dirty="0" smtClean="0"/>
+              <a:t>而</a:t>
+            </a:r>
+            <a:r>
+              <a:rPr lang="en-US" altLang="zh-TW" dirty="0" smtClean="0"/>
+              <a:t>Multi Thread</a:t>
+            </a:r>
+            <a:r>
+              <a:rPr lang="zh-TW" altLang="en-US" dirty="0" smtClean="0"/>
+              <a:t>環境下，執行是交錯在一起的。</a:t>
+            </a:r>
+          </a:p>
+          <a:p>
+            <a:pPr marL="0" indent="0">
+              <a:buNone/>
+            </a:pPr>
+            <a:endParaRPr lang="en-US" altLang="zh-TW" dirty="0" smtClean="0"/>
+          </a:p>
+          <a:p>
+            <a:pPr marL="0" indent="0">
+              <a:buNone/>
+            </a:pPr>
+            <a:endParaRPr lang="en-US" altLang="zh-TW" dirty="0" smtClean="0"/>
+          </a:p>
+          <a:p>
+            <a:pPr marL="0" indent="0">
+              <a:buNone/>
+            </a:pPr>
+            <a:r>
+              <a:rPr lang="en-US" altLang="zh-TW" dirty="0"/>
+              <a:t>	</a:t>
+            </a:r>
+            <a:r>
+              <a:rPr lang="zh-TW" altLang="en-US" dirty="0" smtClean="0"/>
+              <a:t>這樣的</a:t>
+            </a:r>
+            <a:r>
+              <a:rPr lang="en-US" altLang="zh-TW" dirty="0" smtClean="0"/>
+              <a:t>Log </a:t>
+            </a:r>
+            <a:r>
+              <a:rPr lang="zh-TW" altLang="en-US" dirty="0" smtClean="0"/>
+              <a:t>看不出個名堂來。</a:t>
+            </a:r>
+            <a:endParaRPr lang="zh-TW" altLang="en-US" dirty="0"/>
+          </a:p>
+        </p:txBody>
+      </p:sp>
+    </p:spTree>
+    <p:extLst>
+      <p:ext uri="{BB962C8B-B14F-4D97-AF65-F5344CB8AC3E}">
+        <p14:creationId xmlns:p14="http://schemas.microsoft.com/office/powerpoint/2010/main" val="2872854495"/>
       </p:ext>
     </p:extLst>
   </p:cSld>

--- a/2013/Active Application Monitoring.pptx
+++ b/2013/Active Application Monitoring.pptx
@@ -8,7 +8,7 @@
     <p:sldId id="256" r:id="rId2"/>
     <p:sldId id="260" r:id="rId3"/>
     <p:sldId id="259" r:id="rId4"/>
-    <p:sldId id="269" r:id="rId5"/>
+    <p:sldId id="295" r:id="rId5"/>
     <p:sldId id="257" r:id="rId6"/>
     <p:sldId id="258" r:id="rId7"/>
     <p:sldId id="261" r:id="rId8"/>
@@ -21,17 +21,28 @@
     <p:sldId id="268" r:id="rId15"/>
     <p:sldId id="271" r:id="rId16"/>
     <p:sldId id="272" r:id="rId17"/>
-    <p:sldId id="273" r:id="rId18"/>
-    <p:sldId id="274" r:id="rId19"/>
+    <p:sldId id="274" r:id="rId18"/>
+    <p:sldId id="273" r:id="rId19"/>
     <p:sldId id="275" r:id="rId20"/>
     <p:sldId id="276" r:id="rId21"/>
     <p:sldId id="277" r:id="rId22"/>
-    <p:sldId id="278" r:id="rId23"/>
-    <p:sldId id="279" r:id="rId24"/>
-    <p:sldId id="280" r:id="rId25"/>
-    <p:sldId id="281" r:id="rId26"/>
-    <p:sldId id="282" r:id="rId27"/>
-    <p:sldId id="283" r:id="rId28"/>
+    <p:sldId id="294" r:id="rId23"/>
+    <p:sldId id="278" r:id="rId24"/>
+    <p:sldId id="279" r:id="rId25"/>
+    <p:sldId id="284" r:id="rId26"/>
+    <p:sldId id="280" r:id="rId27"/>
+    <p:sldId id="281" r:id="rId28"/>
+    <p:sldId id="282" r:id="rId29"/>
+    <p:sldId id="286" r:id="rId30"/>
+    <p:sldId id="289" r:id="rId31"/>
+    <p:sldId id="283" r:id="rId32"/>
+    <p:sldId id="287" r:id="rId33"/>
+    <p:sldId id="285" r:id="rId34"/>
+    <p:sldId id="293" r:id="rId35"/>
+    <p:sldId id="292" r:id="rId36"/>
+    <p:sldId id="290" r:id="rId37"/>
+    <p:sldId id="291" r:id="rId38"/>
+    <p:sldId id="296" r:id="rId39"/>
   </p:sldIdLst>
   <p:sldSz cx="9144000" cy="6858000" type="screen4x3"/>
   <p:notesSz cx="6858000" cy="9144000"/>
@@ -315,7 +326,7 @@
             <a:fld id="{E1A1CCD6-B78E-41FF-82E7-396AB7E7DFD2}" type="datetimeFigureOut">
               <a:rPr lang="zh-TW" altLang="en-US" smtClean="0"/>
               <a:pPr/>
-              <a:t>2013/8/1</a:t>
+              <a:t>2013/8/2</a:t>
             </a:fld>
             <a:endParaRPr lang="zh-TW" altLang="en-US"/>
           </a:p>
@@ -494,7 +505,7 @@
             <a:fld id="{E1A1CCD6-B78E-41FF-82E7-396AB7E7DFD2}" type="datetimeFigureOut">
               <a:rPr lang="zh-TW" altLang="en-US" smtClean="0"/>
               <a:pPr/>
-              <a:t>2013/8/1</a:t>
+              <a:t>2013/8/2</a:t>
             </a:fld>
             <a:endParaRPr lang="zh-TW" altLang="en-US"/>
           </a:p>
@@ -676,7 +687,7 @@
             <a:fld id="{E1A1CCD6-B78E-41FF-82E7-396AB7E7DFD2}" type="datetimeFigureOut">
               <a:rPr lang="zh-TW" altLang="en-US" smtClean="0"/>
               <a:pPr/>
-              <a:t>2013/8/1</a:t>
+              <a:t>2013/8/2</a:t>
             </a:fld>
             <a:endParaRPr lang="zh-TW" altLang="en-US"/>
           </a:p>
@@ -848,7 +859,7 @@
             <a:fld id="{E1A1CCD6-B78E-41FF-82E7-396AB7E7DFD2}" type="datetimeFigureOut">
               <a:rPr lang="zh-TW" altLang="en-US" smtClean="0"/>
               <a:pPr/>
-              <a:t>2013/8/1</a:t>
+              <a:t>2013/8/2</a:t>
             </a:fld>
             <a:endParaRPr lang="zh-TW" altLang="en-US"/>
           </a:p>
@@ -1096,7 +1107,7 @@
             <a:fld id="{E1A1CCD6-B78E-41FF-82E7-396AB7E7DFD2}" type="datetimeFigureOut">
               <a:rPr lang="zh-TW" altLang="en-US" smtClean="0"/>
               <a:pPr/>
-              <a:t>2013/8/1</a:t>
+              <a:t>2013/8/2</a:t>
             </a:fld>
             <a:endParaRPr lang="zh-TW" altLang="en-US"/>
           </a:p>
@@ -1386,7 +1397,7 @@
             <a:fld id="{E1A1CCD6-B78E-41FF-82E7-396AB7E7DFD2}" type="datetimeFigureOut">
               <a:rPr lang="zh-TW" altLang="en-US" smtClean="0"/>
               <a:pPr/>
-              <a:t>2013/8/1</a:t>
+              <a:t>2013/8/2</a:t>
             </a:fld>
             <a:endParaRPr lang="zh-TW" altLang="en-US"/>
           </a:p>
@@ -1810,7 +1821,7 @@
             <a:fld id="{E1A1CCD6-B78E-41FF-82E7-396AB7E7DFD2}" type="datetimeFigureOut">
               <a:rPr lang="zh-TW" altLang="en-US" smtClean="0"/>
               <a:pPr/>
-              <a:t>2013/8/1</a:t>
+              <a:t>2013/8/2</a:t>
             </a:fld>
             <a:endParaRPr lang="zh-TW" altLang="en-US"/>
           </a:p>
@@ -1930,7 +1941,7 @@
             <a:fld id="{E1A1CCD6-B78E-41FF-82E7-396AB7E7DFD2}" type="datetimeFigureOut">
               <a:rPr lang="zh-TW" altLang="en-US" smtClean="0"/>
               <a:pPr/>
-              <a:t>2013/8/1</a:t>
+              <a:t>2013/8/2</a:t>
             </a:fld>
             <a:endParaRPr lang="zh-TW" altLang="en-US"/>
           </a:p>
@@ -2027,7 +2038,7 @@
             <a:fld id="{E1A1CCD6-B78E-41FF-82E7-396AB7E7DFD2}" type="datetimeFigureOut">
               <a:rPr lang="zh-TW" altLang="en-US" smtClean="0"/>
               <a:pPr/>
-              <a:t>2013/8/1</a:t>
+              <a:t>2013/8/2</a:t>
             </a:fld>
             <a:endParaRPr lang="zh-TW" altLang="en-US"/>
           </a:p>
@@ -2306,7 +2317,7 @@
             <a:fld id="{E1A1CCD6-B78E-41FF-82E7-396AB7E7DFD2}" type="datetimeFigureOut">
               <a:rPr lang="zh-TW" altLang="en-US" smtClean="0"/>
               <a:pPr/>
-              <a:t>2013/8/1</a:t>
+              <a:t>2013/8/2</a:t>
             </a:fld>
             <a:endParaRPr lang="zh-TW" altLang="en-US"/>
           </a:p>
@@ -2561,7 +2572,7 @@
             <a:fld id="{E1A1CCD6-B78E-41FF-82E7-396AB7E7DFD2}" type="datetimeFigureOut">
               <a:rPr lang="zh-TW" altLang="en-US" smtClean="0"/>
               <a:pPr/>
-              <a:t>2013/8/1</a:t>
+              <a:t>2013/8/2</a:t>
             </a:fld>
             <a:endParaRPr lang="zh-TW" altLang="en-US"/>
           </a:p>
@@ -2817,7 +2828,7 @@
             <a:fld id="{E1A1CCD6-B78E-41FF-82E7-396AB7E7DFD2}" type="datetimeFigureOut">
               <a:rPr lang="zh-TW" altLang="en-US" smtClean="0"/>
               <a:pPr/>
-              <a:t>2013/8/1</a:t>
+              <a:t>2013/8/2</a:t>
             </a:fld>
             <a:endParaRPr lang="zh-TW" altLang="en-US"/>
           </a:p>
@@ -3386,11 +3397,17 @@
               <a:t>Biz Team</a:t>
             </a:r>
             <a:r>
-              <a:rPr lang="zh-TW" altLang="en-US" dirty="0"/>
+              <a:rPr lang="zh-TW" altLang="en-US" dirty="0">
+                <a:latin typeface="微軟正黑體" pitchFamily="34" charset="-120"/>
+                <a:ea typeface="微軟正黑體" pitchFamily="34" charset="-120"/>
+              </a:rPr>
               <a:t>的</a:t>
             </a:r>
             <a:r>
-              <a:rPr lang="zh-TW" altLang="en-US" dirty="0" smtClean="0"/>
+              <a:rPr lang="zh-TW" altLang="en-US" dirty="0" smtClean="0">
+                <a:latin typeface="微軟正黑體" pitchFamily="34" charset="-120"/>
+                <a:ea typeface="微軟正黑體" pitchFamily="34" charset="-120"/>
+              </a:rPr>
               <a:t>處理</a:t>
             </a:r>
             <a:r>
@@ -3422,33 +3439,63 @@
               <a:buNone/>
             </a:pPr>
             <a:r>
-              <a:rPr lang="zh-TW" altLang="en-US" dirty="0" smtClean="0"/>
+              <a:rPr lang="zh-TW" altLang="en-US" dirty="0" smtClean="0">
+                <a:latin typeface="微軟正黑體" pitchFamily="34" charset="-120"/>
+                <a:ea typeface="微軟正黑體" pitchFamily="34" charset="-120"/>
+              </a:rPr>
               <a:t>於是</a:t>
             </a:r>
             <a:r>
-              <a:rPr lang="en-US" altLang="zh-TW" dirty="0" smtClean="0"/>
+              <a:rPr lang="en-US" altLang="zh-TW" dirty="0" smtClean="0">
+                <a:latin typeface="微軟正黑體" pitchFamily="34" charset="-120"/>
+                <a:ea typeface="微軟正黑體" pitchFamily="34" charset="-120"/>
+              </a:rPr>
               <a:t>Biz Team</a:t>
             </a:r>
             <a:r>
-              <a:rPr lang="zh-TW" altLang="en-US" dirty="0" smtClean="0"/>
+              <a:rPr lang="zh-TW" altLang="en-US" dirty="0" smtClean="0">
+                <a:latin typeface="微軟正黑體" pitchFamily="34" charset="-120"/>
+                <a:ea typeface="微軟正黑體" pitchFamily="34" charset="-120"/>
+              </a:rPr>
               <a:t>的人很直覺的在每個</a:t>
             </a:r>
             <a:r>
-              <a:rPr lang="en-US" altLang="zh-TW" dirty="0" smtClean="0"/>
+              <a:rPr lang="en-US" altLang="zh-TW" dirty="0" smtClean="0">
+                <a:latin typeface="微軟正黑體" pitchFamily="34" charset="-120"/>
+                <a:ea typeface="微軟正黑體" pitchFamily="34" charset="-120"/>
+              </a:rPr>
               <a:t>Service request</a:t>
             </a:r>
             <a:r>
-              <a:rPr lang="zh-TW" altLang="en-US" dirty="0" smtClean="0"/>
+              <a:rPr lang="zh-TW" altLang="en-US" dirty="0" smtClean="0">
+                <a:latin typeface="微軟正黑體" pitchFamily="34" charset="-120"/>
+                <a:ea typeface="微軟正黑體" pitchFamily="34" charset="-120"/>
+              </a:rPr>
               <a:t>會經過的</a:t>
             </a:r>
             <a:r>
-              <a:rPr lang="en-US" altLang="zh-TW" dirty="0" smtClean="0"/>
+              <a:rPr lang="en-US" altLang="zh-TW" dirty="0" smtClean="0">
+                <a:latin typeface="微軟正黑體" pitchFamily="34" charset="-120"/>
+                <a:ea typeface="微軟正黑體" pitchFamily="34" charset="-120"/>
+              </a:rPr>
               <a:t>Filter </a:t>
             </a:r>
             <a:r>
-              <a:rPr lang="zh-TW" altLang="en-US" dirty="0" smtClean="0"/>
+              <a:rPr lang="zh-TW" altLang="en-US" dirty="0" smtClean="0">
+                <a:latin typeface="微軟正黑體" pitchFamily="34" charset="-120"/>
+                <a:ea typeface="微軟正黑體" pitchFamily="34" charset="-120"/>
+              </a:rPr>
               <a:t>加了一段：</a:t>
             </a:r>
+            <a:endParaRPr lang="en-US" altLang="zh-TW" dirty="0" smtClean="0">
+              <a:latin typeface="微軟正黑體" pitchFamily="34" charset="-120"/>
+              <a:ea typeface="微軟正黑體" pitchFamily="34" charset="-120"/>
+            </a:endParaRPr>
+          </a:p>
+          <a:p>
+            <a:pPr marL="0" indent="0">
+              <a:buNone/>
+            </a:pPr>
             <a:endParaRPr lang="en-US" altLang="zh-TW" dirty="0" smtClean="0"/>
           </a:p>
           <a:p>
@@ -3461,6 +3508,12 @@
             <a:pPr marL="0" indent="0">
               <a:buNone/>
             </a:pPr>
+            <a:endParaRPr lang="en-US" altLang="zh-TW" dirty="0"/>
+          </a:p>
+          <a:p>
+            <a:pPr marL="0" indent="0">
+              <a:buNone/>
+            </a:pPr>
             <a:endParaRPr lang="en-US" altLang="zh-TW" dirty="0" smtClean="0"/>
           </a:p>
           <a:p>
@@ -3473,23 +3526,33 @@
             <a:pPr marL="0" indent="0">
               <a:buNone/>
             </a:pPr>
-            <a:endParaRPr lang="en-US" altLang="zh-TW" dirty="0" smtClean="0"/>
-          </a:p>
-          <a:p>
-            <a:pPr marL="0" indent="0">
-              <a:buNone/>
-            </a:pPr>
-            <a:endParaRPr lang="en-US" altLang="zh-TW" dirty="0"/>
-          </a:p>
-          <a:p>
-            <a:pPr marL="0" indent="0">
-              <a:buNone/>
-            </a:pPr>
-            <a:r>
-              <a:rPr lang="zh-TW" altLang="en-US" dirty="0" smtClean="0"/>
-              <a:t>很原始，但有效，出來的數據證明了問題不在他們這邊。</a:t>
-            </a:r>
-            <a:endParaRPr lang="en-US" altLang="zh-TW" dirty="0" smtClean="0"/>
+            <a:r>
+              <a:rPr lang="zh-TW" altLang="en-US" dirty="0" smtClean="0">
+                <a:latin typeface="微軟正黑體" pitchFamily="34" charset="-120"/>
+                <a:ea typeface="微軟正黑體" pitchFamily="34" charset="-120"/>
+              </a:rPr>
+              <a:t>很原始，但有效。</a:t>
+            </a:r>
+            <a:endParaRPr lang="en-US" altLang="zh-TW" dirty="0" smtClean="0">
+              <a:latin typeface="微軟正黑體" pitchFamily="34" charset="-120"/>
+              <a:ea typeface="微軟正黑體" pitchFamily="34" charset="-120"/>
+            </a:endParaRPr>
+          </a:p>
+          <a:p>
+            <a:pPr marL="0" indent="0">
+              <a:buNone/>
+            </a:pPr>
+            <a:r>
+              <a:rPr lang="zh-TW" altLang="en-US" dirty="0" smtClean="0">
+                <a:latin typeface="微軟正黑體" pitchFamily="34" charset="-120"/>
+                <a:ea typeface="微軟正黑體" pitchFamily="34" charset="-120"/>
+              </a:rPr>
+              <a:t>出來的數據證明了問題不在他們這邊。</a:t>
+            </a:r>
+            <a:endParaRPr lang="en-US" altLang="zh-TW" dirty="0" smtClean="0">
+              <a:latin typeface="微軟正黑體" pitchFamily="34" charset="-120"/>
+              <a:ea typeface="微軟正黑體" pitchFamily="34" charset="-120"/>
+            </a:endParaRPr>
           </a:p>
         </p:txBody>
       </p:sp>
@@ -3659,6 +3722,55 @@
                       </p:childTnLst>
                     </p:cTn>
                   </p:par>
+                  <p:par>
+                    <p:cTn id="11" fill="hold">
+                      <p:stCondLst>
+                        <p:cond delay="indefinite"/>
+                      </p:stCondLst>
+                      <p:childTnLst>
+                        <p:par>
+                          <p:cTn id="12" fill="hold">
+                            <p:stCondLst>
+                              <p:cond delay="0"/>
+                            </p:stCondLst>
+                            <p:childTnLst>
+                              <p:par>
+                                <p:cTn id="13" presetID="1" presetClass="entr" presetSubtype="0" fill="hold" nodeType="clickEffect">
+                                  <p:stCondLst>
+                                    <p:cond delay="0"/>
+                                  </p:stCondLst>
+                                  <p:childTnLst>
+                                    <p:set>
+                                      <p:cBhvr>
+                                        <p:cTn id="14" dur="1" fill="hold">
+                                          <p:stCondLst>
+                                            <p:cond delay="0"/>
+                                          </p:stCondLst>
+                                        </p:cTn>
+                                        <p:tgtEl>
+                                          <p:spTgt spid="5">
+                                            <p:txEl>
+                                              <p:pRg st="7" end="7"/>
+                                            </p:txEl>
+                                          </p:spTgt>
+                                        </p:tgtEl>
+                                        <p:attrNameLst>
+                                          <p:attrName>style.visibility</p:attrName>
+                                        </p:attrNameLst>
+                                      </p:cBhvr>
+                                      <p:to>
+                                        <p:strVal val="visible"/>
+                                      </p:to>
+                                    </p:set>
+                                  </p:childTnLst>
+                                </p:cTn>
+                              </p:par>
+                            </p:childTnLst>
+                          </p:cTn>
+                        </p:par>
+                      </p:childTnLst>
+                    </p:cTn>
+                  </p:par>
                 </p:childTnLst>
               </p:cTn>
               <p:prevCondLst>
@@ -3725,11 +3837,17 @@
               <a:t>Team</a:t>
             </a:r>
             <a:r>
-              <a:rPr lang="zh-TW" altLang="en-US" dirty="0"/>
+              <a:rPr lang="zh-TW" altLang="en-US" dirty="0">
+                <a:latin typeface="微軟正黑體" pitchFamily="34" charset="-120"/>
+                <a:ea typeface="微軟正黑體" pitchFamily="34" charset="-120"/>
+              </a:rPr>
               <a:t>的</a:t>
             </a:r>
             <a:r>
-              <a:rPr lang="zh-TW" altLang="en-US" dirty="0" smtClean="0"/>
+              <a:rPr lang="zh-TW" altLang="en-US" dirty="0" smtClean="0">
+                <a:latin typeface="微軟正黑體" pitchFamily="34" charset="-120"/>
+                <a:ea typeface="微軟正黑體" pitchFamily="34" charset="-120"/>
+              </a:rPr>
               <a:t>處理</a:t>
             </a:r>
             <a:r>
@@ -3765,8 +3883,15 @@
               <a:t>Web Team </a:t>
             </a:r>
             <a:r>
+              <a:rPr lang="zh-TW" altLang="en-US" dirty="0" smtClean="0">
+                <a:latin typeface="微軟正黑體" pitchFamily="34" charset="-120"/>
+                <a:ea typeface="微軟正黑體" pitchFamily="34" charset="-120"/>
+              </a:rPr>
+              <a:t>這邊就沒那麼幸運了，因為</a:t>
+            </a:r>
+            <a:r>
               <a:rPr lang="zh-TW" altLang="en-US" dirty="0" smtClean="0"/>
-              <a:t>這邊就沒那麼幸運了，因為：</a:t>
+              <a:t>：</a:t>
             </a:r>
             <a:endParaRPr lang="en-US" altLang="zh-TW" dirty="0" smtClean="0"/>
           </a:p>
@@ -3811,16 +3936,30 @@
               <a:buNone/>
             </a:pPr>
             <a:r>
+              <a:rPr lang="zh-TW" altLang="en-US" dirty="0" smtClean="0">
+                <a:latin typeface="微軟正黑體" pitchFamily="34" charset="-120"/>
+                <a:ea typeface="微軟正黑體" pitchFamily="34" charset="-120"/>
+              </a:rPr>
+              <a:t>找到</a:t>
+            </a:r>
+            <a:r>
               <a:rPr lang="zh-TW" altLang="en-US" dirty="0" smtClean="0"/>
-              <a:t>找到 </a:t>
+              <a:t> </a:t>
             </a:r>
             <a:r>
               <a:rPr lang="en-US" altLang="zh-TW" dirty="0" smtClean="0"/>
               <a:t>method K </a:t>
             </a:r>
             <a:r>
+              <a:rPr lang="zh-TW" altLang="en-US" dirty="0" smtClean="0">
+                <a:latin typeface="微軟正黑體" pitchFamily="34" charset="-120"/>
+                <a:ea typeface="微軟正黑體" pitchFamily="34" charset="-120"/>
+              </a:rPr>
+              <a:t>才會知道原因</a:t>
+            </a:r>
+            <a:r>
               <a:rPr lang="zh-TW" altLang="en-US" dirty="0" smtClean="0"/>
-              <a:t>才會知道原因。</a:t>
+              <a:t>。</a:t>
             </a:r>
             <a:endParaRPr lang="en-US" altLang="zh-TW" dirty="0" smtClean="0"/>
           </a:p>
@@ -4089,11 +4228,17 @@
               <a:t>Team</a:t>
             </a:r>
             <a:r>
-              <a:rPr lang="zh-TW" altLang="en-US" dirty="0"/>
+              <a:rPr lang="zh-TW" altLang="en-US" dirty="0">
+                <a:latin typeface="微軟正黑體" pitchFamily="34" charset="-120"/>
+                <a:ea typeface="微軟正黑體" pitchFamily="34" charset="-120"/>
+              </a:rPr>
               <a:t>的</a:t>
             </a:r>
             <a:r>
-              <a:rPr lang="zh-TW" altLang="en-US" dirty="0" smtClean="0"/>
+              <a:rPr lang="zh-TW" altLang="en-US" dirty="0" smtClean="0">
+                <a:latin typeface="微軟正黑體" pitchFamily="34" charset="-120"/>
+                <a:ea typeface="微軟正黑體" pitchFamily="34" charset="-120"/>
+              </a:rPr>
               <a:t>處理</a:t>
             </a:r>
             <a:r>
@@ -4125,47 +4270,92 @@
               <a:buNone/>
             </a:pPr>
             <a:r>
-              <a:rPr lang="zh-TW" altLang="en-US" dirty="0" smtClean="0"/>
+              <a:rPr lang="zh-TW" altLang="en-US" dirty="0" smtClean="0">
+                <a:latin typeface="微軟正黑體" pitchFamily="34" charset="-120"/>
+                <a:ea typeface="微軟正黑體" pitchFamily="34" charset="-120"/>
+              </a:rPr>
               <a:t>於是只好改</a:t>
             </a:r>
             <a:r>
-              <a:rPr lang="en-US" altLang="zh-TW" dirty="0" smtClean="0"/>
+              <a:rPr lang="en-US" altLang="zh-TW" dirty="0" smtClean="0">
+                <a:latin typeface="微軟正黑體" pitchFamily="34" charset="-120"/>
+                <a:ea typeface="微軟正黑體" pitchFamily="34" charset="-120"/>
+              </a:rPr>
               <a:t>Log</a:t>
             </a:r>
             <a:r>
-              <a:rPr lang="zh-TW" altLang="en-US" dirty="0" smtClean="0"/>
+              <a:rPr lang="zh-TW" altLang="en-US" dirty="0" smtClean="0">
+                <a:latin typeface="微軟正黑體" pitchFamily="34" charset="-120"/>
+                <a:ea typeface="微軟正黑體" pitchFamily="34" charset="-120"/>
+              </a:rPr>
               <a:t>看能不能找出問題。</a:t>
             </a:r>
+            <a:endParaRPr lang="en-US" altLang="zh-TW" dirty="0" smtClean="0">
+              <a:latin typeface="微軟正黑體" pitchFamily="34" charset="-120"/>
+              <a:ea typeface="微軟正黑體" pitchFamily="34" charset="-120"/>
+            </a:endParaRPr>
+          </a:p>
+          <a:p>
+            <a:pPr marL="0" indent="0">
+              <a:buNone/>
+            </a:pPr>
+            <a:r>
+              <a:rPr lang="zh-TW" altLang="en-US" dirty="0" smtClean="0">
+                <a:latin typeface="微軟正黑體" pitchFamily="34" charset="-120"/>
+                <a:ea typeface="微軟正黑體" pitchFamily="34" charset="-120"/>
+              </a:rPr>
+              <a:t>這次</a:t>
+            </a:r>
+            <a:r>
+              <a:rPr lang="en-US" altLang="zh-TW" dirty="0" smtClean="0">
+                <a:latin typeface="微軟正黑體" pitchFamily="34" charset="-120"/>
+                <a:ea typeface="微軟正黑體" pitchFamily="34" charset="-120"/>
+              </a:rPr>
+              <a:t>Web Team</a:t>
+            </a:r>
+            <a:r>
+              <a:rPr lang="zh-TW" altLang="en-US" dirty="0" smtClean="0">
+                <a:latin typeface="微軟正黑體" pitchFamily="34" charset="-120"/>
+                <a:ea typeface="微軟正黑體" pitchFamily="34" charset="-120"/>
+              </a:rPr>
+              <a:t>把</a:t>
+            </a:r>
+            <a:r>
+              <a:rPr lang="en-US" altLang="zh-TW" dirty="0" smtClean="0">
+                <a:latin typeface="微軟正黑體" pitchFamily="34" charset="-120"/>
+                <a:ea typeface="微軟正黑體" pitchFamily="34" charset="-120"/>
+              </a:rPr>
+              <a:t>thread-id</a:t>
+            </a:r>
+            <a:r>
+              <a:rPr lang="zh-TW" altLang="en-US" dirty="0">
+                <a:latin typeface="微軟正黑體" pitchFamily="34" charset="-120"/>
+                <a:ea typeface="微軟正黑體" pitchFamily="34" charset="-120"/>
+              </a:rPr>
+              <a:t>補</a:t>
+            </a:r>
+            <a:r>
+              <a:rPr lang="zh-TW" altLang="en-US" dirty="0" smtClean="0">
+                <a:latin typeface="微軟正黑體" pitchFamily="34" charset="-120"/>
+                <a:ea typeface="微軟正黑體" pitchFamily="34" charset="-120"/>
+              </a:rPr>
+              <a:t>上去：</a:t>
+            </a:r>
+            <a:endParaRPr lang="en-US" altLang="zh-TW" dirty="0" smtClean="0">
+              <a:latin typeface="微軟正黑體" pitchFamily="34" charset="-120"/>
+              <a:ea typeface="微軟正黑體" pitchFamily="34" charset="-120"/>
+            </a:endParaRPr>
+          </a:p>
+          <a:p>
+            <a:pPr marL="0" indent="0">
+              <a:buNone/>
+            </a:pPr>
             <a:endParaRPr lang="en-US" altLang="zh-TW" dirty="0" smtClean="0"/>
           </a:p>
           <a:p>
             <a:pPr marL="0" indent="0">
               <a:buNone/>
             </a:pPr>
-            <a:r>
-              <a:rPr lang="zh-TW" altLang="en-US" dirty="0" smtClean="0"/>
-              <a:t>這次</a:t>
-            </a:r>
-            <a:r>
-              <a:rPr lang="en-US" altLang="zh-TW" dirty="0" smtClean="0"/>
-              <a:t>Web Team</a:t>
-            </a:r>
-            <a:r>
-              <a:rPr lang="zh-TW" altLang="en-US" dirty="0" smtClean="0"/>
-              <a:t>把</a:t>
-            </a:r>
-            <a:r>
-              <a:rPr lang="en-US" altLang="zh-TW" dirty="0" smtClean="0"/>
-              <a:t>thread-id</a:t>
-            </a:r>
-            <a:r>
-              <a:rPr lang="zh-TW" altLang="en-US" dirty="0"/>
-              <a:t>補</a:t>
-            </a:r>
-            <a:r>
-              <a:rPr lang="zh-TW" altLang="en-US" dirty="0" smtClean="0"/>
-              <a:t>上去：</a:t>
-            </a:r>
             <a:endParaRPr lang="en-US" altLang="zh-TW" dirty="0" smtClean="0"/>
           </a:p>
           <a:p>
@@ -4178,40 +4368,37 @@
             <a:pPr marL="0" indent="0">
               <a:buNone/>
             </a:pPr>
+            <a:endParaRPr lang="en-US" altLang="zh-TW" dirty="0"/>
+          </a:p>
+          <a:p>
+            <a:pPr marL="0" indent="0">
+              <a:buNone/>
+            </a:pPr>
             <a:endParaRPr lang="en-US" altLang="zh-TW" dirty="0" smtClean="0"/>
           </a:p>
           <a:p>
             <a:pPr marL="0" indent="0">
               <a:buNone/>
             </a:pPr>
-            <a:endParaRPr lang="en-US" altLang="zh-TW" dirty="0" smtClean="0"/>
-          </a:p>
-          <a:p>
-            <a:pPr marL="0" indent="0">
-              <a:buNone/>
-            </a:pPr>
-            <a:endParaRPr lang="en-US" altLang="zh-TW" dirty="0"/>
-          </a:p>
-          <a:p>
-            <a:pPr marL="0" indent="0">
-              <a:buNone/>
-            </a:pPr>
-            <a:endParaRPr lang="en-US" altLang="zh-TW" dirty="0" smtClean="0"/>
-          </a:p>
-          <a:p>
-            <a:pPr marL="0" indent="0">
-              <a:buNone/>
-            </a:pPr>
-            <a:r>
-              <a:rPr lang="zh-TW" altLang="en-US" dirty="0" smtClean="0"/>
+            <a:r>
+              <a:rPr lang="zh-TW" altLang="en-US" dirty="0" smtClean="0">
+                <a:latin typeface="微軟正黑體" pitchFamily="34" charset="-120"/>
+                <a:ea typeface="微軟正黑體" pitchFamily="34" charset="-120"/>
+              </a:rPr>
               <a:t>這樣</a:t>
             </a:r>
             <a:r>
-              <a:rPr lang="zh-TW" altLang="en-US" dirty="0"/>
+              <a:rPr lang="zh-TW" altLang="en-US" dirty="0">
+                <a:latin typeface="微軟正黑體" pitchFamily="34" charset="-120"/>
+                <a:ea typeface="微軟正黑體" pitchFamily="34" charset="-120"/>
+              </a:rPr>
               <a:t>似乎可以找問題了，但</a:t>
             </a:r>
             <a:r>
-              <a:rPr lang="en-US" altLang="zh-TW" dirty="0" smtClean="0"/>
+              <a:rPr lang="en-US" altLang="zh-TW" dirty="0" smtClean="0">
+                <a:latin typeface="微軟正黑體" pitchFamily="34" charset="-120"/>
+                <a:ea typeface="微軟正黑體" pitchFamily="34" charset="-120"/>
+              </a:rPr>
               <a:t>…</a:t>
             </a:r>
           </a:p>
@@ -4378,11 +4565,17 @@
               <a:t>Team</a:t>
             </a:r>
             <a:r>
-              <a:rPr lang="zh-TW" altLang="en-US" dirty="0"/>
+              <a:rPr lang="zh-TW" altLang="en-US" dirty="0">
+                <a:latin typeface="微軟正黑體" pitchFamily="34" charset="-120"/>
+                <a:ea typeface="微軟正黑體" pitchFamily="34" charset="-120"/>
+              </a:rPr>
               <a:t>的</a:t>
             </a:r>
             <a:r>
-              <a:rPr lang="zh-TW" altLang="en-US" dirty="0" smtClean="0"/>
+              <a:rPr lang="zh-TW" altLang="en-US" dirty="0" smtClean="0">
+                <a:latin typeface="微軟正黑體" pitchFamily="34" charset="-120"/>
+                <a:ea typeface="微軟正黑體" pitchFamily="34" charset="-120"/>
+              </a:rPr>
               <a:t>處理</a:t>
             </a:r>
             <a:r>
@@ -4447,40 +4640,67 @@
               <a:buNone/>
             </a:pPr>
             <a:r>
-              <a:rPr lang="zh-TW" altLang="en-US" dirty="0"/>
+              <a:rPr lang="zh-TW" altLang="en-US" dirty="0">
+                <a:latin typeface="微軟正黑體" pitchFamily="34" charset="-120"/>
+                <a:ea typeface="微軟正黑體" pitchFamily="34" charset="-120"/>
+              </a:rPr>
               <a:t>有人可以掃過一遍就能根據任兩個同</a:t>
             </a:r>
             <a:r>
-              <a:rPr lang="en-US" altLang="zh-TW" dirty="0"/>
+              <a:rPr lang="en-US" altLang="zh-TW" dirty="0">
+                <a:latin typeface="微軟正黑體" pitchFamily="34" charset="-120"/>
+                <a:ea typeface="微軟正黑體" pitchFamily="34" charset="-120"/>
+              </a:rPr>
               <a:t>thread Id</a:t>
             </a:r>
             <a:r>
-              <a:rPr lang="zh-TW" altLang="en-US" dirty="0"/>
+              <a:rPr lang="zh-TW" altLang="en-US" dirty="0">
+                <a:latin typeface="微軟正黑體" pitchFamily="34" charset="-120"/>
+                <a:ea typeface="微軟正黑體" pitchFamily="34" charset="-120"/>
+              </a:rPr>
               <a:t>的</a:t>
             </a:r>
             <a:r>
-              <a:rPr lang="en-US" altLang="zh-TW" dirty="0"/>
+              <a:rPr lang="en-US" altLang="zh-TW" dirty="0">
+                <a:latin typeface="微軟正黑體" pitchFamily="34" charset="-120"/>
+                <a:ea typeface="微軟正黑體" pitchFamily="34" charset="-120"/>
+              </a:rPr>
               <a:t>log’s timestamp</a:t>
             </a:r>
             <a:r>
-              <a:rPr lang="zh-TW" altLang="en-US" dirty="0"/>
+              <a:rPr lang="zh-TW" altLang="en-US" dirty="0">
+                <a:latin typeface="微軟正黑體" pitchFamily="34" charset="-120"/>
+                <a:ea typeface="微軟正黑體" pitchFamily="34" charset="-120"/>
+              </a:rPr>
               <a:t>知道</a:t>
             </a:r>
             <a:r>
-              <a:rPr lang="en-US" altLang="zh-TW" dirty="0"/>
+              <a:rPr lang="en-US" altLang="zh-TW" dirty="0">
+                <a:latin typeface="微軟正黑體" pitchFamily="34" charset="-120"/>
+                <a:ea typeface="微軟正黑體" pitchFamily="34" charset="-120"/>
+              </a:rPr>
               <a:t>elapsed time</a:t>
             </a:r>
             <a:r>
-              <a:rPr lang="zh-TW" altLang="en-US" dirty="0"/>
+              <a:rPr lang="zh-TW" altLang="en-US" dirty="0">
+                <a:latin typeface="微軟正黑體" pitchFamily="34" charset="-120"/>
+                <a:ea typeface="微軟正黑體" pitchFamily="34" charset="-120"/>
+              </a:rPr>
               <a:t>嗎？</a:t>
             </a:r>
-            <a:endParaRPr lang="en-US" altLang="zh-TW" dirty="0"/>
-          </a:p>
-          <a:p>
-            <a:pPr marL="0" indent="0">
-              <a:buNone/>
-            </a:pPr>
-            <a:endParaRPr lang="en-US" altLang="zh-TW" dirty="0" smtClean="0"/>
+            <a:endParaRPr lang="en-US" altLang="zh-TW" dirty="0">
+              <a:latin typeface="微軟正黑體" pitchFamily="34" charset="-120"/>
+              <a:ea typeface="微軟正黑體" pitchFamily="34" charset="-120"/>
+            </a:endParaRPr>
+          </a:p>
+          <a:p>
+            <a:pPr marL="0" indent="0">
+              <a:buNone/>
+            </a:pPr>
+            <a:endParaRPr lang="en-US" altLang="zh-TW" dirty="0" smtClean="0">
+              <a:latin typeface="微軟正黑體" pitchFamily="34" charset="-120"/>
+              <a:ea typeface="微軟正黑體" pitchFamily="34" charset="-120"/>
+            </a:endParaRPr>
           </a:p>
           <a:p>
             <a:pPr marL="0" indent="0">
@@ -4865,11 +5085,17 @@
               <a:t>Team</a:t>
             </a:r>
             <a:r>
-              <a:rPr lang="zh-TW" altLang="en-US" dirty="0"/>
+              <a:rPr lang="zh-TW" altLang="en-US" dirty="0">
+                <a:latin typeface="微軟正黑體" pitchFamily="34" charset="-120"/>
+                <a:ea typeface="微軟正黑體" pitchFamily="34" charset="-120"/>
+              </a:rPr>
               <a:t>的</a:t>
             </a:r>
             <a:r>
-              <a:rPr lang="zh-TW" altLang="en-US" dirty="0" smtClean="0"/>
+              <a:rPr lang="zh-TW" altLang="en-US" dirty="0" smtClean="0">
+                <a:latin typeface="微軟正黑體" pitchFamily="34" charset="-120"/>
+                <a:ea typeface="微軟正黑體" pitchFamily="34" charset="-120"/>
+              </a:rPr>
               <a:t>處理</a:t>
             </a:r>
             <a:r>
@@ -4925,42 +5151,72 @@
               <a:buNone/>
             </a:pPr>
             <a:r>
-              <a:rPr lang="zh-TW" altLang="en-US" dirty="0"/>
+              <a:rPr lang="zh-TW" altLang="en-US" dirty="0">
+                <a:latin typeface="微軟正黑體" pitchFamily="34" charset="-120"/>
+                <a:ea typeface="微軟正黑體" pitchFamily="34" charset="-120"/>
+              </a:rPr>
               <a:t>有誰可以馬上篩選同</a:t>
             </a:r>
             <a:r>
-              <a:rPr lang="en-US" altLang="zh-TW" dirty="0"/>
+              <a:rPr lang="en-US" altLang="zh-TW" dirty="0">
+                <a:latin typeface="微軟正黑體" pitchFamily="34" charset="-120"/>
+                <a:ea typeface="微軟正黑體" pitchFamily="34" charset="-120"/>
+              </a:rPr>
               <a:t>thread Id</a:t>
             </a:r>
             <a:r>
-              <a:rPr lang="zh-TW" altLang="en-US" dirty="0"/>
+              <a:rPr lang="zh-TW" altLang="en-US" dirty="0">
+                <a:latin typeface="微軟正黑體" pitchFamily="34" charset="-120"/>
+                <a:ea typeface="微軟正黑體" pitchFamily="34" charset="-120"/>
+              </a:rPr>
               <a:t>的</a:t>
             </a:r>
             <a:r>
-              <a:rPr lang="en-US" altLang="zh-TW" dirty="0"/>
+              <a:rPr lang="en-US" altLang="zh-TW" dirty="0">
+                <a:latin typeface="微軟正黑體" pitchFamily="34" charset="-120"/>
+                <a:ea typeface="微軟正黑體" pitchFamily="34" charset="-120"/>
+              </a:rPr>
               <a:t>logs</a:t>
             </a:r>
             <a:r>
-              <a:rPr lang="zh-TW" altLang="en-US" dirty="0"/>
+              <a:rPr lang="zh-TW" altLang="en-US" dirty="0">
+                <a:latin typeface="微軟正黑體" pitchFamily="34" charset="-120"/>
+                <a:ea typeface="微軟正黑體" pitchFamily="34" charset="-120"/>
+              </a:rPr>
               <a:t>，然後指出哪裡</a:t>
             </a:r>
             <a:r>
-              <a:rPr lang="zh-TW" altLang="en-US" dirty="0" smtClean="0"/>
+              <a:rPr lang="zh-TW" altLang="en-US" dirty="0" smtClean="0">
+                <a:latin typeface="微軟正黑體" pitchFamily="34" charset="-120"/>
+                <a:ea typeface="微軟正黑體" pitchFamily="34" charset="-120"/>
+              </a:rPr>
               <a:t>是某個</a:t>
             </a:r>
             <a:r>
-              <a:rPr lang="en-US" altLang="zh-TW" dirty="0" smtClean="0"/>
+              <a:rPr lang="en-US" altLang="zh-TW" dirty="0" smtClean="0">
+                <a:latin typeface="微軟正黑體" pitchFamily="34" charset="-120"/>
+                <a:ea typeface="微軟正黑體" pitchFamily="34" charset="-120"/>
+              </a:rPr>
               <a:t>task</a:t>
             </a:r>
             <a:r>
-              <a:rPr lang="zh-TW" altLang="en-US" dirty="0" smtClean="0"/>
+              <a:rPr lang="zh-TW" altLang="en-US" dirty="0" smtClean="0">
+                <a:latin typeface="微軟正黑體" pitchFamily="34" charset="-120"/>
+                <a:ea typeface="微軟正黑體" pitchFamily="34" charset="-120"/>
+              </a:rPr>
               <a:t>的開始跟結束</a:t>
             </a:r>
             <a:r>
-              <a:rPr lang="zh-TW" altLang="en-US" dirty="0"/>
+              <a:rPr lang="zh-TW" altLang="en-US" dirty="0">
+                <a:latin typeface="微軟正黑體" pitchFamily="34" charset="-120"/>
+                <a:ea typeface="微軟正黑體" pitchFamily="34" charset="-120"/>
+              </a:rPr>
               <a:t>呢？</a:t>
             </a:r>
-            <a:endParaRPr lang="en-US" altLang="zh-TW" dirty="0"/>
+            <a:endParaRPr lang="en-US" altLang="zh-TW" dirty="0">
+              <a:latin typeface="微軟正黑體" pitchFamily="34" charset="-120"/>
+              <a:ea typeface="微軟正黑體" pitchFamily="34" charset="-120"/>
+            </a:endParaRPr>
           </a:p>
           <a:p>
             <a:pPr marL="0" indent="0">
@@ -5282,8 +5538,8 @@
         </p:blipFill>
         <p:spPr bwMode="auto">
           <a:xfrm>
-            <a:off x="5364088" y="1498670"/>
-            <a:ext cx="3480048" cy="4640064"/>
+            <a:off x="5590526" y="1772816"/>
+            <a:ext cx="3445970" cy="4594626"/>
           </a:xfrm>
           <a:prstGeom prst="rect">
             <a:avLst/>
@@ -5316,7 +5572,10 @@
           <a:lstStyle/>
           <a:p>
             <a:r>
-              <a:rPr lang="zh-TW" altLang="en-US" dirty="0" smtClean="0"/>
+              <a:rPr lang="zh-TW" altLang="en-US" dirty="0" smtClean="0">
+                <a:latin typeface="微軟正黑體" pitchFamily="34" charset="-120"/>
+                <a:ea typeface="微軟正黑體" pitchFamily="34" charset="-120"/>
+              </a:rPr>
               <a:t>於是</a:t>
             </a:r>
             <a:r>
@@ -5345,7 +5604,7 @@
         </p:spPr>
         <p:txBody>
           <a:bodyPr>
-            <a:normAutofit/>
+            <a:normAutofit lnSpcReduction="10000"/>
           </a:bodyPr>
           <a:lstStyle/>
           <a:p>
@@ -5363,15 +5622,38 @@
               <a:buNone/>
             </a:pPr>
             <a:r>
-              <a:rPr lang="en-US" altLang="zh-TW" sz="2600" dirty="0" smtClean="0"/>
+              <a:rPr lang="en-US" altLang="zh-TW" sz="2600" dirty="0" smtClean="0">
+                <a:latin typeface="微軟正黑體" pitchFamily="34" charset="-120"/>
+                <a:ea typeface="微軟正黑體" pitchFamily="34" charset="-120"/>
+              </a:rPr>
               <a:t>『</a:t>
             </a:r>
             <a:r>
-              <a:rPr lang="zh-TW" altLang="en-US" sz="2600" dirty="0"/>
-              <a:t>這一定是第三方廠商的問題～</a:t>
-            </a:r>
-            <a:r>
-              <a:rPr lang="en-US" altLang="zh-TW" sz="2600" dirty="0" smtClean="0"/>
+              <a:rPr lang="zh-TW" altLang="en-US" sz="2600" dirty="0">
+                <a:latin typeface="微軟正黑體" pitchFamily="34" charset="-120"/>
+                <a:ea typeface="微軟正黑體" pitchFamily="34" charset="-120"/>
+              </a:rPr>
+              <a:t>這一定是第三方</a:t>
+            </a:r>
+            <a:r>
+              <a:rPr lang="zh-TW" altLang="en-US" sz="2600" dirty="0" smtClean="0">
+                <a:latin typeface="微軟正黑體" pitchFamily="34" charset="-120"/>
+                <a:ea typeface="微軟正黑體" pitchFamily="34" charset="-120"/>
+              </a:rPr>
+              <a:t>廠商－你們的</a:t>
+            </a:r>
+            <a:r>
+              <a:rPr lang="zh-TW" altLang="en-US" sz="2600" dirty="0">
+                <a:latin typeface="微軟正黑體" pitchFamily="34" charset="-120"/>
+                <a:ea typeface="微軟正黑體" pitchFamily="34" charset="-120"/>
+              </a:rPr>
+              <a:t>問題～</a:t>
+            </a:r>
+            <a:r>
+              <a:rPr lang="en-US" altLang="zh-TW" sz="2600" dirty="0" smtClean="0">
+                <a:latin typeface="微軟正黑體" pitchFamily="34" charset="-120"/>
+                <a:ea typeface="微軟正黑體" pitchFamily="34" charset="-120"/>
+              </a:rPr>
               <a:t>』</a:t>
             </a:r>
           </a:p>
@@ -5379,37 +5661,111 @@
             <a:pPr marL="0" indent="0">
               <a:buNone/>
             </a:pPr>
-            <a:r>
-              <a:rPr lang="zh-TW" altLang="en-US" sz="2600" dirty="0" smtClean="0"/>
+            <a:endParaRPr lang="en-US" altLang="zh-TW" sz="2600" dirty="0" smtClean="0">
+              <a:latin typeface="微軟正黑體" pitchFamily="34" charset="-120"/>
+              <a:ea typeface="微軟正黑體" pitchFamily="34" charset="-120"/>
+            </a:endParaRPr>
+          </a:p>
+          <a:p>
+            <a:pPr marL="0" indent="0">
+              <a:buNone/>
+            </a:pPr>
+            <a:r>
+              <a:rPr lang="zh-TW" altLang="en-US" sz="2600" dirty="0" smtClean="0">
+                <a:latin typeface="微軟正黑體" pitchFamily="34" charset="-120"/>
+                <a:ea typeface="微軟正黑體" pitchFamily="34" charset="-120"/>
+              </a:rPr>
               <a:t>我</a:t>
             </a:r>
             <a:r>
-              <a:rPr lang="en-US" altLang="zh-TW" sz="2600" dirty="0" smtClean="0"/>
-              <a:t>: </a:t>
-            </a:r>
-          </a:p>
-          <a:p>
-            <a:pPr marL="0" indent="0">
-              <a:buNone/>
-            </a:pPr>
-            <a:r>
-              <a:rPr lang="en-US" altLang="zh-TW" sz="2600" dirty="0" smtClean="0"/>
-              <a:t>『</a:t>
-            </a:r>
-            <a:r>
-              <a:rPr lang="zh-TW" altLang="en-US" sz="2600" dirty="0" smtClean="0"/>
-              <a:t>這不太可能，不過我來找原因好了。</a:t>
-            </a:r>
-            <a:r>
-              <a:rPr lang="en-US" altLang="zh-TW" sz="2600" dirty="0" smtClean="0"/>
+              <a:rPr lang="en-US" altLang="zh-TW" sz="2400" dirty="0" smtClean="0">
+                <a:latin typeface="微軟正黑體" pitchFamily="34" charset="-120"/>
+                <a:ea typeface="微軟正黑體" pitchFamily="34" charset="-120"/>
+              </a:rPr>
+              <a:t>(</a:t>
+            </a:r>
+            <a:r>
+              <a:rPr lang="zh-TW" altLang="en-US" sz="2400" dirty="0">
+                <a:latin typeface="微軟正黑體" pitchFamily="34" charset="-120"/>
+                <a:ea typeface="微軟正黑體" pitchFamily="34" charset="-120"/>
+              </a:rPr>
+              <a:t>＆鄉民</a:t>
+            </a:r>
+            <a:r>
+              <a:rPr lang="en-US" altLang="zh-TW" sz="2400" dirty="0" err="1" smtClean="0">
+                <a:latin typeface="微軟正黑體" pitchFamily="34" charset="-120"/>
+                <a:ea typeface="微軟正黑體" pitchFamily="34" charset="-120"/>
+              </a:rPr>
+              <a:t>TonyQ</a:t>
+            </a:r>
+            <a:r>
+              <a:rPr lang="en-US" altLang="zh-TW" sz="2400" dirty="0" smtClean="0">
+                <a:latin typeface="微軟正黑體" pitchFamily="34" charset="-120"/>
+                <a:ea typeface="微軟正黑體" pitchFamily="34" charset="-120"/>
+              </a:rPr>
+              <a:t>)</a:t>
+            </a:r>
+            <a:r>
+              <a:rPr lang="zh-TW" altLang="en-US" sz="2600" dirty="0" smtClean="0">
+                <a:latin typeface="微軟正黑體" pitchFamily="34" charset="-120"/>
+                <a:ea typeface="微軟正黑體" pitchFamily="34" charset="-120"/>
+              </a:rPr>
+              <a:t>：</a:t>
+            </a:r>
+            <a:r>
+              <a:rPr lang="en-US" altLang="zh-TW" sz="2600" dirty="0" smtClean="0">
+                <a:latin typeface="微軟正黑體" pitchFamily="34" charset="-120"/>
+                <a:ea typeface="微軟正黑體" pitchFamily="34" charset="-120"/>
+              </a:rPr>
+              <a:t/>
+            </a:r>
+            <a:br>
+              <a:rPr lang="en-US" altLang="zh-TW" sz="2600" dirty="0" smtClean="0">
+                <a:latin typeface="微軟正黑體" pitchFamily="34" charset="-120"/>
+                <a:ea typeface="微軟正黑體" pitchFamily="34" charset="-120"/>
+              </a:rPr>
+            </a:br>
+            <a:r>
+              <a:rPr lang="en-US" altLang="zh-TW" sz="2600" dirty="0" smtClean="0">
+                <a:latin typeface="微軟正黑體" pitchFamily="34" charset="-120"/>
+                <a:ea typeface="微軟正黑體" pitchFamily="34" charset="-120"/>
+              </a:rPr>
+              <a:t> 『</a:t>
+            </a:r>
+            <a:r>
+              <a:rPr lang="zh-TW" altLang="en-US" sz="2600" dirty="0" smtClean="0">
+                <a:latin typeface="微軟正黑體" pitchFamily="34" charset="-120"/>
+                <a:ea typeface="微軟正黑體" pitchFamily="34" charset="-120"/>
+              </a:rPr>
+              <a:t>這不太可能，不過</a:t>
+            </a:r>
+            <a:r>
+              <a:rPr lang="zh-TW" altLang="en-US" sz="2600" dirty="0" smtClean="0">
+                <a:latin typeface="微軟正黑體" pitchFamily="34" charset="-120"/>
+                <a:ea typeface="微軟正黑體" pitchFamily="34" charset="-120"/>
+              </a:rPr>
+              <a:t>我們會找出原因</a:t>
+            </a:r>
+            <a:r>
+              <a:rPr lang="en-US" altLang="zh-TW" sz="2600" dirty="0" smtClean="0">
+                <a:latin typeface="微軟正黑體" pitchFamily="34" charset="-120"/>
+                <a:ea typeface="微軟正黑體" pitchFamily="34" charset="-120"/>
+              </a:rPr>
               <a:t>』</a:t>
             </a:r>
-          </a:p>
-          <a:p>
-            <a:pPr marL="0" indent="0">
-              <a:buNone/>
-            </a:pPr>
-            <a:endParaRPr lang="en-US" altLang="zh-TW" sz="2600" dirty="0"/>
+            <a:endParaRPr lang="en-US" altLang="zh-TW" sz="2600" dirty="0" smtClean="0">
+              <a:latin typeface="微軟正黑體" pitchFamily="34" charset="-120"/>
+              <a:ea typeface="微軟正黑體" pitchFamily="34" charset="-120"/>
+            </a:endParaRPr>
+          </a:p>
+          <a:p>
+            <a:pPr marL="0" indent="0">
+              <a:buNone/>
+            </a:pPr>
+            <a:endParaRPr lang="en-US" altLang="zh-TW" sz="2600" dirty="0">
+              <a:latin typeface="微軟正黑體" pitchFamily="34" charset="-120"/>
+              <a:ea typeface="微軟正黑體" pitchFamily="34" charset="-120"/>
+            </a:endParaRPr>
           </a:p>
           <a:p>
             <a:pPr marL="0" indent="0">
@@ -5421,16 +5777,16 @@
             <a:pPr marL="0" indent="0">
               <a:buNone/>
             </a:pPr>
-            <a:endParaRPr lang="en-US" altLang="zh-TW" sz="2600" dirty="0"/>
-          </a:p>
-          <a:p>
-            <a:pPr marL="0" indent="0">
-              <a:buNone/>
-            </a:pPr>
-            <a:r>
-              <a:rPr lang="zh-TW" altLang="en-US" sz="2600" dirty="0" smtClean="0"/>
+            <a:r>
+              <a:rPr lang="zh-TW" altLang="en-US" sz="2600" b="1" dirty="0" smtClean="0"/>
               <a:t>（╯－＿－）╯╧╧</a:t>
             </a:r>
+            <a:endParaRPr lang="en-US" altLang="zh-TW" sz="2600" b="1" dirty="0" smtClean="0"/>
+          </a:p>
+          <a:p>
+            <a:pPr marL="0" indent="0">
+              <a:buNone/>
+            </a:pPr>
             <a:endParaRPr lang="en-US" altLang="zh-TW" sz="2600" dirty="0" smtClean="0"/>
           </a:p>
           <a:p>
@@ -5442,15 +5798,33 @@
               <a:t>e04, </a:t>
             </a:r>
             <a:r>
-              <a:rPr lang="zh-TW" altLang="en-US" sz="2600" dirty="0" smtClean="0"/>
-              <a:t>要幫忙找就說，這樣挖坑啊～</a:t>
-            </a:r>
-            <a:endParaRPr lang="en-US" altLang="zh-TW" sz="2600" dirty="0" smtClean="0"/>
-          </a:p>
-          <a:p>
-            <a:pPr marL="0" indent="0">
-              <a:buNone/>
-            </a:pPr>
+              <a:rPr lang="zh-TW" altLang="en-US" sz="2600" dirty="0" smtClean="0">
+                <a:latin typeface="微軟正黑體" pitchFamily="34" charset="-120"/>
+                <a:ea typeface="微軟正黑體" pitchFamily="34" charset="-120"/>
+              </a:rPr>
+              <a:t>要</a:t>
+            </a:r>
+            <a:r>
+              <a:rPr lang="zh-TW" altLang="en-US" sz="2600" dirty="0" smtClean="0">
+                <a:latin typeface="微軟正黑體" pitchFamily="34" charset="-120"/>
+                <a:ea typeface="微軟正黑體" pitchFamily="34" charset="-120"/>
+              </a:rPr>
+              <a:t>我們找</a:t>
+            </a:r>
+            <a:r>
+              <a:rPr lang="zh-TW" altLang="en-US" sz="2600" dirty="0" smtClean="0">
+                <a:latin typeface="微軟正黑體" pitchFamily="34" charset="-120"/>
+                <a:ea typeface="微軟正黑體" pitchFamily="34" charset="-120"/>
+              </a:rPr>
+              <a:t>就說，</a:t>
+            </a:r>
+            <a:r>
+              <a:rPr lang="zh-TW" altLang="en-US" sz="2600" dirty="0" smtClean="0">
+                <a:latin typeface="微軟正黑體" pitchFamily="34" charset="-120"/>
+                <a:ea typeface="微軟正黑體" pitchFamily="34" charset="-120"/>
+              </a:rPr>
+              <a:t>別挖這種坑啊</a:t>
+            </a:r>
             <a:endParaRPr lang="en-US" altLang="zh-TW" dirty="0" smtClean="0"/>
           </a:p>
           <a:p>
@@ -5587,37 +5961,6 @@
                                         <p:tgtEl>
                                           <p:spTgt spid="2">
                                             <p:txEl>
-                                              <p:pRg st="2" end="2"/>
-                                            </p:txEl>
-                                          </p:spTgt>
-                                        </p:tgtEl>
-                                        <p:attrNameLst>
-                                          <p:attrName>style.visibility</p:attrName>
-                                        </p:attrNameLst>
-                                      </p:cBhvr>
-                                      <p:to>
-                                        <p:strVal val="visible"/>
-                                      </p:to>
-                                    </p:set>
-                                  </p:childTnLst>
-                                </p:cTn>
-                              </p:par>
-                              <p:par>
-                                <p:cTn id="13" presetID="1" presetClass="entr" presetSubtype="0" fill="hold" nodeType="withEffect">
-                                  <p:stCondLst>
-                                    <p:cond delay="0"/>
-                                  </p:stCondLst>
-                                  <p:childTnLst>
-                                    <p:set>
-                                      <p:cBhvr>
-                                        <p:cTn id="14" dur="1" fill="hold">
-                                          <p:stCondLst>
-                                            <p:cond delay="0"/>
-                                          </p:stCondLst>
-                                        </p:cTn>
-                                        <p:tgtEl>
-                                          <p:spTgt spid="2">
-                                            <p:txEl>
                                               <p:pRg st="3" end="3"/>
                                             </p:txEl>
                                           </p:spTgt>
@@ -5640,26 +5983,26 @@
                     </p:cTn>
                   </p:par>
                   <p:par>
-                    <p:cTn id="15" fill="hold">
+                    <p:cTn id="13" fill="hold">
                       <p:stCondLst>
                         <p:cond delay="indefinite"/>
                       </p:stCondLst>
                       <p:childTnLst>
                         <p:par>
-                          <p:cTn id="16" fill="hold">
+                          <p:cTn id="14" fill="hold">
                             <p:stCondLst>
                               <p:cond delay="0"/>
                             </p:stCondLst>
                             <p:childTnLst>
                               <p:par>
-                                <p:cTn id="17" presetID="1" presetClass="entr" presetSubtype="0" fill="hold" nodeType="clickEffect">
+                                <p:cTn id="15" presetID="1" presetClass="entr" presetSubtype="0" fill="hold" nodeType="clickEffect">
                                   <p:stCondLst>
                                     <p:cond delay="0"/>
                                   </p:stCondLst>
                                   <p:childTnLst>
                                     <p:set>
                                       <p:cBhvr>
-                                        <p:cTn id="18" dur="1" fill="hold">
+                                        <p:cTn id="16" dur="1" fill="hold">
                                           <p:stCondLst>
                                             <p:cond delay="0"/>
                                           </p:stCondLst>
@@ -5667,7 +6010,7 @@
                                         <p:tgtEl>
                                           <p:spTgt spid="2">
                                             <p:txEl>
-                                              <p:pRg st="7" end="7"/>
+                                              <p:pRg st="6" end="6"/>
                                             </p:txEl>
                                           </p:spTgt>
                                         </p:tgtEl>
@@ -5682,8 +6025,26 @@
                                   </p:childTnLst>
                                 </p:cTn>
                               </p:par>
+                            </p:childTnLst>
+                          </p:cTn>
+                        </p:par>
+                      </p:childTnLst>
+                    </p:cTn>
+                  </p:par>
+                  <p:par>
+                    <p:cTn id="17" fill="hold">
+                      <p:stCondLst>
+                        <p:cond delay="indefinite"/>
+                      </p:stCondLst>
+                      <p:childTnLst>
+                        <p:par>
+                          <p:cTn id="18" fill="hold">
+                            <p:stCondLst>
+                              <p:cond delay="0"/>
+                            </p:stCondLst>
+                            <p:childTnLst>
                               <p:par>
-                                <p:cTn id="19" presetID="1" presetClass="entr" presetSubtype="0" fill="hold" nodeType="withEffect">
+                                <p:cTn id="19" presetID="1" presetClass="entr" presetSubtype="0" fill="hold" nodeType="clickEffect">
                                   <p:stCondLst>
                                     <p:cond delay="0"/>
                                   </p:stCondLst>
@@ -5804,10 +6165,16 @@
           <a:lstStyle/>
           <a:p>
             <a:r>
-              <a:rPr lang="zh-TW" altLang="en-US" dirty="0" smtClean="0"/>
+              <a:rPr lang="zh-TW" altLang="en-US" dirty="0" smtClean="0">
+                <a:latin typeface="微軟正黑體" pitchFamily="34" charset="-120"/>
+                <a:ea typeface="微軟正黑體" pitchFamily="34" charset="-120"/>
+              </a:rPr>
               <a:t>我的策略</a:t>
             </a:r>
-            <a:endParaRPr lang="zh-TW" altLang="en-US" dirty="0"/>
+            <a:endParaRPr lang="zh-TW" altLang="en-US" dirty="0">
+              <a:latin typeface="微軟正黑體" pitchFamily="34" charset="-120"/>
+              <a:ea typeface="微軟正黑體" pitchFamily="34" charset="-120"/>
+            </a:endParaRPr>
           </a:p>
         </p:txBody>
       </p:sp>
@@ -5829,7 +6196,7 @@
         </p:spPr>
         <p:txBody>
           <a:bodyPr>
-            <a:normAutofit fontScale="85000" lnSpcReduction="20000"/>
+            <a:normAutofit fontScale="77500" lnSpcReduction="20000"/>
           </a:bodyPr>
           <a:lstStyle/>
           <a:p>
@@ -5837,139 +6204,294 @@
               <a:buNone/>
             </a:pPr>
             <a:r>
+              <a:rPr lang="zh-TW" altLang="en-US" dirty="0" smtClean="0">
+                <a:latin typeface="微軟正黑體" pitchFamily="34" charset="-120"/>
+                <a:ea typeface="微軟正黑體" pitchFamily="34" charset="-120"/>
+              </a:rPr>
+              <a:t>在時間有限，人又沒有經驗的情況下：</a:t>
+            </a:r>
+            <a:endParaRPr lang="en-US" altLang="zh-TW" dirty="0" smtClean="0">
+              <a:latin typeface="微軟正黑體" pitchFamily="34" charset="-120"/>
+              <a:ea typeface="微軟正黑體" pitchFamily="34" charset="-120"/>
+            </a:endParaRPr>
+          </a:p>
+          <a:p>
+            <a:pPr marL="0" indent="0">
+              <a:buNone/>
+            </a:pPr>
+            <a:endParaRPr lang="en-US" altLang="zh-TW" dirty="0" smtClean="0"/>
+          </a:p>
+          <a:p>
+            <a:r>
+              <a:rPr lang="zh-TW" altLang="en-US" dirty="0" smtClean="0">
+                <a:latin typeface="微軟正黑體" pitchFamily="34" charset="-120"/>
+                <a:ea typeface="微軟正黑體" pitchFamily="34" charset="-120"/>
+              </a:rPr>
+              <a:t>把環境</a:t>
+            </a:r>
+            <a:r>
+              <a:rPr lang="en-US" altLang="zh-TW" dirty="0" smtClean="0">
+                <a:latin typeface="微軟正黑體" pitchFamily="34" charset="-120"/>
+                <a:ea typeface="微軟正黑體" pitchFamily="34" charset="-120"/>
+              </a:rPr>
+              <a:t> </a:t>
+            </a:r>
+            <a:r>
+              <a:rPr lang="en-US" altLang="zh-TW" dirty="0" err="1" smtClean="0"/>
+              <a:t>Git</a:t>
+            </a:r>
+            <a:r>
+              <a:rPr lang="en-US" altLang="zh-TW" dirty="0" smtClean="0"/>
+              <a:t> Branch </a:t>
+            </a:r>
+            <a:r>
+              <a:rPr lang="zh-TW" altLang="en-US" dirty="0" smtClean="0">
+                <a:latin typeface="微軟正黑體" pitchFamily="34" charset="-120"/>
+                <a:ea typeface="微軟正黑體" pitchFamily="34" charset="-120"/>
+              </a:rPr>
+              <a:t>掉</a:t>
+            </a:r>
+            <a:endParaRPr lang="en-US" altLang="zh-TW" dirty="0" smtClean="0">
+              <a:latin typeface="微軟正黑體" pitchFamily="34" charset="-120"/>
+              <a:ea typeface="微軟正黑體" pitchFamily="34" charset="-120"/>
+            </a:endParaRPr>
+          </a:p>
+          <a:p>
+            <a:pPr marL="0" indent="0">
+              <a:buNone/>
+            </a:pPr>
+            <a:endParaRPr lang="en-US" altLang="zh-TW" dirty="0" smtClean="0"/>
+          </a:p>
+          <a:p>
+            <a:r>
+              <a:rPr lang="zh-TW" altLang="en-US" dirty="0" smtClean="0">
+                <a:latin typeface="微軟正黑體" pitchFamily="34" charset="-120"/>
+                <a:ea typeface="微軟正黑體" pitchFamily="34" charset="-120"/>
+              </a:rPr>
+              <a:t>寫一個小工具</a:t>
+            </a:r>
+            <a:r>
+              <a:rPr lang="en-US" altLang="zh-TW" dirty="0" smtClean="0"/>
+              <a:t>(</a:t>
+            </a:r>
+            <a:r>
+              <a:rPr lang="en-US" altLang="zh-TW" dirty="0" err="1" smtClean="0"/>
+              <a:t>blackbox</a:t>
+            </a:r>
+            <a:r>
+              <a:rPr lang="en-US" altLang="zh-TW" dirty="0" smtClean="0"/>
+              <a:t>)</a:t>
+            </a:r>
+            <a:endParaRPr lang="en-US" altLang="zh-TW" dirty="0"/>
+          </a:p>
+          <a:p>
+            <a:pPr lvl="1"/>
+            <a:r>
+              <a:rPr lang="zh-TW" altLang="en-US" dirty="0">
+                <a:latin typeface="微軟正黑體" pitchFamily="34" charset="-120"/>
+                <a:ea typeface="微軟正黑體" pitchFamily="34" charset="-120"/>
+              </a:rPr>
+              <a:t>以</a:t>
+            </a:r>
+            <a:r>
+              <a:rPr lang="en-US" altLang="zh-TW" dirty="0">
+                <a:latin typeface="微軟正黑體" pitchFamily="34" charset="-120"/>
+                <a:ea typeface="微軟正黑體" pitchFamily="34" charset="-120"/>
+              </a:rPr>
+              <a:t>thread Local</a:t>
+            </a:r>
+            <a:r>
+              <a:rPr lang="zh-TW" altLang="en-US" dirty="0">
+                <a:latin typeface="微軟正黑體" pitchFamily="34" charset="-120"/>
+                <a:ea typeface="微軟正黑體" pitchFamily="34" charset="-120"/>
+              </a:rPr>
+              <a:t>為</a:t>
+            </a:r>
+            <a:r>
+              <a:rPr lang="en-US" altLang="zh-TW" dirty="0" smtClean="0"/>
+              <a:t>context</a:t>
+            </a:r>
+            <a:r>
               <a:rPr lang="zh-TW" altLang="en-US" dirty="0" smtClean="0"/>
-              <a:t>在時間有限，人又沒有經驗的情況下：</a:t>
-            </a:r>
-            <a:endParaRPr lang="en-US" altLang="zh-TW" dirty="0" smtClean="0"/>
-          </a:p>
-          <a:p>
-            <a:pPr marL="0" indent="0">
-              <a:buNone/>
-            </a:pPr>
-            <a:endParaRPr lang="en-US" altLang="zh-TW" dirty="0" smtClean="0"/>
-          </a:p>
-          <a:p>
-            <a:r>
-              <a:rPr lang="zh-TW" altLang="en-US" dirty="0" smtClean="0"/>
-              <a:t>把環境</a:t>
+              <a:t>，</a:t>
+            </a:r>
+            <a:r>
+              <a:rPr lang="zh-TW" altLang="en-US" dirty="0">
+                <a:latin typeface="微軟正黑體" pitchFamily="34" charset="-120"/>
+                <a:ea typeface="微軟正黑體" pitchFamily="34" charset="-120"/>
+              </a:rPr>
+              <a:t>儲存</a:t>
+            </a:r>
+            <a:r>
+              <a:rPr lang="en-US" altLang="zh-TW" dirty="0">
+                <a:latin typeface="微軟正黑體" pitchFamily="34" charset="-120"/>
+                <a:ea typeface="微軟正黑體" pitchFamily="34" charset="-120"/>
+              </a:rPr>
+              <a:t>trace</a:t>
+            </a:r>
+            <a:r>
+              <a:rPr lang="zh-TW" altLang="en-US" dirty="0" smtClean="0">
+                <a:latin typeface="微軟正黑體" pitchFamily="34" charset="-120"/>
+                <a:ea typeface="微軟正黑體" pitchFamily="34" charset="-120"/>
+              </a:rPr>
+              <a:t>堆疊。</a:t>
+            </a:r>
+            <a:endParaRPr lang="en-US" altLang="zh-TW" dirty="0" smtClean="0">
+              <a:latin typeface="微軟正黑體" pitchFamily="34" charset="-120"/>
+              <a:ea typeface="微軟正黑體" pitchFamily="34" charset="-120"/>
+            </a:endParaRPr>
+          </a:p>
+          <a:p>
+            <a:pPr lvl="1"/>
+            <a:r>
+              <a:rPr lang="zh-TW" altLang="en-US" dirty="0" smtClean="0">
+                <a:latin typeface="微軟正黑體" pitchFamily="34" charset="-120"/>
+                <a:ea typeface="微軟正黑體" pitchFamily="34" charset="-120"/>
+              </a:rPr>
+              <a:t>每</a:t>
+            </a:r>
+            <a:r>
+              <a:rPr lang="en-US" altLang="zh-TW" dirty="0" smtClean="0">
+                <a:latin typeface="微軟正黑體" pitchFamily="34" charset="-120"/>
+                <a:ea typeface="微軟正黑體" pitchFamily="34" charset="-120"/>
+              </a:rPr>
+              <a:t>push</a:t>
+            </a:r>
+            <a:r>
+              <a:rPr lang="zh-TW" altLang="en-US" dirty="0" smtClean="0">
+                <a:latin typeface="微軟正黑體" pitchFamily="34" charset="-120"/>
+                <a:ea typeface="微軟正黑體" pitchFamily="34" charset="-120"/>
+              </a:rPr>
+              <a:t>一次，就是堆疊上加一層新的</a:t>
+            </a:r>
+            <a:r>
+              <a:rPr lang="en-US" altLang="zh-TW" dirty="0" smtClean="0">
+                <a:latin typeface="微軟正黑體" pitchFamily="34" charset="-120"/>
+                <a:ea typeface="微軟正黑體" pitchFamily="34" charset="-120"/>
+              </a:rPr>
+              <a:t>trace</a:t>
+            </a:r>
+            <a:r>
+              <a:rPr lang="zh-TW" altLang="en-US" dirty="0" smtClean="0">
+                <a:latin typeface="微軟正黑體" pitchFamily="34" charset="-120"/>
+                <a:ea typeface="微軟正黑體" pitchFamily="34" charset="-120"/>
+              </a:rPr>
+              <a:t>。</a:t>
+            </a:r>
+            <a:endParaRPr lang="en-US" altLang="zh-TW" dirty="0">
+              <a:latin typeface="微軟正黑體" pitchFamily="34" charset="-120"/>
+              <a:ea typeface="微軟正黑體" pitchFamily="34" charset="-120"/>
+            </a:endParaRPr>
+          </a:p>
+          <a:p>
+            <a:pPr lvl="1"/>
+            <a:r>
+              <a:rPr lang="zh-TW" altLang="en-US" dirty="0" smtClean="0">
+                <a:latin typeface="微軟正黑體" pitchFamily="34" charset="-120"/>
+                <a:ea typeface="微軟正黑體" pitchFamily="34" charset="-120"/>
+              </a:rPr>
+              <a:t>當堆疊</a:t>
+            </a:r>
+            <a:r>
+              <a:rPr lang="en-US" altLang="zh-TW" dirty="0" smtClean="0">
+                <a:latin typeface="微軟正黑體" pitchFamily="34" charset="-120"/>
+                <a:ea typeface="微軟正黑體" pitchFamily="34" charset="-120"/>
+              </a:rPr>
+              <a:t>pop</a:t>
+            </a:r>
+            <a:r>
+              <a:rPr lang="zh-TW" altLang="en-US" dirty="0" smtClean="0">
+                <a:latin typeface="微軟正黑體" pitchFamily="34" charset="-120"/>
+                <a:ea typeface="微軟正黑體" pitchFamily="34" charset="-120"/>
+              </a:rPr>
+              <a:t>到空</a:t>
+            </a:r>
+            <a:r>
+              <a:rPr lang="zh-TW" altLang="en-US" dirty="0">
+                <a:latin typeface="微軟正黑體" pitchFamily="34" charset="-120"/>
+                <a:ea typeface="微軟正黑體" pitchFamily="34" charset="-120"/>
+              </a:rPr>
+              <a:t>掉</a:t>
+            </a:r>
+            <a:r>
+              <a:rPr lang="zh-TW" altLang="en-US" dirty="0" smtClean="0">
+                <a:latin typeface="微軟正黑體" pitchFamily="34" charset="-120"/>
+                <a:ea typeface="微軟正黑體" pitchFamily="34" charset="-120"/>
+              </a:rPr>
+              <a:t>時，就是一個</a:t>
+            </a:r>
+            <a:r>
+              <a:rPr lang="en-US" altLang="zh-TW" dirty="0" smtClean="0">
+                <a:latin typeface="微軟正黑體" pitchFamily="34" charset="-120"/>
+                <a:ea typeface="微軟正黑體" pitchFamily="34" charset="-120"/>
+              </a:rPr>
+              <a:t>task</a:t>
+            </a:r>
+            <a:r>
+              <a:rPr lang="zh-TW" altLang="en-US" dirty="0" smtClean="0">
+                <a:latin typeface="微軟正黑體" pitchFamily="34" charset="-120"/>
+                <a:ea typeface="微軟正黑體" pitchFamily="34" charset="-120"/>
+              </a:rPr>
+              <a:t>結束。</a:t>
+            </a:r>
+            <a:endParaRPr lang="en-US" altLang="zh-TW" dirty="0" smtClean="0">
+              <a:latin typeface="微軟正黑體" pitchFamily="34" charset="-120"/>
+              <a:ea typeface="微軟正黑體" pitchFamily="34" charset="-120"/>
+            </a:endParaRPr>
+          </a:p>
+          <a:p>
+            <a:pPr lvl="1"/>
+            <a:r>
+              <a:rPr lang="zh-TW" altLang="en-US" dirty="0" smtClean="0">
+                <a:latin typeface="微軟正黑體" pitchFamily="34" charset="-120"/>
+                <a:ea typeface="微軟正黑體" pitchFamily="34" charset="-120"/>
+              </a:rPr>
+              <a:t>運用</a:t>
             </a:r>
             <a:r>
               <a:rPr lang="en-US" altLang="zh-TW" dirty="0" smtClean="0"/>
               <a:t> </a:t>
             </a:r>
             <a:r>
-              <a:rPr lang="en-US" altLang="zh-TW" dirty="0" err="1" smtClean="0"/>
-              <a:t>Git</a:t>
-            </a:r>
-            <a:r>
-              <a:rPr lang="en-US" altLang="zh-TW" dirty="0" smtClean="0"/>
-              <a:t> Branch </a:t>
-            </a:r>
-            <a:r>
-              <a:rPr lang="zh-TW" altLang="en-US" dirty="0" smtClean="0"/>
-              <a:t>掉</a:t>
-            </a:r>
-            <a:endParaRPr lang="en-US" altLang="zh-TW" dirty="0" smtClean="0"/>
-          </a:p>
-          <a:p>
-            <a:pPr marL="0" indent="0">
-              <a:buNone/>
-            </a:pPr>
-            <a:endParaRPr lang="en-US" altLang="zh-TW" dirty="0" smtClean="0"/>
-          </a:p>
-          <a:p>
-            <a:r>
-              <a:rPr lang="zh-TW" altLang="en-US" dirty="0" smtClean="0"/>
-              <a:t>寫一個小工具</a:t>
-            </a:r>
-            <a:r>
-              <a:rPr lang="en-US" altLang="zh-TW" dirty="0" smtClean="0"/>
-              <a:t>(</a:t>
-            </a:r>
-            <a:r>
-              <a:rPr lang="en-US" altLang="zh-TW" dirty="0" err="1" smtClean="0"/>
-              <a:t>blackbox</a:t>
-            </a:r>
-            <a:r>
-              <a:rPr lang="en-US" altLang="zh-TW" dirty="0" smtClean="0"/>
-              <a:t>)</a:t>
-            </a:r>
-            <a:endParaRPr lang="en-US" altLang="zh-TW" dirty="0"/>
-          </a:p>
-          <a:p>
-            <a:pPr lvl="1"/>
-            <a:r>
-              <a:rPr lang="zh-TW" altLang="en-US" dirty="0"/>
-              <a:t>以</a:t>
-            </a:r>
-            <a:r>
-              <a:rPr lang="en-US" altLang="zh-TW" dirty="0"/>
-              <a:t>thread Local</a:t>
-            </a:r>
-            <a:r>
-              <a:rPr lang="zh-TW" altLang="en-US" dirty="0"/>
-              <a:t>為</a:t>
-            </a:r>
-            <a:r>
-              <a:rPr lang="en-US" altLang="zh-TW" dirty="0"/>
-              <a:t>context</a:t>
-            </a:r>
-          </a:p>
-          <a:p>
-            <a:pPr lvl="1"/>
-            <a:r>
-              <a:rPr lang="zh-TW" altLang="en-US" dirty="0"/>
-              <a:t>介面皆是</a:t>
-            </a:r>
-            <a:r>
-              <a:rPr lang="en-US" altLang="zh-TW" dirty="0"/>
-              <a:t>static method </a:t>
-            </a:r>
-            <a:endParaRPr lang="en-US" altLang="zh-TW" dirty="0" smtClean="0"/>
-          </a:p>
-          <a:p>
-            <a:pPr lvl="1"/>
-            <a:r>
-              <a:rPr lang="zh-TW" altLang="en-US" dirty="0" smtClean="0"/>
-              <a:t>運用</a:t>
-            </a:r>
-            <a:r>
-              <a:rPr lang="en-US" altLang="zh-TW" dirty="0"/>
-              <a:t> </a:t>
-            </a:r>
-            <a:r>
-              <a:rPr lang="en-US" altLang="zh-TW" sz="1600" i="1" dirty="0" err="1">
+              <a:rPr lang="en-US" altLang="zh-TW" sz="1600" i="1" dirty="0" err="1" smtClean="0">
                 <a:latin typeface="KaiTi" pitchFamily="49" charset="-122"/>
                 <a:ea typeface="KaiTi" pitchFamily="49" charset="-122"/>
               </a:rPr>
               <a:t>Thread.currentThread</a:t>
-            </a:r>
-            <a:r>
-              <a:rPr lang="en-US" altLang="zh-TW" sz="1600" i="1" dirty="0">
-                <a:latin typeface="KaiTi" pitchFamily="49" charset="-122"/>
-                <a:ea typeface="KaiTi" pitchFamily="49" charset="-122"/>
-              </a:rPr>
-              <a:t>().</a:t>
-            </a:r>
-            <a:r>
-              <a:rPr lang="en-US" altLang="zh-TW" sz="1600" i="1" dirty="0" err="1">
-                <a:latin typeface="KaiTi" pitchFamily="49" charset="-122"/>
-                <a:ea typeface="KaiTi" pitchFamily="49" charset="-122"/>
-              </a:rPr>
-              <a:t>getStackTrace</a:t>
             </a:r>
             <a:r>
               <a:rPr lang="en-US" altLang="zh-TW" sz="1600" i="1" dirty="0" smtClean="0">
                 <a:latin typeface="KaiTi" pitchFamily="49" charset="-122"/>
                 <a:ea typeface="KaiTi" pitchFamily="49" charset="-122"/>
               </a:rPr>
+              <a:t>().</a:t>
+            </a:r>
+            <a:r>
+              <a:rPr lang="en-US" altLang="zh-TW" sz="1600" i="1" dirty="0" err="1" smtClean="0">
+                <a:latin typeface="KaiTi" pitchFamily="49" charset="-122"/>
+                <a:ea typeface="KaiTi" pitchFamily="49" charset="-122"/>
+              </a:rPr>
+              <a:t>getStackTrace</a:t>
+            </a:r>
+            <a:r>
+              <a:rPr lang="en-US" altLang="zh-TW" sz="1600" i="1" dirty="0" smtClean="0">
+                <a:latin typeface="KaiTi" pitchFamily="49" charset="-122"/>
+                <a:ea typeface="KaiTi" pitchFamily="49" charset="-122"/>
+              </a:rPr>
               <a:t>()</a:t>
             </a:r>
             <a:r>
               <a:rPr lang="zh-TW" altLang="en-US" dirty="0" smtClean="0">
+                <a:latin typeface="微軟正黑體" pitchFamily="34" charset="-120"/>
+                <a:ea typeface="微軟正黑體" pitchFamily="34" charset="-120"/>
+              </a:rPr>
+              <a:t>取得資訊</a:t>
+            </a:r>
+            <a:r>
+              <a:rPr lang="zh-TW" altLang="en-US" dirty="0" smtClean="0">
                 <a:latin typeface="+mn-ea"/>
               </a:rPr>
-              <a:t>取得資訊。</a:t>
+              <a:t>。</a:t>
             </a:r>
             <a:endParaRPr lang="en-US" altLang="zh-TW" dirty="0" smtClean="0">
               <a:latin typeface="+mn-ea"/>
@@ -5981,30 +6503,51 @@
           </a:p>
           <a:p>
             <a:r>
-              <a:rPr lang="zh-TW" altLang="en-US" dirty="0" smtClean="0"/>
+              <a:rPr lang="zh-TW" altLang="en-US" dirty="0" smtClean="0">
+                <a:latin typeface="微軟正黑體" pitchFamily="34" charset="-120"/>
+                <a:ea typeface="微軟正黑體" pitchFamily="34" charset="-120"/>
+              </a:rPr>
               <a:t>在客戶的程式碼中插入</a:t>
             </a:r>
             <a:r>
-              <a:rPr lang="zh-TW" altLang="en-US" dirty="0"/>
+              <a:rPr lang="zh-TW" altLang="en-US" dirty="0">
+                <a:latin typeface="微軟正黑體" pitchFamily="34" charset="-120"/>
+                <a:ea typeface="微軟正黑體" pitchFamily="34" charset="-120"/>
+              </a:rPr>
               <a:t>偵測</a:t>
             </a:r>
             <a:r>
-              <a:rPr lang="zh-TW" altLang="en-US" dirty="0" smtClean="0"/>
+              <a:rPr lang="zh-TW" altLang="en-US" dirty="0" smtClean="0">
+                <a:latin typeface="微軟正黑體" pitchFamily="34" charset="-120"/>
+                <a:ea typeface="微軟正黑體" pitchFamily="34" charset="-120"/>
+              </a:rPr>
               <a:t>程式碼，二分逼近下去，看哪些地方有</a:t>
             </a:r>
             <a:r>
-              <a:rPr lang="zh-TW" altLang="en-US" dirty="0"/>
+              <a:rPr lang="zh-TW" altLang="en-US" dirty="0">
+                <a:latin typeface="微軟正黑體" pitchFamily="34" charset="-120"/>
+                <a:ea typeface="微軟正黑體" pitchFamily="34" charset="-120"/>
+              </a:rPr>
               <a:t>效能</a:t>
             </a:r>
             <a:r>
-              <a:rPr lang="zh-TW" altLang="en-US" dirty="0" smtClean="0"/>
+              <a:rPr lang="zh-TW" altLang="en-US" dirty="0" smtClean="0">
+                <a:latin typeface="微軟正黑體" pitchFamily="34" charset="-120"/>
+                <a:ea typeface="微軟正黑體" pitchFamily="34" charset="-120"/>
+              </a:rPr>
               <a:t>問題。</a:t>
             </a:r>
-            <a:endParaRPr lang="en-US" altLang="zh-TW" dirty="0" smtClean="0"/>
+            <a:endParaRPr lang="en-US" altLang="zh-TW" dirty="0" smtClean="0">
+              <a:latin typeface="微軟正黑體" pitchFamily="34" charset="-120"/>
+              <a:ea typeface="微軟正黑體" pitchFamily="34" charset="-120"/>
+            </a:endParaRPr>
           </a:p>
           <a:p>
             <a:pPr lvl="1"/>
-            <a:endParaRPr lang="zh-TW" altLang="en-US" dirty="0"/>
+            <a:endParaRPr lang="zh-TW" altLang="en-US" dirty="0">
+              <a:latin typeface="微軟正黑體" pitchFamily="34" charset="-120"/>
+              <a:ea typeface="微軟正黑體" pitchFamily="34" charset="-120"/>
+            </a:endParaRPr>
           </a:p>
         </p:txBody>
       </p:sp>
@@ -6211,6 +6754,37 @@
                                   </p:childTnLst>
                                 </p:cTn>
                               </p:par>
+                              <p:par>
+                                <p:cTn id="17" presetID="1" presetClass="entr" presetSubtype="0" fill="hold" nodeType="withEffect">
+                                  <p:stCondLst>
+                                    <p:cond delay="0"/>
+                                  </p:stCondLst>
+                                  <p:childTnLst>
+                                    <p:set>
+                                      <p:cBhvr>
+                                        <p:cTn id="18" dur="1" fill="hold">
+                                          <p:stCondLst>
+                                            <p:cond delay="0"/>
+                                          </p:stCondLst>
+                                        </p:cTn>
+                                        <p:tgtEl>
+                                          <p:spTgt spid="5">
+                                            <p:txEl>
+                                              <p:pRg st="8" end="8"/>
+                                            </p:txEl>
+                                          </p:spTgt>
+                                        </p:tgtEl>
+                                        <p:attrNameLst>
+                                          <p:attrName>style.visibility</p:attrName>
+                                        </p:attrNameLst>
+                                      </p:cBhvr>
+                                      <p:to>
+                                        <p:strVal val="visible"/>
+                                      </p:to>
+                                    </p:set>
+                                  </p:childTnLst>
+                                </p:cTn>
+                              </p:par>
                             </p:childTnLst>
                           </p:cTn>
                         </p:par>
@@ -6218,26 +6792,26 @@
                     </p:cTn>
                   </p:par>
                   <p:par>
-                    <p:cTn id="17" fill="hold">
+                    <p:cTn id="19" fill="hold">
                       <p:stCondLst>
                         <p:cond delay="indefinite"/>
                       </p:stCondLst>
                       <p:childTnLst>
                         <p:par>
-                          <p:cTn id="18" fill="hold">
+                          <p:cTn id="20" fill="hold">
                             <p:stCondLst>
                               <p:cond delay="0"/>
                             </p:stCondLst>
                             <p:childTnLst>
                               <p:par>
-                                <p:cTn id="19" presetID="1" presetClass="entr" presetSubtype="0" fill="hold" nodeType="clickEffect">
+                                <p:cTn id="21" presetID="1" presetClass="entr" presetSubtype="0" fill="hold" nodeType="clickEffect">
                                   <p:stCondLst>
                                     <p:cond delay="0"/>
                                   </p:stCondLst>
                                   <p:childTnLst>
                                     <p:set>
                                       <p:cBhvr>
-                                        <p:cTn id="20" dur="1" fill="hold">
+                                        <p:cTn id="22" dur="1" fill="hold">
                                           <p:stCondLst>
                                             <p:cond delay="0"/>
                                           </p:stCondLst>
@@ -6245,7 +6819,7 @@
                                         <p:tgtEl>
                                           <p:spTgt spid="5">
                                             <p:txEl>
-                                              <p:pRg st="9" end="9"/>
+                                              <p:pRg st="10" end="10"/>
                                             </p:txEl>
                                           </p:spTgt>
                                         </p:tgtEl>
@@ -6292,6 +6866,200 @@
 </file>
 
 <file path=ppt/slides/slide17.xml><?xml version="1.0" encoding="utf-8"?>
+<p:sld xmlns:a="http://schemas.openxmlformats.org/drawingml/2006/main" xmlns:r="http://schemas.openxmlformats.org/officeDocument/2006/relationships" xmlns:p="http://schemas.openxmlformats.org/presentationml/2006/main">
+  <p:cSld>
+    <p:spTree>
+      <p:nvGrpSpPr>
+        <p:cNvPr id="1" name=""/>
+        <p:cNvGrpSpPr/>
+        <p:nvPr/>
+      </p:nvGrpSpPr>
+      <p:grpSpPr>
+        <a:xfrm>
+          <a:off x="0" y="0"/>
+          <a:ext cx="0" cy="0"/>
+          <a:chOff x="0" y="0"/>
+          <a:chExt cx="0" cy="0"/>
+        </a:xfrm>
+      </p:grpSpPr>
+      <p:pic>
+        <p:nvPicPr>
+          <p:cNvPr id="8194" name="Picture 2"/>
+          <p:cNvPicPr>
+            <a:picLocks noChangeAspect="1" noChangeArrowheads="1"/>
+          </p:cNvPicPr>
+          <p:nvPr/>
+        </p:nvPicPr>
+        <p:blipFill>
+          <a:blip r:embed="rId2">
+            <a:extLst>
+              <a:ext uri="{28A0092B-C50C-407E-A947-70E740481C1C}">
+                <a14:useLocalDpi xmlns:a14="http://schemas.microsoft.com/office/drawing/2010/main" val="0"/>
+              </a:ext>
+            </a:extLst>
+          </a:blip>
+          <a:srcRect/>
+          <a:stretch>
+            <a:fillRect/>
+          </a:stretch>
+        </p:blipFill>
+        <p:spPr bwMode="auto">
+          <a:xfrm>
+            <a:off x="683568" y="2638152"/>
+            <a:ext cx="5348287" cy="2159000"/>
+          </a:xfrm>
+          <a:prstGeom prst="rect">
+            <a:avLst/>
+          </a:prstGeom>
+          <a:noFill/>
+          <a:ln>
+            <a:noFill/>
+          </a:ln>
+          <a:extLst>
+            <a:ext uri="{909E8E84-426E-40DD-AFC4-6F175D3DCCD1}">
+              <a14:hiddenFill xmlns:a14="http://schemas.microsoft.com/office/drawing/2010/main">
+                <a:solidFill>
+                  <a:schemeClr val="accent1"/>
+                </a:solidFill>
+              </a14:hiddenFill>
+            </a:ext>
+            <a:ext uri="{91240B29-F687-4F45-9708-019B960494DF}">
+              <a14:hiddenLine xmlns:a14="http://schemas.microsoft.com/office/drawing/2010/main" w="9525">
+                <a:solidFill>
+                  <a:schemeClr val="tx1"/>
+                </a:solidFill>
+                <a:miter lim="800000"/>
+                <a:headEnd/>
+                <a:tailEnd/>
+              </a14:hiddenLine>
+            </a:ext>
+          </a:extLst>
+        </p:spPr>
+      </p:pic>
+      <p:sp>
+        <p:nvSpPr>
+          <p:cNvPr id="4" name="標題 3"/>
+          <p:cNvSpPr>
+            <a:spLocks noGrp="1"/>
+          </p:cNvSpPr>
+          <p:nvPr>
+            <p:ph type="title"/>
+          </p:nvPr>
+        </p:nvSpPr>
+        <p:spPr/>
+        <p:txBody>
+          <a:bodyPr/>
+          <a:lstStyle/>
+          <a:p>
+            <a:r>
+              <a:rPr lang="en-US" altLang="zh-TW" dirty="0" err="1" smtClean="0"/>
+              <a:t>Blackbox</a:t>
+            </a:r>
+            <a:r>
+              <a:rPr lang="en-US" altLang="zh-TW" dirty="0" smtClean="0"/>
+              <a:t>(1)</a:t>
+            </a:r>
+            <a:endParaRPr lang="zh-TW" altLang="en-US" dirty="0"/>
+          </a:p>
+        </p:txBody>
+      </p:sp>
+      <p:sp>
+        <p:nvSpPr>
+          <p:cNvPr id="5" name="內容版面配置區 4"/>
+          <p:cNvSpPr>
+            <a:spLocks noGrp="1"/>
+          </p:cNvSpPr>
+          <p:nvPr>
+            <p:ph idx="1"/>
+          </p:nvPr>
+        </p:nvSpPr>
+        <p:spPr>
+          <a:xfrm>
+            <a:off x="179512" y="1556792"/>
+            <a:ext cx="7992888" cy="4525963"/>
+          </a:xfrm>
+        </p:spPr>
+        <p:txBody>
+          <a:bodyPr>
+            <a:normAutofit/>
+          </a:bodyPr>
+          <a:lstStyle/>
+          <a:p>
+            <a:pPr marL="0" indent="0">
+              <a:buNone/>
+            </a:pPr>
+            <a:r>
+              <a:rPr lang="zh-TW" altLang="en-US" dirty="0" smtClean="0">
+                <a:latin typeface="微軟正黑體" pitchFamily="34" charset="-120"/>
+                <a:ea typeface="微軟正黑體" pitchFamily="34" charset="-120"/>
+              </a:rPr>
+              <a:t>開始在程式碼中插入這樣的偵測程式碼</a:t>
+            </a:r>
+            <a:r>
+              <a:rPr lang="zh-TW" altLang="en-US" dirty="0" smtClean="0"/>
+              <a:t>：</a:t>
+            </a:r>
+            <a:endParaRPr lang="en-US" altLang="zh-TW" dirty="0" smtClean="0"/>
+          </a:p>
+          <a:p>
+            <a:pPr marL="0" indent="0">
+              <a:buNone/>
+            </a:pPr>
+            <a:endParaRPr lang="en-US" altLang="zh-TW" dirty="0"/>
+          </a:p>
+          <a:p>
+            <a:pPr marL="0" indent="0">
+              <a:buNone/>
+            </a:pPr>
+            <a:endParaRPr lang="en-US" altLang="zh-TW" dirty="0" smtClean="0"/>
+          </a:p>
+          <a:p>
+            <a:pPr marL="0" indent="0">
+              <a:buNone/>
+            </a:pPr>
+            <a:endParaRPr lang="en-US" altLang="zh-TW" dirty="0"/>
+          </a:p>
+          <a:p>
+            <a:pPr marL="0" indent="0">
+              <a:buNone/>
+            </a:pPr>
+            <a:endParaRPr lang="en-US" altLang="zh-TW" dirty="0"/>
+          </a:p>
+          <a:p>
+            <a:pPr marL="0" indent="0">
+              <a:buNone/>
+            </a:pPr>
+            <a:endParaRPr lang="en-US" altLang="zh-TW" dirty="0" smtClean="0"/>
+          </a:p>
+          <a:p>
+            <a:pPr marL="0" indent="0">
+              <a:buNone/>
+            </a:pPr>
+            <a:endParaRPr lang="en-US" altLang="zh-TW" dirty="0" smtClean="0"/>
+          </a:p>
+        </p:txBody>
+      </p:sp>
+    </p:spTree>
+    <p:extLst>
+      <p:ext uri="{BB962C8B-B14F-4D97-AF65-F5344CB8AC3E}">
+        <p14:creationId xmlns:p14="http://schemas.microsoft.com/office/powerpoint/2010/main" val="2127862923"/>
+      </p:ext>
+    </p:extLst>
+  </p:cSld>
+  <p:clrMapOvr>
+    <a:masterClrMapping/>
+  </p:clrMapOvr>
+  <p:timing>
+    <p:tnLst>
+      <p:par>
+        <p:cTn id="1" dur="indefinite" restart="never" nodeType="tmRoot"/>
+      </p:par>
+    </p:tnLst>
+  </p:timing>
+</p:sld>
+</file>
+
+<file path=ppt/slides/slide18.xml><?xml version="1.0" encoding="utf-8"?>
 <p:sld xmlns:a="http://schemas.openxmlformats.org/drawingml/2006/main" xmlns:r="http://schemas.openxmlformats.org/officeDocument/2006/relationships" xmlns:p="http://schemas.openxmlformats.org/presentationml/2006/main">
   <p:cSld>
     <p:spTree>
@@ -6383,7 +7151,7 @@
             </a:r>
             <a:r>
               <a:rPr lang="en-US" altLang="zh-TW" dirty="0" smtClean="0"/>
-              <a:t>(1)</a:t>
+              <a:t>(2)</a:t>
             </a:r>
             <a:endParaRPr lang="zh-TW" altLang="en-US" dirty="0"/>
           </a:p>
@@ -6415,12 +7183,33 @@
               <a:buNone/>
             </a:pPr>
             <a:r>
-              <a:rPr lang="en-US" altLang="zh-TW" dirty="0" err="1" smtClean="0"/>
-              <a:t>BlackboxFilter</a:t>
+              <a:rPr lang="zh-TW" altLang="en-US" dirty="0" smtClean="0">
+                <a:latin typeface="微軟正黑體" pitchFamily="34" charset="-120"/>
+                <a:ea typeface="微軟正黑體" pitchFamily="34" charset="-120"/>
+              </a:rPr>
+              <a:t>在 </a:t>
+            </a:r>
+            <a:r>
+              <a:rPr lang="en-US" altLang="zh-TW" dirty="0" smtClean="0"/>
+              <a:t>Filter </a:t>
+            </a:r>
+            <a:r>
+              <a:rPr lang="zh-TW" altLang="en-US" dirty="0" smtClean="0">
+                <a:latin typeface="微軟正黑體" pitchFamily="34" charset="-120"/>
+                <a:ea typeface="微軟正黑體" pitchFamily="34" charset="-120"/>
+              </a:rPr>
+              <a:t>裡作</a:t>
+            </a:r>
+            <a:r>
+              <a:rPr lang="zh-TW" altLang="en-US" dirty="0" smtClean="0">
+                <a:latin typeface="微軟正黑體" pitchFamily="34" charset="-120"/>
+                <a:ea typeface="微軟正黑體" pitchFamily="34" charset="-120"/>
+              </a:rPr>
+              <a:t>這樣的事情</a:t>
             </a:r>
             <a:r>
               <a:rPr lang="zh-TW" altLang="en-US" dirty="0" smtClean="0"/>
-              <a:t>作這樣的事情：</a:t>
+              <a:t>：</a:t>
             </a:r>
             <a:endParaRPr lang="en-US" altLang="zh-TW" dirty="0" smtClean="0"/>
           </a:p>
@@ -6453,8 +7242,22 @@
               <a:buNone/>
             </a:pPr>
             <a:r>
+              <a:rPr lang="zh-TW" altLang="en-US" dirty="0" smtClean="0">
+                <a:latin typeface="微軟正黑體" pitchFamily="34" charset="-120"/>
+                <a:ea typeface="微軟正黑體" pitchFamily="34" charset="-120"/>
+              </a:rPr>
+              <a:t>輸出</a:t>
+            </a:r>
+            <a:r>
+              <a:rPr lang="zh-TW" altLang="en-US" dirty="0" smtClean="0">
+                <a:latin typeface="微軟正黑體" pitchFamily="34" charset="-120"/>
+                <a:ea typeface="微軟正黑體" pitchFamily="34" charset="-120"/>
+              </a:rPr>
+              <a:t>結果長這樣</a:t>
+            </a:r>
+            <a:r>
               <a:rPr lang="zh-TW" altLang="en-US" dirty="0" smtClean="0"/>
-              <a:t>簡單的測試，輸出結果長這樣：</a:t>
+              <a:t>：</a:t>
             </a:r>
             <a:endParaRPr lang="en-US" altLang="zh-TW" dirty="0" smtClean="0"/>
           </a:p>
@@ -6540,193 +7343,6 @@
 </p:sld>
 </file>
 
-<file path=ppt/slides/slide18.xml><?xml version="1.0" encoding="utf-8"?>
-<p:sld xmlns:a="http://schemas.openxmlformats.org/drawingml/2006/main" xmlns:r="http://schemas.openxmlformats.org/officeDocument/2006/relationships" xmlns:p="http://schemas.openxmlformats.org/presentationml/2006/main">
-  <p:cSld>
-    <p:spTree>
-      <p:nvGrpSpPr>
-        <p:cNvPr id="1" name=""/>
-        <p:cNvGrpSpPr/>
-        <p:nvPr/>
-      </p:nvGrpSpPr>
-      <p:grpSpPr>
-        <a:xfrm>
-          <a:off x="0" y="0"/>
-          <a:ext cx="0" cy="0"/>
-          <a:chOff x="0" y="0"/>
-          <a:chExt cx="0" cy="0"/>
-        </a:xfrm>
-      </p:grpSpPr>
-      <p:pic>
-        <p:nvPicPr>
-          <p:cNvPr id="8194" name="Picture 2"/>
-          <p:cNvPicPr>
-            <a:picLocks noChangeAspect="1" noChangeArrowheads="1"/>
-          </p:cNvPicPr>
-          <p:nvPr/>
-        </p:nvPicPr>
-        <p:blipFill>
-          <a:blip r:embed="rId2">
-            <a:extLst>
-              <a:ext uri="{28A0092B-C50C-407E-A947-70E740481C1C}">
-                <a14:useLocalDpi xmlns:a14="http://schemas.microsoft.com/office/drawing/2010/main" val="0"/>
-              </a:ext>
-            </a:extLst>
-          </a:blip>
-          <a:srcRect/>
-          <a:stretch>
-            <a:fillRect/>
-          </a:stretch>
-        </p:blipFill>
-        <p:spPr bwMode="auto">
-          <a:xfrm>
-            <a:off x="683568" y="2638152"/>
-            <a:ext cx="5348287" cy="2159000"/>
-          </a:xfrm>
-          <a:prstGeom prst="rect">
-            <a:avLst/>
-          </a:prstGeom>
-          <a:noFill/>
-          <a:ln>
-            <a:noFill/>
-          </a:ln>
-          <a:extLst>
-            <a:ext uri="{909E8E84-426E-40DD-AFC4-6F175D3DCCD1}">
-              <a14:hiddenFill xmlns:a14="http://schemas.microsoft.com/office/drawing/2010/main">
-                <a:solidFill>
-                  <a:schemeClr val="accent1"/>
-                </a:solidFill>
-              </a14:hiddenFill>
-            </a:ext>
-            <a:ext uri="{91240B29-F687-4F45-9708-019B960494DF}">
-              <a14:hiddenLine xmlns:a14="http://schemas.microsoft.com/office/drawing/2010/main" w="9525">
-                <a:solidFill>
-                  <a:schemeClr val="tx1"/>
-                </a:solidFill>
-                <a:miter lim="800000"/>
-                <a:headEnd/>
-                <a:tailEnd/>
-              </a14:hiddenLine>
-            </a:ext>
-          </a:extLst>
-        </p:spPr>
-      </p:pic>
-      <p:sp>
-        <p:nvSpPr>
-          <p:cNvPr id="4" name="標題 3"/>
-          <p:cNvSpPr>
-            <a:spLocks noGrp="1"/>
-          </p:cNvSpPr>
-          <p:nvPr>
-            <p:ph type="title"/>
-          </p:nvPr>
-        </p:nvSpPr>
-        <p:spPr/>
-        <p:txBody>
-          <a:bodyPr/>
-          <a:lstStyle/>
-          <a:p>
-            <a:r>
-              <a:rPr lang="en-US" altLang="zh-TW" dirty="0" err="1" smtClean="0"/>
-              <a:t>Blackbox</a:t>
-            </a:r>
-            <a:r>
-              <a:rPr lang="en-US" altLang="zh-TW" dirty="0" smtClean="0"/>
-              <a:t>(2)</a:t>
-            </a:r>
-            <a:endParaRPr lang="zh-TW" altLang="en-US" dirty="0"/>
-          </a:p>
-        </p:txBody>
-      </p:sp>
-      <p:sp>
-        <p:nvSpPr>
-          <p:cNvPr id="5" name="內容版面配置區 4"/>
-          <p:cNvSpPr>
-            <a:spLocks noGrp="1"/>
-          </p:cNvSpPr>
-          <p:nvPr>
-            <p:ph idx="1"/>
-          </p:nvPr>
-        </p:nvSpPr>
-        <p:spPr>
-          <a:xfrm>
-            <a:off x="179512" y="1556792"/>
-            <a:ext cx="7992888" cy="4525963"/>
-          </a:xfrm>
-        </p:spPr>
-        <p:txBody>
-          <a:bodyPr>
-            <a:normAutofit/>
-          </a:bodyPr>
-          <a:lstStyle/>
-          <a:p>
-            <a:pPr marL="0" indent="0">
-              <a:buNone/>
-            </a:pPr>
-            <a:r>
-              <a:rPr lang="zh-TW" altLang="en-US" dirty="0" smtClean="0"/>
-              <a:t>開始在程式碼中插入這樣的偵測程式碼：</a:t>
-            </a:r>
-            <a:endParaRPr lang="en-US" altLang="zh-TW" dirty="0" smtClean="0"/>
-          </a:p>
-          <a:p>
-            <a:pPr marL="0" indent="0">
-              <a:buNone/>
-            </a:pPr>
-            <a:endParaRPr lang="en-US" altLang="zh-TW" dirty="0"/>
-          </a:p>
-          <a:p>
-            <a:pPr marL="0" indent="0">
-              <a:buNone/>
-            </a:pPr>
-            <a:endParaRPr lang="en-US" altLang="zh-TW" dirty="0" smtClean="0"/>
-          </a:p>
-          <a:p>
-            <a:pPr marL="0" indent="0">
-              <a:buNone/>
-            </a:pPr>
-            <a:endParaRPr lang="en-US" altLang="zh-TW" dirty="0"/>
-          </a:p>
-          <a:p>
-            <a:pPr marL="0" indent="0">
-              <a:buNone/>
-            </a:pPr>
-            <a:endParaRPr lang="en-US" altLang="zh-TW" dirty="0"/>
-          </a:p>
-          <a:p>
-            <a:pPr marL="0" indent="0">
-              <a:buNone/>
-            </a:pPr>
-            <a:endParaRPr lang="en-US" altLang="zh-TW" dirty="0" smtClean="0"/>
-          </a:p>
-          <a:p>
-            <a:pPr marL="0" indent="0">
-              <a:buNone/>
-            </a:pPr>
-            <a:endParaRPr lang="en-US" altLang="zh-TW" dirty="0" smtClean="0"/>
-          </a:p>
-        </p:txBody>
-      </p:sp>
-    </p:spTree>
-    <p:extLst>
-      <p:ext uri="{BB962C8B-B14F-4D97-AF65-F5344CB8AC3E}">
-        <p14:creationId xmlns:p14="http://schemas.microsoft.com/office/powerpoint/2010/main" val="2127862923"/>
-      </p:ext>
-    </p:extLst>
-  </p:cSld>
-  <p:clrMapOvr>
-    <a:masterClrMapping/>
-  </p:clrMapOvr>
-  <p:timing>
-    <p:tnLst>
-      <p:par>
-        <p:cTn id="1" dur="indefinite" restart="never" nodeType="tmRoot"/>
-      </p:par>
-    </p:tnLst>
-  </p:timing>
-</p:sld>
-</file>
-
 <file path=ppt/slides/slide19.xml><?xml version="1.0" encoding="utf-8"?>
 <p:sld xmlns:a="http://schemas.openxmlformats.org/drawingml/2006/main" xmlns:r="http://schemas.openxmlformats.org/officeDocument/2006/relationships" xmlns:p="http://schemas.openxmlformats.org/presentationml/2006/main">
   <p:cSld>
@@ -6797,8 +7413,15 @@
               <a:buNone/>
             </a:pPr>
             <a:r>
+              <a:rPr lang="zh-TW" altLang="en-US" dirty="0" smtClean="0">
+                <a:latin typeface="微軟正黑體" pitchFamily="34" charset="-120"/>
+                <a:ea typeface="微軟正黑體" pitchFamily="34" charset="-120"/>
+              </a:rPr>
+              <a:t>程式碼太複雜怎麼辦？開始二分逼近</a:t>
+            </a:r>
+            <a:r>
               <a:rPr lang="zh-TW" altLang="en-US" dirty="0" smtClean="0"/>
-              <a:t>程式碼太複雜怎麼辦？開始二分逼近：</a:t>
+              <a:t>：</a:t>
             </a:r>
             <a:endParaRPr lang="en-US" altLang="zh-TW" dirty="0" smtClean="0"/>
           </a:p>
@@ -6967,10 +7590,16 @@
           <a:lstStyle/>
           <a:p>
             <a:r>
-              <a:rPr lang="zh-TW" altLang="en-US" dirty="0" smtClean="0"/>
+              <a:rPr lang="zh-TW" altLang="en-US" dirty="0" smtClean="0">
+                <a:latin typeface="微軟正黑體" pitchFamily="34" charset="-120"/>
+                <a:ea typeface="微軟正黑體" pitchFamily="34" charset="-120"/>
+              </a:rPr>
               <a:t>講者自介</a:t>
             </a:r>
-            <a:endParaRPr lang="zh-TW" altLang="en-US" dirty="0"/>
+            <a:endParaRPr lang="zh-TW" altLang="en-US" dirty="0">
+              <a:latin typeface="微軟正黑體" pitchFamily="34" charset="-120"/>
+              <a:ea typeface="微軟正黑體" pitchFamily="34" charset="-120"/>
+            </a:endParaRPr>
           </a:p>
         </p:txBody>
       </p:sp>
@@ -7154,32 +7783,53 @@
               <a:t> </a:t>
             </a:r>
             <a:r>
-              <a:rPr lang="zh-TW" altLang="en-US" b="1" dirty="0" smtClean="0"/>
+              <a:rPr lang="zh-TW" altLang="en-US" b="1" dirty="0" smtClean="0">
+                <a:latin typeface="微軟正黑體" pitchFamily="34" charset="-120"/>
+                <a:ea typeface="微軟正黑體" pitchFamily="34" charset="-120"/>
+              </a:rPr>
               <a:t>資深</a:t>
             </a:r>
             <a:r>
-              <a:rPr lang="zh-TW" altLang="en-US" b="1" dirty="0"/>
+              <a:rPr lang="zh-TW" altLang="en-US" b="1" dirty="0">
+                <a:latin typeface="微軟正黑體" pitchFamily="34" charset="-120"/>
+                <a:ea typeface="微軟正黑體" pitchFamily="34" charset="-120"/>
+              </a:rPr>
               <a:t>工程師</a:t>
             </a:r>
-            <a:endParaRPr lang="en-US" altLang="zh-TW" b="1" dirty="0" smtClean="0"/>
-          </a:p>
-          <a:p>
-            <a:pPr marL="0" indent="0">
-              <a:buNone/>
-            </a:pPr>
-            <a:r>
-              <a:rPr lang="zh-TW" altLang="en-US" b="1" dirty="0" smtClean="0"/>
+            <a:endParaRPr lang="en-US" altLang="zh-TW" b="1" dirty="0" smtClean="0">
+              <a:latin typeface="微軟正黑體" pitchFamily="34" charset="-120"/>
+              <a:ea typeface="微軟正黑體" pitchFamily="34" charset="-120"/>
+            </a:endParaRPr>
+          </a:p>
+          <a:p>
+            <a:pPr marL="0" indent="0">
+              <a:buNone/>
+            </a:pPr>
+            <a:r>
+              <a:rPr lang="zh-TW" altLang="en-US" b="1" dirty="0" smtClean="0">
+                <a:latin typeface="微軟正黑體" pitchFamily="34" charset="-120"/>
+                <a:ea typeface="微軟正黑體" pitchFamily="34" charset="-120"/>
+              </a:rPr>
               <a:t>前</a:t>
             </a:r>
             <a:r>
-              <a:rPr lang="en-US" altLang="zh-TW" b="1" dirty="0" smtClean="0"/>
+              <a:rPr lang="en-US" altLang="zh-TW" b="1" dirty="0" smtClean="0">
+                <a:latin typeface="微軟正黑體" pitchFamily="34" charset="-120"/>
+                <a:ea typeface="微軟正黑體" pitchFamily="34" charset="-120"/>
+              </a:rPr>
               <a:t>ZK </a:t>
             </a:r>
             <a:r>
-              <a:rPr lang="zh-TW" altLang="en-US" b="1" dirty="0" smtClean="0"/>
+              <a:rPr lang="zh-TW" altLang="en-US" b="1" dirty="0" smtClean="0">
+                <a:latin typeface="微軟正黑體" pitchFamily="34" charset="-120"/>
+                <a:ea typeface="微軟正黑體" pitchFamily="34" charset="-120"/>
+              </a:rPr>
               <a:t>資深工程師</a:t>
             </a:r>
-            <a:endParaRPr lang="en-US" altLang="zh-TW" b="1" dirty="0" smtClean="0"/>
+            <a:endParaRPr lang="en-US" altLang="zh-TW" b="1" dirty="0" smtClean="0">
+              <a:latin typeface="微軟正黑體" pitchFamily="34" charset="-120"/>
+              <a:ea typeface="微軟正黑體" pitchFamily="34" charset="-120"/>
+            </a:endParaRPr>
           </a:p>
           <a:p>
             <a:pPr marL="0" indent="0">
@@ -7275,7 +7925,7 @@
         <p:spPr>
           <a:xfrm>
             <a:off x="179512" y="1423317"/>
-            <a:ext cx="7992888" cy="4525963"/>
+            <a:ext cx="7992888" cy="4813995"/>
           </a:xfrm>
         </p:spPr>
         <p:txBody>
@@ -7296,8 +7946,15 @@
               <a:t> </a:t>
             </a:r>
             <a:r>
+              <a:rPr lang="zh-TW" altLang="en-US" dirty="0" smtClean="0">
+                <a:latin typeface="微軟正黑體" pitchFamily="34" charset="-120"/>
+                <a:ea typeface="微軟正黑體" pitchFamily="34" charset="-120"/>
+              </a:rPr>
+              <a:t>輸出的結果</a:t>
+            </a:r>
+            <a:r>
               <a:rPr lang="zh-TW" altLang="en-US" dirty="0" smtClean="0"/>
-              <a:t>輸出的結果：</a:t>
+              <a:t>：</a:t>
             </a:r>
             <a:endParaRPr lang="en-US" altLang="zh-TW" dirty="0" smtClean="0"/>
           </a:p>
@@ -7305,6 +7962,12 @@
             <a:pPr marL="0" indent="0">
               <a:buNone/>
             </a:pPr>
+            <a:endParaRPr lang="en-US" altLang="zh-TW" dirty="0" smtClean="0"/>
+          </a:p>
+          <a:p>
+            <a:pPr marL="0" indent="0">
+              <a:buNone/>
+            </a:pPr>
             <a:endParaRPr lang="en-US" altLang="zh-TW" dirty="0"/>
           </a:p>
           <a:p>
@@ -7323,12 +7986,6 @@
             <a:pPr marL="0" indent="0">
               <a:buNone/>
             </a:pPr>
-            <a:endParaRPr lang="en-US" altLang="zh-TW" dirty="0"/>
-          </a:p>
-          <a:p>
-            <a:pPr marL="0" indent="0">
-              <a:buNone/>
-            </a:pPr>
             <a:endParaRPr lang="en-US" altLang="zh-TW" dirty="0" smtClean="0"/>
           </a:p>
           <a:p>
@@ -7336,6 +7993,18 @@
               <a:buNone/>
             </a:pPr>
             <a:endParaRPr lang="en-US" altLang="zh-TW" dirty="0" smtClean="0"/>
+          </a:p>
+          <a:p>
+            <a:pPr marL="0" indent="0">
+              <a:buNone/>
+            </a:pPr>
+            <a:r>
+              <a:rPr lang="zh-TW" altLang="en-US" dirty="0" smtClean="0">
+                <a:latin typeface="微軟正黑體" pitchFamily="34" charset="-120"/>
+                <a:ea typeface="微軟正黑體" pitchFamily="34" charset="-120"/>
+              </a:rPr>
+              <a:t>這樣就找得出原因了～</a:t>
+            </a:r>
           </a:p>
         </p:txBody>
       </p:sp>
@@ -7393,6 +8062,52 @@
           </a:extLst>
         </p:spPr>
       </p:pic>
+      <p:sp>
+        <p:nvSpPr>
+          <p:cNvPr id="7" name="Rectangle 31"/>
+          <p:cNvSpPr/>
+          <p:nvPr/>
+        </p:nvSpPr>
+        <p:spPr>
+          <a:xfrm>
+            <a:off x="2063294" y="3714474"/>
+            <a:ext cx="3732841" cy="232048"/>
+          </a:xfrm>
+          <a:prstGeom prst="rect">
+            <a:avLst/>
+          </a:prstGeom>
+          <a:noFill/>
+          <a:ln w="31750">
+            <a:solidFill>
+              <a:srgbClr val="FF0000"/>
+            </a:solidFill>
+          </a:ln>
+        </p:spPr>
+        <p:style>
+          <a:lnRef idx="2">
+            <a:schemeClr val="accent1">
+              <a:shade val="50000"/>
+            </a:schemeClr>
+          </a:lnRef>
+          <a:fillRef idx="1">
+            <a:schemeClr val="accent1"/>
+          </a:fillRef>
+          <a:effectRef idx="0">
+            <a:schemeClr val="accent1"/>
+          </a:effectRef>
+          <a:fontRef idx="minor">
+            <a:schemeClr val="lt1"/>
+          </a:fontRef>
+        </p:style>
+        <p:txBody>
+          <a:bodyPr rtlCol="0" anchor="ctr"/>
+          <a:lstStyle/>
+          <a:p>
+            <a:pPr algn="ctr"/>
+            <a:endParaRPr lang="zh-TW" altLang="en-US"/>
+          </a:p>
+        </p:txBody>
+      </p:sp>
     </p:spTree>
     <p:extLst>
       <p:ext uri="{BB962C8B-B14F-4D97-AF65-F5344CB8AC3E}">
@@ -7406,9 +8121,111 @@
   <p:timing>
     <p:tnLst>
       <p:par>
-        <p:cTn id="1" dur="indefinite" restart="never" nodeType="tmRoot"/>
+        <p:cTn id="1" dur="indefinite" restart="never" nodeType="tmRoot">
+          <p:childTnLst>
+            <p:seq concurrent="1" nextAc="seek">
+              <p:cTn id="2" dur="indefinite" nodeType="mainSeq">
+                <p:childTnLst>
+                  <p:par>
+                    <p:cTn id="3" fill="hold">
+                      <p:stCondLst>
+                        <p:cond delay="indefinite"/>
+                      </p:stCondLst>
+                      <p:childTnLst>
+                        <p:par>
+                          <p:cTn id="4" fill="hold">
+                            <p:stCondLst>
+                              <p:cond delay="0"/>
+                            </p:stCondLst>
+                            <p:childTnLst>
+                              <p:par>
+                                <p:cTn id="5" presetID="1" presetClass="entr" presetSubtype="0" fill="hold" nodeType="clickEffect">
+                                  <p:stCondLst>
+                                    <p:cond delay="0"/>
+                                  </p:stCondLst>
+                                  <p:childTnLst>
+                                    <p:set>
+                                      <p:cBhvr>
+                                        <p:cTn id="6" dur="1" fill="hold">
+                                          <p:stCondLst>
+                                            <p:cond delay="0"/>
+                                          </p:stCondLst>
+                                        </p:cTn>
+                                        <p:tgtEl>
+                                          <p:spTgt spid="5">
+                                            <p:txEl>
+                                              <p:pRg st="7" end="7"/>
+                                            </p:txEl>
+                                          </p:spTgt>
+                                        </p:tgtEl>
+                                        <p:attrNameLst>
+                                          <p:attrName>style.visibility</p:attrName>
+                                        </p:attrNameLst>
+                                      </p:cBhvr>
+                                      <p:to>
+                                        <p:strVal val="visible"/>
+                                      </p:to>
+                                    </p:set>
+                                  </p:childTnLst>
+                                </p:cTn>
+                              </p:par>
+                              <p:par>
+                                <p:cTn id="7" presetID="1" presetClass="entr" presetSubtype="0" fill="hold" grpId="0" nodeType="withEffect">
+                                  <p:stCondLst>
+                                    <p:cond delay="0"/>
+                                  </p:stCondLst>
+                                  <p:childTnLst>
+                                    <p:set>
+                                      <p:cBhvr>
+                                        <p:cTn id="8" dur="1" fill="hold">
+                                          <p:stCondLst>
+                                            <p:cond delay="0"/>
+                                          </p:stCondLst>
+                                        </p:cTn>
+                                        <p:tgtEl>
+                                          <p:spTgt spid="7"/>
+                                        </p:tgtEl>
+                                        <p:attrNameLst>
+                                          <p:attrName>style.visibility</p:attrName>
+                                        </p:attrNameLst>
+                                      </p:cBhvr>
+                                      <p:to>
+                                        <p:strVal val="visible"/>
+                                      </p:to>
+                                    </p:set>
+                                  </p:childTnLst>
+                                </p:cTn>
+                              </p:par>
+                            </p:childTnLst>
+                          </p:cTn>
+                        </p:par>
+                      </p:childTnLst>
+                    </p:cTn>
+                  </p:par>
+                </p:childTnLst>
+              </p:cTn>
+              <p:prevCondLst>
+                <p:cond evt="onPrev" delay="0">
+                  <p:tgtEl>
+                    <p:sldTgt/>
+                  </p:tgtEl>
+                </p:cond>
+              </p:prevCondLst>
+              <p:nextCondLst>
+                <p:cond evt="onNext" delay="0">
+                  <p:tgtEl>
+                    <p:sldTgt/>
+                  </p:tgtEl>
+                </p:cond>
+              </p:nextCondLst>
+            </p:seq>
+          </p:childTnLst>
+        </p:cTn>
       </p:par>
     </p:tnLst>
+    <p:bldLst>
+      <p:bldP spid="7" grpId="0" animBg="1"/>
+    </p:bldLst>
   </p:timing>
 </p:sld>
 </file>
@@ -7446,10 +8263,16 @@
           <a:lstStyle/>
           <a:p>
             <a:r>
-              <a:rPr lang="zh-TW" altLang="en-US" dirty="0" smtClean="0"/>
-              <a:t>結果</a:t>
-            </a:r>
-            <a:endParaRPr lang="zh-TW" altLang="en-US" dirty="0"/>
+              <a:rPr lang="zh-TW" altLang="en-US" dirty="0" smtClean="0">
+                <a:latin typeface="微軟正黑體" pitchFamily="34" charset="-120"/>
+                <a:ea typeface="微軟正黑體" pitchFamily="34" charset="-120"/>
+              </a:rPr>
+              <a:t>調查結果</a:t>
+            </a:r>
+            <a:endParaRPr lang="zh-TW" altLang="en-US" dirty="0">
+              <a:latin typeface="微軟正黑體" pitchFamily="34" charset="-120"/>
+              <a:ea typeface="微軟正黑體" pitchFamily="34" charset="-120"/>
+            </a:endParaRPr>
           </a:p>
         </p:txBody>
       </p:sp>
@@ -7479,110 +8302,182 @@
               <a:buNone/>
             </a:pPr>
             <a:r>
-              <a:rPr lang="zh-TW" altLang="en-US" dirty="0" smtClean="0"/>
+              <a:rPr lang="zh-TW" altLang="en-US" dirty="0" smtClean="0">
+                <a:latin typeface="微軟正黑體" pitchFamily="34" charset="-120"/>
+                <a:ea typeface="微軟正黑體" pitchFamily="34" charset="-120"/>
+              </a:rPr>
               <a:t>原因是多重的：</a:t>
             </a:r>
-            <a:endParaRPr lang="en-US" altLang="zh-TW" dirty="0" smtClean="0"/>
-          </a:p>
-          <a:p>
-            <a:pPr marL="0" indent="0">
-              <a:buNone/>
-            </a:pPr>
-            <a:endParaRPr lang="en-US" altLang="zh-TW" dirty="0"/>
+            <a:endParaRPr lang="en-US" altLang="zh-TW" dirty="0" smtClean="0">
+              <a:latin typeface="微軟正黑體" pitchFamily="34" charset="-120"/>
+              <a:ea typeface="微軟正黑體" pitchFamily="34" charset="-120"/>
+            </a:endParaRPr>
+          </a:p>
+          <a:p>
+            <a:pPr marL="0" indent="0">
+              <a:buNone/>
+            </a:pPr>
+            <a:endParaRPr lang="en-US" altLang="zh-TW" dirty="0">
+              <a:latin typeface="微軟正黑體" pitchFamily="34" charset="-120"/>
+              <a:ea typeface="微軟正黑體" pitchFamily="34" charset="-120"/>
+            </a:endParaRPr>
           </a:p>
           <a:p>
             <a:pPr marL="514350" indent="-514350">
               <a:buAutoNum type="arabicPeriod"/>
             </a:pPr>
             <a:r>
-              <a:rPr lang="zh-TW" altLang="en-US" dirty="0" smtClean="0"/>
+              <a:rPr lang="zh-TW" altLang="en-US" dirty="0" smtClean="0">
+                <a:latin typeface="微軟正黑體" pitchFamily="34" charset="-120"/>
+                <a:ea typeface="微軟正黑體" pitchFamily="34" charset="-120"/>
+              </a:rPr>
               <a:t>有些</a:t>
             </a:r>
             <a:r>
-              <a:rPr lang="en-US" altLang="zh-TW" dirty="0" smtClean="0"/>
+              <a:rPr lang="en-US" altLang="zh-TW" dirty="0" smtClean="0">
+                <a:latin typeface="微軟正黑體" pitchFamily="34" charset="-120"/>
+                <a:ea typeface="微軟正黑體" pitchFamily="34" charset="-120"/>
+              </a:rPr>
               <a:t>page</a:t>
             </a:r>
             <a:r>
-              <a:rPr lang="zh-TW" altLang="en-US" dirty="0" smtClean="0"/>
+              <a:rPr lang="zh-TW" altLang="en-US" dirty="0" smtClean="0">
+                <a:latin typeface="微軟正黑體" pitchFamily="34" charset="-120"/>
+                <a:ea typeface="微軟正黑體" pitchFamily="34" charset="-120"/>
+              </a:rPr>
               <a:t>相依於多個</a:t>
             </a:r>
             <a:r>
-              <a:rPr lang="en-US" altLang="zh-TW" dirty="0" smtClean="0"/>
+              <a:rPr lang="en-US" altLang="zh-TW" dirty="0" smtClean="0">
+                <a:latin typeface="微軟正黑體" pitchFamily="34" charset="-120"/>
+                <a:ea typeface="微軟正黑體" pitchFamily="34" charset="-120"/>
+              </a:rPr>
               <a:t>web service</a:t>
             </a:r>
             <a:r>
-              <a:rPr lang="zh-TW" altLang="en-US" dirty="0" smtClean="0"/>
+              <a:rPr lang="zh-TW" altLang="en-US" dirty="0" smtClean="0">
+                <a:latin typeface="微軟正黑體" pitchFamily="34" charset="-120"/>
+                <a:ea typeface="微軟正黑體" pitchFamily="34" charset="-120"/>
+              </a:rPr>
               <a:t>請求。</a:t>
             </a:r>
-            <a:endParaRPr lang="en-US" altLang="zh-TW" dirty="0" smtClean="0"/>
+            <a:endParaRPr lang="en-US" altLang="zh-TW" dirty="0" smtClean="0">
+              <a:latin typeface="微軟正黑體" pitchFamily="34" charset="-120"/>
+              <a:ea typeface="微軟正黑體" pitchFamily="34" charset="-120"/>
+            </a:endParaRPr>
           </a:p>
           <a:p>
             <a:pPr marL="914400" lvl="1" indent="-514350"/>
             <a:r>
-              <a:rPr lang="en-US" altLang="zh-TW" dirty="0" smtClean="0"/>
+              <a:rPr lang="en-US" altLang="zh-TW" dirty="0" smtClean="0">
+                <a:latin typeface="微軟正黑體" pitchFamily="34" charset="-120"/>
+                <a:ea typeface="微軟正黑體" pitchFamily="34" charset="-120"/>
+              </a:rPr>
               <a:t>Web Team </a:t>
             </a:r>
             <a:r>
-              <a:rPr lang="zh-TW" altLang="en-US" dirty="0" smtClean="0"/>
+              <a:rPr lang="zh-TW" altLang="en-US" dirty="0" smtClean="0">
+                <a:latin typeface="微軟正黑體" pitchFamily="34" charset="-120"/>
+                <a:ea typeface="微軟正黑體" pitchFamily="34" charset="-120"/>
+              </a:rPr>
               <a:t>用</a:t>
             </a:r>
             <a:r>
-              <a:rPr lang="en-US" altLang="zh-TW" dirty="0" smtClean="0"/>
+              <a:rPr lang="en-US" altLang="zh-TW" dirty="0" smtClean="0">
+                <a:latin typeface="微軟正黑體" pitchFamily="34" charset="-120"/>
+                <a:ea typeface="微軟正黑體" pitchFamily="34" charset="-120"/>
+              </a:rPr>
               <a:t>Mock </a:t>
             </a:r>
             <a:r>
-              <a:rPr lang="zh-TW" altLang="en-US" dirty="0" smtClean="0"/>
+              <a:rPr lang="zh-TW" altLang="en-US" dirty="0" smtClean="0">
+                <a:latin typeface="微軟正黑體" pitchFamily="34" charset="-120"/>
+                <a:ea typeface="微軟正黑體" pitchFamily="34" charset="-120"/>
+              </a:rPr>
               <a:t>模擬</a:t>
             </a:r>
             <a:r>
-              <a:rPr lang="en-US" altLang="zh-TW" dirty="0" smtClean="0"/>
+              <a:rPr lang="en-US" altLang="zh-TW" dirty="0" smtClean="0">
+                <a:latin typeface="微軟正黑體" pitchFamily="34" charset="-120"/>
+                <a:ea typeface="微軟正黑體" pitchFamily="34" charset="-120"/>
+              </a:rPr>
               <a:t>Service</a:t>
             </a:r>
           </a:p>
           <a:p>
             <a:pPr marL="914400" lvl="1" indent="-514350"/>
             <a:r>
-              <a:rPr lang="en-US" altLang="zh-TW" dirty="0" smtClean="0"/>
+              <a:rPr lang="en-US" altLang="zh-TW" dirty="0" smtClean="0">
+                <a:latin typeface="微軟正黑體" pitchFamily="34" charset="-120"/>
+                <a:ea typeface="微軟正黑體" pitchFamily="34" charset="-120"/>
+              </a:rPr>
               <a:t>Biz Team</a:t>
             </a:r>
             <a:r>
-              <a:rPr lang="zh-TW" altLang="en-US" dirty="0" smtClean="0"/>
+              <a:rPr lang="zh-TW" altLang="en-US" dirty="0" smtClean="0">
+                <a:latin typeface="微軟正黑體" pitchFamily="34" charset="-120"/>
+                <a:ea typeface="微軟正黑體" pitchFamily="34" charset="-120"/>
+              </a:rPr>
               <a:t>單獨對每個</a:t>
             </a:r>
             <a:r>
-              <a:rPr lang="en-US" altLang="zh-TW" dirty="0" smtClean="0"/>
+              <a:rPr lang="en-US" altLang="zh-TW" dirty="0" smtClean="0">
+                <a:latin typeface="微軟正黑體" pitchFamily="34" charset="-120"/>
+                <a:ea typeface="微軟正黑體" pitchFamily="34" charset="-120"/>
+              </a:rPr>
               <a:t>service</a:t>
             </a:r>
             <a:r>
-              <a:rPr lang="zh-TW" altLang="en-US" dirty="0" smtClean="0"/>
+              <a:rPr lang="zh-TW" altLang="en-US" dirty="0" smtClean="0">
+                <a:latin typeface="微軟正黑體" pitchFamily="34" charset="-120"/>
+                <a:ea typeface="微軟正黑體" pitchFamily="34" charset="-120"/>
+              </a:rPr>
               <a:t>作效能評估</a:t>
             </a:r>
-            <a:endParaRPr lang="en-US" altLang="zh-TW" dirty="0" smtClean="0"/>
+            <a:endParaRPr lang="en-US" altLang="zh-TW" dirty="0" smtClean="0">
+              <a:latin typeface="微軟正黑體" pitchFamily="34" charset="-120"/>
+              <a:ea typeface="微軟正黑體" pitchFamily="34" charset="-120"/>
+            </a:endParaRPr>
           </a:p>
           <a:p>
             <a:pPr marL="400050" lvl="1" indent="0">
               <a:buNone/>
             </a:pPr>
-            <a:endParaRPr lang="en-US" altLang="zh-TW" dirty="0" smtClean="0"/>
+            <a:endParaRPr lang="en-US" altLang="zh-TW" dirty="0" smtClean="0">
+              <a:latin typeface="微軟正黑體" pitchFamily="34" charset="-120"/>
+              <a:ea typeface="微軟正黑體" pitchFamily="34" charset="-120"/>
+            </a:endParaRPr>
           </a:p>
           <a:p>
             <a:pPr marL="514350" indent="-514350">
               <a:buAutoNum type="arabicPeriod"/>
             </a:pPr>
             <a:r>
-              <a:rPr lang="zh-TW" altLang="en-US" dirty="0"/>
-              <a:t>網路</a:t>
-            </a:r>
-            <a:r>
-              <a:rPr lang="zh-TW" altLang="en-US" dirty="0" smtClean="0"/>
-              <a:t>異常。 冏</a:t>
-            </a:r>
-            <a:r>
-              <a:rPr lang="en-US" altLang="zh-TW" dirty="0" err="1" smtClean="0"/>
+              <a:rPr lang="zh-TW" altLang="en-US" dirty="0" smtClean="0">
+                <a:latin typeface="微軟正黑體" pitchFamily="34" charset="-120"/>
+                <a:ea typeface="微軟正黑體" pitchFamily="34" charset="-120"/>
+              </a:rPr>
+              <a:t>區域網路在慢。 </a:t>
+            </a:r>
+            <a:r>
+              <a:rPr lang="zh-TW" altLang="en-US" dirty="0" smtClean="0">
+                <a:latin typeface="微軟正黑體" pitchFamily="34" charset="-120"/>
+                <a:ea typeface="微軟正黑體" pitchFamily="34" charset="-120"/>
+              </a:rPr>
+              <a:t>冏</a:t>
+            </a:r>
+            <a:r>
+              <a:rPr lang="en-US" altLang="zh-TW" dirty="0" err="1" smtClean="0">
+                <a:latin typeface="微軟正黑體" pitchFamily="34" charset="-120"/>
+                <a:ea typeface="微軟正黑體" pitchFamily="34" charset="-120"/>
+              </a:rPr>
               <a:t>rz</a:t>
             </a:r>
             <a:r>
-              <a:rPr lang="en-US" altLang="zh-TW" dirty="0" smtClean="0"/>
+              <a:rPr lang="en-US" altLang="zh-TW" dirty="0" smtClean="0">
+                <a:latin typeface="微軟正黑體" pitchFamily="34" charset="-120"/>
+                <a:ea typeface="微軟正黑體" pitchFamily="34" charset="-120"/>
+              </a:rPr>
               <a:t>…</a:t>
             </a:r>
           </a:p>
@@ -7645,6 +8540,146 @@
 </file>
 
 <file path=ppt/slides/slide22.xml><?xml version="1.0" encoding="utf-8"?>
+<p:sld xmlns:a="http://schemas.openxmlformats.org/drawingml/2006/main" xmlns:r="http://schemas.openxmlformats.org/officeDocument/2006/relationships" xmlns:p="http://schemas.openxmlformats.org/presentationml/2006/main" showMasterSp="0">
+  <p:cSld>
+    <p:bg>
+      <p:bgPr>
+        <a:blipFill dpi="0" rotWithShape="1">
+          <a:blip r:embed="rId2">
+            <a:lum/>
+          </a:blip>
+          <a:srcRect/>
+          <a:stretch>
+            <a:fillRect/>
+          </a:stretch>
+        </a:blipFill>
+        <a:effectLst/>
+      </p:bgPr>
+    </p:bg>
+    <p:spTree>
+      <p:nvGrpSpPr>
+        <p:cNvPr id="1" name=""/>
+        <p:cNvGrpSpPr/>
+        <p:nvPr/>
+      </p:nvGrpSpPr>
+      <p:grpSpPr>
+        <a:xfrm>
+          <a:off x="0" y="0"/>
+          <a:ext cx="0" cy="0"/>
+          <a:chOff x="0" y="0"/>
+          <a:chExt cx="0" cy="0"/>
+        </a:xfrm>
+      </p:grpSpPr>
+      <p:sp>
+        <p:nvSpPr>
+          <p:cNvPr id="4" name="標題 3"/>
+          <p:cNvSpPr>
+            <a:spLocks noGrp="1"/>
+          </p:cNvSpPr>
+          <p:nvPr>
+            <p:ph type="title"/>
+          </p:nvPr>
+        </p:nvSpPr>
+        <p:spPr>
+          <a:xfrm>
+            <a:off x="1115616" y="980728"/>
+            <a:ext cx="6048672" cy="1143000"/>
+          </a:xfrm>
+          <a:effectLst>
+            <a:outerShdw blurRad="50800" dist="38100" dir="2700000" algn="tl" rotWithShape="0">
+              <a:prstClr val="black">
+                <a:alpha val="40000"/>
+              </a:prstClr>
+            </a:outerShdw>
+          </a:effectLst>
+        </p:spPr>
+        <p:txBody>
+          <a:bodyPr>
+            <a:normAutofit fontScale="90000"/>
+          </a:bodyPr>
+          <a:lstStyle/>
+          <a:p>
+            <a:pPr algn="l"/>
+            <a:r>
+              <a:rPr lang="zh-TW" altLang="en-US" sz="4000" b="1" dirty="0" smtClean="0">
+                <a:solidFill>
+                  <a:srgbClr val="FFFF00"/>
+                </a:solidFill>
+                <a:latin typeface="微軟正黑體" pitchFamily="34" charset="-120"/>
+                <a:ea typeface="微軟正黑體" pitchFamily="34" charset="-120"/>
+              </a:rPr>
+              <a:t>但總之</a:t>
+            </a:r>
+            <a:r>
+              <a:rPr lang="en-US" altLang="zh-TW" sz="4000" b="1" dirty="0" smtClean="0">
+                <a:solidFill>
+                  <a:srgbClr val="FFFF00"/>
+                </a:solidFill>
+                <a:latin typeface="微軟正黑體" pitchFamily="34" charset="-120"/>
+                <a:ea typeface="微軟正黑體" pitchFamily="34" charset="-120"/>
+              </a:rPr>
+              <a:t>…</a:t>
+            </a:r>
+            <a:br>
+              <a:rPr lang="en-US" altLang="zh-TW" sz="4000" b="1" dirty="0" smtClean="0">
+                <a:solidFill>
+                  <a:srgbClr val="FFFF00"/>
+                </a:solidFill>
+                <a:latin typeface="微軟正黑體" pitchFamily="34" charset="-120"/>
+                <a:ea typeface="微軟正黑體" pitchFamily="34" charset="-120"/>
+              </a:rPr>
+            </a:br>
+            <a:r>
+              <a:rPr lang="en-US" altLang="zh-TW" sz="4000" b="1" dirty="0" smtClean="0">
+                <a:solidFill>
+                  <a:srgbClr val="FFFF00"/>
+                </a:solidFill>
+                <a:latin typeface="微軟正黑體" pitchFamily="34" charset="-120"/>
+                <a:ea typeface="微軟正黑體" pitchFamily="34" charset="-120"/>
+              </a:rPr>
+              <a:t>   </a:t>
+            </a:r>
+            <a:r>
+              <a:rPr lang="zh-TW" altLang="en-US" sz="4000" b="1" dirty="0" smtClean="0">
+                <a:solidFill>
+                  <a:srgbClr val="FFFF00"/>
+                </a:solidFill>
+                <a:latin typeface="微軟正黑體" pitchFamily="34" charset="-120"/>
+                <a:ea typeface="微軟正黑體" pitchFamily="34" charset="-120"/>
+              </a:rPr>
+              <a:t>我把問題給解決啦！</a:t>
+            </a:r>
+            <a:endParaRPr lang="zh-TW" altLang="en-US" sz="4000" b="1" dirty="0">
+              <a:solidFill>
+                <a:srgbClr val="FFFF00"/>
+              </a:solidFill>
+              <a:latin typeface="微軟正黑體" pitchFamily="34" charset="-120"/>
+              <a:ea typeface="微軟正黑體" pitchFamily="34" charset="-120"/>
+            </a:endParaRPr>
+          </a:p>
+        </p:txBody>
+      </p:sp>
+    </p:spTree>
+    <p:extLst>
+      <p:ext uri="{BB962C8B-B14F-4D97-AF65-F5344CB8AC3E}">
+        <p14:creationId xmlns:p14="http://schemas.microsoft.com/office/powerpoint/2010/main" val="2014132127"/>
+      </p:ext>
+    </p:extLst>
+  </p:cSld>
+  <p:clrMapOvr>
+    <a:masterClrMapping/>
+  </p:clrMapOvr>
+  <p:timing>
+    <p:tnLst>
+      <p:par>
+        <p:cTn id="1" dur="indefinite" restart="never" nodeType="tmRoot"/>
+      </p:par>
+    </p:tnLst>
+  </p:timing>
+</p:sld>
+</file>
+
+<file path=ppt/slides/slide23.xml><?xml version="1.0" encoding="utf-8"?>
 <p:sld xmlns:a="http://schemas.openxmlformats.org/drawingml/2006/main" xmlns:r="http://schemas.openxmlformats.org/officeDocument/2006/relationships" xmlns:p="http://schemas.openxmlformats.org/presentationml/2006/main">
   <p:cSld>
     <p:spTree>
@@ -7677,10 +8712,16 @@
           <a:lstStyle/>
           <a:p>
             <a:r>
-              <a:rPr lang="zh-TW" altLang="en-US" dirty="0" smtClean="0"/>
+              <a:rPr lang="zh-TW" altLang="en-US" dirty="0" smtClean="0">
+                <a:latin typeface="微軟正黑體" pitchFamily="34" charset="-120"/>
+                <a:ea typeface="微軟正黑體" pitchFamily="34" charset="-120"/>
+              </a:rPr>
               <a:t>反省</a:t>
             </a:r>
-            <a:endParaRPr lang="zh-TW" altLang="en-US" dirty="0"/>
+            <a:endParaRPr lang="zh-TW" altLang="en-US" dirty="0">
+              <a:latin typeface="微軟正黑體" pitchFamily="34" charset="-120"/>
+              <a:ea typeface="微軟正黑體" pitchFamily="34" charset="-120"/>
+            </a:endParaRPr>
           </a:p>
         </p:txBody>
       </p:sp>
@@ -7710,21 +8751,33 @@
               <a:buAutoNum type="arabicPeriod"/>
             </a:pPr>
             <a:r>
-              <a:rPr lang="zh-TW" altLang="en-US" dirty="0" smtClean="0"/>
+              <a:rPr lang="zh-TW" altLang="en-US" dirty="0" smtClean="0">
+                <a:latin typeface="微軟正黑體" pitchFamily="34" charset="-120"/>
+                <a:ea typeface="微軟正黑體" pitchFamily="34" charset="-120"/>
+              </a:rPr>
               <a:t>這個事件代價高昂</a:t>
             </a:r>
-            <a:endParaRPr lang="en-US" altLang="zh-TW" dirty="0" smtClean="0"/>
+            <a:endParaRPr lang="en-US" altLang="zh-TW" dirty="0" smtClean="0">
+              <a:latin typeface="微軟正黑體" pitchFamily="34" charset="-120"/>
+              <a:ea typeface="微軟正黑體" pitchFamily="34" charset="-120"/>
+            </a:endParaRPr>
           </a:p>
           <a:p>
             <a:pPr marL="514350" indent="-514350">
               <a:buAutoNum type="arabicPeriod"/>
             </a:pPr>
             <a:r>
-              <a:rPr lang="zh-TW" altLang="en-US" dirty="0" smtClean="0"/>
+              <a:rPr lang="zh-TW" altLang="en-US" dirty="0" smtClean="0">
+                <a:latin typeface="微軟正黑體" pitchFamily="34" charset="-120"/>
+                <a:ea typeface="微軟正黑體" pitchFamily="34" charset="-120"/>
+              </a:rPr>
               <a:t>我的解決方式是</a:t>
             </a:r>
             <a:r>
-              <a:rPr lang="en-US" altLang="zh-TW" dirty="0" smtClean="0"/>
+              <a:rPr lang="en-US" altLang="zh-TW" dirty="0" smtClean="0">
+                <a:latin typeface="微軟正黑體" pitchFamily="34" charset="-120"/>
+                <a:ea typeface="微軟正黑體" pitchFamily="34" charset="-120"/>
+              </a:rPr>
               <a:t>shotgun surgery</a:t>
             </a:r>
           </a:p>
@@ -7732,43 +8785,81 @@
             <a:pPr marL="0" indent="0">
               <a:buNone/>
             </a:pPr>
-            <a:endParaRPr lang="en-US" altLang="zh-TW" dirty="0"/>
-          </a:p>
-          <a:p>
-            <a:pPr marL="0" indent="0">
-              <a:buNone/>
-            </a:pPr>
-            <a:r>
-              <a:rPr lang="zh-TW" altLang="en-US" dirty="0" smtClean="0"/>
+            <a:endParaRPr lang="en-US" altLang="zh-TW" dirty="0">
+              <a:latin typeface="微軟正黑體" pitchFamily="34" charset="-120"/>
+              <a:ea typeface="微軟正黑體" pitchFamily="34" charset="-120"/>
+            </a:endParaRPr>
+          </a:p>
+          <a:p>
+            <a:pPr marL="0" indent="0">
+              <a:buNone/>
+            </a:pPr>
+            <a:r>
+              <a:rPr lang="zh-TW" altLang="en-US" dirty="0" smtClean="0">
+                <a:latin typeface="微軟正黑體" pitchFamily="34" charset="-120"/>
+                <a:ea typeface="微軟正黑體" pitchFamily="34" charset="-120"/>
+              </a:rPr>
               <a:t>在未來如果這樣的情境再度遇上：</a:t>
             </a:r>
-            <a:endParaRPr lang="en-US" altLang="zh-TW" dirty="0" smtClean="0"/>
-          </a:p>
-          <a:p>
-            <a:pPr marL="0" indent="0">
-              <a:buNone/>
-            </a:pPr>
-            <a:endParaRPr lang="en-US" altLang="zh-TW" dirty="0" smtClean="0"/>
+            <a:endParaRPr lang="en-US" altLang="zh-TW" dirty="0" smtClean="0">
+              <a:latin typeface="微軟正黑體" pitchFamily="34" charset="-120"/>
+              <a:ea typeface="微軟正黑體" pitchFamily="34" charset="-120"/>
+            </a:endParaRPr>
+          </a:p>
+          <a:p>
+            <a:pPr marL="0" indent="0">
+              <a:buNone/>
+            </a:pPr>
+            <a:endParaRPr lang="en-US" altLang="zh-TW" dirty="0" smtClean="0">
+              <a:latin typeface="微軟正黑體" pitchFamily="34" charset="-120"/>
+              <a:ea typeface="微軟正黑體" pitchFamily="34" charset="-120"/>
+            </a:endParaRPr>
           </a:p>
           <a:p>
             <a:pPr marL="514350" indent="-514350">
               <a:buAutoNum type="arabicPeriod"/>
             </a:pPr>
             <a:r>
-              <a:rPr lang="zh-TW" altLang="en-US" dirty="0" smtClean="0"/>
+              <a:rPr lang="zh-TW" altLang="en-US" dirty="0" smtClean="0">
+                <a:latin typeface="微軟正黑體" pitchFamily="34" charset="-120"/>
+                <a:ea typeface="微軟正黑體" pitchFamily="34" charset="-120"/>
+              </a:rPr>
               <a:t>如何預警？</a:t>
             </a:r>
-            <a:endParaRPr lang="en-US" altLang="zh-TW" dirty="0" smtClean="0"/>
+            <a:endParaRPr lang="en-US" altLang="zh-TW" dirty="0" smtClean="0">
+              <a:latin typeface="微軟正黑體" pitchFamily="34" charset="-120"/>
+              <a:ea typeface="微軟正黑體" pitchFamily="34" charset="-120"/>
+            </a:endParaRPr>
           </a:p>
           <a:p>
             <a:pPr marL="514350" indent="-514350">
               <a:buAutoNum type="arabicPeriod"/>
             </a:pPr>
             <a:r>
-              <a:rPr lang="zh-TW" altLang="en-US" dirty="0" smtClean="0"/>
-              <a:t>若是上線、或大規模測試時才出現，如何快速找到原因？</a:t>
-            </a:r>
-            <a:endParaRPr lang="en-US" altLang="zh-TW" dirty="0" smtClean="0"/>
+              <a:rPr lang="zh-TW" altLang="en-US" dirty="0" smtClean="0">
+                <a:latin typeface="微軟正黑體" pitchFamily="34" charset="-120"/>
+                <a:ea typeface="微軟正黑體" pitchFamily="34" charset="-120"/>
+              </a:rPr>
+              <a:t>若是上線、</a:t>
+            </a:r>
+            <a:r>
+              <a:rPr lang="zh-TW" altLang="en-US" dirty="0" smtClean="0">
+                <a:latin typeface="微軟正黑體" pitchFamily="34" charset="-120"/>
+                <a:ea typeface="微軟正黑體" pitchFamily="34" charset="-120"/>
+              </a:rPr>
+              <a:t>或測試</a:t>
+            </a:r>
+            <a:r>
+              <a:rPr lang="zh-TW" altLang="en-US" dirty="0" smtClean="0">
+                <a:latin typeface="微軟正黑體" pitchFamily="34" charset="-120"/>
+                <a:ea typeface="微軟正黑體" pitchFamily="34" charset="-120"/>
+              </a:rPr>
+              <a:t>時才出現，如何快速找到原因？</a:t>
+            </a:r>
+            <a:endParaRPr lang="en-US" altLang="zh-TW" dirty="0" smtClean="0">
+              <a:latin typeface="微軟正黑體" pitchFamily="34" charset="-120"/>
+              <a:ea typeface="微軟正黑體" pitchFamily="34" charset="-120"/>
+            </a:endParaRPr>
           </a:p>
           <a:p>
             <a:pPr marL="514350" indent="-514350">
@@ -7815,14 +8906,246 @@
   <p:timing>
     <p:tnLst>
       <p:par>
-        <p:cTn id="1" dur="indefinite" restart="never" nodeType="tmRoot"/>
+        <p:cTn id="1" dur="indefinite" restart="never" nodeType="tmRoot">
+          <p:childTnLst>
+            <p:seq concurrent="1" nextAc="seek">
+              <p:cTn id="2" dur="indefinite" nodeType="mainSeq">
+                <p:childTnLst>
+                  <p:par>
+                    <p:cTn id="3" fill="hold">
+                      <p:stCondLst>
+                        <p:cond delay="indefinite"/>
+                      </p:stCondLst>
+                      <p:childTnLst>
+                        <p:par>
+                          <p:cTn id="4" fill="hold">
+                            <p:stCondLst>
+                              <p:cond delay="0"/>
+                            </p:stCondLst>
+                            <p:childTnLst>
+                              <p:par>
+                                <p:cTn id="5" presetID="1" presetClass="entr" presetSubtype="0" fill="hold" nodeType="clickEffect">
+                                  <p:stCondLst>
+                                    <p:cond delay="0"/>
+                                  </p:stCondLst>
+                                  <p:childTnLst>
+                                    <p:set>
+                                      <p:cBhvr>
+                                        <p:cTn id="6" dur="1" fill="hold">
+                                          <p:stCondLst>
+                                            <p:cond delay="0"/>
+                                          </p:stCondLst>
+                                        </p:cTn>
+                                        <p:tgtEl>
+                                          <p:spTgt spid="5">
+                                            <p:txEl>
+                                              <p:pRg st="0" end="0"/>
+                                            </p:txEl>
+                                          </p:spTgt>
+                                        </p:tgtEl>
+                                        <p:attrNameLst>
+                                          <p:attrName>style.visibility</p:attrName>
+                                        </p:attrNameLst>
+                                      </p:cBhvr>
+                                      <p:to>
+                                        <p:strVal val="visible"/>
+                                      </p:to>
+                                    </p:set>
+                                  </p:childTnLst>
+                                </p:cTn>
+                              </p:par>
+                            </p:childTnLst>
+                          </p:cTn>
+                        </p:par>
+                      </p:childTnLst>
+                    </p:cTn>
+                  </p:par>
+                  <p:par>
+                    <p:cTn id="7" fill="hold">
+                      <p:stCondLst>
+                        <p:cond delay="indefinite"/>
+                      </p:stCondLst>
+                      <p:childTnLst>
+                        <p:par>
+                          <p:cTn id="8" fill="hold">
+                            <p:stCondLst>
+                              <p:cond delay="0"/>
+                            </p:stCondLst>
+                            <p:childTnLst>
+                              <p:par>
+                                <p:cTn id="9" presetID="1" presetClass="entr" presetSubtype="0" fill="hold" nodeType="clickEffect">
+                                  <p:stCondLst>
+                                    <p:cond delay="0"/>
+                                  </p:stCondLst>
+                                  <p:childTnLst>
+                                    <p:set>
+                                      <p:cBhvr>
+                                        <p:cTn id="10" dur="1" fill="hold">
+                                          <p:stCondLst>
+                                            <p:cond delay="0"/>
+                                          </p:stCondLst>
+                                        </p:cTn>
+                                        <p:tgtEl>
+                                          <p:spTgt spid="5">
+                                            <p:txEl>
+                                              <p:pRg st="1" end="1"/>
+                                            </p:txEl>
+                                          </p:spTgt>
+                                        </p:tgtEl>
+                                        <p:attrNameLst>
+                                          <p:attrName>style.visibility</p:attrName>
+                                        </p:attrNameLst>
+                                      </p:cBhvr>
+                                      <p:to>
+                                        <p:strVal val="visible"/>
+                                      </p:to>
+                                    </p:set>
+                                  </p:childTnLst>
+                                </p:cTn>
+                              </p:par>
+                            </p:childTnLst>
+                          </p:cTn>
+                        </p:par>
+                      </p:childTnLst>
+                    </p:cTn>
+                  </p:par>
+                  <p:par>
+                    <p:cTn id="11" fill="hold">
+                      <p:stCondLst>
+                        <p:cond delay="indefinite"/>
+                      </p:stCondLst>
+                      <p:childTnLst>
+                        <p:par>
+                          <p:cTn id="12" fill="hold">
+                            <p:stCondLst>
+                              <p:cond delay="0"/>
+                            </p:stCondLst>
+                            <p:childTnLst>
+                              <p:par>
+                                <p:cTn id="13" presetID="1" presetClass="entr" presetSubtype="0" fill="hold" nodeType="clickEffect">
+                                  <p:stCondLst>
+                                    <p:cond delay="0"/>
+                                  </p:stCondLst>
+                                  <p:childTnLst>
+                                    <p:set>
+                                      <p:cBhvr>
+                                        <p:cTn id="14" dur="1" fill="hold">
+                                          <p:stCondLst>
+                                            <p:cond delay="0"/>
+                                          </p:stCondLst>
+                                        </p:cTn>
+                                        <p:tgtEl>
+                                          <p:spTgt spid="5">
+                                            <p:txEl>
+                                              <p:pRg st="3" end="3"/>
+                                            </p:txEl>
+                                          </p:spTgt>
+                                        </p:tgtEl>
+                                        <p:attrNameLst>
+                                          <p:attrName>style.visibility</p:attrName>
+                                        </p:attrNameLst>
+                                      </p:cBhvr>
+                                      <p:to>
+                                        <p:strVal val="visible"/>
+                                      </p:to>
+                                    </p:set>
+                                  </p:childTnLst>
+                                </p:cTn>
+                              </p:par>
+                              <p:par>
+                                <p:cTn id="15" presetID="1" presetClass="entr" presetSubtype="0" fill="hold" nodeType="withEffect">
+                                  <p:stCondLst>
+                                    <p:cond delay="0"/>
+                                  </p:stCondLst>
+                                  <p:childTnLst>
+                                    <p:set>
+                                      <p:cBhvr>
+                                        <p:cTn id="16" dur="1" fill="hold">
+                                          <p:stCondLst>
+                                            <p:cond delay="0"/>
+                                          </p:stCondLst>
+                                        </p:cTn>
+                                        <p:tgtEl>
+                                          <p:spTgt spid="5">
+                                            <p:txEl>
+                                              <p:pRg st="5" end="5"/>
+                                            </p:txEl>
+                                          </p:spTgt>
+                                        </p:tgtEl>
+                                        <p:attrNameLst>
+                                          <p:attrName>style.visibility</p:attrName>
+                                        </p:attrNameLst>
+                                      </p:cBhvr>
+                                      <p:to>
+                                        <p:strVal val="visible"/>
+                                      </p:to>
+                                    </p:set>
+                                  </p:childTnLst>
+                                </p:cTn>
+                              </p:par>
+                              <p:par>
+                                <p:cTn id="17" presetID="1" presetClass="entr" presetSubtype="0" fill="hold" nodeType="withEffect">
+                                  <p:stCondLst>
+                                    <p:cond delay="0"/>
+                                  </p:stCondLst>
+                                  <p:childTnLst>
+                                    <p:set>
+                                      <p:cBhvr>
+                                        <p:cTn id="18" dur="1" fill="hold">
+                                          <p:stCondLst>
+                                            <p:cond delay="0"/>
+                                          </p:stCondLst>
+                                        </p:cTn>
+                                        <p:tgtEl>
+                                          <p:spTgt spid="5">
+                                            <p:txEl>
+                                              <p:pRg st="6" end="6"/>
+                                            </p:txEl>
+                                          </p:spTgt>
+                                        </p:tgtEl>
+                                        <p:attrNameLst>
+                                          <p:attrName>style.visibility</p:attrName>
+                                        </p:attrNameLst>
+                                      </p:cBhvr>
+                                      <p:to>
+                                        <p:strVal val="visible"/>
+                                      </p:to>
+                                    </p:set>
+                                  </p:childTnLst>
+                                </p:cTn>
+                              </p:par>
+                            </p:childTnLst>
+                          </p:cTn>
+                        </p:par>
+                      </p:childTnLst>
+                    </p:cTn>
+                  </p:par>
+                </p:childTnLst>
+              </p:cTn>
+              <p:prevCondLst>
+                <p:cond evt="onPrev" delay="0">
+                  <p:tgtEl>
+                    <p:sldTgt/>
+                  </p:tgtEl>
+                </p:cond>
+              </p:prevCondLst>
+              <p:nextCondLst>
+                <p:cond evt="onNext" delay="0">
+                  <p:tgtEl>
+                    <p:sldTgt/>
+                  </p:tgtEl>
+                </p:cond>
+              </p:nextCondLst>
+            </p:seq>
+          </p:childTnLst>
+        </p:cTn>
       </p:par>
     </p:tnLst>
   </p:timing>
 </p:sld>
 </file>
 
-<file path=ppt/slides/slide23.xml><?xml version="1.0" encoding="utf-8"?>
+<file path=ppt/slides/slide24.xml><?xml version="1.0" encoding="utf-8"?>
 <p:sld xmlns:a="http://schemas.openxmlformats.org/drawingml/2006/main" xmlns:r="http://schemas.openxmlformats.org/officeDocument/2006/relationships" xmlns:p="http://schemas.openxmlformats.org/presentationml/2006/main" showMasterSp="0">
   <p:cSld>
     <p:bg>
@@ -7927,1136 +9250,7 @@
 </p:sld>
 </file>
 
-<file path=ppt/slides/slide24.xml><?xml version="1.0" encoding="utf-8"?>
-<p:sld xmlns:a="http://schemas.openxmlformats.org/drawingml/2006/main" xmlns:r="http://schemas.openxmlformats.org/officeDocument/2006/relationships" xmlns:p="http://schemas.openxmlformats.org/presentationml/2006/main">
-  <p:cSld>
-    <p:spTree>
-      <p:nvGrpSpPr>
-        <p:cNvPr id="1" name=""/>
-        <p:cNvGrpSpPr/>
-        <p:nvPr/>
-      </p:nvGrpSpPr>
-      <p:grpSpPr>
-        <a:xfrm>
-          <a:off x="0" y="0"/>
-          <a:ext cx="0" cy="0"/>
-          <a:chOff x="0" y="0"/>
-          <a:chExt cx="0" cy="0"/>
-        </a:xfrm>
-      </p:grpSpPr>
-      <p:sp>
-        <p:nvSpPr>
-          <p:cNvPr id="4" name="標題 3"/>
-          <p:cNvSpPr>
-            <a:spLocks noGrp="1"/>
-          </p:cNvSpPr>
-          <p:nvPr>
-            <p:ph type="title"/>
-          </p:nvPr>
-        </p:nvSpPr>
-        <p:spPr/>
-        <p:txBody>
-          <a:bodyPr/>
-          <a:lstStyle/>
-          <a:p>
-            <a:r>
-              <a:rPr lang="zh-TW" altLang="en-US" dirty="0" smtClean="0"/>
-              <a:t>有哪些方案？</a:t>
-            </a:r>
-            <a:endParaRPr lang="zh-TW" altLang="en-US" dirty="0"/>
-          </a:p>
-        </p:txBody>
-      </p:sp>
-      <p:sp>
-        <p:nvSpPr>
-          <p:cNvPr id="5" name="內容版面配置區 4"/>
-          <p:cNvSpPr>
-            <a:spLocks noGrp="1"/>
-          </p:cNvSpPr>
-          <p:nvPr>
-            <p:ph idx="1"/>
-          </p:nvPr>
-        </p:nvSpPr>
-        <p:spPr>
-          <a:xfrm>
-            <a:off x="179512" y="1423317"/>
-            <a:ext cx="7992888" cy="4525963"/>
-          </a:xfrm>
-        </p:spPr>
-        <p:txBody>
-          <a:bodyPr>
-            <a:normAutofit/>
-          </a:bodyPr>
-          <a:lstStyle/>
-          <a:p>
-            <a:r>
-              <a:rPr lang="en-US" altLang="zh-TW" dirty="0" smtClean="0"/>
-              <a:t>JVMPI/JVMTI</a:t>
-            </a:r>
-          </a:p>
-          <a:p>
-            <a:pPr lvl="1"/>
-            <a:r>
-              <a:rPr lang="en-US" altLang="zh-TW" dirty="0" smtClean="0"/>
-              <a:t>Visual VM</a:t>
-            </a:r>
-          </a:p>
-          <a:p>
-            <a:r>
-              <a:rPr lang="en-US" altLang="zh-TW" dirty="0" smtClean="0"/>
-              <a:t>JMX</a:t>
-            </a:r>
-          </a:p>
-          <a:p>
-            <a:pPr lvl="1"/>
-            <a:r>
-              <a:rPr lang="en-US" altLang="zh-TW" dirty="0" err="1" smtClean="0"/>
-              <a:t>jConsole</a:t>
-            </a:r>
-            <a:endParaRPr lang="en-US" altLang="zh-TW" dirty="0" smtClean="0"/>
-          </a:p>
-          <a:p>
-            <a:r>
-              <a:rPr lang="en-US" altLang="zh-TW" dirty="0" smtClean="0"/>
-              <a:t>Logging Solution</a:t>
-            </a:r>
-          </a:p>
-          <a:p>
-            <a:pPr lvl="1"/>
-            <a:r>
-              <a:rPr lang="en-US" altLang="zh-TW" dirty="0" smtClean="0"/>
-              <a:t>Log4j</a:t>
-            </a:r>
-          </a:p>
-          <a:p>
-            <a:pPr lvl="1"/>
-            <a:r>
-              <a:rPr lang="en-US" altLang="zh-TW" dirty="0" err="1" smtClean="0"/>
-              <a:t>Logback</a:t>
-            </a:r>
-            <a:endParaRPr lang="en-US" altLang="zh-TW" dirty="0" smtClean="0"/>
-          </a:p>
-        </p:txBody>
-      </p:sp>
-    </p:spTree>
-    <p:extLst>
-      <p:ext uri="{BB962C8B-B14F-4D97-AF65-F5344CB8AC3E}">
-        <p14:creationId xmlns:p14="http://schemas.microsoft.com/office/powerpoint/2010/main" val="2598038300"/>
-      </p:ext>
-    </p:extLst>
-  </p:cSld>
-  <p:clrMapOvr>
-    <a:masterClrMapping/>
-  </p:clrMapOvr>
-  <p:timing>
-    <p:tnLst>
-      <p:par>
-        <p:cTn id="1" dur="indefinite" restart="never" nodeType="tmRoot"/>
-      </p:par>
-    </p:tnLst>
-  </p:timing>
-</p:sld>
-</file>
-
 <file path=ppt/slides/slide25.xml><?xml version="1.0" encoding="utf-8"?>
-<p:sld xmlns:a="http://schemas.openxmlformats.org/drawingml/2006/main" xmlns:r="http://schemas.openxmlformats.org/officeDocument/2006/relationships" xmlns:p="http://schemas.openxmlformats.org/presentationml/2006/main">
-  <p:cSld>
-    <p:spTree>
-      <p:nvGrpSpPr>
-        <p:cNvPr id="1" name=""/>
-        <p:cNvGrpSpPr/>
-        <p:nvPr/>
-      </p:nvGrpSpPr>
-      <p:grpSpPr>
-        <a:xfrm>
-          <a:off x="0" y="0"/>
-          <a:ext cx="0" cy="0"/>
-          <a:chOff x="0" y="0"/>
-          <a:chExt cx="0" cy="0"/>
-        </a:xfrm>
-      </p:grpSpPr>
-      <p:sp>
-        <p:nvSpPr>
-          <p:cNvPr id="4" name="標題 3"/>
-          <p:cNvSpPr>
-            <a:spLocks noGrp="1"/>
-          </p:cNvSpPr>
-          <p:nvPr>
-            <p:ph type="title"/>
-          </p:nvPr>
-        </p:nvSpPr>
-        <p:spPr/>
-        <p:txBody>
-          <a:bodyPr/>
-          <a:lstStyle/>
-          <a:p>
-            <a:r>
-              <a:rPr lang="en-US" altLang="zh-TW" dirty="0" smtClean="0"/>
-              <a:t>JVMTI</a:t>
-            </a:r>
-            <a:endParaRPr lang="zh-TW" altLang="en-US" dirty="0"/>
-          </a:p>
-        </p:txBody>
-      </p:sp>
-      <p:sp>
-        <p:nvSpPr>
-          <p:cNvPr id="5" name="內容版面配置區 4"/>
-          <p:cNvSpPr>
-            <a:spLocks noGrp="1"/>
-          </p:cNvSpPr>
-          <p:nvPr>
-            <p:ph idx="1"/>
-          </p:nvPr>
-        </p:nvSpPr>
-        <p:spPr>
-          <a:xfrm>
-            <a:off x="179512" y="1423317"/>
-            <a:ext cx="7992888" cy="4525963"/>
-          </a:xfrm>
-        </p:spPr>
-        <p:txBody>
-          <a:bodyPr>
-            <a:normAutofit/>
-          </a:bodyPr>
-          <a:lstStyle/>
-          <a:p>
-            <a:r>
-              <a:rPr lang="en-US" altLang="zh-TW" dirty="0" smtClean="0"/>
-              <a:t>JVMPI is predecessor of JVMPI</a:t>
-            </a:r>
-          </a:p>
-          <a:p>
-            <a:endParaRPr lang="en-US" altLang="zh-TW" dirty="0" smtClean="0"/>
-          </a:p>
-          <a:p>
-            <a:r>
-              <a:rPr lang="en-US" altLang="zh-TW" dirty="0" smtClean="0"/>
-              <a:t>PROS</a:t>
-            </a:r>
-          </a:p>
-          <a:p>
-            <a:pPr lvl="1"/>
-            <a:r>
-              <a:rPr lang="en-US" altLang="zh-TW" dirty="0" smtClean="0"/>
-              <a:t> </a:t>
-            </a:r>
-            <a:r>
-              <a:rPr lang="zh-TW" altLang="en-US" dirty="0" smtClean="0"/>
-              <a:t>你可以得到所有你想要的東西。</a:t>
-            </a:r>
-            <a:endParaRPr lang="en-US" altLang="zh-TW" dirty="0" smtClean="0"/>
-          </a:p>
-          <a:p>
-            <a:r>
-              <a:rPr lang="en-US" altLang="zh-TW" dirty="0" smtClean="0"/>
-              <a:t>CONS</a:t>
-            </a:r>
-          </a:p>
-          <a:p>
-            <a:pPr lvl="1"/>
-            <a:r>
-              <a:rPr lang="en-US" altLang="zh-TW" dirty="0"/>
-              <a:t>VM specific </a:t>
-            </a:r>
-            <a:r>
-              <a:rPr lang="zh-TW" altLang="en-US" dirty="0"/>
-              <a:t>不是每個</a:t>
-            </a:r>
-            <a:r>
-              <a:rPr lang="en-US" altLang="zh-TW" dirty="0"/>
-              <a:t>JVM</a:t>
-            </a:r>
-            <a:r>
-              <a:rPr lang="zh-TW" altLang="en-US" dirty="0"/>
-              <a:t>都一定有實作。</a:t>
-            </a:r>
-            <a:endParaRPr lang="en-US" altLang="zh-TW" dirty="0"/>
-          </a:p>
-          <a:p>
-            <a:pPr lvl="1"/>
-            <a:r>
-              <a:rPr lang="zh-TW" altLang="en-US" dirty="0"/>
-              <a:t>這不是直接給</a:t>
-            </a:r>
-            <a:r>
-              <a:rPr lang="en-US" altLang="zh-TW" dirty="0"/>
-              <a:t>Application Developer </a:t>
-            </a:r>
-            <a:r>
-              <a:rPr lang="zh-TW" altLang="en-US" dirty="0"/>
-              <a:t>用的玩意</a:t>
-            </a:r>
-            <a:r>
-              <a:rPr lang="zh-TW" altLang="en-US" dirty="0" smtClean="0"/>
-              <a:t>。</a:t>
-            </a:r>
-            <a:endParaRPr lang="en-US" altLang="zh-TW" dirty="0"/>
-          </a:p>
-        </p:txBody>
-      </p:sp>
-    </p:spTree>
-    <p:extLst>
-      <p:ext uri="{BB962C8B-B14F-4D97-AF65-F5344CB8AC3E}">
-        <p14:creationId xmlns:p14="http://schemas.microsoft.com/office/powerpoint/2010/main" val="3402615153"/>
-      </p:ext>
-    </p:extLst>
-  </p:cSld>
-  <p:clrMapOvr>
-    <a:masterClrMapping/>
-  </p:clrMapOvr>
-  <p:timing>
-    <p:tnLst>
-      <p:par>
-        <p:cTn id="1" dur="indefinite" restart="never" nodeType="tmRoot">
-          <p:childTnLst>
-            <p:seq concurrent="1" nextAc="seek">
-              <p:cTn id="2" dur="indefinite" nodeType="mainSeq">
-                <p:childTnLst>
-                  <p:par>
-                    <p:cTn id="3" fill="hold">
-                      <p:stCondLst>
-                        <p:cond delay="indefinite"/>
-                      </p:stCondLst>
-                      <p:childTnLst>
-                        <p:par>
-                          <p:cTn id="4" fill="hold">
-                            <p:stCondLst>
-                              <p:cond delay="0"/>
-                            </p:stCondLst>
-                            <p:childTnLst>
-                              <p:par>
-                                <p:cTn id="5" presetID="1" presetClass="entr" presetSubtype="0" fill="hold" nodeType="clickEffect">
-                                  <p:stCondLst>
-                                    <p:cond delay="0"/>
-                                  </p:stCondLst>
-                                  <p:childTnLst>
-                                    <p:set>
-                                      <p:cBhvr>
-                                        <p:cTn id="6" dur="1" fill="hold">
-                                          <p:stCondLst>
-                                            <p:cond delay="0"/>
-                                          </p:stCondLst>
-                                        </p:cTn>
-                                        <p:tgtEl>
-                                          <p:spTgt spid="5">
-                                            <p:txEl>
-                                              <p:pRg st="3" end="3"/>
-                                            </p:txEl>
-                                          </p:spTgt>
-                                        </p:tgtEl>
-                                        <p:attrNameLst>
-                                          <p:attrName>style.visibility</p:attrName>
-                                        </p:attrNameLst>
-                                      </p:cBhvr>
-                                      <p:to>
-                                        <p:strVal val="visible"/>
-                                      </p:to>
-                                    </p:set>
-                                  </p:childTnLst>
-                                </p:cTn>
-                              </p:par>
-                            </p:childTnLst>
-                          </p:cTn>
-                        </p:par>
-                      </p:childTnLst>
-                    </p:cTn>
-                  </p:par>
-                  <p:par>
-                    <p:cTn id="7" fill="hold">
-                      <p:stCondLst>
-                        <p:cond delay="indefinite"/>
-                      </p:stCondLst>
-                      <p:childTnLst>
-                        <p:par>
-                          <p:cTn id="8" fill="hold">
-                            <p:stCondLst>
-                              <p:cond delay="0"/>
-                            </p:stCondLst>
-                            <p:childTnLst>
-                              <p:par>
-                                <p:cTn id="9" presetID="1" presetClass="entr" presetSubtype="0" fill="hold" nodeType="clickEffect">
-                                  <p:stCondLst>
-                                    <p:cond delay="0"/>
-                                  </p:stCondLst>
-                                  <p:childTnLst>
-                                    <p:set>
-                                      <p:cBhvr>
-                                        <p:cTn id="10" dur="1" fill="hold">
-                                          <p:stCondLst>
-                                            <p:cond delay="0"/>
-                                          </p:stCondLst>
-                                        </p:cTn>
-                                        <p:tgtEl>
-                                          <p:spTgt spid="5">
-                                            <p:txEl>
-                                              <p:pRg st="5" end="5"/>
-                                            </p:txEl>
-                                          </p:spTgt>
-                                        </p:tgtEl>
-                                        <p:attrNameLst>
-                                          <p:attrName>style.visibility</p:attrName>
-                                        </p:attrNameLst>
-                                      </p:cBhvr>
-                                      <p:to>
-                                        <p:strVal val="visible"/>
-                                      </p:to>
-                                    </p:set>
-                                  </p:childTnLst>
-                                </p:cTn>
-                              </p:par>
-                              <p:par>
-                                <p:cTn id="11" presetID="1" presetClass="entr" presetSubtype="0" fill="hold" nodeType="withEffect">
-                                  <p:stCondLst>
-                                    <p:cond delay="0"/>
-                                  </p:stCondLst>
-                                  <p:childTnLst>
-                                    <p:set>
-                                      <p:cBhvr>
-                                        <p:cTn id="12" dur="1" fill="hold">
-                                          <p:stCondLst>
-                                            <p:cond delay="0"/>
-                                          </p:stCondLst>
-                                        </p:cTn>
-                                        <p:tgtEl>
-                                          <p:spTgt spid="5">
-                                            <p:txEl>
-                                              <p:pRg st="6" end="6"/>
-                                            </p:txEl>
-                                          </p:spTgt>
-                                        </p:tgtEl>
-                                        <p:attrNameLst>
-                                          <p:attrName>style.visibility</p:attrName>
-                                        </p:attrNameLst>
-                                      </p:cBhvr>
-                                      <p:to>
-                                        <p:strVal val="visible"/>
-                                      </p:to>
-                                    </p:set>
-                                  </p:childTnLst>
-                                </p:cTn>
-                              </p:par>
-                            </p:childTnLst>
-                          </p:cTn>
-                        </p:par>
-                      </p:childTnLst>
-                    </p:cTn>
-                  </p:par>
-                </p:childTnLst>
-              </p:cTn>
-              <p:prevCondLst>
-                <p:cond evt="onPrev" delay="0">
-                  <p:tgtEl>
-                    <p:sldTgt/>
-                  </p:tgtEl>
-                </p:cond>
-              </p:prevCondLst>
-              <p:nextCondLst>
-                <p:cond evt="onNext" delay="0">
-                  <p:tgtEl>
-                    <p:sldTgt/>
-                  </p:tgtEl>
-                </p:cond>
-              </p:nextCondLst>
-            </p:seq>
-          </p:childTnLst>
-        </p:cTn>
-      </p:par>
-    </p:tnLst>
-  </p:timing>
-</p:sld>
-</file>
-
-<file path=ppt/slides/slide26.xml><?xml version="1.0" encoding="utf-8"?>
-<p:sld xmlns:a="http://schemas.openxmlformats.org/drawingml/2006/main" xmlns:r="http://schemas.openxmlformats.org/officeDocument/2006/relationships" xmlns:p="http://schemas.openxmlformats.org/presentationml/2006/main">
-  <p:cSld>
-    <p:spTree>
-      <p:nvGrpSpPr>
-        <p:cNvPr id="1" name=""/>
-        <p:cNvGrpSpPr/>
-        <p:nvPr/>
-      </p:nvGrpSpPr>
-      <p:grpSpPr>
-        <a:xfrm>
-          <a:off x="0" y="0"/>
-          <a:ext cx="0" cy="0"/>
-          <a:chOff x="0" y="0"/>
-          <a:chExt cx="0" cy="0"/>
-        </a:xfrm>
-      </p:grpSpPr>
-      <p:sp>
-        <p:nvSpPr>
-          <p:cNvPr id="4" name="標題 3"/>
-          <p:cNvSpPr>
-            <a:spLocks noGrp="1"/>
-          </p:cNvSpPr>
-          <p:nvPr>
-            <p:ph type="title"/>
-          </p:nvPr>
-        </p:nvSpPr>
-        <p:spPr/>
-        <p:txBody>
-          <a:bodyPr/>
-          <a:lstStyle/>
-          <a:p>
-            <a:r>
-              <a:rPr lang="zh-TW" altLang="en-US" dirty="0" smtClean="0"/>
-              <a:t>不適合</a:t>
-            </a:r>
-            <a:endParaRPr lang="zh-TW" altLang="en-US" dirty="0"/>
-          </a:p>
-        </p:txBody>
-      </p:sp>
-      <p:sp>
-        <p:nvSpPr>
-          <p:cNvPr id="5" name="內容版面配置區 4"/>
-          <p:cNvSpPr>
-            <a:spLocks noGrp="1"/>
-          </p:cNvSpPr>
-          <p:nvPr>
-            <p:ph idx="1"/>
-          </p:nvPr>
-        </p:nvSpPr>
-        <p:spPr>
-          <a:xfrm>
-            <a:off x="179512" y="2492896"/>
-            <a:ext cx="7992888" cy="3456384"/>
-          </a:xfrm>
-        </p:spPr>
-        <p:txBody>
-          <a:bodyPr>
-            <a:normAutofit/>
-          </a:bodyPr>
-          <a:lstStyle/>
-          <a:p>
-            <a:r>
-              <a:rPr lang="zh-TW" altLang="en-US" dirty="0"/>
-              <a:t>要用得用基於這個介面開發出來的工具，例如</a:t>
-            </a:r>
-            <a:r>
-              <a:rPr lang="en-US" altLang="zh-TW" dirty="0"/>
-              <a:t>Visual VM</a:t>
-            </a:r>
-            <a:r>
-              <a:rPr lang="zh-TW" altLang="en-US" dirty="0"/>
-              <a:t>。</a:t>
-            </a:r>
-            <a:endParaRPr lang="en-US" altLang="zh-TW" dirty="0"/>
-          </a:p>
-          <a:p>
-            <a:pPr marL="0" indent="0">
-              <a:buNone/>
-            </a:pPr>
-            <a:endParaRPr lang="en-US" altLang="zh-TW" dirty="0" smtClean="0"/>
-          </a:p>
-          <a:p>
-            <a:r>
-              <a:rPr lang="zh-TW" altLang="en-US" dirty="0" smtClean="0"/>
-              <a:t>你無法得知特定的</a:t>
-            </a:r>
-            <a:r>
-              <a:rPr lang="en-US" altLang="zh-TW" dirty="0" smtClean="0"/>
-              <a:t> task </a:t>
-            </a:r>
-            <a:r>
-              <a:rPr lang="zh-TW" altLang="en-US" dirty="0" smtClean="0"/>
-              <a:t>的</a:t>
-            </a:r>
-            <a:r>
-              <a:rPr lang="en-US" altLang="zh-TW" dirty="0" smtClean="0"/>
-              <a:t> elapsed time</a:t>
-            </a:r>
-          </a:p>
-          <a:p>
-            <a:r>
-              <a:rPr lang="zh-TW" altLang="en-US" dirty="0" smtClean="0"/>
-              <a:t>這工具很難在開發階段就整合進去使用。</a:t>
-            </a:r>
-            <a:endParaRPr lang="en-US" altLang="zh-TW" dirty="0" smtClean="0"/>
-          </a:p>
-          <a:p>
-            <a:pPr marL="0" indent="0">
-              <a:buNone/>
-            </a:pPr>
-            <a:endParaRPr lang="en-US" altLang="zh-TW" dirty="0" smtClean="0"/>
-          </a:p>
-        </p:txBody>
-      </p:sp>
-    </p:spTree>
-    <p:extLst>
-      <p:ext uri="{BB962C8B-B14F-4D97-AF65-F5344CB8AC3E}">
-        <p14:creationId xmlns:p14="http://schemas.microsoft.com/office/powerpoint/2010/main" val="3035651709"/>
-      </p:ext>
-    </p:extLst>
-  </p:cSld>
-  <p:clrMapOvr>
-    <a:masterClrMapping/>
-  </p:clrMapOvr>
-  <p:timing>
-    <p:tnLst>
-      <p:par>
-        <p:cTn id="1" dur="indefinite" restart="never" nodeType="tmRoot"/>
-      </p:par>
-    </p:tnLst>
-  </p:timing>
-</p:sld>
-</file>
-
-<file path=ppt/slides/slide27.xml><?xml version="1.0" encoding="utf-8"?>
-<p:sld xmlns:a="http://schemas.openxmlformats.org/drawingml/2006/main" xmlns:r="http://schemas.openxmlformats.org/officeDocument/2006/relationships" xmlns:p="http://schemas.openxmlformats.org/presentationml/2006/main">
-  <p:cSld>
-    <p:spTree>
-      <p:nvGrpSpPr>
-        <p:cNvPr id="1" name=""/>
-        <p:cNvGrpSpPr/>
-        <p:nvPr/>
-      </p:nvGrpSpPr>
-      <p:grpSpPr>
-        <a:xfrm>
-          <a:off x="0" y="0"/>
-          <a:ext cx="0" cy="0"/>
-          <a:chOff x="0" y="0"/>
-          <a:chExt cx="0" cy="0"/>
-        </a:xfrm>
-      </p:grpSpPr>
-      <p:sp>
-        <p:nvSpPr>
-          <p:cNvPr id="4" name="標題 3"/>
-          <p:cNvSpPr>
-            <a:spLocks noGrp="1"/>
-          </p:cNvSpPr>
-          <p:nvPr>
-            <p:ph type="title"/>
-          </p:nvPr>
-        </p:nvSpPr>
-        <p:spPr/>
-        <p:txBody>
-          <a:bodyPr/>
-          <a:lstStyle/>
-          <a:p>
-            <a:r>
-              <a:rPr lang="en-US" altLang="zh-TW" dirty="0" smtClean="0"/>
-              <a:t>JMX</a:t>
-            </a:r>
-            <a:endParaRPr lang="zh-TW" altLang="en-US" dirty="0"/>
-          </a:p>
-        </p:txBody>
-      </p:sp>
-      <p:sp>
-        <p:nvSpPr>
-          <p:cNvPr id="5" name="內容版面配置區 4"/>
-          <p:cNvSpPr>
-            <a:spLocks noGrp="1"/>
-          </p:cNvSpPr>
-          <p:nvPr>
-            <p:ph idx="1"/>
-          </p:nvPr>
-        </p:nvSpPr>
-        <p:spPr>
-          <a:xfrm>
-            <a:off x="179512" y="1423317"/>
-            <a:ext cx="7992888" cy="4525963"/>
-          </a:xfrm>
-        </p:spPr>
-        <p:txBody>
-          <a:bodyPr>
-            <a:normAutofit lnSpcReduction="10000"/>
-          </a:bodyPr>
-          <a:lstStyle/>
-          <a:p>
-            <a:r>
-              <a:rPr lang="en-US" altLang="zh-TW" dirty="0" smtClean="0"/>
-              <a:t>JVMPI is predecessor of JVMPI</a:t>
-            </a:r>
-          </a:p>
-          <a:p>
-            <a:r>
-              <a:rPr lang="en-US" altLang="zh-TW" dirty="0" smtClean="0"/>
-              <a:t>PROS</a:t>
-            </a:r>
-          </a:p>
-          <a:p>
-            <a:pPr lvl="1"/>
-            <a:r>
-              <a:rPr lang="en-US" altLang="zh-TW" dirty="0" smtClean="0"/>
-              <a:t> </a:t>
-            </a:r>
-            <a:r>
-              <a:rPr lang="zh-TW" altLang="en-US" dirty="0" smtClean="0"/>
-              <a:t>你可以得到所有你想要的東西。</a:t>
-            </a:r>
-            <a:endParaRPr lang="en-US" altLang="zh-TW" dirty="0" smtClean="0"/>
-          </a:p>
-          <a:p>
-            <a:r>
-              <a:rPr lang="en-US" altLang="zh-TW" dirty="0" smtClean="0"/>
-              <a:t>CONS</a:t>
-            </a:r>
-          </a:p>
-          <a:p>
-            <a:pPr lvl="1"/>
-            <a:r>
-              <a:rPr lang="en-US" altLang="zh-TW" dirty="0"/>
-              <a:t>VM specific </a:t>
-            </a:r>
-            <a:r>
-              <a:rPr lang="zh-TW" altLang="en-US" dirty="0"/>
-              <a:t>不是每個</a:t>
-            </a:r>
-            <a:r>
-              <a:rPr lang="en-US" altLang="zh-TW" dirty="0"/>
-              <a:t>JVM</a:t>
-            </a:r>
-            <a:r>
-              <a:rPr lang="zh-TW" altLang="en-US" dirty="0"/>
-              <a:t>都一定有實作。</a:t>
-            </a:r>
-            <a:endParaRPr lang="en-US" altLang="zh-TW" dirty="0"/>
-          </a:p>
-          <a:p>
-            <a:pPr lvl="1"/>
-            <a:r>
-              <a:rPr lang="zh-TW" altLang="en-US" dirty="0"/>
-              <a:t>這不是直接給</a:t>
-            </a:r>
-            <a:r>
-              <a:rPr lang="en-US" altLang="zh-TW" dirty="0"/>
-              <a:t>Application Developer </a:t>
-            </a:r>
-            <a:r>
-              <a:rPr lang="zh-TW" altLang="en-US" dirty="0"/>
-              <a:t>用的玩意。</a:t>
-            </a:r>
-            <a:endParaRPr lang="en-US" altLang="zh-TW" dirty="0"/>
-          </a:p>
-          <a:p>
-            <a:pPr marL="0" indent="0">
-              <a:buNone/>
-            </a:pPr>
-            <a:endParaRPr lang="en-US" altLang="zh-TW" dirty="0" smtClean="0"/>
-          </a:p>
-          <a:p>
-            <a:pPr marL="0" indent="0">
-              <a:buNone/>
-            </a:pPr>
-            <a:r>
-              <a:rPr lang="zh-TW" altLang="en-US" dirty="0" smtClean="0"/>
-              <a:t>要用得用基於這個介面開發出來的工具，例如</a:t>
-            </a:r>
-            <a:r>
-              <a:rPr lang="en-US" altLang="zh-TW" dirty="0" smtClean="0"/>
-              <a:t>Visual VM</a:t>
-            </a:r>
-            <a:r>
-              <a:rPr lang="zh-TW" altLang="en-US" dirty="0" smtClean="0"/>
-              <a:t>。</a:t>
-            </a:r>
-            <a:endParaRPr lang="en-US" altLang="zh-TW" dirty="0" smtClean="0"/>
-          </a:p>
-        </p:txBody>
-      </p:sp>
-    </p:spTree>
-    <p:extLst>
-      <p:ext uri="{BB962C8B-B14F-4D97-AF65-F5344CB8AC3E}">
-        <p14:creationId xmlns:p14="http://schemas.microsoft.com/office/powerpoint/2010/main" val="724910203"/>
-      </p:ext>
-    </p:extLst>
-  </p:cSld>
-  <p:clrMapOvr>
-    <a:masterClrMapping/>
-  </p:clrMapOvr>
-  <p:timing>
-    <p:tnLst>
-      <p:par>
-        <p:cTn id="1" dur="indefinite" restart="never" nodeType="tmRoot">
-          <p:childTnLst>
-            <p:seq concurrent="1" nextAc="seek">
-              <p:cTn id="2" dur="indefinite" nodeType="mainSeq">
-                <p:childTnLst>
-                  <p:par>
-                    <p:cTn id="3" fill="hold">
-                      <p:stCondLst>
-                        <p:cond delay="indefinite"/>
-                      </p:stCondLst>
-                      <p:childTnLst>
-                        <p:par>
-                          <p:cTn id="4" fill="hold">
-                            <p:stCondLst>
-                              <p:cond delay="0"/>
-                            </p:stCondLst>
-                            <p:childTnLst>
-                              <p:par>
-                                <p:cTn id="5" presetID="1" presetClass="entr" presetSubtype="0" fill="hold" nodeType="clickEffect">
-                                  <p:stCondLst>
-                                    <p:cond delay="0"/>
-                                  </p:stCondLst>
-                                  <p:childTnLst>
-                                    <p:set>
-                                      <p:cBhvr>
-                                        <p:cTn id="6" dur="1" fill="hold">
-                                          <p:stCondLst>
-                                            <p:cond delay="0"/>
-                                          </p:stCondLst>
-                                        </p:cTn>
-                                        <p:tgtEl>
-                                          <p:spTgt spid="5">
-                                            <p:txEl>
-                                              <p:pRg st="2" end="2"/>
-                                            </p:txEl>
-                                          </p:spTgt>
-                                        </p:tgtEl>
-                                        <p:attrNameLst>
-                                          <p:attrName>style.visibility</p:attrName>
-                                        </p:attrNameLst>
-                                      </p:cBhvr>
-                                      <p:to>
-                                        <p:strVal val="visible"/>
-                                      </p:to>
-                                    </p:set>
-                                  </p:childTnLst>
-                                </p:cTn>
-                              </p:par>
-                            </p:childTnLst>
-                          </p:cTn>
-                        </p:par>
-                      </p:childTnLst>
-                    </p:cTn>
-                  </p:par>
-                  <p:par>
-                    <p:cTn id="7" fill="hold">
-                      <p:stCondLst>
-                        <p:cond delay="indefinite"/>
-                      </p:stCondLst>
-                      <p:childTnLst>
-                        <p:par>
-                          <p:cTn id="8" fill="hold">
-                            <p:stCondLst>
-                              <p:cond delay="0"/>
-                            </p:stCondLst>
-                            <p:childTnLst>
-                              <p:par>
-                                <p:cTn id="9" presetID="1" presetClass="entr" presetSubtype="0" fill="hold" nodeType="clickEffect">
-                                  <p:stCondLst>
-                                    <p:cond delay="0"/>
-                                  </p:stCondLst>
-                                  <p:childTnLst>
-                                    <p:set>
-                                      <p:cBhvr>
-                                        <p:cTn id="10" dur="1" fill="hold">
-                                          <p:stCondLst>
-                                            <p:cond delay="0"/>
-                                          </p:stCondLst>
-                                        </p:cTn>
-                                        <p:tgtEl>
-                                          <p:spTgt spid="5">
-                                            <p:txEl>
-                                              <p:pRg st="4" end="4"/>
-                                            </p:txEl>
-                                          </p:spTgt>
-                                        </p:tgtEl>
-                                        <p:attrNameLst>
-                                          <p:attrName>style.visibility</p:attrName>
-                                        </p:attrNameLst>
-                                      </p:cBhvr>
-                                      <p:to>
-                                        <p:strVal val="visible"/>
-                                      </p:to>
-                                    </p:set>
-                                  </p:childTnLst>
-                                </p:cTn>
-                              </p:par>
-                              <p:par>
-                                <p:cTn id="11" presetID="1" presetClass="entr" presetSubtype="0" fill="hold" nodeType="withEffect">
-                                  <p:stCondLst>
-                                    <p:cond delay="0"/>
-                                  </p:stCondLst>
-                                  <p:childTnLst>
-                                    <p:set>
-                                      <p:cBhvr>
-                                        <p:cTn id="12" dur="1" fill="hold">
-                                          <p:stCondLst>
-                                            <p:cond delay="0"/>
-                                          </p:stCondLst>
-                                        </p:cTn>
-                                        <p:tgtEl>
-                                          <p:spTgt spid="5">
-                                            <p:txEl>
-                                              <p:pRg st="5" end="5"/>
-                                            </p:txEl>
-                                          </p:spTgt>
-                                        </p:tgtEl>
-                                        <p:attrNameLst>
-                                          <p:attrName>style.visibility</p:attrName>
-                                        </p:attrNameLst>
-                                      </p:cBhvr>
-                                      <p:to>
-                                        <p:strVal val="visible"/>
-                                      </p:to>
-                                    </p:set>
-                                  </p:childTnLst>
-                                </p:cTn>
-                              </p:par>
-                            </p:childTnLst>
-                          </p:cTn>
-                        </p:par>
-                      </p:childTnLst>
-                    </p:cTn>
-                  </p:par>
-                  <p:par>
-                    <p:cTn id="13" fill="hold">
-                      <p:stCondLst>
-                        <p:cond delay="indefinite"/>
-                      </p:stCondLst>
-                      <p:childTnLst>
-                        <p:par>
-                          <p:cTn id="14" fill="hold">
-                            <p:stCondLst>
-                              <p:cond delay="0"/>
-                            </p:stCondLst>
-                            <p:childTnLst>
-                              <p:par>
-                                <p:cTn id="15" presetID="1" presetClass="entr" presetSubtype="0" fill="hold" nodeType="clickEffect">
-                                  <p:stCondLst>
-                                    <p:cond delay="0"/>
-                                  </p:stCondLst>
-                                  <p:childTnLst>
-                                    <p:set>
-                                      <p:cBhvr>
-                                        <p:cTn id="16" dur="1" fill="hold">
-                                          <p:stCondLst>
-                                            <p:cond delay="0"/>
-                                          </p:stCondLst>
-                                        </p:cTn>
-                                        <p:tgtEl>
-                                          <p:spTgt spid="5">
-                                            <p:txEl>
-                                              <p:pRg st="7" end="7"/>
-                                            </p:txEl>
-                                          </p:spTgt>
-                                        </p:tgtEl>
-                                        <p:attrNameLst>
-                                          <p:attrName>style.visibility</p:attrName>
-                                        </p:attrNameLst>
-                                      </p:cBhvr>
-                                      <p:to>
-                                        <p:strVal val="visible"/>
-                                      </p:to>
-                                    </p:set>
-                                  </p:childTnLst>
-                                </p:cTn>
-                              </p:par>
-                            </p:childTnLst>
-                          </p:cTn>
-                        </p:par>
-                      </p:childTnLst>
-                    </p:cTn>
-                  </p:par>
-                </p:childTnLst>
-              </p:cTn>
-              <p:prevCondLst>
-                <p:cond evt="onPrev" delay="0">
-                  <p:tgtEl>
-                    <p:sldTgt/>
-                  </p:tgtEl>
-                </p:cond>
-              </p:prevCondLst>
-              <p:nextCondLst>
-                <p:cond evt="onNext" delay="0">
-                  <p:tgtEl>
-                    <p:sldTgt/>
-                  </p:tgtEl>
-                </p:cond>
-              </p:nextCondLst>
-            </p:seq>
-          </p:childTnLst>
-        </p:cTn>
-      </p:par>
-    </p:tnLst>
-  </p:timing>
-</p:sld>
-</file>
-
-<file path=ppt/slides/slide3.xml><?xml version="1.0" encoding="utf-8"?>
-<p:sld xmlns:a="http://schemas.openxmlformats.org/drawingml/2006/main" xmlns:r="http://schemas.openxmlformats.org/officeDocument/2006/relationships" xmlns:p="http://schemas.openxmlformats.org/presentationml/2006/main">
-  <p:cSld>
-    <p:spTree>
-      <p:nvGrpSpPr>
-        <p:cNvPr id="1" name=""/>
-        <p:cNvGrpSpPr/>
-        <p:nvPr/>
-      </p:nvGrpSpPr>
-      <p:grpSpPr>
-        <a:xfrm>
-          <a:off x="0" y="0"/>
-          <a:ext cx="0" cy="0"/>
-          <a:chOff x="0" y="0"/>
-          <a:chExt cx="0" cy="0"/>
-        </a:xfrm>
-      </p:grpSpPr>
-      <p:sp>
-        <p:nvSpPr>
-          <p:cNvPr id="4" name="標題 3"/>
-          <p:cNvSpPr>
-            <a:spLocks noGrp="1"/>
-          </p:cNvSpPr>
-          <p:nvPr>
-            <p:ph type="title"/>
-          </p:nvPr>
-        </p:nvSpPr>
-        <p:spPr/>
-        <p:txBody>
-          <a:bodyPr/>
-          <a:lstStyle/>
-          <a:p>
-            <a:r>
-              <a:rPr lang="zh-TW" altLang="en-US" dirty="0" smtClean="0"/>
-              <a:t>議程</a:t>
-            </a:r>
-            <a:endParaRPr lang="zh-TW" altLang="en-US" dirty="0"/>
-          </a:p>
-        </p:txBody>
-      </p:sp>
-      <p:sp>
-        <p:nvSpPr>
-          <p:cNvPr id="5" name="內容版面配置區 4"/>
-          <p:cNvSpPr>
-            <a:spLocks noGrp="1"/>
-          </p:cNvSpPr>
-          <p:nvPr>
-            <p:ph idx="1"/>
-          </p:nvPr>
-        </p:nvSpPr>
-        <p:spPr/>
-        <p:txBody>
-          <a:bodyPr>
-            <a:normAutofit fontScale="92500" lnSpcReduction="20000"/>
-          </a:bodyPr>
-          <a:lstStyle/>
-          <a:p>
-            <a:r>
-              <a:rPr lang="zh-TW" altLang="en-US" dirty="0" smtClean="0"/>
-              <a:t>一段出國打工的經歷</a:t>
-            </a:r>
-            <a:endParaRPr lang="en-US" altLang="zh-TW" dirty="0" smtClean="0"/>
-          </a:p>
-          <a:p>
-            <a:r>
-              <a:rPr lang="zh-TW" altLang="en-US" dirty="0" smtClean="0"/>
-              <a:t>事件後的反省</a:t>
-            </a:r>
-            <a:r>
-              <a:rPr lang="zh-TW" altLang="en-US" dirty="0"/>
-              <a:t>與</a:t>
-            </a:r>
-            <a:r>
-              <a:rPr lang="zh-TW" altLang="en-US" dirty="0" smtClean="0"/>
-              <a:t>探索</a:t>
-            </a:r>
-            <a:endParaRPr lang="en-US" altLang="zh-TW" dirty="0" smtClean="0"/>
-          </a:p>
-          <a:p>
-            <a:r>
-              <a:rPr lang="en-US" altLang="zh-TW" dirty="0" smtClean="0"/>
-              <a:t>Java </a:t>
-            </a:r>
-            <a:r>
-              <a:rPr lang="zh-TW" altLang="en-US" dirty="0" smtClean="0"/>
-              <a:t>世界的</a:t>
-            </a:r>
-            <a:r>
-              <a:rPr lang="en-US" altLang="zh-TW" dirty="0" smtClean="0"/>
-              <a:t>Monitoring Solution</a:t>
-            </a:r>
-          </a:p>
-          <a:p>
-            <a:pPr lvl="1"/>
-            <a:r>
-              <a:rPr lang="en-US" altLang="zh-TW" dirty="0" smtClean="0"/>
-              <a:t>JVMPI/JVMTI</a:t>
-            </a:r>
-          </a:p>
-          <a:p>
-            <a:pPr lvl="1"/>
-            <a:r>
-              <a:rPr lang="en-US" altLang="zh-TW" dirty="0"/>
-              <a:t>Java </a:t>
-            </a:r>
-            <a:r>
-              <a:rPr lang="en-US" altLang="zh-TW" dirty="0" smtClean="0"/>
-              <a:t>Instrumentation</a:t>
-            </a:r>
-          </a:p>
-          <a:p>
-            <a:pPr lvl="1"/>
-            <a:r>
-              <a:rPr lang="en-US" altLang="zh-TW" dirty="0" smtClean="0"/>
-              <a:t>JMX</a:t>
-            </a:r>
-          </a:p>
-          <a:p>
-            <a:pPr lvl="1"/>
-            <a:r>
-              <a:rPr lang="en-US" altLang="zh-TW" dirty="0"/>
-              <a:t>Logging </a:t>
-            </a:r>
-            <a:r>
-              <a:rPr lang="en-US" altLang="zh-TW" dirty="0" smtClean="0"/>
-              <a:t>Solutions</a:t>
-            </a:r>
-            <a:endParaRPr lang="en-US" altLang="zh-TW" dirty="0"/>
-          </a:p>
-          <a:p>
-            <a:r>
-              <a:rPr lang="en-US" altLang="zh-TW" dirty="0" err="1" smtClean="0"/>
-              <a:t>Zmonitor</a:t>
-            </a:r>
-            <a:r>
-              <a:rPr lang="en-US" altLang="zh-TW" dirty="0" smtClean="0"/>
-              <a:t> </a:t>
-            </a:r>
-          </a:p>
-          <a:p>
-            <a:r>
-              <a:rPr lang="en-US" altLang="zh-TW" dirty="0" err="1" smtClean="0"/>
-              <a:t>Logback</a:t>
-            </a:r>
-            <a:endParaRPr lang="en-US" altLang="zh-TW" dirty="0" smtClean="0"/>
-          </a:p>
-          <a:p>
-            <a:r>
-              <a:rPr lang="zh-TW" altLang="en-US" dirty="0" smtClean="0"/>
-              <a:t>結語</a:t>
-            </a:r>
-            <a:endParaRPr lang="en-US" altLang="zh-TW" dirty="0" smtClean="0"/>
-          </a:p>
-          <a:p>
-            <a:endParaRPr lang="en-US" altLang="zh-TW" dirty="0" smtClean="0"/>
-          </a:p>
-          <a:p>
-            <a:endParaRPr lang="zh-TW" altLang="en-US" dirty="0"/>
-          </a:p>
-        </p:txBody>
-      </p:sp>
-    </p:spTree>
-    <p:extLst>
-      <p:ext uri="{BB962C8B-B14F-4D97-AF65-F5344CB8AC3E}">
-        <p14:creationId xmlns:p14="http://schemas.microsoft.com/office/powerpoint/2010/main" val="65311128"/>
-      </p:ext>
-    </p:extLst>
-  </p:cSld>
-  <p:clrMapOvr>
-    <a:masterClrMapping/>
-  </p:clrMapOvr>
-  <p:timing>
-    <p:tnLst>
-      <p:par>
-        <p:cTn id="1" dur="indefinite" restart="never" nodeType="tmRoot"/>
-      </p:par>
-    </p:tnLst>
-  </p:timing>
-</p:sld>
-</file>
-
-<file path=ppt/slides/slide4.xml><?xml version="1.0" encoding="utf-8"?>
 <p:sld xmlns:a="http://schemas.openxmlformats.org/drawingml/2006/main" xmlns:r="http://schemas.openxmlformats.org/officeDocument/2006/relationships" xmlns:p="http://schemas.openxmlformats.org/presentationml/2006/main">
   <p:cSld>
     <p:spTree>
@@ -9112,6 +9306,8 @@
                     <a:lumOff val="25000"/>
                   </a:schemeClr>
                 </a:solidFill>
+                <a:latin typeface="微軟正黑體" pitchFamily="34" charset="-120"/>
+                <a:ea typeface="微軟正黑體" pitchFamily="34" charset="-120"/>
               </a:rPr>
               <a:t>的目的</a:t>
             </a:r>
@@ -9122,6 +9318,8 @@
                   <a:lumOff val="25000"/>
                 </a:schemeClr>
               </a:solidFill>
+              <a:latin typeface="微軟正黑體" pitchFamily="34" charset="-120"/>
+              <a:ea typeface="微軟正黑體" pitchFamily="34" charset="-120"/>
             </a:endParaRPr>
           </a:p>
         </p:txBody>
@@ -9151,15 +9349,24 @@
               <a:buNone/>
             </a:pPr>
             <a:r>
-              <a:rPr lang="zh-TW" altLang="en-US" dirty="0"/>
+              <a:rPr lang="zh-TW" altLang="en-US" dirty="0">
+                <a:latin typeface="微軟正黑體" pitchFamily="34" charset="-120"/>
+                <a:ea typeface="微軟正黑體" pitchFamily="34" charset="-120"/>
+              </a:rPr>
               <a:t>作為一個開發</a:t>
             </a:r>
             <a:r>
-              <a:rPr lang="zh-TW" altLang="en-US" dirty="0" smtClean="0"/>
+              <a:rPr lang="zh-TW" altLang="en-US" dirty="0" smtClean="0">
+                <a:latin typeface="微軟正黑體" pitchFamily="34" charset="-120"/>
+                <a:ea typeface="微軟正黑體" pitchFamily="34" charset="-120"/>
+              </a:rPr>
               <a:t>者</a:t>
             </a:r>
             <a:r>
-              <a:rPr lang="en-US" altLang="zh-TW" dirty="0" smtClean="0"/>
+              <a:rPr lang="en-US" altLang="zh-TW" dirty="0" smtClean="0">
+                <a:latin typeface="微軟正黑體" pitchFamily="34" charset="-120"/>
+                <a:ea typeface="微軟正黑體" pitchFamily="34" charset="-120"/>
+              </a:rPr>
               <a:t>…</a:t>
             </a:r>
           </a:p>
@@ -9168,42 +9375,66 @@
               <a:buNone/>
             </a:pPr>
             <a:r>
-              <a:rPr lang="en-US" altLang="zh-TW" dirty="0" smtClean="0"/>
+              <a:rPr lang="en-US" altLang="zh-TW" dirty="0" smtClean="0">
+                <a:latin typeface="微軟正黑體" pitchFamily="34" charset="-120"/>
+                <a:ea typeface="微軟正黑體" pitchFamily="34" charset="-120"/>
+              </a:rPr>
               <a:t/>
             </a:r>
             <a:br>
-              <a:rPr lang="en-US" altLang="zh-TW" dirty="0" smtClean="0"/>
+              <a:rPr lang="en-US" altLang="zh-TW" dirty="0" smtClean="0">
+                <a:latin typeface="微軟正黑體" pitchFamily="34" charset="-120"/>
+                <a:ea typeface="微軟正黑體" pitchFamily="34" charset="-120"/>
+              </a:rPr>
             </a:br>
             <a:r>
-              <a:rPr lang="zh-TW" altLang="en-US" dirty="0" smtClean="0"/>
+              <a:rPr lang="zh-TW" altLang="en-US" dirty="0" smtClean="0">
+                <a:latin typeface="微軟正黑體" pitchFamily="34" charset="-120"/>
+                <a:ea typeface="微軟正黑體" pitchFamily="34" charset="-120"/>
+              </a:rPr>
               <a:t>如何在開發</a:t>
             </a:r>
             <a:r>
-              <a:rPr lang="zh-TW" altLang="en-US" dirty="0"/>
+              <a:rPr lang="zh-TW" altLang="en-US" dirty="0">
+                <a:latin typeface="微軟正黑體" pitchFamily="34" charset="-120"/>
+                <a:ea typeface="微軟正黑體" pitchFamily="34" charset="-120"/>
+              </a:rPr>
               <a:t>的</a:t>
             </a:r>
             <a:r>
-              <a:rPr lang="zh-TW" altLang="en-US" dirty="0" smtClean="0"/>
+              <a:rPr lang="zh-TW" altLang="en-US" dirty="0" smtClean="0">
+                <a:latin typeface="微軟正黑體" pitchFamily="34" charset="-120"/>
+                <a:ea typeface="微軟正黑體" pitchFamily="34" charset="-120"/>
+              </a:rPr>
               <a:t>階段就能早期發現問題？</a:t>
             </a:r>
-            <a:endParaRPr lang="en-US" altLang="zh-TW" dirty="0"/>
-          </a:p>
-          <a:p>
-            <a:pPr marL="0" indent="0">
-              <a:buNone/>
-            </a:pPr>
-            <a:r>
-              <a:rPr lang="zh-TW" altLang="en-US" dirty="0" smtClean="0"/>
+            <a:endParaRPr lang="en-US" altLang="zh-TW" dirty="0">
+              <a:latin typeface="微軟正黑體" pitchFamily="34" charset="-120"/>
+              <a:ea typeface="微軟正黑體" pitchFamily="34" charset="-120"/>
+            </a:endParaRPr>
+          </a:p>
+          <a:p>
+            <a:pPr marL="0" indent="0">
+              <a:buNone/>
+            </a:pPr>
+            <a:r>
+              <a:rPr lang="zh-TW" altLang="en-US" dirty="0" smtClean="0">
+                <a:latin typeface="微軟正黑體" pitchFamily="34" charset="-120"/>
+                <a:ea typeface="微軟正黑體" pitchFamily="34" charset="-120"/>
+              </a:rPr>
               <a:t>如何在系統上線後，可以確保有效的維運？</a:t>
             </a:r>
-            <a:endParaRPr lang="zh-TW" altLang="en-US" dirty="0"/>
+            <a:endParaRPr lang="zh-TW" altLang="en-US" dirty="0">
+              <a:latin typeface="微軟正黑體" pitchFamily="34" charset="-120"/>
+              <a:ea typeface="微軟正黑體" pitchFamily="34" charset="-120"/>
+            </a:endParaRPr>
           </a:p>
         </p:txBody>
       </p:sp>
     </p:spTree>
     <p:extLst>
       <p:ext uri="{BB962C8B-B14F-4D97-AF65-F5344CB8AC3E}">
-        <p14:creationId xmlns:p14="http://schemas.microsoft.com/office/powerpoint/2010/main" val="3834751867"/>
+        <p14:creationId xmlns:p14="http://schemas.microsoft.com/office/powerpoint/2010/main" val="2487940866"/>
       </p:ext>
     </p:extLst>
   </p:cSld>
@@ -9341,6 +9572,4358 @@
 </p:sld>
 </file>
 
+<file path=ppt/slides/slide26.xml><?xml version="1.0" encoding="utf-8"?>
+<p:sld xmlns:a="http://schemas.openxmlformats.org/drawingml/2006/main" xmlns:r="http://schemas.openxmlformats.org/officeDocument/2006/relationships" xmlns:p="http://schemas.openxmlformats.org/presentationml/2006/main">
+  <p:cSld>
+    <p:spTree>
+      <p:nvGrpSpPr>
+        <p:cNvPr id="1" name=""/>
+        <p:cNvGrpSpPr/>
+        <p:nvPr/>
+      </p:nvGrpSpPr>
+      <p:grpSpPr>
+        <a:xfrm>
+          <a:off x="0" y="0"/>
+          <a:ext cx="0" cy="0"/>
+          <a:chOff x="0" y="0"/>
+          <a:chExt cx="0" cy="0"/>
+        </a:xfrm>
+      </p:grpSpPr>
+      <p:sp>
+        <p:nvSpPr>
+          <p:cNvPr id="4" name="標題 3"/>
+          <p:cNvSpPr>
+            <a:spLocks noGrp="1"/>
+          </p:cNvSpPr>
+          <p:nvPr>
+            <p:ph type="title"/>
+          </p:nvPr>
+        </p:nvSpPr>
+        <p:spPr/>
+        <p:txBody>
+          <a:bodyPr/>
+          <a:lstStyle/>
+          <a:p>
+            <a:r>
+              <a:rPr lang="zh-TW" altLang="en-US" dirty="0" smtClean="0">
+                <a:latin typeface="微軟正黑體" pitchFamily="34" charset="-120"/>
+                <a:ea typeface="微軟正黑體" pitchFamily="34" charset="-120"/>
+              </a:rPr>
+              <a:t>有哪些方案？</a:t>
+            </a:r>
+            <a:endParaRPr lang="zh-TW" altLang="en-US" dirty="0">
+              <a:latin typeface="微軟正黑體" pitchFamily="34" charset="-120"/>
+              <a:ea typeface="微軟正黑體" pitchFamily="34" charset="-120"/>
+            </a:endParaRPr>
+          </a:p>
+        </p:txBody>
+      </p:sp>
+      <p:sp>
+        <p:nvSpPr>
+          <p:cNvPr id="5" name="內容版面配置區 4"/>
+          <p:cNvSpPr>
+            <a:spLocks noGrp="1"/>
+          </p:cNvSpPr>
+          <p:nvPr>
+            <p:ph idx="1"/>
+          </p:nvPr>
+        </p:nvSpPr>
+        <p:spPr>
+          <a:xfrm>
+            <a:off x="179512" y="1423317"/>
+            <a:ext cx="7992888" cy="4525963"/>
+          </a:xfrm>
+        </p:spPr>
+        <p:txBody>
+          <a:bodyPr>
+            <a:normAutofit/>
+          </a:bodyPr>
+          <a:lstStyle/>
+          <a:p>
+            <a:r>
+              <a:rPr lang="en-US" altLang="zh-TW" dirty="0" smtClean="0"/>
+              <a:t>JVMPI/JVMTI</a:t>
+            </a:r>
+          </a:p>
+          <a:p>
+            <a:pPr lvl="1"/>
+            <a:r>
+              <a:rPr lang="en-US" altLang="zh-TW" dirty="0" smtClean="0"/>
+              <a:t>Visual VM</a:t>
+            </a:r>
+          </a:p>
+          <a:p>
+            <a:r>
+              <a:rPr lang="en-US" altLang="zh-TW" dirty="0" smtClean="0"/>
+              <a:t>JMX + </a:t>
+            </a:r>
+            <a:r>
+              <a:rPr lang="en-US" altLang="zh-TW" dirty="0" err="1" smtClean="0"/>
+              <a:t>jConsole</a:t>
+            </a:r>
+            <a:endParaRPr lang="en-US" altLang="zh-TW" dirty="0" smtClean="0"/>
+          </a:p>
+          <a:p>
+            <a:r>
+              <a:rPr lang="en-US" altLang="zh-TW" dirty="0" smtClean="0"/>
+              <a:t>Logging Solution</a:t>
+            </a:r>
+          </a:p>
+          <a:p>
+            <a:pPr lvl="1"/>
+            <a:r>
+              <a:rPr lang="en-US" altLang="zh-TW" dirty="0" smtClean="0"/>
+              <a:t>Log4j</a:t>
+            </a:r>
+          </a:p>
+          <a:p>
+            <a:pPr lvl="1"/>
+            <a:r>
+              <a:rPr lang="en-US" altLang="zh-TW" dirty="0" err="1" smtClean="0"/>
+              <a:t>Logback</a:t>
+            </a:r>
+            <a:endParaRPr lang="en-US" altLang="zh-TW" dirty="0" smtClean="0"/>
+          </a:p>
+          <a:p>
+            <a:pPr marL="457200" lvl="1" indent="0">
+              <a:buNone/>
+            </a:pPr>
+            <a:endParaRPr lang="en-US" altLang="zh-TW" dirty="0" smtClean="0"/>
+          </a:p>
+        </p:txBody>
+      </p:sp>
+    </p:spTree>
+    <p:extLst>
+      <p:ext uri="{BB962C8B-B14F-4D97-AF65-F5344CB8AC3E}">
+        <p14:creationId xmlns:p14="http://schemas.microsoft.com/office/powerpoint/2010/main" val="2598038300"/>
+      </p:ext>
+    </p:extLst>
+  </p:cSld>
+  <p:clrMapOvr>
+    <a:masterClrMapping/>
+  </p:clrMapOvr>
+  <p:timing>
+    <p:tnLst>
+      <p:par>
+        <p:cTn id="1" dur="indefinite" restart="never" nodeType="tmRoot">
+          <p:childTnLst>
+            <p:seq concurrent="1" nextAc="seek">
+              <p:cTn id="2" dur="indefinite" nodeType="mainSeq">
+                <p:childTnLst>
+                  <p:par>
+                    <p:cTn id="3" fill="hold">
+                      <p:stCondLst>
+                        <p:cond delay="indefinite"/>
+                      </p:stCondLst>
+                      <p:childTnLst>
+                        <p:par>
+                          <p:cTn id="4" fill="hold">
+                            <p:stCondLst>
+                              <p:cond delay="0"/>
+                            </p:stCondLst>
+                            <p:childTnLst>
+                              <p:par>
+                                <p:cTn id="5" presetID="1" presetClass="entr" presetSubtype="0" fill="hold" nodeType="clickEffect">
+                                  <p:stCondLst>
+                                    <p:cond delay="0"/>
+                                  </p:stCondLst>
+                                  <p:childTnLst>
+                                    <p:set>
+                                      <p:cBhvr>
+                                        <p:cTn id="6" dur="1" fill="hold">
+                                          <p:stCondLst>
+                                            <p:cond delay="0"/>
+                                          </p:stCondLst>
+                                        </p:cTn>
+                                        <p:tgtEl>
+                                          <p:spTgt spid="5">
+                                            <p:txEl>
+                                              <p:pRg st="0" end="0"/>
+                                            </p:txEl>
+                                          </p:spTgt>
+                                        </p:tgtEl>
+                                        <p:attrNameLst>
+                                          <p:attrName>style.visibility</p:attrName>
+                                        </p:attrNameLst>
+                                      </p:cBhvr>
+                                      <p:to>
+                                        <p:strVal val="visible"/>
+                                      </p:to>
+                                    </p:set>
+                                  </p:childTnLst>
+                                </p:cTn>
+                              </p:par>
+                              <p:par>
+                                <p:cTn id="7" presetID="1" presetClass="entr" presetSubtype="0" fill="hold" nodeType="withEffect">
+                                  <p:stCondLst>
+                                    <p:cond delay="0"/>
+                                  </p:stCondLst>
+                                  <p:childTnLst>
+                                    <p:set>
+                                      <p:cBhvr>
+                                        <p:cTn id="8" dur="1" fill="hold">
+                                          <p:stCondLst>
+                                            <p:cond delay="0"/>
+                                          </p:stCondLst>
+                                        </p:cTn>
+                                        <p:tgtEl>
+                                          <p:spTgt spid="5">
+                                            <p:txEl>
+                                              <p:pRg st="1" end="1"/>
+                                            </p:txEl>
+                                          </p:spTgt>
+                                        </p:tgtEl>
+                                        <p:attrNameLst>
+                                          <p:attrName>style.visibility</p:attrName>
+                                        </p:attrNameLst>
+                                      </p:cBhvr>
+                                      <p:to>
+                                        <p:strVal val="visible"/>
+                                      </p:to>
+                                    </p:set>
+                                  </p:childTnLst>
+                                </p:cTn>
+                              </p:par>
+                            </p:childTnLst>
+                          </p:cTn>
+                        </p:par>
+                      </p:childTnLst>
+                    </p:cTn>
+                  </p:par>
+                  <p:par>
+                    <p:cTn id="9" fill="hold">
+                      <p:stCondLst>
+                        <p:cond delay="indefinite"/>
+                      </p:stCondLst>
+                      <p:childTnLst>
+                        <p:par>
+                          <p:cTn id="10" fill="hold">
+                            <p:stCondLst>
+                              <p:cond delay="0"/>
+                            </p:stCondLst>
+                            <p:childTnLst>
+                              <p:par>
+                                <p:cTn id="11" presetID="1" presetClass="entr" presetSubtype="0" fill="hold" nodeType="clickEffect">
+                                  <p:stCondLst>
+                                    <p:cond delay="0"/>
+                                  </p:stCondLst>
+                                  <p:childTnLst>
+                                    <p:set>
+                                      <p:cBhvr>
+                                        <p:cTn id="12" dur="1" fill="hold">
+                                          <p:stCondLst>
+                                            <p:cond delay="0"/>
+                                          </p:stCondLst>
+                                        </p:cTn>
+                                        <p:tgtEl>
+                                          <p:spTgt spid="5">
+                                            <p:txEl>
+                                              <p:pRg st="2" end="2"/>
+                                            </p:txEl>
+                                          </p:spTgt>
+                                        </p:tgtEl>
+                                        <p:attrNameLst>
+                                          <p:attrName>style.visibility</p:attrName>
+                                        </p:attrNameLst>
+                                      </p:cBhvr>
+                                      <p:to>
+                                        <p:strVal val="visible"/>
+                                      </p:to>
+                                    </p:set>
+                                  </p:childTnLst>
+                                </p:cTn>
+                              </p:par>
+                            </p:childTnLst>
+                          </p:cTn>
+                        </p:par>
+                      </p:childTnLst>
+                    </p:cTn>
+                  </p:par>
+                  <p:par>
+                    <p:cTn id="13" fill="hold">
+                      <p:stCondLst>
+                        <p:cond delay="indefinite"/>
+                      </p:stCondLst>
+                      <p:childTnLst>
+                        <p:par>
+                          <p:cTn id="14" fill="hold">
+                            <p:stCondLst>
+                              <p:cond delay="0"/>
+                            </p:stCondLst>
+                            <p:childTnLst>
+                              <p:par>
+                                <p:cTn id="15" presetID="1" presetClass="entr" presetSubtype="0" fill="hold" nodeType="clickEffect">
+                                  <p:stCondLst>
+                                    <p:cond delay="0"/>
+                                  </p:stCondLst>
+                                  <p:childTnLst>
+                                    <p:set>
+                                      <p:cBhvr>
+                                        <p:cTn id="16" dur="1" fill="hold">
+                                          <p:stCondLst>
+                                            <p:cond delay="0"/>
+                                          </p:stCondLst>
+                                        </p:cTn>
+                                        <p:tgtEl>
+                                          <p:spTgt spid="5">
+                                            <p:txEl>
+                                              <p:pRg st="3" end="3"/>
+                                            </p:txEl>
+                                          </p:spTgt>
+                                        </p:tgtEl>
+                                        <p:attrNameLst>
+                                          <p:attrName>style.visibility</p:attrName>
+                                        </p:attrNameLst>
+                                      </p:cBhvr>
+                                      <p:to>
+                                        <p:strVal val="visible"/>
+                                      </p:to>
+                                    </p:set>
+                                  </p:childTnLst>
+                                </p:cTn>
+                              </p:par>
+                              <p:par>
+                                <p:cTn id="17" presetID="1" presetClass="entr" presetSubtype="0" fill="hold" nodeType="withEffect">
+                                  <p:stCondLst>
+                                    <p:cond delay="0"/>
+                                  </p:stCondLst>
+                                  <p:childTnLst>
+                                    <p:set>
+                                      <p:cBhvr>
+                                        <p:cTn id="18" dur="1" fill="hold">
+                                          <p:stCondLst>
+                                            <p:cond delay="0"/>
+                                          </p:stCondLst>
+                                        </p:cTn>
+                                        <p:tgtEl>
+                                          <p:spTgt spid="5">
+                                            <p:txEl>
+                                              <p:pRg st="4" end="4"/>
+                                            </p:txEl>
+                                          </p:spTgt>
+                                        </p:tgtEl>
+                                        <p:attrNameLst>
+                                          <p:attrName>style.visibility</p:attrName>
+                                        </p:attrNameLst>
+                                      </p:cBhvr>
+                                      <p:to>
+                                        <p:strVal val="visible"/>
+                                      </p:to>
+                                    </p:set>
+                                  </p:childTnLst>
+                                </p:cTn>
+                              </p:par>
+                              <p:par>
+                                <p:cTn id="19" presetID="1" presetClass="entr" presetSubtype="0" fill="hold" nodeType="withEffect">
+                                  <p:stCondLst>
+                                    <p:cond delay="0"/>
+                                  </p:stCondLst>
+                                  <p:childTnLst>
+                                    <p:set>
+                                      <p:cBhvr>
+                                        <p:cTn id="20" dur="1" fill="hold">
+                                          <p:stCondLst>
+                                            <p:cond delay="0"/>
+                                          </p:stCondLst>
+                                        </p:cTn>
+                                        <p:tgtEl>
+                                          <p:spTgt spid="5">
+                                            <p:txEl>
+                                              <p:pRg st="5" end="5"/>
+                                            </p:txEl>
+                                          </p:spTgt>
+                                        </p:tgtEl>
+                                        <p:attrNameLst>
+                                          <p:attrName>style.visibility</p:attrName>
+                                        </p:attrNameLst>
+                                      </p:cBhvr>
+                                      <p:to>
+                                        <p:strVal val="visible"/>
+                                      </p:to>
+                                    </p:set>
+                                  </p:childTnLst>
+                                </p:cTn>
+                              </p:par>
+                            </p:childTnLst>
+                          </p:cTn>
+                        </p:par>
+                      </p:childTnLst>
+                    </p:cTn>
+                  </p:par>
+                </p:childTnLst>
+              </p:cTn>
+              <p:prevCondLst>
+                <p:cond evt="onPrev" delay="0">
+                  <p:tgtEl>
+                    <p:sldTgt/>
+                  </p:tgtEl>
+                </p:cond>
+              </p:prevCondLst>
+              <p:nextCondLst>
+                <p:cond evt="onNext" delay="0">
+                  <p:tgtEl>
+                    <p:sldTgt/>
+                  </p:tgtEl>
+                </p:cond>
+              </p:nextCondLst>
+            </p:seq>
+          </p:childTnLst>
+        </p:cTn>
+      </p:par>
+    </p:tnLst>
+  </p:timing>
+</p:sld>
+</file>
+
+<file path=ppt/slides/slide27.xml><?xml version="1.0" encoding="utf-8"?>
+<p:sld xmlns:a="http://schemas.openxmlformats.org/drawingml/2006/main" xmlns:r="http://schemas.openxmlformats.org/officeDocument/2006/relationships" xmlns:p="http://schemas.openxmlformats.org/presentationml/2006/main">
+  <p:cSld>
+    <p:spTree>
+      <p:nvGrpSpPr>
+        <p:cNvPr id="1" name=""/>
+        <p:cNvGrpSpPr/>
+        <p:nvPr/>
+      </p:nvGrpSpPr>
+      <p:grpSpPr>
+        <a:xfrm>
+          <a:off x="0" y="0"/>
+          <a:ext cx="0" cy="0"/>
+          <a:chOff x="0" y="0"/>
+          <a:chExt cx="0" cy="0"/>
+        </a:xfrm>
+      </p:grpSpPr>
+      <p:pic>
+        <p:nvPicPr>
+          <p:cNvPr id="3075" name="Picture 3" descr="D:\working_copy\java_two\2013\4ad068bc85ced.jpg"/>
+          <p:cNvPicPr>
+            <a:picLocks noChangeAspect="1" noChangeArrowheads="1"/>
+          </p:cNvPicPr>
+          <p:nvPr/>
+        </p:nvPicPr>
+        <p:blipFill>
+          <a:blip r:embed="rId2">
+            <a:extLst>
+              <a:ext uri="{28A0092B-C50C-407E-A947-70E740481C1C}">
+                <a14:useLocalDpi xmlns:a14="http://schemas.microsoft.com/office/drawing/2010/main" val="0"/>
+              </a:ext>
+            </a:extLst>
+          </a:blip>
+          <a:srcRect/>
+          <a:stretch>
+            <a:fillRect/>
+          </a:stretch>
+        </p:blipFill>
+        <p:spPr bwMode="auto">
+          <a:xfrm>
+            <a:off x="5868144" y="1052736"/>
+            <a:ext cx="2448272" cy="2448272"/>
+          </a:xfrm>
+          <a:prstGeom prst="rect">
+            <a:avLst/>
+          </a:prstGeom>
+          <a:noFill/>
+          <a:extLst>
+            <a:ext uri="{909E8E84-426E-40DD-AFC4-6F175D3DCCD1}">
+              <a14:hiddenFill xmlns:a14="http://schemas.microsoft.com/office/drawing/2010/main">
+                <a:solidFill>
+                  <a:srgbClr val="FFFFFF"/>
+                </a:solidFill>
+              </a14:hiddenFill>
+            </a:ext>
+          </a:extLst>
+        </p:spPr>
+      </p:pic>
+      <p:sp>
+        <p:nvSpPr>
+          <p:cNvPr id="4" name="標題 3"/>
+          <p:cNvSpPr>
+            <a:spLocks noGrp="1"/>
+          </p:cNvSpPr>
+          <p:nvPr>
+            <p:ph type="title"/>
+          </p:nvPr>
+        </p:nvSpPr>
+        <p:spPr/>
+        <p:txBody>
+          <a:bodyPr/>
+          <a:lstStyle/>
+          <a:p>
+            <a:r>
+              <a:rPr lang="en-US" altLang="zh-TW" dirty="0" smtClean="0"/>
+              <a:t>JVMTI</a:t>
+            </a:r>
+            <a:endParaRPr lang="zh-TW" altLang="en-US" dirty="0"/>
+          </a:p>
+        </p:txBody>
+      </p:sp>
+      <p:sp>
+        <p:nvSpPr>
+          <p:cNvPr id="5" name="內容版面配置區 4"/>
+          <p:cNvSpPr>
+            <a:spLocks noGrp="1"/>
+          </p:cNvSpPr>
+          <p:nvPr>
+            <p:ph idx="1"/>
+          </p:nvPr>
+        </p:nvSpPr>
+        <p:spPr>
+          <a:xfrm>
+            <a:off x="179512" y="1423317"/>
+            <a:ext cx="7992888" cy="4525963"/>
+          </a:xfrm>
+        </p:spPr>
+        <p:txBody>
+          <a:bodyPr>
+            <a:normAutofit/>
+          </a:bodyPr>
+          <a:lstStyle/>
+          <a:p>
+            <a:pPr marL="0" indent="0">
+              <a:buNone/>
+            </a:pPr>
+            <a:r>
+              <a:rPr lang="en-US" altLang="zh-TW" dirty="0"/>
+              <a:t>An Engineering interface of </a:t>
+            </a:r>
+            <a:r>
+              <a:rPr lang="en-US" altLang="zh-TW" dirty="0" smtClean="0"/>
+              <a:t>JVM.</a:t>
+            </a:r>
+          </a:p>
+          <a:p>
+            <a:pPr marL="0" indent="0">
+              <a:buNone/>
+            </a:pPr>
+            <a:r>
+              <a:rPr lang="en-US" altLang="zh-TW" dirty="0" smtClean="0"/>
+              <a:t>JVMPI is predecessor of JVMTI.</a:t>
+            </a:r>
+          </a:p>
+          <a:p>
+            <a:pPr marL="0" indent="0">
+              <a:buNone/>
+            </a:pPr>
+            <a:endParaRPr lang="en-US" altLang="zh-TW" dirty="0" smtClean="0"/>
+          </a:p>
+          <a:p>
+            <a:r>
+              <a:rPr lang="en-US" altLang="zh-TW" dirty="0" smtClean="0"/>
+              <a:t>PROS</a:t>
+            </a:r>
+          </a:p>
+          <a:p>
+            <a:pPr lvl="1"/>
+            <a:r>
+              <a:rPr lang="en-US" altLang="zh-TW" dirty="0" smtClean="0"/>
+              <a:t> </a:t>
+            </a:r>
+            <a:r>
+              <a:rPr lang="zh-TW" altLang="en-US" dirty="0" smtClean="0">
+                <a:latin typeface="微軟正黑體" pitchFamily="34" charset="-120"/>
+                <a:ea typeface="微軟正黑體" pitchFamily="34" charset="-120"/>
+              </a:rPr>
+              <a:t>你可以得到所有你想從</a:t>
+            </a:r>
+            <a:r>
+              <a:rPr lang="en-US" altLang="zh-TW" dirty="0" smtClean="0">
+                <a:latin typeface="微軟正黑體" pitchFamily="34" charset="-120"/>
+                <a:ea typeface="微軟正黑體" pitchFamily="34" charset="-120"/>
+              </a:rPr>
+              <a:t>JVM</a:t>
+            </a:r>
+            <a:r>
+              <a:rPr lang="zh-TW" altLang="en-US" dirty="0" smtClean="0">
+                <a:latin typeface="微軟正黑體" pitchFamily="34" charset="-120"/>
+                <a:ea typeface="微軟正黑體" pitchFamily="34" charset="-120"/>
+              </a:rPr>
+              <a:t>挖出來的資訊。</a:t>
+            </a:r>
+            <a:endParaRPr lang="en-US" altLang="zh-TW" dirty="0" smtClean="0">
+              <a:latin typeface="微軟正黑體" pitchFamily="34" charset="-120"/>
+              <a:ea typeface="微軟正黑體" pitchFamily="34" charset="-120"/>
+            </a:endParaRPr>
+          </a:p>
+          <a:p>
+            <a:r>
+              <a:rPr lang="en-US" altLang="zh-TW" dirty="0" smtClean="0"/>
+              <a:t>CONS</a:t>
+            </a:r>
+          </a:p>
+          <a:p>
+            <a:pPr lvl="1"/>
+            <a:r>
+              <a:rPr lang="zh-TW" altLang="en-US" dirty="0" smtClean="0">
+                <a:latin typeface="微軟正黑體" pitchFamily="34" charset="-120"/>
+                <a:ea typeface="微軟正黑體" pitchFamily="34" charset="-120"/>
+              </a:rPr>
+              <a:t>不是</a:t>
+            </a:r>
+            <a:r>
+              <a:rPr lang="zh-TW" altLang="en-US" dirty="0" smtClean="0">
+                <a:latin typeface="微軟正黑體" pitchFamily="34" charset="-120"/>
+                <a:ea typeface="微軟正黑體" pitchFamily="34" charset="-120"/>
+              </a:rPr>
+              <a:t>每個</a:t>
+            </a:r>
+            <a:r>
+              <a:rPr lang="en-US" altLang="zh-TW" dirty="0" smtClean="0">
+                <a:latin typeface="微軟正黑體" pitchFamily="34" charset="-120"/>
+                <a:ea typeface="微軟正黑體" pitchFamily="34" charset="-120"/>
+              </a:rPr>
+              <a:t>JVM</a:t>
+            </a:r>
+            <a:r>
+              <a:rPr lang="zh-TW" altLang="en-US" dirty="0" smtClean="0">
+                <a:latin typeface="微軟正黑體" pitchFamily="34" charset="-120"/>
+                <a:ea typeface="微軟正黑體" pitchFamily="34" charset="-120"/>
+              </a:rPr>
+              <a:t>都一定有實作。</a:t>
+            </a:r>
+          </a:p>
+          <a:p>
+            <a:pPr lvl="1"/>
+            <a:r>
+              <a:rPr lang="en-US" altLang="zh-TW" dirty="0" smtClean="0">
+                <a:latin typeface="微軟正黑體" pitchFamily="34" charset="-120"/>
+                <a:ea typeface="微軟正黑體" pitchFamily="34" charset="-120"/>
+              </a:rPr>
+              <a:t>C/C++ programming  </a:t>
+            </a:r>
+            <a:r>
+              <a:rPr lang="en-US" altLang="zh-TW" dirty="0" smtClean="0">
+                <a:latin typeface="微軟正黑體" pitchFamily="34" charset="-120"/>
+                <a:ea typeface="微軟正黑體" pitchFamily="34" charset="-120"/>
+              </a:rPr>
+              <a:t>Interface</a:t>
+            </a:r>
+            <a:endParaRPr lang="en-US" altLang="zh-TW" dirty="0" smtClean="0">
+              <a:latin typeface="微軟正黑體" pitchFamily="34" charset="-120"/>
+              <a:ea typeface="微軟正黑體" pitchFamily="34" charset="-120"/>
+            </a:endParaRPr>
+          </a:p>
+        </p:txBody>
+      </p:sp>
+    </p:spTree>
+    <p:extLst>
+      <p:ext uri="{BB962C8B-B14F-4D97-AF65-F5344CB8AC3E}">
+        <p14:creationId xmlns:p14="http://schemas.microsoft.com/office/powerpoint/2010/main" val="3402615153"/>
+      </p:ext>
+    </p:extLst>
+  </p:cSld>
+  <p:clrMapOvr>
+    <a:masterClrMapping/>
+  </p:clrMapOvr>
+  <p:timing>
+    <p:tnLst>
+      <p:par>
+        <p:cTn id="1" dur="indefinite" restart="never" nodeType="tmRoot">
+          <p:childTnLst>
+            <p:seq concurrent="1" nextAc="seek">
+              <p:cTn id="2" dur="indefinite" nodeType="mainSeq">
+                <p:childTnLst>
+                  <p:par>
+                    <p:cTn id="3" fill="hold">
+                      <p:stCondLst>
+                        <p:cond delay="indefinite"/>
+                      </p:stCondLst>
+                      <p:childTnLst>
+                        <p:par>
+                          <p:cTn id="4" fill="hold">
+                            <p:stCondLst>
+                              <p:cond delay="0"/>
+                            </p:stCondLst>
+                            <p:childTnLst>
+                              <p:par>
+                                <p:cTn id="5" presetID="1" presetClass="entr" presetSubtype="0" fill="hold" nodeType="clickEffect">
+                                  <p:stCondLst>
+                                    <p:cond delay="0"/>
+                                  </p:stCondLst>
+                                  <p:childTnLst>
+                                    <p:set>
+                                      <p:cBhvr>
+                                        <p:cTn id="6" dur="1" fill="hold">
+                                          <p:stCondLst>
+                                            <p:cond delay="0"/>
+                                          </p:stCondLst>
+                                        </p:cTn>
+                                        <p:tgtEl>
+                                          <p:spTgt spid="5">
+                                            <p:txEl>
+                                              <p:pRg st="4" end="4"/>
+                                            </p:txEl>
+                                          </p:spTgt>
+                                        </p:tgtEl>
+                                        <p:attrNameLst>
+                                          <p:attrName>style.visibility</p:attrName>
+                                        </p:attrNameLst>
+                                      </p:cBhvr>
+                                      <p:to>
+                                        <p:strVal val="visible"/>
+                                      </p:to>
+                                    </p:set>
+                                  </p:childTnLst>
+                                </p:cTn>
+                              </p:par>
+                            </p:childTnLst>
+                          </p:cTn>
+                        </p:par>
+                      </p:childTnLst>
+                    </p:cTn>
+                  </p:par>
+                  <p:par>
+                    <p:cTn id="7" fill="hold">
+                      <p:stCondLst>
+                        <p:cond delay="indefinite"/>
+                      </p:stCondLst>
+                      <p:childTnLst>
+                        <p:par>
+                          <p:cTn id="8" fill="hold">
+                            <p:stCondLst>
+                              <p:cond delay="0"/>
+                            </p:stCondLst>
+                            <p:childTnLst>
+                              <p:par>
+                                <p:cTn id="9" presetID="1" presetClass="entr" presetSubtype="0" fill="hold" nodeType="clickEffect">
+                                  <p:stCondLst>
+                                    <p:cond delay="0"/>
+                                  </p:stCondLst>
+                                  <p:childTnLst>
+                                    <p:set>
+                                      <p:cBhvr>
+                                        <p:cTn id="10" dur="1" fill="hold">
+                                          <p:stCondLst>
+                                            <p:cond delay="0"/>
+                                          </p:stCondLst>
+                                        </p:cTn>
+                                        <p:tgtEl>
+                                          <p:spTgt spid="5">
+                                            <p:txEl>
+                                              <p:pRg st="6" end="6"/>
+                                            </p:txEl>
+                                          </p:spTgt>
+                                        </p:tgtEl>
+                                        <p:attrNameLst>
+                                          <p:attrName>style.visibility</p:attrName>
+                                        </p:attrNameLst>
+                                      </p:cBhvr>
+                                      <p:to>
+                                        <p:strVal val="visible"/>
+                                      </p:to>
+                                    </p:set>
+                                  </p:childTnLst>
+                                </p:cTn>
+                              </p:par>
+                              <p:par>
+                                <p:cTn id="11" presetID="1" presetClass="entr" presetSubtype="0" fill="hold" nodeType="withEffect">
+                                  <p:stCondLst>
+                                    <p:cond delay="0"/>
+                                  </p:stCondLst>
+                                  <p:childTnLst>
+                                    <p:set>
+                                      <p:cBhvr>
+                                        <p:cTn id="12" dur="1" fill="hold">
+                                          <p:stCondLst>
+                                            <p:cond delay="0"/>
+                                          </p:stCondLst>
+                                        </p:cTn>
+                                        <p:tgtEl>
+                                          <p:spTgt spid="5">
+                                            <p:txEl>
+                                              <p:pRg st="7" end="7"/>
+                                            </p:txEl>
+                                          </p:spTgt>
+                                        </p:tgtEl>
+                                        <p:attrNameLst>
+                                          <p:attrName>style.visibility</p:attrName>
+                                        </p:attrNameLst>
+                                      </p:cBhvr>
+                                      <p:to>
+                                        <p:strVal val="visible"/>
+                                      </p:to>
+                                    </p:set>
+                                  </p:childTnLst>
+                                </p:cTn>
+                              </p:par>
+                            </p:childTnLst>
+                          </p:cTn>
+                        </p:par>
+                      </p:childTnLst>
+                    </p:cTn>
+                  </p:par>
+                </p:childTnLst>
+              </p:cTn>
+              <p:prevCondLst>
+                <p:cond evt="onPrev" delay="0">
+                  <p:tgtEl>
+                    <p:sldTgt/>
+                  </p:tgtEl>
+                </p:cond>
+              </p:prevCondLst>
+              <p:nextCondLst>
+                <p:cond evt="onNext" delay="0">
+                  <p:tgtEl>
+                    <p:sldTgt/>
+                  </p:tgtEl>
+                </p:cond>
+              </p:nextCondLst>
+            </p:seq>
+          </p:childTnLst>
+        </p:cTn>
+      </p:par>
+    </p:tnLst>
+  </p:timing>
+</p:sld>
+</file>
+
+<file path=ppt/slides/slide28.xml><?xml version="1.0" encoding="utf-8"?>
+<p:sld xmlns:a="http://schemas.openxmlformats.org/drawingml/2006/main" xmlns:r="http://schemas.openxmlformats.org/officeDocument/2006/relationships" xmlns:p="http://schemas.openxmlformats.org/presentationml/2006/main">
+  <p:cSld>
+    <p:spTree>
+      <p:nvGrpSpPr>
+        <p:cNvPr id="1" name=""/>
+        <p:cNvGrpSpPr/>
+        <p:nvPr/>
+      </p:nvGrpSpPr>
+      <p:grpSpPr>
+        <a:xfrm>
+          <a:off x="0" y="0"/>
+          <a:ext cx="0" cy="0"/>
+          <a:chOff x="0" y="0"/>
+          <a:chExt cx="0" cy="0"/>
+        </a:xfrm>
+      </p:grpSpPr>
+      <p:sp>
+        <p:nvSpPr>
+          <p:cNvPr id="4" name="標題 3"/>
+          <p:cNvSpPr>
+            <a:spLocks noGrp="1"/>
+          </p:cNvSpPr>
+          <p:nvPr>
+            <p:ph type="title"/>
+          </p:nvPr>
+        </p:nvSpPr>
+        <p:spPr/>
+        <p:txBody>
+          <a:bodyPr/>
+          <a:lstStyle/>
+          <a:p>
+            <a:r>
+              <a:rPr lang="en-US" altLang="zh-TW" dirty="0" smtClean="0"/>
+              <a:t>Visual VM</a:t>
+            </a:r>
+            <a:endParaRPr lang="zh-TW" altLang="en-US" dirty="0"/>
+          </a:p>
+        </p:txBody>
+      </p:sp>
+      <p:sp>
+        <p:nvSpPr>
+          <p:cNvPr id="5" name="內容版面配置區 4"/>
+          <p:cNvSpPr>
+            <a:spLocks noGrp="1"/>
+          </p:cNvSpPr>
+          <p:nvPr>
+            <p:ph idx="1"/>
+          </p:nvPr>
+        </p:nvSpPr>
+        <p:spPr>
+          <a:xfrm>
+            <a:off x="5544230" y="1484784"/>
+            <a:ext cx="3564274" cy="4464496"/>
+          </a:xfrm>
+        </p:spPr>
+        <p:txBody>
+          <a:bodyPr>
+            <a:normAutofit fontScale="77500" lnSpcReduction="20000"/>
+          </a:bodyPr>
+          <a:lstStyle/>
+          <a:p>
+            <a:pPr marL="0" indent="0">
+              <a:buNone/>
+            </a:pPr>
+            <a:r>
+              <a:rPr lang="zh-TW" altLang="en-US" dirty="0">
+                <a:latin typeface="微軟正黑體" pitchFamily="34" charset="-120"/>
+                <a:ea typeface="微軟正黑體" pitchFamily="34" charset="-120"/>
+              </a:rPr>
+              <a:t>要</a:t>
+            </a:r>
+            <a:r>
+              <a:rPr lang="zh-TW" altLang="en-US" dirty="0" smtClean="0">
+                <a:latin typeface="微軟正黑體" pitchFamily="34" charset="-120"/>
+                <a:ea typeface="微軟正黑體" pitchFamily="34" charset="-120"/>
+              </a:rPr>
+              <a:t>用</a:t>
+            </a:r>
+            <a:r>
+              <a:rPr lang="en-US" altLang="zh-TW" dirty="0" smtClean="0">
+                <a:latin typeface="微軟正黑體" pitchFamily="34" charset="-120"/>
+                <a:ea typeface="微軟正黑體" pitchFamily="34" charset="-120"/>
+              </a:rPr>
+              <a:t>JVMTI</a:t>
+            </a:r>
+            <a:r>
+              <a:rPr lang="zh-TW" altLang="en-US" dirty="0" smtClean="0">
+                <a:latin typeface="微軟正黑體" pitchFamily="34" charset="-120"/>
+                <a:ea typeface="微軟正黑體" pitchFamily="34" charset="-120"/>
+              </a:rPr>
+              <a:t>得</a:t>
+            </a:r>
+            <a:r>
+              <a:rPr lang="zh-TW" altLang="en-US" dirty="0">
+                <a:latin typeface="微軟正黑體" pitchFamily="34" charset="-120"/>
+                <a:ea typeface="微軟正黑體" pitchFamily="34" charset="-120"/>
+              </a:rPr>
+              <a:t>用基於這個介面開發出來的</a:t>
+            </a:r>
+            <a:r>
+              <a:rPr lang="zh-TW" altLang="en-US" dirty="0" smtClean="0">
+                <a:latin typeface="微軟正黑體" pitchFamily="34" charset="-120"/>
+                <a:ea typeface="微軟正黑體" pitchFamily="34" charset="-120"/>
+              </a:rPr>
+              <a:t>工具</a:t>
+            </a:r>
+            <a:endParaRPr lang="en-US" altLang="zh-TW" dirty="0" smtClean="0">
+              <a:latin typeface="微軟正黑體" pitchFamily="34" charset="-120"/>
+              <a:ea typeface="微軟正黑體" pitchFamily="34" charset="-120"/>
+            </a:endParaRPr>
+          </a:p>
+          <a:p>
+            <a:pPr marL="0" indent="0">
+              <a:buNone/>
+            </a:pPr>
+            <a:endParaRPr lang="en-US" altLang="zh-TW" dirty="0">
+              <a:latin typeface="微軟正黑體" pitchFamily="34" charset="-120"/>
+              <a:ea typeface="微軟正黑體" pitchFamily="34" charset="-120"/>
+            </a:endParaRPr>
+          </a:p>
+          <a:p>
+            <a:pPr marL="0" indent="0">
+              <a:buNone/>
+            </a:pPr>
+            <a:r>
+              <a:rPr lang="zh-TW" altLang="en-US" dirty="0" smtClean="0">
+                <a:latin typeface="微軟正黑體" pitchFamily="34" charset="-120"/>
+                <a:ea typeface="微軟正黑體" pitchFamily="34" charset="-120"/>
+              </a:rPr>
+              <a:t>例如</a:t>
+            </a:r>
+            <a:r>
+              <a:rPr lang="en-US" altLang="zh-TW" dirty="0" smtClean="0">
+                <a:latin typeface="微軟正黑體" pitchFamily="34" charset="-120"/>
+                <a:ea typeface="微軟正黑體" pitchFamily="34" charset="-120"/>
+              </a:rPr>
+              <a:t>: Visual </a:t>
+            </a:r>
+            <a:r>
+              <a:rPr lang="en-US" altLang="zh-TW" dirty="0">
+                <a:latin typeface="微軟正黑體" pitchFamily="34" charset="-120"/>
+                <a:ea typeface="微軟正黑體" pitchFamily="34" charset="-120"/>
+              </a:rPr>
+              <a:t>VM</a:t>
+            </a:r>
+            <a:r>
+              <a:rPr lang="zh-TW" altLang="en-US" dirty="0">
+                <a:latin typeface="微軟正黑體" pitchFamily="34" charset="-120"/>
+                <a:ea typeface="微軟正黑體" pitchFamily="34" charset="-120"/>
+              </a:rPr>
+              <a:t>。</a:t>
+            </a:r>
+            <a:endParaRPr lang="en-US" altLang="zh-TW" dirty="0">
+              <a:latin typeface="微軟正黑體" pitchFamily="34" charset="-120"/>
+              <a:ea typeface="微軟正黑體" pitchFamily="34" charset="-120"/>
+            </a:endParaRPr>
+          </a:p>
+          <a:p>
+            <a:pPr marL="0" indent="0">
+              <a:buNone/>
+            </a:pPr>
+            <a:endParaRPr lang="en-US" altLang="zh-TW" dirty="0" smtClean="0">
+              <a:latin typeface="微軟正黑體" pitchFamily="34" charset="-120"/>
+              <a:ea typeface="微軟正黑體" pitchFamily="34" charset="-120"/>
+            </a:endParaRPr>
+          </a:p>
+          <a:p>
+            <a:pPr marL="0" indent="0">
+              <a:buNone/>
+            </a:pPr>
+            <a:endParaRPr lang="en-US" altLang="zh-TW" dirty="0">
+              <a:latin typeface="微軟正黑體" pitchFamily="34" charset="-120"/>
+              <a:ea typeface="微軟正黑體" pitchFamily="34" charset="-120"/>
+            </a:endParaRPr>
+          </a:p>
+          <a:p>
+            <a:pPr marL="0" indent="0">
+              <a:buNone/>
+            </a:pPr>
+            <a:r>
+              <a:rPr lang="zh-TW" altLang="en-US" dirty="0" smtClean="0">
+                <a:latin typeface="微軟正黑體" pitchFamily="34" charset="-120"/>
+                <a:ea typeface="微軟正黑體" pitchFamily="34" charset="-120"/>
+              </a:rPr>
+              <a:t>但</a:t>
+            </a:r>
+            <a:r>
+              <a:rPr lang="zh-TW" altLang="en-US" dirty="0">
+                <a:latin typeface="微軟正黑體" pitchFamily="34" charset="-120"/>
+                <a:ea typeface="微軟正黑體" pitchFamily="34" charset="-120"/>
+              </a:rPr>
+              <a:t>這樣的</a:t>
+            </a:r>
+            <a:r>
+              <a:rPr lang="zh-TW" altLang="en-US" dirty="0" smtClean="0">
+                <a:latin typeface="微軟正黑體" pitchFamily="34" charset="-120"/>
+                <a:ea typeface="微軟正黑體" pitchFamily="34" charset="-120"/>
+              </a:rPr>
+              <a:t>工具仍有缺點</a:t>
+            </a:r>
+            <a:endParaRPr lang="en-US" altLang="zh-TW" dirty="0" smtClean="0">
+              <a:latin typeface="微軟正黑體" pitchFamily="34" charset="-120"/>
+              <a:ea typeface="微軟正黑體" pitchFamily="34" charset="-120"/>
+            </a:endParaRPr>
+          </a:p>
+          <a:p>
+            <a:pPr marL="514350" indent="-514350">
+              <a:buAutoNum type="arabicPeriod"/>
+            </a:pPr>
+            <a:r>
+              <a:rPr lang="zh-TW" altLang="en-US" sz="2300" dirty="0" smtClean="0">
+                <a:latin typeface="微軟正黑體" pitchFamily="34" charset="-120"/>
+                <a:ea typeface="微軟正黑體" pitchFamily="34" charset="-120"/>
+              </a:rPr>
+              <a:t>你無法</a:t>
+            </a:r>
+            <a:r>
+              <a:rPr lang="zh-TW" altLang="en-US" sz="2300" dirty="0" smtClean="0">
+                <a:latin typeface="微軟正黑體" pitchFamily="34" charset="-120"/>
+                <a:ea typeface="微軟正黑體" pitchFamily="34" charset="-120"/>
+              </a:rPr>
+              <a:t>得知特定的</a:t>
+            </a:r>
+            <a:r>
+              <a:rPr lang="en-US" altLang="zh-TW" sz="2300" dirty="0" smtClean="0">
+                <a:latin typeface="微軟正黑體" pitchFamily="34" charset="-120"/>
+                <a:ea typeface="微軟正黑體" pitchFamily="34" charset="-120"/>
+              </a:rPr>
+              <a:t> task </a:t>
+            </a:r>
+            <a:r>
+              <a:rPr lang="zh-TW" altLang="en-US" sz="2300" dirty="0" smtClean="0">
+                <a:latin typeface="微軟正黑體" pitchFamily="34" charset="-120"/>
+                <a:ea typeface="微軟正黑體" pitchFamily="34" charset="-120"/>
+              </a:rPr>
+              <a:t>的</a:t>
+            </a:r>
+            <a:r>
+              <a:rPr lang="en-US" altLang="zh-TW" sz="2300" dirty="0" smtClean="0">
+                <a:latin typeface="微軟正黑體" pitchFamily="34" charset="-120"/>
+                <a:ea typeface="微軟正黑體" pitchFamily="34" charset="-120"/>
+              </a:rPr>
+              <a:t> </a:t>
+            </a:r>
+            <a:r>
+              <a:rPr lang="zh-TW" altLang="en-US" sz="2300" dirty="0" smtClean="0">
+                <a:latin typeface="微軟正黑體" pitchFamily="34" charset="-120"/>
+                <a:ea typeface="微軟正黑體" pitchFamily="34" charset="-120"/>
+              </a:rPr>
+              <a:t>資訊。</a:t>
+            </a:r>
+            <a:endParaRPr lang="en-US" altLang="zh-TW" sz="2300" dirty="0">
+              <a:latin typeface="微軟正黑體" pitchFamily="34" charset="-120"/>
+              <a:ea typeface="微軟正黑體" pitchFamily="34" charset="-120"/>
+            </a:endParaRPr>
+          </a:p>
+          <a:p>
+            <a:pPr marL="514350" indent="-514350">
+              <a:buAutoNum type="arabicPeriod"/>
+            </a:pPr>
+            <a:r>
+              <a:rPr lang="zh-TW" altLang="en-US" sz="2300" dirty="0" smtClean="0">
+                <a:latin typeface="微軟正黑體" pitchFamily="34" charset="-120"/>
+                <a:ea typeface="微軟正黑體" pitchFamily="34" charset="-120"/>
+              </a:rPr>
+              <a:t>很</a:t>
+            </a:r>
+            <a:r>
+              <a:rPr lang="zh-TW" altLang="en-US" sz="2300" dirty="0">
+                <a:latin typeface="微軟正黑體" pitchFamily="34" charset="-120"/>
+                <a:ea typeface="微軟正黑體" pitchFamily="34" charset="-120"/>
+              </a:rPr>
+              <a:t>難整合進開發</a:t>
+            </a:r>
+            <a:r>
+              <a:rPr lang="zh-TW" altLang="en-US" sz="2300" dirty="0" smtClean="0">
+                <a:latin typeface="微軟正黑體" pitchFamily="34" charset="-120"/>
+                <a:ea typeface="微軟正黑體" pitchFamily="34" charset="-120"/>
+              </a:rPr>
+              <a:t>流程中使用。</a:t>
+            </a:r>
+            <a:endParaRPr lang="en-US" altLang="zh-TW" sz="2300" dirty="0" smtClean="0">
+              <a:latin typeface="微軟正黑體" pitchFamily="34" charset="-120"/>
+              <a:ea typeface="微軟正黑體" pitchFamily="34" charset="-120"/>
+            </a:endParaRPr>
+          </a:p>
+          <a:p>
+            <a:pPr marL="0" indent="0">
+              <a:buNone/>
+            </a:pPr>
+            <a:endParaRPr lang="en-US" altLang="zh-TW" dirty="0" smtClean="0"/>
+          </a:p>
+        </p:txBody>
+      </p:sp>
+      <p:pic>
+        <p:nvPicPr>
+          <p:cNvPr id="1026" name="Picture 2" descr="D:\working_copy\java_two\2013\screenshot-visualvm-080729-2.png"/>
+          <p:cNvPicPr>
+            <a:picLocks noChangeAspect="1" noChangeArrowheads="1"/>
+          </p:cNvPicPr>
+          <p:nvPr/>
+        </p:nvPicPr>
+        <p:blipFill>
+          <a:blip r:embed="rId2">
+            <a:extLst>
+              <a:ext uri="{28A0092B-C50C-407E-A947-70E740481C1C}">
+                <a14:useLocalDpi xmlns:a14="http://schemas.microsoft.com/office/drawing/2010/main" val="0"/>
+              </a:ext>
+            </a:extLst>
+          </a:blip>
+          <a:srcRect/>
+          <a:stretch>
+            <a:fillRect/>
+          </a:stretch>
+        </p:blipFill>
+        <p:spPr bwMode="auto">
+          <a:xfrm>
+            <a:off x="143385" y="1412776"/>
+            <a:ext cx="5004679" cy="4176464"/>
+          </a:xfrm>
+          <a:prstGeom prst="rect">
+            <a:avLst/>
+          </a:prstGeom>
+          <a:noFill/>
+          <a:extLst>
+            <a:ext uri="{909E8E84-426E-40DD-AFC4-6F175D3DCCD1}">
+              <a14:hiddenFill xmlns:a14="http://schemas.microsoft.com/office/drawing/2010/main">
+                <a:solidFill>
+                  <a:srgbClr val="FFFFFF"/>
+                </a:solidFill>
+              </a14:hiddenFill>
+            </a:ext>
+          </a:extLst>
+        </p:spPr>
+      </p:pic>
+    </p:spTree>
+    <p:extLst>
+      <p:ext uri="{BB962C8B-B14F-4D97-AF65-F5344CB8AC3E}">
+        <p14:creationId xmlns:p14="http://schemas.microsoft.com/office/powerpoint/2010/main" val="3035651709"/>
+      </p:ext>
+    </p:extLst>
+  </p:cSld>
+  <p:clrMapOvr>
+    <a:masterClrMapping/>
+  </p:clrMapOvr>
+  <p:timing>
+    <p:tnLst>
+      <p:par>
+        <p:cTn id="1" dur="indefinite" restart="never" nodeType="tmRoot"/>
+      </p:par>
+    </p:tnLst>
+  </p:timing>
+</p:sld>
+</file>
+
+<file path=ppt/slides/slide29.xml><?xml version="1.0" encoding="utf-8"?>
+<p:sld xmlns:a="http://schemas.openxmlformats.org/drawingml/2006/main" xmlns:r="http://schemas.openxmlformats.org/officeDocument/2006/relationships" xmlns:p="http://schemas.openxmlformats.org/presentationml/2006/main">
+  <p:cSld>
+    <p:spTree>
+      <p:nvGrpSpPr>
+        <p:cNvPr id="1" name=""/>
+        <p:cNvGrpSpPr/>
+        <p:nvPr/>
+      </p:nvGrpSpPr>
+      <p:grpSpPr>
+        <a:xfrm>
+          <a:off x="0" y="0"/>
+          <a:ext cx="0" cy="0"/>
+          <a:chOff x="0" y="0"/>
+          <a:chExt cx="0" cy="0"/>
+        </a:xfrm>
+      </p:grpSpPr>
+      <p:pic>
+        <p:nvPicPr>
+          <p:cNvPr id="6" name="Picture 3" descr="D:\working_copy\java_two\2013\4ad068bc85ced.jpg"/>
+          <p:cNvPicPr>
+            <a:picLocks noChangeAspect="1" noChangeArrowheads="1"/>
+          </p:cNvPicPr>
+          <p:nvPr/>
+        </p:nvPicPr>
+        <p:blipFill>
+          <a:blip r:embed="rId2">
+            <a:extLst>
+              <a:ext uri="{28A0092B-C50C-407E-A947-70E740481C1C}">
+                <a14:useLocalDpi xmlns:a14="http://schemas.microsoft.com/office/drawing/2010/main" val="0"/>
+              </a:ext>
+            </a:extLst>
+          </a:blip>
+          <a:srcRect/>
+          <a:stretch>
+            <a:fillRect/>
+          </a:stretch>
+        </p:blipFill>
+        <p:spPr bwMode="auto">
+          <a:xfrm>
+            <a:off x="6156176" y="3140968"/>
+            <a:ext cx="2448272" cy="2448272"/>
+          </a:xfrm>
+          <a:prstGeom prst="rect">
+            <a:avLst/>
+          </a:prstGeom>
+          <a:noFill/>
+          <a:extLst>
+            <a:ext uri="{909E8E84-426E-40DD-AFC4-6F175D3DCCD1}">
+              <a14:hiddenFill xmlns:a14="http://schemas.microsoft.com/office/drawing/2010/main">
+                <a:solidFill>
+                  <a:srgbClr val="FFFFFF"/>
+                </a:solidFill>
+              </a14:hiddenFill>
+            </a:ext>
+          </a:extLst>
+        </p:spPr>
+      </p:pic>
+      <p:sp>
+        <p:nvSpPr>
+          <p:cNvPr id="4" name="標題 3"/>
+          <p:cNvSpPr>
+            <a:spLocks noGrp="1"/>
+          </p:cNvSpPr>
+          <p:nvPr>
+            <p:ph type="title"/>
+          </p:nvPr>
+        </p:nvSpPr>
+        <p:spPr/>
+        <p:txBody>
+          <a:bodyPr/>
+          <a:lstStyle/>
+          <a:p>
+            <a:r>
+              <a:rPr lang="en-US" altLang="zh-TW" dirty="0" smtClean="0"/>
+              <a:t>Java Instrumentation</a:t>
+            </a:r>
+            <a:endParaRPr lang="zh-TW" altLang="en-US" dirty="0"/>
+          </a:p>
+        </p:txBody>
+      </p:sp>
+      <p:sp>
+        <p:nvSpPr>
+          <p:cNvPr id="5" name="內容版面配置區 4"/>
+          <p:cNvSpPr>
+            <a:spLocks noGrp="1"/>
+          </p:cNvSpPr>
+          <p:nvPr>
+            <p:ph idx="1"/>
+          </p:nvPr>
+        </p:nvSpPr>
+        <p:spPr>
+          <a:xfrm>
+            <a:off x="179512" y="1423317"/>
+            <a:ext cx="7992888" cy="4525963"/>
+          </a:xfrm>
+        </p:spPr>
+        <p:txBody>
+          <a:bodyPr>
+            <a:normAutofit/>
+          </a:bodyPr>
+          <a:lstStyle/>
+          <a:p>
+            <a:pPr marL="0" indent="0">
+              <a:buNone/>
+            </a:pPr>
+            <a:r>
+              <a:rPr lang="en-US" altLang="zh-TW" dirty="0" smtClean="0">
+                <a:latin typeface="微軟正黑體" pitchFamily="34" charset="-120"/>
+                <a:ea typeface="微軟正黑體" pitchFamily="34" charset="-120"/>
+              </a:rPr>
+              <a:t>Java1.5</a:t>
+            </a:r>
+            <a:r>
+              <a:rPr lang="zh-TW" altLang="en-US" dirty="0" smtClean="0">
+                <a:latin typeface="微軟正黑體" pitchFamily="34" charset="-120"/>
+                <a:ea typeface="微軟正黑體" pitchFamily="34" charset="-120"/>
+              </a:rPr>
+              <a:t>後</a:t>
+            </a:r>
+            <a:r>
+              <a:rPr lang="en-US" altLang="zh-TW" dirty="0" smtClean="0">
+                <a:latin typeface="微軟正黑體" pitchFamily="34" charset="-120"/>
+                <a:ea typeface="微軟正黑體" pitchFamily="34" charset="-120"/>
+              </a:rPr>
+              <a:t>…</a:t>
+            </a:r>
+            <a:r>
+              <a:rPr lang="zh-TW" altLang="en-US" dirty="0" smtClean="0">
+                <a:latin typeface="微軟正黑體" pitchFamily="34" charset="-120"/>
+                <a:ea typeface="微軟正黑體" pitchFamily="34" charset="-120"/>
+              </a:rPr>
+              <a:t>終於有人想通了</a:t>
+            </a:r>
+            <a:endParaRPr lang="en-US" altLang="zh-TW" dirty="0" smtClean="0">
+              <a:latin typeface="微軟正黑體" pitchFamily="34" charset="-120"/>
+              <a:ea typeface="微軟正黑體" pitchFamily="34" charset="-120"/>
+            </a:endParaRPr>
+          </a:p>
+          <a:p>
+            <a:pPr marL="0" indent="0">
+              <a:buNone/>
+            </a:pPr>
+            <a:r>
+              <a:rPr lang="zh-TW" altLang="en-US" dirty="0" smtClean="0">
+                <a:latin typeface="微軟正黑體" pitchFamily="34" charset="-120"/>
+                <a:ea typeface="微軟正黑體" pitchFamily="34" charset="-120"/>
+              </a:rPr>
+              <a:t>咱們需要一個</a:t>
+            </a:r>
+            <a:r>
+              <a:rPr lang="en-US" altLang="zh-TW" dirty="0" smtClean="0">
+                <a:latin typeface="微軟正黑體" pitchFamily="34" charset="-120"/>
+                <a:ea typeface="微軟正黑體" pitchFamily="34" charset="-120"/>
+              </a:rPr>
+              <a:t>Java</a:t>
+            </a:r>
+            <a:r>
+              <a:rPr lang="zh-TW" altLang="en-US" dirty="0" smtClean="0">
+                <a:latin typeface="微軟正黑體" pitchFamily="34" charset="-120"/>
+                <a:ea typeface="微軟正黑體" pitchFamily="34" charset="-120"/>
+              </a:rPr>
+              <a:t>版的工程介面。</a:t>
+            </a:r>
+            <a:endParaRPr lang="en-US" altLang="zh-TW" dirty="0" smtClean="0">
+              <a:latin typeface="微軟正黑體" pitchFamily="34" charset="-120"/>
+              <a:ea typeface="微軟正黑體" pitchFamily="34" charset="-120"/>
+            </a:endParaRPr>
+          </a:p>
+          <a:p>
+            <a:pPr marL="0" indent="0">
+              <a:buNone/>
+            </a:pPr>
+            <a:endParaRPr lang="en-US" altLang="zh-TW" dirty="0" smtClean="0">
+              <a:latin typeface="微軟正黑體" pitchFamily="34" charset="-120"/>
+              <a:ea typeface="微軟正黑體" pitchFamily="34" charset="-120"/>
+            </a:endParaRPr>
+          </a:p>
+          <a:p>
+            <a:pPr marL="0" indent="0">
+              <a:buNone/>
+            </a:pPr>
+            <a:r>
+              <a:rPr lang="en-US" altLang="zh-TW" dirty="0" smtClean="0">
+                <a:ea typeface="微軟正黑體" pitchFamily="34" charset="-120"/>
+              </a:rPr>
+              <a:t>JVM parameter:</a:t>
+            </a:r>
+          </a:p>
+          <a:p>
+            <a:pPr marL="0" indent="0">
+              <a:buNone/>
+            </a:pPr>
+            <a:endParaRPr lang="en-US" altLang="zh-TW" sz="2400" dirty="0" smtClean="0">
+              <a:solidFill>
+                <a:schemeClr val="tx2"/>
+              </a:solidFill>
+            </a:endParaRPr>
+          </a:p>
+          <a:p>
+            <a:pPr marL="0" indent="0">
+              <a:buNone/>
+            </a:pPr>
+            <a:r>
+              <a:rPr lang="en-US" altLang="zh-TW" sz="2400" dirty="0" smtClean="0">
+                <a:solidFill>
+                  <a:schemeClr val="tx2"/>
+                </a:solidFill>
+              </a:rPr>
+              <a:t>-</a:t>
+            </a:r>
+            <a:r>
+              <a:rPr lang="en-US" altLang="zh-TW" sz="2400" dirty="0" err="1">
+                <a:solidFill>
+                  <a:schemeClr val="tx2"/>
+                </a:solidFill>
+              </a:rPr>
+              <a:t>javaagent</a:t>
+            </a:r>
+            <a:r>
+              <a:rPr lang="en-US" altLang="zh-TW" sz="2400" dirty="0">
+                <a:solidFill>
+                  <a:schemeClr val="tx2"/>
+                </a:solidFill>
+              </a:rPr>
+              <a:t>:/</a:t>
+            </a:r>
+            <a:r>
+              <a:rPr lang="en-US" altLang="zh-TW" sz="2400" dirty="0" err="1" smtClean="0">
+                <a:solidFill>
+                  <a:schemeClr val="tx2"/>
+                </a:solidFill>
+              </a:rPr>
+              <a:t>path_to</a:t>
+            </a:r>
+            <a:r>
+              <a:rPr lang="en-US" altLang="zh-TW" sz="2400" dirty="0" smtClean="0">
+                <a:solidFill>
+                  <a:schemeClr val="tx2"/>
+                </a:solidFill>
+              </a:rPr>
+              <a:t>/Your.jar</a:t>
+            </a:r>
+          </a:p>
+          <a:p>
+            <a:pPr marL="0" indent="0">
+              <a:buNone/>
+            </a:pPr>
+            <a:endParaRPr lang="en-US" altLang="zh-TW" dirty="0" smtClean="0">
+              <a:latin typeface="微軟正黑體" pitchFamily="34" charset="-120"/>
+              <a:ea typeface="微軟正黑體" pitchFamily="34" charset="-120"/>
+            </a:endParaRPr>
+          </a:p>
+          <a:p>
+            <a:pPr marL="0" indent="0">
+              <a:buNone/>
+            </a:pPr>
+            <a:endParaRPr lang="en-US" altLang="zh-TW" dirty="0" smtClean="0">
+              <a:latin typeface="微軟正黑體" pitchFamily="34" charset="-120"/>
+              <a:ea typeface="微軟正黑體" pitchFamily="34" charset="-120"/>
+            </a:endParaRPr>
+          </a:p>
+        </p:txBody>
+      </p:sp>
+    </p:spTree>
+    <p:extLst>
+      <p:ext uri="{BB962C8B-B14F-4D97-AF65-F5344CB8AC3E}">
+        <p14:creationId xmlns:p14="http://schemas.microsoft.com/office/powerpoint/2010/main" val="1357424982"/>
+      </p:ext>
+    </p:extLst>
+  </p:cSld>
+  <p:clrMapOvr>
+    <a:masterClrMapping/>
+  </p:clrMapOvr>
+  <p:timing>
+    <p:tnLst>
+      <p:par>
+        <p:cTn id="1" dur="indefinite" restart="never" nodeType="tmRoot"/>
+      </p:par>
+    </p:tnLst>
+  </p:timing>
+</p:sld>
+</file>
+
+<file path=ppt/slides/slide3.xml><?xml version="1.0" encoding="utf-8"?>
+<p:sld xmlns:a="http://schemas.openxmlformats.org/drawingml/2006/main" xmlns:r="http://schemas.openxmlformats.org/officeDocument/2006/relationships" xmlns:p="http://schemas.openxmlformats.org/presentationml/2006/main">
+  <p:cSld>
+    <p:spTree>
+      <p:nvGrpSpPr>
+        <p:cNvPr id="1" name=""/>
+        <p:cNvGrpSpPr/>
+        <p:nvPr/>
+      </p:nvGrpSpPr>
+      <p:grpSpPr>
+        <a:xfrm>
+          <a:off x="0" y="0"/>
+          <a:ext cx="0" cy="0"/>
+          <a:chOff x="0" y="0"/>
+          <a:chExt cx="0" cy="0"/>
+        </a:xfrm>
+      </p:grpSpPr>
+      <p:sp>
+        <p:nvSpPr>
+          <p:cNvPr id="4" name="標題 3"/>
+          <p:cNvSpPr>
+            <a:spLocks noGrp="1"/>
+          </p:cNvSpPr>
+          <p:nvPr>
+            <p:ph type="title"/>
+          </p:nvPr>
+        </p:nvSpPr>
+        <p:spPr/>
+        <p:txBody>
+          <a:bodyPr/>
+          <a:lstStyle/>
+          <a:p>
+            <a:r>
+              <a:rPr lang="zh-TW" altLang="en-US" dirty="0" smtClean="0">
+                <a:latin typeface="微軟正黑體" pitchFamily="34" charset="-120"/>
+                <a:ea typeface="微軟正黑體" pitchFamily="34" charset="-120"/>
+              </a:rPr>
+              <a:t>議程</a:t>
+            </a:r>
+            <a:endParaRPr lang="zh-TW" altLang="en-US" dirty="0">
+              <a:latin typeface="微軟正黑體" pitchFamily="34" charset="-120"/>
+              <a:ea typeface="微軟正黑體" pitchFamily="34" charset="-120"/>
+            </a:endParaRPr>
+          </a:p>
+        </p:txBody>
+      </p:sp>
+      <p:sp>
+        <p:nvSpPr>
+          <p:cNvPr id="5" name="內容版面配置區 4"/>
+          <p:cNvSpPr>
+            <a:spLocks noGrp="1"/>
+          </p:cNvSpPr>
+          <p:nvPr>
+            <p:ph idx="1"/>
+          </p:nvPr>
+        </p:nvSpPr>
+        <p:spPr/>
+        <p:txBody>
+          <a:bodyPr>
+            <a:normAutofit fontScale="92500" lnSpcReduction="10000"/>
+          </a:bodyPr>
+          <a:lstStyle/>
+          <a:p>
+            <a:r>
+              <a:rPr lang="zh-TW" altLang="en-US" dirty="0" smtClean="0">
+                <a:latin typeface="微軟正黑體" pitchFamily="34" charset="-120"/>
+                <a:ea typeface="微軟正黑體" pitchFamily="34" charset="-120"/>
+              </a:rPr>
+              <a:t>一段出國打工的經歷</a:t>
+            </a:r>
+            <a:endParaRPr lang="en-US" altLang="zh-TW" dirty="0" smtClean="0">
+              <a:latin typeface="微軟正黑體" pitchFamily="34" charset="-120"/>
+              <a:ea typeface="微軟正黑體" pitchFamily="34" charset="-120"/>
+            </a:endParaRPr>
+          </a:p>
+          <a:p>
+            <a:r>
+              <a:rPr lang="zh-TW" altLang="en-US" dirty="0" smtClean="0">
+                <a:latin typeface="微軟正黑體" pitchFamily="34" charset="-120"/>
+                <a:ea typeface="微軟正黑體" pitchFamily="34" charset="-120"/>
+              </a:rPr>
+              <a:t>事件後的反省</a:t>
+            </a:r>
+            <a:r>
+              <a:rPr lang="zh-TW" altLang="en-US" dirty="0">
+                <a:latin typeface="微軟正黑體" pitchFamily="34" charset="-120"/>
+                <a:ea typeface="微軟正黑體" pitchFamily="34" charset="-120"/>
+              </a:rPr>
+              <a:t>與</a:t>
+            </a:r>
+            <a:r>
+              <a:rPr lang="zh-TW" altLang="en-US" dirty="0" smtClean="0">
+                <a:latin typeface="微軟正黑體" pitchFamily="34" charset="-120"/>
+                <a:ea typeface="微軟正黑體" pitchFamily="34" charset="-120"/>
+              </a:rPr>
+              <a:t>探索</a:t>
+            </a:r>
+            <a:endParaRPr lang="en-US" altLang="zh-TW" dirty="0" smtClean="0">
+              <a:latin typeface="微軟正黑體" pitchFamily="34" charset="-120"/>
+              <a:ea typeface="微軟正黑體" pitchFamily="34" charset="-120"/>
+            </a:endParaRPr>
+          </a:p>
+          <a:p>
+            <a:r>
+              <a:rPr lang="en-US" altLang="zh-TW" dirty="0" smtClean="0"/>
+              <a:t>Java </a:t>
+            </a:r>
+            <a:r>
+              <a:rPr lang="zh-TW" altLang="en-US" dirty="0" smtClean="0">
+                <a:latin typeface="微軟正黑體" pitchFamily="34" charset="-120"/>
+                <a:ea typeface="微軟正黑體" pitchFamily="34" charset="-120"/>
+              </a:rPr>
+              <a:t>世界的</a:t>
+            </a:r>
+            <a:r>
+              <a:rPr lang="en-US" altLang="zh-TW" dirty="0" smtClean="0"/>
+              <a:t>Monitoring Solution</a:t>
+            </a:r>
+          </a:p>
+          <a:p>
+            <a:pPr lvl="1"/>
+            <a:r>
+              <a:rPr lang="en-US" altLang="zh-TW" dirty="0" smtClean="0"/>
+              <a:t>JVMPI/JVMTI</a:t>
+            </a:r>
+          </a:p>
+          <a:p>
+            <a:pPr lvl="1"/>
+            <a:r>
+              <a:rPr lang="en-US" altLang="zh-TW" dirty="0"/>
+              <a:t>Java </a:t>
+            </a:r>
+            <a:r>
+              <a:rPr lang="en-US" altLang="zh-TW" dirty="0" smtClean="0"/>
+              <a:t>Instrumentation</a:t>
+            </a:r>
+          </a:p>
+          <a:p>
+            <a:pPr lvl="1"/>
+            <a:r>
+              <a:rPr lang="en-US" altLang="zh-TW" dirty="0" smtClean="0"/>
+              <a:t>JMX</a:t>
+            </a:r>
+          </a:p>
+          <a:p>
+            <a:pPr lvl="1"/>
+            <a:r>
+              <a:rPr lang="en-US" altLang="zh-TW" dirty="0"/>
+              <a:t>Logging </a:t>
+            </a:r>
+            <a:r>
+              <a:rPr lang="en-US" altLang="zh-TW" dirty="0" smtClean="0"/>
+              <a:t>Solutions</a:t>
+            </a:r>
+            <a:endParaRPr lang="en-US" altLang="zh-TW" dirty="0"/>
+          </a:p>
+          <a:p>
+            <a:r>
+              <a:rPr lang="en-US" altLang="zh-TW" dirty="0" err="1" smtClean="0"/>
+              <a:t>Zmonitor</a:t>
+            </a:r>
+            <a:r>
+              <a:rPr lang="en-US" altLang="zh-TW" dirty="0" smtClean="0"/>
+              <a:t> </a:t>
+            </a:r>
+          </a:p>
+          <a:p>
+            <a:r>
+              <a:rPr lang="zh-TW" altLang="en-US" dirty="0" smtClean="0">
+                <a:latin typeface="微軟正黑體" pitchFamily="34" charset="-120"/>
+                <a:ea typeface="微軟正黑體" pitchFamily="34" charset="-120"/>
+              </a:rPr>
+              <a:t>結語</a:t>
+            </a:r>
+            <a:endParaRPr lang="en-US" altLang="zh-TW" dirty="0" smtClean="0">
+              <a:latin typeface="微軟正黑體" pitchFamily="34" charset="-120"/>
+              <a:ea typeface="微軟正黑體" pitchFamily="34" charset="-120"/>
+            </a:endParaRPr>
+          </a:p>
+          <a:p>
+            <a:endParaRPr lang="en-US" altLang="zh-TW" dirty="0" smtClean="0"/>
+          </a:p>
+          <a:p>
+            <a:endParaRPr lang="zh-TW" altLang="en-US" dirty="0"/>
+          </a:p>
+        </p:txBody>
+      </p:sp>
+    </p:spTree>
+    <p:extLst>
+      <p:ext uri="{BB962C8B-B14F-4D97-AF65-F5344CB8AC3E}">
+        <p14:creationId xmlns:p14="http://schemas.microsoft.com/office/powerpoint/2010/main" val="65311128"/>
+      </p:ext>
+    </p:extLst>
+  </p:cSld>
+  <p:clrMapOvr>
+    <a:masterClrMapping/>
+  </p:clrMapOvr>
+  <p:timing>
+    <p:tnLst>
+      <p:par>
+        <p:cTn id="1" dur="indefinite" restart="never" nodeType="tmRoot"/>
+      </p:par>
+    </p:tnLst>
+  </p:timing>
+</p:sld>
+</file>
+
+<file path=ppt/slides/slide30.xml><?xml version="1.0" encoding="utf-8"?>
+<p:sld xmlns:a="http://schemas.openxmlformats.org/drawingml/2006/main" xmlns:r="http://schemas.openxmlformats.org/officeDocument/2006/relationships" xmlns:p="http://schemas.openxmlformats.org/presentationml/2006/main">
+  <p:cSld>
+    <p:spTree>
+      <p:nvGrpSpPr>
+        <p:cNvPr id="1" name=""/>
+        <p:cNvGrpSpPr/>
+        <p:nvPr/>
+      </p:nvGrpSpPr>
+      <p:grpSpPr>
+        <a:xfrm>
+          <a:off x="0" y="0"/>
+          <a:ext cx="0" cy="0"/>
+          <a:chOff x="0" y="0"/>
+          <a:chExt cx="0" cy="0"/>
+        </a:xfrm>
+      </p:grpSpPr>
+      <p:sp>
+        <p:nvSpPr>
+          <p:cNvPr id="4" name="標題 3"/>
+          <p:cNvSpPr>
+            <a:spLocks noGrp="1"/>
+          </p:cNvSpPr>
+          <p:nvPr>
+            <p:ph type="title"/>
+          </p:nvPr>
+        </p:nvSpPr>
+        <p:spPr/>
+        <p:txBody>
+          <a:bodyPr/>
+          <a:lstStyle/>
+          <a:p>
+            <a:r>
+              <a:rPr lang="en-US" altLang="zh-TW" dirty="0" smtClean="0"/>
+              <a:t>Java Instrumentation</a:t>
+            </a:r>
+            <a:endParaRPr lang="zh-TW" altLang="en-US" dirty="0"/>
+          </a:p>
+        </p:txBody>
+      </p:sp>
+      <p:sp>
+        <p:nvSpPr>
+          <p:cNvPr id="5" name="內容版面配置區 4"/>
+          <p:cNvSpPr>
+            <a:spLocks noGrp="1"/>
+          </p:cNvSpPr>
+          <p:nvPr>
+            <p:ph idx="1"/>
+          </p:nvPr>
+        </p:nvSpPr>
+        <p:spPr>
+          <a:xfrm>
+            <a:off x="179512" y="1423317"/>
+            <a:ext cx="7992888" cy="4525963"/>
+          </a:xfrm>
+        </p:spPr>
+        <p:txBody>
+          <a:bodyPr>
+            <a:normAutofit/>
+          </a:bodyPr>
+          <a:lstStyle/>
+          <a:p>
+            <a:pPr marL="0" indent="0">
+              <a:buNone/>
+            </a:pPr>
+            <a:r>
+              <a:rPr lang="en-US" altLang="zh-TW" dirty="0" smtClean="0">
+                <a:latin typeface="微軟正黑體" pitchFamily="34" charset="-120"/>
+                <a:ea typeface="微軟正黑體" pitchFamily="34" charset="-120"/>
+              </a:rPr>
+              <a:t>PROS:</a:t>
+            </a:r>
+          </a:p>
+          <a:p>
+            <a:pPr marL="0" indent="0">
+              <a:buNone/>
+            </a:pPr>
+            <a:r>
+              <a:rPr lang="en-US" altLang="zh-TW" dirty="0">
+                <a:latin typeface="微軟正黑體" pitchFamily="34" charset="-120"/>
+                <a:ea typeface="微軟正黑體" pitchFamily="34" charset="-120"/>
+              </a:rPr>
+              <a:t>	</a:t>
+            </a:r>
+            <a:r>
+              <a:rPr lang="zh-TW" altLang="en-US" dirty="0" smtClean="0">
+                <a:latin typeface="微軟正黑體" pitchFamily="34" charset="-120"/>
+                <a:ea typeface="微軟正黑體" pitchFamily="34" charset="-120"/>
+              </a:rPr>
+              <a:t>它至少是</a:t>
+            </a:r>
+            <a:r>
+              <a:rPr lang="en-US" altLang="zh-TW" dirty="0" smtClean="0">
+                <a:latin typeface="微軟正黑體" pitchFamily="34" charset="-120"/>
+                <a:ea typeface="微軟正黑體" pitchFamily="34" charset="-120"/>
+              </a:rPr>
+              <a:t>Java</a:t>
+            </a:r>
+            <a:r>
+              <a:rPr lang="zh-TW" altLang="en-US" dirty="0" smtClean="0">
+                <a:latin typeface="微軟正黑體" pitchFamily="34" charset="-120"/>
+                <a:ea typeface="微軟正黑體" pitchFamily="34" charset="-120"/>
+              </a:rPr>
+              <a:t>的，開發人員易學易用。</a:t>
+            </a:r>
+            <a:endParaRPr lang="en-US" altLang="zh-TW" dirty="0" smtClean="0">
+              <a:latin typeface="微軟正黑體" pitchFamily="34" charset="-120"/>
+              <a:ea typeface="微軟正黑體" pitchFamily="34" charset="-120"/>
+            </a:endParaRPr>
+          </a:p>
+          <a:p>
+            <a:pPr marL="0" indent="0">
+              <a:buNone/>
+            </a:pPr>
+            <a:r>
+              <a:rPr lang="en-US" altLang="zh-TW" dirty="0" smtClean="0">
+                <a:latin typeface="微軟正黑體" pitchFamily="34" charset="-120"/>
+                <a:ea typeface="微軟正黑體" pitchFamily="34" charset="-120"/>
+              </a:rPr>
+              <a:t>CONS:</a:t>
+            </a:r>
+          </a:p>
+          <a:p>
+            <a:pPr marL="0" indent="0">
+              <a:buNone/>
+            </a:pPr>
+            <a:r>
+              <a:rPr lang="en-US" altLang="zh-TW" dirty="0">
+                <a:latin typeface="微軟正黑體" pitchFamily="34" charset="-120"/>
+                <a:ea typeface="微軟正黑體" pitchFamily="34" charset="-120"/>
+              </a:rPr>
+              <a:t>	</a:t>
+            </a:r>
+            <a:r>
+              <a:rPr lang="zh-TW" altLang="en-US" dirty="0" smtClean="0">
+                <a:latin typeface="微軟正黑體" pitchFamily="34" charset="-120"/>
+                <a:ea typeface="微軟正黑體" pitchFamily="34" charset="-120"/>
+              </a:rPr>
+              <a:t>沒寫好會造成嚴重的效能問題。</a:t>
+            </a:r>
+            <a:endParaRPr lang="en-US" altLang="zh-TW" dirty="0" smtClean="0">
+              <a:latin typeface="微軟正黑體" pitchFamily="34" charset="-120"/>
+              <a:ea typeface="微軟正黑體" pitchFamily="34" charset="-120"/>
+            </a:endParaRPr>
+          </a:p>
+          <a:p>
+            <a:pPr marL="0" indent="0">
+              <a:buNone/>
+            </a:pPr>
+            <a:r>
+              <a:rPr lang="en-US" altLang="zh-TW" dirty="0">
+                <a:latin typeface="微軟正黑體" pitchFamily="34" charset="-120"/>
+                <a:ea typeface="微軟正黑體" pitchFamily="34" charset="-120"/>
+              </a:rPr>
+              <a:t>	</a:t>
+            </a:r>
+            <a:r>
+              <a:rPr lang="zh-TW" altLang="en-US" dirty="0" smtClean="0">
+                <a:latin typeface="微軟正黑體" pitchFamily="34" charset="-120"/>
+                <a:ea typeface="微軟正黑體" pitchFamily="34" charset="-120"/>
+              </a:rPr>
+              <a:t>開發階段一樣難用。</a:t>
+            </a:r>
+            <a:endParaRPr lang="en-US" altLang="zh-TW" dirty="0" smtClean="0">
+              <a:latin typeface="微軟正黑體" pitchFamily="34" charset="-120"/>
+              <a:ea typeface="微軟正黑體" pitchFamily="34" charset="-120"/>
+            </a:endParaRPr>
+          </a:p>
+        </p:txBody>
+      </p:sp>
+    </p:spTree>
+    <p:extLst>
+      <p:ext uri="{BB962C8B-B14F-4D97-AF65-F5344CB8AC3E}">
+        <p14:creationId xmlns:p14="http://schemas.microsoft.com/office/powerpoint/2010/main" val="1779135197"/>
+      </p:ext>
+    </p:extLst>
+  </p:cSld>
+  <p:clrMapOvr>
+    <a:masterClrMapping/>
+  </p:clrMapOvr>
+  <p:timing>
+    <p:tnLst>
+      <p:par>
+        <p:cTn id="1" dur="indefinite" restart="never" nodeType="tmRoot"/>
+      </p:par>
+    </p:tnLst>
+  </p:timing>
+</p:sld>
+</file>
+
+<file path=ppt/slides/slide31.xml><?xml version="1.0" encoding="utf-8"?>
+<p:sld xmlns:a="http://schemas.openxmlformats.org/drawingml/2006/main" xmlns:r="http://schemas.openxmlformats.org/officeDocument/2006/relationships" xmlns:p="http://schemas.openxmlformats.org/presentationml/2006/main">
+  <p:cSld>
+    <p:spTree>
+      <p:nvGrpSpPr>
+        <p:cNvPr id="1" name=""/>
+        <p:cNvGrpSpPr/>
+        <p:nvPr/>
+      </p:nvGrpSpPr>
+      <p:grpSpPr>
+        <a:xfrm>
+          <a:off x="0" y="0"/>
+          <a:ext cx="0" cy="0"/>
+          <a:chOff x="0" y="0"/>
+          <a:chExt cx="0" cy="0"/>
+        </a:xfrm>
+      </p:grpSpPr>
+      <p:sp>
+        <p:nvSpPr>
+          <p:cNvPr id="4" name="標題 3"/>
+          <p:cNvSpPr>
+            <a:spLocks noGrp="1"/>
+          </p:cNvSpPr>
+          <p:nvPr>
+            <p:ph type="title"/>
+          </p:nvPr>
+        </p:nvSpPr>
+        <p:spPr/>
+        <p:txBody>
+          <a:bodyPr/>
+          <a:lstStyle/>
+          <a:p>
+            <a:r>
+              <a:rPr lang="en-US" altLang="zh-TW" dirty="0" smtClean="0"/>
+              <a:t>JMX + </a:t>
+            </a:r>
+            <a:r>
+              <a:rPr lang="en-US" altLang="zh-TW" dirty="0" err="1" smtClean="0"/>
+              <a:t>jConsole</a:t>
+            </a:r>
+            <a:r>
+              <a:rPr lang="en-US" altLang="zh-TW" dirty="0" smtClean="0"/>
+              <a:t>(1)</a:t>
+            </a:r>
+            <a:endParaRPr lang="zh-TW" altLang="en-US" dirty="0"/>
+          </a:p>
+        </p:txBody>
+      </p:sp>
+      <p:sp>
+        <p:nvSpPr>
+          <p:cNvPr id="5" name="內容版面配置區 4"/>
+          <p:cNvSpPr>
+            <a:spLocks noGrp="1"/>
+          </p:cNvSpPr>
+          <p:nvPr>
+            <p:ph idx="1"/>
+          </p:nvPr>
+        </p:nvSpPr>
+        <p:spPr>
+          <a:xfrm>
+            <a:off x="179512" y="1423317"/>
+            <a:ext cx="7992888" cy="4525963"/>
+          </a:xfrm>
+        </p:spPr>
+        <p:txBody>
+          <a:bodyPr>
+            <a:normAutofit/>
+          </a:bodyPr>
+          <a:lstStyle/>
+          <a:p>
+            <a:pPr marL="0" indent="0">
+              <a:buNone/>
+            </a:pPr>
+            <a:r>
+              <a:rPr lang="en-US" altLang="zh-TW" dirty="0" smtClean="0">
+                <a:latin typeface="微軟正黑體" pitchFamily="34" charset="-120"/>
+                <a:ea typeface="微軟正黑體" pitchFamily="34" charset="-120"/>
+              </a:rPr>
+              <a:t>JMX </a:t>
+            </a:r>
+            <a:r>
+              <a:rPr lang="zh-TW" altLang="en-US" dirty="0" smtClean="0">
+                <a:latin typeface="微軟正黑體" pitchFamily="34" charset="-120"/>
+                <a:ea typeface="微軟正黑體" pitchFamily="34" charset="-120"/>
+              </a:rPr>
+              <a:t>的用途：</a:t>
+            </a:r>
+            <a:endParaRPr lang="en-US" altLang="zh-TW" dirty="0">
+              <a:latin typeface="微軟正黑體" pitchFamily="34" charset="-120"/>
+              <a:ea typeface="微軟正黑體" pitchFamily="34" charset="-120"/>
+            </a:endParaRPr>
+          </a:p>
+          <a:p>
+            <a:pPr marL="0" indent="0">
+              <a:buNone/>
+            </a:pPr>
+            <a:endParaRPr lang="en-US" altLang="zh-TW" dirty="0" smtClean="0">
+              <a:latin typeface="微軟正黑體" pitchFamily="34" charset="-120"/>
+              <a:ea typeface="微軟正黑體" pitchFamily="34" charset="-120"/>
+            </a:endParaRPr>
+          </a:p>
+          <a:p>
+            <a:pPr marL="514350" indent="-514350">
+              <a:buAutoNum type="arabicPeriod"/>
+            </a:pPr>
+            <a:r>
+              <a:rPr lang="en-US" altLang="zh-TW" dirty="0" smtClean="0">
+                <a:latin typeface="微軟正黑體" pitchFamily="34" charset="-120"/>
+                <a:ea typeface="微軟正黑體" pitchFamily="34" charset="-120"/>
+              </a:rPr>
+              <a:t>Configuration at Runtime.</a:t>
+            </a:r>
+          </a:p>
+          <a:p>
+            <a:pPr marL="514350" indent="-514350">
+              <a:buAutoNum type="arabicPeriod"/>
+            </a:pPr>
+            <a:r>
+              <a:rPr lang="en-US" altLang="zh-TW" dirty="0" smtClean="0">
+                <a:latin typeface="微軟正黑體" pitchFamily="34" charset="-120"/>
+                <a:ea typeface="微軟正黑體" pitchFamily="34" charset="-120"/>
+              </a:rPr>
+              <a:t>Get Application status at runtime.</a:t>
+            </a:r>
+          </a:p>
+          <a:p>
+            <a:pPr marL="0" indent="0">
+              <a:buNone/>
+            </a:pPr>
+            <a:endParaRPr lang="en-US" altLang="zh-TW" dirty="0" smtClean="0">
+              <a:latin typeface="微軟正黑體" pitchFamily="34" charset="-120"/>
+              <a:ea typeface="微軟正黑體" pitchFamily="34" charset="-120"/>
+            </a:endParaRPr>
+          </a:p>
+          <a:p>
+            <a:pPr marL="0" indent="0">
+              <a:buNone/>
+            </a:pPr>
+            <a:r>
+              <a:rPr lang="en-US" altLang="zh-TW" dirty="0" smtClean="0">
+                <a:latin typeface="微軟正黑體" pitchFamily="34" charset="-120"/>
+                <a:ea typeface="微軟正黑體" pitchFamily="34" charset="-120"/>
+              </a:rPr>
+              <a:t>Developer </a:t>
+            </a:r>
+            <a:r>
+              <a:rPr lang="zh-TW" altLang="en-US" dirty="0" smtClean="0">
+                <a:latin typeface="微軟正黑體" pitchFamily="34" charset="-120"/>
+                <a:ea typeface="微軟正黑體" pitchFamily="34" charset="-120"/>
+              </a:rPr>
+              <a:t>以</a:t>
+            </a:r>
+            <a:r>
+              <a:rPr lang="en-US" altLang="zh-TW" dirty="0">
+                <a:latin typeface="微軟正黑體" pitchFamily="34" charset="-120"/>
+                <a:ea typeface="微軟正黑體" pitchFamily="34" charset="-120"/>
+              </a:rPr>
+              <a:t>JMX </a:t>
+            </a:r>
+            <a:r>
+              <a:rPr lang="zh-TW" altLang="en-US" dirty="0" smtClean="0">
+                <a:latin typeface="微軟正黑體" pitchFamily="34" charset="-120"/>
+                <a:ea typeface="微軟正黑體" pitchFamily="34" charset="-120"/>
+              </a:rPr>
+              <a:t>開發出的</a:t>
+            </a:r>
+            <a:r>
+              <a:rPr lang="zh-TW" altLang="en-US" dirty="0">
+                <a:latin typeface="微軟正黑體" pitchFamily="34" charset="-120"/>
+                <a:ea typeface="微軟正黑體" pitchFamily="34" charset="-120"/>
+              </a:rPr>
+              <a:t>通用</a:t>
+            </a:r>
+            <a:r>
+              <a:rPr lang="zh-TW" altLang="en-US" dirty="0" smtClean="0">
+                <a:latin typeface="微軟正黑體" pitchFamily="34" charset="-120"/>
+                <a:ea typeface="微軟正黑體" pitchFamily="34" charset="-120"/>
+              </a:rPr>
+              <a:t>工程介面，</a:t>
+            </a:r>
+            <a:r>
+              <a:rPr lang="en-US" altLang="zh-TW" dirty="0" smtClean="0">
+                <a:latin typeface="微軟正黑體" pitchFamily="34" charset="-120"/>
+                <a:ea typeface="微軟正黑體" pitchFamily="34" charset="-120"/>
+              </a:rPr>
+              <a:t/>
+            </a:r>
+            <a:br>
+              <a:rPr lang="en-US" altLang="zh-TW" dirty="0" smtClean="0">
+                <a:latin typeface="微軟正黑體" pitchFamily="34" charset="-120"/>
+                <a:ea typeface="微軟正黑體" pitchFamily="34" charset="-120"/>
+              </a:rPr>
+            </a:br>
+            <a:r>
+              <a:rPr lang="zh-TW" altLang="en-US" dirty="0" smtClean="0">
+                <a:latin typeface="微軟正黑體" pitchFamily="34" charset="-120"/>
+                <a:ea typeface="微軟正黑體" pitchFamily="34" charset="-120"/>
+              </a:rPr>
+              <a:t>可以</a:t>
+            </a:r>
+            <a:r>
+              <a:rPr lang="zh-TW" altLang="en-US" dirty="0">
+                <a:latin typeface="微軟正黑體" pitchFamily="34" charset="-120"/>
+                <a:ea typeface="微軟正黑體" pitchFamily="34" charset="-120"/>
+              </a:rPr>
+              <a:t>用</a:t>
+            </a:r>
+            <a:r>
+              <a:rPr lang="zh-TW" altLang="en-US" dirty="0" smtClean="0">
+                <a:latin typeface="微軟正黑體" pitchFamily="34" charset="-120"/>
+                <a:ea typeface="微軟正黑體" pitchFamily="34" charset="-120"/>
+              </a:rPr>
+              <a:t>像</a:t>
+            </a:r>
+            <a:r>
+              <a:rPr lang="en-US" altLang="zh-TW" dirty="0" err="1" smtClean="0">
+                <a:latin typeface="微軟正黑體" pitchFamily="34" charset="-120"/>
+                <a:ea typeface="微軟正黑體" pitchFamily="34" charset="-120"/>
+              </a:rPr>
+              <a:t>jConsole</a:t>
+            </a:r>
+            <a:r>
+              <a:rPr lang="zh-TW" altLang="en-US" dirty="0" smtClean="0">
+                <a:latin typeface="微軟正黑體" pitchFamily="34" charset="-120"/>
+                <a:ea typeface="微軟正黑體" pitchFamily="34" charset="-120"/>
+              </a:rPr>
+              <a:t>這樣的</a:t>
+            </a:r>
+            <a:r>
+              <a:rPr lang="en-US" altLang="zh-TW" dirty="0" smtClean="0">
+                <a:latin typeface="微軟正黑體" pitchFamily="34" charset="-120"/>
+                <a:ea typeface="微軟正黑體" pitchFamily="34" charset="-120"/>
+              </a:rPr>
+              <a:t>Client</a:t>
+            </a:r>
+            <a:r>
+              <a:rPr lang="zh-TW" altLang="en-US" dirty="0" smtClean="0">
+                <a:latin typeface="微軟正黑體" pitchFamily="34" charset="-120"/>
+                <a:ea typeface="微軟正黑體" pitchFamily="34" charset="-120"/>
+              </a:rPr>
+              <a:t>存取。</a:t>
+            </a:r>
+            <a:endParaRPr lang="en-US" altLang="zh-TW" dirty="0" smtClean="0">
+              <a:latin typeface="微軟正黑體" pitchFamily="34" charset="-120"/>
+              <a:ea typeface="微軟正黑體" pitchFamily="34" charset="-120"/>
+            </a:endParaRPr>
+          </a:p>
+        </p:txBody>
+      </p:sp>
+    </p:spTree>
+    <p:extLst>
+      <p:ext uri="{BB962C8B-B14F-4D97-AF65-F5344CB8AC3E}">
+        <p14:creationId xmlns:p14="http://schemas.microsoft.com/office/powerpoint/2010/main" val="724910203"/>
+      </p:ext>
+    </p:extLst>
+  </p:cSld>
+  <p:clrMapOvr>
+    <a:masterClrMapping/>
+  </p:clrMapOvr>
+  <p:timing>
+    <p:tnLst>
+      <p:par>
+        <p:cTn id="1" dur="indefinite" restart="never" nodeType="tmRoot"/>
+      </p:par>
+    </p:tnLst>
+  </p:timing>
+</p:sld>
+</file>
+
+<file path=ppt/slides/slide32.xml><?xml version="1.0" encoding="utf-8"?>
+<p:sld xmlns:a="http://schemas.openxmlformats.org/drawingml/2006/main" xmlns:r="http://schemas.openxmlformats.org/officeDocument/2006/relationships" xmlns:p="http://schemas.openxmlformats.org/presentationml/2006/main">
+  <p:cSld>
+    <p:spTree>
+      <p:nvGrpSpPr>
+        <p:cNvPr id="1" name=""/>
+        <p:cNvGrpSpPr/>
+        <p:nvPr/>
+      </p:nvGrpSpPr>
+      <p:grpSpPr>
+        <a:xfrm>
+          <a:off x="0" y="0"/>
+          <a:ext cx="0" cy="0"/>
+          <a:chOff x="0" y="0"/>
+          <a:chExt cx="0" cy="0"/>
+        </a:xfrm>
+      </p:grpSpPr>
+      <p:pic>
+        <p:nvPicPr>
+          <p:cNvPr id="2051" name="Picture 3" descr="D:\working_copy\java_two\2013\JMXArchitektur.jpg"/>
+          <p:cNvPicPr>
+            <a:picLocks noChangeAspect="1" noChangeArrowheads="1"/>
+          </p:cNvPicPr>
+          <p:nvPr/>
+        </p:nvPicPr>
+        <p:blipFill>
+          <a:blip r:embed="rId2">
+            <a:extLst>
+              <a:ext uri="{28A0092B-C50C-407E-A947-70E740481C1C}">
+                <a14:useLocalDpi xmlns:a14="http://schemas.microsoft.com/office/drawing/2010/main" val="0"/>
+              </a:ext>
+            </a:extLst>
+          </a:blip>
+          <a:srcRect/>
+          <a:stretch>
+            <a:fillRect/>
+          </a:stretch>
+        </p:blipFill>
+        <p:spPr bwMode="auto">
+          <a:xfrm>
+            <a:off x="395536" y="1340768"/>
+            <a:ext cx="8128001" cy="4896544"/>
+          </a:xfrm>
+          <a:prstGeom prst="rect">
+            <a:avLst/>
+          </a:prstGeom>
+          <a:noFill/>
+          <a:extLst>
+            <a:ext uri="{909E8E84-426E-40DD-AFC4-6F175D3DCCD1}">
+              <a14:hiddenFill xmlns:a14="http://schemas.microsoft.com/office/drawing/2010/main">
+                <a:solidFill>
+                  <a:srgbClr val="FFFFFF"/>
+                </a:solidFill>
+              </a14:hiddenFill>
+            </a:ext>
+          </a:extLst>
+        </p:spPr>
+      </p:pic>
+      <p:sp>
+        <p:nvSpPr>
+          <p:cNvPr id="3" name="文字方塊 2"/>
+          <p:cNvSpPr txBox="1"/>
+          <p:nvPr/>
+        </p:nvSpPr>
+        <p:spPr>
+          <a:xfrm>
+            <a:off x="683568" y="1558011"/>
+            <a:ext cx="1152128" cy="369332"/>
+          </a:xfrm>
+          <a:prstGeom prst="rect">
+            <a:avLst/>
+          </a:prstGeom>
+          <a:noFill/>
+        </p:spPr>
+        <p:txBody>
+          <a:bodyPr wrap="square" rtlCol="0">
+            <a:spAutoFit/>
+          </a:bodyPr>
+          <a:lstStyle/>
+          <a:p>
+            <a:r>
+              <a:rPr lang="en-US" altLang="zh-TW" b="1" dirty="0" err="1" smtClean="0">
+                <a:solidFill>
+                  <a:srgbClr val="FF0000"/>
+                </a:solidFill>
+              </a:rPr>
+              <a:t>jConsole</a:t>
+            </a:r>
+            <a:endParaRPr lang="zh-TW" altLang="en-US" b="1" dirty="0">
+              <a:solidFill>
+                <a:srgbClr val="FF0000"/>
+              </a:solidFill>
+            </a:endParaRPr>
+          </a:p>
+        </p:txBody>
+      </p:sp>
+    </p:spTree>
+    <p:extLst>
+      <p:ext uri="{BB962C8B-B14F-4D97-AF65-F5344CB8AC3E}">
+        <p14:creationId xmlns:p14="http://schemas.microsoft.com/office/powerpoint/2010/main" val="2425795240"/>
+      </p:ext>
+    </p:extLst>
+  </p:cSld>
+  <p:clrMapOvr>
+    <a:masterClrMapping/>
+  </p:clrMapOvr>
+  <p:timing>
+    <p:tnLst>
+      <p:par>
+        <p:cTn id="1" dur="indefinite" restart="never" nodeType="tmRoot"/>
+      </p:par>
+    </p:tnLst>
+  </p:timing>
+</p:sld>
+</file>
+
+<file path=ppt/slides/slide33.xml><?xml version="1.0" encoding="utf-8"?>
+<p:sld xmlns:a="http://schemas.openxmlformats.org/drawingml/2006/main" xmlns:r="http://schemas.openxmlformats.org/officeDocument/2006/relationships" xmlns:p="http://schemas.openxmlformats.org/presentationml/2006/main">
+  <p:cSld>
+    <p:spTree>
+      <p:nvGrpSpPr>
+        <p:cNvPr id="1" name=""/>
+        <p:cNvGrpSpPr/>
+        <p:nvPr/>
+      </p:nvGrpSpPr>
+      <p:grpSpPr>
+        <a:xfrm>
+          <a:off x="0" y="0"/>
+          <a:ext cx="0" cy="0"/>
+          <a:chOff x="0" y="0"/>
+          <a:chExt cx="0" cy="0"/>
+        </a:xfrm>
+      </p:grpSpPr>
+      <p:sp>
+        <p:nvSpPr>
+          <p:cNvPr id="4" name="標題 3"/>
+          <p:cNvSpPr>
+            <a:spLocks noGrp="1"/>
+          </p:cNvSpPr>
+          <p:nvPr>
+            <p:ph type="title"/>
+          </p:nvPr>
+        </p:nvSpPr>
+        <p:spPr/>
+        <p:txBody>
+          <a:bodyPr/>
+          <a:lstStyle/>
+          <a:p>
+            <a:r>
+              <a:rPr lang="en-US" altLang="zh-TW" dirty="0" smtClean="0"/>
+              <a:t>JMX + </a:t>
+            </a:r>
+            <a:r>
+              <a:rPr lang="en-US" altLang="zh-TW" dirty="0" err="1" smtClean="0"/>
+              <a:t>jConsole</a:t>
+            </a:r>
+            <a:r>
+              <a:rPr lang="en-US" altLang="zh-TW" dirty="0" smtClean="0"/>
+              <a:t>(2)</a:t>
+            </a:r>
+            <a:endParaRPr lang="zh-TW" altLang="en-US" dirty="0"/>
+          </a:p>
+        </p:txBody>
+      </p:sp>
+      <p:sp>
+        <p:nvSpPr>
+          <p:cNvPr id="5" name="內容版面配置區 4"/>
+          <p:cNvSpPr>
+            <a:spLocks noGrp="1"/>
+          </p:cNvSpPr>
+          <p:nvPr>
+            <p:ph idx="1"/>
+          </p:nvPr>
+        </p:nvSpPr>
+        <p:spPr>
+          <a:xfrm>
+            <a:off x="179512" y="1423317"/>
+            <a:ext cx="7992888" cy="4525963"/>
+          </a:xfrm>
+        </p:spPr>
+        <p:txBody>
+          <a:bodyPr>
+            <a:normAutofit/>
+          </a:bodyPr>
+          <a:lstStyle/>
+          <a:p>
+            <a:pPr marL="0" indent="0">
+              <a:buNone/>
+            </a:pPr>
+            <a:r>
+              <a:rPr lang="en-US" altLang="zh-TW" dirty="0" smtClean="0">
+                <a:latin typeface="微軟正黑體" pitchFamily="34" charset="-120"/>
+                <a:ea typeface="微軟正黑體" pitchFamily="34" charset="-120"/>
+              </a:rPr>
+              <a:t>PROS:</a:t>
+            </a:r>
+          </a:p>
+          <a:p>
+            <a:pPr marL="514350" indent="-514350">
+              <a:buAutoNum type="arabicPeriod"/>
+            </a:pPr>
+            <a:r>
+              <a:rPr lang="zh-TW" altLang="en-US" dirty="0" smtClean="0">
+                <a:latin typeface="微軟正黑體" pitchFamily="34" charset="-120"/>
+                <a:ea typeface="微軟正黑體" pitchFamily="34" charset="-120"/>
+              </a:rPr>
+              <a:t>可以透過開發人員開出來的接口，監控</a:t>
+            </a:r>
+            <a:r>
+              <a:rPr lang="en-US" altLang="zh-TW" dirty="0" smtClean="0">
+                <a:latin typeface="微軟正黑體" pitchFamily="34" charset="-120"/>
+                <a:ea typeface="微軟正黑體" pitchFamily="34" charset="-120"/>
+              </a:rPr>
+              <a:t>App Runtime</a:t>
+            </a:r>
+            <a:r>
+              <a:rPr lang="zh-TW" altLang="en-US" dirty="0" smtClean="0">
+                <a:latin typeface="微軟正黑體" pitchFamily="34" charset="-120"/>
+                <a:ea typeface="微軟正黑體" pitchFamily="34" charset="-120"/>
+              </a:rPr>
+              <a:t>。</a:t>
+            </a:r>
+            <a:endParaRPr lang="en-US" altLang="zh-TW" dirty="0" smtClean="0">
+              <a:latin typeface="微軟正黑體" pitchFamily="34" charset="-120"/>
+              <a:ea typeface="微軟正黑體" pitchFamily="34" charset="-120"/>
+            </a:endParaRPr>
+          </a:p>
+          <a:p>
+            <a:pPr marL="0" indent="0">
+              <a:buNone/>
+            </a:pPr>
+            <a:r>
+              <a:rPr lang="en-US" altLang="zh-TW" dirty="0" smtClean="0">
+                <a:latin typeface="微軟正黑體" pitchFamily="34" charset="-120"/>
+                <a:ea typeface="微軟正黑體" pitchFamily="34" charset="-120"/>
+              </a:rPr>
+              <a:t>CONS:</a:t>
+            </a:r>
+          </a:p>
+          <a:p>
+            <a:pPr marL="514350" indent="-514350">
+              <a:buAutoNum type="arabicPeriod"/>
+            </a:pPr>
+            <a:r>
+              <a:rPr lang="zh-TW" altLang="en-US" dirty="0" smtClean="0">
+                <a:latin typeface="微軟正黑體" pitchFamily="34" charset="-120"/>
+                <a:ea typeface="微軟正黑體" pitchFamily="34" charset="-120"/>
+              </a:rPr>
+              <a:t>得</a:t>
+            </a:r>
+            <a:r>
+              <a:rPr lang="zh-TW" altLang="en-US" dirty="0">
+                <a:latin typeface="微軟正黑體" pitchFamily="34" charset="-120"/>
+                <a:ea typeface="微軟正黑體" pitchFamily="34" charset="-120"/>
+              </a:rPr>
+              <a:t>要實作</a:t>
+            </a:r>
+            <a:r>
+              <a:rPr lang="en-US" altLang="zh-TW" dirty="0" err="1">
+                <a:latin typeface="微軟正黑體" pitchFamily="34" charset="-120"/>
+                <a:ea typeface="微軟正黑體" pitchFamily="34" charset="-120"/>
+              </a:rPr>
+              <a:t>Mbeans</a:t>
+            </a:r>
+            <a:r>
+              <a:rPr lang="zh-TW" altLang="en-US" dirty="0" smtClean="0">
+                <a:latin typeface="微軟正黑體" pitchFamily="34" charset="-120"/>
+                <a:ea typeface="微軟正黑體" pitchFamily="34" charset="-120"/>
+              </a:rPr>
+              <a:t>介面</a:t>
+            </a:r>
+            <a:endParaRPr lang="en-US" altLang="zh-TW" dirty="0" smtClean="0">
+              <a:latin typeface="微軟正黑體" pitchFamily="34" charset="-120"/>
+              <a:ea typeface="微軟正黑體" pitchFamily="34" charset="-120"/>
+            </a:endParaRPr>
+          </a:p>
+          <a:p>
+            <a:pPr marL="514350" indent="-514350">
+              <a:buAutoNum type="arabicPeriod"/>
+            </a:pPr>
+            <a:r>
+              <a:rPr lang="en-US" altLang="zh-TW" dirty="0" smtClean="0">
+                <a:latin typeface="微軟正黑體" pitchFamily="34" charset="-120"/>
+                <a:ea typeface="微軟正黑體" pitchFamily="34" charset="-120"/>
+              </a:rPr>
+              <a:t>Tightly Coupling</a:t>
+            </a:r>
+          </a:p>
+          <a:p>
+            <a:pPr marL="514350" indent="-514350">
+              <a:buAutoNum type="arabicPeriod"/>
+            </a:pPr>
+            <a:r>
+              <a:rPr lang="zh-TW" altLang="en-US" dirty="0" smtClean="0">
+                <a:latin typeface="微軟正黑體" pitchFamily="34" charset="-120"/>
+                <a:ea typeface="微軟正黑體" pitchFamily="34" charset="-120"/>
+              </a:rPr>
+              <a:t>成本太高</a:t>
+            </a:r>
+            <a:endParaRPr lang="en-US" altLang="zh-TW" dirty="0" smtClean="0">
+              <a:latin typeface="微軟正黑體" pitchFamily="34" charset="-120"/>
+              <a:ea typeface="微軟正黑體" pitchFamily="34" charset="-120"/>
+            </a:endParaRPr>
+          </a:p>
+        </p:txBody>
+      </p:sp>
+    </p:spTree>
+    <p:extLst>
+      <p:ext uri="{BB962C8B-B14F-4D97-AF65-F5344CB8AC3E}">
+        <p14:creationId xmlns:p14="http://schemas.microsoft.com/office/powerpoint/2010/main" val="3770495909"/>
+      </p:ext>
+    </p:extLst>
+  </p:cSld>
+  <p:clrMapOvr>
+    <a:masterClrMapping/>
+  </p:clrMapOvr>
+  <p:timing>
+    <p:tnLst>
+      <p:par>
+        <p:cTn id="1" dur="indefinite" restart="never" nodeType="tmRoot"/>
+      </p:par>
+    </p:tnLst>
+  </p:timing>
+</p:sld>
+</file>
+
+<file path=ppt/slides/slide34.xml><?xml version="1.0" encoding="utf-8"?>
+<p:sld xmlns:a="http://schemas.openxmlformats.org/drawingml/2006/main" xmlns:r="http://schemas.openxmlformats.org/officeDocument/2006/relationships" xmlns:p="http://schemas.openxmlformats.org/presentationml/2006/main">
+  <p:cSld>
+    <p:spTree>
+      <p:nvGrpSpPr>
+        <p:cNvPr id="1" name=""/>
+        <p:cNvGrpSpPr/>
+        <p:nvPr/>
+      </p:nvGrpSpPr>
+      <p:grpSpPr>
+        <a:xfrm>
+          <a:off x="0" y="0"/>
+          <a:ext cx="0" cy="0"/>
+          <a:chOff x="0" y="0"/>
+          <a:chExt cx="0" cy="0"/>
+        </a:xfrm>
+      </p:grpSpPr>
+      <p:sp>
+        <p:nvSpPr>
+          <p:cNvPr id="4" name="標題 3"/>
+          <p:cNvSpPr>
+            <a:spLocks noGrp="1"/>
+          </p:cNvSpPr>
+          <p:nvPr>
+            <p:ph type="title"/>
+          </p:nvPr>
+        </p:nvSpPr>
+        <p:spPr/>
+        <p:txBody>
+          <a:bodyPr/>
+          <a:lstStyle/>
+          <a:p>
+            <a:r>
+              <a:rPr lang="zh-TW" altLang="en-US" dirty="0" smtClean="0">
+                <a:latin typeface="微軟正黑體" pitchFamily="34" charset="-120"/>
+                <a:ea typeface="微軟正黑體" pitchFamily="34" charset="-120"/>
+              </a:rPr>
+              <a:t>小結</a:t>
+            </a:r>
+            <a:endParaRPr lang="zh-TW" altLang="en-US" dirty="0">
+              <a:latin typeface="微軟正黑體" pitchFamily="34" charset="-120"/>
+              <a:ea typeface="微軟正黑體" pitchFamily="34" charset="-120"/>
+            </a:endParaRPr>
+          </a:p>
+        </p:txBody>
+      </p:sp>
+      <p:sp>
+        <p:nvSpPr>
+          <p:cNvPr id="5" name="內容版面配置區 4"/>
+          <p:cNvSpPr>
+            <a:spLocks noGrp="1"/>
+          </p:cNvSpPr>
+          <p:nvPr>
+            <p:ph idx="1"/>
+          </p:nvPr>
+        </p:nvSpPr>
+        <p:spPr>
+          <a:xfrm>
+            <a:off x="827584" y="1916832"/>
+            <a:ext cx="7344816" cy="4032448"/>
+          </a:xfrm>
+        </p:spPr>
+        <p:txBody>
+          <a:bodyPr>
+            <a:normAutofit/>
+          </a:bodyPr>
+          <a:lstStyle/>
+          <a:p>
+            <a:pPr marL="0" indent="0">
+              <a:buNone/>
+            </a:pPr>
+            <a:r>
+              <a:rPr lang="zh-TW" altLang="en-US" dirty="0" smtClean="0">
+                <a:latin typeface="微軟正黑體" pitchFamily="34" charset="-120"/>
+                <a:ea typeface="微軟正黑體" pitchFamily="34" charset="-120"/>
+              </a:rPr>
+              <a:t>這些工具只適合事後分析，不適合開發時使用。</a:t>
+            </a:r>
+            <a:endParaRPr lang="en-US" altLang="zh-TW" dirty="0" smtClean="0">
+              <a:latin typeface="微軟正黑體" pitchFamily="34" charset="-120"/>
+              <a:ea typeface="微軟正黑體" pitchFamily="34" charset="-120"/>
+            </a:endParaRPr>
+          </a:p>
+          <a:p>
+            <a:pPr marL="0" indent="0">
+              <a:buNone/>
+            </a:pPr>
+            <a:endParaRPr lang="en-US" altLang="zh-TW" dirty="0" smtClean="0">
+              <a:latin typeface="微軟正黑體" pitchFamily="34" charset="-120"/>
+              <a:ea typeface="微軟正黑體" pitchFamily="34" charset="-120"/>
+            </a:endParaRPr>
+          </a:p>
+          <a:p>
+            <a:pPr marL="0" indent="0">
+              <a:buNone/>
+            </a:pPr>
+            <a:r>
+              <a:rPr lang="zh-TW" altLang="en-US" dirty="0" smtClean="0">
+                <a:latin typeface="微軟正黑體" pitchFamily="34" charset="-120"/>
+                <a:ea typeface="微軟正黑體" pitchFamily="34" charset="-120"/>
+              </a:rPr>
+              <a:t>這些工具普遍看的都是</a:t>
+            </a:r>
+            <a:r>
+              <a:rPr lang="en-US" altLang="zh-TW" dirty="0" smtClean="0">
+                <a:latin typeface="微軟正黑體" pitchFamily="34" charset="-120"/>
+                <a:ea typeface="微軟正黑體" pitchFamily="34" charset="-120"/>
+              </a:rPr>
+              <a:t>VM</a:t>
+            </a:r>
+            <a:r>
+              <a:rPr lang="zh-TW" altLang="en-US" dirty="0" smtClean="0">
+                <a:latin typeface="微軟正黑體" pitchFamily="34" charset="-120"/>
+                <a:ea typeface="微軟正黑體" pitchFamily="34" charset="-120"/>
+              </a:rPr>
+              <a:t> </a:t>
+            </a:r>
+            <a:r>
+              <a:rPr lang="en-US" altLang="zh-TW" dirty="0" smtClean="0">
+                <a:latin typeface="微軟正黑體" pitchFamily="34" charset="-120"/>
+                <a:ea typeface="微軟正黑體" pitchFamily="34" charset="-120"/>
+              </a:rPr>
+              <a:t>Level</a:t>
+            </a:r>
+            <a:r>
+              <a:rPr lang="zh-TW" altLang="en-US" dirty="0" smtClean="0">
+                <a:latin typeface="微軟正黑體" pitchFamily="34" charset="-120"/>
+                <a:ea typeface="微軟正黑體" pitchFamily="34" charset="-120"/>
+              </a:rPr>
+              <a:t>的東西，對</a:t>
+            </a:r>
+            <a:r>
+              <a:rPr lang="en-US" altLang="zh-TW" dirty="0" smtClean="0">
+                <a:latin typeface="微軟正黑體" pitchFamily="34" charset="-120"/>
+                <a:ea typeface="微軟正黑體" pitchFamily="34" charset="-120"/>
+              </a:rPr>
+              <a:t>Application Level</a:t>
+            </a:r>
+            <a:r>
+              <a:rPr lang="zh-TW" altLang="en-US" dirty="0" smtClean="0">
+                <a:latin typeface="微軟正黑體" pitchFamily="34" charset="-120"/>
+                <a:ea typeface="微軟正黑體" pitchFamily="34" charset="-120"/>
+              </a:rPr>
+              <a:t>沒有認知。</a:t>
+            </a:r>
+            <a:endParaRPr lang="en-US" altLang="zh-TW" dirty="0">
+              <a:latin typeface="微軟正黑體" pitchFamily="34" charset="-120"/>
+              <a:ea typeface="微軟正黑體" pitchFamily="34" charset="-120"/>
+            </a:endParaRPr>
+          </a:p>
+          <a:p>
+            <a:pPr marL="0" indent="0">
+              <a:buNone/>
+            </a:pPr>
+            <a:endParaRPr lang="en-US" altLang="zh-TW" dirty="0" smtClean="0">
+              <a:latin typeface="微軟正黑體" pitchFamily="34" charset="-120"/>
+              <a:ea typeface="微軟正黑體" pitchFamily="34" charset="-120"/>
+            </a:endParaRPr>
+          </a:p>
+          <a:p>
+            <a:pPr marL="0" indent="0" algn="ctr">
+              <a:buNone/>
+            </a:pPr>
+            <a:r>
+              <a:rPr lang="zh-TW" altLang="en-US" dirty="0" smtClean="0">
+                <a:latin typeface="微軟正黑體" pitchFamily="34" charset="-120"/>
+                <a:ea typeface="微軟正黑體" pitchFamily="34" charset="-120"/>
+              </a:rPr>
+              <a:t>沒有</a:t>
+            </a:r>
+            <a:r>
+              <a:rPr lang="zh-TW" altLang="en-US" dirty="0">
+                <a:latin typeface="微軟正黑體" pitchFamily="34" charset="-120"/>
+                <a:ea typeface="微軟正黑體" pitchFamily="34" charset="-120"/>
+              </a:rPr>
+              <a:t>銀</a:t>
+            </a:r>
+            <a:r>
+              <a:rPr lang="zh-TW" altLang="en-US" dirty="0" smtClean="0">
+                <a:latin typeface="微軟正黑體" pitchFamily="34" charset="-120"/>
+                <a:ea typeface="微軟正黑體" pitchFamily="34" charset="-120"/>
+              </a:rPr>
+              <a:t>子彈。</a:t>
+            </a:r>
+            <a:endParaRPr lang="en-US" altLang="zh-TW" dirty="0">
+              <a:latin typeface="微軟正黑體" pitchFamily="34" charset="-120"/>
+              <a:ea typeface="微軟正黑體" pitchFamily="34" charset="-120"/>
+            </a:endParaRPr>
+          </a:p>
+          <a:p>
+            <a:pPr marL="0" indent="0" algn="ctr">
+              <a:buNone/>
+            </a:pPr>
+            <a:endParaRPr lang="en-US" altLang="zh-TW" dirty="0">
+              <a:latin typeface="微軟正黑體" pitchFamily="34" charset="-120"/>
+              <a:ea typeface="微軟正黑體" pitchFamily="34" charset="-120"/>
+            </a:endParaRPr>
+          </a:p>
+        </p:txBody>
+      </p:sp>
+    </p:spTree>
+    <p:extLst>
+      <p:ext uri="{BB962C8B-B14F-4D97-AF65-F5344CB8AC3E}">
+        <p14:creationId xmlns:p14="http://schemas.microsoft.com/office/powerpoint/2010/main" val="270652714"/>
+      </p:ext>
+    </p:extLst>
+  </p:cSld>
+  <p:clrMapOvr>
+    <a:masterClrMapping/>
+  </p:clrMapOvr>
+  <p:timing>
+    <p:tnLst>
+      <p:par>
+        <p:cTn id="1" dur="indefinite" restart="never" nodeType="tmRoot">
+          <p:childTnLst>
+            <p:seq concurrent="1" nextAc="seek">
+              <p:cTn id="2" dur="indefinite" nodeType="mainSeq">
+                <p:childTnLst>
+                  <p:par>
+                    <p:cTn id="3" fill="hold">
+                      <p:stCondLst>
+                        <p:cond delay="indefinite"/>
+                      </p:stCondLst>
+                      <p:childTnLst>
+                        <p:par>
+                          <p:cTn id="4" fill="hold">
+                            <p:stCondLst>
+                              <p:cond delay="0"/>
+                            </p:stCondLst>
+                            <p:childTnLst>
+                              <p:par>
+                                <p:cTn id="5" presetID="1" presetClass="entr" presetSubtype="0" fill="hold" nodeType="clickEffect">
+                                  <p:stCondLst>
+                                    <p:cond delay="0"/>
+                                  </p:stCondLst>
+                                  <p:childTnLst>
+                                    <p:set>
+                                      <p:cBhvr>
+                                        <p:cTn id="6" dur="1" fill="hold">
+                                          <p:stCondLst>
+                                            <p:cond delay="0"/>
+                                          </p:stCondLst>
+                                        </p:cTn>
+                                        <p:tgtEl>
+                                          <p:spTgt spid="5">
+                                            <p:txEl>
+                                              <p:pRg st="0" end="0"/>
+                                            </p:txEl>
+                                          </p:spTgt>
+                                        </p:tgtEl>
+                                        <p:attrNameLst>
+                                          <p:attrName>style.visibility</p:attrName>
+                                        </p:attrNameLst>
+                                      </p:cBhvr>
+                                      <p:to>
+                                        <p:strVal val="visible"/>
+                                      </p:to>
+                                    </p:set>
+                                  </p:childTnLst>
+                                </p:cTn>
+                              </p:par>
+                            </p:childTnLst>
+                          </p:cTn>
+                        </p:par>
+                      </p:childTnLst>
+                    </p:cTn>
+                  </p:par>
+                  <p:par>
+                    <p:cTn id="7" fill="hold">
+                      <p:stCondLst>
+                        <p:cond delay="indefinite"/>
+                      </p:stCondLst>
+                      <p:childTnLst>
+                        <p:par>
+                          <p:cTn id="8" fill="hold">
+                            <p:stCondLst>
+                              <p:cond delay="0"/>
+                            </p:stCondLst>
+                            <p:childTnLst>
+                              <p:par>
+                                <p:cTn id="9" presetID="1" presetClass="entr" presetSubtype="0" fill="hold" nodeType="clickEffect">
+                                  <p:stCondLst>
+                                    <p:cond delay="0"/>
+                                  </p:stCondLst>
+                                  <p:childTnLst>
+                                    <p:set>
+                                      <p:cBhvr>
+                                        <p:cTn id="10" dur="1" fill="hold">
+                                          <p:stCondLst>
+                                            <p:cond delay="0"/>
+                                          </p:stCondLst>
+                                        </p:cTn>
+                                        <p:tgtEl>
+                                          <p:spTgt spid="5">
+                                            <p:txEl>
+                                              <p:pRg st="2" end="2"/>
+                                            </p:txEl>
+                                          </p:spTgt>
+                                        </p:tgtEl>
+                                        <p:attrNameLst>
+                                          <p:attrName>style.visibility</p:attrName>
+                                        </p:attrNameLst>
+                                      </p:cBhvr>
+                                      <p:to>
+                                        <p:strVal val="visible"/>
+                                      </p:to>
+                                    </p:set>
+                                  </p:childTnLst>
+                                </p:cTn>
+                              </p:par>
+                            </p:childTnLst>
+                          </p:cTn>
+                        </p:par>
+                      </p:childTnLst>
+                    </p:cTn>
+                  </p:par>
+                  <p:par>
+                    <p:cTn id="11" fill="hold">
+                      <p:stCondLst>
+                        <p:cond delay="indefinite"/>
+                      </p:stCondLst>
+                      <p:childTnLst>
+                        <p:par>
+                          <p:cTn id="12" fill="hold">
+                            <p:stCondLst>
+                              <p:cond delay="0"/>
+                            </p:stCondLst>
+                            <p:childTnLst>
+                              <p:par>
+                                <p:cTn id="13" presetID="1" presetClass="entr" presetSubtype="0" fill="hold" nodeType="clickEffect">
+                                  <p:stCondLst>
+                                    <p:cond delay="0"/>
+                                  </p:stCondLst>
+                                  <p:childTnLst>
+                                    <p:set>
+                                      <p:cBhvr>
+                                        <p:cTn id="14" dur="1" fill="hold">
+                                          <p:stCondLst>
+                                            <p:cond delay="0"/>
+                                          </p:stCondLst>
+                                        </p:cTn>
+                                        <p:tgtEl>
+                                          <p:spTgt spid="5">
+                                            <p:txEl>
+                                              <p:pRg st="4" end="4"/>
+                                            </p:txEl>
+                                          </p:spTgt>
+                                        </p:tgtEl>
+                                        <p:attrNameLst>
+                                          <p:attrName>style.visibility</p:attrName>
+                                        </p:attrNameLst>
+                                      </p:cBhvr>
+                                      <p:to>
+                                        <p:strVal val="visible"/>
+                                      </p:to>
+                                    </p:set>
+                                  </p:childTnLst>
+                                </p:cTn>
+                              </p:par>
+                            </p:childTnLst>
+                          </p:cTn>
+                        </p:par>
+                      </p:childTnLst>
+                    </p:cTn>
+                  </p:par>
+                </p:childTnLst>
+              </p:cTn>
+              <p:prevCondLst>
+                <p:cond evt="onPrev" delay="0">
+                  <p:tgtEl>
+                    <p:sldTgt/>
+                  </p:tgtEl>
+                </p:cond>
+              </p:prevCondLst>
+              <p:nextCondLst>
+                <p:cond evt="onNext" delay="0">
+                  <p:tgtEl>
+                    <p:sldTgt/>
+                  </p:tgtEl>
+                </p:cond>
+              </p:nextCondLst>
+            </p:seq>
+          </p:childTnLst>
+        </p:cTn>
+      </p:par>
+    </p:tnLst>
+  </p:timing>
+</p:sld>
+</file>
+
+<file path=ppt/slides/slide35.xml><?xml version="1.0" encoding="utf-8"?>
+<p:sld xmlns:a="http://schemas.openxmlformats.org/drawingml/2006/main" xmlns:r="http://schemas.openxmlformats.org/officeDocument/2006/relationships" xmlns:p="http://schemas.openxmlformats.org/presentationml/2006/main" showMasterSp="0">
+  <p:cSld>
+    <p:bg>
+      <p:bgPr>
+        <a:blipFill dpi="0" rotWithShape="1">
+          <a:blip r:embed="rId2">
+            <a:lum/>
+          </a:blip>
+          <a:srcRect/>
+          <a:stretch>
+            <a:fillRect/>
+          </a:stretch>
+        </a:blipFill>
+        <a:effectLst/>
+      </p:bgPr>
+    </p:bg>
+    <p:spTree>
+      <p:nvGrpSpPr>
+        <p:cNvPr id="1" name=""/>
+        <p:cNvGrpSpPr/>
+        <p:nvPr/>
+      </p:nvGrpSpPr>
+      <p:grpSpPr>
+        <a:xfrm>
+          <a:off x="0" y="0"/>
+          <a:ext cx="0" cy="0"/>
+          <a:chOff x="0" y="0"/>
+          <a:chExt cx="0" cy="0"/>
+        </a:xfrm>
+      </p:grpSpPr>
+      <p:sp>
+        <p:nvSpPr>
+          <p:cNvPr id="4" name="標題 3"/>
+          <p:cNvSpPr>
+            <a:spLocks noGrp="1"/>
+          </p:cNvSpPr>
+          <p:nvPr>
+            <p:ph type="title"/>
+          </p:nvPr>
+        </p:nvSpPr>
+        <p:spPr>
+          <a:xfrm>
+            <a:off x="1979712" y="5229200"/>
+            <a:ext cx="7113984" cy="1143000"/>
+          </a:xfrm>
+          <a:effectLst>
+            <a:outerShdw blurRad="50800" dist="38100" dir="2700000" algn="tl" rotWithShape="0">
+              <a:prstClr val="black">
+                <a:alpha val="40000"/>
+              </a:prstClr>
+            </a:outerShdw>
+          </a:effectLst>
+        </p:spPr>
+        <p:txBody>
+          <a:bodyPr>
+            <a:normAutofit/>
+          </a:bodyPr>
+          <a:lstStyle/>
+          <a:p>
+            <a:r>
+              <a:rPr lang="en-US" altLang="zh-TW" b="1" dirty="0" smtClean="0">
+                <a:solidFill>
+                  <a:schemeClr val="bg1"/>
+                </a:solidFill>
+              </a:rPr>
+              <a:t>Proper Logging is Essential!</a:t>
+            </a:r>
+            <a:endParaRPr lang="zh-TW" altLang="en-US" sz="2200" b="1" dirty="0">
+              <a:solidFill>
+                <a:schemeClr val="bg1"/>
+              </a:solidFill>
+              <a:latin typeface="微軟正黑體" pitchFamily="34" charset="-120"/>
+              <a:ea typeface="微軟正黑體" pitchFamily="34" charset="-120"/>
+            </a:endParaRPr>
+          </a:p>
+        </p:txBody>
+      </p:sp>
+    </p:spTree>
+    <p:extLst>
+      <p:ext uri="{BB962C8B-B14F-4D97-AF65-F5344CB8AC3E}">
+        <p14:creationId xmlns:p14="http://schemas.microsoft.com/office/powerpoint/2010/main" val="2704685707"/>
+      </p:ext>
+    </p:extLst>
+  </p:cSld>
+  <p:clrMapOvr>
+    <a:masterClrMapping/>
+  </p:clrMapOvr>
+  <p:timing>
+    <p:tnLst>
+      <p:par>
+        <p:cTn id="1" dur="indefinite" restart="never" nodeType="tmRoot"/>
+      </p:par>
+    </p:tnLst>
+  </p:timing>
+</p:sld>
+</file>
+
+<file path=ppt/slides/slide36.xml><?xml version="1.0" encoding="utf-8"?>
+<p:sld xmlns:a="http://schemas.openxmlformats.org/drawingml/2006/main" xmlns:r="http://schemas.openxmlformats.org/officeDocument/2006/relationships" xmlns:p="http://schemas.openxmlformats.org/presentationml/2006/main">
+  <p:cSld>
+    <p:spTree>
+      <p:nvGrpSpPr>
+        <p:cNvPr id="1" name=""/>
+        <p:cNvGrpSpPr/>
+        <p:nvPr/>
+      </p:nvGrpSpPr>
+      <p:grpSpPr>
+        <a:xfrm>
+          <a:off x="0" y="0"/>
+          <a:ext cx="0" cy="0"/>
+          <a:chOff x="0" y="0"/>
+          <a:chExt cx="0" cy="0"/>
+        </a:xfrm>
+      </p:grpSpPr>
+      <p:sp>
+        <p:nvSpPr>
+          <p:cNvPr id="4" name="標題 3"/>
+          <p:cNvSpPr>
+            <a:spLocks noGrp="1"/>
+          </p:cNvSpPr>
+          <p:nvPr>
+            <p:ph type="title"/>
+          </p:nvPr>
+        </p:nvSpPr>
+        <p:spPr/>
+        <p:txBody>
+          <a:bodyPr/>
+          <a:lstStyle/>
+          <a:p>
+            <a:r>
+              <a:rPr lang="en-US" altLang="zh-TW" dirty="0" smtClean="0">
+                <a:latin typeface="微軟正黑體" pitchFamily="34" charset="-120"/>
+                <a:ea typeface="微軟正黑體" pitchFamily="34" charset="-120"/>
+              </a:rPr>
+              <a:t>Log </a:t>
+            </a:r>
+            <a:r>
+              <a:rPr lang="zh-TW" altLang="en-US" dirty="0" smtClean="0">
+                <a:latin typeface="微軟正黑體" pitchFamily="34" charset="-120"/>
+                <a:ea typeface="微軟正黑體" pitchFamily="34" charset="-120"/>
+              </a:rPr>
+              <a:t>的優點</a:t>
+            </a:r>
+            <a:endParaRPr lang="zh-TW" altLang="en-US" dirty="0">
+              <a:latin typeface="微軟正黑體" pitchFamily="34" charset="-120"/>
+              <a:ea typeface="微軟正黑體" pitchFamily="34" charset="-120"/>
+            </a:endParaRPr>
+          </a:p>
+        </p:txBody>
+      </p:sp>
+      <p:sp>
+        <p:nvSpPr>
+          <p:cNvPr id="5" name="內容版面配置區 4"/>
+          <p:cNvSpPr>
+            <a:spLocks noGrp="1"/>
+          </p:cNvSpPr>
+          <p:nvPr>
+            <p:ph idx="1"/>
+          </p:nvPr>
+        </p:nvSpPr>
+        <p:spPr>
+          <a:xfrm>
+            <a:off x="179512" y="1423317"/>
+            <a:ext cx="7992888" cy="4525963"/>
+          </a:xfrm>
+        </p:spPr>
+        <p:txBody>
+          <a:bodyPr>
+            <a:normAutofit lnSpcReduction="10000"/>
+          </a:bodyPr>
+          <a:lstStyle/>
+          <a:p>
+            <a:pPr marL="0" indent="0">
+              <a:buNone/>
+            </a:pPr>
+            <a:r>
+              <a:rPr lang="zh-TW" altLang="en-US" dirty="0" smtClean="0">
+                <a:latin typeface="微軟正黑體" pitchFamily="34" charset="-120"/>
+                <a:ea typeface="微軟正黑體" pitchFamily="34" charset="-120"/>
+              </a:rPr>
+              <a:t>分析了以上各點，最後又回到了</a:t>
+            </a:r>
+            <a:r>
+              <a:rPr lang="en-US" altLang="zh-TW" dirty="0" smtClean="0">
+                <a:latin typeface="微軟正黑體" pitchFamily="34" charset="-120"/>
+                <a:ea typeface="微軟正黑體" pitchFamily="34" charset="-120"/>
+              </a:rPr>
+              <a:t>Logs</a:t>
+            </a:r>
+          </a:p>
+          <a:p>
+            <a:pPr marL="0" indent="0">
+              <a:buNone/>
+            </a:pPr>
+            <a:endParaRPr lang="en-US" altLang="zh-TW" dirty="0" smtClean="0">
+              <a:latin typeface="微軟正黑體" pitchFamily="34" charset="-120"/>
+              <a:ea typeface="微軟正黑體" pitchFamily="34" charset="-120"/>
+            </a:endParaRPr>
+          </a:p>
+          <a:p>
+            <a:r>
+              <a:rPr lang="en-US" altLang="zh-TW" dirty="0" smtClean="0">
+                <a:latin typeface="微軟正黑體" pitchFamily="34" charset="-120"/>
+                <a:ea typeface="微軟正黑體" pitchFamily="34" charset="-120"/>
+              </a:rPr>
+              <a:t>Based on Java</a:t>
+            </a:r>
+          </a:p>
+          <a:p>
+            <a:r>
+              <a:rPr lang="zh-TW" altLang="en-US" dirty="0">
+                <a:latin typeface="微軟正黑體" pitchFamily="34" charset="-120"/>
+                <a:ea typeface="微軟正黑體" pitchFamily="34" charset="-120"/>
+              </a:rPr>
+              <a:t>開發人員本來就要</a:t>
+            </a:r>
+            <a:r>
+              <a:rPr lang="zh-TW" altLang="en-US" dirty="0" smtClean="0">
+                <a:latin typeface="微軟正黑體" pitchFamily="34" charset="-120"/>
+                <a:ea typeface="微軟正黑體" pitchFamily="34" charset="-120"/>
+              </a:rPr>
+              <a:t>學、就要寫</a:t>
+            </a:r>
+            <a:endParaRPr lang="en-US" altLang="zh-TW" dirty="0" smtClean="0">
+              <a:latin typeface="微軟正黑體" pitchFamily="34" charset="-120"/>
+              <a:ea typeface="微軟正黑體" pitchFamily="34" charset="-120"/>
+            </a:endParaRPr>
+          </a:p>
+          <a:p>
+            <a:r>
+              <a:rPr lang="zh-TW" altLang="en-US" dirty="0">
+                <a:latin typeface="微軟正黑體" pitchFamily="34" charset="-120"/>
+                <a:ea typeface="微軟正黑體" pitchFamily="34" charset="-120"/>
+              </a:rPr>
+              <a:t>可以最好</a:t>
+            </a:r>
+            <a:r>
+              <a:rPr lang="zh-TW" altLang="en-US" dirty="0" smtClean="0">
+                <a:latin typeface="微軟正黑體" pitchFamily="34" charset="-120"/>
+                <a:ea typeface="微軟正黑體" pitchFamily="34" charset="-120"/>
+              </a:rPr>
+              <a:t>的整進</a:t>
+            </a:r>
+            <a:r>
+              <a:rPr lang="en-US" altLang="zh-TW" dirty="0" smtClean="0">
+                <a:latin typeface="微軟正黑體" pitchFamily="34" charset="-120"/>
+                <a:ea typeface="微軟正黑體" pitchFamily="34" charset="-120"/>
+              </a:rPr>
+              <a:t>application</a:t>
+            </a:r>
+            <a:r>
+              <a:rPr lang="zh-TW" altLang="en-US" dirty="0" smtClean="0">
+                <a:latin typeface="微軟正黑體" pitchFamily="34" charset="-120"/>
+                <a:ea typeface="微軟正黑體" pitchFamily="34" charset="-120"/>
+              </a:rPr>
+              <a:t>裡</a:t>
+            </a:r>
+            <a:endParaRPr lang="en-US" altLang="zh-TW" dirty="0" smtClean="0">
+              <a:latin typeface="微軟正黑體" pitchFamily="34" charset="-120"/>
+              <a:ea typeface="微軟正黑體" pitchFamily="34" charset="-120"/>
+            </a:endParaRPr>
+          </a:p>
+          <a:p>
+            <a:r>
+              <a:rPr lang="zh-TW" altLang="en-US" dirty="0" smtClean="0">
+                <a:latin typeface="微軟正黑體" pitchFamily="34" charset="-120"/>
+                <a:ea typeface="微軟正黑體" pitchFamily="34" charset="-120"/>
+              </a:rPr>
+              <a:t>效能優秀</a:t>
+            </a:r>
+            <a:r>
+              <a:rPr lang="en-US" altLang="zh-TW" sz="2000" dirty="0" smtClean="0">
+                <a:latin typeface="微軟正黑體" pitchFamily="34" charset="-120"/>
+                <a:ea typeface="微軟正黑體" pitchFamily="34" charset="-120"/>
+              </a:rPr>
+              <a:t>(</a:t>
+            </a:r>
+            <a:r>
+              <a:rPr lang="zh-TW" altLang="en-US" sz="2000" dirty="0" smtClean="0">
+                <a:latin typeface="微軟正黑體" pitchFamily="34" charset="-120"/>
+                <a:ea typeface="微軟正黑體" pitchFamily="34" charset="-120"/>
+              </a:rPr>
+              <a:t>要是不好</a:t>
+            </a:r>
+            <a:r>
+              <a:rPr lang="en-US" altLang="zh-TW" sz="2000" dirty="0" smtClean="0">
+                <a:latin typeface="微軟正黑體" pitchFamily="34" charset="-120"/>
+                <a:ea typeface="微軟正黑體" pitchFamily="34" charset="-120"/>
+              </a:rPr>
+              <a:t>…</a:t>
+            </a:r>
+            <a:r>
+              <a:rPr lang="zh-TW" altLang="en-US" sz="2000" dirty="0" smtClean="0">
+                <a:latin typeface="微軟正黑體" pitchFamily="34" charset="-120"/>
+                <a:ea typeface="微軟正黑體" pitchFamily="34" charset="-120"/>
+              </a:rPr>
+              <a:t>是開發人員的錯</a:t>
+            </a:r>
+            <a:r>
+              <a:rPr lang="en-US" altLang="zh-TW" sz="2000" dirty="0" smtClean="0">
+                <a:latin typeface="微軟正黑體" pitchFamily="34" charset="-120"/>
+                <a:ea typeface="微軟正黑體" pitchFamily="34" charset="-120"/>
+              </a:rPr>
+              <a:t>)</a:t>
+            </a:r>
+          </a:p>
+          <a:p>
+            <a:r>
+              <a:rPr lang="zh-TW" altLang="en-US" dirty="0" smtClean="0">
+                <a:latin typeface="微軟正黑體" pitchFamily="34" charset="-120"/>
+                <a:ea typeface="微軟正黑體" pitchFamily="34" charset="-120"/>
+              </a:rPr>
+              <a:t>支援各種高階概念</a:t>
+            </a:r>
+            <a:r>
+              <a:rPr lang="en-US" altLang="zh-TW" dirty="0" smtClean="0">
+                <a:latin typeface="微軟正黑體" pitchFamily="34" charset="-120"/>
+                <a:ea typeface="微軟正黑體" pitchFamily="34" charset="-120"/>
+              </a:rPr>
+              <a:t>(log Level, filtering)</a:t>
+            </a:r>
+            <a:r>
+              <a:rPr lang="zh-TW" altLang="en-US" dirty="0" smtClean="0">
+                <a:latin typeface="微軟正黑體" pitchFamily="34" charset="-120"/>
+                <a:ea typeface="微軟正黑體" pitchFamily="34" charset="-120"/>
+              </a:rPr>
+              <a:t>可以協助系統開發的各個階段使用</a:t>
+            </a:r>
+            <a:endParaRPr lang="en-US" altLang="zh-TW" dirty="0" smtClean="0">
+              <a:latin typeface="微軟正黑體" pitchFamily="34" charset="-120"/>
+              <a:ea typeface="微軟正黑體" pitchFamily="34" charset="-120"/>
+            </a:endParaRPr>
+          </a:p>
+        </p:txBody>
+      </p:sp>
+    </p:spTree>
+    <p:extLst>
+      <p:ext uri="{BB962C8B-B14F-4D97-AF65-F5344CB8AC3E}">
+        <p14:creationId xmlns:p14="http://schemas.microsoft.com/office/powerpoint/2010/main" val="2506933976"/>
+      </p:ext>
+    </p:extLst>
+  </p:cSld>
+  <p:clrMapOvr>
+    <a:masterClrMapping/>
+  </p:clrMapOvr>
+  <p:timing>
+    <p:tnLst>
+      <p:par>
+        <p:cTn id="1" dur="indefinite" restart="never" nodeType="tmRoot">
+          <p:childTnLst>
+            <p:seq concurrent="1" nextAc="seek">
+              <p:cTn id="2" dur="indefinite" nodeType="mainSeq">
+                <p:childTnLst>
+                  <p:par>
+                    <p:cTn id="3" fill="hold">
+                      <p:stCondLst>
+                        <p:cond delay="indefinite"/>
+                      </p:stCondLst>
+                      <p:childTnLst>
+                        <p:par>
+                          <p:cTn id="4" fill="hold">
+                            <p:stCondLst>
+                              <p:cond delay="0"/>
+                            </p:stCondLst>
+                            <p:childTnLst>
+                              <p:par>
+                                <p:cTn id="5" presetID="1" presetClass="entr" presetSubtype="0" fill="hold" nodeType="clickEffect">
+                                  <p:stCondLst>
+                                    <p:cond delay="0"/>
+                                  </p:stCondLst>
+                                  <p:childTnLst>
+                                    <p:set>
+                                      <p:cBhvr>
+                                        <p:cTn id="6" dur="1" fill="hold">
+                                          <p:stCondLst>
+                                            <p:cond delay="0"/>
+                                          </p:stCondLst>
+                                        </p:cTn>
+                                        <p:tgtEl>
+                                          <p:spTgt spid="5">
+                                            <p:txEl>
+                                              <p:pRg st="2" end="2"/>
+                                            </p:txEl>
+                                          </p:spTgt>
+                                        </p:tgtEl>
+                                        <p:attrNameLst>
+                                          <p:attrName>style.visibility</p:attrName>
+                                        </p:attrNameLst>
+                                      </p:cBhvr>
+                                      <p:to>
+                                        <p:strVal val="visible"/>
+                                      </p:to>
+                                    </p:set>
+                                  </p:childTnLst>
+                                </p:cTn>
+                              </p:par>
+                            </p:childTnLst>
+                          </p:cTn>
+                        </p:par>
+                      </p:childTnLst>
+                    </p:cTn>
+                  </p:par>
+                  <p:par>
+                    <p:cTn id="7" fill="hold">
+                      <p:stCondLst>
+                        <p:cond delay="indefinite"/>
+                      </p:stCondLst>
+                      <p:childTnLst>
+                        <p:par>
+                          <p:cTn id="8" fill="hold">
+                            <p:stCondLst>
+                              <p:cond delay="0"/>
+                            </p:stCondLst>
+                            <p:childTnLst>
+                              <p:par>
+                                <p:cTn id="9" presetID="1" presetClass="entr" presetSubtype="0" fill="hold" nodeType="clickEffect">
+                                  <p:stCondLst>
+                                    <p:cond delay="0"/>
+                                  </p:stCondLst>
+                                  <p:childTnLst>
+                                    <p:set>
+                                      <p:cBhvr>
+                                        <p:cTn id="10" dur="1" fill="hold">
+                                          <p:stCondLst>
+                                            <p:cond delay="0"/>
+                                          </p:stCondLst>
+                                        </p:cTn>
+                                        <p:tgtEl>
+                                          <p:spTgt spid="5">
+                                            <p:txEl>
+                                              <p:pRg st="3" end="3"/>
+                                            </p:txEl>
+                                          </p:spTgt>
+                                        </p:tgtEl>
+                                        <p:attrNameLst>
+                                          <p:attrName>style.visibility</p:attrName>
+                                        </p:attrNameLst>
+                                      </p:cBhvr>
+                                      <p:to>
+                                        <p:strVal val="visible"/>
+                                      </p:to>
+                                    </p:set>
+                                  </p:childTnLst>
+                                </p:cTn>
+                              </p:par>
+                            </p:childTnLst>
+                          </p:cTn>
+                        </p:par>
+                      </p:childTnLst>
+                    </p:cTn>
+                  </p:par>
+                  <p:par>
+                    <p:cTn id="11" fill="hold">
+                      <p:stCondLst>
+                        <p:cond delay="indefinite"/>
+                      </p:stCondLst>
+                      <p:childTnLst>
+                        <p:par>
+                          <p:cTn id="12" fill="hold">
+                            <p:stCondLst>
+                              <p:cond delay="0"/>
+                            </p:stCondLst>
+                            <p:childTnLst>
+                              <p:par>
+                                <p:cTn id="13" presetID="1" presetClass="entr" presetSubtype="0" fill="hold" nodeType="clickEffect">
+                                  <p:stCondLst>
+                                    <p:cond delay="0"/>
+                                  </p:stCondLst>
+                                  <p:childTnLst>
+                                    <p:set>
+                                      <p:cBhvr>
+                                        <p:cTn id="14" dur="1" fill="hold">
+                                          <p:stCondLst>
+                                            <p:cond delay="0"/>
+                                          </p:stCondLst>
+                                        </p:cTn>
+                                        <p:tgtEl>
+                                          <p:spTgt spid="5">
+                                            <p:txEl>
+                                              <p:pRg st="4" end="4"/>
+                                            </p:txEl>
+                                          </p:spTgt>
+                                        </p:tgtEl>
+                                        <p:attrNameLst>
+                                          <p:attrName>style.visibility</p:attrName>
+                                        </p:attrNameLst>
+                                      </p:cBhvr>
+                                      <p:to>
+                                        <p:strVal val="visible"/>
+                                      </p:to>
+                                    </p:set>
+                                  </p:childTnLst>
+                                </p:cTn>
+                              </p:par>
+                            </p:childTnLst>
+                          </p:cTn>
+                        </p:par>
+                      </p:childTnLst>
+                    </p:cTn>
+                  </p:par>
+                  <p:par>
+                    <p:cTn id="15" fill="hold">
+                      <p:stCondLst>
+                        <p:cond delay="indefinite"/>
+                      </p:stCondLst>
+                      <p:childTnLst>
+                        <p:par>
+                          <p:cTn id="16" fill="hold">
+                            <p:stCondLst>
+                              <p:cond delay="0"/>
+                            </p:stCondLst>
+                            <p:childTnLst>
+                              <p:par>
+                                <p:cTn id="17" presetID="1" presetClass="entr" presetSubtype="0" fill="hold" nodeType="clickEffect">
+                                  <p:stCondLst>
+                                    <p:cond delay="0"/>
+                                  </p:stCondLst>
+                                  <p:childTnLst>
+                                    <p:set>
+                                      <p:cBhvr>
+                                        <p:cTn id="18" dur="1" fill="hold">
+                                          <p:stCondLst>
+                                            <p:cond delay="0"/>
+                                          </p:stCondLst>
+                                        </p:cTn>
+                                        <p:tgtEl>
+                                          <p:spTgt spid="5">
+                                            <p:txEl>
+                                              <p:pRg st="5" end="5"/>
+                                            </p:txEl>
+                                          </p:spTgt>
+                                        </p:tgtEl>
+                                        <p:attrNameLst>
+                                          <p:attrName>style.visibility</p:attrName>
+                                        </p:attrNameLst>
+                                      </p:cBhvr>
+                                      <p:to>
+                                        <p:strVal val="visible"/>
+                                      </p:to>
+                                    </p:set>
+                                  </p:childTnLst>
+                                </p:cTn>
+                              </p:par>
+                            </p:childTnLst>
+                          </p:cTn>
+                        </p:par>
+                      </p:childTnLst>
+                    </p:cTn>
+                  </p:par>
+                  <p:par>
+                    <p:cTn id="19" fill="hold">
+                      <p:stCondLst>
+                        <p:cond delay="indefinite"/>
+                      </p:stCondLst>
+                      <p:childTnLst>
+                        <p:par>
+                          <p:cTn id="20" fill="hold">
+                            <p:stCondLst>
+                              <p:cond delay="0"/>
+                            </p:stCondLst>
+                            <p:childTnLst>
+                              <p:par>
+                                <p:cTn id="21" presetID="1" presetClass="entr" presetSubtype="0" fill="hold" nodeType="clickEffect">
+                                  <p:stCondLst>
+                                    <p:cond delay="0"/>
+                                  </p:stCondLst>
+                                  <p:childTnLst>
+                                    <p:set>
+                                      <p:cBhvr>
+                                        <p:cTn id="22" dur="1" fill="hold">
+                                          <p:stCondLst>
+                                            <p:cond delay="0"/>
+                                          </p:stCondLst>
+                                        </p:cTn>
+                                        <p:tgtEl>
+                                          <p:spTgt spid="5">
+                                            <p:txEl>
+                                              <p:pRg st="6" end="6"/>
+                                            </p:txEl>
+                                          </p:spTgt>
+                                        </p:tgtEl>
+                                        <p:attrNameLst>
+                                          <p:attrName>style.visibility</p:attrName>
+                                        </p:attrNameLst>
+                                      </p:cBhvr>
+                                      <p:to>
+                                        <p:strVal val="visible"/>
+                                      </p:to>
+                                    </p:set>
+                                  </p:childTnLst>
+                                </p:cTn>
+                              </p:par>
+                            </p:childTnLst>
+                          </p:cTn>
+                        </p:par>
+                      </p:childTnLst>
+                    </p:cTn>
+                  </p:par>
+                </p:childTnLst>
+              </p:cTn>
+              <p:prevCondLst>
+                <p:cond evt="onPrev" delay="0">
+                  <p:tgtEl>
+                    <p:sldTgt/>
+                  </p:tgtEl>
+                </p:cond>
+              </p:prevCondLst>
+              <p:nextCondLst>
+                <p:cond evt="onNext" delay="0">
+                  <p:tgtEl>
+                    <p:sldTgt/>
+                  </p:tgtEl>
+                </p:cond>
+              </p:nextCondLst>
+            </p:seq>
+          </p:childTnLst>
+        </p:cTn>
+      </p:par>
+    </p:tnLst>
+  </p:timing>
+</p:sld>
+</file>
+
+<file path=ppt/slides/slide37.xml><?xml version="1.0" encoding="utf-8"?>
+<p:sld xmlns:a="http://schemas.openxmlformats.org/drawingml/2006/main" xmlns:r="http://schemas.openxmlformats.org/officeDocument/2006/relationships" xmlns:p="http://schemas.openxmlformats.org/presentationml/2006/main">
+  <p:cSld>
+    <p:spTree>
+      <p:nvGrpSpPr>
+        <p:cNvPr id="1" name=""/>
+        <p:cNvGrpSpPr/>
+        <p:nvPr/>
+      </p:nvGrpSpPr>
+      <p:grpSpPr>
+        <a:xfrm>
+          <a:off x="0" y="0"/>
+          <a:ext cx="0" cy="0"/>
+          <a:chOff x="0" y="0"/>
+          <a:chExt cx="0" cy="0"/>
+        </a:xfrm>
+      </p:grpSpPr>
+      <p:sp>
+        <p:nvSpPr>
+          <p:cNvPr id="4" name="標題 3"/>
+          <p:cNvSpPr>
+            <a:spLocks noGrp="1"/>
+          </p:cNvSpPr>
+          <p:nvPr>
+            <p:ph type="title"/>
+          </p:nvPr>
+        </p:nvSpPr>
+        <p:spPr/>
+        <p:txBody>
+          <a:bodyPr/>
+          <a:lstStyle/>
+          <a:p>
+            <a:r>
+              <a:rPr lang="en-US" altLang="zh-TW" dirty="0" smtClean="0"/>
+              <a:t>Logging</a:t>
+            </a:r>
+            <a:r>
+              <a:rPr lang="en-US" altLang="zh-TW" dirty="0" smtClean="0">
+                <a:latin typeface="微軟正黑體" pitchFamily="34" charset="-120"/>
+                <a:ea typeface="微軟正黑體" pitchFamily="34" charset="-120"/>
+              </a:rPr>
+              <a:t> </a:t>
+            </a:r>
+            <a:r>
+              <a:rPr lang="zh-TW" altLang="en-US" dirty="0" smtClean="0">
+                <a:latin typeface="微軟正黑體" pitchFamily="34" charset="-120"/>
+                <a:ea typeface="微軟正黑體" pitchFamily="34" charset="-120"/>
+              </a:rPr>
+              <a:t>的缺點</a:t>
+            </a:r>
+            <a:endParaRPr lang="zh-TW" altLang="en-US" dirty="0">
+              <a:latin typeface="微軟正黑體" pitchFamily="34" charset="-120"/>
+              <a:ea typeface="微軟正黑體" pitchFamily="34" charset="-120"/>
+            </a:endParaRPr>
+          </a:p>
+        </p:txBody>
+      </p:sp>
+      <p:sp>
+        <p:nvSpPr>
+          <p:cNvPr id="5" name="內容版面配置區 4"/>
+          <p:cNvSpPr>
+            <a:spLocks noGrp="1"/>
+          </p:cNvSpPr>
+          <p:nvPr>
+            <p:ph idx="1"/>
+          </p:nvPr>
+        </p:nvSpPr>
+        <p:spPr>
+          <a:xfrm>
+            <a:off x="179512" y="1423317"/>
+            <a:ext cx="7992888" cy="4525963"/>
+          </a:xfrm>
+        </p:spPr>
+        <p:txBody>
+          <a:bodyPr>
+            <a:normAutofit/>
+          </a:bodyPr>
+          <a:lstStyle/>
+          <a:p>
+            <a:pPr marL="514350" indent="-514350">
+              <a:buAutoNum type="arabicPeriod"/>
+            </a:pPr>
+            <a:r>
+              <a:rPr lang="zh-TW" altLang="en-US" dirty="0" smtClean="0">
+                <a:latin typeface="微軟正黑體" pitchFamily="34" charset="-120"/>
+                <a:ea typeface="微軟正黑體" pitchFamily="34" charset="-120"/>
+              </a:rPr>
+              <a:t>先天沒有</a:t>
+            </a:r>
+            <a:r>
+              <a:rPr lang="en-US" altLang="zh-TW" dirty="0" smtClean="0">
+                <a:latin typeface="微軟正黑體" pitchFamily="34" charset="-120"/>
+                <a:ea typeface="微軟正黑體" pitchFamily="34" charset="-120"/>
+              </a:rPr>
+              <a:t>Task</a:t>
+            </a:r>
+            <a:r>
+              <a:rPr lang="zh-TW" altLang="en-US" dirty="0" smtClean="0">
+                <a:latin typeface="微軟正黑體" pitchFamily="34" charset="-120"/>
+                <a:ea typeface="微軟正黑體" pitchFamily="34" charset="-120"/>
+              </a:rPr>
+              <a:t>的概念</a:t>
+            </a:r>
+            <a:endParaRPr lang="en-US" altLang="zh-TW" dirty="0" smtClean="0">
+              <a:latin typeface="微軟正黑體" pitchFamily="34" charset="-120"/>
+              <a:ea typeface="微軟正黑體" pitchFamily="34" charset="-120"/>
+            </a:endParaRPr>
+          </a:p>
+          <a:p>
+            <a:pPr marL="514350" indent="-514350">
+              <a:buAutoNum type="arabicPeriod"/>
+            </a:pPr>
+            <a:r>
+              <a:rPr lang="zh-TW" altLang="en-US" dirty="0" smtClean="0">
+                <a:latin typeface="微軟正黑體" pitchFamily="34" charset="-120"/>
+                <a:ea typeface="微軟正黑體" pitchFamily="34" charset="-120"/>
+              </a:rPr>
+              <a:t>建立在</a:t>
+            </a:r>
+            <a:r>
+              <a:rPr lang="en-US" altLang="zh-TW" dirty="0" smtClean="0">
+                <a:latin typeface="微軟正黑體" pitchFamily="34" charset="-120"/>
+                <a:ea typeface="微軟正黑體" pitchFamily="34" charset="-120"/>
+              </a:rPr>
+              <a:t>Log</a:t>
+            </a:r>
+            <a:r>
+              <a:rPr lang="zh-TW" altLang="en-US" dirty="0" smtClean="0">
+                <a:latin typeface="微軟正黑體" pitchFamily="34" charset="-120"/>
+                <a:ea typeface="微軟正黑體" pitchFamily="34" charset="-120"/>
+              </a:rPr>
+              <a:t>與 </a:t>
+            </a:r>
+            <a:r>
+              <a:rPr lang="en-US" altLang="zh-TW" dirty="0" smtClean="0">
+                <a:latin typeface="微軟正黑體" pitchFamily="34" charset="-120"/>
+                <a:ea typeface="微軟正黑體" pitchFamily="34" charset="-120"/>
+              </a:rPr>
+              <a:t>Log</a:t>
+            </a:r>
+            <a:r>
+              <a:rPr lang="zh-TW" altLang="en-US" dirty="0" smtClean="0">
+                <a:latin typeface="微軟正黑體" pitchFamily="34" charset="-120"/>
+                <a:ea typeface="微軟正黑體" pitchFamily="34" charset="-120"/>
+              </a:rPr>
+              <a:t>間的資訊必須靠</a:t>
+            </a:r>
+            <a:r>
+              <a:rPr lang="en-US" altLang="zh-TW" dirty="0" smtClean="0">
+                <a:latin typeface="微軟正黑體" pitchFamily="34" charset="-120"/>
+                <a:ea typeface="微軟正黑體" pitchFamily="34" charset="-120"/>
+              </a:rPr>
+              <a:t>Tool</a:t>
+            </a:r>
+            <a:r>
+              <a:rPr lang="zh-TW" altLang="en-US" dirty="0" smtClean="0">
+                <a:latin typeface="微軟正黑體" pitchFamily="34" charset="-120"/>
+                <a:ea typeface="微軟正黑體" pitchFamily="34" charset="-120"/>
+              </a:rPr>
+              <a:t>呈現。</a:t>
+            </a:r>
+            <a:endParaRPr lang="en-US" altLang="zh-TW" dirty="0" smtClean="0">
+              <a:latin typeface="微軟正黑體" pitchFamily="34" charset="-120"/>
+              <a:ea typeface="微軟正黑體" pitchFamily="34" charset="-120"/>
+            </a:endParaRPr>
+          </a:p>
+          <a:p>
+            <a:pPr marL="514350" indent="-514350">
+              <a:buAutoNum type="arabicPeriod"/>
+            </a:pPr>
+            <a:endParaRPr lang="en-US" altLang="zh-TW" dirty="0">
+              <a:latin typeface="微軟正黑體" pitchFamily="34" charset="-120"/>
+              <a:ea typeface="微軟正黑體" pitchFamily="34" charset="-120"/>
+            </a:endParaRPr>
+          </a:p>
+          <a:p>
+            <a:pPr marL="0" indent="0">
+              <a:buNone/>
+            </a:pPr>
+            <a:r>
+              <a:rPr lang="zh-TW" altLang="en-US" dirty="0" smtClean="0">
+                <a:latin typeface="微軟正黑體" pitchFamily="34" charset="-120"/>
+                <a:ea typeface="微軟正黑體" pitchFamily="34" charset="-120"/>
+              </a:rPr>
+              <a:t>那</a:t>
+            </a:r>
+            <a:r>
+              <a:rPr lang="en-US" altLang="zh-TW" dirty="0" smtClean="0">
+                <a:latin typeface="微軟正黑體" pitchFamily="34" charset="-120"/>
+                <a:ea typeface="微軟正黑體" pitchFamily="34" charset="-120"/>
+              </a:rPr>
+              <a:t>…</a:t>
+            </a:r>
+            <a:r>
+              <a:rPr lang="zh-TW" altLang="en-US" dirty="0" smtClean="0">
+                <a:latin typeface="微軟正黑體" pitchFamily="34" charset="-120"/>
+                <a:ea typeface="微軟正黑體" pitchFamily="34" charset="-120"/>
+              </a:rPr>
+              <a:t>有沒有什麼辦法，能夠利用</a:t>
+            </a:r>
+            <a:r>
+              <a:rPr lang="en-US" altLang="zh-TW" dirty="0" smtClean="0">
+                <a:latin typeface="微軟正黑體" pitchFamily="34" charset="-120"/>
+                <a:ea typeface="微軟正黑體" pitchFamily="34" charset="-120"/>
+              </a:rPr>
+              <a:t>Log</a:t>
+            </a:r>
+            <a:r>
+              <a:rPr lang="zh-TW" altLang="en-US" dirty="0" smtClean="0">
+                <a:latin typeface="微軟正黑體" pitchFamily="34" charset="-120"/>
+                <a:ea typeface="微軟正黑體" pitchFamily="34" charset="-120"/>
+              </a:rPr>
+              <a:t>的優點但躲開缺點呢？</a:t>
+            </a:r>
+            <a:endParaRPr lang="en-US" altLang="zh-TW" dirty="0" smtClean="0">
+              <a:latin typeface="微軟正黑體" pitchFamily="34" charset="-120"/>
+              <a:ea typeface="微軟正黑體" pitchFamily="34" charset="-120"/>
+            </a:endParaRPr>
+          </a:p>
+        </p:txBody>
+      </p:sp>
+    </p:spTree>
+    <p:extLst>
+      <p:ext uri="{BB962C8B-B14F-4D97-AF65-F5344CB8AC3E}">
+        <p14:creationId xmlns:p14="http://schemas.microsoft.com/office/powerpoint/2010/main" val="3827699426"/>
+      </p:ext>
+    </p:extLst>
+  </p:cSld>
+  <p:clrMapOvr>
+    <a:masterClrMapping/>
+  </p:clrMapOvr>
+  <p:timing>
+    <p:tnLst>
+      <p:par>
+        <p:cTn id="1" dur="indefinite" restart="never" nodeType="tmRoot">
+          <p:childTnLst>
+            <p:seq concurrent="1" nextAc="seek">
+              <p:cTn id="2" dur="indefinite" nodeType="mainSeq">
+                <p:childTnLst>
+                  <p:par>
+                    <p:cTn id="3" fill="hold">
+                      <p:stCondLst>
+                        <p:cond delay="indefinite"/>
+                      </p:stCondLst>
+                      <p:childTnLst>
+                        <p:par>
+                          <p:cTn id="4" fill="hold">
+                            <p:stCondLst>
+                              <p:cond delay="0"/>
+                            </p:stCondLst>
+                            <p:childTnLst>
+                              <p:par>
+                                <p:cTn id="5" presetID="1" presetClass="entr" presetSubtype="0" fill="hold" nodeType="clickEffect">
+                                  <p:stCondLst>
+                                    <p:cond delay="0"/>
+                                  </p:stCondLst>
+                                  <p:childTnLst>
+                                    <p:set>
+                                      <p:cBhvr>
+                                        <p:cTn id="6" dur="1" fill="hold">
+                                          <p:stCondLst>
+                                            <p:cond delay="0"/>
+                                          </p:stCondLst>
+                                        </p:cTn>
+                                        <p:tgtEl>
+                                          <p:spTgt spid="5">
+                                            <p:txEl>
+                                              <p:pRg st="0" end="0"/>
+                                            </p:txEl>
+                                          </p:spTgt>
+                                        </p:tgtEl>
+                                        <p:attrNameLst>
+                                          <p:attrName>style.visibility</p:attrName>
+                                        </p:attrNameLst>
+                                      </p:cBhvr>
+                                      <p:to>
+                                        <p:strVal val="visible"/>
+                                      </p:to>
+                                    </p:set>
+                                  </p:childTnLst>
+                                </p:cTn>
+                              </p:par>
+                              <p:par>
+                                <p:cTn id="7" presetID="1" presetClass="entr" presetSubtype="0" fill="hold" nodeType="withEffect">
+                                  <p:stCondLst>
+                                    <p:cond delay="0"/>
+                                  </p:stCondLst>
+                                  <p:childTnLst>
+                                    <p:set>
+                                      <p:cBhvr>
+                                        <p:cTn id="8" dur="1" fill="hold">
+                                          <p:stCondLst>
+                                            <p:cond delay="0"/>
+                                          </p:stCondLst>
+                                        </p:cTn>
+                                        <p:tgtEl>
+                                          <p:spTgt spid="5">
+                                            <p:txEl>
+                                              <p:pRg st="1" end="1"/>
+                                            </p:txEl>
+                                          </p:spTgt>
+                                        </p:tgtEl>
+                                        <p:attrNameLst>
+                                          <p:attrName>style.visibility</p:attrName>
+                                        </p:attrNameLst>
+                                      </p:cBhvr>
+                                      <p:to>
+                                        <p:strVal val="visible"/>
+                                      </p:to>
+                                    </p:set>
+                                  </p:childTnLst>
+                                </p:cTn>
+                              </p:par>
+                            </p:childTnLst>
+                          </p:cTn>
+                        </p:par>
+                      </p:childTnLst>
+                    </p:cTn>
+                  </p:par>
+                  <p:par>
+                    <p:cTn id="9" fill="hold">
+                      <p:stCondLst>
+                        <p:cond delay="indefinite"/>
+                      </p:stCondLst>
+                      <p:childTnLst>
+                        <p:par>
+                          <p:cTn id="10" fill="hold">
+                            <p:stCondLst>
+                              <p:cond delay="0"/>
+                            </p:stCondLst>
+                            <p:childTnLst>
+                              <p:par>
+                                <p:cTn id="11" presetID="1" presetClass="entr" presetSubtype="0" fill="hold" nodeType="clickEffect">
+                                  <p:stCondLst>
+                                    <p:cond delay="0"/>
+                                  </p:stCondLst>
+                                  <p:childTnLst>
+                                    <p:set>
+                                      <p:cBhvr>
+                                        <p:cTn id="12" dur="1" fill="hold">
+                                          <p:stCondLst>
+                                            <p:cond delay="0"/>
+                                          </p:stCondLst>
+                                        </p:cTn>
+                                        <p:tgtEl>
+                                          <p:spTgt spid="5">
+                                            <p:txEl>
+                                              <p:pRg st="3" end="3"/>
+                                            </p:txEl>
+                                          </p:spTgt>
+                                        </p:tgtEl>
+                                        <p:attrNameLst>
+                                          <p:attrName>style.visibility</p:attrName>
+                                        </p:attrNameLst>
+                                      </p:cBhvr>
+                                      <p:to>
+                                        <p:strVal val="visible"/>
+                                      </p:to>
+                                    </p:set>
+                                  </p:childTnLst>
+                                </p:cTn>
+                              </p:par>
+                            </p:childTnLst>
+                          </p:cTn>
+                        </p:par>
+                      </p:childTnLst>
+                    </p:cTn>
+                  </p:par>
+                </p:childTnLst>
+              </p:cTn>
+              <p:prevCondLst>
+                <p:cond evt="onPrev" delay="0">
+                  <p:tgtEl>
+                    <p:sldTgt/>
+                  </p:tgtEl>
+                </p:cond>
+              </p:prevCondLst>
+              <p:nextCondLst>
+                <p:cond evt="onNext" delay="0">
+                  <p:tgtEl>
+                    <p:sldTgt/>
+                  </p:tgtEl>
+                </p:cond>
+              </p:nextCondLst>
+            </p:seq>
+          </p:childTnLst>
+        </p:cTn>
+      </p:par>
+    </p:tnLst>
+  </p:timing>
+</p:sld>
+</file>
+
+<file path=ppt/slides/slide38.xml><?xml version="1.0" encoding="utf-8"?>
+<p:sld xmlns:a="http://schemas.openxmlformats.org/drawingml/2006/main" xmlns:r="http://schemas.openxmlformats.org/officeDocument/2006/relationships" xmlns:p="http://schemas.openxmlformats.org/presentationml/2006/main">
+  <p:cSld>
+    <p:spTree>
+      <p:nvGrpSpPr>
+        <p:cNvPr id="1" name=""/>
+        <p:cNvGrpSpPr/>
+        <p:nvPr/>
+      </p:nvGrpSpPr>
+      <p:grpSpPr>
+        <a:xfrm>
+          <a:off x="0" y="0"/>
+          <a:ext cx="0" cy="0"/>
+          <a:chOff x="0" y="0"/>
+          <a:chExt cx="0" cy="0"/>
+        </a:xfrm>
+      </p:grpSpPr>
+      <p:pic>
+        <p:nvPicPr>
+          <p:cNvPr id="1026" name="Picture 2" descr="C:\Users\ian\Desktop\origin\slf4j-logo.jpg"/>
+          <p:cNvPicPr>
+            <a:picLocks noChangeAspect="1" noChangeArrowheads="1"/>
+          </p:cNvPicPr>
+          <p:nvPr/>
+        </p:nvPicPr>
+        <p:blipFill>
+          <a:blip r:embed="rId2">
+            <a:extLst>
+              <a:ext uri="{28A0092B-C50C-407E-A947-70E740481C1C}">
+                <a14:useLocalDpi xmlns:a14="http://schemas.microsoft.com/office/drawing/2010/main" val="0"/>
+              </a:ext>
+            </a:extLst>
+          </a:blip>
+          <a:srcRect/>
+          <a:stretch>
+            <a:fillRect/>
+          </a:stretch>
+        </p:blipFill>
+        <p:spPr bwMode="auto">
+          <a:xfrm>
+            <a:off x="5076056" y="3717032"/>
+            <a:ext cx="3873500" cy="1651000"/>
+          </a:xfrm>
+          <a:prstGeom prst="rect">
+            <a:avLst/>
+          </a:prstGeom>
+          <a:noFill/>
+          <a:extLst>
+            <a:ext uri="{909E8E84-426E-40DD-AFC4-6F175D3DCCD1}">
+              <a14:hiddenFill xmlns:a14="http://schemas.microsoft.com/office/drawing/2010/main">
+                <a:solidFill>
+                  <a:srgbClr val="FFFFFF"/>
+                </a:solidFill>
+              </a14:hiddenFill>
+            </a:ext>
+          </a:extLst>
+        </p:spPr>
+      </p:pic>
+      <p:sp>
+        <p:nvSpPr>
+          <p:cNvPr id="4" name="標題 3"/>
+          <p:cNvSpPr>
+            <a:spLocks noGrp="1"/>
+          </p:cNvSpPr>
+          <p:nvPr>
+            <p:ph type="title"/>
+          </p:nvPr>
+        </p:nvSpPr>
+        <p:spPr/>
+        <p:txBody>
+          <a:bodyPr/>
+          <a:lstStyle/>
+          <a:p>
+            <a:r>
+              <a:rPr lang="en-US" altLang="zh-TW" dirty="0" smtClean="0">
+                <a:latin typeface="微軟正黑體" pitchFamily="34" charset="-120"/>
+                <a:ea typeface="微軟正黑體" pitchFamily="34" charset="-120"/>
+              </a:rPr>
+              <a:t>SLF4J</a:t>
+            </a:r>
+            <a:endParaRPr lang="zh-TW" altLang="en-US" dirty="0">
+              <a:latin typeface="微軟正黑體" pitchFamily="34" charset="-120"/>
+              <a:ea typeface="微軟正黑體" pitchFamily="34" charset="-120"/>
+            </a:endParaRPr>
+          </a:p>
+        </p:txBody>
+      </p:sp>
+      <p:sp>
+        <p:nvSpPr>
+          <p:cNvPr id="5" name="內容版面配置區 4"/>
+          <p:cNvSpPr>
+            <a:spLocks noGrp="1"/>
+          </p:cNvSpPr>
+          <p:nvPr>
+            <p:ph idx="1"/>
+          </p:nvPr>
+        </p:nvSpPr>
+        <p:spPr>
+          <a:xfrm>
+            <a:off x="179512" y="1423317"/>
+            <a:ext cx="7992888" cy="4525963"/>
+          </a:xfrm>
+        </p:spPr>
+        <p:txBody>
+          <a:bodyPr>
+            <a:normAutofit/>
+          </a:bodyPr>
+          <a:lstStyle/>
+          <a:p>
+            <a:pPr marL="0" indent="0">
+              <a:buNone/>
+            </a:pPr>
+            <a:r>
+              <a:rPr lang="zh-TW" altLang="en-US" dirty="0" smtClean="0">
+                <a:latin typeface="微軟正黑體" pitchFamily="34" charset="-120"/>
+                <a:ea typeface="微軟正黑體" pitchFamily="34" charset="-120"/>
+              </a:rPr>
+              <a:t>目前最先進的</a:t>
+            </a:r>
+            <a:r>
+              <a:rPr lang="en-US" altLang="zh-TW" dirty="0" smtClean="0">
+                <a:latin typeface="微軟正黑體" pitchFamily="34" charset="-120"/>
+                <a:ea typeface="微軟正黑體" pitchFamily="34" charset="-120"/>
+              </a:rPr>
+              <a:t>logging API</a:t>
+            </a:r>
+            <a:r>
+              <a:rPr lang="zh-TW" altLang="en-US" dirty="0" smtClean="0">
+                <a:latin typeface="微軟正黑體" pitchFamily="34" charset="-120"/>
+                <a:ea typeface="微軟正黑體" pitchFamily="34" charset="-120"/>
+              </a:rPr>
+              <a:t>！</a:t>
+            </a:r>
+            <a:endParaRPr lang="en-US" altLang="zh-TW" dirty="0" smtClean="0">
+              <a:latin typeface="微軟正黑體" pitchFamily="34" charset="-120"/>
+              <a:ea typeface="微軟正黑體" pitchFamily="34" charset="-120"/>
+            </a:endParaRPr>
+          </a:p>
+          <a:p>
+            <a:pPr marL="0" indent="0">
+              <a:buNone/>
+            </a:pPr>
+            <a:r>
+              <a:rPr lang="zh-TW" altLang="en-US" dirty="0" smtClean="0">
+                <a:latin typeface="微軟正黑體" pitchFamily="34" charset="-120"/>
+                <a:ea typeface="微軟正黑體" pitchFamily="34" charset="-120"/>
+              </a:rPr>
+              <a:t>很簡單的就能基於它，實作</a:t>
+            </a:r>
+            <a:r>
+              <a:rPr lang="zh-TW" altLang="en-US" dirty="0">
+                <a:latin typeface="微軟正黑體" pitchFamily="34" charset="-120"/>
+                <a:ea typeface="微軟正黑體" pitchFamily="34" charset="-120"/>
+              </a:rPr>
+              <a:t>自己</a:t>
+            </a:r>
+            <a:r>
+              <a:rPr lang="zh-TW" altLang="en-US" dirty="0" smtClean="0">
+                <a:latin typeface="微軟正黑體" pitchFamily="34" charset="-120"/>
+                <a:ea typeface="微軟正黑體" pitchFamily="34" charset="-120"/>
+              </a:rPr>
+              <a:t>的</a:t>
+            </a:r>
+            <a:r>
+              <a:rPr lang="en-US" altLang="zh-TW" dirty="0" smtClean="0">
+                <a:latin typeface="微軟正黑體" pitchFamily="34" charset="-120"/>
+                <a:ea typeface="微軟正黑體" pitchFamily="34" charset="-120"/>
+              </a:rPr>
+              <a:t>Log</a:t>
+            </a:r>
+            <a:br>
+              <a:rPr lang="en-US" altLang="zh-TW" dirty="0" smtClean="0">
+                <a:latin typeface="微軟正黑體" pitchFamily="34" charset="-120"/>
+                <a:ea typeface="微軟正黑體" pitchFamily="34" charset="-120"/>
+              </a:rPr>
+            </a:br>
+            <a:r>
+              <a:rPr lang="zh-TW" altLang="en-US" dirty="0" smtClean="0">
+                <a:latin typeface="微軟正黑體" pitchFamily="34" charset="-120"/>
+                <a:ea typeface="微軟正黑體" pitchFamily="34" charset="-120"/>
+              </a:rPr>
+              <a:t>它的標準實作</a:t>
+            </a:r>
+            <a:r>
+              <a:rPr lang="en-US" altLang="zh-TW" dirty="0" err="1" smtClean="0">
+                <a:latin typeface="微軟正黑體" pitchFamily="34" charset="-120"/>
+                <a:ea typeface="微軟正黑體" pitchFamily="34" charset="-120"/>
+              </a:rPr>
+              <a:t>Logback</a:t>
+            </a:r>
+            <a:r>
+              <a:rPr lang="zh-TW" altLang="en-US" dirty="0" smtClean="0">
+                <a:latin typeface="微軟正黑體" pitchFamily="34" charset="-120"/>
+                <a:ea typeface="微軟正黑體" pitchFamily="34" charset="-120"/>
+              </a:rPr>
+              <a:t>，也很好延伸</a:t>
+            </a:r>
+            <a:endParaRPr lang="en-US" altLang="zh-TW" dirty="0" smtClean="0">
+              <a:latin typeface="微軟正黑體" pitchFamily="34" charset="-120"/>
+              <a:ea typeface="微軟正黑體" pitchFamily="34" charset="-120"/>
+            </a:endParaRPr>
+          </a:p>
+          <a:p>
+            <a:pPr marL="0" indent="0">
+              <a:buNone/>
+            </a:pPr>
+            <a:endParaRPr lang="en-US" altLang="zh-TW" dirty="0">
+              <a:latin typeface="微軟正黑體" pitchFamily="34" charset="-120"/>
+              <a:ea typeface="微軟正黑體" pitchFamily="34" charset="-120"/>
+            </a:endParaRPr>
+          </a:p>
+          <a:p>
+            <a:pPr marL="0" indent="0">
+              <a:buNone/>
+            </a:pPr>
+            <a:endParaRPr lang="en-US" altLang="zh-TW" dirty="0" smtClean="0">
+              <a:latin typeface="微軟正黑體" pitchFamily="34" charset="-120"/>
+              <a:ea typeface="微軟正黑體" pitchFamily="34" charset="-120"/>
+            </a:endParaRPr>
+          </a:p>
+          <a:p>
+            <a:pPr marL="0" indent="0">
+              <a:buNone/>
+            </a:pPr>
+            <a:r>
+              <a:rPr lang="zh-TW" altLang="en-US" dirty="0">
+                <a:latin typeface="微軟正黑體" pitchFamily="34" charset="-120"/>
+                <a:ea typeface="微軟正黑體" pitchFamily="34" charset="-120"/>
+              </a:rPr>
+              <a:t>我的實</a:t>
+            </a:r>
+            <a:r>
+              <a:rPr lang="zh-TW" altLang="en-US" dirty="0" smtClean="0">
+                <a:latin typeface="微軟正黑體" pitchFamily="34" charset="-120"/>
+                <a:ea typeface="微軟正黑體" pitchFamily="34" charset="-120"/>
+              </a:rPr>
+              <a:t>作：</a:t>
+            </a:r>
+            <a:r>
+              <a:rPr lang="en-US" altLang="zh-TW" dirty="0" err="1" smtClean="0">
+                <a:latin typeface="微軟正黑體" pitchFamily="34" charset="-120"/>
+                <a:ea typeface="微軟正黑體" pitchFamily="34" charset="-120"/>
+              </a:rPr>
+              <a:t>ZMonitor</a:t>
+            </a:r>
+            <a:endParaRPr lang="en-US" altLang="zh-TW" dirty="0" smtClean="0">
+              <a:latin typeface="微軟正黑體" pitchFamily="34" charset="-120"/>
+              <a:ea typeface="微軟正黑體" pitchFamily="34" charset="-120"/>
+            </a:endParaRPr>
+          </a:p>
+          <a:p>
+            <a:pPr marL="0" indent="0">
+              <a:buNone/>
+            </a:pPr>
+            <a:endParaRPr lang="en-US" altLang="zh-TW" dirty="0" smtClean="0">
+              <a:latin typeface="微軟正黑體" pitchFamily="34" charset="-120"/>
+              <a:ea typeface="微軟正黑體" pitchFamily="34" charset="-120"/>
+            </a:endParaRPr>
+          </a:p>
+          <a:p>
+            <a:pPr marL="0" indent="0">
+              <a:buNone/>
+            </a:pPr>
+            <a:endParaRPr lang="en-US" altLang="zh-TW" dirty="0" smtClean="0">
+              <a:latin typeface="微軟正黑體" pitchFamily="34" charset="-120"/>
+              <a:ea typeface="微軟正黑體" pitchFamily="34" charset="-120"/>
+            </a:endParaRPr>
+          </a:p>
+        </p:txBody>
+      </p:sp>
+    </p:spTree>
+    <p:extLst>
+      <p:ext uri="{BB962C8B-B14F-4D97-AF65-F5344CB8AC3E}">
+        <p14:creationId xmlns:p14="http://schemas.microsoft.com/office/powerpoint/2010/main" val="4196203953"/>
+      </p:ext>
+    </p:extLst>
+  </p:cSld>
+  <p:clrMapOvr>
+    <a:masterClrMapping/>
+  </p:clrMapOvr>
+  <p:timing>
+    <p:tnLst>
+      <p:par>
+        <p:cTn id="1" dur="indefinite" restart="never" nodeType="tmRoot"/>
+      </p:par>
+    </p:tnLst>
+  </p:timing>
+</p:sld>
+</file>
+
+<file path=ppt/slides/slide4.xml><?xml version="1.0" encoding="utf-8"?>
+<p:sld xmlns:a="http://schemas.openxmlformats.org/drawingml/2006/main" xmlns:r="http://schemas.openxmlformats.org/officeDocument/2006/relationships" xmlns:p="http://schemas.openxmlformats.org/presentationml/2006/main">
+  <p:cSld>
+    <p:spTree>
+      <p:nvGrpSpPr>
+        <p:cNvPr id="1" name=""/>
+        <p:cNvGrpSpPr/>
+        <p:nvPr/>
+      </p:nvGrpSpPr>
+      <p:grpSpPr>
+        <a:xfrm>
+          <a:off x="0" y="0"/>
+          <a:ext cx="0" cy="0"/>
+          <a:chOff x="0" y="0"/>
+          <a:chExt cx="0" cy="0"/>
+        </a:xfrm>
+      </p:grpSpPr>
+      <p:sp>
+        <p:nvSpPr>
+          <p:cNvPr id="4" name="標題 3"/>
+          <p:cNvSpPr>
+            <a:spLocks noGrp="1"/>
+          </p:cNvSpPr>
+          <p:nvPr>
+            <p:ph type="title"/>
+          </p:nvPr>
+        </p:nvSpPr>
+        <p:spPr>
+          <a:xfrm>
+            <a:off x="611560" y="4734272"/>
+            <a:ext cx="8229600" cy="1143000"/>
+          </a:xfrm>
+        </p:spPr>
+        <p:txBody>
+          <a:bodyPr>
+            <a:normAutofit fontScale="90000"/>
+          </a:bodyPr>
+          <a:lstStyle/>
+          <a:p>
+            <a:r>
+              <a:rPr lang="en-US" altLang="zh-TW" b="1" dirty="0">
+                <a:solidFill>
+                  <a:schemeClr val="tx1">
+                    <a:lumMod val="75000"/>
+                    <a:lumOff val="25000"/>
+                  </a:schemeClr>
+                </a:solidFill>
+              </a:rPr>
+              <a:t>long </a:t>
+            </a:r>
+            <a:r>
+              <a:rPr lang="en-US" altLang="zh-TW" b="1" dirty="0" err="1">
+                <a:solidFill>
+                  <a:schemeClr val="tx1">
+                    <a:lumMod val="75000"/>
+                    <a:lumOff val="25000"/>
+                  </a:schemeClr>
+                </a:solidFill>
+              </a:rPr>
+              <a:t>long</a:t>
+            </a:r>
+            <a:r>
+              <a:rPr lang="en-US" altLang="zh-TW" b="1" dirty="0">
+                <a:solidFill>
+                  <a:schemeClr val="tx1">
+                    <a:lumMod val="75000"/>
+                    <a:lumOff val="25000"/>
+                  </a:schemeClr>
+                </a:solidFill>
+              </a:rPr>
+              <a:t> </a:t>
+            </a:r>
+            <a:r>
+              <a:rPr lang="en-US" altLang="zh-TW" b="1" dirty="0" smtClean="0">
+                <a:solidFill>
+                  <a:schemeClr val="tx1">
+                    <a:lumMod val="75000"/>
+                    <a:lumOff val="25000"/>
+                  </a:schemeClr>
+                </a:solidFill>
+              </a:rPr>
+              <a:t>ago, </a:t>
+            </a:r>
+            <a:r>
+              <a:rPr lang="en-US" altLang="zh-TW" b="1" dirty="0">
+                <a:solidFill>
+                  <a:schemeClr val="tx1">
+                    <a:lumMod val="75000"/>
+                    <a:lumOff val="25000"/>
+                  </a:schemeClr>
+                </a:solidFill>
+              </a:rPr>
+              <a:t>and far </a:t>
+            </a:r>
+            <a:r>
+              <a:rPr lang="en-US" altLang="zh-TW" b="1" dirty="0" err="1">
+                <a:solidFill>
+                  <a:schemeClr val="tx1">
+                    <a:lumMod val="75000"/>
+                    <a:lumOff val="25000"/>
+                  </a:schemeClr>
+                </a:solidFill>
+              </a:rPr>
+              <a:t>far</a:t>
+            </a:r>
+            <a:r>
+              <a:rPr lang="en-US" altLang="zh-TW" b="1" dirty="0">
+                <a:solidFill>
+                  <a:schemeClr val="tx1">
+                    <a:lumMod val="75000"/>
+                    <a:lumOff val="25000"/>
+                  </a:schemeClr>
+                </a:solidFill>
+              </a:rPr>
+              <a:t> </a:t>
+            </a:r>
+            <a:r>
+              <a:rPr lang="en-US" altLang="zh-TW" b="1" dirty="0" smtClean="0">
+                <a:solidFill>
+                  <a:schemeClr val="tx1">
+                    <a:lumMod val="75000"/>
+                    <a:lumOff val="25000"/>
+                  </a:schemeClr>
+                </a:solidFill>
+              </a:rPr>
+              <a:t>away</a:t>
+            </a:r>
+            <a:br>
+              <a:rPr lang="en-US" altLang="zh-TW" b="1" dirty="0" smtClean="0">
+                <a:solidFill>
+                  <a:schemeClr val="tx1">
+                    <a:lumMod val="75000"/>
+                    <a:lumOff val="25000"/>
+                  </a:schemeClr>
+                </a:solidFill>
+              </a:rPr>
+            </a:br>
+            <a:r>
+              <a:rPr lang="en-US" altLang="zh-TW" sz="3300" b="1" dirty="0" smtClean="0">
+                <a:solidFill>
+                  <a:schemeClr val="tx1">
+                    <a:lumMod val="75000"/>
+                    <a:lumOff val="25000"/>
+                  </a:schemeClr>
+                </a:solidFill>
+              </a:rPr>
+              <a:t>Minnesota </a:t>
+            </a:r>
+            <a:r>
+              <a:rPr lang="zh-TW" altLang="en-US" sz="2200" b="1" dirty="0" smtClean="0">
+                <a:solidFill>
+                  <a:schemeClr val="tx1">
+                    <a:lumMod val="75000"/>
+                    <a:lumOff val="25000"/>
+                  </a:schemeClr>
+                </a:solidFill>
+                <a:latin typeface="微軟正黑體" pitchFamily="34" charset="-120"/>
+                <a:ea typeface="微軟正黑體" pitchFamily="34" charset="-120"/>
+              </a:rPr>
+              <a:t>來</a:t>
+            </a:r>
+            <a:r>
+              <a:rPr lang="zh-TW" altLang="en-US" sz="2200" b="1" dirty="0" smtClean="0">
+                <a:solidFill>
+                  <a:schemeClr val="tx1">
+                    <a:lumMod val="75000"/>
+                    <a:lumOff val="25000"/>
+                  </a:schemeClr>
+                </a:solidFill>
+                <a:latin typeface="微軟正黑體" pitchFamily="34" charset="-120"/>
+                <a:ea typeface="微軟正黑體" pitchFamily="34" charset="-120"/>
+              </a:rPr>
+              <a:t>了兩個台灣人</a:t>
+            </a:r>
+            <a:r>
+              <a:rPr lang="en-US" altLang="zh-TW" sz="2200" b="1" dirty="0" smtClean="0">
+                <a:solidFill>
+                  <a:schemeClr val="tx1">
+                    <a:lumMod val="75000"/>
+                    <a:lumOff val="25000"/>
+                  </a:schemeClr>
+                </a:solidFill>
+                <a:latin typeface="微軟正黑體" pitchFamily="34" charset="-120"/>
+                <a:ea typeface="微軟正黑體" pitchFamily="34" charset="-120"/>
+              </a:rPr>
+              <a:t>…</a:t>
+            </a:r>
+            <a:endParaRPr lang="zh-TW" altLang="en-US" sz="2200" b="1" dirty="0">
+              <a:solidFill>
+                <a:schemeClr val="tx1">
+                  <a:lumMod val="75000"/>
+                  <a:lumOff val="25000"/>
+                </a:schemeClr>
+              </a:solidFill>
+              <a:latin typeface="微軟正黑體" pitchFamily="34" charset="-120"/>
+              <a:ea typeface="微軟正黑體" pitchFamily="34" charset="-120"/>
+            </a:endParaRPr>
+          </a:p>
+        </p:txBody>
+      </p:sp>
+    </p:spTree>
+    <p:extLst>
+      <p:ext uri="{BB962C8B-B14F-4D97-AF65-F5344CB8AC3E}">
+        <p14:creationId xmlns:p14="http://schemas.microsoft.com/office/powerpoint/2010/main" val="3891721220"/>
+      </p:ext>
+    </p:extLst>
+  </p:cSld>
+  <p:clrMapOvr>
+    <a:masterClrMapping/>
+  </p:clrMapOvr>
+  <p:timing>
+    <p:tnLst>
+      <p:par>
+        <p:cTn id="1" dur="indefinite" restart="never" nodeType="tmRoot"/>
+      </p:par>
+    </p:tnLst>
+  </p:timing>
+</p:sld>
+</file>
+
 <file path=ppt/slides/slide5.xml><?xml version="1.0" encoding="utf-8"?>
 <p:sld xmlns:a="http://schemas.openxmlformats.org/drawingml/2006/main" xmlns:r="http://schemas.openxmlformats.org/officeDocument/2006/relationships" xmlns:p="http://schemas.openxmlformats.org/presentationml/2006/main" showMasterSp="0">
   <p:cSld>
@@ -9400,7 +13983,7 @@
         </p:spPr>
         <p:txBody>
           <a:bodyPr>
-            <a:normAutofit/>
+            <a:normAutofit fontScale="90000"/>
           </a:bodyPr>
           <a:lstStyle/>
           <a:p>
@@ -9503,6 +14086,17 @@
               </a:rPr>
             </a:br>
             <a:r>
+              <a:rPr lang="en-US" altLang="zh-TW" sz="3300" b="1" dirty="0" smtClean="0">
+                <a:solidFill>
+                  <a:schemeClr val="tx1">
+                    <a:lumMod val="75000"/>
+                    <a:lumOff val="25000"/>
+                  </a:schemeClr>
+                </a:solidFill>
+              </a:rPr>
+              <a:t>Minnesota </a:t>
+            </a:r>
+            <a:r>
               <a:rPr lang="zh-TW" altLang="en-US" sz="2200" b="1" dirty="0" smtClean="0">
                 <a:solidFill>
                   <a:schemeClr val="tx1">
@@ -9510,8 +14104,23 @@
                     <a:lumOff val="25000"/>
                   </a:schemeClr>
                 </a:solidFill>
-              </a:rPr>
-              <a:t>來了兩個台灣人</a:t>
+                <a:latin typeface="微軟正黑體" pitchFamily="34" charset="-120"/>
+                <a:ea typeface="微軟正黑體" pitchFamily="34" charset="-120"/>
+              </a:rPr>
+              <a:t>來</a:t>
+            </a:r>
+            <a:r>
+              <a:rPr lang="zh-TW" altLang="en-US" sz="2200" b="1" dirty="0" smtClean="0">
+                <a:solidFill>
+                  <a:schemeClr val="tx1">
+                    <a:lumMod val="75000"/>
+                    <a:lumOff val="25000"/>
+                  </a:schemeClr>
+                </a:solidFill>
+                <a:latin typeface="微軟正黑體" pitchFamily="34" charset="-120"/>
+                <a:ea typeface="微軟正黑體" pitchFamily="34" charset="-120"/>
+              </a:rPr>
+              <a:t>了兩個台灣人</a:t>
             </a:r>
             <a:r>
               <a:rPr lang="en-US" altLang="zh-TW" sz="2200" b="1" dirty="0" smtClean="0">
@@ -9521,6 +14130,8 @@
                     <a:lumOff val="25000"/>
                   </a:schemeClr>
                 </a:solidFill>
+                <a:latin typeface="微軟正黑體" pitchFamily="34" charset="-120"/>
+                <a:ea typeface="微軟正黑體" pitchFamily="34" charset="-120"/>
               </a:rPr>
               <a:t>…</a:t>
             </a:r>
@@ -9531,6 +14142,8 @@
                   <a:lumOff val="25000"/>
                 </a:schemeClr>
               </a:solidFill>
+              <a:latin typeface="微軟正黑體" pitchFamily="34" charset="-120"/>
+              <a:ea typeface="微軟正黑體" pitchFamily="34" charset="-120"/>
             </a:endParaRPr>
           </a:p>
         </p:txBody>
@@ -9663,11 +14276,7 @@
             </a:pPr>
             <a:r>
               <a:rPr lang="zh-TW" altLang="en-US" dirty="0" smtClean="0"/>
-              <a:t>去</a:t>
-            </a:r>
-            <a:r>
-              <a:rPr lang="zh-TW" altLang="en-US" dirty="0" smtClean="0"/>
-              <a:t>替客戶開發</a:t>
+              <a:t>去替客戶開發</a:t>
             </a:r>
             <a:r>
               <a:rPr lang="zh-TW" altLang="en-US" dirty="0"/>
@@ -9809,10 +14418,16 @@
           <a:lstStyle/>
           <a:p>
             <a:r>
-              <a:rPr lang="zh-TW" altLang="en-US" dirty="0" smtClean="0"/>
+              <a:rPr lang="zh-TW" altLang="en-US" dirty="0" smtClean="0">
+                <a:latin typeface="微軟正黑體" pitchFamily="34" charset="-120"/>
+                <a:ea typeface="微軟正黑體" pitchFamily="34" charset="-120"/>
+              </a:rPr>
               <a:t>事件</a:t>
             </a:r>
-            <a:endParaRPr lang="zh-TW" altLang="en-US" dirty="0"/>
+            <a:endParaRPr lang="zh-TW" altLang="en-US" dirty="0">
+              <a:latin typeface="微軟正黑體" pitchFamily="34" charset="-120"/>
+              <a:ea typeface="微軟正黑體" pitchFamily="34" charset="-120"/>
+            </a:endParaRPr>
           </a:p>
         </p:txBody>
       </p:sp>
@@ -9836,50 +14451,86 @@
               <a:t>QA Team </a:t>
             </a:r>
             <a:r>
-              <a:rPr lang="zh-TW" altLang="en-US" dirty="0" smtClean="0"/>
+              <a:rPr lang="zh-TW" altLang="en-US" dirty="0" smtClean="0">
+                <a:latin typeface="微軟正黑體" pitchFamily="34" charset="-120"/>
+                <a:ea typeface="微軟正黑體" pitchFamily="34" charset="-120"/>
+              </a:rPr>
               <a:t>運轉測試時回報畫面回應太慢</a:t>
             </a:r>
-            <a:endParaRPr lang="en-US" altLang="zh-TW" dirty="0"/>
+            <a:endParaRPr lang="en-US" altLang="zh-TW" dirty="0">
+              <a:latin typeface="微軟正黑體" pitchFamily="34" charset="-120"/>
+              <a:ea typeface="微軟正黑體" pitchFamily="34" charset="-120"/>
+            </a:endParaRPr>
           </a:p>
           <a:p>
             <a:pPr lvl="1"/>
             <a:r>
-              <a:rPr lang="en-US" altLang="zh-TW" dirty="0" smtClean="0"/>
+              <a:rPr lang="en-US" altLang="zh-TW" dirty="0" smtClean="0">
+                <a:latin typeface="微軟正黑體" pitchFamily="34" charset="-120"/>
+                <a:ea typeface="微軟正黑體" pitchFamily="34" charset="-120"/>
+              </a:rPr>
               <a:t> page</a:t>
             </a:r>
             <a:r>
-              <a:rPr lang="zh-TW" altLang="en-US" dirty="0" smtClean="0"/>
+              <a:rPr lang="zh-TW" altLang="en-US" dirty="0" smtClean="0">
+                <a:latin typeface="微軟正黑體" pitchFamily="34" charset="-120"/>
+                <a:ea typeface="微軟正黑體" pitchFamily="34" charset="-120"/>
+              </a:rPr>
               <a:t> </a:t>
             </a:r>
             <a:r>
-              <a:rPr lang="en-US" altLang="zh-TW" dirty="0" smtClean="0"/>
+              <a:rPr lang="en-US" altLang="zh-TW" dirty="0" smtClean="0">
+                <a:latin typeface="微軟正黑體" pitchFamily="34" charset="-120"/>
+                <a:ea typeface="微軟正黑體" pitchFamily="34" charset="-120"/>
+              </a:rPr>
               <a:t>loading </a:t>
             </a:r>
             <a:r>
-              <a:rPr lang="zh-TW" altLang="en-US" dirty="0"/>
+              <a:rPr lang="zh-TW" altLang="en-US" dirty="0">
+                <a:latin typeface="微軟正黑體" pitchFamily="34" charset="-120"/>
+                <a:ea typeface="微軟正黑體" pitchFamily="34" charset="-120"/>
+              </a:rPr>
               <a:t>花費了將近 </a:t>
             </a:r>
             <a:r>
-              <a:rPr lang="en-US" altLang="zh-TW" dirty="0"/>
+              <a:rPr lang="en-US" altLang="zh-TW" dirty="0">
+                <a:latin typeface="微軟正黑體" pitchFamily="34" charset="-120"/>
+                <a:ea typeface="微軟正黑體" pitchFamily="34" charset="-120"/>
+              </a:rPr>
               <a:t>3000 </a:t>
             </a:r>
             <a:r>
-              <a:rPr lang="en-US" altLang="zh-TW" dirty="0" err="1" smtClean="0"/>
+              <a:rPr lang="en-US" altLang="zh-TW" dirty="0" err="1" smtClean="0">
+                <a:latin typeface="微軟正黑體" pitchFamily="34" charset="-120"/>
+                <a:ea typeface="微軟正黑體" pitchFamily="34" charset="-120"/>
+              </a:rPr>
               <a:t>ms</a:t>
             </a:r>
-            <a:endParaRPr lang="en-US" altLang="zh-TW" dirty="0" smtClean="0"/>
+            <a:endParaRPr lang="en-US" altLang="zh-TW" dirty="0" smtClean="0">
+              <a:latin typeface="微軟正黑體" pitchFamily="34" charset="-120"/>
+              <a:ea typeface="微軟正黑體" pitchFamily="34" charset="-120"/>
+            </a:endParaRPr>
           </a:p>
           <a:p>
             <a:pPr lvl="1"/>
             <a:r>
-              <a:rPr lang="zh-TW" altLang="en-US" dirty="0"/>
+              <a:rPr lang="zh-TW" altLang="en-US" dirty="0">
+                <a:latin typeface="微軟正黑體" pitchFamily="34" charset="-120"/>
+                <a:ea typeface="微軟正黑體" pitchFamily="34" charset="-120"/>
+              </a:rPr>
               <a:t>有些甚至高達</a:t>
             </a:r>
             <a:r>
-              <a:rPr lang="en-US" altLang="zh-TW" dirty="0"/>
+              <a:rPr lang="en-US" altLang="zh-TW" dirty="0">
+                <a:latin typeface="微軟正黑體" pitchFamily="34" charset="-120"/>
+                <a:ea typeface="微軟正黑體" pitchFamily="34" charset="-120"/>
+              </a:rPr>
               <a:t>10,000ms</a:t>
             </a:r>
-            <a:endParaRPr lang="en-US" altLang="zh-TW" dirty="0" smtClean="0"/>
+            <a:endParaRPr lang="en-US" altLang="zh-TW" dirty="0" smtClean="0">
+              <a:latin typeface="微軟正黑體" pitchFamily="34" charset="-120"/>
+              <a:ea typeface="微軟正黑體" pitchFamily="34" charset="-120"/>
+            </a:endParaRPr>
           </a:p>
           <a:p>
             <a:pPr marL="0" indent="0">
@@ -9905,10 +14556,16 @@
               <a:t>Biz Service Team</a:t>
             </a:r>
             <a:r>
-              <a:rPr lang="zh-TW" altLang="en-US" dirty="0" smtClean="0"/>
+              <a:rPr lang="zh-TW" altLang="en-US" dirty="0" smtClean="0">
+                <a:latin typeface="微軟正黑體" pitchFamily="34" charset="-120"/>
+                <a:ea typeface="微軟正黑體" pitchFamily="34" charset="-120"/>
+              </a:rPr>
               <a:t>必須找出原因</a:t>
             </a:r>
-            <a:endParaRPr lang="zh-TW" altLang="en-US" dirty="0"/>
+            <a:endParaRPr lang="zh-TW" altLang="en-US" dirty="0">
+              <a:latin typeface="微軟正黑體" pitchFamily="34" charset="-120"/>
+              <a:ea typeface="微軟正黑體" pitchFamily="34" charset="-120"/>
+            </a:endParaRPr>
           </a:p>
         </p:txBody>
       </p:sp>
@@ -9969,7 +14626,10 @@
               <a:t>Biz Team</a:t>
             </a:r>
             <a:r>
-              <a:rPr lang="zh-TW" altLang="en-US" dirty="0" smtClean="0"/>
+              <a:rPr lang="zh-TW" altLang="en-US" dirty="0" smtClean="0">
+                <a:latin typeface="微軟正黑體" pitchFamily="34" charset="-120"/>
+                <a:ea typeface="微軟正黑體" pitchFamily="34" charset="-120"/>
+              </a:rPr>
               <a:t>的處理</a:t>
             </a:r>
             <a:r>
@@ -9992,31 +14652,71 @@
         </p:nvSpPr>
         <p:spPr/>
         <p:txBody>
-          <a:bodyPr/>
+          <a:bodyPr>
+            <a:normAutofit lnSpcReduction="10000"/>
+          </a:bodyPr>
           <a:lstStyle/>
           <a:p>
             <a:pPr marL="0" indent="0">
               <a:buNone/>
             </a:pPr>
             <a:r>
-              <a:rPr lang="zh-TW" altLang="en-US" dirty="0" smtClean="0"/>
+              <a:rPr lang="zh-TW" altLang="en-US" dirty="0" smtClean="0">
+                <a:latin typeface="微軟正黑體" pitchFamily="34" charset="-120"/>
+                <a:ea typeface="微軟正黑體" pitchFamily="34" charset="-120"/>
+              </a:rPr>
               <a:t>東西都有</a:t>
             </a:r>
+            <a:r>
+              <a:rPr lang="en-US" altLang="zh-TW" dirty="0" smtClean="0">
+                <a:latin typeface="微軟正黑體" pitchFamily="34" charset="-120"/>
+                <a:ea typeface="微軟正黑體" pitchFamily="34" charset="-120"/>
+              </a:rPr>
+              <a:t>Log</a:t>
+            </a:r>
+            <a:r>
+              <a:rPr lang="zh-TW" altLang="en-US" dirty="0" smtClean="0">
+                <a:latin typeface="微軟正黑體" pitchFamily="34" charset="-120"/>
+                <a:ea typeface="微軟正黑體" pitchFamily="34" charset="-120"/>
+              </a:rPr>
+              <a:t>嘛，看看</a:t>
+            </a:r>
+            <a:r>
+              <a:rPr lang="en-US" altLang="zh-TW" dirty="0" smtClean="0">
+                <a:latin typeface="微軟正黑體" pitchFamily="34" charset="-120"/>
+                <a:ea typeface="微軟正黑體" pitchFamily="34" charset="-120"/>
+              </a:rPr>
+              <a:t>Log</a:t>
+            </a:r>
+            <a:r>
+              <a:rPr lang="zh-TW" altLang="en-US" dirty="0" smtClean="0">
+                <a:latin typeface="微軟正黑體" pitchFamily="34" charset="-120"/>
+                <a:ea typeface="微軟正黑體" pitchFamily="34" charset="-120"/>
+              </a:rPr>
+              <a:t>就知道為什麼了</a:t>
+            </a:r>
+            <a:endParaRPr lang="en-US" altLang="zh-TW" dirty="0" smtClean="0">
+              <a:latin typeface="微軟正黑體" pitchFamily="34" charset="-120"/>
+              <a:ea typeface="微軟正黑體" pitchFamily="34" charset="-120"/>
+            </a:endParaRPr>
+          </a:p>
+          <a:p>
+            <a:pPr marL="0" indent="0">
+              <a:buNone/>
+            </a:pPr>
+            <a:endParaRPr lang="en-US" altLang="zh-TW" dirty="0" smtClean="0"/>
+          </a:p>
+          <a:p>
+            <a:pPr marL="0" indent="0">
+              <a:buNone/>
+            </a:pPr>
             <a:r>
               <a:rPr lang="en-US" altLang="zh-TW" dirty="0" smtClean="0"/>
               <a:t>Log</a:t>
             </a:r>
             <a:r>
               <a:rPr lang="zh-TW" altLang="en-US" dirty="0" smtClean="0"/>
-              <a:t>嘛，看看</a:t>
-            </a:r>
-            <a:r>
-              <a:rPr lang="en-US" altLang="zh-TW" dirty="0" smtClean="0"/>
-              <a:t>Log</a:t>
-            </a:r>
-            <a:r>
-              <a:rPr lang="zh-TW" altLang="en-US" dirty="0" smtClean="0"/>
-              <a:t>就知道為什麼了</a:t>
+              <a:t>：</a:t>
             </a:r>
             <a:endParaRPr lang="en-US" altLang="zh-TW" dirty="0" smtClean="0"/>
           </a:p>
@@ -10024,27 +14724,41 @@
             <a:pPr marL="0" indent="0">
               <a:buNone/>
             </a:pPr>
-            <a:r>
-              <a:rPr lang="en-US" altLang="zh-TW" dirty="0" smtClean="0"/>
-              <a:t>Log</a:t>
-            </a:r>
-            <a:r>
-              <a:rPr lang="zh-TW" altLang="en-US" dirty="0" smtClean="0"/>
-              <a:t>：</a:t>
-            </a:r>
             <a:endParaRPr lang="en-US" altLang="zh-TW" dirty="0" smtClean="0"/>
           </a:p>
           <a:p>
             <a:pPr marL="0" indent="0">
               <a:buNone/>
             </a:pPr>
+            <a:endParaRPr lang="en-US" altLang="zh-TW" dirty="0"/>
+          </a:p>
+          <a:p>
+            <a:pPr marL="0" indent="0">
+              <a:buNone/>
+            </a:pPr>
             <a:endParaRPr lang="en-US" altLang="zh-TW" dirty="0" smtClean="0"/>
           </a:p>
           <a:p>
             <a:pPr marL="0" indent="0">
               <a:buNone/>
             </a:pPr>
-            <a:endParaRPr lang="zh-TW" altLang="en-US" dirty="0"/>
+            <a:endParaRPr lang="en-US" altLang="zh-TW" dirty="0"/>
+          </a:p>
+          <a:p>
+            <a:pPr marL="0" indent="0">
+              <a:buNone/>
+            </a:pPr>
+            <a:r>
+              <a:rPr lang="zh-TW" altLang="en-US" dirty="0" smtClean="0">
+                <a:latin typeface="微軟正黑體" pitchFamily="34" charset="-120"/>
+                <a:ea typeface="微軟正黑體" pitchFamily="34" charset="-120"/>
+              </a:rPr>
+              <a:t>這是能看出什麼鬼？</a:t>
+            </a:r>
+            <a:endParaRPr lang="zh-TW" altLang="en-US" dirty="0">
+              <a:latin typeface="微軟正黑體" pitchFamily="34" charset="-120"/>
+              <a:ea typeface="微軟正黑體" pitchFamily="34" charset="-120"/>
+            </a:endParaRPr>
           </a:p>
         </p:txBody>
       </p:sp>
@@ -10159,6 +14873,86 @@
                                   </p:childTnLst>
                                 </p:cTn>
                               </p:par>
+                              <p:par>
+                                <p:cTn id="7" presetID="1" presetClass="entr" presetSubtype="0" fill="hold" nodeType="withEffect">
+                                  <p:stCondLst>
+                                    <p:cond delay="0"/>
+                                  </p:stCondLst>
+                                  <p:childTnLst>
+                                    <p:set>
+                                      <p:cBhvr>
+                                        <p:cTn id="8" dur="1" fill="hold">
+                                          <p:stCondLst>
+                                            <p:cond delay="0"/>
+                                          </p:stCondLst>
+                                        </p:cTn>
+                                        <p:tgtEl>
+                                          <p:spTgt spid="5">
+                                            <p:txEl>
+                                              <p:pRg st="2" end="2"/>
+                                            </p:txEl>
+                                          </p:spTgt>
+                                        </p:tgtEl>
+                                        <p:attrNameLst>
+                                          <p:attrName>style.visibility</p:attrName>
+                                        </p:attrNameLst>
+                                      </p:cBhvr>
+                                      <p:to>
+                                        <p:strVal val="visible"/>
+                                      </p:to>
+                                    </p:set>
+                                  </p:childTnLst>
+                                </p:cTn>
+                              </p:par>
+                            </p:childTnLst>
+                          </p:cTn>
+                        </p:par>
+                      </p:childTnLst>
+                    </p:cTn>
+                  </p:par>
+                  <p:par>
+                    <p:cTn id="9" fill="hold">
+                      <p:stCondLst>
+                        <p:cond delay="indefinite"/>
+                      </p:stCondLst>
+                      <p:childTnLst>
+                        <p:par>
+                          <p:cTn id="10" fill="hold">
+                            <p:stCondLst>
+                              <p:cond delay="0"/>
+                            </p:stCondLst>
+                            <p:childTnLst>
+                              <p:par>
+                                <p:cTn id="11" presetID="1" presetClass="entr" presetSubtype="0" fill="hold" nodeType="clickEffect">
+                                  <p:stCondLst>
+                                    <p:cond delay="0"/>
+                                  </p:stCondLst>
+                                  <p:childTnLst>
+                                    <p:set>
+                                      <p:cBhvr>
+                                        <p:cTn id="12" dur="1" fill="hold">
+                                          <p:stCondLst>
+                                            <p:cond delay="0"/>
+                                          </p:stCondLst>
+                                        </p:cTn>
+                                        <p:tgtEl>
+                                          <p:spTgt spid="5">
+                                            <p:txEl>
+                                              <p:pRg st="7" end="7"/>
+                                            </p:txEl>
+                                          </p:spTgt>
+                                        </p:tgtEl>
+                                        <p:attrNameLst>
+                                          <p:attrName>style.visibility</p:attrName>
+                                        </p:attrNameLst>
+                                      </p:cBhvr>
+                                      <p:to>
+                                        <p:strVal val="visible"/>
+                                      </p:to>
+                                    </p:set>
+                                  </p:childTnLst>
+                                </p:cTn>
+                              </p:par>
                             </p:childTnLst>
                           </p:cTn>
                         </p:par>
@@ -10227,11 +15021,17 @@
               <a:t>Biz Team</a:t>
             </a:r>
             <a:r>
-              <a:rPr lang="zh-TW" altLang="en-US" dirty="0"/>
+              <a:rPr lang="zh-TW" altLang="en-US" dirty="0">
+                <a:latin typeface="微軟正黑體" pitchFamily="34" charset="-120"/>
+                <a:ea typeface="微軟正黑體" pitchFamily="34" charset="-120"/>
+              </a:rPr>
               <a:t>的</a:t>
             </a:r>
             <a:r>
-              <a:rPr lang="zh-TW" altLang="en-US" dirty="0" smtClean="0"/>
+              <a:rPr lang="zh-TW" altLang="en-US" dirty="0" smtClean="0">
+                <a:latin typeface="微軟正黑體" pitchFamily="34" charset="-120"/>
+                <a:ea typeface="微軟正黑體" pitchFamily="34" charset="-120"/>
+              </a:rPr>
               <a:t>處理</a:t>
             </a:r>
             <a:r>
@@ -10261,63 +15061,106 @@
               <a:buNone/>
             </a:pPr>
             <a:r>
-              <a:rPr lang="zh-TW" altLang="en-US" dirty="0"/>
+              <a:rPr lang="zh-TW" altLang="en-US" dirty="0">
+                <a:latin typeface="微軟正黑體" pitchFamily="34" charset="-120"/>
+                <a:ea typeface="微軟正黑體" pitchFamily="34" charset="-120"/>
+              </a:rPr>
               <a:t>很不幸</a:t>
             </a:r>
             <a:r>
-              <a:rPr lang="zh-TW" altLang="en-US" dirty="0" smtClean="0"/>
+              <a:rPr lang="zh-TW" altLang="en-US" dirty="0" smtClean="0">
+                <a:latin typeface="微軟正黑體" pitchFamily="34" charset="-120"/>
+                <a:ea typeface="微軟正黑體" pitchFamily="34" charset="-120"/>
+              </a:rPr>
               <a:t>的：</a:t>
             </a:r>
-            <a:endParaRPr lang="en-US" altLang="zh-TW" dirty="0" smtClean="0"/>
+            <a:endParaRPr lang="en-US" altLang="zh-TW" dirty="0" smtClean="0">
+              <a:latin typeface="微軟正黑體" pitchFamily="34" charset="-120"/>
+              <a:ea typeface="微軟正黑體" pitchFamily="34" charset="-120"/>
+            </a:endParaRPr>
           </a:p>
           <a:p>
             <a:pPr lvl="1"/>
             <a:r>
-              <a:rPr lang="zh-TW" altLang="en-US" dirty="0"/>
+              <a:rPr lang="zh-TW" altLang="en-US" dirty="0">
+                <a:latin typeface="微軟正黑體" pitchFamily="34" charset="-120"/>
+                <a:ea typeface="微軟正黑體" pitchFamily="34" charset="-120"/>
+              </a:rPr>
               <a:t>問題</a:t>
             </a:r>
             <a:r>
-              <a:rPr lang="zh-TW" altLang="en-US" dirty="0" smtClean="0"/>
+              <a:rPr lang="zh-TW" altLang="en-US" dirty="0" smtClean="0">
+                <a:latin typeface="微軟正黑體" pitchFamily="34" charset="-120"/>
+                <a:ea typeface="微軟正黑體" pitchFamily="34" charset="-120"/>
+              </a:rPr>
               <a:t>是</a:t>
             </a:r>
             <a:r>
-              <a:rPr lang="en-US" altLang="zh-TW" dirty="0" smtClean="0"/>
+              <a:rPr lang="en-US" altLang="zh-TW" dirty="0" smtClean="0">
+                <a:latin typeface="微軟正黑體" pitchFamily="34" charset="-120"/>
+                <a:ea typeface="微軟正黑體" pitchFamily="34" charset="-120"/>
+              </a:rPr>
               <a:t>QA</a:t>
             </a:r>
             <a:r>
-              <a:rPr lang="zh-TW" altLang="en-US" dirty="0" smtClean="0"/>
+              <a:rPr lang="zh-TW" altLang="en-US" dirty="0" smtClean="0">
+                <a:latin typeface="微軟正黑體" pitchFamily="34" charset="-120"/>
+                <a:ea typeface="微軟正黑體" pitchFamily="34" charset="-120"/>
+              </a:rPr>
               <a:t>於額定負載</a:t>
             </a:r>
             <a:r>
-              <a:rPr lang="en-US" altLang="zh-TW" dirty="0" smtClean="0"/>
+              <a:rPr lang="en-US" altLang="zh-TW" dirty="0" smtClean="0">
+                <a:ea typeface="微軟正黑體" pitchFamily="34" charset="-120"/>
+              </a:rPr>
               <a:t>(200+ concurrent users)</a:t>
             </a:r>
             <a:r>
-              <a:rPr lang="zh-TW" altLang="en-US" dirty="0" smtClean="0"/>
+              <a:rPr lang="zh-TW" altLang="en-US" dirty="0" smtClean="0">
+                <a:latin typeface="微軟正黑體" pitchFamily="34" charset="-120"/>
+                <a:ea typeface="微軟正黑體" pitchFamily="34" charset="-120"/>
+              </a:rPr>
               <a:t>下作</a:t>
             </a:r>
             <a:r>
-              <a:rPr lang="zh-TW" altLang="en-US" dirty="0"/>
+              <a:rPr lang="zh-TW" altLang="en-US" dirty="0">
+                <a:latin typeface="微軟正黑體" pitchFamily="34" charset="-120"/>
+                <a:ea typeface="微軟正黑體" pitchFamily="34" charset="-120"/>
+              </a:rPr>
               <a:t>操作</a:t>
             </a:r>
             <a:r>
-              <a:rPr lang="zh-TW" altLang="en-US" dirty="0" smtClean="0"/>
+              <a:rPr lang="zh-TW" altLang="en-US" dirty="0" smtClean="0">
+                <a:latin typeface="微軟正黑體" pitchFamily="34" charset="-120"/>
+                <a:ea typeface="微軟正黑體" pitchFamily="34" charset="-120"/>
+              </a:rPr>
               <a:t>時發生。</a:t>
             </a:r>
-            <a:endParaRPr lang="en-US" altLang="zh-TW" dirty="0" smtClean="0"/>
+            <a:endParaRPr lang="en-US" altLang="zh-TW" dirty="0" smtClean="0">
+              <a:latin typeface="微軟正黑體" pitchFamily="34" charset="-120"/>
+              <a:ea typeface="微軟正黑體" pitchFamily="34" charset="-120"/>
+            </a:endParaRPr>
           </a:p>
           <a:p>
             <a:pPr lvl="1"/>
             <a:r>
-              <a:rPr lang="zh-TW" altLang="en-US" dirty="0" smtClean="0"/>
+              <a:rPr lang="zh-TW" altLang="en-US" dirty="0" smtClean="0">
+                <a:latin typeface="微軟正黑體" pitchFamily="34" charset="-120"/>
+                <a:ea typeface="微軟正黑體" pitchFamily="34" charset="-120"/>
+              </a:rPr>
               <a:t>而</a:t>
             </a:r>
             <a:r>
-              <a:rPr lang="en-US" altLang="zh-TW" dirty="0" smtClean="0"/>
+              <a:rPr lang="en-US" altLang="zh-TW" dirty="0" smtClean="0">
+                <a:ea typeface="微軟正黑體" pitchFamily="34" charset="-120"/>
+              </a:rPr>
               <a:t>Multi Thread</a:t>
             </a:r>
             <a:r>
-              <a:rPr lang="zh-TW" altLang="en-US" dirty="0" smtClean="0"/>
+              <a:rPr lang="zh-TW" altLang="en-US" dirty="0" smtClean="0">
+                <a:latin typeface="微軟正黑體" pitchFamily="34" charset="-120"/>
+                <a:ea typeface="微軟正黑體" pitchFamily="34" charset="-120"/>
+              </a:rPr>
               <a:t>環境下，執行是交錯在一起的。</a:t>
             </a:r>
           </a:p>
@@ -10325,35 +15168,48 @@
             <a:pPr marL="0" indent="0">
               <a:buNone/>
             </a:pPr>
-            <a:endParaRPr lang="en-US" altLang="zh-TW" dirty="0" smtClean="0"/>
-          </a:p>
-          <a:p>
-            <a:pPr marL="0" indent="0">
-              <a:buNone/>
-            </a:pPr>
-            <a:endParaRPr lang="en-US" altLang="zh-TW" dirty="0" smtClean="0"/>
-          </a:p>
-          <a:p>
-            <a:pPr marL="0" indent="0">
-              <a:buNone/>
-            </a:pPr>
-            <a:r>
-              <a:rPr lang="en-US" altLang="zh-TW" dirty="0"/>
-              <a:t>	</a:t>
-            </a:r>
-            <a:r>
-              <a:rPr lang="zh-TW" altLang="en-US" dirty="0" smtClean="0"/>
-              <a:t>這樣的</a:t>
-            </a:r>
-            <a:r>
-              <a:rPr lang="en-US" altLang="zh-TW" dirty="0" smtClean="0"/>
-              <a:t>Log </a:t>
-            </a:r>
-            <a:r>
-              <a:rPr lang="zh-TW" altLang="en-US" dirty="0" smtClean="0"/>
+            <a:endParaRPr lang="en-US" altLang="zh-TW" dirty="0" smtClean="0">
+              <a:latin typeface="微軟正黑體" pitchFamily="34" charset="-120"/>
+              <a:ea typeface="微軟正黑體" pitchFamily="34" charset="-120"/>
+            </a:endParaRPr>
+          </a:p>
+          <a:p>
+            <a:pPr marL="0" indent="0">
+              <a:buNone/>
+            </a:pPr>
+            <a:endParaRPr lang="en-US" altLang="zh-TW" dirty="0" smtClean="0">
+              <a:latin typeface="微軟正黑體" pitchFamily="34" charset="-120"/>
+              <a:ea typeface="微軟正黑體" pitchFamily="34" charset="-120"/>
+            </a:endParaRPr>
+          </a:p>
+          <a:p>
+            <a:pPr marL="0" indent="0">
+              <a:buNone/>
+            </a:pPr>
+            <a:r>
+              <a:rPr lang="en-US" altLang="zh-TW" dirty="0" smtClean="0">
+                <a:ea typeface="微軟正黑體" pitchFamily="34" charset="-120"/>
+              </a:rPr>
+              <a:t>	Log</a:t>
+            </a:r>
+            <a:r>
+              <a:rPr lang="en-US" altLang="zh-TW" dirty="0" smtClean="0">
+                <a:latin typeface="微軟正黑體" pitchFamily="34" charset="-120"/>
+                <a:ea typeface="微軟正黑體" pitchFamily="34" charset="-120"/>
+              </a:rPr>
+              <a:t> </a:t>
+            </a:r>
+            <a:r>
+              <a:rPr lang="zh-TW" altLang="en-US" dirty="0" smtClean="0">
+                <a:latin typeface="微軟正黑體" pitchFamily="34" charset="-120"/>
+                <a:ea typeface="微軟正黑體" pitchFamily="34" charset="-120"/>
+              </a:rPr>
               <a:t>看不出個名堂來。</a:t>
             </a:r>
-            <a:endParaRPr lang="zh-TW" altLang="en-US" dirty="0"/>
+            <a:endParaRPr lang="zh-TW" altLang="en-US" dirty="0">
+              <a:latin typeface="微軟正黑體" pitchFamily="34" charset="-120"/>
+              <a:ea typeface="微軟正黑體" pitchFamily="34" charset="-120"/>
+            </a:endParaRPr>
           </a:p>
         </p:txBody>
       </p:sp>

--- a/2013/Active Application Monitoring.pptx
+++ b/2013/Active Application Monitoring.pptx
@@ -236,6 +236,7 @@
           <a:p>
             <a:fld id="{FF5602DE-514C-4E15-B2D4-ABAEDF781A42}" type="datetimeFigureOut">
               <a:rPr lang="zh-TW" altLang="en-US" smtClean="0"/>
+              <a:pPr/>
               <a:t>2013/8/2</a:t>
             </a:fld>
             <a:endParaRPr lang="zh-TW" altLang="en-US"/>
@@ -395,6 +396,7 @@
           <a:p>
             <a:fld id="{8F862D24-0D69-4782-9F46-936ABFEA78CB}" type="slidenum">
               <a:rPr lang="zh-TW" altLang="en-US" smtClean="0"/>
+              <a:pPr/>
               <a:t>‹#›</a:t>
             </a:fld>
             <a:endParaRPr lang="zh-TW" altLang="en-US"/>
@@ -404,7 +406,7 @@
     </p:spTree>
     <p:extLst>
       <p:ext uri="{BB962C8B-B14F-4D97-AF65-F5344CB8AC3E}">
-        <p14:creationId xmlns:p14="http://schemas.microsoft.com/office/powerpoint/2010/main" val="801114862"/>
+        <p14:creationId xmlns="" xmlns:p14="http://schemas.microsoft.com/office/powerpoint/2010/main" val="801114862"/>
       </p:ext>
     </p:extLst>
   </p:cSld>
@@ -635,6 +637,7 @@
           <a:p>
             <a:fld id="{8F862D24-0D69-4782-9F46-936ABFEA78CB}" type="slidenum">
               <a:rPr lang="zh-TW" altLang="en-US" smtClean="0"/>
+              <a:pPr/>
               <a:t>5</a:t>
             </a:fld>
             <a:endParaRPr lang="zh-TW" altLang="en-US"/>
@@ -644,7 +647,7 @@
     </p:spTree>
     <p:extLst>
       <p:ext uri="{BB962C8B-B14F-4D97-AF65-F5344CB8AC3E}">
-        <p14:creationId xmlns:p14="http://schemas.microsoft.com/office/powerpoint/2010/main" val="1012978869"/>
+        <p14:creationId xmlns="" xmlns:p14="http://schemas.microsoft.com/office/powerpoint/2010/main" val="1012978869"/>
       </p:ext>
     </p:extLst>
   </p:cSld>
@@ -806,6 +809,7 @@
           <a:p>
             <a:fld id="{8F862D24-0D69-4782-9F46-936ABFEA78CB}" type="slidenum">
               <a:rPr lang="zh-TW" altLang="en-US" smtClean="0"/>
+              <a:pPr/>
               <a:t>41</a:t>
             </a:fld>
             <a:endParaRPr lang="zh-TW" altLang="en-US"/>
@@ -815,7 +819,7 @@
     </p:spTree>
     <p:extLst>
       <p:ext uri="{BB962C8B-B14F-4D97-AF65-F5344CB8AC3E}">
-        <p14:creationId xmlns:p14="http://schemas.microsoft.com/office/powerpoint/2010/main" val="3947658263"/>
+        <p14:creationId xmlns="" xmlns:p14="http://schemas.microsoft.com/office/powerpoint/2010/main" val="3947658263"/>
       </p:ext>
     </p:extLst>
   </p:cSld>
@@ -890,6 +894,7 @@
           <a:p>
             <a:fld id="{8F862D24-0D69-4782-9F46-936ABFEA78CB}" type="slidenum">
               <a:rPr lang="zh-TW" altLang="en-US" smtClean="0"/>
+              <a:pPr/>
               <a:t>42</a:t>
             </a:fld>
             <a:endParaRPr lang="zh-TW" altLang="en-US"/>
@@ -899,7 +904,7 @@
     </p:spTree>
     <p:extLst>
       <p:ext uri="{BB962C8B-B14F-4D97-AF65-F5344CB8AC3E}">
-        <p14:creationId xmlns:p14="http://schemas.microsoft.com/office/powerpoint/2010/main" val="4262433995"/>
+        <p14:creationId xmlns="" xmlns:p14="http://schemas.microsoft.com/office/powerpoint/2010/main" val="4262433995"/>
       </p:ext>
     </p:extLst>
   </p:cSld>
@@ -974,6 +979,7 @@
           <a:p>
             <a:fld id="{8F862D24-0D69-4782-9F46-936ABFEA78CB}" type="slidenum">
               <a:rPr lang="zh-TW" altLang="en-US" smtClean="0"/>
+              <a:pPr/>
               <a:t>43</a:t>
             </a:fld>
             <a:endParaRPr lang="zh-TW" altLang="en-US"/>
@@ -983,7 +989,7 @@
     </p:spTree>
     <p:extLst>
       <p:ext uri="{BB962C8B-B14F-4D97-AF65-F5344CB8AC3E}">
-        <p14:creationId xmlns:p14="http://schemas.microsoft.com/office/powerpoint/2010/main" val="4262433995"/>
+        <p14:creationId xmlns="" xmlns:p14="http://schemas.microsoft.com/office/powerpoint/2010/main" val="4262433995"/>
       </p:ext>
     </p:extLst>
   </p:cSld>
@@ -1058,11 +1064,7 @@
             </a:r>
             <a:r>
               <a:rPr lang="zh-TW" altLang="en-US" dirty="0" smtClean="0"/>
-              <a:t>效能、要不要求實作增加系統複雜度，他們大多是事後發現問題才拿來用的，</a:t>
-            </a:r>
-            <a:r>
-              <a:rPr lang="zh-TW" altLang="en-US" dirty="0" smtClean="0"/>
-              <a:t>我們沒有辦法想像在開發流程中，一邊寫</a:t>
+              <a:t>效能、要不要求實作增加系統複雜度，他們大多是事後發現問題才拿來用的，我們沒有辦法想像在開發流程中，一邊寫</a:t>
             </a:r>
             <a:r>
               <a:rPr lang="en-US" altLang="zh-TW" dirty="0" smtClean="0"/>
@@ -1300,6 +1302,7 @@
           <a:p>
             <a:fld id="{8F862D24-0D69-4782-9F46-936ABFEA78CB}" type="slidenum">
               <a:rPr lang="zh-TW" altLang="en-US" smtClean="0"/>
+              <a:pPr/>
               <a:t>44</a:t>
             </a:fld>
             <a:endParaRPr lang="zh-TW" altLang="en-US"/>
@@ -1309,7 +1312,7 @@
     </p:spTree>
     <p:extLst>
       <p:ext uri="{BB962C8B-B14F-4D97-AF65-F5344CB8AC3E}">
-        <p14:creationId xmlns:p14="http://schemas.microsoft.com/office/powerpoint/2010/main" val="4262433995"/>
+        <p14:creationId xmlns="" xmlns:p14="http://schemas.microsoft.com/office/powerpoint/2010/main" val="4262433995"/>
       </p:ext>
     </p:extLst>
   </p:cSld>
@@ -1384,6 +1387,7 @@
           <a:p>
             <a:fld id="{8F862D24-0D69-4782-9F46-936ABFEA78CB}" type="slidenum">
               <a:rPr lang="zh-TW" altLang="en-US" smtClean="0"/>
+              <a:pPr/>
               <a:t>45</a:t>
             </a:fld>
             <a:endParaRPr lang="zh-TW" altLang="en-US"/>
@@ -1393,7 +1397,7 @@
     </p:spTree>
     <p:extLst>
       <p:ext uri="{BB962C8B-B14F-4D97-AF65-F5344CB8AC3E}">
-        <p14:creationId xmlns:p14="http://schemas.microsoft.com/office/powerpoint/2010/main" val="4262433995"/>
+        <p14:creationId xmlns="" xmlns:p14="http://schemas.microsoft.com/office/powerpoint/2010/main" val="4262433995"/>
       </p:ext>
     </p:extLst>
   </p:cSld>
@@ -1566,6 +1570,7 @@
           <a:p>
             <a:fld id="{8F862D24-0D69-4782-9F46-936ABFEA78CB}" type="slidenum">
               <a:rPr lang="zh-TW" altLang="en-US" smtClean="0"/>
+              <a:pPr/>
               <a:t>6</a:t>
             </a:fld>
             <a:endParaRPr lang="zh-TW" altLang="en-US"/>
@@ -1575,7 +1580,7 @@
     </p:spTree>
     <p:extLst>
       <p:ext uri="{BB962C8B-B14F-4D97-AF65-F5344CB8AC3E}">
-        <p14:creationId xmlns:p14="http://schemas.microsoft.com/office/powerpoint/2010/main" val="3569281774"/>
+        <p14:creationId xmlns="" xmlns:p14="http://schemas.microsoft.com/office/powerpoint/2010/main" val="3569281774"/>
       </p:ext>
     </p:extLst>
   </p:cSld>
@@ -1678,6 +1683,7 @@
           <a:p>
             <a:fld id="{8F862D24-0D69-4782-9F46-936ABFEA78CB}" type="slidenum">
               <a:rPr lang="zh-TW" altLang="en-US" smtClean="0"/>
+              <a:pPr/>
               <a:t>9</a:t>
             </a:fld>
             <a:endParaRPr lang="zh-TW" altLang="en-US"/>
@@ -1687,7 +1693,7 @@
     </p:spTree>
     <p:extLst>
       <p:ext uri="{BB962C8B-B14F-4D97-AF65-F5344CB8AC3E}">
-        <p14:creationId xmlns:p14="http://schemas.microsoft.com/office/powerpoint/2010/main" val="2784374171"/>
+        <p14:creationId xmlns="" xmlns:p14="http://schemas.microsoft.com/office/powerpoint/2010/main" val="2784374171"/>
       </p:ext>
     </p:extLst>
   </p:cSld>
@@ -1954,6 +1960,7 @@
           <a:p>
             <a:fld id="{8F862D24-0D69-4782-9F46-936ABFEA78CB}" type="slidenum">
               <a:rPr lang="zh-TW" altLang="en-US" smtClean="0"/>
+              <a:pPr/>
               <a:t>13</a:t>
             </a:fld>
             <a:endParaRPr lang="zh-TW" altLang="en-US"/>
@@ -1963,7 +1970,7 @@
     </p:spTree>
     <p:extLst>
       <p:ext uri="{BB962C8B-B14F-4D97-AF65-F5344CB8AC3E}">
-        <p14:creationId xmlns:p14="http://schemas.microsoft.com/office/powerpoint/2010/main" val="3665481874"/>
+        <p14:creationId xmlns="" xmlns:p14="http://schemas.microsoft.com/office/powerpoint/2010/main" val="3665481874"/>
       </p:ext>
     </p:extLst>
   </p:cSld>
@@ -2082,6 +2089,7 @@
           <a:p>
             <a:fld id="{8F862D24-0D69-4782-9F46-936ABFEA78CB}" type="slidenum">
               <a:rPr lang="zh-TW" altLang="en-US" smtClean="0"/>
+              <a:pPr/>
               <a:t>15</a:t>
             </a:fld>
             <a:endParaRPr lang="zh-TW" altLang="en-US"/>
@@ -2091,7 +2099,7 @@
     </p:spTree>
     <p:extLst>
       <p:ext uri="{BB962C8B-B14F-4D97-AF65-F5344CB8AC3E}">
-        <p14:creationId xmlns:p14="http://schemas.microsoft.com/office/powerpoint/2010/main" val="3614655535"/>
+        <p14:creationId xmlns="" xmlns:p14="http://schemas.microsoft.com/office/powerpoint/2010/main" val="3614655535"/>
       </p:ext>
     </p:extLst>
   </p:cSld>
@@ -2349,6 +2357,7 @@
           <a:p>
             <a:fld id="{8F862D24-0D69-4782-9F46-936ABFEA78CB}" type="slidenum">
               <a:rPr lang="zh-TW" altLang="en-US" smtClean="0"/>
+              <a:pPr/>
               <a:t>16</a:t>
             </a:fld>
             <a:endParaRPr lang="zh-TW" altLang="en-US"/>
@@ -2358,7 +2367,7 @@
     </p:spTree>
     <p:extLst>
       <p:ext uri="{BB962C8B-B14F-4D97-AF65-F5344CB8AC3E}">
-        <p14:creationId xmlns:p14="http://schemas.microsoft.com/office/powerpoint/2010/main" val="3889804687"/>
+        <p14:creationId xmlns="" xmlns:p14="http://schemas.microsoft.com/office/powerpoint/2010/main" val="3889804687"/>
       </p:ext>
     </p:extLst>
   </p:cSld>
@@ -2616,6 +2625,7 @@
           <a:p>
             <a:fld id="{8F862D24-0D69-4782-9F46-936ABFEA78CB}" type="slidenum">
               <a:rPr lang="zh-TW" altLang="en-US" smtClean="0"/>
+              <a:pPr/>
               <a:t>17</a:t>
             </a:fld>
             <a:endParaRPr lang="zh-TW" altLang="en-US"/>
@@ -2625,7 +2635,7 @@
     </p:spTree>
     <p:extLst>
       <p:ext uri="{BB962C8B-B14F-4D97-AF65-F5344CB8AC3E}">
-        <p14:creationId xmlns:p14="http://schemas.microsoft.com/office/powerpoint/2010/main" val="3947658263"/>
+        <p14:creationId xmlns="" xmlns:p14="http://schemas.microsoft.com/office/powerpoint/2010/main" val="3947658263"/>
       </p:ext>
     </p:extLst>
   </p:cSld>
@@ -2770,6 +2780,7 @@
           <a:p>
             <a:fld id="{8F862D24-0D69-4782-9F46-936ABFEA78CB}" type="slidenum">
               <a:rPr lang="zh-TW" altLang="en-US" smtClean="0"/>
+              <a:pPr/>
               <a:t>37</a:t>
             </a:fld>
             <a:endParaRPr lang="zh-TW" altLang="en-US"/>
@@ -2779,7 +2790,7 @@
     </p:spTree>
     <p:extLst>
       <p:ext uri="{BB962C8B-B14F-4D97-AF65-F5344CB8AC3E}">
-        <p14:creationId xmlns:p14="http://schemas.microsoft.com/office/powerpoint/2010/main" val="3141774984"/>
+        <p14:creationId xmlns="" xmlns:p14="http://schemas.microsoft.com/office/powerpoint/2010/main" val="3141774984"/>
       </p:ext>
     </p:extLst>
   </p:cSld>
@@ -2854,6 +2865,7 @@
           <a:p>
             <a:fld id="{8F862D24-0D69-4782-9F46-936ABFEA78CB}" type="slidenum">
               <a:rPr lang="zh-TW" altLang="en-US" smtClean="0"/>
+              <a:pPr/>
               <a:t>38</a:t>
             </a:fld>
             <a:endParaRPr lang="zh-TW" altLang="en-US"/>
@@ -2863,7 +2875,7 @@
     </p:spTree>
     <p:extLst>
       <p:ext uri="{BB962C8B-B14F-4D97-AF65-F5344CB8AC3E}">
-        <p14:creationId xmlns:p14="http://schemas.microsoft.com/office/powerpoint/2010/main" val="4262433995"/>
+        <p14:creationId xmlns="" xmlns:p14="http://schemas.microsoft.com/office/powerpoint/2010/main" val="4262433995"/>
       </p:ext>
     </p:extLst>
   </p:cSld>
@@ -3107,7 +3119,7 @@
     </p:spTree>
     <p:extLst>
       <p:ext uri="{BB962C8B-B14F-4D97-AF65-F5344CB8AC3E}">
-        <p14:creationId xmlns:p14="http://schemas.microsoft.com/office/powerpoint/2010/main" val="3542711361"/>
+        <p14:creationId xmlns="" xmlns:p14="http://schemas.microsoft.com/office/powerpoint/2010/main" val="3542711361"/>
       </p:ext>
     </p:extLst>
   </p:cSld>
@@ -3286,7 +3298,7 @@
     </p:spTree>
     <p:extLst>
       <p:ext uri="{BB962C8B-B14F-4D97-AF65-F5344CB8AC3E}">
-        <p14:creationId xmlns:p14="http://schemas.microsoft.com/office/powerpoint/2010/main" val="845854179"/>
+        <p14:creationId xmlns="" xmlns:p14="http://schemas.microsoft.com/office/powerpoint/2010/main" val="845854179"/>
       </p:ext>
     </p:extLst>
   </p:cSld>
@@ -3468,7 +3480,7 @@
     </p:spTree>
     <p:extLst>
       <p:ext uri="{BB962C8B-B14F-4D97-AF65-F5344CB8AC3E}">
-        <p14:creationId xmlns:p14="http://schemas.microsoft.com/office/powerpoint/2010/main" val="1347214052"/>
+        <p14:creationId xmlns="" xmlns:p14="http://schemas.microsoft.com/office/powerpoint/2010/main" val="1347214052"/>
       </p:ext>
     </p:extLst>
   </p:cSld>
@@ -3640,7 +3652,7 @@
     </p:spTree>
     <p:extLst>
       <p:ext uri="{BB962C8B-B14F-4D97-AF65-F5344CB8AC3E}">
-        <p14:creationId xmlns:p14="http://schemas.microsoft.com/office/powerpoint/2010/main" val="3947734340"/>
+        <p14:creationId xmlns="" xmlns:p14="http://schemas.microsoft.com/office/powerpoint/2010/main" val="3947734340"/>
       </p:ext>
     </p:extLst>
   </p:cSld>
@@ -3888,7 +3900,7 @@
     </p:spTree>
     <p:extLst>
       <p:ext uri="{BB962C8B-B14F-4D97-AF65-F5344CB8AC3E}">
-        <p14:creationId xmlns:p14="http://schemas.microsoft.com/office/powerpoint/2010/main" val="3886699778"/>
+        <p14:creationId xmlns="" xmlns:p14="http://schemas.microsoft.com/office/powerpoint/2010/main" val="3886699778"/>
       </p:ext>
     </p:extLst>
   </p:cSld>
@@ -4178,7 +4190,7 @@
     </p:spTree>
     <p:extLst>
       <p:ext uri="{BB962C8B-B14F-4D97-AF65-F5344CB8AC3E}">
-        <p14:creationId xmlns:p14="http://schemas.microsoft.com/office/powerpoint/2010/main" val="2466070544"/>
+        <p14:creationId xmlns="" xmlns:p14="http://schemas.microsoft.com/office/powerpoint/2010/main" val="2466070544"/>
       </p:ext>
     </p:extLst>
   </p:cSld>
@@ -4602,7 +4614,7 @@
     </p:spTree>
     <p:extLst>
       <p:ext uri="{BB962C8B-B14F-4D97-AF65-F5344CB8AC3E}">
-        <p14:creationId xmlns:p14="http://schemas.microsoft.com/office/powerpoint/2010/main" val="1273051051"/>
+        <p14:creationId xmlns="" xmlns:p14="http://schemas.microsoft.com/office/powerpoint/2010/main" val="1273051051"/>
       </p:ext>
     </p:extLst>
   </p:cSld>
@@ -4722,7 +4734,7 @@
     </p:spTree>
     <p:extLst>
       <p:ext uri="{BB962C8B-B14F-4D97-AF65-F5344CB8AC3E}">
-        <p14:creationId xmlns:p14="http://schemas.microsoft.com/office/powerpoint/2010/main" val="3603242821"/>
+        <p14:creationId xmlns="" xmlns:p14="http://schemas.microsoft.com/office/powerpoint/2010/main" val="3603242821"/>
       </p:ext>
     </p:extLst>
   </p:cSld>
@@ -4819,7 +4831,7 @@
     </p:spTree>
     <p:extLst>
       <p:ext uri="{BB962C8B-B14F-4D97-AF65-F5344CB8AC3E}">
-        <p14:creationId xmlns:p14="http://schemas.microsoft.com/office/powerpoint/2010/main" val="1430244508"/>
+        <p14:creationId xmlns="" xmlns:p14="http://schemas.microsoft.com/office/powerpoint/2010/main" val="1430244508"/>
       </p:ext>
     </p:extLst>
   </p:cSld>
@@ -5098,7 +5110,7 @@
     </p:spTree>
     <p:extLst>
       <p:ext uri="{BB962C8B-B14F-4D97-AF65-F5344CB8AC3E}">
-        <p14:creationId xmlns:p14="http://schemas.microsoft.com/office/powerpoint/2010/main" val="3797813437"/>
+        <p14:creationId xmlns="" xmlns:p14="http://schemas.microsoft.com/office/powerpoint/2010/main" val="3797813437"/>
       </p:ext>
     </p:extLst>
   </p:cSld>
@@ -5353,7 +5365,7 @@
     </p:spTree>
     <p:extLst>
       <p:ext uri="{BB962C8B-B14F-4D97-AF65-F5344CB8AC3E}">
-        <p14:creationId xmlns:p14="http://schemas.microsoft.com/office/powerpoint/2010/main" val="941418352"/>
+        <p14:creationId xmlns="" xmlns:p14="http://schemas.microsoft.com/office/powerpoint/2010/main" val="941418352"/>
       </p:ext>
     </p:extLst>
   </p:cSld>
@@ -5397,7 +5409,7 @@
           <a:blip r:embed="rId13" cstate="print">
             <a:extLst>
               <a:ext uri="{28A0092B-C50C-407E-A947-70E740481C1C}">
-                <a14:useLocalDpi xmlns:a14="http://schemas.microsoft.com/office/drawing/2010/main" val="0"/>
+                <a14:useLocalDpi xmlns="" xmlns:a14="http://schemas.microsoft.com/office/drawing/2010/main" val="0"/>
               </a:ext>
             </a:extLst>
           </a:blip>
@@ -5417,7 +5429,7 @@
           <a:noFill/>
           <a:extLst>
             <a:ext uri="{909E8E84-426E-40DD-AFC4-6F175D3DCCD1}">
-              <a14:hiddenFill xmlns:a14="http://schemas.microsoft.com/office/drawing/2010/main">
+              <a14:hiddenFill xmlns="" xmlns:a14="http://schemas.microsoft.com/office/drawing/2010/main">
                 <a:solidFill>
                   <a:srgbClr val="FFFFFF"/>
                 </a:solidFill>
@@ -5645,7 +5657,7 @@
     </p:spTree>
     <p:extLst>
       <p:ext uri="{BB962C8B-B14F-4D97-AF65-F5344CB8AC3E}">
-        <p14:creationId xmlns:p14="http://schemas.microsoft.com/office/powerpoint/2010/main" val="1052198024"/>
+        <p14:creationId xmlns="" xmlns:p14="http://schemas.microsoft.com/office/powerpoint/2010/main" val="1052198024"/>
       </p:ext>
     </p:extLst>
   </p:cSld>
@@ -5952,7 +5964,7 @@
           <a:blip r:embed="rId2" cstate="print">
             <a:extLst>
               <a:ext uri="{28A0092B-C50C-407E-A947-70E740481C1C}">
-                <a14:useLocalDpi xmlns:a14="http://schemas.microsoft.com/office/drawing/2010/main" val="0"/>
+                <a14:useLocalDpi xmlns="" xmlns:a14="http://schemas.microsoft.com/office/drawing/2010/main" val="0"/>
               </a:ext>
             </a:extLst>
           </a:blip>
@@ -5972,7 +5984,7 @@
           <a:noFill/>
           <a:extLst>
             <a:ext uri="{909E8E84-426E-40DD-AFC4-6F175D3DCCD1}">
-              <a14:hiddenFill xmlns:a14="http://schemas.microsoft.com/office/drawing/2010/main">
+              <a14:hiddenFill xmlns="" xmlns:a14="http://schemas.microsoft.com/office/drawing/2010/main">
                 <a:solidFill>
                   <a:srgbClr val="FFFFFF"/>
                 </a:solidFill>
@@ -6072,7 +6084,7 @@
     </p:spTree>
     <p:extLst>
       <p:ext uri="{BB962C8B-B14F-4D97-AF65-F5344CB8AC3E}">
-        <p14:creationId xmlns:p14="http://schemas.microsoft.com/office/powerpoint/2010/main" val="3141467871"/>
+        <p14:creationId xmlns="" xmlns:p14="http://schemas.microsoft.com/office/powerpoint/2010/main" val="3141467871"/>
       </p:ext>
     </p:extLst>
   </p:cSld>
@@ -6267,10 +6279,10 @@
           <p:nvPr/>
         </p:nvPicPr>
         <p:blipFill>
-          <a:blip r:embed="rId2">
+          <a:blip r:embed="rId2" cstate="print">
             <a:extLst>
               <a:ext uri="{28A0092B-C50C-407E-A947-70E740481C1C}">
-                <a14:useLocalDpi xmlns:a14="http://schemas.microsoft.com/office/drawing/2010/main" val="0"/>
+                <a14:useLocalDpi xmlns="" xmlns:a14="http://schemas.microsoft.com/office/drawing/2010/main" val="0"/>
               </a:ext>
             </a:extLst>
           </a:blip>
@@ -6293,14 +6305,14 @@
           </a:ln>
           <a:extLst>
             <a:ext uri="{909E8E84-426E-40DD-AFC4-6F175D3DCCD1}">
-              <a14:hiddenFill xmlns:a14="http://schemas.microsoft.com/office/drawing/2010/main">
+              <a14:hiddenFill xmlns="" xmlns:a14="http://schemas.microsoft.com/office/drawing/2010/main">
                 <a:solidFill>
                   <a:schemeClr val="accent1"/>
                 </a:solidFill>
               </a14:hiddenFill>
             </a:ext>
             <a:ext uri="{91240B29-F687-4F45-9708-019B960494DF}">
-              <a14:hiddenLine xmlns:a14="http://schemas.microsoft.com/office/drawing/2010/main" w="9525">
+              <a14:hiddenLine xmlns="" xmlns:a14="http://schemas.microsoft.com/office/drawing/2010/main" w="9525">
                 <a:solidFill>
                   <a:schemeClr val="tx1"/>
                 </a:solidFill>
@@ -6361,7 +6373,7 @@
     </p:spTree>
     <p:extLst>
       <p:ext uri="{BB962C8B-B14F-4D97-AF65-F5344CB8AC3E}">
-        <p14:creationId xmlns:p14="http://schemas.microsoft.com/office/powerpoint/2010/main" val="3033459311"/>
+        <p14:creationId xmlns="" xmlns:p14="http://schemas.microsoft.com/office/powerpoint/2010/main" val="3033459311"/>
       </p:ext>
     </p:extLst>
   </p:cSld>
@@ -6706,10 +6718,10 @@
           <p:nvPr/>
         </p:nvPicPr>
         <p:blipFill>
-          <a:blip r:embed="rId2">
+          <a:blip r:embed="rId2" cstate="print">
             <a:extLst>
               <a:ext uri="{28A0092B-C50C-407E-A947-70E740481C1C}">
-                <a14:useLocalDpi xmlns:a14="http://schemas.microsoft.com/office/drawing/2010/main" val="0"/>
+                <a14:useLocalDpi xmlns="" xmlns:a14="http://schemas.microsoft.com/office/drawing/2010/main" val="0"/>
               </a:ext>
             </a:extLst>
           </a:blip>
@@ -6732,14 +6744,14 @@
           </a:ln>
           <a:extLst>
             <a:ext uri="{909E8E84-426E-40DD-AFC4-6F175D3DCCD1}">
-              <a14:hiddenFill xmlns:a14="http://schemas.microsoft.com/office/drawing/2010/main">
+              <a14:hiddenFill xmlns="" xmlns:a14="http://schemas.microsoft.com/office/drawing/2010/main">
                 <a:solidFill>
                   <a:schemeClr val="accent1"/>
                 </a:solidFill>
               </a14:hiddenFill>
             </a:ext>
             <a:ext uri="{91240B29-F687-4F45-9708-019B960494DF}">
-              <a14:hiddenLine xmlns:a14="http://schemas.microsoft.com/office/drawing/2010/main" w="9525">
+              <a14:hiddenLine xmlns="" xmlns:a14="http://schemas.microsoft.com/office/drawing/2010/main" w="9525">
                 <a:solidFill>
                   <a:schemeClr val="tx1"/>
                 </a:solidFill>
@@ -6800,7 +6812,7 @@
     </p:spTree>
     <p:extLst>
       <p:ext uri="{BB962C8B-B14F-4D97-AF65-F5344CB8AC3E}">
-        <p14:creationId xmlns:p14="http://schemas.microsoft.com/office/powerpoint/2010/main" val="1088847983"/>
+        <p14:creationId xmlns="" xmlns:p14="http://schemas.microsoft.com/office/powerpoint/2010/main" val="1088847983"/>
       </p:ext>
     </p:extLst>
   </p:cSld>
@@ -7114,10 +7126,10 @@
           <p:nvPr/>
         </p:nvPicPr>
         <p:blipFill>
-          <a:blip r:embed="rId2">
+          <a:blip r:embed="rId2" cstate="print">
             <a:extLst>
               <a:ext uri="{28A0092B-C50C-407E-A947-70E740481C1C}">
-                <a14:useLocalDpi xmlns:a14="http://schemas.microsoft.com/office/drawing/2010/main" val="0"/>
+                <a14:useLocalDpi xmlns="" xmlns:a14="http://schemas.microsoft.com/office/drawing/2010/main" val="0"/>
               </a:ext>
             </a:extLst>
           </a:blip>
@@ -7140,14 +7152,14 @@
           </a:ln>
           <a:extLst>
             <a:ext uri="{909E8E84-426E-40DD-AFC4-6F175D3DCCD1}">
-              <a14:hiddenFill xmlns:a14="http://schemas.microsoft.com/office/drawing/2010/main">
+              <a14:hiddenFill xmlns="" xmlns:a14="http://schemas.microsoft.com/office/drawing/2010/main">
                 <a:solidFill>
                   <a:schemeClr val="accent1"/>
                 </a:solidFill>
               </a14:hiddenFill>
             </a:ext>
             <a:ext uri="{91240B29-F687-4F45-9708-019B960494DF}">
-              <a14:hiddenLine xmlns:a14="http://schemas.microsoft.com/office/drawing/2010/main" w="9525">
+              <a14:hiddenLine xmlns="" xmlns:a14="http://schemas.microsoft.com/office/drawing/2010/main" w="9525">
                 <a:solidFill>
                   <a:schemeClr val="tx1"/>
                 </a:solidFill>
@@ -7269,7 +7281,7 @@
     </p:spTree>
     <p:extLst>
       <p:ext uri="{BB962C8B-B14F-4D97-AF65-F5344CB8AC3E}">
-        <p14:creationId xmlns:p14="http://schemas.microsoft.com/office/powerpoint/2010/main" val="2035473268"/>
+        <p14:creationId xmlns="" xmlns:p14="http://schemas.microsoft.com/office/powerpoint/2010/main" val="2035473268"/>
       </p:ext>
     </p:extLst>
   </p:cSld>
@@ -7411,10 +7423,10 @@
           <p:nvPr/>
         </p:nvPicPr>
         <p:blipFill>
-          <a:blip r:embed="rId3">
+          <a:blip r:embed="rId3" cstate="print">
             <a:extLst>
               <a:ext uri="{28A0092B-C50C-407E-A947-70E740481C1C}">
-                <a14:useLocalDpi xmlns:a14="http://schemas.microsoft.com/office/drawing/2010/main" val="0"/>
+                <a14:useLocalDpi xmlns="" xmlns:a14="http://schemas.microsoft.com/office/drawing/2010/main" val="0"/>
               </a:ext>
             </a:extLst>
           </a:blip>
@@ -7437,14 +7449,14 @@
           </a:ln>
           <a:extLst>
             <a:ext uri="{909E8E84-426E-40DD-AFC4-6F175D3DCCD1}">
-              <a14:hiddenFill xmlns:a14="http://schemas.microsoft.com/office/drawing/2010/main">
+              <a14:hiddenFill xmlns="" xmlns:a14="http://schemas.microsoft.com/office/drawing/2010/main">
                 <a:solidFill>
                   <a:schemeClr val="accent1"/>
                 </a:solidFill>
               </a14:hiddenFill>
             </a:ext>
             <a:ext uri="{91240B29-F687-4F45-9708-019B960494DF}">
-              <a14:hiddenLine xmlns:a14="http://schemas.microsoft.com/office/drawing/2010/main" w="9525">
+              <a14:hiddenLine xmlns="" xmlns:a14="http://schemas.microsoft.com/office/drawing/2010/main" w="9525">
                 <a:solidFill>
                   <a:schemeClr val="tx1"/>
                 </a:solidFill>
@@ -7784,7 +7796,7 @@
     </p:spTree>
     <p:extLst>
       <p:ext uri="{BB962C8B-B14F-4D97-AF65-F5344CB8AC3E}">
-        <p14:creationId xmlns:p14="http://schemas.microsoft.com/office/powerpoint/2010/main" val="878993766"/>
+        <p14:creationId xmlns="" xmlns:p14="http://schemas.microsoft.com/office/powerpoint/2010/main" val="878993766"/>
       </p:ext>
     </p:extLst>
   </p:cSld>
@@ -7926,10 +7938,10 @@
           <p:nvPr/>
         </p:nvPicPr>
         <p:blipFill>
-          <a:blip r:embed="rId2">
+          <a:blip r:embed="rId2" cstate="print">
             <a:extLst>
               <a:ext uri="{28A0092B-C50C-407E-A947-70E740481C1C}">
-                <a14:useLocalDpi xmlns:a14="http://schemas.microsoft.com/office/drawing/2010/main" val="0"/>
+                <a14:useLocalDpi xmlns="" xmlns:a14="http://schemas.microsoft.com/office/drawing/2010/main" val="0"/>
               </a:ext>
             </a:extLst>
           </a:blip>
@@ -7949,7 +7961,7 @@
           <a:noFill/>
           <a:extLst>
             <a:ext uri="{909E8E84-426E-40DD-AFC4-6F175D3DCCD1}">
-              <a14:hiddenFill xmlns:a14="http://schemas.microsoft.com/office/drawing/2010/main">
+              <a14:hiddenFill xmlns="" xmlns:a14="http://schemas.microsoft.com/office/drawing/2010/main">
                 <a:solidFill>
                   <a:srgbClr val="FFFFFF"/>
                 </a:solidFill>
@@ -8208,7 +8220,7 @@
     </p:spTree>
     <p:extLst>
       <p:ext uri="{BB962C8B-B14F-4D97-AF65-F5344CB8AC3E}">
-        <p14:creationId xmlns:p14="http://schemas.microsoft.com/office/powerpoint/2010/main" val="1301801581"/>
+        <p14:creationId xmlns="" xmlns:p14="http://schemas.microsoft.com/office/powerpoint/2010/main" val="1301801581"/>
       </p:ext>
     </p:extLst>
   </p:cSld>
@@ -8528,10 +8540,10 @@
           <p:nvPr/>
         </p:nvPicPr>
         <p:blipFill>
-          <a:blip r:embed="rId3">
+          <a:blip r:embed="rId3" cstate="print">
             <a:extLst>
               <a:ext uri="{28A0092B-C50C-407E-A947-70E740481C1C}">
-                <a14:useLocalDpi xmlns:a14="http://schemas.microsoft.com/office/drawing/2010/main" val="0"/>
+                <a14:useLocalDpi xmlns="" xmlns:a14="http://schemas.microsoft.com/office/drawing/2010/main" val="0"/>
               </a:ext>
             </a:extLst>
           </a:blip>
@@ -8551,7 +8563,7 @@
           <a:noFill/>
           <a:extLst>
             <a:ext uri="{909E8E84-426E-40DD-AFC4-6F175D3DCCD1}">
-              <a14:hiddenFill xmlns:a14="http://schemas.microsoft.com/office/drawing/2010/main">
+              <a14:hiddenFill xmlns="" xmlns:a14="http://schemas.microsoft.com/office/drawing/2010/main">
                 <a:solidFill>
                   <a:srgbClr val="FFFFFF"/>
                 </a:solidFill>
@@ -8706,42 +8718,21 @@
                 <a:latin typeface="微軟正黑體" pitchFamily="34" charset="-120"/>
                 <a:ea typeface="微軟正黑體" pitchFamily="34" charset="-120"/>
               </a:rPr>
-              <a:t>在客戶的程式碼中</a:t>
+              <a:t>在客戶的程式碼中插入</a:t>
+            </a:r>
+            <a:r>
+              <a:rPr lang="en-US" altLang="zh-TW" dirty="0" err="1" smtClean="0">
+                <a:latin typeface="微軟正黑體" pitchFamily="34" charset="-120"/>
+                <a:ea typeface="微軟正黑體" pitchFamily="34" charset="-120"/>
+              </a:rPr>
+              <a:t>blackbox</a:t>
             </a:r>
             <a:r>
               <a:rPr lang="zh-TW" altLang="en-US" dirty="0" smtClean="0">
                 <a:latin typeface="微軟正黑體" pitchFamily="34" charset="-120"/>
                 <a:ea typeface="微軟正黑體" pitchFamily="34" charset="-120"/>
               </a:rPr>
-              <a:t>插入</a:t>
-            </a:r>
-            <a:r>
-              <a:rPr lang="en-US" altLang="zh-TW" dirty="0" err="1" smtClean="0">
-                <a:latin typeface="微軟正黑體" pitchFamily="34" charset="-120"/>
-                <a:ea typeface="微軟正黑體" pitchFamily="34" charset="-120"/>
-              </a:rPr>
-              <a:t>blackbox</a:t>
-            </a:r>
-            <a:r>
-              <a:rPr lang="zh-TW" altLang="en-US" dirty="0" smtClean="0">
-                <a:latin typeface="微軟正黑體" pitchFamily="34" charset="-120"/>
-                <a:ea typeface="微軟正黑體" pitchFamily="34" charset="-120"/>
-              </a:rPr>
-              <a:t>，</a:t>
-            </a:r>
-            <a:r>
-              <a:rPr lang="zh-TW" altLang="en-US" dirty="0" smtClean="0">
-                <a:latin typeface="微軟正黑體" pitchFamily="34" charset="-120"/>
-                <a:ea typeface="微軟正黑體" pitchFamily="34" charset="-120"/>
-              </a:rPr>
-              <a:t>二分逼近</a:t>
-            </a:r>
-            <a:r>
-              <a:rPr lang="zh-TW" altLang="en-US" dirty="0" smtClean="0">
-                <a:latin typeface="微軟正黑體" pitchFamily="34" charset="-120"/>
-                <a:ea typeface="微軟正黑體" pitchFamily="34" charset="-120"/>
-              </a:rPr>
-              <a:t>下去。</a:t>
+              <a:t>，二分逼近下去。</a:t>
             </a:r>
             <a:endParaRPr lang="en-US" altLang="zh-TW" dirty="0" smtClean="0">
               <a:latin typeface="微軟正黑體" pitchFamily="34" charset="-120"/>
@@ -8760,7 +8751,7 @@
     </p:spTree>
     <p:extLst>
       <p:ext uri="{BB962C8B-B14F-4D97-AF65-F5344CB8AC3E}">
-        <p14:creationId xmlns:p14="http://schemas.microsoft.com/office/powerpoint/2010/main" val="699259394"/>
+        <p14:creationId xmlns="" xmlns:p14="http://schemas.microsoft.com/office/powerpoint/2010/main" val="699259394"/>
       </p:ext>
     </p:extLst>
   </p:cSld>
@@ -9009,10 +9000,10 @@
           <p:nvPr/>
         </p:nvPicPr>
         <p:blipFill>
-          <a:blip r:embed="rId3">
+          <a:blip r:embed="rId3" cstate="print">
             <a:extLst>
               <a:ext uri="{28A0092B-C50C-407E-A947-70E740481C1C}">
-                <a14:useLocalDpi xmlns:a14="http://schemas.microsoft.com/office/drawing/2010/main" val="0"/>
+                <a14:useLocalDpi xmlns="" xmlns:a14="http://schemas.microsoft.com/office/drawing/2010/main" val="0"/>
               </a:ext>
             </a:extLst>
           </a:blip>
@@ -9035,14 +9026,14 @@
           </a:ln>
           <a:extLst>
             <a:ext uri="{909E8E84-426E-40DD-AFC4-6F175D3DCCD1}">
-              <a14:hiddenFill xmlns:a14="http://schemas.microsoft.com/office/drawing/2010/main">
+              <a14:hiddenFill xmlns="" xmlns:a14="http://schemas.microsoft.com/office/drawing/2010/main">
                 <a:solidFill>
                   <a:schemeClr val="accent1"/>
                 </a:solidFill>
               </a14:hiddenFill>
             </a:ext>
             <a:ext uri="{91240B29-F687-4F45-9708-019B960494DF}">
-              <a14:hiddenLine xmlns:a14="http://schemas.microsoft.com/office/drawing/2010/main" w="9525">
+              <a14:hiddenLine xmlns="" xmlns:a14="http://schemas.microsoft.com/office/drawing/2010/main" w="9525">
                 <a:solidFill>
                   <a:schemeClr val="tx1"/>
                 </a:solidFill>
@@ -9160,7 +9151,7 @@
     </p:spTree>
     <p:extLst>
       <p:ext uri="{BB962C8B-B14F-4D97-AF65-F5344CB8AC3E}">
-        <p14:creationId xmlns:p14="http://schemas.microsoft.com/office/powerpoint/2010/main" val="2610826965"/>
+        <p14:creationId xmlns="" xmlns:p14="http://schemas.microsoft.com/office/powerpoint/2010/main" val="2610826965"/>
       </p:ext>
     </p:extLst>
   </p:cSld>
@@ -10376,7 +10367,7 @@
     </p:spTree>
     <p:extLst>
       <p:ext uri="{BB962C8B-B14F-4D97-AF65-F5344CB8AC3E}">
-        <p14:creationId xmlns:p14="http://schemas.microsoft.com/office/powerpoint/2010/main" val="2418397263"/>
+        <p14:creationId xmlns="" xmlns:p14="http://schemas.microsoft.com/office/powerpoint/2010/main" val="2418397263"/>
       </p:ext>
     </p:extLst>
   </p:cSld>
@@ -11266,10 +11257,10 @@
           <p:nvPr/>
         </p:nvPicPr>
         <p:blipFill>
-          <a:blip r:embed="rId2">
+          <a:blip r:embed="rId2" cstate="print">
             <a:extLst>
               <a:ext uri="{28A0092B-C50C-407E-A947-70E740481C1C}">
-                <a14:useLocalDpi xmlns:a14="http://schemas.microsoft.com/office/drawing/2010/main" val="0"/>
+                <a14:useLocalDpi xmlns="" xmlns:a14="http://schemas.microsoft.com/office/drawing/2010/main" val="0"/>
               </a:ext>
             </a:extLst>
           </a:blip>
@@ -11292,14 +11283,14 @@
           </a:ln>
           <a:extLst>
             <a:ext uri="{909E8E84-426E-40DD-AFC4-6F175D3DCCD1}">
-              <a14:hiddenFill xmlns:a14="http://schemas.microsoft.com/office/drawing/2010/main">
+              <a14:hiddenFill xmlns="" xmlns:a14="http://schemas.microsoft.com/office/drawing/2010/main">
                 <a:solidFill>
                   <a:schemeClr val="accent1"/>
                 </a:solidFill>
               </a14:hiddenFill>
             </a:ext>
             <a:ext uri="{91240B29-F687-4F45-9708-019B960494DF}">
-              <a14:hiddenLine xmlns:a14="http://schemas.microsoft.com/office/drawing/2010/main" w="9525">
+              <a14:hiddenLine xmlns="" xmlns:a14="http://schemas.microsoft.com/office/drawing/2010/main" w="9525">
                 <a:solidFill>
                   <a:schemeClr val="tx1"/>
                 </a:solidFill>
@@ -11445,10 +11436,10 @@
           <p:nvPr/>
         </p:nvPicPr>
         <p:blipFill>
-          <a:blip r:embed="rId3">
+          <a:blip r:embed="rId3" cstate="print">
             <a:extLst>
               <a:ext uri="{28A0092B-C50C-407E-A947-70E740481C1C}">
-                <a14:useLocalDpi xmlns:a14="http://schemas.microsoft.com/office/drawing/2010/main" val="0"/>
+                <a14:useLocalDpi xmlns="" xmlns:a14="http://schemas.microsoft.com/office/drawing/2010/main" val="0"/>
               </a:ext>
             </a:extLst>
           </a:blip>
@@ -11471,14 +11462,14 @@
           </a:ln>
           <a:extLst>
             <a:ext uri="{909E8E84-426E-40DD-AFC4-6F175D3DCCD1}">
-              <a14:hiddenFill xmlns:a14="http://schemas.microsoft.com/office/drawing/2010/main">
+              <a14:hiddenFill xmlns="" xmlns:a14="http://schemas.microsoft.com/office/drawing/2010/main">
                 <a:solidFill>
                   <a:schemeClr val="accent1"/>
                 </a:solidFill>
               </a14:hiddenFill>
             </a:ext>
             <a:ext uri="{91240B29-F687-4F45-9708-019B960494DF}">
-              <a14:hiddenLine xmlns:a14="http://schemas.microsoft.com/office/drawing/2010/main" w="9525">
+              <a14:hiddenLine xmlns="" xmlns:a14="http://schemas.microsoft.com/office/drawing/2010/main" w="9525">
                 <a:solidFill>
                   <a:schemeClr val="tx1"/>
                 </a:solidFill>
@@ -11493,7 +11484,7 @@
     </p:spTree>
     <p:extLst>
       <p:ext uri="{BB962C8B-B14F-4D97-AF65-F5344CB8AC3E}">
-        <p14:creationId xmlns:p14="http://schemas.microsoft.com/office/powerpoint/2010/main" val="2010714469"/>
+        <p14:creationId xmlns="" xmlns:p14="http://schemas.microsoft.com/office/powerpoint/2010/main" val="2010714469"/>
       </p:ext>
     </p:extLst>
   </p:cSld>
@@ -11639,10 +11630,10 @@
           <p:nvPr/>
         </p:nvPicPr>
         <p:blipFill>
-          <a:blip r:embed="rId2">
+          <a:blip r:embed="rId2" cstate="print">
             <a:extLst>
               <a:ext uri="{28A0092B-C50C-407E-A947-70E740481C1C}">
-                <a14:useLocalDpi xmlns:a14="http://schemas.microsoft.com/office/drawing/2010/main" val="0"/>
+                <a14:useLocalDpi xmlns="" xmlns:a14="http://schemas.microsoft.com/office/drawing/2010/main" val="0"/>
               </a:ext>
             </a:extLst>
           </a:blip>
@@ -11665,14 +11656,14 @@
           </a:ln>
           <a:extLst>
             <a:ext uri="{909E8E84-426E-40DD-AFC4-6F175D3DCCD1}">
-              <a14:hiddenFill xmlns:a14="http://schemas.microsoft.com/office/drawing/2010/main">
+              <a14:hiddenFill xmlns="" xmlns:a14="http://schemas.microsoft.com/office/drawing/2010/main">
                 <a:solidFill>
                   <a:schemeClr val="accent1"/>
                 </a:solidFill>
               </a14:hiddenFill>
             </a:ext>
             <a:ext uri="{91240B29-F687-4F45-9708-019B960494DF}">
-              <a14:hiddenLine xmlns:a14="http://schemas.microsoft.com/office/drawing/2010/main" w="9525">
+              <a14:hiddenLine xmlns="" xmlns:a14="http://schemas.microsoft.com/office/drawing/2010/main" w="9525">
                 <a:solidFill>
                   <a:schemeClr val="tx1"/>
                 </a:solidFill>
@@ -11687,7 +11678,7 @@
     </p:spTree>
     <p:extLst>
       <p:ext uri="{BB962C8B-B14F-4D97-AF65-F5344CB8AC3E}">
-        <p14:creationId xmlns:p14="http://schemas.microsoft.com/office/powerpoint/2010/main" val="2773427711"/>
+        <p14:creationId xmlns="" xmlns:p14="http://schemas.microsoft.com/office/powerpoint/2010/main" val="2773427711"/>
       </p:ext>
     </p:extLst>
   </p:cSld>
@@ -11710,7 +11701,7 @@
     <p:bg>
       <p:bgPr>
         <a:blipFill dpi="0" rotWithShape="1">
-          <a:blip r:embed="rId2">
+          <a:blip r:embed="rId2" cstate="print">
             <a:alphaModFix amt="95000"/>
             <a:lum/>
           </a:blip>
@@ -12018,7 +12009,7 @@
     </p:spTree>
     <p:extLst>
       <p:ext uri="{BB962C8B-B14F-4D97-AF65-F5344CB8AC3E}">
-        <p14:creationId xmlns:p14="http://schemas.microsoft.com/office/powerpoint/2010/main" val="1113872832"/>
+        <p14:creationId xmlns="" xmlns:p14="http://schemas.microsoft.com/office/powerpoint/2010/main" val="1113872832"/>
       </p:ext>
     </p:extLst>
   </p:cSld>
@@ -12184,10 +12175,10 @@
           <p:nvPr/>
         </p:nvPicPr>
         <p:blipFill>
-          <a:blip r:embed="rId2">
+          <a:blip r:embed="rId2" cstate="print">
             <a:extLst>
               <a:ext uri="{28A0092B-C50C-407E-A947-70E740481C1C}">
-                <a14:useLocalDpi xmlns:a14="http://schemas.microsoft.com/office/drawing/2010/main" val="0"/>
+                <a14:useLocalDpi xmlns="" xmlns:a14="http://schemas.microsoft.com/office/drawing/2010/main" val="0"/>
               </a:ext>
             </a:extLst>
           </a:blip>
@@ -12210,14 +12201,14 @@
           </a:ln>
           <a:extLst>
             <a:ext uri="{909E8E84-426E-40DD-AFC4-6F175D3DCCD1}">
-              <a14:hiddenFill xmlns:a14="http://schemas.microsoft.com/office/drawing/2010/main">
+              <a14:hiddenFill xmlns="" xmlns:a14="http://schemas.microsoft.com/office/drawing/2010/main">
                 <a:solidFill>
                   <a:schemeClr val="accent1"/>
                 </a:solidFill>
               </a14:hiddenFill>
             </a:ext>
             <a:ext uri="{91240B29-F687-4F45-9708-019B960494DF}">
-              <a14:hiddenLine xmlns:a14="http://schemas.microsoft.com/office/drawing/2010/main" w="9525">
+              <a14:hiddenLine xmlns="" xmlns:a14="http://schemas.microsoft.com/office/drawing/2010/main" w="9525">
                 <a:solidFill>
                   <a:schemeClr val="tx1"/>
                 </a:solidFill>
@@ -12278,7 +12269,7 @@
     </p:spTree>
     <p:extLst>
       <p:ext uri="{BB962C8B-B14F-4D97-AF65-F5344CB8AC3E}">
-        <p14:creationId xmlns:p14="http://schemas.microsoft.com/office/powerpoint/2010/main" val="4095403324"/>
+        <p14:creationId xmlns="" xmlns:p14="http://schemas.microsoft.com/office/powerpoint/2010/main" val="4095403324"/>
       </p:ext>
     </p:extLst>
   </p:cSld>
@@ -12682,7 +12673,7 @@
     </p:spTree>
     <p:extLst>
       <p:ext uri="{BB962C8B-B14F-4D97-AF65-F5344CB8AC3E}">
-        <p14:creationId xmlns:p14="http://schemas.microsoft.com/office/powerpoint/2010/main" val="3638912164"/>
+        <p14:creationId xmlns="" xmlns:p14="http://schemas.microsoft.com/office/powerpoint/2010/main" val="3638912164"/>
       </p:ext>
     </p:extLst>
   </p:cSld>
@@ -12705,7 +12696,7 @@
     <p:bg>
       <p:bgPr>
         <a:blipFill dpi="0" rotWithShape="1">
-          <a:blip r:embed="rId2">
+          <a:blip r:embed="rId2" cstate="print">
             <a:lum/>
           </a:blip>
           <a:srcRect/>
@@ -12822,7 +12813,7 @@
     </p:spTree>
     <p:extLst>
       <p:ext uri="{BB962C8B-B14F-4D97-AF65-F5344CB8AC3E}">
-        <p14:creationId xmlns:p14="http://schemas.microsoft.com/office/powerpoint/2010/main" val="2014132127"/>
+        <p14:creationId xmlns="" xmlns:p14="http://schemas.microsoft.com/office/powerpoint/2010/main" val="2014132127"/>
       </p:ext>
     </p:extLst>
   </p:cSld>
@@ -13042,7 +13033,7 @@
     </p:spTree>
     <p:extLst>
       <p:ext uri="{BB962C8B-B14F-4D97-AF65-F5344CB8AC3E}">
-        <p14:creationId xmlns:p14="http://schemas.microsoft.com/office/powerpoint/2010/main" val="3969739975"/>
+        <p14:creationId xmlns="" xmlns:p14="http://schemas.microsoft.com/office/powerpoint/2010/main" val="3969739975"/>
       </p:ext>
     </p:extLst>
   </p:cSld>
@@ -13297,10 +13288,10 @@
     <p:bg>
       <p:bgPr>
         <a:blipFill dpi="0" rotWithShape="1">
-          <a:blip r:embed="rId2">
+          <a:blip r:embed="rId2" cstate="print">
             <a:extLst>
               <a:ext uri="{BEBA8EAE-BF5A-486C-A8C5-ECC9F3942E4B}">
-                <a14:imgProps xmlns:a14="http://schemas.microsoft.com/office/drawing/2010/main">
+                <a14:imgProps xmlns="" xmlns:a14="http://schemas.microsoft.com/office/drawing/2010/main">
                   <a14:imgLayer r:embed="rId3">
                     <a14:imgEffect>
                       <a14:brightnessContrast bright="20000" contrast="20000"/>
@@ -13379,7 +13370,7 @@
     </p:spTree>
     <p:extLst>
       <p:ext uri="{BB962C8B-B14F-4D97-AF65-F5344CB8AC3E}">
-        <p14:creationId xmlns:p14="http://schemas.microsoft.com/office/powerpoint/2010/main" val="2076023163"/>
+        <p14:creationId xmlns="" xmlns:p14="http://schemas.microsoft.com/office/powerpoint/2010/main" val="2076023163"/>
       </p:ext>
     </p:extLst>
   </p:cSld>
@@ -13580,7 +13571,7 @@
     </p:spTree>
     <p:extLst>
       <p:ext uri="{BB962C8B-B14F-4D97-AF65-F5344CB8AC3E}">
-        <p14:creationId xmlns:p14="http://schemas.microsoft.com/office/powerpoint/2010/main" val="2487940866"/>
+        <p14:creationId xmlns="" xmlns:p14="http://schemas.microsoft.com/office/powerpoint/2010/main" val="2487940866"/>
       </p:ext>
     </p:extLst>
   </p:cSld>
@@ -13838,10 +13829,36 @@
           </a:p>
         </p:txBody>
       </p:sp>
+      <p:pic>
+        <p:nvPicPr>
+          <p:cNvPr id="1026" name="Picture 2" descr="D:\working_copy\java_two\2013\images.jpg"/>
+          <p:cNvPicPr>
+            <a:picLocks noChangeAspect="1" noChangeArrowheads="1"/>
+          </p:cNvPicPr>
+          <p:nvPr/>
+        </p:nvPicPr>
+        <p:blipFill>
+          <a:blip r:embed="rId2" cstate="print"/>
+          <a:srcRect/>
+          <a:stretch>
+            <a:fillRect/>
+          </a:stretch>
+        </p:blipFill>
+        <p:spPr bwMode="auto">
+          <a:xfrm>
+            <a:off x="5004048" y="1844824"/>
+            <a:ext cx="2286000" cy="1524000"/>
+          </a:xfrm>
+          <a:prstGeom prst="rect">
+            <a:avLst/>
+          </a:prstGeom>
+          <a:noFill/>
+        </p:spPr>
+      </p:pic>
     </p:spTree>
     <p:extLst>
       <p:ext uri="{BB962C8B-B14F-4D97-AF65-F5344CB8AC3E}">
-        <p14:creationId xmlns:p14="http://schemas.microsoft.com/office/powerpoint/2010/main" val="2598038300"/>
+        <p14:creationId xmlns="" xmlns:p14="http://schemas.microsoft.com/office/powerpoint/2010/main" val="2598038300"/>
       </p:ext>
     </p:extLst>
   </p:cSld>
@@ -14147,10 +14164,10 @@
           <p:nvPr/>
         </p:nvPicPr>
         <p:blipFill>
-          <a:blip r:embed="rId2">
+          <a:blip r:embed="rId2" cstate="print">
             <a:extLst>
               <a:ext uri="{28A0092B-C50C-407E-A947-70E740481C1C}">
-                <a14:useLocalDpi xmlns:a14="http://schemas.microsoft.com/office/drawing/2010/main" val="0"/>
+                <a14:useLocalDpi xmlns="" xmlns:a14="http://schemas.microsoft.com/office/drawing/2010/main" val="0"/>
               </a:ext>
             </a:extLst>
           </a:blip>
@@ -14170,7 +14187,7 @@
           <a:noFill/>
           <a:extLst>
             <a:ext uri="{909E8E84-426E-40DD-AFC4-6F175D3DCCD1}">
-              <a14:hiddenFill xmlns:a14="http://schemas.microsoft.com/office/drawing/2010/main">
+              <a14:hiddenFill xmlns="" xmlns:a14="http://schemas.microsoft.com/office/drawing/2010/main">
                 <a:solidFill>
                   <a:srgbClr val="FFFFFF"/>
                 </a:solidFill>
@@ -14334,7 +14351,7 @@
     </p:spTree>
     <p:extLst>
       <p:ext uri="{BB962C8B-B14F-4D97-AF65-F5344CB8AC3E}">
-        <p14:creationId xmlns:p14="http://schemas.microsoft.com/office/powerpoint/2010/main" val="3402615153"/>
+        <p14:creationId xmlns="" xmlns:p14="http://schemas.microsoft.com/office/powerpoint/2010/main" val="3402615153"/>
       </p:ext>
     </p:extLst>
   </p:cSld>
@@ -14800,10 +14817,10 @@
           <p:nvPr/>
         </p:nvPicPr>
         <p:blipFill>
-          <a:blip r:embed="rId2">
+          <a:blip r:embed="rId2" cstate="print">
             <a:extLst>
               <a:ext uri="{28A0092B-C50C-407E-A947-70E740481C1C}">
-                <a14:useLocalDpi xmlns:a14="http://schemas.microsoft.com/office/drawing/2010/main" val="0"/>
+                <a14:useLocalDpi xmlns="" xmlns:a14="http://schemas.microsoft.com/office/drawing/2010/main" val="0"/>
               </a:ext>
             </a:extLst>
           </a:blip>
@@ -14823,7 +14840,7 @@
           <a:noFill/>
           <a:extLst>
             <a:ext uri="{909E8E84-426E-40DD-AFC4-6F175D3DCCD1}">
-              <a14:hiddenFill xmlns:a14="http://schemas.microsoft.com/office/drawing/2010/main">
+              <a14:hiddenFill xmlns="" xmlns:a14="http://schemas.microsoft.com/office/drawing/2010/main">
                 <a:solidFill>
                   <a:srgbClr val="FFFFFF"/>
                 </a:solidFill>
@@ -14835,7 +14852,7 @@
     </p:spTree>
     <p:extLst>
       <p:ext uri="{BB962C8B-B14F-4D97-AF65-F5344CB8AC3E}">
-        <p14:creationId xmlns:p14="http://schemas.microsoft.com/office/powerpoint/2010/main" val="3035651709"/>
+        <p14:creationId xmlns="" xmlns:p14="http://schemas.microsoft.com/office/powerpoint/2010/main" val="3035651709"/>
       </p:ext>
     </p:extLst>
   </p:cSld>
@@ -14878,10 +14895,10 @@
           <p:nvPr/>
         </p:nvPicPr>
         <p:blipFill>
-          <a:blip r:embed="rId2">
+          <a:blip r:embed="rId2" cstate="print">
             <a:extLst>
               <a:ext uri="{28A0092B-C50C-407E-A947-70E740481C1C}">
-                <a14:useLocalDpi xmlns:a14="http://schemas.microsoft.com/office/drawing/2010/main" val="0"/>
+                <a14:useLocalDpi xmlns="" xmlns:a14="http://schemas.microsoft.com/office/drawing/2010/main" val="0"/>
               </a:ext>
             </a:extLst>
           </a:blip>
@@ -14901,7 +14918,7 @@
           <a:noFill/>
           <a:extLst>
             <a:ext uri="{909E8E84-426E-40DD-AFC4-6F175D3DCCD1}">
-              <a14:hiddenFill xmlns:a14="http://schemas.microsoft.com/office/drawing/2010/main">
+              <a14:hiddenFill xmlns="" xmlns:a14="http://schemas.microsoft.com/office/drawing/2010/main">
                 <a:solidFill>
                   <a:srgbClr val="FFFFFF"/>
                 </a:solidFill>
@@ -15119,7 +15136,7 @@
     </p:spTree>
     <p:extLst>
       <p:ext uri="{BB962C8B-B14F-4D97-AF65-F5344CB8AC3E}">
-        <p14:creationId xmlns:p14="http://schemas.microsoft.com/office/powerpoint/2010/main" val="1357424982"/>
+        <p14:creationId xmlns="" xmlns:p14="http://schemas.microsoft.com/office/powerpoint/2010/main" val="1357424982"/>
       </p:ext>
     </p:extLst>
   </p:cSld>
@@ -15326,7 +15343,7 @@
     </p:spTree>
     <p:extLst>
       <p:ext uri="{BB962C8B-B14F-4D97-AF65-F5344CB8AC3E}">
-        <p14:creationId xmlns:p14="http://schemas.microsoft.com/office/powerpoint/2010/main" val="65311128"/>
+        <p14:creationId xmlns="" xmlns:p14="http://schemas.microsoft.com/office/powerpoint/2010/main" val="65311128"/>
       </p:ext>
     </p:extLst>
   </p:cSld>
@@ -15516,7 +15533,7 @@
     </p:spTree>
     <p:extLst>
       <p:ext uri="{BB962C8B-B14F-4D97-AF65-F5344CB8AC3E}">
-        <p14:creationId xmlns:p14="http://schemas.microsoft.com/office/powerpoint/2010/main" val="1779135197"/>
+        <p14:creationId xmlns="" xmlns:p14="http://schemas.microsoft.com/office/powerpoint/2010/main" val="1779135197"/>
       </p:ext>
     </p:extLst>
   </p:cSld>
@@ -15785,7 +15802,7 @@
     </p:spTree>
     <p:extLst>
       <p:ext uri="{BB962C8B-B14F-4D97-AF65-F5344CB8AC3E}">
-        <p14:creationId xmlns:p14="http://schemas.microsoft.com/office/powerpoint/2010/main" val="724910203"/>
+        <p14:creationId xmlns="" xmlns:p14="http://schemas.microsoft.com/office/powerpoint/2010/main" val="724910203"/>
       </p:ext>
     </p:extLst>
   </p:cSld>
@@ -15828,10 +15845,10 @@
           <p:nvPr/>
         </p:nvPicPr>
         <p:blipFill>
-          <a:blip r:embed="rId2">
+          <a:blip r:embed="rId2" cstate="print">
             <a:extLst>
               <a:ext uri="{28A0092B-C50C-407E-A947-70E740481C1C}">
-                <a14:useLocalDpi xmlns:a14="http://schemas.microsoft.com/office/drawing/2010/main" val="0"/>
+                <a14:useLocalDpi xmlns="" xmlns:a14="http://schemas.microsoft.com/office/drawing/2010/main" val="0"/>
               </a:ext>
             </a:extLst>
           </a:blip>
@@ -15851,7 +15868,7 @@
           <a:noFill/>
           <a:extLst>
             <a:ext uri="{909E8E84-426E-40DD-AFC4-6F175D3DCCD1}">
-              <a14:hiddenFill xmlns:a14="http://schemas.microsoft.com/office/drawing/2010/main">
+              <a14:hiddenFill xmlns="" xmlns:a14="http://schemas.microsoft.com/office/drawing/2010/main">
                 <a:solidFill>
                   <a:srgbClr val="FFFFFF"/>
                 </a:solidFill>
@@ -15901,7 +15918,7 @@
     </p:spTree>
     <p:extLst>
       <p:ext uri="{BB962C8B-B14F-4D97-AF65-F5344CB8AC3E}">
-        <p14:creationId xmlns:p14="http://schemas.microsoft.com/office/powerpoint/2010/main" val="2425795240"/>
+        <p14:creationId xmlns="" xmlns:p14="http://schemas.microsoft.com/office/powerpoint/2010/main" val="2425795240"/>
       </p:ext>
     </p:extLst>
   </p:cSld>
@@ -16111,7 +16128,7 @@
     </p:spTree>
     <p:extLst>
       <p:ext uri="{BB962C8B-B14F-4D97-AF65-F5344CB8AC3E}">
-        <p14:creationId xmlns:p14="http://schemas.microsoft.com/office/powerpoint/2010/main" val="3770495909"/>
+        <p14:creationId xmlns="" xmlns:p14="http://schemas.microsoft.com/office/powerpoint/2010/main" val="3770495909"/>
       </p:ext>
     </p:extLst>
   </p:cSld>
@@ -16192,7 +16209,7 @@
         </p:spPr>
         <p:txBody>
           <a:bodyPr>
-            <a:normAutofit/>
+            <a:normAutofit lnSpcReduction="10000"/>
           </a:bodyPr>
           <a:lstStyle/>
           <a:p>
@@ -16257,7 +16274,35 @@
                 <a:latin typeface="微軟正黑體" pitchFamily="34" charset="-120"/>
                 <a:ea typeface="微軟正黑體" pitchFamily="34" charset="-120"/>
               </a:rPr>
-              <a:t>的東西，對</a:t>
+              <a:t>的東西</a:t>
+            </a:r>
+            <a:r>
+              <a:rPr lang="en-US" altLang="zh-TW" dirty="0" smtClean="0">
+                <a:latin typeface="微軟正黑體" pitchFamily="34" charset="-120"/>
+                <a:ea typeface="微軟正黑體" pitchFamily="34" charset="-120"/>
+              </a:rPr>
+              <a:t>(JMX</a:t>
+            </a:r>
+            <a:r>
+              <a:rPr lang="zh-TW" altLang="en-US" dirty="0" smtClean="0">
+                <a:latin typeface="微軟正黑體" pitchFamily="34" charset="-120"/>
+                <a:ea typeface="微軟正黑體" pitchFamily="34" charset="-120"/>
+              </a:rPr>
+              <a:t>除外</a:t>
+            </a:r>
+            <a:r>
+              <a:rPr lang="en-US" altLang="zh-TW" dirty="0" smtClean="0">
+                <a:latin typeface="微軟正黑體" pitchFamily="34" charset="-120"/>
+                <a:ea typeface="微軟正黑體" pitchFamily="34" charset="-120"/>
+              </a:rPr>
+              <a:t>)</a:t>
+            </a:r>
+            <a:r>
+              <a:rPr lang="zh-TW" altLang="en-US" dirty="0" smtClean="0">
+                <a:latin typeface="微軟正黑體" pitchFamily="34" charset="-120"/>
+                <a:ea typeface="微軟正黑體" pitchFamily="34" charset="-120"/>
+              </a:rPr>
+              <a:t>，對</a:t>
             </a:r>
             <a:r>
               <a:rPr lang="en-US" altLang="zh-TW" dirty="0" smtClean="0">
@@ -16354,7 +16399,7 @@
           <a:blip r:embed="rId2" cstate="print">
             <a:extLst>
               <a:ext uri="{28A0092B-C50C-407E-A947-70E740481C1C}">
-                <a14:useLocalDpi xmlns:a14="http://schemas.microsoft.com/office/drawing/2010/main" val="0"/>
+                <a14:useLocalDpi xmlns="" xmlns:a14="http://schemas.microsoft.com/office/drawing/2010/main" val="0"/>
               </a:ext>
             </a:extLst>
           </a:blip>
@@ -16374,7 +16419,7 @@
           <a:noFill/>
           <a:extLst>
             <a:ext uri="{909E8E84-426E-40DD-AFC4-6F175D3DCCD1}">
-              <a14:hiddenFill xmlns:a14="http://schemas.microsoft.com/office/drawing/2010/main">
+              <a14:hiddenFill xmlns="" xmlns:a14="http://schemas.microsoft.com/office/drawing/2010/main">
                 <a:solidFill>
                   <a:srgbClr val="FFFFFF"/>
                 </a:solidFill>
@@ -16386,7 +16431,7 @@
     </p:spTree>
     <p:extLst>
       <p:ext uri="{BB962C8B-B14F-4D97-AF65-F5344CB8AC3E}">
-        <p14:creationId xmlns:p14="http://schemas.microsoft.com/office/powerpoint/2010/main" val="270652714"/>
+        <p14:creationId xmlns="" xmlns:p14="http://schemas.microsoft.com/office/powerpoint/2010/main" val="270652714"/>
       </p:ext>
     </p:extLst>
   </p:cSld>
@@ -16606,7 +16651,7 @@
     <p:bg>
       <p:bgPr>
         <a:blipFill dpi="0" rotWithShape="1">
-          <a:blip r:embed="rId2">
+          <a:blip r:embed="rId2" cstate="print">
             <a:lum/>
           </a:blip>
           <a:srcRect/>
@@ -16681,7 +16726,7 @@
     </p:spTree>
     <p:extLst>
       <p:ext uri="{BB962C8B-B14F-4D97-AF65-F5344CB8AC3E}">
-        <p14:creationId xmlns:p14="http://schemas.microsoft.com/office/powerpoint/2010/main" val="2704685707"/>
+        <p14:creationId xmlns="" xmlns:p14="http://schemas.microsoft.com/office/powerpoint/2010/main" val="2704685707"/>
       </p:ext>
     </p:extLst>
   </p:cSld>
@@ -16724,10 +16769,10 @@
           <p:nvPr/>
         </p:nvPicPr>
         <p:blipFill>
-          <a:blip r:embed="rId2">
+          <a:blip r:embed="rId2" cstate="print">
             <a:extLst>
               <a:ext uri="{28A0092B-C50C-407E-A947-70E740481C1C}">
-                <a14:useLocalDpi xmlns:a14="http://schemas.microsoft.com/office/drawing/2010/main" val="0"/>
+                <a14:useLocalDpi xmlns="" xmlns:a14="http://schemas.microsoft.com/office/drawing/2010/main" val="0"/>
               </a:ext>
             </a:extLst>
           </a:blip>
@@ -16747,7 +16792,7 @@
           <a:noFill/>
           <a:extLst>
             <a:ext uri="{909E8E84-426E-40DD-AFC4-6F175D3DCCD1}">
-              <a14:hiddenFill xmlns:a14="http://schemas.microsoft.com/office/drawing/2010/main">
+              <a14:hiddenFill xmlns="" xmlns:a14="http://schemas.microsoft.com/office/drawing/2010/main">
                 <a:solidFill>
                   <a:srgbClr val="FFFFFF"/>
                 </a:solidFill>
@@ -16855,15 +16900,6 @@
               </a:rPr>
               <a:t>SLF4J</a:t>
             </a:r>
-            <a:endParaRPr lang="en-US" altLang="zh-TW" dirty="0" smtClean="0">
-              <a:solidFill>
-                <a:schemeClr val="accent6">
-                  <a:lumMod val="75000"/>
-                </a:schemeClr>
-              </a:solidFill>
-              <a:latin typeface="微軟正黑體" pitchFamily="34" charset="-120"/>
-              <a:ea typeface="微軟正黑體" pitchFamily="34" charset="-120"/>
-            </a:endParaRPr>
           </a:p>
           <a:p>
             <a:r>
@@ -17004,7 +17040,7 @@
     </p:spTree>
     <p:extLst>
       <p:ext uri="{BB962C8B-B14F-4D97-AF65-F5344CB8AC3E}">
-        <p14:creationId xmlns:p14="http://schemas.microsoft.com/office/powerpoint/2010/main" val="2506933976"/>
+        <p14:creationId xmlns="" xmlns:p14="http://schemas.microsoft.com/office/powerpoint/2010/main" val="2506933976"/>
       </p:ext>
     </p:extLst>
   </p:cSld>
@@ -17402,62 +17438,55 @@
               <a:buAutoNum type="arabicPeriod"/>
             </a:pPr>
             <a:r>
-              <a:rPr lang="zh-TW" altLang="en-US" sz="2800" dirty="0" smtClean="0">
+              <a:rPr lang="zh-TW" altLang="en-US" sz="2400" dirty="0" smtClean="0">
                 <a:latin typeface="微軟正黑體" pitchFamily="34" charset="-120"/>
                 <a:ea typeface="微軟正黑體" pitchFamily="34" charset="-120"/>
               </a:rPr>
               <a:t>呈現</a:t>
             </a:r>
             <a:r>
-              <a:rPr lang="en-US" altLang="zh-TW" sz="2800" dirty="0" smtClean="0">
+              <a:rPr lang="en-US" altLang="zh-TW" sz="2400" dirty="0" smtClean="0">
                 <a:latin typeface="微軟正黑體" pitchFamily="34" charset="-120"/>
                 <a:ea typeface="微軟正黑體" pitchFamily="34" charset="-120"/>
               </a:rPr>
               <a:t>Log</a:t>
             </a:r>
             <a:r>
-              <a:rPr lang="zh-TW" altLang="en-US" sz="2800" dirty="0" smtClean="0">
+              <a:rPr lang="zh-TW" altLang="en-US" sz="2400" dirty="0" smtClean="0">
                 <a:latin typeface="微軟正黑體" pitchFamily="34" charset="-120"/>
                 <a:ea typeface="微軟正黑體" pitchFamily="34" charset="-120"/>
               </a:rPr>
               <a:t>與 </a:t>
             </a:r>
             <a:r>
-              <a:rPr lang="en-US" altLang="zh-TW" sz="2800" dirty="0" smtClean="0">
+              <a:rPr lang="en-US" altLang="zh-TW" sz="2400" dirty="0" smtClean="0">
                 <a:latin typeface="微軟正黑體" pitchFamily="34" charset="-120"/>
                 <a:ea typeface="微軟正黑體" pitchFamily="34" charset="-120"/>
               </a:rPr>
               <a:t>Log</a:t>
             </a:r>
             <a:r>
-              <a:rPr lang="zh-TW" altLang="en-US" sz="2800" dirty="0" smtClean="0">
-                <a:latin typeface="微軟正黑體" pitchFamily="34" charset="-120"/>
-                <a:ea typeface="微軟正黑體" pitchFamily="34" charset="-120"/>
-              </a:rPr>
-              <a:t>間的</a:t>
-            </a:r>
-            <a:r>
-              <a:rPr lang="zh-TW" altLang="en-US" sz="2800" dirty="0" smtClean="0">
-                <a:latin typeface="微軟正黑體" pitchFamily="34" charset="-120"/>
-                <a:ea typeface="微軟正黑體" pitchFamily="34" charset="-120"/>
-              </a:rPr>
-              <a:t>資訊</a:t>
-            </a:r>
-            <a:r>
-              <a:rPr lang="en-US" altLang="zh-TW" sz="2000" dirty="0" smtClean="0">
+              <a:rPr lang="zh-TW" altLang="en-US" sz="2400" dirty="0" smtClean="0">
+                <a:latin typeface="微軟正黑體" pitchFamily="34" charset="-120"/>
+                <a:ea typeface="微軟正黑體" pitchFamily="34" charset="-120"/>
+              </a:rPr>
+              <a:t>間資訊的能力</a:t>
+            </a:r>
+            <a:r>
+              <a:rPr lang="en-US" altLang="zh-TW" sz="2400" dirty="0" smtClean="0">
                 <a:latin typeface="微軟正黑體" pitchFamily="34" charset="-120"/>
                 <a:ea typeface="微軟正黑體" pitchFamily="34" charset="-120"/>
               </a:rPr>
               <a:t>(e.g. elapsed time)</a:t>
             </a:r>
             <a:r>
-              <a:rPr lang="zh-TW" altLang="en-US" dirty="0" smtClean="0">
-                <a:latin typeface="微軟正黑體" pitchFamily="34" charset="-120"/>
-                <a:ea typeface="微軟正黑體" pitchFamily="34" charset="-120"/>
-              </a:rPr>
-              <a:t>較弱。</a:t>
-            </a:r>
-            <a:endParaRPr lang="en-US" altLang="zh-TW" dirty="0" smtClean="0">
+              <a:rPr lang="zh-TW" altLang="en-US" sz="2400" dirty="0" smtClean="0">
+                <a:latin typeface="微軟正黑體" pitchFamily="34" charset="-120"/>
+                <a:ea typeface="微軟正黑體" pitchFamily="34" charset="-120"/>
+              </a:rPr>
+              <a:t>較弱</a:t>
+            </a:r>
+            <a:endParaRPr lang="en-US" altLang="zh-TW" sz="2400" dirty="0" smtClean="0">
               <a:latin typeface="微軟正黑體" pitchFamily="34" charset="-120"/>
               <a:ea typeface="微軟正黑體" pitchFamily="34" charset="-120"/>
             </a:endParaRPr>
@@ -17494,35 +17523,21 @@
                 <a:latin typeface="微軟正黑體" pitchFamily="34" charset="-120"/>
                 <a:ea typeface="微軟正黑體" pitchFamily="34" charset="-120"/>
               </a:rPr>
-              <a:t>有沒有什麼辦法，能夠</a:t>
+              <a:t>有沒有什麼辦法，能夠利用</a:t>
+            </a:r>
+            <a:r>
+              <a:rPr lang="en-US" altLang="zh-TW" dirty="0" smtClean="0">
+                <a:latin typeface="微軟正黑體" pitchFamily="34" charset="-120"/>
+                <a:ea typeface="微軟正黑體" pitchFamily="34" charset="-120"/>
+              </a:rPr>
+              <a:t>Log</a:t>
             </a:r>
             <a:r>
               <a:rPr lang="zh-TW" altLang="en-US" dirty="0" smtClean="0">
                 <a:latin typeface="微軟正黑體" pitchFamily="34" charset="-120"/>
                 <a:ea typeface="微軟正黑體" pitchFamily="34" charset="-120"/>
               </a:rPr>
-              <a:t>利用</a:t>
-            </a:r>
-            <a:r>
-              <a:rPr lang="en-US" altLang="zh-TW" dirty="0" smtClean="0">
-                <a:latin typeface="微軟正黑體" pitchFamily="34" charset="-120"/>
-                <a:ea typeface="微軟正黑體" pitchFamily="34" charset="-120"/>
-              </a:rPr>
-              <a:t>Log</a:t>
-            </a:r>
-            <a:r>
-              <a:rPr lang="zh-TW" altLang="en-US" dirty="0" smtClean="0">
-                <a:latin typeface="微軟正黑體" pitchFamily="34" charset="-120"/>
-                <a:ea typeface="微軟正黑體" pitchFamily="34" charset="-120"/>
-              </a:rPr>
-              <a:t>的</a:t>
-            </a:r>
-            <a:r>
-              <a:rPr lang="zh-TW" altLang="en-US" dirty="0" smtClean="0">
-                <a:latin typeface="微軟正黑體" pitchFamily="34" charset="-120"/>
-                <a:ea typeface="微軟正黑體" pitchFamily="34" charset="-120"/>
-              </a:rPr>
-              <a:t>優點但躲開缺點呢？</a:t>
+              <a:t>的優點但躲開缺點呢？</a:t>
             </a:r>
             <a:endParaRPr lang="en-US" altLang="zh-TW" dirty="0" smtClean="0">
               <a:latin typeface="微軟正黑體" pitchFamily="34" charset="-120"/>
@@ -17534,7 +17549,7 @@
     </p:spTree>
     <p:extLst>
       <p:ext uri="{BB962C8B-B14F-4D97-AF65-F5344CB8AC3E}">
-        <p14:creationId xmlns:p14="http://schemas.microsoft.com/office/powerpoint/2010/main" val="3827699426"/>
+        <p14:creationId xmlns="" xmlns:p14="http://schemas.microsoft.com/office/powerpoint/2010/main" val="3827699426"/>
       </p:ext>
     </p:extLst>
   </p:cSld>
@@ -17747,10 +17762,10 @@
           <p:nvPr/>
         </p:nvPicPr>
         <p:blipFill>
-          <a:blip r:embed="rId3">
+          <a:blip r:embed="rId3" cstate="print">
             <a:extLst>
               <a:ext uri="{28A0092B-C50C-407E-A947-70E740481C1C}">
-                <a14:useLocalDpi xmlns:a14="http://schemas.microsoft.com/office/drawing/2010/main" val="0"/>
+                <a14:useLocalDpi xmlns="" xmlns:a14="http://schemas.microsoft.com/office/drawing/2010/main" val="0"/>
               </a:ext>
             </a:extLst>
           </a:blip>
@@ -17770,7 +17785,7 @@
           <a:noFill/>
           <a:extLst>
             <a:ext uri="{909E8E84-426E-40DD-AFC4-6F175D3DCCD1}">
-              <a14:hiddenFill xmlns:a14="http://schemas.microsoft.com/office/drawing/2010/main">
+              <a14:hiddenFill xmlns="" xmlns:a14="http://schemas.microsoft.com/office/drawing/2010/main">
                 <a:solidFill>
                   <a:srgbClr val="FFFFFF"/>
                 </a:solidFill>
@@ -17933,10 +17948,6 @@
               </a:rPr>
               <a:t>elapsed time</a:t>
             </a:r>
-            <a:endParaRPr lang="en-US" altLang="zh-TW" dirty="0" smtClean="0">
-              <a:latin typeface="微軟正黑體" pitchFamily="34" charset="-120"/>
-              <a:ea typeface="微軟正黑體" pitchFamily="34" charset="-120"/>
-            </a:endParaRPr>
           </a:p>
           <a:p>
             <a:pPr marL="0" indent="0">
@@ -17991,7 +18002,7 @@
     </p:spTree>
     <p:extLst>
       <p:ext uri="{BB962C8B-B14F-4D97-AF65-F5344CB8AC3E}">
-        <p14:creationId xmlns:p14="http://schemas.microsoft.com/office/powerpoint/2010/main" val="2762861684"/>
+        <p14:creationId xmlns="" xmlns:p14="http://schemas.microsoft.com/office/powerpoint/2010/main" val="2762861684"/>
       </p:ext>
     </p:extLst>
   </p:cSld>
@@ -18001,7 +18012,213 @@
   <p:timing>
     <p:tnLst>
       <p:par>
-        <p:cTn id="1" dur="indefinite" restart="never" nodeType="tmRoot"/>
+        <p:cTn id="1" dur="indefinite" restart="never" nodeType="tmRoot">
+          <p:childTnLst>
+            <p:seq concurrent="1" nextAc="seek">
+              <p:cTn id="2" dur="indefinite" nodeType="mainSeq">
+                <p:childTnLst>
+                  <p:par>
+                    <p:cTn id="3" fill="hold">
+                      <p:stCondLst>
+                        <p:cond delay="indefinite"/>
+                      </p:stCondLst>
+                      <p:childTnLst>
+                        <p:par>
+                          <p:cTn id="4" fill="hold">
+                            <p:stCondLst>
+                              <p:cond delay="0"/>
+                            </p:stCondLst>
+                            <p:childTnLst>
+                              <p:par>
+                                <p:cTn id="5" presetID="4" presetClass="entr" presetSubtype="16" fill="hold" nodeType="clickEffect">
+                                  <p:stCondLst>
+                                    <p:cond delay="0"/>
+                                  </p:stCondLst>
+                                  <p:childTnLst>
+                                    <p:set>
+                                      <p:cBhvr>
+                                        <p:cTn id="6" dur="1" fill="hold">
+                                          <p:stCondLst>
+                                            <p:cond delay="0"/>
+                                          </p:stCondLst>
+                                        </p:cTn>
+                                        <p:tgtEl>
+                                          <p:spTgt spid="5">
+                                            <p:txEl>
+                                              <p:pRg st="2" end="2"/>
+                                            </p:txEl>
+                                          </p:spTgt>
+                                        </p:tgtEl>
+                                        <p:attrNameLst>
+                                          <p:attrName>style.visibility</p:attrName>
+                                        </p:attrNameLst>
+                                      </p:cBhvr>
+                                      <p:to>
+                                        <p:strVal val="visible"/>
+                                      </p:to>
+                                    </p:set>
+                                    <p:animEffect transition="in" filter="box(in)">
+                                      <p:cBhvr>
+                                        <p:cTn id="7" dur="500"/>
+                                        <p:tgtEl>
+                                          <p:spTgt spid="5">
+                                            <p:txEl>
+                                              <p:pRg st="2" end="2"/>
+                                            </p:txEl>
+                                          </p:spTgt>
+                                        </p:tgtEl>
+                                      </p:cBhvr>
+                                    </p:animEffect>
+                                  </p:childTnLst>
+                                </p:cTn>
+                              </p:par>
+                            </p:childTnLst>
+                          </p:cTn>
+                        </p:par>
+                      </p:childTnLst>
+                    </p:cTn>
+                  </p:par>
+                  <p:par>
+                    <p:cTn id="8" fill="hold">
+                      <p:stCondLst>
+                        <p:cond delay="indefinite"/>
+                      </p:stCondLst>
+                      <p:childTnLst>
+                        <p:par>
+                          <p:cTn id="9" fill="hold">
+                            <p:stCondLst>
+                              <p:cond delay="0"/>
+                            </p:stCondLst>
+                            <p:childTnLst>
+                              <p:par>
+                                <p:cTn id="10" presetID="4" presetClass="entr" presetSubtype="16" fill="hold" nodeType="clickEffect">
+                                  <p:stCondLst>
+                                    <p:cond delay="0"/>
+                                  </p:stCondLst>
+                                  <p:childTnLst>
+                                    <p:set>
+                                      <p:cBhvr>
+                                        <p:cTn id="11" dur="1" fill="hold">
+                                          <p:stCondLst>
+                                            <p:cond delay="0"/>
+                                          </p:stCondLst>
+                                        </p:cTn>
+                                        <p:tgtEl>
+                                          <p:spTgt spid="5">
+                                            <p:txEl>
+                                              <p:pRg st="3" end="3"/>
+                                            </p:txEl>
+                                          </p:spTgt>
+                                        </p:tgtEl>
+                                        <p:attrNameLst>
+                                          <p:attrName>style.visibility</p:attrName>
+                                        </p:attrNameLst>
+                                      </p:cBhvr>
+                                      <p:to>
+                                        <p:strVal val="visible"/>
+                                      </p:to>
+                                    </p:set>
+                                    <p:animEffect transition="in" filter="box(in)">
+                                      <p:cBhvr>
+                                        <p:cTn id="12" dur="500"/>
+                                        <p:tgtEl>
+                                          <p:spTgt spid="5">
+                                            <p:txEl>
+                                              <p:pRg st="3" end="3"/>
+                                            </p:txEl>
+                                          </p:spTgt>
+                                        </p:tgtEl>
+                                      </p:cBhvr>
+                                    </p:animEffect>
+                                  </p:childTnLst>
+                                </p:cTn>
+                              </p:par>
+                            </p:childTnLst>
+                          </p:cTn>
+                        </p:par>
+                      </p:childTnLst>
+                    </p:cTn>
+                  </p:par>
+                  <p:par>
+                    <p:cTn id="13" fill="hold">
+                      <p:stCondLst>
+                        <p:cond delay="indefinite"/>
+                      </p:stCondLst>
+                      <p:childTnLst>
+                        <p:par>
+                          <p:cTn id="14" fill="hold">
+                            <p:stCondLst>
+                              <p:cond delay="0"/>
+                            </p:stCondLst>
+                            <p:childTnLst>
+                              <p:par>
+                                <p:cTn id="15" presetID="4" presetClass="entr" presetSubtype="16" fill="hold" nodeType="clickEffect">
+                                  <p:stCondLst>
+                                    <p:cond delay="0"/>
+                                  </p:stCondLst>
+                                  <p:childTnLst>
+                                    <p:set>
+                                      <p:cBhvr>
+                                        <p:cTn id="16" dur="1" fill="hold">
+                                          <p:stCondLst>
+                                            <p:cond delay="0"/>
+                                          </p:stCondLst>
+                                        </p:cTn>
+                                        <p:tgtEl>
+                                          <p:spTgt spid="5">
+                                            <p:txEl>
+                                              <p:pRg st="5" end="5"/>
+                                            </p:txEl>
+                                          </p:spTgt>
+                                        </p:tgtEl>
+                                        <p:attrNameLst>
+                                          <p:attrName>style.visibility</p:attrName>
+                                        </p:attrNameLst>
+                                      </p:cBhvr>
+                                      <p:to>
+                                        <p:strVal val="visible"/>
+                                      </p:to>
+                                    </p:set>
+                                    <p:animEffect transition="in" filter="box(in)">
+                                      <p:cBhvr>
+                                        <p:cTn id="17" dur="500"/>
+                                        <p:tgtEl>
+                                          <p:spTgt spid="5">
+                                            <p:txEl>
+                                              <p:pRg st="5" end="5"/>
+                                            </p:txEl>
+                                          </p:spTgt>
+                                        </p:tgtEl>
+                                      </p:cBhvr>
+                                    </p:animEffect>
+                                  </p:childTnLst>
+                                </p:cTn>
+                              </p:par>
+                            </p:childTnLst>
+                          </p:cTn>
+                        </p:par>
+                      </p:childTnLst>
+                    </p:cTn>
+                  </p:par>
+                </p:childTnLst>
+              </p:cTn>
+              <p:prevCondLst>
+                <p:cond evt="onPrev" delay="0">
+                  <p:tgtEl>
+                    <p:sldTgt/>
+                  </p:tgtEl>
+                </p:cond>
+              </p:prevCondLst>
+              <p:nextCondLst>
+                <p:cond evt="onNext" delay="0">
+                  <p:tgtEl>
+                    <p:sldTgt/>
+                  </p:tgtEl>
+                </p:cond>
+              </p:nextCondLst>
+            </p:seq>
+          </p:childTnLst>
+        </p:cTn>
       </p:par>
     </p:tnLst>
   </p:timing>
@@ -18073,7 +18290,7 @@
         </p:nvSpPr>
         <p:spPr>
           <a:xfrm>
-            <a:off x="503548" y="1844824"/>
+            <a:off x="395536" y="1628800"/>
             <a:ext cx="7992888" cy="4824536"/>
           </a:xfrm>
         </p:spPr>
@@ -18156,10 +18373,48 @@
             <a:pPr marL="0" indent="0">
               <a:buNone/>
             </a:pPr>
-            <a:endParaRPr lang="en-US" altLang="zh-TW" dirty="0" smtClean="0">
-              <a:latin typeface="微軟正黑體" pitchFamily="34" charset="-120"/>
-              <a:ea typeface="微軟正黑體" pitchFamily="34" charset="-120"/>
-            </a:endParaRPr>
+            <a:r>
+              <a:rPr lang="zh-TW" altLang="en-US" dirty="0" smtClean="0">
+                <a:latin typeface="微軟正黑體" pitchFamily="34" charset="-120"/>
+                <a:ea typeface="微軟正黑體" pitchFamily="34" charset="-120"/>
+              </a:rPr>
+              <a:t>如果可以利用</a:t>
+            </a:r>
+            <a:r>
+              <a:rPr lang="en-US" altLang="zh-TW" dirty="0" smtClean="0">
+                <a:latin typeface="微軟正黑體" pitchFamily="34" charset="-120"/>
+                <a:ea typeface="微軟正黑體" pitchFamily="34" charset="-120"/>
+              </a:rPr>
+              <a:t>SLF4j</a:t>
+            </a:r>
+            <a:r>
+              <a:rPr lang="zh-TW" altLang="en-US" dirty="0" smtClean="0">
+                <a:latin typeface="微軟正黑體" pitchFamily="34" charset="-120"/>
+                <a:ea typeface="微軟正黑體" pitchFamily="34" charset="-120"/>
+              </a:rPr>
+              <a:t>的介面，作到</a:t>
+            </a:r>
+            <a:r>
+              <a:rPr lang="en-US" altLang="zh-TW" dirty="0" smtClean="0">
+                <a:latin typeface="微軟正黑體" pitchFamily="34" charset="-120"/>
+                <a:ea typeface="微軟正黑體" pitchFamily="34" charset="-120"/>
+              </a:rPr>
+              <a:t>BB</a:t>
+            </a:r>
+            <a:r>
+              <a:rPr lang="zh-TW" altLang="en-US" dirty="0" smtClean="0">
+                <a:latin typeface="微軟正黑體" pitchFamily="34" charset="-120"/>
+                <a:ea typeface="微軟正黑體" pitchFamily="34" charset="-120"/>
+              </a:rPr>
+              <a:t>的功能</a:t>
+            </a:r>
+            <a:r>
+              <a:rPr lang="en-US" altLang="zh-TW" dirty="0" smtClean="0">
+                <a:latin typeface="微軟正黑體" pitchFamily="34" charset="-120"/>
+                <a:ea typeface="微軟正黑體" pitchFamily="34" charset="-120"/>
+              </a:rPr>
+              <a:t>...</a:t>
+            </a:r>
           </a:p>
         </p:txBody>
       </p:sp>
@@ -18186,10 +18441,10 @@
             <p:nvPr/>
           </p:nvPicPr>
           <p:blipFill>
-            <a:blip r:embed="rId2">
+            <a:blip r:embed="rId2" cstate="print">
               <a:extLst>
                 <a:ext uri="{28A0092B-C50C-407E-A947-70E740481C1C}">
-                  <a14:useLocalDpi xmlns:a14="http://schemas.microsoft.com/office/drawing/2010/main" val="0"/>
+                  <a14:useLocalDpi xmlns="" xmlns:a14="http://schemas.microsoft.com/office/drawing/2010/main" val="0"/>
                 </a:ext>
               </a:extLst>
             </a:blip>
@@ -18209,7 +18464,7 @@
             <a:noFill/>
             <a:extLst>
               <a:ext uri="{909E8E84-426E-40DD-AFC4-6F175D3DCCD1}">
-                <a14:hiddenFill xmlns:a14="http://schemas.microsoft.com/office/drawing/2010/main">
+                <a14:hiddenFill xmlns="" xmlns:a14="http://schemas.microsoft.com/office/drawing/2010/main">
                   <a:solidFill>
                     <a:srgbClr val="FFFFFF"/>
                   </a:solidFill>
@@ -18227,10 +18482,10 @@
             <p:nvPr/>
           </p:nvPicPr>
           <p:blipFill>
-            <a:blip r:embed="rId3">
+            <a:blip r:embed="rId3" cstate="print">
               <a:extLst>
                 <a:ext uri="{28A0092B-C50C-407E-A947-70E740481C1C}">
-                  <a14:useLocalDpi xmlns:a14="http://schemas.microsoft.com/office/drawing/2010/main" val="0"/>
+                  <a14:useLocalDpi xmlns="" xmlns:a14="http://schemas.microsoft.com/office/drawing/2010/main" val="0"/>
                 </a:ext>
               </a:extLst>
             </a:blip>
@@ -18250,7 +18505,7 @@
             <a:noFill/>
             <a:extLst>
               <a:ext uri="{909E8E84-426E-40DD-AFC4-6F175D3DCCD1}">
-                <a14:hiddenFill xmlns:a14="http://schemas.microsoft.com/office/drawing/2010/main">
+                <a14:hiddenFill xmlns="" xmlns:a14="http://schemas.microsoft.com/office/drawing/2010/main">
                   <a:solidFill>
                     <a:srgbClr val="FFFFFF"/>
                   </a:solidFill>
@@ -18311,7 +18566,7 @@
     </p:spTree>
     <p:extLst>
       <p:ext uri="{BB962C8B-B14F-4D97-AF65-F5344CB8AC3E}">
-        <p14:creationId xmlns:p14="http://schemas.microsoft.com/office/powerpoint/2010/main" val="3852332270"/>
+        <p14:creationId xmlns="" xmlns:p14="http://schemas.microsoft.com/office/powerpoint/2010/main" val="3852332270"/>
       </p:ext>
     </p:extLst>
   </p:cSld>
@@ -18420,6 +18675,55 @@
                       </p:childTnLst>
                     </p:cTn>
                   </p:par>
+                  <p:par>
+                    <p:cTn id="11" fill="hold">
+                      <p:stCondLst>
+                        <p:cond delay="indefinite"/>
+                      </p:stCondLst>
+                      <p:childTnLst>
+                        <p:par>
+                          <p:cTn id="12" fill="hold">
+                            <p:stCondLst>
+                              <p:cond delay="0"/>
+                            </p:stCondLst>
+                            <p:childTnLst>
+                              <p:par>
+                                <p:cTn id="13" presetID="1" presetClass="entr" presetSubtype="0" fill="hold" nodeType="clickEffect">
+                                  <p:stCondLst>
+                                    <p:cond delay="0"/>
+                                  </p:stCondLst>
+                                  <p:childTnLst>
+                                    <p:set>
+                                      <p:cBhvr>
+                                        <p:cTn id="14" dur="1" fill="hold">
+                                          <p:stCondLst>
+                                            <p:cond delay="0"/>
+                                          </p:stCondLst>
+                                        </p:cTn>
+                                        <p:tgtEl>
+                                          <p:spTgt spid="5">
+                                            <p:txEl>
+                                              <p:pRg st="7" end="7"/>
+                                            </p:txEl>
+                                          </p:spTgt>
+                                        </p:tgtEl>
+                                        <p:attrNameLst>
+                                          <p:attrName>style.visibility</p:attrName>
+                                        </p:attrNameLst>
+                                      </p:cBhvr>
+                                      <p:to>
+                                        <p:strVal val="visible"/>
+                                      </p:to>
+                                    </p:set>
+                                  </p:childTnLst>
+                                </p:cTn>
+                              </p:par>
+                            </p:childTnLst>
+                          </p:cTn>
+                        </p:par>
+                      </p:childTnLst>
+                    </p:cTn>
+                  </p:par>
                 </p:childTnLst>
               </p:cTn>
               <p:prevCondLst>
@@ -18451,10 +18755,10 @@
     <p:bg>
       <p:bgPr>
         <a:blipFill dpi="0" rotWithShape="1">
-          <a:blip r:embed="rId2">
+          <a:blip r:embed="rId2" cstate="print">
             <a:extLst>
               <a:ext uri="{BEBA8EAE-BF5A-486C-A8C5-ECC9F3942E4B}">
-                <a14:imgProps xmlns:a14="http://schemas.microsoft.com/office/drawing/2010/main">
+                <a14:imgProps xmlns="" xmlns:a14="http://schemas.microsoft.com/office/drawing/2010/main">
                   <a14:imgLayer r:embed="rId3">
                     <a14:imgEffect>
                       <a14:brightnessContrast bright="20000"/>
@@ -18659,7 +18963,7 @@
     </p:spTree>
     <p:extLst>
       <p:ext uri="{BB962C8B-B14F-4D97-AF65-F5344CB8AC3E}">
-        <p14:creationId xmlns:p14="http://schemas.microsoft.com/office/powerpoint/2010/main" val="121266049"/>
+        <p14:creationId xmlns="" xmlns:p14="http://schemas.microsoft.com/office/powerpoint/2010/main" val="121266049"/>
       </p:ext>
     </p:extLst>
   </p:cSld>
@@ -18780,21 +19084,7 @@
                 <a:latin typeface="微軟正黑體" pitchFamily="34" charset="-120"/>
                 <a:ea typeface="微軟正黑體" pitchFamily="34" charset="-120"/>
               </a:rPr>
-              <a:t>為介面</a:t>
-            </a:r>
-            <a:r>
-              <a:rPr lang="zh-TW" altLang="en-US" dirty="0" smtClean="0">
-                <a:latin typeface="微軟正黑體" pitchFamily="34" charset="-120"/>
-                <a:ea typeface="微軟正黑體" pitchFamily="34" charset="-120"/>
-              </a:rPr>
-              <a:t>的</a:t>
-            </a:r>
-            <a:r>
-              <a:rPr lang="zh-TW" altLang="en-US" dirty="0" smtClean="0">
-                <a:latin typeface="微軟正黑體" pitchFamily="34" charset="-120"/>
-                <a:ea typeface="微軟正黑體" pitchFamily="34" charset="-120"/>
-              </a:rPr>
-              <a:t>實作</a:t>
+              <a:t>為介面的實作</a:t>
             </a:r>
             <a:endParaRPr lang="en-US" altLang="zh-TW" dirty="0" smtClean="0">
               <a:latin typeface="微軟正黑體" pitchFamily="34" charset="-120"/>
@@ -18821,10 +19111,10 @@
           <p:nvPr/>
         </p:nvPicPr>
         <p:blipFill>
-          <a:blip r:embed="rId2">
+          <a:blip r:embed="rId2" cstate="print">
             <a:extLst>
               <a:ext uri="{28A0092B-C50C-407E-A947-70E740481C1C}">
-                <a14:useLocalDpi xmlns:a14="http://schemas.microsoft.com/office/drawing/2010/main" val="0"/>
+                <a14:useLocalDpi xmlns="" xmlns:a14="http://schemas.microsoft.com/office/drawing/2010/main" val="0"/>
               </a:ext>
             </a:extLst>
           </a:blip>
@@ -18847,14 +19137,14 @@
           </a:ln>
           <a:extLst>
             <a:ext uri="{909E8E84-426E-40DD-AFC4-6F175D3DCCD1}">
-              <a14:hiddenFill xmlns:a14="http://schemas.microsoft.com/office/drawing/2010/main">
+              <a14:hiddenFill xmlns="" xmlns:a14="http://schemas.microsoft.com/office/drawing/2010/main">
                 <a:solidFill>
                   <a:schemeClr val="accent1"/>
                 </a:solidFill>
               </a14:hiddenFill>
             </a:ext>
             <a:ext uri="{91240B29-F687-4F45-9708-019B960494DF}">
-              <a14:hiddenLine xmlns:a14="http://schemas.microsoft.com/office/drawing/2010/main" w="9525">
+              <a14:hiddenLine xmlns="" xmlns:a14="http://schemas.microsoft.com/office/drawing/2010/main" w="9525">
                 <a:solidFill>
                   <a:schemeClr val="tx1"/>
                 </a:solidFill>
@@ -19062,7 +19352,7 @@
     </p:spTree>
     <p:extLst>
       <p:ext uri="{BB962C8B-B14F-4D97-AF65-F5344CB8AC3E}">
-        <p14:creationId xmlns:p14="http://schemas.microsoft.com/office/powerpoint/2010/main" val="4196203953"/>
+        <p14:creationId xmlns="" xmlns:p14="http://schemas.microsoft.com/office/powerpoint/2010/main" val="4196203953"/>
       </p:ext>
     </p:extLst>
   </p:cSld>
@@ -20373,7 +20663,7 @@
     </p:spTree>
     <p:extLst>
       <p:ext uri="{BB962C8B-B14F-4D97-AF65-F5344CB8AC3E}">
-        <p14:creationId xmlns:p14="http://schemas.microsoft.com/office/powerpoint/2010/main" val="4263594879"/>
+        <p14:creationId xmlns="" xmlns:p14="http://schemas.microsoft.com/office/powerpoint/2010/main" val="4263594879"/>
       </p:ext>
     </p:extLst>
   </p:cSld>
@@ -21476,7 +21766,7 @@
     </p:spTree>
     <p:extLst>
       <p:ext uri="{BB962C8B-B14F-4D97-AF65-F5344CB8AC3E}">
-        <p14:creationId xmlns:p14="http://schemas.microsoft.com/office/powerpoint/2010/main" val="462013364"/>
+        <p14:creationId xmlns="" xmlns:p14="http://schemas.microsoft.com/office/powerpoint/2010/main" val="462013364"/>
       </p:ext>
     </p:extLst>
   </p:cSld>
@@ -21718,7 +22008,7 @@
     <p:bg>
       <p:bgPr>
         <a:blipFill dpi="0" rotWithShape="1">
-          <a:blip r:embed="rId3">
+          <a:blip r:embed="rId3" cstate="print">
             <a:lum/>
           </a:blip>
           <a:srcRect/>
@@ -21786,7 +22076,7 @@
     </p:spTree>
     <p:extLst>
       <p:ext uri="{BB962C8B-B14F-4D97-AF65-F5344CB8AC3E}">
-        <p14:creationId xmlns:p14="http://schemas.microsoft.com/office/powerpoint/2010/main" val="1878043719"/>
+        <p14:creationId xmlns="" xmlns:p14="http://schemas.microsoft.com/office/powerpoint/2010/main" val="1878043719"/>
       </p:ext>
     </p:extLst>
   </p:cSld>
@@ -22025,7 +22315,7 @@
     </p:spTree>
     <p:extLst>
       <p:ext uri="{BB962C8B-B14F-4D97-AF65-F5344CB8AC3E}">
-        <p14:creationId xmlns:p14="http://schemas.microsoft.com/office/powerpoint/2010/main" val="575881821"/>
+        <p14:creationId xmlns="" xmlns:p14="http://schemas.microsoft.com/office/powerpoint/2010/main" val="575881821"/>
       </p:ext>
     </p:extLst>
   </p:cSld>
@@ -22218,7 +22508,7 @@
     <p:bg>
       <p:bgPr>
         <a:blipFill dpi="0" rotWithShape="1">
-          <a:blip r:embed="rId3">
+          <a:blip r:embed="rId3" cstate="print">
             <a:lum/>
           </a:blip>
           <a:srcRect/>
@@ -22303,7 +22593,7 @@
     </p:spTree>
     <p:extLst>
       <p:ext uri="{BB962C8B-B14F-4D97-AF65-F5344CB8AC3E}">
-        <p14:creationId xmlns:p14="http://schemas.microsoft.com/office/powerpoint/2010/main" val="3330765813"/>
+        <p14:creationId xmlns="" xmlns:p14="http://schemas.microsoft.com/office/powerpoint/2010/main" val="3330765813"/>
       </p:ext>
     </p:extLst>
   </p:cSld>
@@ -22448,7 +22738,7 @@
     </p:spTree>
     <p:extLst>
       <p:ext uri="{BB962C8B-B14F-4D97-AF65-F5344CB8AC3E}">
-        <p14:creationId xmlns:p14="http://schemas.microsoft.com/office/powerpoint/2010/main" val="2667987071"/>
+        <p14:creationId xmlns="" xmlns:p14="http://schemas.microsoft.com/office/powerpoint/2010/main" val="2667987071"/>
       </p:ext>
     </p:extLst>
   </p:cSld>
@@ -22724,7 +23014,7 @@
     </p:spTree>
     <p:extLst>
       <p:ext uri="{BB962C8B-B14F-4D97-AF65-F5344CB8AC3E}">
-        <p14:creationId xmlns:p14="http://schemas.microsoft.com/office/powerpoint/2010/main" val="1892345182"/>
+        <p14:creationId xmlns="" xmlns:p14="http://schemas.microsoft.com/office/powerpoint/2010/main" val="1892345182"/>
       </p:ext>
     </p:extLst>
   </p:cSld>
@@ -22923,10 +23213,10 @@
           <p:nvPr/>
         </p:nvPicPr>
         <p:blipFill>
-          <a:blip r:embed="rId2">
+          <a:blip r:embed="rId2" cstate="print">
             <a:extLst>
               <a:ext uri="{28A0092B-C50C-407E-A947-70E740481C1C}">
-                <a14:useLocalDpi xmlns:a14="http://schemas.microsoft.com/office/drawing/2010/main" val="0"/>
+                <a14:useLocalDpi xmlns="" xmlns:a14="http://schemas.microsoft.com/office/drawing/2010/main" val="0"/>
               </a:ext>
             </a:extLst>
           </a:blip>
@@ -22949,14 +23239,14 @@
           </a:ln>
           <a:extLst>
             <a:ext uri="{909E8E84-426E-40DD-AFC4-6F175D3DCCD1}">
-              <a14:hiddenFill xmlns:a14="http://schemas.microsoft.com/office/drawing/2010/main">
+              <a14:hiddenFill xmlns="" xmlns:a14="http://schemas.microsoft.com/office/drawing/2010/main">
                 <a:solidFill>
                   <a:schemeClr val="accent1"/>
                 </a:solidFill>
               </a14:hiddenFill>
             </a:ext>
             <a:ext uri="{91240B29-F687-4F45-9708-019B960494DF}">
-              <a14:hiddenLine xmlns:a14="http://schemas.microsoft.com/office/drawing/2010/main" w="9525">
+              <a14:hiddenLine xmlns="" xmlns:a14="http://schemas.microsoft.com/office/drawing/2010/main" w="9525">
                 <a:solidFill>
                   <a:schemeClr val="tx1"/>
                 </a:solidFill>
@@ -22971,7 +23261,7 @@
     </p:spTree>
     <p:extLst>
       <p:ext uri="{BB962C8B-B14F-4D97-AF65-F5344CB8AC3E}">
-        <p14:creationId xmlns:p14="http://schemas.microsoft.com/office/powerpoint/2010/main" val="3676569349"/>
+        <p14:creationId xmlns="" xmlns:p14="http://schemas.microsoft.com/office/powerpoint/2010/main" val="3676569349"/>
       </p:ext>
     </p:extLst>
   </p:cSld>
@@ -23368,7 +23658,7 @@
     </p:spTree>
     <p:extLst>
       <p:ext uri="{BB962C8B-B14F-4D97-AF65-F5344CB8AC3E}">
-        <p14:creationId xmlns:p14="http://schemas.microsoft.com/office/powerpoint/2010/main" val="2872854495"/>
+        <p14:creationId xmlns="" xmlns:p14="http://schemas.microsoft.com/office/powerpoint/2010/main" val="2872854495"/>
       </p:ext>
     </p:extLst>
   </p:cSld>
@@ -23590,10 +23880,10 @@
           <p:nvPr/>
         </p:nvPicPr>
         <p:blipFill>
-          <a:blip r:embed="rId3">
+          <a:blip r:embed="rId3" cstate="print">
             <a:extLst>
               <a:ext uri="{28A0092B-C50C-407E-A947-70E740481C1C}">
-                <a14:useLocalDpi xmlns:a14="http://schemas.microsoft.com/office/drawing/2010/main" val="0"/>
+                <a14:useLocalDpi xmlns="" xmlns:a14="http://schemas.microsoft.com/office/drawing/2010/main" val="0"/>
               </a:ext>
             </a:extLst>
           </a:blip>
@@ -23616,14 +23906,14 @@
           </a:ln>
           <a:extLst>
             <a:ext uri="{909E8E84-426E-40DD-AFC4-6F175D3DCCD1}">
-              <a14:hiddenFill xmlns:a14="http://schemas.microsoft.com/office/drawing/2010/main">
+              <a14:hiddenFill xmlns="" xmlns:a14="http://schemas.microsoft.com/office/drawing/2010/main">
                 <a:solidFill>
                   <a:schemeClr val="accent1"/>
                 </a:solidFill>
               </a14:hiddenFill>
             </a:ext>
             <a:ext uri="{91240B29-F687-4F45-9708-019B960494DF}">
-              <a14:hiddenLine xmlns:a14="http://schemas.microsoft.com/office/drawing/2010/main" w="9525">
+              <a14:hiddenLine xmlns="" xmlns:a14="http://schemas.microsoft.com/office/drawing/2010/main" w="9525">
                 <a:solidFill>
                   <a:schemeClr val="tx1"/>
                 </a:solidFill>
@@ -23638,7 +23928,7 @@
     </p:spTree>
     <p:extLst>
       <p:ext uri="{BB962C8B-B14F-4D97-AF65-F5344CB8AC3E}">
-        <p14:creationId xmlns:p14="http://schemas.microsoft.com/office/powerpoint/2010/main" val="3689951603"/>
+        <p14:creationId xmlns="" xmlns:p14="http://schemas.microsoft.com/office/powerpoint/2010/main" val="3689951603"/>
       </p:ext>
     </p:extLst>
   </p:cSld>
